--- a/GANs_Presentation.pptx
+++ b/GANs_Presentation.pptx
@@ -7,6 +7,14 @@
   <p:sldIdLst>
     <p:sldId id="257" r:id="rId2"/>
     <p:sldId id="258" r:id="rId3"/>
+    <p:sldId id="259" r:id="rId4"/>
+    <p:sldId id="260" r:id="rId5"/>
+    <p:sldId id="261" r:id="rId6"/>
+    <p:sldId id="267" r:id="rId7"/>
+    <p:sldId id="262" r:id="rId8"/>
+    <p:sldId id="263" r:id="rId9"/>
+    <p:sldId id="264" r:id="rId10"/>
+    <p:sldId id="266" r:id="rId11"/>
   </p:sldIdLst>
   <p:sldSz cx="12192000" cy="6858000"/>
   <p:notesSz cx="6858000" cy="9144000"/>
@@ -105,7 +113,3297 @@
       </a:defRPr>
     </a:lvl9pPr>
   </p:defaultTextStyle>
+  <p:extLst>
+    <p:ext uri="{EFAFB233-063F-42B5-8137-9DF3F51BA10A}">
+      <p15:sldGuideLst xmlns:p15="http://schemas.microsoft.com/office/powerpoint/2012/main"/>
+    </p:ext>
+  </p:extLst>
 </p:presentation>
+</file>
+
+<file path=ppt/diagrams/colors1.xml><?xml version="1.0" encoding="utf-8"?>
+<dgm:colorsDef xmlns:dgm="http://schemas.openxmlformats.org/drawingml/2006/diagram" xmlns:a="http://schemas.openxmlformats.org/drawingml/2006/main" uniqueId="urn:microsoft.com/office/officeart/2005/8/colors/colorful1">
+  <dgm:title val=""/>
+  <dgm:desc val=""/>
+  <dgm:catLst>
+    <dgm:cat type="colorful" pri="10100"/>
+  </dgm:catLst>
+  <dgm:styleLbl name="node0">
+    <dgm:fillClrLst meth="repeat">
+      <a:schemeClr val="accent1"/>
+    </dgm:fillClrLst>
+    <dgm:linClrLst meth="repeat">
+      <a:schemeClr val="lt1"/>
+    </dgm:linClrLst>
+    <dgm:effectClrLst/>
+    <dgm:txLinClrLst/>
+    <dgm:txFillClrLst/>
+    <dgm:txEffectClrLst/>
+  </dgm:styleLbl>
+  <dgm:styleLbl name="node1">
+    <dgm:fillClrLst meth="repeat">
+      <a:schemeClr val="accent2"/>
+      <a:schemeClr val="accent3"/>
+      <a:schemeClr val="accent4"/>
+      <a:schemeClr val="accent5"/>
+      <a:schemeClr val="accent6"/>
+    </dgm:fillClrLst>
+    <dgm:linClrLst meth="repeat">
+      <a:schemeClr val="lt1"/>
+    </dgm:linClrLst>
+    <dgm:effectClrLst/>
+    <dgm:txLinClrLst/>
+    <dgm:txFillClrLst/>
+    <dgm:txEffectClrLst/>
+  </dgm:styleLbl>
+  <dgm:styleLbl name="alignNode1">
+    <dgm:fillClrLst meth="repeat">
+      <a:schemeClr val="accent2"/>
+      <a:schemeClr val="accent3"/>
+      <a:schemeClr val="accent4"/>
+      <a:schemeClr val="accent5"/>
+      <a:schemeClr val="accent6"/>
+    </dgm:fillClrLst>
+    <dgm:linClrLst meth="repeat">
+      <a:schemeClr val="accent2"/>
+      <a:schemeClr val="accent3"/>
+      <a:schemeClr val="accent4"/>
+      <a:schemeClr val="accent5"/>
+      <a:schemeClr val="accent6"/>
+    </dgm:linClrLst>
+    <dgm:effectClrLst/>
+    <dgm:txLinClrLst/>
+    <dgm:txFillClrLst/>
+    <dgm:txEffectClrLst/>
+  </dgm:styleLbl>
+  <dgm:styleLbl name="lnNode1">
+    <dgm:fillClrLst meth="repeat">
+      <a:schemeClr val="accent2"/>
+      <a:schemeClr val="accent3"/>
+      <a:schemeClr val="accent4"/>
+      <a:schemeClr val="accent5"/>
+      <a:schemeClr val="accent6"/>
+    </dgm:fillClrLst>
+    <dgm:linClrLst meth="repeat">
+      <a:schemeClr val="lt1"/>
+    </dgm:linClrLst>
+    <dgm:effectClrLst/>
+    <dgm:txLinClrLst/>
+    <dgm:txFillClrLst/>
+    <dgm:txEffectClrLst/>
+  </dgm:styleLbl>
+  <dgm:styleLbl name="vennNode1">
+    <dgm:fillClrLst meth="repeat">
+      <a:schemeClr val="accent2">
+        <a:alpha val="50000"/>
+      </a:schemeClr>
+      <a:schemeClr val="accent3">
+        <a:alpha val="50000"/>
+      </a:schemeClr>
+      <a:schemeClr val="accent4">
+        <a:alpha val="50000"/>
+      </a:schemeClr>
+      <a:schemeClr val="accent5">
+        <a:alpha val="50000"/>
+      </a:schemeClr>
+      <a:schemeClr val="accent6">
+        <a:alpha val="50000"/>
+      </a:schemeClr>
+    </dgm:fillClrLst>
+    <dgm:linClrLst meth="repeat">
+      <a:schemeClr val="lt1"/>
+    </dgm:linClrLst>
+    <dgm:effectClrLst/>
+    <dgm:txLinClrLst/>
+    <dgm:txFillClrLst/>
+    <dgm:txEffectClrLst/>
+  </dgm:styleLbl>
+  <dgm:styleLbl name="node2">
+    <dgm:fillClrLst>
+      <a:schemeClr val="accent2"/>
+    </dgm:fillClrLst>
+    <dgm:linClrLst meth="repeat">
+      <a:schemeClr val="lt1"/>
+    </dgm:linClrLst>
+    <dgm:effectClrLst/>
+    <dgm:txLinClrLst/>
+    <dgm:txFillClrLst/>
+    <dgm:txEffectClrLst/>
+  </dgm:styleLbl>
+  <dgm:styleLbl name="node3">
+    <dgm:fillClrLst>
+      <a:schemeClr val="accent3"/>
+    </dgm:fillClrLst>
+    <dgm:linClrLst meth="repeat">
+      <a:schemeClr val="lt1"/>
+    </dgm:linClrLst>
+    <dgm:effectClrLst/>
+    <dgm:txLinClrLst/>
+    <dgm:txFillClrLst/>
+    <dgm:txEffectClrLst/>
+  </dgm:styleLbl>
+  <dgm:styleLbl name="node4">
+    <dgm:fillClrLst>
+      <a:schemeClr val="accent4"/>
+    </dgm:fillClrLst>
+    <dgm:linClrLst meth="repeat">
+      <a:schemeClr val="lt1"/>
+    </dgm:linClrLst>
+    <dgm:effectClrLst/>
+    <dgm:txLinClrLst/>
+    <dgm:txFillClrLst/>
+    <dgm:txEffectClrLst/>
+  </dgm:styleLbl>
+  <dgm:styleLbl name="fgImgPlace1">
+    <dgm:fillClrLst meth="repeat">
+      <a:schemeClr val="accent2">
+        <a:tint val="50000"/>
+      </a:schemeClr>
+      <a:schemeClr val="accent3">
+        <a:tint val="50000"/>
+      </a:schemeClr>
+      <a:schemeClr val="accent4">
+        <a:tint val="50000"/>
+      </a:schemeClr>
+      <a:schemeClr val="accent5">
+        <a:tint val="50000"/>
+      </a:schemeClr>
+      <a:schemeClr val="accent6">
+        <a:tint val="50000"/>
+      </a:schemeClr>
+    </dgm:fillClrLst>
+    <dgm:linClrLst meth="repeat">
+      <a:schemeClr val="lt1"/>
+    </dgm:linClrLst>
+    <dgm:effectClrLst/>
+    <dgm:txLinClrLst/>
+    <dgm:txFillClrLst meth="repeat">
+      <a:schemeClr val="lt1"/>
+    </dgm:txFillClrLst>
+    <dgm:txEffectClrLst/>
+  </dgm:styleLbl>
+  <dgm:styleLbl name="alignImgPlace1">
+    <dgm:fillClrLst>
+      <a:schemeClr val="accent1">
+        <a:tint val="50000"/>
+      </a:schemeClr>
+      <a:schemeClr val="accent2">
+        <a:tint val="20000"/>
+      </a:schemeClr>
+    </dgm:fillClrLst>
+    <dgm:linClrLst meth="repeat">
+      <a:schemeClr val="lt1"/>
+    </dgm:linClrLst>
+    <dgm:effectClrLst/>
+    <dgm:txLinClrLst/>
+    <dgm:txFillClrLst meth="repeat">
+      <a:schemeClr val="lt1"/>
+    </dgm:txFillClrLst>
+    <dgm:txEffectClrLst/>
+  </dgm:styleLbl>
+  <dgm:styleLbl name="bgImgPlace1">
+    <dgm:fillClrLst>
+      <a:schemeClr val="accent1">
+        <a:tint val="50000"/>
+      </a:schemeClr>
+      <a:schemeClr val="accent2">
+        <a:tint val="20000"/>
+      </a:schemeClr>
+    </dgm:fillClrLst>
+    <dgm:linClrLst meth="repeat">
+      <a:schemeClr val="lt1"/>
+    </dgm:linClrLst>
+    <dgm:effectClrLst/>
+    <dgm:txLinClrLst/>
+    <dgm:txFillClrLst meth="repeat">
+      <a:schemeClr val="lt1"/>
+    </dgm:txFillClrLst>
+    <dgm:txEffectClrLst/>
+  </dgm:styleLbl>
+  <dgm:styleLbl name="sibTrans2D1">
+    <dgm:fillClrLst meth="repeat">
+      <a:schemeClr val="accent2"/>
+      <a:schemeClr val="accent3"/>
+      <a:schemeClr val="accent4"/>
+      <a:schemeClr val="accent5"/>
+      <a:schemeClr val="accent6"/>
+    </dgm:fillClrLst>
+    <dgm:linClrLst meth="cycle">
+      <a:schemeClr val="lt1"/>
+    </dgm:linClrLst>
+    <dgm:effectClrLst/>
+    <dgm:txLinClrLst/>
+    <dgm:txFillClrLst/>
+    <dgm:txEffectClrLst/>
+  </dgm:styleLbl>
+  <dgm:styleLbl name="fgSibTrans2D1">
+    <dgm:fillClrLst meth="repeat">
+      <a:schemeClr val="accent2"/>
+      <a:schemeClr val="accent3"/>
+      <a:schemeClr val="accent4"/>
+      <a:schemeClr val="accent5"/>
+      <a:schemeClr val="accent6"/>
+    </dgm:fillClrLst>
+    <dgm:linClrLst meth="cycle">
+      <a:schemeClr val="lt1"/>
+    </dgm:linClrLst>
+    <dgm:effectClrLst/>
+    <dgm:txLinClrLst/>
+    <dgm:txFillClrLst meth="repeat">
+      <a:schemeClr val="lt1"/>
+    </dgm:txFillClrLst>
+    <dgm:txEffectClrLst/>
+  </dgm:styleLbl>
+  <dgm:styleLbl name="bgSibTrans2D1">
+    <dgm:fillClrLst meth="repeat">
+      <a:schemeClr val="accent2"/>
+      <a:schemeClr val="accent3"/>
+      <a:schemeClr val="accent4"/>
+      <a:schemeClr val="accent5"/>
+      <a:schemeClr val="accent6"/>
+    </dgm:fillClrLst>
+    <dgm:linClrLst meth="cycle">
+      <a:schemeClr val="lt1"/>
+    </dgm:linClrLst>
+    <dgm:effectClrLst/>
+    <dgm:txLinClrLst/>
+    <dgm:txFillClrLst meth="repeat">
+      <a:schemeClr val="lt1"/>
+    </dgm:txFillClrLst>
+    <dgm:txEffectClrLst/>
+  </dgm:styleLbl>
+  <dgm:styleLbl name="sibTrans1D1">
+    <dgm:fillClrLst meth="repeat">
+      <a:schemeClr val="accent2"/>
+      <a:schemeClr val="accent3"/>
+      <a:schemeClr val="accent4"/>
+      <a:schemeClr val="accent5"/>
+      <a:schemeClr val="accent6"/>
+    </dgm:fillClrLst>
+    <dgm:linClrLst meth="repeat">
+      <a:schemeClr val="accent2"/>
+      <a:schemeClr val="accent3"/>
+      <a:schemeClr val="accent4"/>
+      <a:schemeClr val="accent5"/>
+      <a:schemeClr val="accent6"/>
+    </dgm:linClrLst>
+    <dgm:effectClrLst/>
+    <dgm:txLinClrLst/>
+    <dgm:txFillClrLst meth="repeat">
+      <a:schemeClr val="tx1"/>
+    </dgm:txFillClrLst>
+    <dgm:txEffectClrLst/>
+  </dgm:styleLbl>
+  <dgm:styleLbl name="callout">
+    <dgm:fillClrLst meth="repeat">
+      <a:schemeClr val="accent2"/>
+    </dgm:fillClrLst>
+    <dgm:linClrLst meth="repeat">
+      <a:schemeClr val="accent2">
+        <a:tint val="50000"/>
+      </a:schemeClr>
+    </dgm:linClrLst>
+    <dgm:effectClrLst/>
+    <dgm:txLinClrLst/>
+    <dgm:txFillClrLst meth="repeat">
+      <a:schemeClr val="tx1"/>
+    </dgm:txFillClrLst>
+    <dgm:txEffectClrLst/>
+  </dgm:styleLbl>
+  <dgm:styleLbl name="asst0">
+    <dgm:fillClrLst meth="repeat">
+      <a:schemeClr val="accent1"/>
+    </dgm:fillClrLst>
+    <dgm:linClrLst meth="repeat">
+      <a:schemeClr val="lt1"/>
+    </dgm:linClrLst>
+    <dgm:effectClrLst/>
+    <dgm:txLinClrLst/>
+    <dgm:txFillClrLst/>
+    <dgm:txEffectClrLst/>
+  </dgm:styleLbl>
+  <dgm:styleLbl name="asst1">
+    <dgm:fillClrLst meth="repeat">
+      <a:schemeClr val="accent2"/>
+    </dgm:fillClrLst>
+    <dgm:linClrLst meth="repeat">
+      <a:schemeClr val="lt1"/>
+    </dgm:linClrLst>
+    <dgm:effectClrLst/>
+    <dgm:txLinClrLst/>
+    <dgm:txFillClrLst/>
+    <dgm:txEffectClrLst/>
+  </dgm:styleLbl>
+  <dgm:styleLbl name="asst2">
+    <dgm:fillClrLst>
+      <a:schemeClr val="accent3"/>
+    </dgm:fillClrLst>
+    <dgm:linClrLst meth="repeat">
+      <a:schemeClr val="lt1"/>
+    </dgm:linClrLst>
+    <dgm:effectClrLst/>
+    <dgm:txLinClrLst/>
+    <dgm:txFillClrLst/>
+    <dgm:txEffectClrLst/>
+  </dgm:styleLbl>
+  <dgm:styleLbl name="asst3">
+    <dgm:fillClrLst>
+      <a:schemeClr val="accent4"/>
+    </dgm:fillClrLst>
+    <dgm:linClrLst meth="repeat">
+      <a:schemeClr val="lt1"/>
+    </dgm:linClrLst>
+    <dgm:effectClrLst/>
+    <dgm:txLinClrLst/>
+    <dgm:txFillClrLst/>
+    <dgm:txEffectClrLst/>
+  </dgm:styleLbl>
+  <dgm:styleLbl name="asst4">
+    <dgm:fillClrLst>
+      <a:schemeClr val="accent5"/>
+    </dgm:fillClrLst>
+    <dgm:linClrLst meth="repeat">
+      <a:schemeClr val="lt1"/>
+    </dgm:linClrLst>
+    <dgm:effectClrLst/>
+    <dgm:txLinClrLst/>
+    <dgm:txFillClrLst/>
+    <dgm:txEffectClrLst/>
+  </dgm:styleLbl>
+  <dgm:styleLbl name="parChTrans2D1">
+    <dgm:fillClrLst meth="repeat">
+      <a:schemeClr val="accent2"/>
+    </dgm:fillClrLst>
+    <dgm:linClrLst meth="repeat">
+      <a:schemeClr val="lt1"/>
+    </dgm:linClrLst>
+    <dgm:effectClrLst/>
+    <dgm:txLinClrLst/>
+    <dgm:txFillClrLst meth="repeat">
+      <a:schemeClr val="lt1"/>
+    </dgm:txFillClrLst>
+    <dgm:txEffectClrLst/>
+  </dgm:styleLbl>
+  <dgm:styleLbl name="parChTrans2D2">
+    <dgm:fillClrLst meth="repeat">
+      <a:schemeClr val="accent3"/>
+    </dgm:fillClrLst>
+    <dgm:linClrLst meth="repeat">
+      <a:schemeClr val="lt1"/>
+    </dgm:linClrLst>
+    <dgm:effectClrLst/>
+    <dgm:txLinClrLst/>
+    <dgm:txFillClrLst/>
+    <dgm:txEffectClrLst/>
+  </dgm:styleLbl>
+  <dgm:styleLbl name="parChTrans2D3">
+    <dgm:fillClrLst meth="repeat">
+      <a:schemeClr val="accent4"/>
+    </dgm:fillClrLst>
+    <dgm:linClrLst meth="repeat">
+      <a:schemeClr val="lt1"/>
+    </dgm:linClrLst>
+    <dgm:effectClrLst/>
+    <dgm:txLinClrLst/>
+    <dgm:txFillClrLst/>
+    <dgm:txEffectClrLst/>
+  </dgm:styleLbl>
+  <dgm:styleLbl name="parChTrans2D4">
+    <dgm:fillClrLst meth="repeat">
+      <a:schemeClr val="accent5"/>
+    </dgm:fillClrLst>
+    <dgm:linClrLst meth="repeat">
+      <a:schemeClr val="lt1"/>
+    </dgm:linClrLst>
+    <dgm:effectClrLst/>
+    <dgm:txLinClrLst/>
+    <dgm:txFillClrLst meth="repeat">
+      <a:schemeClr val="lt1"/>
+    </dgm:txFillClrLst>
+    <dgm:txEffectClrLst/>
+  </dgm:styleLbl>
+  <dgm:styleLbl name="parChTrans1D1">
+    <dgm:fillClrLst meth="repeat">
+      <a:schemeClr val="accent2"/>
+    </dgm:fillClrLst>
+    <dgm:linClrLst meth="repeat">
+      <a:schemeClr val="accent1"/>
+    </dgm:linClrLst>
+    <dgm:effectClrLst/>
+    <dgm:txLinClrLst/>
+    <dgm:txFillClrLst meth="repeat">
+      <a:schemeClr val="tx1"/>
+    </dgm:txFillClrLst>
+    <dgm:txEffectClrLst/>
+  </dgm:styleLbl>
+  <dgm:styleLbl name="parChTrans1D2">
+    <dgm:fillClrLst meth="repeat">
+      <a:schemeClr val="accent3">
+        <a:tint val="90000"/>
+      </a:schemeClr>
+    </dgm:fillClrLst>
+    <dgm:linClrLst meth="repeat">
+      <a:schemeClr val="accent2"/>
+    </dgm:linClrLst>
+    <dgm:effectClrLst/>
+    <dgm:txLinClrLst/>
+    <dgm:txFillClrLst meth="repeat">
+      <a:schemeClr val="tx1"/>
+    </dgm:txFillClrLst>
+    <dgm:txEffectClrLst/>
+  </dgm:styleLbl>
+  <dgm:styleLbl name="parChTrans1D3">
+    <dgm:fillClrLst meth="repeat">
+      <a:schemeClr val="accent4">
+        <a:tint val="70000"/>
+      </a:schemeClr>
+    </dgm:fillClrLst>
+    <dgm:linClrLst meth="repeat">
+      <a:schemeClr val="accent3"/>
+    </dgm:linClrLst>
+    <dgm:effectClrLst/>
+    <dgm:txLinClrLst/>
+    <dgm:txFillClrLst meth="repeat">
+      <a:schemeClr val="tx1"/>
+    </dgm:txFillClrLst>
+    <dgm:txEffectClrLst/>
+  </dgm:styleLbl>
+  <dgm:styleLbl name="parChTrans1D4">
+    <dgm:fillClrLst meth="repeat">
+      <a:schemeClr val="accent5">
+        <a:tint val="50000"/>
+      </a:schemeClr>
+    </dgm:fillClrLst>
+    <dgm:linClrLst meth="repeat">
+      <a:schemeClr val="accent4"/>
+    </dgm:linClrLst>
+    <dgm:effectClrLst/>
+    <dgm:txLinClrLst/>
+    <dgm:txFillClrLst meth="repeat">
+      <a:schemeClr val="tx1"/>
+    </dgm:txFillClrLst>
+    <dgm:txEffectClrLst/>
+  </dgm:styleLbl>
+  <dgm:styleLbl name="fgAcc1">
+    <dgm:fillClrLst meth="repeat">
+      <a:schemeClr val="lt1">
+        <a:alpha val="90000"/>
+      </a:schemeClr>
+    </dgm:fillClrLst>
+    <dgm:linClrLst meth="repeat">
+      <a:schemeClr val="accent2"/>
+      <a:schemeClr val="accent3"/>
+      <a:schemeClr val="accent4"/>
+      <a:schemeClr val="accent5"/>
+      <a:schemeClr val="accent6"/>
+    </dgm:linClrLst>
+    <dgm:effectClrLst/>
+    <dgm:txLinClrLst/>
+    <dgm:txFillClrLst meth="repeat">
+      <a:schemeClr val="dk1"/>
+    </dgm:txFillClrLst>
+    <dgm:txEffectClrLst/>
+  </dgm:styleLbl>
+  <dgm:styleLbl name="conFgAcc1">
+    <dgm:fillClrLst meth="repeat">
+      <a:schemeClr val="lt1">
+        <a:alpha val="90000"/>
+      </a:schemeClr>
+    </dgm:fillClrLst>
+    <dgm:linClrLst meth="repeat">
+      <a:schemeClr val="accent2"/>
+      <a:schemeClr val="accent3"/>
+      <a:schemeClr val="accent4"/>
+      <a:schemeClr val="accent5"/>
+      <a:schemeClr val="accent6"/>
+    </dgm:linClrLst>
+    <dgm:effectClrLst/>
+    <dgm:txLinClrLst/>
+    <dgm:txFillClrLst meth="repeat">
+      <a:schemeClr val="dk1"/>
+    </dgm:txFillClrLst>
+    <dgm:txEffectClrLst/>
+  </dgm:styleLbl>
+  <dgm:styleLbl name="alignAcc1">
+    <dgm:fillClrLst meth="repeat">
+      <a:schemeClr val="lt1">
+        <a:alpha val="90000"/>
+      </a:schemeClr>
+    </dgm:fillClrLst>
+    <dgm:linClrLst meth="repeat">
+      <a:schemeClr val="accent2"/>
+      <a:schemeClr val="accent3"/>
+      <a:schemeClr val="accent4"/>
+      <a:schemeClr val="accent5"/>
+      <a:schemeClr val="accent6"/>
+    </dgm:linClrLst>
+    <dgm:effectClrLst/>
+    <dgm:txLinClrLst/>
+    <dgm:txFillClrLst meth="repeat">
+      <a:schemeClr val="dk1"/>
+    </dgm:txFillClrLst>
+    <dgm:txEffectClrLst/>
+  </dgm:styleLbl>
+  <dgm:styleLbl name="trAlignAcc1">
+    <dgm:fillClrLst meth="repeat">
+      <a:schemeClr val="lt1">
+        <a:alpha val="40000"/>
+      </a:schemeClr>
+    </dgm:fillClrLst>
+    <dgm:linClrLst meth="repeat">
+      <a:schemeClr val="accent1"/>
+    </dgm:linClrLst>
+    <dgm:effectClrLst/>
+    <dgm:txLinClrLst/>
+    <dgm:txFillClrLst meth="repeat">
+      <a:schemeClr val="dk1"/>
+    </dgm:txFillClrLst>
+    <dgm:txEffectClrLst/>
+  </dgm:styleLbl>
+  <dgm:styleLbl name="bgAcc1">
+    <dgm:fillClrLst meth="repeat">
+      <a:schemeClr val="lt1">
+        <a:alpha val="90000"/>
+      </a:schemeClr>
+    </dgm:fillClrLst>
+    <dgm:linClrLst meth="repeat">
+      <a:schemeClr val="accent2"/>
+      <a:schemeClr val="accent3"/>
+      <a:schemeClr val="accent4"/>
+      <a:schemeClr val="accent5"/>
+      <a:schemeClr val="accent6"/>
+    </dgm:linClrLst>
+    <dgm:effectClrLst/>
+    <dgm:txLinClrLst/>
+    <dgm:txFillClrLst meth="repeat">
+      <a:schemeClr val="dk1"/>
+    </dgm:txFillClrLst>
+    <dgm:txEffectClrLst/>
+  </dgm:styleLbl>
+  <dgm:styleLbl name="solidFgAcc1">
+    <dgm:fillClrLst meth="repeat">
+      <a:schemeClr val="lt1"/>
+    </dgm:fillClrLst>
+    <dgm:linClrLst meth="repeat">
+      <a:schemeClr val="accent2"/>
+      <a:schemeClr val="accent3"/>
+      <a:schemeClr val="accent4"/>
+      <a:schemeClr val="accent5"/>
+      <a:schemeClr val="accent6"/>
+    </dgm:linClrLst>
+    <dgm:effectClrLst/>
+    <dgm:txLinClrLst/>
+    <dgm:txFillClrLst meth="repeat">
+      <a:schemeClr val="dk1"/>
+    </dgm:txFillClrLst>
+    <dgm:txEffectClrLst/>
+  </dgm:styleLbl>
+  <dgm:styleLbl name="solidAlignAcc1">
+    <dgm:fillClrLst meth="repeat">
+      <a:schemeClr val="lt1"/>
+    </dgm:fillClrLst>
+    <dgm:linClrLst meth="repeat">
+      <a:schemeClr val="accent2"/>
+      <a:schemeClr val="accent3"/>
+      <a:schemeClr val="accent4"/>
+      <a:schemeClr val="accent5"/>
+      <a:schemeClr val="accent6"/>
+    </dgm:linClrLst>
+    <dgm:effectClrLst/>
+    <dgm:txLinClrLst/>
+    <dgm:txFillClrLst meth="repeat">
+      <a:schemeClr val="dk1"/>
+    </dgm:txFillClrLst>
+    <dgm:txEffectClrLst/>
+  </dgm:styleLbl>
+  <dgm:styleLbl name="solidBgAcc1">
+    <dgm:fillClrLst meth="repeat">
+      <a:schemeClr val="lt1"/>
+    </dgm:fillClrLst>
+    <dgm:linClrLst meth="repeat">
+      <a:schemeClr val="accent2"/>
+      <a:schemeClr val="accent3"/>
+      <a:schemeClr val="accent4"/>
+      <a:schemeClr val="accent5"/>
+      <a:schemeClr val="accent6"/>
+    </dgm:linClrLst>
+    <dgm:effectClrLst/>
+    <dgm:txLinClrLst/>
+    <dgm:txFillClrLst meth="repeat">
+      <a:schemeClr val="dk1"/>
+    </dgm:txFillClrLst>
+    <dgm:txEffectClrLst/>
+  </dgm:styleLbl>
+  <dgm:styleLbl name="fgAccFollowNode1">
+    <dgm:fillClrLst meth="repeat">
+      <a:schemeClr val="accent2">
+        <a:tint val="40000"/>
+        <a:alpha val="90000"/>
+      </a:schemeClr>
+      <a:schemeClr val="accent3">
+        <a:tint val="40000"/>
+        <a:alpha val="90000"/>
+      </a:schemeClr>
+      <a:schemeClr val="accent4">
+        <a:tint val="40000"/>
+        <a:alpha val="90000"/>
+      </a:schemeClr>
+      <a:schemeClr val="accent5">
+        <a:tint val="40000"/>
+        <a:alpha val="90000"/>
+      </a:schemeClr>
+      <a:schemeClr val="accent6">
+        <a:tint val="40000"/>
+        <a:alpha val="90000"/>
+      </a:schemeClr>
+    </dgm:fillClrLst>
+    <dgm:linClrLst meth="repeat">
+      <a:schemeClr val="accent2">
+        <a:tint val="40000"/>
+        <a:alpha val="90000"/>
+      </a:schemeClr>
+      <a:schemeClr val="accent3">
+        <a:tint val="40000"/>
+        <a:alpha val="90000"/>
+      </a:schemeClr>
+      <a:schemeClr val="accent4">
+        <a:tint val="40000"/>
+        <a:alpha val="90000"/>
+      </a:schemeClr>
+      <a:schemeClr val="accent5">
+        <a:tint val="40000"/>
+        <a:alpha val="90000"/>
+      </a:schemeClr>
+      <a:schemeClr val="accent6">
+        <a:tint val="40000"/>
+        <a:alpha val="90000"/>
+      </a:schemeClr>
+    </dgm:linClrLst>
+    <dgm:effectClrLst/>
+    <dgm:txLinClrLst/>
+    <dgm:txFillClrLst meth="repeat">
+      <a:schemeClr val="dk1"/>
+    </dgm:txFillClrLst>
+    <dgm:txEffectClrLst/>
+  </dgm:styleLbl>
+  <dgm:styleLbl name="alignAccFollowNode1">
+    <dgm:fillClrLst meth="repeat">
+      <a:schemeClr val="accent2">
+        <a:tint val="40000"/>
+        <a:alpha val="90000"/>
+      </a:schemeClr>
+      <a:schemeClr val="accent3">
+        <a:tint val="40000"/>
+        <a:alpha val="90000"/>
+      </a:schemeClr>
+      <a:schemeClr val="accent4">
+        <a:tint val="40000"/>
+        <a:alpha val="90000"/>
+      </a:schemeClr>
+      <a:schemeClr val="accent5">
+        <a:tint val="40000"/>
+        <a:alpha val="90000"/>
+      </a:schemeClr>
+      <a:schemeClr val="accent6">
+        <a:tint val="40000"/>
+        <a:alpha val="90000"/>
+      </a:schemeClr>
+    </dgm:fillClrLst>
+    <dgm:linClrLst meth="repeat">
+      <a:schemeClr val="accent2">
+        <a:tint val="40000"/>
+        <a:alpha val="90000"/>
+      </a:schemeClr>
+      <a:schemeClr val="accent3">
+        <a:tint val="40000"/>
+        <a:alpha val="90000"/>
+      </a:schemeClr>
+      <a:schemeClr val="accent4">
+        <a:tint val="40000"/>
+        <a:alpha val="90000"/>
+      </a:schemeClr>
+      <a:schemeClr val="accent5">
+        <a:tint val="40000"/>
+        <a:alpha val="90000"/>
+      </a:schemeClr>
+      <a:schemeClr val="accent6">
+        <a:tint val="40000"/>
+        <a:alpha val="90000"/>
+      </a:schemeClr>
+    </dgm:linClrLst>
+    <dgm:effectClrLst/>
+    <dgm:txLinClrLst/>
+    <dgm:txFillClrLst meth="repeat">
+      <a:schemeClr val="dk1"/>
+    </dgm:txFillClrLst>
+    <dgm:txEffectClrLst/>
+  </dgm:styleLbl>
+  <dgm:styleLbl name="bgAccFollowNode1">
+    <dgm:fillClrLst meth="repeat">
+      <a:schemeClr val="accent2">
+        <a:tint val="40000"/>
+        <a:alpha val="90000"/>
+      </a:schemeClr>
+      <a:schemeClr val="accent3">
+        <a:tint val="40000"/>
+        <a:alpha val="90000"/>
+      </a:schemeClr>
+      <a:schemeClr val="accent4">
+        <a:tint val="40000"/>
+        <a:alpha val="90000"/>
+      </a:schemeClr>
+      <a:schemeClr val="accent5">
+        <a:tint val="40000"/>
+        <a:alpha val="90000"/>
+      </a:schemeClr>
+      <a:schemeClr val="accent6">
+        <a:tint val="40000"/>
+        <a:alpha val="90000"/>
+      </a:schemeClr>
+    </dgm:fillClrLst>
+    <dgm:linClrLst meth="repeat">
+      <a:schemeClr val="accent2">
+        <a:tint val="40000"/>
+        <a:alpha val="90000"/>
+      </a:schemeClr>
+      <a:schemeClr val="accent3">
+        <a:tint val="40000"/>
+        <a:alpha val="90000"/>
+      </a:schemeClr>
+      <a:schemeClr val="accent4">
+        <a:tint val="40000"/>
+        <a:alpha val="90000"/>
+      </a:schemeClr>
+      <a:schemeClr val="accent5">
+        <a:tint val="40000"/>
+        <a:alpha val="90000"/>
+      </a:schemeClr>
+      <a:schemeClr val="accent6">
+        <a:tint val="40000"/>
+        <a:alpha val="90000"/>
+      </a:schemeClr>
+    </dgm:linClrLst>
+    <dgm:effectClrLst/>
+    <dgm:txLinClrLst/>
+    <dgm:txFillClrLst meth="repeat">
+      <a:schemeClr val="dk1"/>
+    </dgm:txFillClrLst>
+    <dgm:txEffectClrLst/>
+  </dgm:styleLbl>
+  <dgm:styleLbl name="fgAcc0">
+    <dgm:fillClrLst meth="repeat">
+      <a:schemeClr val="lt1">
+        <a:alpha val="90000"/>
+      </a:schemeClr>
+    </dgm:fillClrLst>
+    <dgm:linClrLst>
+      <a:schemeClr val="accent1"/>
+    </dgm:linClrLst>
+    <dgm:effectClrLst/>
+    <dgm:txLinClrLst/>
+    <dgm:txFillClrLst meth="repeat">
+      <a:schemeClr val="dk1"/>
+    </dgm:txFillClrLst>
+    <dgm:txEffectClrLst/>
+  </dgm:styleLbl>
+  <dgm:styleLbl name="fgAcc2">
+    <dgm:fillClrLst meth="repeat">
+      <a:schemeClr val="lt1">
+        <a:alpha val="90000"/>
+      </a:schemeClr>
+    </dgm:fillClrLst>
+    <dgm:linClrLst>
+      <a:schemeClr val="accent2"/>
+    </dgm:linClrLst>
+    <dgm:effectClrLst/>
+    <dgm:txLinClrLst/>
+    <dgm:txFillClrLst meth="repeat">
+      <a:schemeClr val="dk1"/>
+    </dgm:txFillClrLst>
+    <dgm:txEffectClrLst/>
+  </dgm:styleLbl>
+  <dgm:styleLbl name="fgAcc3">
+    <dgm:fillClrLst meth="repeat">
+      <a:schemeClr val="lt1">
+        <a:alpha val="90000"/>
+      </a:schemeClr>
+    </dgm:fillClrLst>
+    <dgm:linClrLst>
+      <a:schemeClr val="accent3"/>
+    </dgm:linClrLst>
+    <dgm:effectClrLst/>
+    <dgm:txLinClrLst/>
+    <dgm:txFillClrLst meth="repeat">
+      <a:schemeClr val="dk1"/>
+    </dgm:txFillClrLst>
+    <dgm:txEffectClrLst/>
+  </dgm:styleLbl>
+  <dgm:styleLbl name="fgAcc4">
+    <dgm:fillClrLst meth="repeat">
+      <a:schemeClr val="lt1">
+        <a:alpha val="90000"/>
+      </a:schemeClr>
+    </dgm:fillClrLst>
+    <dgm:linClrLst>
+      <a:schemeClr val="accent4"/>
+    </dgm:linClrLst>
+    <dgm:effectClrLst/>
+    <dgm:txLinClrLst/>
+    <dgm:txFillClrLst meth="repeat">
+      <a:schemeClr val="dk1"/>
+    </dgm:txFillClrLst>
+    <dgm:txEffectClrLst/>
+  </dgm:styleLbl>
+  <dgm:styleLbl name="bgShp">
+    <dgm:fillClrLst meth="repeat">
+      <a:schemeClr val="accent2">
+        <a:tint val="40000"/>
+      </a:schemeClr>
+    </dgm:fillClrLst>
+    <dgm:linClrLst meth="repeat">
+      <a:schemeClr val="dk1"/>
+    </dgm:linClrLst>
+    <dgm:effectClrLst/>
+    <dgm:txLinClrLst/>
+    <dgm:txFillClrLst meth="repeat">
+      <a:schemeClr val="dk1"/>
+    </dgm:txFillClrLst>
+    <dgm:txEffectClrLst/>
+  </dgm:styleLbl>
+  <dgm:styleLbl name="dkBgShp">
+    <dgm:fillClrLst meth="repeat">
+      <a:schemeClr val="accent2">
+        <a:shade val="90000"/>
+      </a:schemeClr>
+    </dgm:fillClrLst>
+    <dgm:linClrLst meth="repeat">
+      <a:schemeClr val="dk1"/>
+    </dgm:linClrLst>
+    <dgm:effectClrLst/>
+    <dgm:txLinClrLst/>
+    <dgm:txFillClrLst meth="repeat">
+      <a:schemeClr val="lt1"/>
+    </dgm:txFillClrLst>
+    <dgm:txEffectClrLst/>
+  </dgm:styleLbl>
+  <dgm:styleLbl name="trBgShp">
+    <dgm:fillClrLst meth="repeat">
+      <a:schemeClr val="accent1">
+        <a:tint val="50000"/>
+        <a:alpha val="40000"/>
+      </a:schemeClr>
+    </dgm:fillClrLst>
+    <dgm:linClrLst meth="repeat">
+      <a:schemeClr val="accent2"/>
+    </dgm:linClrLst>
+    <dgm:effectClrLst/>
+    <dgm:txLinClrLst/>
+    <dgm:txFillClrLst meth="repeat">
+      <a:schemeClr val="lt1"/>
+    </dgm:txFillClrLst>
+    <dgm:txEffectClrLst/>
+  </dgm:styleLbl>
+  <dgm:styleLbl name="fgShp">
+    <dgm:fillClrLst meth="repeat">
+      <a:schemeClr val="accent2">
+        <a:tint val="40000"/>
+      </a:schemeClr>
+    </dgm:fillClrLst>
+    <dgm:linClrLst meth="repeat">
+      <a:schemeClr val="lt1"/>
+    </dgm:linClrLst>
+    <dgm:effectClrLst/>
+    <dgm:txLinClrLst/>
+    <dgm:txFillClrLst meth="repeat">
+      <a:schemeClr val="dk1"/>
+    </dgm:txFillClrLst>
+    <dgm:txEffectClrLst/>
+  </dgm:styleLbl>
+  <dgm:styleLbl name="revTx">
+    <dgm:fillClrLst meth="repeat">
+      <a:schemeClr val="lt1">
+        <a:alpha val="0"/>
+      </a:schemeClr>
+    </dgm:fillClrLst>
+    <dgm:linClrLst meth="repeat">
+      <a:schemeClr val="dk1">
+        <a:alpha val="0"/>
+      </a:schemeClr>
+    </dgm:linClrLst>
+    <dgm:effectClrLst/>
+    <dgm:txLinClrLst/>
+    <dgm:txFillClrLst meth="repeat">
+      <a:schemeClr val="tx1"/>
+    </dgm:txFillClrLst>
+    <dgm:txEffectClrLst/>
+  </dgm:styleLbl>
+</dgm:colorsDef>
+</file>
+
+<file path=ppt/diagrams/data1.xml><?xml version="1.0" encoding="utf-8"?>
+<dgm:dataModel xmlns:dgm="http://schemas.openxmlformats.org/drawingml/2006/diagram" xmlns:a="http://schemas.openxmlformats.org/drawingml/2006/main">
+  <dgm:ptLst>
+    <dgm:pt modelId="{E7BA9063-CE60-4612-A7A5-308A6AE18622}" type="doc">
+      <dgm:prSet loTypeId="urn:microsoft.com/office/officeart/2008/layout/LinedList" loCatId="list" qsTypeId="urn:microsoft.com/office/officeart/2005/8/quickstyle/simple5" qsCatId="simple" csTypeId="urn:microsoft.com/office/officeart/2005/8/colors/colorful1" csCatId="colorful" phldr="1"/>
+      <dgm:spPr/>
+      <dgm:t>
+        <a:bodyPr/>
+        <a:lstStyle/>
+        <a:p>
+          <a:endParaRPr lang="en-US"/>
+        </a:p>
+      </dgm:t>
+    </dgm:pt>
+    <dgm:pt modelId="{D61AFDEB-AC51-4E35-8292-01569AE73514}">
+      <dgm:prSet/>
+      <dgm:spPr/>
+      <dgm:t>
+        <a:bodyPr/>
+        <a:lstStyle/>
+        <a:p>
+          <a:r>
+            <a:rPr lang="en-US" dirty="0"/>
+            <a:t>Phrase whose usage is in flux</a:t>
+          </a:r>
+        </a:p>
+      </dgm:t>
+    </dgm:pt>
+    <dgm:pt modelId="{D47DBC84-62E4-4BAB-A635-A09D3ABA2F39}" type="parTrans" cxnId="{92C967CD-2A1E-4994-BC93-FD51185880F0}">
+      <dgm:prSet/>
+      <dgm:spPr/>
+      <dgm:t>
+        <a:bodyPr/>
+        <a:lstStyle/>
+        <a:p>
+          <a:endParaRPr lang="en-US"/>
+        </a:p>
+      </dgm:t>
+    </dgm:pt>
+    <dgm:pt modelId="{49A55C6C-245E-4740-8B2E-F540B1A29E51}" type="sibTrans" cxnId="{92C967CD-2A1E-4994-BC93-FD51185880F0}">
+      <dgm:prSet/>
+      <dgm:spPr/>
+      <dgm:t>
+        <a:bodyPr/>
+        <a:lstStyle/>
+        <a:p>
+          <a:endParaRPr lang="en-US"/>
+        </a:p>
+      </dgm:t>
+    </dgm:pt>
+    <dgm:pt modelId="{312D0E55-A7E4-484A-A30B-DCC512BE5615}">
+      <dgm:prSet/>
+      <dgm:spPr/>
+      <dgm:t>
+        <a:bodyPr/>
+        <a:lstStyle/>
+        <a:p>
+          <a:r>
+            <a:rPr lang="en-GB" dirty="0"/>
+            <a:t>An agent playing against a copy of itself in a board game</a:t>
+          </a:r>
+          <a:endParaRPr lang="en-US" dirty="0"/>
+        </a:p>
+      </dgm:t>
+    </dgm:pt>
+    <dgm:pt modelId="{CD71401D-0C3E-473D-B7D7-457E7B0C7310}" type="parTrans" cxnId="{03FDB4CC-ECDC-450F-8DDD-413F3696A7E6}">
+      <dgm:prSet/>
+      <dgm:spPr/>
+      <dgm:t>
+        <a:bodyPr/>
+        <a:lstStyle/>
+        <a:p>
+          <a:endParaRPr lang="en-US"/>
+        </a:p>
+      </dgm:t>
+    </dgm:pt>
+    <dgm:pt modelId="{7E1434BD-260B-45AB-872E-3C3F1F820881}" type="sibTrans" cxnId="{03FDB4CC-ECDC-450F-8DDD-413F3696A7E6}">
+      <dgm:prSet/>
+      <dgm:spPr/>
+      <dgm:t>
+        <a:bodyPr/>
+        <a:lstStyle/>
+        <a:p>
+          <a:endParaRPr lang="en-US"/>
+        </a:p>
+      </dgm:t>
+    </dgm:pt>
+    <dgm:pt modelId="{D66770EB-7B5E-422B-A377-7EC786E18A68}">
+      <dgm:prSet/>
+      <dgm:spPr/>
+      <dgm:t>
+        <a:bodyPr/>
+        <a:lstStyle/>
+        <a:p>
+          <a:r>
+            <a:rPr lang="en-IN"/>
+            <a:t>Usage in paper: Training in worst case scenario, with inputs chosen by an adversary</a:t>
+          </a:r>
+          <a:endParaRPr lang="en-US" dirty="0"/>
+        </a:p>
+      </dgm:t>
+    </dgm:pt>
+    <dgm:pt modelId="{1479D194-8AEE-4493-84C4-5BA08F98225F}" type="parTrans" cxnId="{E74C7A4A-8D1B-4A7F-A3A2-4B3007E4CA1C}">
+      <dgm:prSet/>
+      <dgm:spPr/>
+      <dgm:t>
+        <a:bodyPr/>
+        <a:lstStyle/>
+        <a:p>
+          <a:endParaRPr lang="en-IN"/>
+        </a:p>
+      </dgm:t>
+    </dgm:pt>
+    <dgm:pt modelId="{79C08EB7-37FF-4360-96C9-A2C9516F5E5C}" type="sibTrans" cxnId="{E74C7A4A-8D1B-4A7F-A3A2-4B3007E4CA1C}">
+      <dgm:prSet/>
+      <dgm:spPr/>
+      <dgm:t>
+        <a:bodyPr/>
+        <a:lstStyle/>
+        <a:p>
+          <a:endParaRPr lang="en-IN"/>
+        </a:p>
+      </dgm:t>
+    </dgm:pt>
+    <dgm:pt modelId="{3987D43D-3CD3-4440-A63D-6D7F5FE74EE2}">
+      <dgm:prSet/>
+      <dgm:spPr/>
+      <dgm:t>
+        <a:bodyPr/>
+        <a:lstStyle/>
+        <a:p>
+          <a:r>
+            <a:rPr lang="en-US" dirty="0"/>
+            <a:t>Training Neural Networks on Adversarial examples</a:t>
+          </a:r>
+        </a:p>
+      </dgm:t>
+    </dgm:pt>
+    <dgm:pt modelId="{DF70608A-4FFA-4AAD-89F7-B299939A5A79}" type="parTrans" cxnId="{774EAECE-BE00-4109-9F6C-4FF27E2D04A2}">
+      <dgm:prSet/>
+      <dgm:spPr/>
+      <dgm:t>
+        <a:bodyPr/>
+        <a:lstStyle/>
+        <a:p>
+          <a:endParaRPr lang="en-IN"/>
+        </a:p>
+      </dgm:t>
+    </dgm:pt>
+    <dgm:pt modelId="{ECEE250E-A76C-41A8-A94E-6B55D6CB9975}" type="sibTrans" cxnId="{774EAECE-BE00-4109-9F6C-4FF27E2D04A2}">
+      <dgm:prSet/>
+      <dgm:spPr/>
+      <dgm:t>
+        <a:bodyPr/>
+        <a:lstStyle/>
+        <a:p>
+          <a:endParaRPr lang="en-IN"/>
+        </a:p>
+      </dgm:t>
+    </dgm:pt>
+    <dgm:pt modelId="{41DC7055-6DC6-4442-A0BC-2CEFB0FE936D}" type="pres">
+      <dgm:prSet presAssocID="{E7BA9063-CE60-4612-A7A5-308A6AE18622}" presName="vert0" presStyleCnt="0">
+        <dgm:presLayoutVars>
+          <dgm:dir/>
+          <dgm:animOne val="branch"/>
+          <dgm:animLvl val="lvl"/>
+        </dgm:presLayoutVars>
+      </dgm:prSet>
+      <dgm:spPr/>
+    </dgm:pt>
+    <dgm:pt modelId="{EF1E0185-675D-40BF-84AA-B075DE4B14AA}" type="pres">
+      <dgm:prSet presAssocID="{D61AFDEB-AC51-4E35-8292-01569AE73514}" presName="thickLine" presStyleLbl="alignNode1" presStyleIdx="0" presStyleCnt="4"/>
+      <dgm:spPr/>
+    </dgm:pt>
+    <dgm:pt modelId="{1BC65C5E-D88C-46F4-B20E-0F6C1569027C}" type="pres">
+      <dgm:prSet presAssocID="{D61AFDEB-AC51-4E35-8292-01569AE73514}" presName="horz1" presStyleCnt="0"/>
+      <dgm:spPr/>
+    </dgm:pt>
+    <dgm:pt modelId="{FBC17216-B493-46C7-976D-8C5F4811AE8E}" type="pres">
+      <dgm:prSet presAssocID="{D61AFDEB-AC51-4E35-8292-01569AE73514}" presName="tx1" presStyleLbl="revTx" presStyleIdx="0" presStyleCnt="4"/>
+      <dgm:spPr/>
+    </dgm:pt>
+    <dgm:pt modelId="{D1BF833C-ED33-498D-BF25-6EED021F9B64}" type="pres">
+      <dgm:prSet presAssocID="{D61AFDEB-AC51-4E35-8292-01569AE73514}" presName="vert1" presStyleCnt="0"/>
+      <dgm:spPr/>
+    </dgm:pt>
+    <dgm:pt modelId="{6EFC2106-F5C8-4C89-8DB3-91C34682F296}" type="pres">
+      <dgm:prSet presAssocID="{D66770EB-7B5E-422B-A377-7EC786E18A68}" presName="thickLine" presStyleLbl="alignNode1" presStyleIdx="1" presStyleCnt="4"/>
+      <dgm:spPr/>
+    </dgm:pt>
+    <dgm:pt modelId="{B3A62534-67AD-4507-9922-A82E70CF2FE9}" type="pres">
+      <dgm:prSet presAssocID="{D66770EB-7B5E-422B-A377-7EC786E18A68}" presName="horz1" presStyleCnt="0"/>
+      <dgm:spPr/>
+    </dgm:pt>
+    <dgm:pt modelId="{F6E6D811-EF2B-49A2-AF92-9C9BB743FAD6}" type="pres">
+      <dgm:prSet presAssocID="{D66770EB-7B5E-422B-A377-7EC786E18A68}" presName="tx1" presStyleLbl="revTx" presStyleIdx="1" presStyleCnt="4"/>
+      <dgm:spPr/>
+    </dgm:pt>
+    <dgm:pt modelId="{D56557D3-12D6-4A96-8331-1B2BEEBD22EF}" type="pres">
+      <dgm:prSet presAssocID="{D66770EB-7B5E-422B-A377-7EC786E18A68}" presName="vert1" presStyleCnt="0"/>
+      <dgm:spPr/>
+    </dgm:pt>
+    <dgm:pt modelId="{DC30C9A3-1872-49FE-BE2F-CCA1E121DF2A}" type="pres">
+      <dgm:prSet presAssocID="{312D0E55-A7E4-484A-A30B-DCC512BE5615}" presName="thickLine" presStyleLbl="alignNode1" presStyleIdx="2" presStyleCnt="4"/>
+      <dgm:spPr/>
+    </dgm:pt>
+    <dgm:pt modelId="{085799AD-BC12-4339-B770-EEFA6D2A1599}" type="pres">
+      <dgm:prSet presAssocID="{312D0E55-A7E4-484A-A30B-DCC512BE5615}" presName="horz1" presStyleCnt="0"/>
+      <dgm:spPr/>
+    </dgm:pt>
+    <dgm:pt modelId="{316A51A2-933D-415E-B651-42F8C9A278DD}" type="pres">
+      <dgm:prSet presAssocID="{312D0E55-A7E4-484A-A30B-DCC512BE5615}" presName="tx1" presStyleLbl="revTx" presStyleIdx="2" presStyleCnt="4"/>
+      <dgm:spPr/>
+    </dgm:pt>
+    <dgm:pt modelId="{5C4237E8-CF79-44C7-8E92-96EEFECB5268}" type="pres">
+      <dgm:prSet presAssocID="{312D0E55-A7E4-484A-A30B-DCC512BE5615}" presName="vert1" presStyleCnt="0"/>
+      <dgm:spPr/>
+    </dgm:pt>
+    <dgm:pt modelId="{1ECBEFDC-181A-4296-BF52-B24C66FC7674}" type="pres">
+      <dgm:prSet presAssocID="{3987D43D-3CD3-4440-A63D-6D7F5FE74EE2}" presName="thickLine" presStyleLbl="alignNode1" presStyleIdx="3" presStyleCnt="4"/>
+      <dgm:spPr/>
+    </dgm:pt>
+    <dgm:pt modelId="{F6CB922D-3EA6-4E91-AFB8-E319BAC94C71}" type="pres">
+      <dgm:prSet presAssocID="{3987D43D-3CD3-4440-A63D-6D7F5FE74EE2}" presName="horz1" presStyleCnt="0"/>
+      <dgm:spPr/>
+    </dgm:pt>
+    <dgm:pt modelId="{EA351FA5-9A2E-4FCC-94FA-7586DEBE0712}" type="pres">
+      <dgm:prSet presAssocID="{3987D43D-3CD3-4440-A63D-6D7F5FE74EE2}" presName="tx1" presStyleLbl="revTx" presStyleIdx="3" presStyleCnt="4"/>
+      <dgm:spPr/>
+    </dgm:pt>
+    <dgm:pt modelId="{90D2BBF6-D0A1-4D30-97C0-F6895BD26C17}" type="pres">
+      <dgm:prSet presAssocID="{3987D43D-3CD3-4440-A63D-6D7F5FE74EE2}" presName="vert1" presStyleCnt="0"/>
+      <dgm:spPr/>
+    </dgm:pt>
+  </dgm:ptLst>
+  <dgm:cxnLst>
+    <dgm:cxn modelId="{01EEF93F-7B0E-4C37-BB8C-9477DBFBA6E6}" type="presOf" srcId="{D66770EB-7B5E-422B-A377-7EC786E18A68}" destId="{F6E6D811-EF2B-49A2-AF92-9C9BB743FAD6}" srcOrd="0" destOrd="0" presId="urn:microsoft.com/office/officeart/2008/layout/LinedList"/>
+    <dgm:cxn modelId="{E74C7A4A-8D1B-4A7F-A3A2-4B3007E4CA1C}" srcId="{E7BA9063-CE60-4612-A7A5-308A6AE18622}" destId="{D66770EB-7B5E-422B-A377-7EC786E18A68}" srcOrd="1" destOrd="0" parTransId="{1479D194-8AEE-4493-84C4-5BA08F98225F}" sibTransId="{79C08EB7-37FF-4360-96C9-A2C9516F5E5C}"/>
+    <dgm:cxn modelId="{582E578F-D30F-4501-A5C2-8F01B08A2BD8}" type="presOf" srcId="{D61AFDEB-AC51-4E35-8292-01569AE73514}" destId="{FBC17216-B493-46C7-976D-8C5F4811AE8E}" srcOrd="0" destOrd="0" presId="urn:microsoft.com/office/officeart/2008/layout/LinedList"/>
+    <dgm:cxn modelId="{CBE44291-4579-4529-B4BB-397BCA01F9C0}" type="presOf" srcId="{E7BA9063-CE60-4612-A7A5-308A6AE18622}" destId="{41DC7055-6DC6-4442-A0BC-2CEFB0FE936D}" srcOrd="0" destOrd="0" presId="urn:microsoft.com/office/officeart/2008/layout/LinedList"/>
+    <dgm:cxn modelId="{A877A3AD-E941-4331-BD59-530C4FB8D74F}" type="presOf" srcId="{3987D43D-3CD3-4440-A63D-6D7F5FE74EE2}" destId="{EA351FA5-9A2E-4FCC-94FA-7586DEBE0712}" srcOrd="0" destOrd="0" presId="urn:microsoft.com/office/officeart/2008/layout/LinedList"/>
+    <dgm:cxn modelId="{EEAE13B5-4AB9-4720-B969-5D6D29FE4A67}" type="presOf" srcId="{312D0E55-A7E4-484A-A30B-DCC512BE5615}" destId="{316A51A2-933D-415E-B651-42F8C9A278DD}" srcOrd="0" destOrd="0" presId="urn:microsoft.com/office/officeart/2008/layout/LinedList"/>
+    <dgm:cxn modelId="{03FDB4CC-ECDC-450F-8DDD-413F3696A7E6}" srcId="{E7BA9063-CE60-4612-A7A5-308A6AE18622}" destId="{312D0E55-A7E4-484A-A30B-DCC512BE5615}" srcOrd="2" destOrd="0" parTransId="{CD71401D-0C3E-473D-B7D7-457E7B0C7310}" sibTransId="{7E1434BD-260B-45AB-872E-3C3F1F820881}"/>
+    <dgm:cxn modelId="{92C967CD-2A1E-4994-BC93-FD51185880F0}" srcId="{E7BA9063-CE60-4612-A7A5-308A6AE18622}" destId="{D61AFDEB-AC51-4E35-8292-01569AE73514}" srcOrd="0" destOrd="0" parTransId="{D47DBC84-62E4-4BAB-A635-A09D3ABA2F39}" sibTransId="{49A55C6C-245E-4740-8B2E-F540B1A29E51}"/>
+    <dgm:cxn modelId="{774EAECE-BE00-4109-9F6C-4FF27E2D04A2}" srcId="{E7BA9063-CE60-4612-A7A5-308A6AE18622}" destId="{3987D43D-3CD3-4440-A63D-6D7F5FE74EE2}" srcOrd="3" destOrd="0" parTransId="{DF70608A-4FFA-4AAD-89F7-B299939A5A79}" sibTransId="{ECEE250E-A76C-41A8-A94E-6B55D6CB9975}"/>
+    <dgm:cxn modelId="{A868A2E6-BF6B-43F7-89C8-2A23C304A04B}" type="presParOf" srcId="{41DC7055-6DC6-4442-A0BC-2CEFB0FE936D}" destId="{EF1E0185-675D-40BF-84AA-B075DE4B14AA}" srcOrd="0" destOrd="0" presId="urn:microsoft.com/office/officeart/2008/layout/LinedList"/>
+    <dgm:cxn modelId="{E6600415-D9B9-4C75-88C3-8222DE4F0468}" type="presParOf" srcId="{41DC7055-6DC6-4442-A0BC-2CEFB0FE936D}" destId="{1BC65C5E-D88C-46F4-B20E-0F6C1569027C}" srcOrd="1" destOrd="0" presId="urn:microsoft.com/office/officeart/2008/layout/LinedList"/>
+    <dgm:cxn modelId="{39DD6644-DA7E-4DC1-A818-65C04107CA46}" type="presParOf" srcId="{1BC65C5E-D88C-46F4-B20E-0F6C1569027C}" destId="{FBC17216-B493-46C7-976D-8C5F4811AE8E}" srcOrd="0" destOrd="0" presId="urn:microsoft.com/office/officeart/2008/layout/LinedList"/>
+    <dgm:cxn modelId="{1B979310-2D5F-4013-95E7-0CB4D9970D86}" type="presParOf" srcId="{1BC65C5E-D88C-46F4-B20E-0F6C1569027C}" destId="{D1BF833C-ED33-498D-BF25-6EED021F9B64}" srcOrd="1" destOrd="0" presId="urn:microsoft.com/office/officeart/2008/layout/LinedList"/>
+    <dgm:cxn modelId="{082F3A6F-4C4D-4AB6-9FE6-804A800A0FA0}" type="presParOf" srcId="{41DC7055-6DC6-4442-A0BC-2CEFB0FE936D}" destId="{6EFC2106-F5C8-4C89-8DB3-91C34682F296}" srcOrd="2" destOrd="0" presId="urn:microsoft.com/office/officeart/2008/layout/LinedList"/>
+    <dgm:cxn modelId="{BDCE25CE-AE5F-4CCE-BC8F-10697923DF65}" type="presParOf" srcId="{41DC7055-6DC6-4442-A0BC-2CEFB0FE936D}" destId="{B3A62534-67AD-4507-9922-A82E70CF2FE9}" srcOrd="3" destOrd="0" presId="urn:microsoft.com/office/officeart/2008/layout/LinedList"/>
+    <dgm:cxn modelId="{F7EE7648-2EB1-467C-9DB9-8B076C75AE08}" type="presParOf" srcId="{B3A62534-67AD-4507-9922-A82E70CF2FE9}" destId="{F6E6D811-EF2B-49A2-AF92-9C9BB743FAD6}" srcOrd="0" destOrd="0" presId="urn:microsoft.com/office/officeart/2008/layout/LinedList"/>
+    <dgm:cxn modelId="{659838B4-89C1-40D6-B30E-D1B7AED237C4}" type="presParOf" srcId="{B3A62534-67AD-4507-9922-A82E70CF2FE9}" destId="{D56557D3-12D6-4A96-8331-1B2BEEBD22EF}" srcOrd="1" destOrd="0" presId="urn:microsoft.com/office/officeart/2008/layout/LinedList"/>
+    <dgm:cxn modelId="{92167CCF-15B2-4B1E-807F-3309C47ACAE6}" type="presParOf" srcId="{41DC7055-6DC6-4442-A0BC-2CEFB0FE936D}" destId="{DC30C9A3-1872-49FE-BE2F-CCA1E121DF2A}" srcOrd="4" destOrd="0" presId="urn:microsoft.com/office/officeart/2008/layout/LinedList"/>
+    <dgm:cxn modelId="{E8BC28B7-AA6B-4F60-BE7C-167DBE850BDE}" type="presParOf" srcId="{41DC7055-6DC6-4442-A0BC-2CEFB0FE936D}" destId="{085799AD-BC12-4339-B770-EEFA6D2A1599}" srcOrd="5" destOrd="0" presId="urn:microsoft.com/office/officeart/2008/layout/LinedList"/>
+    <dgm:cxn modelId="{495353D7-6AB7-4C4E-A102-76D6F42D1492}" type="presParOf" srcId="{085799AD-BC12-4339-B770-EEFA6D2A1599}" destId="{316A51A2-933D-415E-B651-42F8C9A278DD}" srcOrd="0" destOrd="0" presId="urn:microsoft.com/office/officeart/2008/layout/LinedList"/>
+    <dgm:cxn modelId="{EB9B036E-F5C6-474D-ABCC-9DD9D5DA1280}" type="presParOf" srcId="{085799AD-BC12-4339-B770-EEFA6D2A1599}" destId="{5C4237E8-CF79-44C7-8E92-96EEFECB5268}" srcOrd="1" destOrd="0" presId="urn:microsoft.com/office/officeart/2008/layout/LinedList"/>
+    <dgm:cxn modelId="{498497C9-1282-4F71-800F-57CD5AA50D88}" type="presParOf" srcId="{41DC7055-6DC6-4442-A0BC-2CEFB0FE936D}" destId="{1ECBEFDC-181A-4296-BF52-B24C66FC7674}" srcOrd="6" destOrd="0" presId="urn:microsoft.com/office/officeart/2008/layout/LinedList"/>
+    <dgm:cxn modelId="{51EAF701-CE76-4442-BAAE-53E8E071A9C7}" type="presParOf" srcId="{41DC7055-6DC6-4442-A0BC-2CEFB0FE936D}" destId="{F6CB922D-3EA6-4E91-AFB8-E319BAC94C71}" srcOrd="7" destOrd="0" presId="urn:microsoft.com/office/officeart/2008/layout/LinedList"/>
+    <dgm:cxn modelId="{BDEBC23D-329C-4D15-861A-9D5CBEBBDDE0}" type="presParOf" srcId="{F6CB922D-3EA6-4E91-AFB8-E319BAC94C71}" destId="{EA351FA5-9A2E-4FCC-94FA-7586DEBE0712}" srcOrd="0" destOrd="0" presId="urn:microsoft.com/office/officeart/2008/layout/LinedList"/>
+    <dgm:cxn modelId="{2CB41938-6155-4AD1-B025-AC7E7D892E3B}" type="presParOf" srcId="{F6CB922D-3EA6-4E91-AFB8-E319BAC94C71}" destId="{90D2BBF6-D0A1-4D30-97C0-F6895BD26C17}" srcOrd="1" destOrd="0" presId="urn:microsoft.com/office/officeart/2008/layout/LinedList"/>
+  </dgm:cxnLst>
+  <dgm:bg/>
+  <dgm:whole/>
+  <dgm:extLst>
+    <a:ext uri="http://schemas.microsoft.com/office/drawing/2008/diagram">
+      <dsp:dataModelExt xmlns:dsp="http://schemas.microsoft.com/office/drawing/2008/diagram" relId="rId8" minVer="http://schemas.openxmlformats.org/drawingml/2006/diagram"/>
+    </a:ext>
+  </dgm:extLst>
+</dgm:dataModel>
+</file>
+
+<file path=ppt/diagrams/drawing1.xml><?xml version="1.0" encoding="utf-8"?>
+<dsp:drawing xmlns:dgm="http://schemas.openxmlformats.org/drawingml/2006/diagram" xmlns:dsp="http://schemas.microsoft.com/office/drawing/2008/diagram" xmlns:a="http://schemas.openxmlformats.org/drawingml/2006/main">
+  <dsp:spTree>
+    <dsp:nvGrpSpPr>
+      <dsp:cNvPr id="0" name=""/>
+      <dsp:cNvGrpSpPr/>
+    </dsp:nvGrpSpPr>
+    <dsp:grpSpPr/>
+    <dsp:sp modelId="{EF1E0185-675D-40BF-84AA-B075DE4B14AA}">
+      <dsp:nvSpPr>
+        <dsp:cNvPr id="0" name=""/>
+        <dsp:cNvSpPr/>
+      </dsp:nvSpPr>
+      <dsp:spPr>
+        <a:xfrm>
+          <a:off x="0" y="0"/>
+          <a:ext cx="6261100" cy="0"/>
+        </a:xfrm>
+        <a:prstGeom prst="line">
+          <a:avLst/>
+        </a:prstGeom>
+        <a:gradFill rotWithShape="0">
+          <a:gsLst>
+            <a:gs pos="0">
+              <a:schemeClr val="accent2">
+                <a:hueOff val="0"/>
+                <a:satOff val="0"/>
+                <a:lumOff val="0"/>
+                <a:alphaOff val="0"/>
+                <a:tint val="94000"/>
+                <a:satMod val="103000"/>
+                <a:lumMod val="102000"/>
+              </a:schemeClr>
+            </a:gs>
+            <a:gs pos="50000">
+              <a:schemeClr val="accent2">
+                <a:hueOff val="0"/>
+                <a:satOff val="0"/>
+                <a:lumOff val="0"/>
+                <a:alphaOff val="0"/>
+                <a:shade val="100000"/>
+                <a:satMod val="110000"/>
+                <a:lumMod val="100000"/>
+              </a:schemeClr>
+            </a:gs>
+            <a:gs pos="100000">
+              <a:schemeClr val="accent2">
+                <a:hueOff val="0"/>
+                <a:satOff val="0"/>
+                <a:lumOff val="0"/>
+                <a:alphaOff val="0"/>
+                <a:shade val="78000"/>
+                <a:satMod val="120000"/>
+                <a:lumMod val="99000"/>
+              </a:schemeClr>
+            </a:gs>
+          </a:gsLst>
+          <a:lin ang="5400000" scaled="0"/>
+        </a:gradFill>
+        <a:ln w="9525" cap="flat" cmpd="sng" algn="ctr">
+          <a:solidFill>
+            <a:schemeClr val="accent2">
+              <a:hueOff val="0"/>
+              <a:satOff val="0"/>
+              <a:lumOff val="0"/>
+              <a:alphaOff val="0"/>
+            </a:schemeClr>
+          </a:solidFill>
+          <a:prstDash val="solid"/>
+        </a:ln>
+        <a:effectLst>
+          <a:outerShdw blurRad="57150" dist="19050" dir="5400000" algn="ctr" rotWithShape="0">
+            <a:srgbClr val="000000">
+              <a:alpha val="63000"/>
+            </a:srgbClr>
+          </a:outerShdw>
+        </a:effectLst>
+      </dsp:spPr>
+      <dsp:style>
+        <a:lnRef idx="1">
+          <a:scrgbClr r="0" g="0" b="0"/>
+        </a:lnRef>
+        <a:fillRef idx="3">
+          <a:scrgbClr r="0" g="0" b="0"/>
+        </a:fillRef>
+        <a:effectRef idx="3">
+          <a:scrgbClr r="0" g="0" b="0"/>
+        </a:effectRef>
+        <a:fontRef idx="minor">
+          <a:schemeClr val="lt1"/>
+        </a:fontRef>
+      </dsp:style>
+    </dsp:sp>
+    <dsp:sp modelId="{FBC17216-B493-46C7-976D-8C5F4811AE8E}">
+      <dsp:nvSpPr>
+        <dsp:cNvPr id="0" name=""/>
+        <dsp:cNvSpPr/>
+      </dsp:nvSpPr>
+      <dsp:spPr>
+        <a:xfrm>
+          <a:off x="0" y="0"/>
+          <a:ext cx="6261100" cy="1394618"/>
+        </a:xfrm>
+        <a:prstGeom prst="rect">
+          <a:avLst/>
+        </a:prstGeom>
+        <a:noFill/>
+        <a:ln>
+          <a:noFill/>
+        </a:ln>
+        <a:effectLst/>
+      </dsp:spPr>
+      <dsp:style>
+        <a:lnRef idx="0">
+          <a:scrgbClr r="0" g="0" b="0"/>
+        </a:lnRef>
+        <a:fillRef idx="0">
+          <a:scrgbClr r="0" g="0" b="0"/>
+        </a:fillRef>
+        <a:effectRef idx="0">
+          <a:scrgbClr r="0" g="0" b="0"/>
+        </a:effectRef>
+        <a:fontRef idx="minor"/>
+      </dsp:style>
+      <dsp:txBody>
+        <a:bodyPr spcFirstLastPara="0" vert="horz" wrap="square" lIns="110490" tIns="110490" rIns="110490" bIns="110490" numCol="1" spcCol="1270" anchor="t" anchorCtr="0">
+          <a:noAutofit/>
+        </a:bodyPr>
+        <a:lstStyle/>
+        <a:p>
+          <a:pPr marL="0" lvl="0" indent="0" algn="l" defTabSz="1289050">
+            <a:lnSpc>
+              <a:spcPct val="90000"/>
+            </a:lnSpc>
+            <a:spcBef>
+              <a:spcPct val="0"/>
+            </a:spcBef>
+            <a:spcAft>
+              <a:spcPct val="35000"/>
+            </a:spcAft>
+            <a:buNone/>
+          </a:pPr>
+          <a:r>
+            <a:rPr lang="en-US" sz="2900" kern="1200" dirty="0"/>
+            <a:t>Phrase whose usage is in flux</a:t>
+          </a:r>
+        </a:p>
+      </dsp:txBody>
+      <dsp:txXfrm>
+        <a:off x="0" y="0"/>
+        <a:ext cx="6261100" cy="1394618"/>
+      </dsp:txXfrm>
+    </dsp:sp>
+    <dsp:sp modelId="{6EFC2106-F5C8-4C89-8DB3-91C34682F296}">
+      <dsp:nvSpPr>
+        <dsp:cNvPr id="0" name=""/>
+        <dsp:cNvSpPr/>
+      </dsp:nvSpPr>
+      <dsp:spPr>
+        <a:xfrm>
+          <a:off x="0" y="1394618"/>
+          <a:ext cx="6261100" cy="0"/>
+        </a:xfrm>
+        <a:prstGeom prst="line">
+          <a:avLst/>
+        </a:prstGeom>
+        <a:gradFill rotWithShape="0">
+          <a:gsLst>
+            <a:gs pos="0">
+              <a:schemeClr val="accent3">
+                <a:hueOff val="0"/>
+                <a:satOff val="0"/>
+                <a:lumOff val="0"/>
+                <a:alphaOff val="0"/>
+                <a:tint val="94000"/>
+                <a:satMod val="103000"/>
+                <a:lumMod val="102000"/>
+              </a:schemeClr>
+            </a:gs>
+            <a:gs pos="50000">
+              <a:schemeClr val="accent3">
+                <a:hueOff val="0"/>
+                <a:satOff val="0"/>
+                <a:lumOff val="0"/>
+                <a:alphaOff val="0"/>
+                <a:shade val="100000"/>
+                <a:satMod val="110000"/>
+                <a:lumMod val="100000"/>
+              </a:schemeClr>
+            </a:gs>
+            <a:gs pos="100000">
+              <a:schemeClr val="accent3">
+                <a:hueOff val="0"/>
+                <a:satOff val="0"/>
+                <a:lumOff val="0"/>
+                <a:alphaOff val="0"/>
+                <a:shade val="78000"/>
+                <a:satMod val="120000"/>
+                <a:lumMod val="99000"/>
+              </a:schemeClr>
+            </a:gs>
+          </a:gsLst>
+          <a:lin ang="5400000" scaled="0"/>
+        </a:gradFill>
+        <a:ln w="9525" cap="flat" cmpd="sng" algn="ctr">
+          <a:solidFill>
+            <a:schemeClr val="accent3">
+              <a:hueOff val="0"/>
+              <a:satOff val="0"/>
+              <a:lumOff val="0"/>
+              <a:alphaOff val="0"/>
+            </a:schemeClr>
+          </a:solidFill>
+          <a:prstDash val="solid"/>
+        </a:ln>
+        <a:effectLst>
+          <a:outerShdw blurRad="57150" dist="19050" dir="5400000" algn="ctr" rotWithShape="0">
+            <a:srgbClr val="000000">
+              <a:alpha val="63000"/>
+            </a:srgbClr>
+          </a:outerShdw>
+        </a:effectLst>
+      </dsp:spPr>
+      <dsp:style>
+        <a:lnRef idx="1">
+          <a:scrgbClr r="0" g="0" b="0"/>
+        </a:lnRef>
+        <a:fillRef idx="3">
+          <a:scrgbClr r="0" g="0" b="0"/>
+        </a:fillRef>
+        <a:effectRef idx="3">
+          <a:scrgbClr r="0" g="0" b="0"/>
+        </a:effectRef>
+        <a:fontRef idx="minor">
+          <a:schemeClr val="lt1"/>
+        </a:fontRef>
+      </dsp:style>
+    </dsp:sp>
+    <dsp:sp modelId="{F6E6D811-EF2B-49A2-AF92-9C9BB743FAD6}">
+      <dsp:nvSpPr>
+        <dsp:cNvPr id="0" name=""/>
+        <dsp:cNvSpPr/>
+      </dsp:nvSpPr>
+      <dsp:spPr>
+        <a:xfrm>
+          <a:off x="0" y="1394618"/>
+          <a:ext cx="6261100" cy="1394618"/>
+        </a:xfrm>
+        <a:prstGeom prst="rect">
+          <a:avLst/>
+        </a:prstGeom>
+        <a:noFill/>
+        <a:ln>
+          <a:noFill/>
+        </a:ln>
+        <a:effectLst/>
+      </dsp:spPr>
+      <dsp:style>
+        <a:lnRef idx="0">
+          <a:scrgbClr r="0" g="0" b="0"/>
+        </a:lnRef>
+        <a:fillRef idx="0">
+          <a:scrgbClr r="0" g="0" b="0"/>
+        </a:fillRef>
+        <a:effectRef idx="0">
+          <a:scrgbClr r="0" g="0" b="0"/>
+        </a:effectRef>
+        <a:fontRef idx="minor"/>
+      </dsp:style>
+      <dsp:txBody>
+        <a:bodyPr spcFirstLastPara="0" vert="horz" wrap="square" lIns="110490" tIns="110490" rIns="110490" bIns="110490" numCol="1" spcCol="1270" anchor="t" anchorCtr="0">
+          <a:noAutofit/>
+        </a:bodyPr>
+        <a:lstStyle/>
+        <a:p>
+          <a:pPr marL="0" lvl="0" indent="0" algn="l" defTabSz="1289050">
+            <a:lnSpc>
+              <a:spcPct val="90000"/>
+            </a:lnSpc>
+            <a:spcBef>
+              <a:spcPct val="0"/>
+            </a:spcBef>
+            <a:spcAft>
+              <a:spcPct val="35000"/>
+            </a:spcAft>
+            <a:buNone/>
+          </a:pPr>
+          <a:r>
+            <a:rPr lang="en-IN" sz="2900" kern="1200"/>
+            <a:t>Usage in paper: Training in worst case scenario, with inputs chosen by an adversary</a:t>
+          </a:r>
+          <a:endParaRPr lang="en-US" sz="2900" kern="1200" dirty="0"/>
+        </a:p>
+      </dsp:txBody>
+      <dsp:txXfrm>
+        <a:off x="0" y="1394618"/>
+        <a:ext cx="6261100" cy="1394618"/>
+      </dsp:txXfrm>
+    </dsp:sp>
+    <dsp:sp modelId="{DC30C9A3-1872-49FE-BE2F-CCA1E121DF2A}">
+      <dsp:nvSpPr>
+        <dsp:cNvPr id="0" name=""/>
+        <dsp:cNvSpPr/>
+      </dsp:nvSpPr>
+      <dsp:spPr>
+        <a:xfrm>
+          <a:off x="0" y="2789237"/>
+          <a:ext cx="6261100" cy="0"/>
+        </a:xfrm>
+        <a:prstGeom prst="line">
+          <a:avLst/>
+        </a:prstGeom>
+        <a:gradFill rotWithShape="0">
+          <a:gsLst>
+            <a:gs pos="0">
+              <a:schemeClr val="accent4">
+                <a:hueOff val="0"/>
+                <a:satOff val="0"/>
+                <a:lumOff val="0"/>
+                <a:alphaOff val="0"/>
+                <a:tint val="94000"/>
+                <a:satMod val="103000"/>
+                <a:lumMod val="102000"/>
+              </a:schemeClr>
+            </a:gs>
+            <a:gs pos="50000">
+              <a:schemeClr val="accent4">
+                <a:hueOff val="0"/>
+                <a:satOff val="0"/>
+                <a:lumOff val="0"/>
+                <a:alphaOff val="0"/>
+                <a:shade val="100000"/>
+                <a:satMod val="110000"/>
+                <a:lumMod val="100000"/>
+              </a:schemeClr>
+            </a:gs>
+            <a:gs pos="100000">
+              <a:schemeClr val="accent4">
+                <a:hueOff val="0"/>
+                <a:satOff val="0"/>
+                <a:lumOff val="0"/>
+                <a:alphaOff val="0"/>
+                <a:shade val="78000"/>
+                <a:satMod val="120000"/>
+                <a:lumMod val="99000"/>
+              </a:schemeClr>
+            </a:gs>
+          </a:gsLst>
+          <a:lin ang="5400000" scaled="0"/>
+        </a:gradFill>
+        <a:ln w="9525" cap="flat" cmpd="sng" algn="ctr">
+          <a:solidFill>
+            <a:schemeClr val="accent4">
+              <a:hueOff val="0"/>
+              <a:satOff val="0"/>
+              <a:lumOff val="0"/>
+              <a:alphaOff val="0"/>
+            </a:schemeClr>
+          </a:solidFill>
+          <a:prstDash val="solid"/>
+        </a:ln>
+        <a:effectLst>
+          <a:outerShdw blurRad="57150" dist="19050" dir="5400000" algn="ctr" rotWithShape="0">
+            <a:srgbClr val="000000">
+              <a:alpha val="63000"/>
+            </a:srgbClr>
+          </a:outerShdw>
+        </a:effectLst>
+      </dsp:spPr>
+      <dsp:style>
+        <a:lnRef idx="1">
+          <a:scrgbClr r="0" g="0" b="0"/>
+        </a:lnRef>
+        <a:fillRef idx="3">
+          <a:scrgbClr r="0" g="0" b="0"/>
+        </a:fillRef>
+        <a:effectRef idx="3">
+          <a:scrgbClr r="0" g="0" b="0"/>
+        </a:effectRef>
+        <a:fontRef idx="minor">
+          <a:schemeClr val="lt1"/>
+        </a:fontRef>
+      </dsp:style>
+    </dsp:sp>
+    <dsp:sp modelId="{316A51A2-933D-415E-B651-42F8C9A278DD}">
+      <dsp:nvSpPr>
+        <dsp:cNvPr id="0" name=""/>
+        <dsp:cNvSpPr/>
+      </dsp:nvSpPr>
+      <dsp:spPr>
+        <a:xfrm>
+          <a:off x="0" y="2789237"/>
+          <a:ext cx="6261100" cy="1394618"/>
+        </a:xfrm>
+        <a:prstGeom prst="rect">
+          <a:avLst/>
+        </a:prstGeom>
+        <a:noFill/>
+        <a:ln>
+          <a:noFill/>
+        </a:ln>
+        <a:effectLst/>
+      </dsp:spPr>
+      <dsp:style>
+        <a:lnRef idx="0">
+          <a:scrgbClr r="0" g="0" b="0"/>
+        </a:lnRef>
+        <a:fillRef idx="0">
+          <a:scrgbClr r="0" g="0" b="0"/>
+        </a:fillRef>
+        <a:effectRef idx="0">
+          <a:scrgbClr r="0" g="0" b="0"/>
+        </a:effectRef>
+        <a:fontRef idx="minor"/>
+      </dsp:style>
+      <dsp:txBody>
+        <a:bodyPr spcFirstLastPara="0" vert="horz" wrap="square" lIns="110490" tIns="110490" rIns="110490" bIns="110490" numCol="1" spcCol="1270" anchor="t" anchorCtr="0">
+          <a:noAutofit/>
+        </a:bodyPr>
+        <a:lstStyle/>
+        <a:p>
+          <a:pPr marL="0" lvl="0" indent="0" algn="l" defTabSz="1289050">
+            <a:lnSpc>
+              <a:spcPct val="90000"/>
+            </a:lnSpc>
+            <a:spcBef>
+              <a:spcPct val="0"/>
+            </a:spcBef>
+            <a:spcAft>
+              <a:spcPct val="35000"/>
+            </a:spcAft>
+            <a:buNone/>
+          </a:pPr>
+          <a:r>
+            <a:rPr lang="en-GB" sz="2900" kern="1200" dirty="0"/>
+            <a:t>An agent playing against a copy of itself in a board game</a:t>
+          </a:r>
+          <a:endParaRPr lang="en-US" sz="2900" kern="1200" dirty="0"/>
+        </a:p>
+      </dsp:txBody>
+      <dsp:txXfrm>
+        <a:off x="0" y="2789237"/>
+        <a:ext cx="6261100" cy="1394618"/>
+      </dsp:txXfrm>
+    </dsp:sp>
+    <dsp:sp modelId="{1ECBEFDC-181A-4296-BF52-B24C66FC7674}">
+      <dsp:nvSpPr>
+        <dsp:cNvPr id="0" name=""/>
+        <dsp:cNvSpPr/>
+      </dsp:nvSpPr>
+      <dsp:spPr>
+        <a:xfrm>
+          <a:off x="0" y="4183856"/>
+          <a:ext cx="6261100" cy="0"/>
+        </a:xfrm>
+        <a:prstGeom prst="line">
+          <a:avLst/>
+        </a:prstGeom>
+        <a:gradFill rotWithShape="0">
+          <a:gsLst>
+            <a:gs pos="0">
+              <a:schemeClr val="accent5">
+                <a:hueOff val="0"/>
+                <a:satOff val="0"/>
+                <a:lumOff val="0"/>
+                <a:alphaOff val="0"/>
+                <a:tint val="94000"/>
+                <a:satMod val="103000"/>
+                <a:lumMod val="102000"/>
+              </a:schemeClr>
+            </a:gs>
+            <a:gs pos="50000">
+              <a:schemeClr val="accent5">
+                <a:hueOff val="0"/>
+                <a:satOff val="0"/>
+                <a:lumOff val="0"/>
+                <a:alphaOff val="0"/>
+                <a:shade val="100000"/>
+                <a:satMod val="110000"/>
+                <a:lumMod val="100000"/>
+              </a:schemeClr>
+            </a:gs>
+            <a:gs pos="100000">
+              <a:schemeClr val="accent5">
+                <a:hueOff val="0"/>
+                <a:satOff val="0"/>
+                <a:lumOff val="0"/>
+                <a:alphaOff val="0"/>
+                <a:shade val="78000"/>
+                <a:satMod val="120000"/>
+                <a:lumMod val="99000"/>
+              </a:schemeClr>
+            </a:gs>
+          </a:gsLst>
+          <a:lin ang="5400000" scaled="0"/>
+        </a:gradFill>
+        <a:ln w="9525" cap="flat" cmpd="sng" algn="ctr">
+          <a:solidFill>
+            <a:schemeClr val="accent5">
+              <a:hueOff val="0"/>
+              <a:satOff val="0"/>
+              <a:lumOff val="0"/>
+              <a:alphaOff val="0"/>
+            </a:schemeClr>
+          </a:solidFill>
+          <a:prstDash val="solid"/>
+        </a:ln>
+        <a:effectLst>
+          <a:outerShdw blurRad="57150" dist="19050" dir="5400000" algn="ctr" rotWithShape="0">
+            <a:srgbClr val="000000">
+              <a:alpha val="63000"/>
+            </a:srgbClr>
+          </a:outerShdw>
+        </a:effectLst>
+      </dsp:spPr>
+      <dsp:style>
+        <a:lnRef idx="1">
+          <a:scrgbClr r="0" g="0" b="0"/>
+        </a:lnRef>
+        <a:fillRef idx="3">
+          <a:scrgbClr r="0" g="0" b="0"/>
+        </a:fillRef>
+        <a:effectRef idx="3">
+          <a:scrgbClr r="0" g="0" b="0"/>
+        </a:effectRef>
+        <a:fontRef idx="minor">
+          <a:schemeClr val="lt1"/>
+        </a:fontRef>
+      </dsp:style>
+    </dsp:sp>
+    <dsp:sp modelId="{EA351FA5-9A2E-4FCC-94FA-7586DEBE0712}">
+      <dsp:nvSpPr>
+        <dsp:cNvPr id="0" name=""/>
+        <dsp:cNvSpPr/>
+      </dsp:nvSpPr>
+      <dsp:spPr>
+        <a:xfrm>
+          <a:off x="0" y="4183856"/>
+          <a:ext cx="6261100" cy="1394618"/>
+        </a:xfrm>
+        <a:prstGeom prst="rect">
+          <a:avLst/>
+        </a:prstGeom>
+        <a:noFill/>
+        <a:ln>
+          <a:noFill/>
+        </a:ln>
+        <a:effectLst/>
+      </dsp:spPr>
+      <dsp:style>
+        <a:lnRef idx="0">
+          <a:scrgbClr r="0" g="0" b="0"/>
+        </a:lnRef>
+        <a:fillRef idx="0">
+          <a:scrgbClr r="0" g="0" b="0"/>
+        </a:fillRef>
+        <a:effectRef idx="0">
+          <a:scrgbClr r="0" g="0" b="0"/>
+        </a:effectRef>
+        <a:fontRef idx="minor"/>
+      </dsp:style>
+      <dsp:txBody>
+        <a:bodyPr spcFirstLastPara="0" vert="horz" wrap="square" lIns="110490" tIns="110490" rIns="110490" bIns="110490" numCol="1" spcCol="1270" anchor="t" anchorCtr="0">
+          <a:noAutofit/>
+        </a:bodyPr>
+        <a:lstStyle/>
+        <a:p>
+          <a:pPr marL="0" lvl="0" indent="0" algn="l" defTabSz="1289050">
+            <a:lnSpc>
+              <a:spcPct val="90000"/>
+            </a:lnSpc>
+            <a:spcBef>
+              <a:spcPct val="0"/>
+            </a:spcBef>
+            <a:spcAft>
+              <a:spcPct val="35000"/>
+            </a:spcAft>
+            <a:buNone/>
+          </a:pPr>
+          <a:r>
+            <a:rPr lang="en-US" sz="2900" kern="1200" dirty="0"/>
+            <a:t>Training Neural Networks on Adversarial examples</a:t>
+          </a:r>
+        </a:p>
+      </dsp:txBody>
+      <dsp:txXfrm>
+        <a:off x="0" y="4183856"/>
+        <a:ext cx="6261100" cy="1394618"/>
+      </dsp:txXfrm>
+    </dsp:sp>
+  </dsp:spTree>
+</dsp:drawing>
+</file>
+
+<file path=ppt/diagrams/layout1.xml><?xml version="1.0" encoding="utf-8"?>
+<dgm:layoutDef xmlns:dgm="http://schemas.openxmlformats.org/drawingml/2006/diagram" xmlns:a="http://schemas.openxmlformats.org/drawingml/2006/main" uniqueId="urn:microsoft.com/office/officeart/2008/layout/LinedList">
+  <dgm:title val=""/>
+  <dgm:desc val=""/>
+  <dgm:catLst>
+    <dgm:cat type="hierarchy" pri="8000"/>
+    <dgm:cat type="list" pri="2500"/>
+  </dgm:catLst>
+  <dgm:sampData>
+    <dgm:dataModel>
+      <dgm:ptLst>
+        <dgm:pt modelId="0" type="doc"/>
+        <dgm:pt modelId="1">
+          <dgm:prSet phldr="1"/>
+        </dgm:pt>
+        <dgm:pt modelId="11">
+          <dgm:prSet phldr="1"/>
+        </dgm:pt>
+        <dgm:pt modelId="12">
+          <dgm:prSet phldr="1"/>
+        </dgm:pt>
+        <dgm:pt modelId="13">
+          <dgm:prSet phldr="1"/>
+        </dgm:pt>
+      </dgm:ptLst>
+      <dgm:cxnLst>
+        <dgm:cxn modelId="2" srcId="0" destId="1" srcOrd="0" destOrd="0"/>
+        <dgm:cxn modelId="3" srcId="1" destId="11" srcOrd="0" destOrd="0"/>
+        <dgm:cxn modelId="4" srcId="1" destId="12" srcOrd="1" destOrd="0"/>
+        <dgm:cxn modelId="5" srcId="1" destId="13" srcOrd="2" destOrd="0"/>
+      </dgm:cxnLst>
+      <dgm:bg/>
+      <dgm:whole/>
+    </dgm:dataModel>
+  </dgm:sampData>
+  <dgm:styleData>
+    <dgm:dataModel>
+      <dgm:ptLst>
+        <dgm:pt modelId="0" type="doc"/>
+        <dgm:pt modelId="1">
+          <dgm:prSet phldr="1"/>
+        </dgm:pt>
+        <dgm:pt modelId="11">
+          <dgm:prSet phldr="1"/>
+        </dgm:pt>
+        <dgm:pt modelId="12">
+          <dgm:prSet phldr="1"/>
+        </dgm:pt>
+      </dgm:ptLst>
+      <dgm:cxnLst>
+        <dgm:cxn modelId="2" srcId="0" destId="1" srcOrd="0" destOrd="0"/>
+        <dgm:cxn modelId="3" srcId="1" destId="11" srcOrd="0" destOrd="0"/>
+        <dgm:cxn modelId="4" srcId="1" destId="12" srcOrd="1" destOrd="0"/>
+      </dgm:cxnLst>
+      <dgm:bg/>
+      <dgm:whole/>
+    </dgm:dataModel>
+  </dgm:styleData>
+  <dgm:clrData>
+    <dgm:dataModel>
+      <dgm:ptLst>
+        <dgm:pt modelId="0" type="doc"/>
+        <dgm:pt modelId="1">
+          <dgm:prSet phldr="1"/>
+        </dgm:pt>
+        <dgm:pt modelId="11">
+          <dgm:prSet phldr="1"/>
+        </dgm:pt>
+        <dgm:pt modelId="12">
+          <dgm:prSet phldr="1"/>
+        </dgm:pt>
+      </dgm:ptLst>
+      <dgm:cxnLst>
+        <dgm:cxn modelId="2" srcId="0" destId="1" srcOrd="0" destOrd="0"/>
+        <dgm:cxn modelId="3" srcId="1" destId="11" srcOrd="0" destOrd="0"/>
+        <dgm:cxn modelId="4" srcId="1" destId="12" srcOrd="1" destOrd="0"/>
+      </dgm:cxnLst>
+      <dgm:bg/>
+      <dgm:whole/>
+    </dgm:dataModel>
+  </dgm:clrData>
+  <dgm:layoutNode name="vert0">
+    <dgm:varLst>
+      <dgm:dir/>
+      <dgm:animOne val="branch"/>
+      <dgm:animLvl val="lvl"/>
+    </dgm:varLst>
+    <dgm:choose name="Name0">
+      <dgm:if name="Name1" func="var" arg="dir" op="equ" val="norm">
+        <dgm:alg type="lin">
+          <dgm:param type="linDir" val="fromT"/>
+          <dgm:param type="nodeHorzAlign" val="l"/>
+        </dgm:alg>
+      </dgm:if>
+      <dgm:else name="Name2">
+        <dgm:alg type="lin">
+          <dgm:param type="linDir" val="fromT"/>
+          <dgm:param type="nodeHorzAlign" val="r"/>
+        </dgm:alg>
+      </dgm:else>
+    </dgm:choose>
+    <dgm:shape xmlns:r="http://schemas.openxmlformats.org/officeDocument/2006/relationships" r:blip="">
+      <dgm:adjLst/>
+    </dgm:shape>
+    <dgm:presOf/>
+    <dgm:constrLst>
+      <dgm:constr type="w" for="ch" forName="horz1" refType="w"/>
+      <dgm:constr type="h" for="ch" forName="horz1" refType="h"/>
+      <dgm:constr type="h" for="des" forName="vert1" refType="h"/>
+      <dgm:constr type="h" for="des" forName="tx1" refType="h"/>
+      <dgm:constr type="h" for="des" forName="horz2" refType="h"/>
+      <dgm:constr type="h" for="des" forName="vert2" refType="h"/>
+      <dgm:constr type="h" for="des" forName="horz3" refType="h"/>
+      <dgm:constr type="h" for="des" forName="vert3" refType="h"/>
+      <dgm:constr type="h" for="des" forName="horz4" refType="h"/>
+      <dgm:constr type="h" for="des" ptType="node" refType="h"/>
+      <dgm:constr type="primFontSz" for="des" forName="tx1" op="equ" val="65"/>
+      <dgm:constr type="primFontSz" for="des" forName="tx2" op="equ" val="65"/>
+      <dgm:constr type="primFontSz" for="des" forName="tx3" op="equ" val="65"/>
+      <dgm:constr type="primFontSz" for="des" forName="tx4" op="equ" val="65"/>
+      <dgm:constr type="w" for="des" forName="thickLine" refType="w"/>
+      <dgm:constr type="h" for="des" forName="thickLine"/>
+      <dgm:constr type="h" for="des" forName="thinLine1"/>
+      <dgm:constr type="h" for="des" forName="thinLine2b"/>
+      <dgm:constr type="h" for="des" forName="thinLine3"/>
+      <dgm:constr type="h" for="des" forName="vertSpace2a" refType="h" fact="0.05"/>
+      <dgm:constr type="h" for="des" forName="vertSpace2b" refType="h" refFor="des" refForName="vertSpace2a"/>
+    </dgm:constrLst>
+    <dgm:forEach name="Name3" axis="ch" ptType="node">
+      <dgm:layoutNode name="thickLine" styleLbl="alignNode1">
+        <dgm:alg type="sp"/>
+        <dgm:shape xmlns:r="http://schemas.openxmlformats.org/officeDocument/2006/relationships" type="line" r:blip="">
+          <dgm:adjLst/>
+        </dgm:shape>
+        <dgm:presOf/>
+      </dgm:layoutNode>
+      <dgm:layoutNode name="horz1">
+        <dgm:choose name="Name4">
+          <dgm:if name="Name5" func="var" arg="dir" op="equ" val="norm">
+            <dgm:alg type="lin">
+              <dgm:param type="linDir" val="fromL"/>
+              <dgm:param type="nodeVertAlign" val="t"/>
+            </dgm:alg>
+          </dgm:if>
+          <dgm:else name="Name6">
+            <dgm:alg type="lin">
+              <dgm:param type="linDir" val="fromR"/>
+              <dgm:param type="nodeVertAlign" val="t"/>
+            </dgm:alg>
+          </dgm:else>
+        </dgm:choose>
+        <dgm:shape xmlns:r="http://schemas.openxmlformats.org/officeDocument/2006/relationships" r:blip="">
+          <dgm:adjLst/>
+        </dgm:shape>
+        <dgm:presOf/>
+        <dgm:choose name="Name7">
+          <dgm:if name="Name8" axis="root des" func="maxDepth" op="equ" val="1">
+            <dgm:constrLst>
+              <dgm:constr type="w" for="ch" forName="tx1" refType="w"/>
+            </dgm:constrLst>
+          </dgm:if>
+          <dgm:if name="Name9" axis="root des" func="maxDepth" op="equ" val="2">
+            <dgm:constrLst>
+              <dgm:constr type="w" for="ch" forName="tx1" refType="w" fact="0.2"/>
+              <dgm:constr type="w" for="des" forName="tx2" refType="w" fact="0.785"/>
+              <dgm:constr type="w" for="des" forName="horzSpace2" refType="w" fact="0.015"/>
+              <dgm:constr type="w" for="des" forName="thinLine2b" refType="w" fact="0.8"/>
+            </dgm:constrLst>
+          </dgm:if>
+          <dgm:if name="Name10" axis="root des" func="maxDepth" op="equ" val="3">
+            <dgm:constrLst>
+              <dgm:constr type="w" for="ch" forName="tx1" refType="w" fact="0.2"/>
+              <dgm:constr type="w" for="des" forName="tx2" refType="w" fact="0.385"/>
+              <dgm:constr type="w" for="des" forName="tx3" refType="w" fact="0.385"/>
+              <dgm:constr type="w" for="des" forName="horzSpace2" refType="w" fact="0.015"/>
+              <dgm:constr type="w" for="des" forName="horzSpace3" refType="w" fact="0.015"/>
+              <dgm:constr type="w" for="des" forName="thinLine2b" refType="w" fact="0.8"/>
+              <dgm:constr type="w" for="des" forName="thinLine3" refType="w" fact="0.385"/>
+            </dgm:constrLst>
+          </dgm:if>
+          <dgm:if name="Name11" axis="root des" func="maxDepth" op="gte" val="4">
+            <dgm:constrLst>
+              <dgm:constr type="w" for="ch" forName="tx1" refType="w" fact="0.2"/>
+              <dgm:constr type="w" for="des" forName="tx2" refType="w" fact="0.2516"/>
+              <dgm:constr type="w" for="des" forName="tx3" refType="w" fact="0.2516"/>
+              <dgm:constr type="w" for="des" forName="tx4" refType="w" fact="0.2516"/>
+              <dgm:constr type="w" for="des" forName="horzSpace2" refType="w" fact="0.015"/>
+              <dgm:constr type="w" for="des" forName="horzSpace3" refType="w" fact="0.015"/>
+              <dgm:constr type="w" for="des" forName="horzSpace4" refType="w" fact="0.015"/>
+              <dgm:constr type="w" for="des" forName="thinLine2b" refType="w" fact="0.8"/>
+              <dgm:constr type="w" for="des" forName="thinLine3" refType="w" fact="0.5332"/>
+            </dgm:constrLst>
+          </dgm:if>
+          <dgm:else name="Name12"/>
+        </dgm:choose>
+        <dgm:layoutNode name="tx1" styleLbl="revTx">
+          <dgm:alg type="tx">
+            <dgm:param type="parTxLTRAlign" val="l"/>
+            <dgm:param type="parTxRTLAlign" val="r"/>
+            <dgm:param type="txAnchorVert" val="t"/>
+          </dgm:alg>
+          <dgm:shape xmlns:r="http://schemas.openxmlformats.org/officeDocument/2006/relationships" type="rect" r:blip="">
+            <dgm:adjLst/>
+          </dgm:shape>
+          <dgm:presOf axis="self"/>
+          <dgm:constrLst>
+            <dgm:constr type="tMarg" refType="primFontSz" fact="0.3"/>
+            <dgm:constr type="bMarg" refType="primFontSz" fact="0.3"/>
+            <dgm:constr type="lMarg" refType="primFontSz" fact="0.3"/>
+            <dgm:constr type="rMarg" refType="primFontSz" fact="0.3"/>
+          </dgm:constrLst>
+          <dgm:ruleLst>
+            <dgm:rule type="primFontSz" val="5" fact="NaN" max="NaN"/>
+          </dgm:ruleLst>
+        </dgm:layoutNode>
+        <dgm:layoutNode name="vert1">
+          <dgm:choose name="Name13">
+            <dgm:if name="Name14" func="var" arg="dir" op="equ" val="norm">
+              <dgm:alg type="lin">
+                <dgm:param type="linDir" val="fromT"/>
+                <dgm:param type="nodeHorzAlign" val="l"/>
+              </dgm:alg>
+            </dgm:if>
+            <dgm:else name="Name15">
+              <dgm:alg type="lin">
+                <dgm:param type="linDir" val="fromT"/>
+                <dgm:param type="nodeHorzAlign" val="r"/>
+              </dgm:alg>
+            </dgm:else>
+          </dgm:choose>
+          <dgm:shape xmlns:r="http://schemas.openxmlformats.org/officeDocument/2006/relationships" r:blip="">
+            <dgm:adjLst/>
+          </dgm:shape>
+          <dgm:presOf/>
+          <dgm:forEach name="Name16" axis="ch" ptType="node">
+            <dgm:choose name="Name17">
+              <dgm:if name="Name18" axis="self" ptType="node" func="pos" op="equ" val="1">
+                <dgm:layoutNode name="vertSpace2a">
+                  <dgm:alg type="sp"/>
+                  <dgm:shape xmlns:r="http://schemas.openxmlformats.org/officeDocument/2006/relationships" r:blip="">
+                    <dgm:adjLst/>
+                  </dgm:shape>
+                  <dgm:presOf/>
+                </dgm:layoutNode>
+              </dgm:if>
+              <dgm:else name="Name19"/>
+            </dgm:choose>
+            <dgm:layoutNode name="horz2">
+              <dgm:choose name="Name20">
+                <dgm:if name="Name21" func="var" arg="dir" op="equ" val="norm">
+                  <dgm:alg type="lin">
+                    <dgm:param type="linDir" val="fromL"/>
+                    <dgm:param type="nodeVertAlign" val="t"/>
+                  </dgm:alg>
+                </dgm:if>
+                <dgm:else name="Name22">
+                  <dgm:alg type="lin">
+                    <dgm:param type="linDir" val="fromR"/>
+                    <dgm:param type="nodeVertAlign" val="t"/>
+                  </dgm:alg>
+                </dgm:else>
+              </dgm:choose>
+              <dgm:shape xmlns:r="http://schemas.openxmlformats.org/officeDocument/2006/relationships" r:blip="">
+                <dgm:adjLst/>
+              </dgm:shape>
+              <dgm:presOf/>
+              <dgm:layoutNode name="horzSpace2">
+                <dgm:alg type="sp"/>
+                <dgm:shape xmlns:r="http://schemas.openxmlformats.org/officeDocument/2006/relationships" r:blip="">
+                  <dgm:adjLst/>
+                </dgm:shape>
+                <dgm:presOf/>
+              </dgm:layoutNode>
+              <dgm:layoutNode name="tx2" styleLbl="revTx">
+                <dgm:alg type="tx">
+                  <dgm:param type="parTxLTRAlign" val="l"/>
+                  <dgm:param type="parTxRTLAlign" val="r"/>
+                  <dgm:param type="txAnchorVert" val="t"/>
+                </dgm:alg>
+                <dgm:shape xmlns:r="http://schemas.openxmlformats.org/officeDocument/2006/relationships" type="rect" r:blip="">
+                  <dgm:adjLst/>
+                </dgm:shape>
+                <dgm:presOf axis="self"/>
+                <dgm:constrLst>
+                  <dgm:constr type="tMarg" refType="primFontSz" fact="0.3"/>
+                  <dgm:constr type="bMarg" refType="primFontSz" fact="0.3"/>
+                  <dgm:constr type="lMarg" refType="primFontSz" fact="0.3"/>
+                  <dgm:constr type="rMarg" refType="primFontSz" fact="0.3"/>
+                </dgm:constrLst>
+                <dgm:ruleLst>
+                  <dgm:rule type="primFontSz" val="5" fact="NaN" max="NaN"/>
+                </dgm:ruleLst>
+              </dgm:layoutNode>
+              <dgm:layoutNode name="vert2">
+                <dgm:choose name="Name23">
+                  <dgm:if name="Name24" func="var" arg="dir" op="equ" val="norm">
+                    <dgm:alg type="lin">
+                      <dgm:param type="linDir" val="fromT"/>
+                      <dgm:param type="nodeHorzAlign" val="l"/>
+                    </dgm:alg>
+                  </dgm:if>
+                  <dgm:else name="Name25">
+                    <dgm:alg type="lin">
+                      <dgm:param type="linDir" val="fromT"/>
+                      <dgm:param type="nodeHorzAlign" val="r"/>
+                    </dgm:alg>
+                  </dgm:else>
+                </dgm:choose>
+                <dgm:shape xmlns:r="http://schemas.openxmlformats.org/officeDocument/2006/relationships" r:blip="">
+                  <dgm:adjLst/>
+                </dgm:shape>
+                <dgm:presOf/>
+                <dgm:forEach name="Name26" axis="ch" ptType="node">
+                  <dgm:layoutNode name="horz3">
+                    <dgm:choose name="Name27">
+                      <dgm:if name="Name28" func="var" arg="dir" op="equ" val="norm">
+                        <dgm:alg type="lin">
+                          <dgm:param type="linDir" val="fromL"/>
+                          <dgm:param type="nodeVertAlign" val="t"/>
+                        </dgm:alg>
+                      </dgm:if>
+                      <dgm:else name="Name29">
+                        <dgm:alg type="lin">
+                          <dgm:param type="linDir" val="fromR"/>
+                          <dgm:param type="nodeVertAlign" val="t"/>
+                        </dgm:alg>
+                      </dgm:else>
+                    </dgm:choose>
+                    <dgm:shape xmlns:r="http://schemas.openxmlformats.org/officeDocument/2006/relationships" r:blip="">
+                      <dgm:adjLst/>
+                    </dgm:shape>
+                    <dgm:presOf/>
+                    <dgm:layoutNode name="horzSpace3">
+                      <dgm:alg type="sp"/>
+                      <dgm:shape xmlns:r="http://schemas.openxmlformats.org/officeDocument/2006/relationships" r:blip="">
+                        <dgm:adjLst/>
+                      </dgm:shape>
+                      <dgm:presOf/>
+                    </dgm:layoutNode>
+                    <dgm:layoutNode name="tx3" styleLbl="revTx">
+                      <dgm:alg type="tx">
+                        <dgm:param type="parTxLTRAlign" val="l"/>
+                        <dgm:param type="parTxRTLAlign" val="r"/>
+                        <dgm:param type="txAnchorVert" val="t"/>
+                      </dgm:alg>
+                      <dgm:shape xmlns:r="http://schemas.openxmlformats.org/officeDocument/2006/relationships" type="rect" r:blip="">
+                        <dgm:adjLst/>
+                      </dgm:shape>
+                      <dgm:presOf axis="self"/>
+                      <dgm:constrLst>
+                        <dgm:constr type="tMarg" refType="primFontSz" fact="0.3"/>
+                        <dgm:constr type="bMarg" refType="primFontSz" fact="0.3"/>
+                        <dgm:constr type="lMarg" refType="primFontSz" fact="0.3"/>
+                        <dgm:constr type="rMarg" refType="primFontSz" fact="0.3"/>
+                      </dgm:constrLst>
+                      <dgm:ruleLst>
+                        <dgm:rule type="primFontSz" val="5" fact="NaN" max="NaN"/>
+                      </dgm:ruleLst>
+                    </dgm:layoutNode>
+                    <dgm:layoutNode name="vert3">
+                      <dgm:choose name="Name30">
+                        <dgm:if name="Name31" func="var" arg="dir" op="equ" val="norm">
+                          <dgm:alg type="lin">
+                            <dgm:param type="linDir" val="fromT"/>
+                            <dgm:param type="nodeHorzAlign" val="l"/>
+                          </dgm:alg>
+                        </dgm:if>
+                        <dgm:else name="Name32">
+                          <dgm:alg type="lin">
+                            <dgm:param type="linDir" val="fromT"/>
+                            <dgm:param type="nodeHorzAlign" val="r"/>
+                          </dgm:alg>
+                        </dgm:else>
+                      </dgm:choose>
+                      <dgm:shape xmlns:r="http://schemas.openxmlformats.org/officeDocument/2006/relationships" r:blip="">
+                        <dgm:adjLst/>
+                      </dgm:shape>
+                      <dgm:presOf/>
+                      <dgm:forEach name="Name33" axis="ch" ptType="node">
+                        <dgm:layoutNode name="horz4">
+                          <dgm:choose name="Name34">
+                            <dgm:if name="Name35" func="var" arg="dir" op="equ" val="norm">
+                              <dgm:alg type="lin">
+                                <dgm:param type="linDir" val="fromL"/>
+                                <dgm:param type="nodeVertAlign" val="t"/>
+                              </dgm:alg>
+                            </dgm:if>
+                            <dgm:else name="Name36">
+                              <dgm:alg type="lin">
+                                <dgm:param type="linDir" val="fromR"/>
+                                <dgm:param type="nodeVertAlign" val="t"/>
+                              </dgm:alg>
+                            </dgm:else>
+                          </dgm:choose>
+                          <dgm:shape xmlns:r="http://schemas.openxmlformats.org/officeDocument/2006/relationships" r:blip="">
+                            <dgm:adjLst/>
+                          </dgm:shape>
+                          <dgm:presOf/>
+                          <dgm:layoutNode name="horzSpace4">
+                            <dgm:alg type="sp"/>
+                            <dgm:shape xmlns:r="http://schemas.openxmlformats.org/officeDocument/2006/relationships" r:blip="">
+                              <dgm:adjLst/>
+                            </dgm:shape>
+                            <dgm:presOf/>
+                          </dgm:layoutNode>
+                          <dgm:layoutNode name="tx4" styleLbl="revTx">
+                            <dgm:varLst>
+                              <dgm:bulletEnabled val="1"/>
+                            </dgm:varLst>
+                            <dgm:alg type="tx">
+                              <dgm:param type="parTxLTRAlign" val="l"/>
+                              <dgm:param type="parTxRTLAlign" val="r"/>
+                              <dgm:param type="txAnchorVert" val="t"/>
+                            </dgm:alg>
+                            <dgm:shape xmlns:r="http://schemas.openxmlformats.org/officeDocument/2006/relationships" type="rect" r:blip="">
+                              <dgm:adjLst/>
+                            </dgm:shape>
+                            <dgm:presOf axis="desOrSelf" ptType="node"/>
+                            <dgm:constrLst>
+                              <dgm:constr type="tMarg" refType="primFontSz" fact="0.3"/>
+                              <dgm:constr type="bMarg" refType="primFontSz" fact="0.3"/>
+                              <dgm:constr type="lMarg" refType="primFontSz" fact="0.3"/>
+                              <dgm:constr type="rMarg" refType="primFontSz" fact="0.3"/>
+                            </dgm:constrLst>
+                            <dgm:ruleLst>
+                              <dgm:rule type="primFontSz" val="5" fact="NaN" max="NaN"/>
+                            </dgm:ruleLst>
+                          </dgm:layoutNode>
+                        </dgm:layoutNode>
+                      </dgm:forEach>
+                    </dgm:layoutNode>
+                  </dgm:layoutNode>
+                  <dgm:forEach name="Name37" axis="followSib" ptType="sibTrans" cnt="1">
+                    <dgm:layoutNode name="thinLine3" styleLbl="callout">
+                      <dgm:alg type="sp"/>
+                      <dgm:shape xmlns:r="http://schemas.openxmlformats.org/officeDocument/2006/relationships" type="line" r:blip="">
+                        <dgm:adjLst/>
+                      </dgm:shape>
+                      <dgm:presOf/>
+                    </dgm:layoutNode>
+                  </dgm:forEach>
+                </dgm:forEach>
+              </dgm:layoutNode>
+            </dgm:layoutNode>
+            <dgm:layoutNode name="thinLine2b" styleLbl="callout">
+              <dgm:alg type="sp"/>
+              <dgm:shape xmlns:r="http://schemas.openxmlformats.org/officeDocument/2006/relationships" type="line" r:blip="">
+                <dgm:adjLst/>
+              </dgm:shape>
+              <dgm:presOf/>
+            </dgm:layoutNode>
+            <dgm:layoutNode name="vertSpace2b">
+              <dgm:alg type="sp"/>
+              <dgm:shape xmlns:r="http://schemas.openxmlformats.org/officeDocument/2006/relationships" r:blip="">
+                <dgm:adjLst/>
+              </dgm:shape>
+              <dgm:presOf/>
+            </dgm:layoutNode>
+          </dgm:forEach>
+        </dgm:layoutNode>
+      </dgm:layoutNode>
+    </dgm:forEach>
+  </dgm:layoutNode>
+</dgm:layoutDef>
+</file>
+
+<file path=ppt/diagrams/quickStyle1.xml><?xml version="1.0" encoding="utf-8"?>
+<dgm:styleDef xmlns:dgm="http://schemas.openxmlformats.org/drawingml/2006/diagram" xmlns:a="http://schemas.openxmlformats.org/drawingml/2006/main" uniqueId="urn:microsoft.com/office/officeart/2005/8/quickstyle/simple5">
+  <dgm:title val=""/>
+  <dgm:desc val=""/>
+  <dgm:catLst>
+    <dgm:cat type="simple" pri="10500"/>
+  </dgm:catLst>
+  <dgm:scene3d>
+    <a:camera prst="orthographicFront"/>
+    <a:lightRig rig="threePt" dir="t"/>
+  </dgm:scene3d>
+  <dgm:styleLbl name="node0">
+    <dgm:scene3d>
+      <a:camera prst="orthographicFront"/>
+      <a:lightRig rig="threePt" dir="t"/>
+    </dgm:scene3d>
+    <dgm:sp3d/>
+    <dgm:txPr/>
+    <dgm:style>
+      <a:lnRef idx="0">
+        <a:scrgbClr r="0" g="0" b="0"/>
+      </a:lnRef>
+      <a:fillRef idx="3">
+        <a:scrgbClr r="0" g="0" b="0"/>
+      </a:fillRef>
+      <a:effectRef idx="3">
+        <a:scrgbClr r="0" g="0" b="0"/>
+      </a:effectRef>
+      <a:fontRef idx="minor">
+        <a:schemeClr val="lt1"/>
+      </a:fontRef>
+    </dgm:style>
+  </dgm:styleLbl>
+  <dgm:styleLbl name="lnNode1">
+    <dgm:scene3d>
+      <a:camera prst="orthographicFront"/>
+      <a:lightRig rig="threePt" dir="t"/>
+    </dgm:scene3d>
+    <dgm:sp3d/>
+    <dgm:txPr/>
+    <dgm:style>
+      <a:lnRef idx="0">
+        <a:scrgbClr r="0" g="0" b="0"/>
+      </a:lnRef>
+      <a:fillRef idx="3">
+        <a:scrgbClr r="0" g="0" b="0"/>
+      </a:fillRef>
+      <a:effectRef idx="3">
+        <a:scrgbClr r="0" g="0" b="0"/>
+      </a:effectRef>
+      <a:fontRef idx="minor">
+        <a:schemeClr val="lt1"/>
+      </a:fontRef>
+    </dgm:style>
+  </dgm:styleLbl>
+  <dgm:styleLbl name="vennNode1">
+    <dgm:scene3d>
+      <a:camera prst="orthographicFront"/>
+      <a:lightRig rig="threePt" dir="t"/>
+    </dgm:scene3d>
+    <dgm:sp3d/>
+    <dgm:txPr/>
+    <dgm:style>
+      <a:lnRef idx="0">
+        <a:scrgbClr r="0" g="0" b="0"/>
+      </a:lnRef>
+      <a:fillRef idx="3">
+        <a:scrgbClr r="0" g="0" b="0"/>
+      </a:fillRef>
+      <a:effectRef idx="3">
+        <a:scrgbClr r="0" g="0" b="0"/>
+      </a:effectRef>
+      <a:fontRef idx="minor">
+        <a:schemeClr val="tx1"/>
+      </a:fontRef>
+    </dgm:style>
+  </dgm:styleLbl>
+  <dgm:styleLbl name="alignNode1">
+    <dgm:scene3d>
+      <a:camera prst="orthographicFront"/>
+      <a:lightRig rig="threePt" dir="t"/>
+    </dgm:scene3d>
+    <dgm:sp3d/>
+    <dgm:txPr/>
+    <dgm:style>
+      <a:lnRef idx="1">
+        <a:scrgbClr r="0" g="0" b="0"/>
+      </a:lnRef>
+      <a:fillRef idx="3">
+        <a:scrgbClr r="0" g="0" b="0"/>
+      </a:fillRef>
+      <a:effectRef idx="3">
+        <a:scrgbClr r="0" g="0" b="0"/>
+      </a:effectRef>
+      <a:fontRef idx="minor">
+        <a:schemeClr val="lt1"/>
+      </a:fontRef>
+    </dgm:style>
+  </dgm:styleLbl>
+  <dgm:styleLbl name="node1">
+    <dgm:scene3d>
+      <a:camera prst="orthographicFront"/>
+      <a:lightRig rig="threePt" dir="t"/>
+    </dgm:scene3d>
+    <dgm:sp3d/>
+    <dgm:txPr/>
+    <dgm:style>
+      <a:lnRef idx="0">
+        <a:scrgbClr r="0" g="0" b="0"/>
+      </a:lnRef>
+      <a:fillRef idx="3">
+        <a:scrgbClr r="0" g="0" b="0"/>
+      </a:fillRef>
+      <a:effectRef idx="3">
+        <a:scrgbClr r="0" g="0" b="0"/>
+      </a:effectRef>
+      <a:fontRef idx="minor">
+        <a:schemeClr val="lt1"/>
+      </a:fontRef>
+    </dgm:style>
+  </dgm:styleLbl>
+  <dgm:styleLbl name="node2">
+    <dgm:scene3d>
+      <a:camera prst="orthographicFront"/>
+      <a:lightRig rig="threePt" dir="t"/>
+    </dgm:scene3d>
+    <dgm:sp3d/>
+    <dgm:txPr/>
+    <dgm:style>
+      <a:lnRef idx="0">
+        <a:scrgbClr r="0" g="0" b="0"/>
+      </a:lnRef>
+      <a:fillRef idx="3">
+        <a:scrgbClr r="0" g="0" b="0"/>
+      </a:fillRef>
+      <a:effectRef idx="3">
+        <a:scrgbClr r="0" g="0" b="0"/>
+      </a:effectRef>
+      <a:fontRef idx="minor">
+        <a:schemeClr val="lt1"/>
+      </a:fontRef>
+    </dgm:style>
+  </dgm:styleLbl>
+  <dgm:styleLbl name="node3">
+    <dgm:scene3d>
+      <a:camera prst="orthographicFront"/>
+      <a:lightRig rig="threePt" dir="t"/>
+    </dgm:scene3d>
+    <dgm:sp3d/>
+    <dgm:txPr/>
+    <dgm:style>
+      <a:lnRef idx="0">
+        <a:scrgbClr r="0" g="0" b="0"/>
+      </a:lnRef>
+      <a:fillRef idx="3">
+        <a:scrgbClr r="0" g="0" b="0"/>
+      </a:fillRef>
+      <a:effectRef idx="3">
+        <a:scrgbClr r="0" g="0" b="0"/>
+      </a:effectRef>
+      <a:fontRef idx="minor">
+        <a:schemeClr val="lt1"/>
+      </a:fontRef>
+    </dgm:style>
+  </dgm:styleLbl>
+  <dgm:styleLbl name="node4">
+    <dgm:scene3d>
+      <a:camera prst="orthographicFront"/>
+      <a:lightRig rig="threePt" dir="t"/>
+    </dgm:scene3d>
+    <dgm:sp3d/>
+    <dgm:txPr/>
+    <dgm:style>
+      <a:lnRef idx="0">
+        <a:scrgbClr r="0" g="0" b="0"/>
+      </a:lnRef>
+      <a:fillRef idx="3">
+        <a:scrgbClr r="0" g="0" b="0"/>
+      </a:fillRef>
+      <a:effectRef idx="3">
+        <a:scrgbClr r="0" g="0" b="0"/>
+      </a:effectRef>
+      <a:fontRef idx="minor">
+        <a:schemeClr val="lt1"/>
+      </a:fontRef>
+    </dgm:style>
+  </dgm:styleLbl>
+  <dgm:styleLbl name="fgImgPlace1">
+    <dgm:scene3d>
+      <a:camera prst="orthographicFront"/>
+      <a:lightRig rig="threePt" dir="t"/>
+    </dgm:scene3d>
+    <dgm:sp3d/>
+    <dgm:txPr/>
+    <dgm:style>
+      <a:lnRef idx="0">
+        <a:scrgbClr r="0" g="0" b="0"/>
+      </a:lnRef>
+      <a:fillRef idx="1">
+        <a:scrgbClr r="0" g="0" b="0"/>
+      </a:fillRef>
+      <a:effectRef idx="3">
+        <a:scrgbClr r="0" g="0" b="0"/>
+      </a:effectRef>
+      <a:fontRef idx="minor"/>
+    </dgm:style>
+  </dgm:styleLbl>
+  <dgm:styleLbl name="alignImgPlace1">
+    <dgm:scene3d>
+      <a:camera prst="orthographicFront"/>
+      <a:lightRig rig="threePt" dir="t"/>
+    </dgm:scene3d>
+    <dgm:sp3d/>
+    <dgm:txPr/>
+    <dgm:style>
+      <a:lnRef idx="0">
+        <a:scrgbClr r="0" g="0" b="0"/>
+      </a:lnRef>
+      <a:fillRef idx="1">
+        <a:scrgbClr r="0" g="0" b="0"/>
+      </a:fillRef>
+      <a:effectRef idx="3">
+        <a:scrgbClr r="0" g="0" b="0"/>
+      </a:effectRef>
+      <a:fontRef idx="minor"/>
+    </dgm:style>
+  </dgm:styleLbl>
+  <dgm:styleLbl name="bgImgPlace1">
+    <dgm:scene3d>
+      <a:camera prst="orthographicFront"/>
+      <a:lightRig rig="threePt" dir="t"/>
+    </dgm:scene3d>
+    <dgm:sp3d/>
+    <dgm:txPr/>
+    <dgm:style>
+      <a:lnRef idx="0">
+        <a:scrgbClr r="0" g="0" b="0"/>
+      </a:lnRef>
+      <a:fillRef idx="1">
+        <a:scrgbClr r="0" g="0" b="0"/>
+      </a:fillRef>
+      <a:effectRef idx="3">
+        <a:scrgbClr r="0" g="0" b="0"/>
+      </a:effectRef>
+      <a:fontRef idx="minor"/>
+    </dgm:style>
+  </dgm:styleLbl>
+  <dgm:styleLbl name="sibTrans2D1">
+    <dgm:scene3d>
+      <a:camera prst="orthographicFront"/>
+      <a:lightRig rig="threePt" dir="t"/>
+    </dgm:scene3d>
+    <dgm:sp3d/>
+    <dgm:txPr/>
+    <dgm:style>
+      <a:lnRef idx="0">
+        <a:scrgbClr r="0" g="0" b="0"/>
+      </a:lnRef>
+      <a:fillRef idx="3">
+        <a:scrgbClr r="0" g="0" b="0"/>
+      </a:fillRef>
+      <a:effectRef idx="3">
+        <a:scrgbClr r="0" g="0" b="0"/>
+      </a:effectRef>
+      <a:fontRef idx="minor">
+        <a:schemeClr val="lt1"/>
+      </a:fontRef>
+    </dgm:style>
+  </dgm:styleLbl>
+  <dgm:styleLbl name="fgSibTrans2D1">
+    <dgm:scene3d>
+      <a:camera prst="orthographicFront"/>
+      <a:lightRig rig="threePt" dir="t"/>
+    </dgm:scene3d>
+    <dgm:sp3d/>
+    <dgm:txPr/>
+    <dgm:style>
+      <a:lnRef idx="0">
+        <a:scrgbClr r="0" g="0" b="0"/>
+      </a:lnRef>
+      <a:fillRef idx="3">
+        <a:scrgbClr r="0" g="0" b="0"/>
+      </a:fillRef>
+      <a:effectRef idx="3">
+        <a:scrgbClr r="0" g="0" b="0"/>
+      </a:effectRef>
+      <a:fontRef idx="minor">
+        <a:schemeClr val="lt1"/>
+      </a:fontRef>
+    </dgm:style>
+  </dgm:styleLbl>
+  <dgm:styleLbl name="bgSibTrans2D1">
+    <dgm:scene3d>
+      <a:camera prst="orthographicFront"/>
+      <a:lightRig rig="threePt" dir="t"/>
+    </dgm:scene3d>
+    <dgm:sp3d/>
+    <dgm:txPr/>
+    <dgm:style>
+      <a:lnRef idx="0">
+        <a:scrgbClr r="0" g="0" b="0"/>
+      </a:lnRef>
+      <a:fillRef idx="3">
+        <a:scrgbClr r="0" g="0" b="0"/>
+      </a:fillRef>
+      <a:effectRef idx="3">
+        <a:scrgbClr r="0" g="0" b="0"/>
+      </a:effectRef>
+      <a:fontRef idx="minor">
+        <a:schemeClr val="lt1"/>
+      </a:fontRef>
+    </dgm:style>
+  </dgm:styleLbl>
+  <dgm:styleLbl name="sibTrans1D1">
+    <dgm:scene3d>
+      <a:camera prst="orthographicFront"/>
+      <a:lightRig rig="threePt" dir="t"/>
+    </dgm:scene3d>
+    <dgm:sp3d/>
+    <dgm:txPr/>
+    <dgm:style>
+      <a:lnRef idx="1">
+        <a:scrgbClr r="0" g="0" b="0"/>
+      </a:lnRef>
+      <a:fillRef idx="0">
+        <a:scrgbClr r="0" g="0" b="0"/>
+      </a:fillRef>
+      <a:effectRef idx="0">
+        <a:scrgbClr r="0" g="0" b="0"/>
+      </a:effectRef>
+      <a:fontRef idx="minor"/>
+    </dgm:style>
+  </dgm:styleLbl>
+  <dgm:styleLbl name="callout">
+    <dgm:scene3d>
+      <a:camera prst="orthographicFront"/>
+      <a:lightRig rig="threePt" dir="t"/>
+    </dgm:scene3d>
+    <dgm:sp3d/>
+    <dgm:txPr/>
+    <dgm:style>
+      <a:lnRef idx="1">
+        <a:scrgbClr r="0" g="0" b="0"/>
+      </a:lnRef>
+      <a:fillRef idx="0">
+        <a:scrgbClr r="0" g="0" b="0"/>
+      </a:fillRef>
+      <a:effectRef idx="1">
+        <a:scrgbClr r="0" g="0" b="0"/>
+      </a:effectRef>
+      <a:fontRef idx="minor"/>
+    </dgm:style>
+  </dgm:styleLbl>
+  <dgm:styleLbl name="asst0">
+    <dgm:scene3d>
+      <a:camera prst="orthographicFront"/>
+      <a:lightRig rig="threePt" dir="t"/>
+    </dgm:scene3d>
+    <dgm:sp3d/>
+    <dgm:txPr/>
+    <dgm:style>
+      <a:lnRef idx="0">
+        <a:scrgbClr r="0" g="0" b="0"/>
+      </a:lnRef>
+      <a:fillRef idx="3">
+        <a:scrgbClr r="0" g="0" b="0"/>
+      </a:fillRef>
+      <a:effectRef idx="3">
+        <a:scrgbClr r="0" g="0" b="0"/>
+      </a:effectRef>
+      <a:fontRef idx="minor">
+        <a:schemeClr val="lt1"/>
+      </a:fontRef>
+    </dgm:style>
+  </dgm:styleLbl>
+  <dgm:styleLbl name="asst1">
+    <dgm:scene3d>
+      <a:camera prst="orthographicFront"/>
+      <a:lightRig rig="threePt" dir="t"/>
+    </dgm:scene3d>
+    <dgm:sp3d/>
+    <dgm:txPr/>
+    <dgm:style>
+      <a:lnRef idx="0">
+        <a:scrgbClr r="0" g="0" b="0"/>
+      </a:lnRef>
+      <a:fillRef idx="3">
+        <a:scrgbClr r="0" g="0" b="0"/>
+      </a:fillRef>
+      <a:effectRef idx="3">
+        <a:scrgbClr r="0" g="0" b="0"/>
+      </a:effectRef>
+      <a:fontRef idx="minor">
+        <a:schemeClr val="lt1"/>
+      </a:fontRef>
+    </dgm:style>
+  </dgm:styleLbl>
+  <dgm:styleLbl name="asst2">
+    <dgm:scene3d>
+      <a:camera prst="orthographicFront"/>
+      <a:lightRig rig="threePt" dir="t"/>
+    </dgm:scene3d>
+    <dgm:sp3d/>
+    <dgm:txPr/>
+    <dgm:style>
+      <a:lnRef idx="0">
+        <a:scrgbClr r="0" g="0" b="0"/>
+      </a:lnRef>
+      <a:fillRef idx="3">
+        <a:scrgbClr r="0" g="0" b="0"/>
+      </a:fillRef>
+      <a:effectRef idx="3">
+        <a:scrgbClr r="0" g="0" b="0"/>
+      </a:effectRef>
+      <a:fontRef idx="minor">
+        <a:schemeClr val="lt1"/>
+      </a:fontRef>
+    </dgm:style>
+  </dgm:styleLbl>
+  <dgm:styleLbl name="asst3">
+    <dgm:scene3d>
+      <a:camera prst="orthographicFront"/>
+      <a:lightRig rig="threePt" dir="t"/>
+    </dgm:scene3d>
+    <dgm:sp3d/>
+    <dgm:txPr/>
+    <dgm:style>
+      <a:lnRef idx="0">
+        <a:scrgbClr r="0" g="0" b="0"/>
+      </a:lnRef>
+      <a:fillRef idx="3">
+        <a:scrgbClr r="0" g="0" b="0"/>
+      </a:fillRef>
+      <a:effectRef idx="3">
+        <a:scrgbClr r="0" g="0" b="0"/>
+      </a:effectRef>
+      <a:fontRef idx="minor">
+        <a:schemeClr val="lt1"/>
+      </a:fontRef>
+    </dgm:style>
+  </dgm:styleLbl>
+  <dgm:styleLbl name="asst4">
+    <dgm:scene3d>
+      <a:camera prst="orthographicFront"/>
+      <a:lightRig rig="threePt" dir="t"/>
+    </dgm:scene3d>
+    <dgm:sp3d/>
+    <dgm:txPr/>
+    <dgm:style>
+      <a:lnRef idx="0">
+        <a:scrgbClr r="0" g="0" b="0"/>
+      </a:lnRef>
+      <a:fillRef idx="3">
+        <a:scrgbClr r="0" g="0" b="0"/>
+      </a:fillRef>
+      <a:effectRef idx="3">
+        <a:scrgbClr r="0" g="0" b="0"/>
+      </a:effectRef>
+      <a:fontRef idx="minor">
+        <a:schemeClr val="lt1"/>
+      </a:fontRef>
+    </dgm:style>
+  </dgm:styleLbl>
+  <dgm:styleLbl name="parChTrans2D1">
+    <dgm:scene3d>
+      <a:camera prst="orthographicFront"/>
+      <a:lightRig rig="threePt" dir="t"/>
+    </dgm:scene3d>
+    <dgm:sp3d/>
+    <dgm:txPr/>
+    <dgm:style>
+      <a:lnRef idx="0">
+        <a:scrgbClr r="0" g="0" b="0"/>
+      </a:lnRef>
+      <a:fillRef idx="3">
+        <a:scrgbClr r="0" g="0" b="0"/>
+      </a:fillRef>
+      <a:effectRef idx="3">
+        <a:scrgbClr r="0" g="0" b="0"/>
+      </a:effectRef>
+      <a:fontRef idx="minor">
+        <a:schemeClr val="lt1"/>
+      </a:fontRef>
+    </dgm:style>
+  </dgm:styleLbl>
+  <dgm:styleLbl name="parChTrans2D2">
+    <dgm:scene3d>
+      <a:camera prst="orthographicFront"/>
+      <a:lightRig rig="threePt" dir="t"/>
+    </dgm:scene3d>
+    <dgm:sp3d/>
+    <dgm:txPr/>
+    <dgm:style>
+      <a:lnRef idx="0">
+        <a:scrgbClr r="0" g="0" b="0"/>
+      </a:lnRef>
+      <a:fillRef idx="3">
+        <a:scrgbClr r="0" g="0" b="0"/>
+      </a:fillRef>
+      <a:effectRef idx="3">
+        <a:scrgbClr r="0" g="0" b="0"/>
+      </a:effectRef>
+      <a:fontRef idx="minor">
+        <a:schemeClr val="lt1"/>
+      </a:fontRef>
+    </dgm:style>
+  </dgm:styleLbl>
+  <dgm:styleLbl name="parChTrans2D3">
+    <dgm:scene3d>
+      <a:camera prst="orthographicFront"/>
+      <a:lightRig rig="threePt" dir="t"/>
+    </dgm:scene3d>
+    <dgm:sp3d/>
+    <dgm:txPr/>
+    <dgm:style>
+      <a:lnRef idx="0">
+        <a:scrgbClr r="0" g="0" b="0"/>
+      </a:lnRef>
+      <a:fillRef idx="3">
+        <a:scrgbClr r="0" g="0" b="0"/>
+      </a:fillRef>
+      <a:effectRef idx="3">
+        <a:scrgbClr r="0" g="0" b="0"/>
+      </a:effectRef>
+      <a:fontRef idx="minor">
+        <a:schemeClr val="lt1"/>
+      </a:fontRef>
+    </dgm:style>
+  </dgm:styleLbl>
+  <dgm:styleLbl name="parChTrans2D4">
+    <dgm:scene3d>
+      <a:camera prst="orthographicFront"/>
+      <a:lightRig rig="threePt" dir="t"/>
+    </dgm:scene3d>
+    <dgm:sp3d/>
+    <dgm:txPr/>
+    <dgm:style>
+      <a:lnRef idx="0">
+        <a:scrgbClr r="0" g="0" b="0"/>
+      </a:lnRef>
+      <a:fillRef idx="3">
+        <a:scrgbClr r="0" g="0" b="0"/>
+      </a:fillRef>
+      <a:effectRef idx="3">
+        <a:scrgbClr r="0" g="0" b="0"/>
+      </a:effectRef>
+      <a:fontRef idx="minor">
+        <a:schemeClr val="lt1"/>
+      </a:fontRef>
+    </dgm:style>
+  </dgm:styleLbl>
+  <dgm:styleLbl name="parChTrans1D1">
+    <dgm:scene3d>
+      <a:camera prst="orthographicFront"/>
+      <a:lightRig rig="threePt" dir="t"/>
+    </dgm:scene3d>
+    <dgm:sp3d/>
+    <dgm:txPr/>
+    <dgm:style>
+      <a:lnRef idx="2">
+        <a:scrgbClr r="0" g="0" b="0"/>
+      </a:lnRef>
+      <a:fillRef idx="0">
+        <a:scrgbClr r="0" g="0" b="0"/>
+      </a:fillRef>
+      <a:effectRef idx="0">
+        <a:scrgbClr r="0" g="0" b="0"/>
+      </a:effectRef>
+      <a:fontRef idx="minor"/>
+    </dgm:style>
+  </dgm:styleLbl>
+  <dgm:styleLbl name="parChTrans1D2">
+    <dgm:scene3d>
+      <a:camera prst="orthographicFront"/>
+      <a:lightRig rig="threePt" dir="t"/>
+    </dgm:scene3d>
+    <dgm:sp3d/>
+    <dgm:txPr/>
+    <dgm:style>
+      <a:lnRef idx="2">
+        <a:scrgbClr r="0" g="0" b="0"/>
+      </a:lnRef>
+      <a:fillRef idx="0">
+        <a:scrgbClr r="0" g="0" b="0"/>
+      </a:fillRef>
+      <a:effectRef idx="0">
+        <a:scrgbClr r="0" g="0" b="0"/>
+      </a:effectRef>
+      <a:fontRef idx="minor"/>
+    </dgm:style>
+  </dgm:styleLbl>
+  <dgm:styleLbl name="parChTrans1D3">
+    <dgm:scene3d>
+      <a:camera prst="orthographicFront"/>
+      <a:lightRig rig="threePt" dir="t"/>
+    </dgm:scene3d>
+    <dgm:sp3d/>
+    <dgm:txPr/>
+    <dgm:style>
+      <a:lnRef idx="2">
+        <a:scrgbClr r="0" g="0" b="0"/>
+      </a:lnRef>
+      <a:fillRef idx="0">
+        <a:scrgbClr r="0" g="0" b="0"/>
+      </a:fillRef>
+      <a:effectRef idx="0">
+        <a:scrgbClr r="0" g="0" b="0"/>
+      </a:effectRef>
+      <a:fontRef idx="minor"/>
+    </dgm:style>
+  </dgm:styleLbl>
+  <dgm:styleLbl name="parChTrans1D4">
+    <dgm:scene3d>
+      <a:camera prst="orthographicFront"/>
+      <a:lightRig rig="threePt" dir="t"/>
+    </dgm:scene3d>
+    <dgm:sp3d/>
+    <dgm:txPr/>
+    <dgm:style>
+      <a:lnRef idx="2">
+        <a:scrgbClr r="0" g="0" b="0"/>
+      </a:lnRef>
+      <a:fillRef idx="0">
+        <a:scrgbClr r="0" g="0" b="0"/>
+      </a:fillRef>
+      <a:effectRef idx="0">
+        <a:scrgbClr r="0" g="0" b="0"/>
+      </a:effectRef>
+      <a:fontRef idx="minor"/>
+    </dgm:style>
+  </dgm:styleLbl>
+  <dgm:styleLbl name="fgAcc1">
+    <dgm:scene3d>
+      <a:camera prst="orthographicFront"/>
+      <a:lightRig rig="threePt" dir="t"/>
+    </dgm:scene3d>
+    <dgm:sp3d/>
+    <dgm:txPr/>
+    <dgm:style>
+      <a:lnRef idx="1">
+        <a:scrgbClr r="0" g="0" b="0"/>
+      </a:lnRef>
+      <a:fillRef idx="1">
+        <a:scrgbClr r="0" g="0" b="0"/>
+      </a:fillRef>
+      <a:effectRef idx="2">
+        <a:scrgbClr r="0" g="0" b="0"/>
+      </a:effectRef>
+      <a:fontRef idx="minor"/>
+    </dgm:style>
+  </dgm:styleLbl>
+  <dgm:styleLbl name="conFgAcc1">
+    <dgm:scene3d>
+      <a:camera prst="orthographicFront"/>
+      <a:lightRig rig="threePt" dir="t"/>
+    </dgm:scene3d>
+    <dgm:sp3d/>
+    <dgm:txPr/>
+    <dgm:style>
+      <a:lnRef idx="1">
+        <a:scrgbClr r="0" g="0" b="0"/>
+      </a:lnRef>
+      <a:fillRef idx="1">
+        <a:scrgbClr r="0" g="0" b="0"/>
+      </a:fillRef>
+      <a:effectRef idx="2">
+        <a:scrgbClr r="0" g="0" b="0"/>
+      </a:effectRef>
+      <a:fontRef idx="minor"/>
+    </dgm:style>
+  </dgm:styleLbl>
+  <dgm:styleLbl name="alignAcc1">
+    <dgm:scene3d>
+      <a:camera prst="orthographicFront"/>
+      <a:lightRig rig="threePt" dir="t"/>
+    </dgm:scene3d>
+    <dgm:sp3d/>
+    <dgm:txPr/>
+    <dgm:style>
+      <a:lnRef idx="1">
+        <a:scrgbClr r="0" g="0" b="0"/>
+      </a:lnRef>
+      <a:fillRef idx="1">
+        <a:scrgbClr r="0" g="0" b="0"/>
+      </a:fillRef>
+      <a:effectRef idx="2">
+        <a:scrgbClr r="0" g="0" b="0"/>
+      </a:effectRef>
+      <a:fontRef idx="minor"/>
+    </dgm:style>
+  </dgm:styleLbl>
+  <dgm:styleLbl name="trAlignAcc1">
+    <dgm:scene3d>
+      <a:camera prst="orthographicFront"/>
+      <a:lightRig rig="threePt" dir="t"/>
+    </dgm:scene3d>
+    <dgm:sp3d/>
+    <dgm:txPr/>
+    <dgm:style>
+      <a:lnRef idx="1">
+        <a:scrgbClr r="0" g="0" b="0"/>
+      </a:lnRef>
+      <a:fillRef idx="1">
+        <a:scrgbClr r="0" g="0" b="0"/>
+      </a:fillRef>
+      <a:effectRef idx="0">
+        <a:scrgbClr r="0" g="0" b="0"/>
+      </a:effectRef>
+      <a:fontRef idx="minor"/>
+    </dgm:style>
+  </dgm:styleLbl>
+  <dgm:styleLbl name="bgAcc1">
+    <dgm:scene3d>
+      <a:camera prst="orthographicFront"/>
+      <a:lightRig rig="threePt" dir="t"/>
+    </dgm:scene3d>
+    <dgm:sp3d/>
+    <dgm:txPr/>
+    <dgm:style>
+      <a:lnRef idx="1">
+        <a:scrgbClr r="0" g="0" b="0"/>
+      </a:lnRef>
+      <a:fillRef idx="1">
+        <a:scrgbClr r="0" g="0" b="0"/>
+      </a:fillRef>
+      <a:effectRef idx="2">
+        <a:scrgbClr r="0" g="0" b="0"/>
+      </a:effectRef>
+      <a:fontRef idx="minor"/>
+    </dgm:style>
+  </dgm:styleLbl>
+  <dgm:styleLbl name="solidFgAcc1">
+    <dgm:scene3d>
+      <a:camera prst="orthographicFront"/>
+      <a:lightRig rig="threePt" dir="t"/>
+    </dgm:scene3d>
+    <dgm:sp3d/>
+    <dgm:txPr/>
+    <dgm:style>
+      <a:lnRef idx="1">
+        <a:scrgbClr r="0" g="0" b="0"/>
+      </a:lnRef>
+      <a:fillRef idx="1">
+        <a:scrgbClr r="0" g="0" b="0"/>
+      </a:fillRef>
+      <a:effectRef idx="2">
+        <a:scrgbClr r="0" g="0" b="0"/>
+      </a:effectRef>
+      <a:fontRef idx="minor"/>
+    </dgm:style>
+  </dgm:styleLbl>
+  <dgm:styleLbl name="solidAlignAcc1">
+    <dgm:scene3d>
+      <a:camera prst="orthographicFront"/>
+      <a:lightRig rig="threePt" dir="t"/>
+    </dgm:scene3d>
+    <dgm:sp3d/>
+    <dgm:txPr/>
+    <dgm:style>
+      <a:lnRef idx="1">
+        <a:scrgbClr r="0" g="0" b="0"/>
+      </a:lnRef>
+      <a:fillRef idx="1">
+        <a:scrgbClr r="0" g="0" b="0"/>
+      </a:fillRef>
+      <a:effectRef idx="3">
+        <a:scrgbClr r="0" g="0" b="0"/>
+      </a:effectRef>
+      <a:fontRef idx="minor"/>
+    </dgm:style>
+  </dgm:styleLbl>
+  <dgm:styleLbl name="solidBgAcc1">
+    <dgm:scene3d>
+      <a:camera prst="orthographicFront"/>
+      <a:lightRig rig="threePt" dir="t"/>
+    </dgm:scene3d>
+    <dgm:sp3d/>
+    <dgm:txPr/>
+    <dgm:style>
+      <a:lnRef idx="1">
+        <a:scrgbClr r="0" g="0" b="0"/>
+      </a:lnRef>
+      <a:fillRef idx="1">
+        <a:scrgbClr r="0" g="0" b="0"/>
+      </a:fillRef>
+      <a:effectRef idx="3">
+        <a:scrgbClr r="0" g="0" b="0"/>
+      </a:effectRef>
+      <a:fontRef idx="minor"/>
+    </dgm:style>
+  </dgm:styleLbl>
+  <dgm:styleLbl name="fgAccFollowNode1">
+    <dgm:scene3d>
+      <a:camera prst="orthographicFront"/>
+      <a:lightRig rig="threePt" dir="t"/>
+    </dgm:scene3d>
+    <dgm:sp3d/>
+    <dgm:txPr/>
+    <dgm:style>
+      <a:lnRef idx="1">
+        <a:scrgbClr r="0" g="0" b="0"/>
+      </a:lnRef>
+      <a:fillRef idx="1">
+        <a:scrgbClr r="0" g="0" b="0"/>
+      </a:fillRef>
+      <a:effectRef idx="2">
+        <a:scrgbClr r="0" g="0" b="0"/>
+      </a:effectRef>
+      <a:fontRef idx="minor"/>
+    </dgm:style>
+  </dgm:styleLbl>
+  <dgm:styleLbl name="alignAccFollowNode1">
+    <dgm:scene3d>
+      <a:camera prst="orthographicFront"/>
+      <a:lightRig rig="threePt" dir="t"/>
+    </dgm:scene3d>
+    <dgm:sp3d/>
+    <dgm:txPr/>
+    <dgm:style>
+      <a:lnRef idx="1">
+        <a:scrgbClr r="0" g="0" b="0"/>
+      </a:lnRef>
+      <a:fillRef idx="1">
+        <a:scrgbClr r="0" g="0" b="0"/>
+      </a:fillRef>
+      <a:effectRef idx="2">
+        <a:scrgbClr r="0" g="0" b="0"/>
+      </a:effectRef>
+      <a:fontRef idx="minor"/>
+    </dgm:style>
+  </dgm:styleLbl>
+  <dgm:styleLbl name="bgAccFollowNode1">
+    <dgm:scene3d>
+      <a:camera prst="orthographicFront"/>
+      <a:lightRig rig="threePt" dir="t"/>
+    </dgm:scene3d>
+    <dgm:sp3d/>
+    <dgm:txPr/>
+    <dgm:style>
+      <a:lnRef idx="1">
+        <a:scrgbClr r="0" g="0" b="0"/>
+      </a:lnRef>
+      <a:fillRef idx="1">
+        <a:scrgbClr r="0" g="0" b="0"/>
+      </a:fillRef>
+      <a:effectRef idx="2">
+        <a:scrgbClr r="0" g="0" b="0"/>
+      </a:effectRef>
+      <a:fontRef idx="minor"/>
+    </dgm:style>
+  </dgm:styleLbl>
+  <dgm:styleLbl name="fgAcc0">
+    <dgm:scene3d>
+      <a:camera prst="orthographicFront"/>
+      <a:lightRig rig="threePt" dir="t"/>
+    </dgm:scene3d>
+    <dgm:sp3d/>
+    <dgm:txPr/>
+    <dgm:style>
+      <a:lnRef idx="1">
+        <a:scrgbClr r="0" g="0" b="0"/>
+      </a:lnRef>
+      <a:fillRef idx="1">
+        <a:scrgbClr r="0" g="0" b="0"/>
+      </a:fillRef>
+      <a:effectRef idx="2">
+        <a:scrgbClr r="0" g="0" b="0"/>
+      </a:effectRef>
+      <a:fontRef idx="minor"/>
+    </dgm:style>
+  </dgm:styleLbl>
+  <dgm:styleLbl name="fgAcc2">
+    <dgm:scene3d>
+      <a:camera prst="orthographicFront"/>
+      <a:lightRig rig="threePt" dir="t"/>
+    </dgm:scene3d>
+    <dgm:sp3d/>
+    <dgm:txPr/>
+    <dgm:style>
+      <a:lnRef idx="1">
+        <a:scrgbClr r="0" g="0" b="0"/>
+      </a:lnRef>
+      <a:fillRef idx="1">
+        <a:scrgbClr r="0" g="0" b="0"/>
+      </a:fillRef>
+      <a:effectRef idx="2">
+        <a:scrgbClr r="0" g="0" b="0"/>
+      </a:effectRef>
+      <a:fontRef idx="minor"/>
+    </dgm:style>
+  </dgm:styleLbl>
+  <dgm:styleLbl name="fgAcc3">
+    <dgm:scene3d>
+      <a:camera prst="orthographicFront"/>
+      <a:lightRig rig="threePt" dir="t"/>
+    </dgm:scene3d>
+    <dgm:sp3d/>
+    <dgm:txPr/>
+    <dgm:style>
+      <a:lnRef idx="1">
+        <a:scrgbClr r="0" g="0" b="0"/>
+      </a:lnRef>
+      <a:fillRef idx="1">
+        <a:scrgbClr r="0" g="0" b="0"/>
+      </a:fillRef>
+      <a:effectRef idx="2">
+        <a:scrgbClr r="0" g="0" b="0"/>
+      </a:effectRef>
+      <a:fontRef idx="minor"/>
+    </dgm:style>
+  </dgm:styleLbl>
+  <dgm:styleLbl name="fgAcc4">
+    <dgm:scene3d>
+      <a:camera prst="orthographicFront"/>
+      <a:lightRig rig="threePt" dir="t"/>
+    </dgm:scene3d>
+    <dgm:sp3d/>
+    <dgm:txPr/>
+    <dgm:style>
+      <a:lnRef idx="1">
+        <a:scrgbClr r="0" g="0" b="0"/>
+      </a:lnRef>
+      <a:fillRef idx="1">
+        <a:scrgbClr r="0" g="0" b="0"/>
+      </a:fillRef>
+      <a:effectRef idx="2">
+        <a:scrgbClr r="0" g="0" b="0"/>
+      </a:effectRef>
+      <a:fontRef idx="minor"/>
+    </dgm:style>
+  </dgm:styleLbl>
+  <dgm:styleLbl name="bgShp">
+    <dgm:scene3d>
+      <a:camera prst="orthographicFront"/>
+      <a:lightRig rig="threePt" dir="t"/>
+    </dgm:scene3d>
+    <dgm:sp3d/>
+    <dgm:txPr/>
+    <dgm:style>
+      <a:lnRef idx="0">
+        <a:scrgbClr r="0" g="0" b="0"/>
+      </a:lnRef>
+      <a:fillRef idx="1">
+        <a:scrgbClr r="0" g="0" b="0"/>
+      </a:fillRef>
+      <a:effectRef idx="2">
+        <a:scrgbClr r="0" g="0" b="0"/>
+      </a:effectRef>
+      <a:fontRef idx="minor"/>
+    </dgm:style>
+  </dgm:styleLbl>
+  <dgm:styleLbl name="dkBgShp">
+    <dgm:scene3d>
+      <a:camera prst="orthographicFront"/>
+      <a:lightRig rig="threePt" dir="t"/>
+    </dgm:scene3d>
+    <dgm:sp3d/>
+    <dgm:txPr/>
+    <dgm:style>
+      <a:lnRef idx="0">
+        <a:scrgbClr r="0" g="0" b="0"/>
+      </a:lnRef>
+      <a:fillRef idx="1">
+        <a:scrgbClr r="0" g="0" b="0"/>
+      </a:fillRef>
+      <a:effectRef idx="3">
+        <a:scrgbClr r="0" g="0" b="0"/>
+      </a:effectRef>
+      <a:fontRef idx="minor"/>
+    </dgm:style>
+  </dgm:styleLbl>
+  <dgm:styleLbl name="trBgShp">
+    <dgm:scene3d>
+      <a:camera prst="orthographicFront"/>
+      <a:lightRig rig="threePt" dir="t"/>
+    </dgm:scene3d>
+    <dgm:sp3d/>
+    <dgm:txPr/>
+    <dgm:style>
+      <a:lnRef idx="0">
+        <a:scrgbClr r="0" g="0" b="0"/>
+      </a:lnRef>
+      <a:fillRef idx="1">
+        <a:scrgbClr r="0" g="0" b="0"/>
+      </a:fillRef>
+      <a:effectRef idx="0">
+        <a:scrgbClr r="0" g="0" b="0"/>
+      </a:effectRef>
+      <a:fontRef idx="minor"/>
+    </dgm:style>
+  </dgm:styleLbl>
+  <dgm:styleLbl name="fgShp">
+    <dgm:scene3d>
+      <a:camera prst="orthographicFront"/>
+      <a:lightRig rig="threePt" dir="t"/>
+    </dgm:scene3d>
+    <dgm:sp3d/>
+    <dgm:txPr/>
+    <dgm:style>
+      <a:lnRef idx="0">
+        <a:scrgbClr r="0" g="0" b="0"/>
+      </a:lnRef>
+      <a:fillRef idx="3">
+        <a:scrgbClr r="0" g="0" b="0"/>
+      </a:fillRef>
+      <a:effectRef idx="3">
+        <a:scrgbClr r="0" g="0" b="0"/>
+      </a:effectRef>
+      <a:fontRef idx="minor"/>
+    </dgm:style>
+  </dgm:styleLbl>
+  <dgm:styleLbl name="revTx">
+    <dgm:scene3d>
+      <a:camera prst="orthographicFront"/>
+      <a:lightRig rig="threePt" dir="t"/>
+    </dgm:scene3d>
+    <dgm:sp3d/>
+    <dgm:txPr/>
+    <dgm:style>
+      <a:lnRef idx="0">
+        <a:scrgbClr r="0" g="0" b="0"/>
+      </a:lnRef>
+      <a:fillRef idx="0">
+        <a:scrgbClr r="0" g="0" b="0"/>
+      </a:fillRef>
+      <a:effectRef idx="0">
+        <a:scrgbClr r="0" g="0" b="0"/>
+      </a:effectRef>
+      <a:fontRef idx="minor"/>
+    </dgm:style>
+  </dgm:styleLbl>
+</dgm:styleDef>
 </file>
 
 <file path=ppt/slideLayouts/slideLayout1.xml><?xml version="1.0" encoding="utf-8"?>
@@ -382,7 +3680,7 @@
           <a:p>
             <a:fld id="{C867DA01-B677-4D1B-BA60-C7EAB0069DDD}" type="datetimeFigureOut">
               <a:rPr lang="en-IN" smtClean="0"/>
-              <a:t>24-11-2021</a:t>
+              <a:t>25-11-2021</a:t>
             </a:fld>
             <a:endParaRPr lang="en-IN"/>
           </a:p>
@@ -796,7 +4094,7 @@
           <a:p>
             <a:fld id="{C867DA01-B677-4D1B-BA60-C7EAB0069DDD}" type="datetimeFigureOut">
               <a:rPr lang="en-IN" smtClean="0"/>
-              <a:t>24-11-2021</a:t>
+              <a:t>25-11-2021</a:t>
             </a:fld>
             <a:endParaRPr lang="en-IN"/>
           </a:p>
@@ -1132,7 +4430,7 @@
           <a:p>
             <a:fld id="{C867DA01-B677-4D1B-BA60-C7EAB0069DDD}" type="datetimeFigureOut">
               <a:rPr lang="en-IN" smtClean="0"/>
-              <a:t>24-11-2021</a:t>
+              <a:t>25-11-2021</a:t>
             </a:fld>
             <a:endParaRPr lang="en-IN"/>
           </a:p>
@@ -1537,7 +4835,7 @@
           <a:p>
             <a:fld id="{C867DA01-B677-4D1B-BA60-C7EAB0069DDD}" type="datetimeFigureOut">
               <a:rPr lang="en-IN" smtClean="0"/>
-              <a:t>24-11-2021</a:t>
+              <a:t>25-11-2021</a:t>
             </a:fld>
             <a:endParaRPr lang="en-IN"/>
           </a:p>
@@ -2105,7 +5403,7 @@
           <a:p>
             <a:fld id="{C867DA01-B677-4D1B-BA60-C7EAB0069DDD}" type="datetimeFigureOut">
               <a:rPr lang="en-IN" smtClean="0"/>
-              <a:t>24-11-2021</a:t>
+              <a:t>25-11-2021</a:t>
             </a:fld>
             <a:endParaRPr lang="en-IN"/>
           </a:p>
@@ -2786,7 +6084,7 @@
           <a:p>
             <a:fld id="{C867DA01-B677-4D1B-BA60-C7EAB0069DDD}" type="datetimeFigureOut">
               <a:rPr lang="en-IN" smtClean="0"/>
-              <a:t>24-11-2021</a:t>
+              <a:t>25-11-2021</a:t>
             </a:fld>
             <a:endParaRPr lang="en-IN"/>
           </a:p>
@@ -3699,7 +6997,7 @@
           <a:p>
             <a:fld id="{C867DA01-B677-4D1B-BA60-C7EAB0069DDD}" type="datetimeFigureOut">
               <a:rPr lang="en-IN" smtClean="0"/>
-              <a:t>24-11-2021</a:t>
+              <a:t>25-11-2021</a:t>
             </a:fld>
             <a:endParaRPr lang="en-IN"/>
           </a:p>
@@ -4012,7 +7310,7 @@
           <a:p>
             <a:fld id="{C867DA01-B677-4D1B-BA60-C7EAB0069DDD}" type="datetimeFigureOut">
               <a:rPr lang="en-IN" smtClean="0"/>
-              <a:t>24-11-2021</a:t>
+              <a:t>25-11-2021</a:t>
             </a:fld>
             <a:endParaRPr lang="en-IN"/>
           </a:p>
@@ -4276,7 +7574,7 @@
           <a:p>
             <a:fld id="{C867DA01-B677-4D1B-BA60-C7EAB0069DDD}" type="datetimeFigureOut">
               <a:rPr lang="en-IN" smtClean="0"/>
-              <a:t>24-11-2021</a:t>
+              <a:t>25-11-2021</a:t>
             </a:fld>
             <a:endParaRPr lang="en-IN"/>
           </a:p>
@@ -4599,7 +7897,7 @@
           <a:p>
             <a:fld id="{C867DA01-B677-4D1B-BA60-C7EAB0069DDD}" type="datetimeFigureOut">
               <a:rPr lang="en-IN" smtClean="0"/>
-              <a:t>24-11-2021</a:t>
+              <a:t>25-11-2021</a:t>
             </a:fld>
             <a:endParaRPr lang="en-IN"/>
           </a:p>
@@ -4988,7 +8286,7 @@
           <a:p>
             <a:fld id="{C867DA01-B677-4D1B-BA60-C7EAB0069DDD}" type="datetimeFigureOut">
               <a:rPr lang="en-IN" smtClean="0"/>
-              <a:t>24-11-2021</a:t>
+              <a:t>25-11-2021</a:t>
             </a:fld>
             <a:endParaRPr lang="en-IN"/>
           </a:p>
@@ -5364,7 +8662,7 @@
           <a:p>
             <a:fld id="{C867DA01-B677-4D1B-BA60-C7EAB0069DDD}" type="datetimeFigureOut">
               <a:rPr lang="en-IN" smtClean="0"/>
-              <a:t>24-11-2021</a:t>
+              <a:t>25-11-2021</a:t>
             </a:fld>
             <a:endParaRPr lang="en-IN"/>
           </a:p>
@@ -5870,7 +9168,7 @@
           <a:p>
             <a:fld id="{C867DA01-B677-4D1B-BA60-C7EAB0069DDD}" type="datetimeFigureOut">
               <a:rPr lang="en-IN" smtClean="0"/>
-              <a:t>24-11-2021</a:t>
+              <a:t>25-11-2021</a:t>
             </a:fld>
             <a:endParaRPr lang="en-IN"/>
           </a:p>
@@ -6127,7 +9425,7 @@
           <a:p>
             <a:fld id="{C867DA01-B677-4D1B-BA60-C7EAB0069DDD}" type="datetimeFigureOut">
               <a:rPr lang="en-IN" smtClean="0"/>
-              <a:t>24-11-2021</a:t>
+              <a:t>25-11-2021</a:t>
             </a:fld>
             <a:endParaRPr lang="en-IN"/>
           </a:p>
@@ -6290,7 +9588,7 @@
           <a:p>
             <a:fld id="{C867DA01-B677-4D1B-BA60-C7EAB0069DDD}" type="datetimeFigureOut">
               <a:rPr lang="en-IN" smtClean="0"/>
-              <a:t>24-11-2021</a:t>
+              <a:t>25-11-2021</a:t>
             </a:fld>
             <a:endParaRPr lang="en-IN"/>
           </a:p>
@@ -6680,7 +9978,7 @@
           <a:p>
             <a:fld id="{C867DA01-B677-4D1B-BA60-C7EAB0069DDD}" type="datetimeFigureOut">
               <a:rPr lang="en-IN" smtClean="0"/>
-              <a:t>24-11-2021</a:t>
+              <a:t>25-11-2021</a:t>
             </a:fld>
             <a:endParaRPr lang="en-IN"/>
           </a:p>
@@ -7089,7 +10387,7 @@
           <a:p>
             <a:fld id="{C867DA01-B677-4D1B-BA60-C7EAB0069DDD}" type="datetimeFigureOut">
               <a:rPr lang="en-IN" smtClean="0"/>
-              <a:t>24-11-2021</a:t>
+              <a:t>25-11-2021</a:t>
             </a:fld>
             <a:endParaRPr lang="en-IN"/>
           </a:p>
@@ -7333,7 +10631,7 @@
           <a:p>
             <a:fld id="{C867DA01-B677-4D1B-BA60-C7EAB0069DDD}" type="datetimeFigureOut">
               <a:rPr lang="en-IN" smtClean="0"/>
-              <a:t>24-11-2021</a:t>
+              <a:t>25-11-2021</a:t>
             </a:fld>
             <a:endParaRPr lang="en-IN"/>
           </a:p>
@@ -8199,6 +11497,89 @@
 </p:sld>
 </file>
 
+<file path=ppt/slides/slide10.xml><?xml version="1.0" encoding="utf-8"?>
+<p:sld xmlns:a="http://schemas.openxmlformats.org/drawingml/2006/main" xmlns:r="http://schemas.openxmlformats.org/officeDocument/2006/relationships" xmlns:p="http://schemas.openxmlformats.org/presentationml/2006/main">
+  <p:cSld>
+    <p:spTree>
+      <p:nvGrpSpPr>
+        <p:cNvPr id="1" name=""/>
+        <p:cNvGrpSpPr/>
+        <p:nvPr/>
+      </p:nvGrpSpPr>
+      <p:grpSpPr>
+        <a:xfrm>
+          <a:off x="0" y="0"/>
+          <a:ext cx="0" cy="0"/>
+          <a:chOff x="0" y="0"/>
+          <a:chExt cx="0" cy="0"/>
+        </a:xfrm>
+      </p:grpSpPr>
+      <p:sp>
+        <p:nvSpPr>
+          <p:cNvPr id="2" name="Title 1">
+            <a:extLst>
+              <a:ext uri="{FF2B5EF4-FFF2-40B4-BE49-F238E27FC236}">
+                <a16:creationId xmlns:a16="http://schemas.microsoft.com/office/drawing/2014/main" id="{9B80411A-BC59-40F9-B321-F4F71DE73B32}"/>
+              </a:ext>
+            </a:extLst>
+          </p:cNvPr>
+          <p:cNvSpPr>
+            <a:spLocks noGrp="1"/>
+          </p:cNvSpPr>
+          <p:nvPr>
+            <p:ph type="ctrTitle"/>
+          </p:nvPr>
+        </p:nvSpPr>
+        <p:spPr/>
+        <p:txBody>
+          <a:bodyPr/>
+          <a:lstStyle/>
+          <a:p>
+            <a:r>
+              <a:rPr lang="en-IN" dirty="0"/>
+              <a:t>Thank you!</a:t>
+            </a:r>
+          </a:p>
+        </p:txBody>
+      </p:sp>
+      <p:sp>
+        <p:nvSpPr>
+          <p:cNvPr id="3" name="Subtitle 2">
+            <a:extLst>
+              <a:ext uri="{FF2B5EF4-FFF2-40B4-BE49-F238E27FC236}">
+                <a16:creationId xmlns:a16="http://schemas.microsoft.com/office/drawing/2014/main" id="{F8C78F0E-4824-4522-A15E-A8E0336E3A50}"/>
+              </a:ext>
+            </a:extLst>
+          </p:cNvPr>
+          <p:cNvSpPr>
+            <a:spLocks noGrp="1"/>
+          </p:cNvSpPr>
+          <p:nvPr>
+            <p:ph type="subTitle" idx="1"/>
+          </p:nvPr>
+        </p:nvSpPr>
+        <p:spPr/>
+        <p:txBody>
+          <a:bodyPr/>
+          <a:lstStyle/>
+          <a:p>
+            <a:endParaRPr lang="en-IN"/>
+          </a:p>
+        </p:txBody>
+      </p:sp>
+    </p:spTree>
+    <p:extLst>
+      <p:ext uri="{BB962C8B-B14F-4D97-AF65-F5344CB8AC3E}">
+        <p14:creationId xmlns:p14="http://schemas.microsoft.com/office/powerpoint/2010/main" val="27105398"/>
+      </p:ext>
+    </p:extLst>
+  </p:cSld>
+  <p:clrMapOvr>
+    <a:masterClrMapping/>
+  </p:clrMapOvr>
+</p:sld>
+</file>
+
 <file path=ppt/slides/slide2.xml><?xml version="1.0" encoding="utf-8"?>
 <p:sld xmlns:a="http://schemas.openxmlformats.org/drawingml/2006/main" xmlns:r="http://schemas.openxmlformats.org/officeDocument/2006/relationships" xmlns:p="http://schemas.openxmlformats.org/presentationml/2006/main">
   <p:cSld>
@@ -8265,19 +11646,2116 @@
             <p:ph idx="1"/>
           </p:nvPr>
         </p:nvSpPr>
+        <p:spPr>
+          <a:xfrm>
+            <a:off x="680323" y="2336873"/>
+            <a:ext cx="5597929" cy="3894246"/>
+          </a:xfrm>
+        </p:spPr>
+        <p:txBody>
+          <a:bodyPr/>
+          <a:lstStyle/>
+          <a:p>
+            <a:r>
+              <a:rPr lang="en-IN" dirty="0"/>
+              <a:t>Models that can generate new data  instances</a:t>
+            </a:r>
+          </a:p>
+          <a:p>
+            <a:r>
+              <a:rPr lang="en-IN" dirty="0"/>
+              <a:t>Applications:</a:t>
+            </a:r>
+          </a:p>
+          <a:p>
+            <a:pPr marL="457200" indent="-457200">
+              <a:buFont typeface="+mj-lt"/>
+              <a:buAutoNum type="arabicPeriod"/>
+            </a:pPr>
+            <a:r>
+              <a:rPr lang="en-IN" dirty="0"/>
+              <a:t>Take a bunch of points and infer a density function that describes probability distribution</a:t>
+            </a:r>
+          </a:p>
+          <a:p>
+            <a:pPr marL="457200" indent="-457200">
+              <a:buFont typeface="+mj-lt"/>
+              <a:buAutoNum type="arabicPeriod"/>
+            </a:pPr>
+            <a:r>
+              <a:rPr lang="en-IN" dirty="0"/>
+              <a:t>Use some training examples to generate more examples from the same distribution</a:t>
+            </a:r>
+          </a:p>
+        </p:txBody>
+      </p:sp>
+    </p:spTree>
+    <p:extLst>
+      <p:ext uri="{BB962C8B-B14F-4D97-AF65-F5344CB8AC3E}">
+        <p14:creationId xmlns:p14="http://schemas.microsoft.com/office/powerpoint/2010/main" val="2953918113"/>
+      </p:ext>
+    </p:extLst>
+  </p:cSld>
+  <p:clrMapOvr>
+    <a:masterClrMapping/>
+  </p:clrMapOvr>
+</p:sld>
+</file>
+
+<file path=ppt/slides/slide3.xml><?xml version="1.0" encoding="utf-8"?>
+<p:sld xmlns:a="http://schemas.openxmlformats.org/drawingml/2006/main" xmlns:r="http://schemas.openxmlformats.org/officeDocument/2006/relationships" xmlns:p="http://schemas.openxmlformats.org/presentationml/2006/main">
+  <p:cSld>
+    <p:bg>
+      <p:bgPr>
+        <a:gradFill rotWithShape="1">
+          <a:gsLst>
+            <a:gs pos="0">
+              <a:schemeClr val="bg2">
+                <a:tint val="96000"/>
+                <a:shade val="100000"/>
+                <a:hueMod val="270000"/>
+                <a:satMod val="200000"/>
+                <a:lumMod val="128000"/>
+              </a:schemeClr>
+            </a:gs>
+            <a:gs pos="50000">
+              <a:schemeClr val="bg2">
+                <a:shade val="100000"/>
+                <a:hueMod val="100000"/>
+                <a:satMod val="110000"/>
+                <a:lumMod val="130000"/>
+              </a:schemeClr>
+            </a:gs>
+            <a:gs pos="100000">
+              <a:schemeClr val="bg2">
+                <a:shade val="78000"/>
+                <a:hueMod val="44000"/>
+                <a:satMod val="200000"/>
+                <a:lumMod val="69000"/>
+              </a:schemeClr>
+            </a:gs>
+          </a:gsLst>
+          <a:lin ang="2520000" scaled="0"/>
+        </a:gradFill>
+        <a:effectLst/>
+      </p:bgPr>
+    </p:bg>
+    <p:spTree>
+      <p:nvGrpSpPr>
+        <p:cNvPr id="1" name=""/>
+        <p:cNvGrpSpPr/>
+        <p:nvPr/>
+      </p:nvGrpSpPr>
+      <p:grpSpPr>
+        <a:xfrm>
+          <a:off x="0" y="0"/>
+          <a:ext cx="0" cy="0"/>
+          <a:chOff x="0" y="0"/>
+          <a:chExt cx="0" cy="0"/>
+        </a:xfrm>
+      </p:grpSpPr>
+      <p:sp useBgFill="1">
+        <p:nvSpPr>
+          <p:cNvPr id="9" name="Rectangle 8">
+            <a:extLst>
+              <a:ext uri="{FF2B5EF4-FFF2-40B4-BE49-F238E27FC236}">
+                <a16:creationId xmlns:a16="http://schemas.microsoft.com/office/drawing/2014/main" id="{B2A773CA-28F4-49C2-BFA3-49A5867C7AFB}"/>
+              </a:ext>
+              <a:ext uri="{C183D7F6-B498-43B3-948B-1728B52AA6E4}">
+                <adec:decorative xmlns:adec="http://schemas.microsoft.com/office/drawing/2017/decorative" val="1"/>
+              </a:ext>
+            </a:extLst>
+          </p:cNvPr>
+          <p:cNvSpPr>
+            <a:spLocks noGrp="1" noRot="1" noChangeAspect="1" noMove="1" noResize="1" noEditPoints="1" noAdjustHandles="1" noChangeArrowheads="1" noChangeShapeType="1" noTextEdit="1"/>
+          </p:cNvSpPr>
+          <p:nvPr>
+            <p:extLst>
+              <p:ext uri="{386F3935-93C4-4BCD-93E2-E3B085C9AB24}">
+                <p16:designElem xmlns:p16="http://schemas.microsoft.com/office/powerpoint/2015/main" val="1"/>
+              </p:ext>
+            </p:extLst>
+          </p:nvPr>
+        </p:nvSpPr>
+        <p:spPr>
+          <a:xfrm>
+            <a:off x="0" y="0"/>
+            <a:ext cx="12188824" cy="6858000"/>
+          </a:xfrm>
+          <a:prstGeom prst="rect">
+            <a:avLst/>
+          </a:prstGeom>
+          <a:ln>
+            <a:noFill/>
+          </a:ln>
+        </p:spPr>
+        <p:style>
+          <a:lnRef idx="2">
+            <a:schemeClr val="accent1">
+              <a:shade val="50000"/>
+            </a:schemeClr>
+          </a:lnRef>
+          <a:fillRef idx="1">
+            <a:schemeClr val="accent1"/>
+          </a:fillRef>
+          <a:effectRef idx="0">
+            <a:schemeClr val="accent1"/>
+          </a:effectRef>
+          <a:fontRef idx="minor">
+            <a:schemeClr val="lt1"/>
+          </a:fontRef>
+        </p:style>
+        <p:txBody>
+          <a:bodyPr rtlCol="0" anchor="ctr"/>
+          <a:lstStyle/>
+          <a:p>
+            <a:pPr algn="ctr"/>
+            <a:endParaRPr lang="en-US"/>
+          </a:p>
+        </p:txBody>
+      </p:sp>
+      <p:pic>
+        <p:nvPicPr>
+          <p:cNvPr id="11" name="Picture 10">
+            <a:extLst>
+              <a:ext uri="{FF2B5EF4-FFF2-40B4-BE49-F238E27FC236}">
+                <a16:creationId xmlns:a16="http://schemas.microsoft.com/office/drawing/2014/main" id="{5D7C72BA-4476-4E4B-BC37-9A75FD0C5951}"/>
+              </a:ext>
+              <a:ext uri="{C183D7F6-B498-43B3-948B-1728B52AA6E4}">
+                <adec:decorative xmlns:adec="http://schemas.microsoft.com/office/drawing/2017/decorative" val="1"/>
+              </a:ext>
+            </a:extLst>
+          </p:cNvPr>
+          <p:cNvPicPr>
+            <a:picLocks noGrp="1" noRot="1" noChangeAspect="1" noMove="1" noResize="1" noEditPoints="1" noAdjustHandles="1" noChangeArrowheads="1" noChangeShapeType="1" noCrop="1"/>
+          </p:cNvPicPr>
+          <p:nvPr>
+            <p:extLst>
+              <p:ext uri="{386F3935-93C4-4BCD-93E2-E3B085C9AB24}">
+                <p16:designElem xmlns:p16="http://schemas.microsoft.com/office/powerpoint/2015/main" val="1"/>
+              </p:ext>
+            </p:extLst>
+          </p:nvPr>
+        </p:nvPicPr>
+        <p:blipFill>
+          <a:blip r:embed="rId2">
+            <a:alphaModFix amt="10000"/>
+            <a:extLst>
+              <a:ext uri="{28A0092B-C50C-407E-A947-70E740481C1C}">
+                <a14:useLocalDpi xmlns:a14="http://schemas.microsoft.com/office/drawing/2010/main" val="0"/>
+              </a:ext>
+            </a:extLst>
+          </a:blip>
+          <a:stretch>
+            <a:fillRect/>
+          </a:stretch>
+        </p:blipFill>
+        <p:spPr>
+          <a:xfrm>
+            <a:off x="0" y="0"/>
+            <a:ext cx="12192000" cy="6858000"/>
+          </a:xfrm>
+          <a:prstGeom prst="rect">
+            <a:avLst/>
+          </a:prstGeom>
+        </p:spPr>
+      </p:pic>
+      <p:sp>
+        <p:nvSpPr>
+          <p:cNvPr id="13" name="Rectangle 12">
+            <a:extLst>
+              <a:ext uri="{FF2B5EF4-FFF2-40B4-BE49-F238E27FC236}">
+                <a16:creationId xmlns:a16="http://schemas.microsoft.com/office/drawing/2014/main" id="{3009A16D-868B-4145-BBC6-555098537EC2}"/>
+              </a:ext>
+              <a:ext uri="{C183D7F6-B498-43B3-948B-1728B52AA6E4}">
+                <adec:decorative xmlns:adec="http://schemas.microsoft.com/office/drawing/2017/decorative" val="1"/>
+              </a:ext>
+            </a:extLst>
+          </p:cNvPr>
+          <p:cNvSpPr>
+            <a:spLocks noGrp="1" noRot="1" noChangeAspect="1" noMove="1" noResize="1" noEditPoints="1" noAdjustHandles="1" noChangeArrowheads="1" noChangeShapeType="1" noTextEdit="1"/>
+          </p:cNvSpPr>
+          <p:nvPr>
+            <p:extLst>
+              <p:ext uri="{386F3935-93C4-4BCD-93E2-E3B085C9AB24}">
+                <p16:designElem xmlns:p16="http://schemas.microsoft.com/office/powerpoint/2015/main" val="1"/>
+              </p:ext>
+            </p:extLst>
+          </p:nvPr>
+        </p:nvSpPr>
+        <p:spPr>
+          <a:xfrm>
+            <a:off x="4644527" y="0"/>
+            <a:ext cx="7552944" cy="6858001"/>
+          </a:xfrm>
+          <a:prstGeom prst="rect">
+            <a:avLst/>
+          </a:prstGeom>
+          <a:ln>
+            <a:noFill/>
+          </a:ln>
+        </p:spPr>
+        <p:style>
+          <a:lnRef idx="2">
+            <a:schemeClr val="accent1">
+              <a:shade val="50000"/>
+            </a:schemeClr>
+          </a:lnRef>
+          <a:fillRef idx="1">
+            <a:schemeClr val="accent1"/>
+          </a:fillRef>
+          <a:effectRef idx="0">
+            <a:schemeClr val="accent1"/>
+          </a:effectRef>
+          <a:fontRef idx="minor">
+            <a:schemeClr val="lt1"/>
+          </a:fontRef>
+        </p:style>
+        <p:txBody>
+          <a:bodyPr rtlCol="0" anchor="ctr"/>
+          <a:lstStyle/>
+          <a:p>
+            <a:pPr algn="ctr"/>
+            <a:endParaRPr lang="en-US"/>
+          </a:p>
+        </p:txBody>
+      </p:sp>
+      <p:pic>
+        <p:nvPicPr>
+          <p:cNvPr id="15" name="Picture 14">
+            <a:extLst>
+              <a:ext uri="{FF2B5EF4-FFF2-40B4-BE49-F238E27FC236}">
+                <a16:creationId xmlns:a16="http://schemas.microsoft.com/office/drawing/2014/main" id="{3992EB33-38E1-4175-8EE2-9BB8CC159C7B}"/>
+              </a:ext>
+              <a:ext uri="{C183D7F6-B498-43B3-948B-1728B52AA6E4}">
+                <adec:decorative xmlns:adec="http://schemas.microsoft.com/office/drawing/2017/decorative" val="1"/>
+              </a:ext>
+            </a:extLst>
+          </p:cNvPr>
+          <p:cNvPicPr>
+            <a:picLocks noGrp="1" noRot="1" noChangeAspect="1" noMove="1" noResize="1" noEditPoints="1" noAdjustHandles="1" noChangeArrowheads="1" noChangeShapeType="1" noCrop="1"/>
+          </p:cNvPicPr>
+          <p:nvPr>
+            <p:extLst>
+              <p:ext uri="{386F3935-93C4-4BCD-93E2-E3B085C9AB24}">
+                <p16:designElem xmlns:p16="http://schemas.microsoft.com/office/powerpoint/2015/main" val="1"/>
+              </p:ext>
+            </p:extLst>
+          </p:nvPr>
+        </p:nvPicPr>
+        <p:blipFill>
+          <a:blip r:embed="rId3" cstate="print">
+            <a:extLst>
+              <a:ext uri="{28A0092B-C50C-407E-A947-70E740481C1C}">
+                <a14:useLocalDpi xmlns:a14="http://schemas.microsoft.com/office/drawing/2010/main" val="0"/>
+              </a:ext>
+            </a:extLst>
+          </a:blip>
+          <a:stretch>
+            <a:fillRect/>
+          </a:stretch>
+        </p:blipFill>
+        <p:spPr>
+          <a:xfrm>
+            <a:off x="1" y="5006045"/>
+            <a:ext cx="4965192" cy="144668"/>
+          </a:xfrm>
+          <a:prstGeom prst="rect">
+            <a:avLst/>
+          </a:prstGeom>
+        </p:spPr>
+      </p:pic>
+      <p:sp>
+        <p:nvSpPr>
+          <p:cNvPr id="17" name="Rectangle 16">
+            <a:extLst>
+              <a:ext uri="{FF2B5EF4-FFF2-40B4-BE49-F238E27FC236}">
+                <a16:creationId xmlns:a16="http://schemas.microsoft.com/office/drawing/2014/main" id="{2DCAE5CF-5D29-4779-83E1-BDB64E4F30E5}"/>
+              </a:ext>
+              <a:ext uri="{C183D7F6-B498-43B3-948B-1728B52AA6E4}">
+                <adec:decorative xmlns:adec="http://schemas.microsoft.com/office/drawing/2017/decorative" val="1"/>
+              </a:ext>
+            </a:extLst>
+          </p:cNvPr>
+          <p:cNvSpPr>
+            <a:spLocks noGrp="1" noRot="1" noChangeAspect="1" noMove="1" noResize="1" noEditPoints="1" noAdjustHandles="1" noChangeArrowheads="1" noChangeShapeType="1" noTextEdit="1"/>
+          </p:cNvSpPr>
+          <p:nvPr>
+            <p:extLst>
+              <p:ext uri="{386F3935-93C4-4BCD-93E2-E3B085C9AB24}">
+                <p16:designElem xmlns:p16="http://schemas.microsoft.com/office/powerpoint/2015/main" val="1"/>
+              </p:ext>
+            </p:extLst>
+          </p:nvPr>
+        </p:nvSpPr>
+        <p:spPr>
+          <a:xfrm>
+            <a:off x="-1" y="1838764"/>
+            <a:ext cx="4964567" cy="3180473"/>
+          </a:xfrm>
+          <a:prstGeom prst="rect">
+            <a:avLst/>
+          </a:prstGeom>
+          <a:solidFill>
+            <a:schemeClr val="bg1">
+              <a:lumMod val="85000"/>
+              <a:lumOff val="15000"/>
+            </a:schemeClr>
+          </a:solidFill>
+          <a:ln>
+            <a:noFill/>
+          </a:ln>
+        </p:spPr>
+        <p:style>
+          <a:lnRef idx="2">
+            <a:schemeClr val="accent1">
+              <a:shade val="50000"/>
+            </a:schemeClr>
+          </a:lnRef>
+          <a:fillRef idx="1">
+            <a:schemeClr val="accent1"/>
+          </a:fillRef>
+          <a:effectRef idx="0">
+            <a:schemeClr val="accent1"/>
+          </a:effectRef>
+          <a:fontRef idx="minor">
+            <a:schemeClr val="lt1"/>
+          </a:fontRef>
+        </p:style>
+      </p:sp>
+      <p:sp>
+        <p:nvSpPr>
+          <p:cNvPr id="2" name="Title 1">
+            <a:extLst>
+              <a:ext uri="{FF2B5EF4-FFF2-40B4-BE49-F238E27FC236}">
+                <a16:creationId xmlns:a16="http://schemas.microsoft.com/office/drawing/2014/main" id="{9CE1C5F3-4118-4DA1-BE26-EAD18A11B30F}"/>
+              </a:ext>
+            </a:extLst>
+          </p:cNvPr>
+          <p:cNvSpPr>
+            <a:spLocks noGrp="1"/>
+          </p:cNvSpPr>
+          <p:nvPr>
+            <p:ph type="title"/>
+          </p:nvPr>
+        </p:nvSpPr>
+        <p:spPr>
+          <a:xfrm>
+            <a:off x="680321" y="2063262"/>
+            <a:ext cx="3739279" cy="2661052"/>
+          </a:xfrm>
+        </p:spPr>
+        <p:txBody>
+          <a:bodyPr>
+            <a:normAutofit/>
+          </a:bodyPr>
+          <a:lstStyle/>
+          <a:p>
+            <a:pPr algn="r"/>
+            <a:r>
+              <a:rPr lang="en-IN" sz="4400"/>
+              <a:t>Adversarial Training</a:t>
+            </a:r>
+          </a:p>
+        </p:txBody>
+      </p:sp>
+      <p:graphicFrame>
+        <p:nvGraphicFramePr>
+          <p:cNvPr id="5" name="Content Placeholder 2">
+            <a:extLst>
+              <a:ext uri="{FF2B5EF4-FFF2-40B4-BE49-F238E27FC236}">
+                <a16:creationId xmlns:a16="http://schemas.microsoft.com/office/drawing/2014/main" id="{5F9BB11A-B382-4CFF-BA7D-1F76A4FB6612}"/>
+              </a:ext>
+            </a:extLst>
+          </p:cNvPr>
+          <p:cNvGraphicFramePr>
+            <a:graphicFrameLocks noGrp="1"/>
+          </p:cNvGraphicFramePr>
+          <p:nvPr>
+            <p:ph idx="1"/>
+            <p:extLst>
+              <p:ext uri="{D42A27DB-BD31-4B8C-83A1-F6EECF244321}">
+                <p14:modId xmlns:p14="http://schemas.microsoft.com/office/powerpoint/2010/main" val="2700776770"/>
+              </p:ext>
+            </p:extLst>
+          </p:nvPr>
+        </p:nvGraphicFramePr>
+        <p:xfrm>
+          <a:off x="5284788" y="639763"/>
+          <a:ext cx="6261100" cy="5578475"/>
+        </p:xfrm>
+        <a:graphic>
+          <a:graphicData uri="http://schemas.openxmlformats.org/drawingml/2006/diagram">
+            <dgm:relIds xmlns:dgm="http://schemas.openxmlformats.org/drawingml/2006/diagram" xmlns:r="http://schemas.openxmlformats.org/officeDocument/2006/relationships" r:dm="rId4" r:lo="rId5" r:qs="rId6" r:cs="rId7"/>
+          </a:graphicData>
+        </a:graphic>
+      </p:graphicFrame>
+    </p:spTree>
+    <p:extLst>
+      <p:ext uri="{BB962C8B-B14F-4D97-AF65-F5344CB8AC3E}">
+        <p14:creationId xmlns:p14="http://schemas.microsoft.com/office/powerpoint/2010/main" val="2689787798"/>
+      </p:ext>
+    </p:extLst>
+  </p:cSld>
+  <p:clrMapOvr>
+    <a:masterClrMapping/>
+  </p:clrMapOvr>
+</p:sld>
+</file>
+
+<file path=ppt/slides/slide4.xml><?xml version="1.0" encoding="utf-8"?>
+<p:sld xmlns:a="http://schemas.openxmlformats.org/drawingml/2006/main" xmlns:r="http://schemas.openxmlformats.org/officeDocument/2006/relationships" xmlns:p="http://schemas.openxmlformats.org/presentationml/2006/main">
+  <p:cSld>
+    <p:bg>
+      <p:bgPr>
+        <a:gradFill rotWithShape="1">
+          <a:gsLst>
+            <a:gs pos="0">
+              <a:schemeClr val="bg2">
+                <a:tint val="96000"/>
+                <a:shade val="100000"/>
+                <a:hueMod val="270000"/>
+                <a:satMod val="200000"/>
+                <a:lumMod val="128000"/>
+              </a:schemeClr>
+            </a:gs>
+            <a:gs pos="50000">
+              <a:schemeClr val="bg2">
+                <a:shade val="100000"/>
+                <a:hueMod val="100000"/>
+                <a:satMod val="110000"/>
+                <a:lumMod val="130000"/>
+              </a:schemeClr>
+            </a:gs>
+            <a:gs pos="100000">
+              <a:schemeClr val="bg2">
+                <a:shade val="78000"/>
+                <a:hueMod val="44000"/>
+                <a:satMod val="200000"/>
+                <a:lumMod val="69000"/>
+              </a:schemeClr>
+            </a:gs>
+          </a:gsLst>
+          <a:lin ang="2520000" scaled="0"/>
+        </a:gradFill>
+        <a:effectLst/>
+      </p:bgPr>
+    </p:bg>
+    <p:spTree>
+      <p:nvGrpSpPr>
+        <p:cNvPr id="1" name=""/>
+        <p:cNvGrpSpPr/>
+        <p:nvPr/>
+      </p:nvGrpSpPr>
+      <p:grpSpPr>
+        <a:xfrm>
+          <a:off x="0" y="0"/>
+          <a:ext cx="0" cy="0"/>
+          <a:chOff x="0" y="0"/>
+          <a:chExt cx="0" cy="0"/>
+        </a:xfrm>
+      </p:grpSpPr>
+      <p:sp useBgFill="1">
+        <p:nvSpPr>
+          <p:cNvPr id="12" name="Rectangle 11">
+            <a:extLst>
+              <a:ext uri="{FF2B5EF4-FFF2-40B4-BE49-F238E27FC236}">
+                <a16:creationId xmlns:a16="http://schemas.microsoft.com/office/drawing/2014/main" id="{F4979F40-3A44-4CCB-9EB7-F8318BCE576B}"/>
+              </a:ext>
+              <a:ext uri="{C183D7F6-B498-43B3-948B-1728B52AA6E4}">
+                <adec:decorative xmlns:adec="http://schemas.microsoft.com/office/drawing/2017/decorative" val="1"/>
+              </a:ext>
+            </a:extLst>
+          </p:cNvPr>
+          <p:cNvSpPr>
+            <a:spLocks noGrp="1" noRot="1" noChangeAspect="1" noMove="1" noResize="1" noEditPoints="1" noAdjustHandles="1" noChangeArrowheads="1" noChangeShapeType="1" noTextEdit="1"/>
+          </p:cNvSpPr>
+          <p:nvPr>
+            <p:extLst>
+              <p:ext uri="{386F3935-93C4-4BCD-93E2-E3B085C9AB24}">
+                <p16:designElem xmlns:p16="http://schemas.microsoft.com/office/powerpoint/2015/main" val="1"/>
+              </p:ext>
+            </p:extLst>
+          </p:nvPr>
+        </p:nvSpPr>
+        <p:spPr>
+          <a:xfrm>
+            <a:off x="0" y="-1"/>
+            <a:ext cx="12188824" cy="6858001"/>
+          </a:xfrm>
+          <a:prstGeom prst="rect">
+            <a:avLst/>
+          </a:prstGeom>
+          <a:ln>
+            <a:noFill/>
+          </a:ln>
+        </p:spPr>
+        <p:style>
+          <a:lnRef idx="2">
+            <a:schemeClr val="accent1">
+              <a:shade val="50000"/>
+            </a:schemeClr>
+          </a:lnRef>
+          <a:fillRef idx="1">
+            <a:schemeClr val="accent1"/>
+          </a:fillRef>
+          <a:effectRef idx="0">
+            <a:schemeClr val="accent1"/>
+          </a:effectRef>
+          <a:fontRef idx="minor">
+            <a:schemeClr val="lt1"/>
+          </a:fontRef>
+        </p:style>
+        <p:txBody>
+          <a:bodyPr rtlCol="0" anchor="ctr"/>
+          <a:lstStyle/>
+          <a:p>
+            <a:pPr algn="ctr"/>
+            <a:endParaRPr lang="en-US"/>
+          </a:p>
+        </p:txBody>
+      </p:sp>
+      <p:pic>
+        <p:nvPicPr>
+          <p:cNvPr id="14" name="Picture 13">
+            <a:extLst>
+              <a:ext uri="{FF2B5EF4-FFF2-40B4-BE49-F238E27FC236}">
+                <a16:creationId xmlns:a16="http://schemas.microsoft.com/office/drawing/2014/main" id="{15291D39-6B03-4BB5-BFC6-CBF11E90BFD6}"/>
+              </a:ext>
+              <a:ext uri="{C183D7F6-B498-43B3-948B-1728B52AA6E4}">
+                <adec:decorative xmlns:adec="http://schemas.microsoft.com/office/drawing/2017/decorative" val="1"/>
+              </a:ext>
+            </a:extLst>
+          </p:cNvPr>
+          <p:cNvPicPr>
+            <a:picLocks noGrp="1" noRot="1" noChangeAspect="1" noMove="1" noResize="1" noEditPoints="1" noAdjustHandles="1" noChangeArrowheads="1" noChangeShapeType="1" noCrop="1"/>
+          </p:cNvPicPr>
+          <p:nvPr>
+            <p:extLst>
+              <p:ext uri="{386F3935-93C4-4BCD-93E2-E3B085C9AB24}">
+                <p16:designElem xmlns:p16="http://schemas.microsoft.com/office/powerpoint/2015/main" val="1"/>
+              </p:ext>
+            </p:extLst>
+          </p:nvPr>
+        </p:nvPicPr>
+        <p:blipFill>
+          <a:blip r:embed="rId2">
+            <a:alphaModFix amt="10000"/>
+            <a:extLst>
+              <a:ext uri="{28A0092B-C50C-407E-A947-70E740481C1C}">
+                <a14:useLocalDpi xmlns:a14="http://schemas.microsoft.com/office/drawing/2010/main" val="0"/>
+              </a:ext>
+            </a:extLst>
+          </a:blip>
+          <a:stretch>
+            <a:fillRect/>
+          </a:stretch>
+        </p:blipFill>
+        <p:spPr>
+          <a:xfrm>
+            <a:off x="-3176" y="0"/>
+            <a:ext cx="12192000" cy="6858000"/>
+          </a:xfrm>
+          <a:prstGeom prst="rect">
+            <a:avLst/>
+          </a:prstGeom>
+        </p:spPr>
+      </p:pic>
+      <p:sp>
+        <p:nvSpPr>
+          <p:cNvPr id="16" name="Rectangle 15">
+            <a:extLst>
+              <a:ext uri="{FF2B5EF4-FFF2-40B4-BE49-F238E27FC236}">
+                <a16:creationId xmlns:a16="http://schemas.microsoft.com/office/drawing/2014/main" id="{AFD071FA-0514-4371-9568-86216A1F4658}"/>
+              </a:ext>
+              <a:ext uri="{C183D7F6-B498-43B3-948B-1728B52AA6E4}">
+                <adec:decorative xmlns:adec="http://schemas.microsoft.com/office/drawing/2017/decorative" val="1"/>
+              </a:ext>
+            </a:extLst>
+          </p:cNvPr>
+          <p:cNvSpPr>
+            <a:spLocks noGrp="1" noRot="1" noChangeAspect="1" noMove="1" noResize="1" noEditPoints="1" noAdjustHandles="1" noChangeArrowheads="1" noChangeShapeType="1" noTextEdit="1"/>
+          </p:cNvSpPr>
+          <p:nvPr>
+            <p:extLst>
+              <p:ext uri="{386F3935-93C4-4BCD-93E2-E3B085C9AB24}">
+                <p16:designElem xmlns:p16="http://schemas.microsoft.com/office/powerpoint/2015/main" val="1"/>
+              </p:ext>
+            </p:extLst>
+          </p:nvPr>
+        </p:nvSpPr>
+        <p:spPr>
+          <a:xfrm>
+            <a:off x="4639056" y="0"/>
+            <a:ext cx="7552944" cy="6858001"/>
+          </a:xfrm>
+          <a:prstGeom prst="rect">
+            <a:avLst/>
+          </a:prstGeom>
+          <a:ln>
+            <a:noFill/>
+          </a:ln>
+        </p:spPr>
+        <p:style>
+          <a:lnRef idx="2">
+            <a:schemeClr val="accent1">
+              <a:shade val="50000"/>
+            </a:schemeClr>
+          </a:lnRef>
+          <a:fillRef idx="1">
+            <a:schemeClr val="accent1"/>
+          </a:fillRef>
+          <a:effectRef idx="0">
+            <a:schemeClr val="accent1"/>
+          </a:effectRef>
+          <a:fontRef idx="minor">
+            <a:schemeClr val="lt1"/>
+          </a:fontRef>
+        </p:style>
+        <p:txBody>
+          <a:bodyPr rtlCol="0" anchor="ctr"/>
+          <a:lstStyle/>
+          <a:p>
+            <a:pPr algn="ctr"/>
+            <a:endParaRPr lang="en-US"/>
+          </a:p>
+        </p:txBody>
+      </p:sp>
+      <p:sp>
+        <p:nvSpPr>
+          <p:cNvPr id="18" name="Rectangle 17">
+            <a:extLst>
+              <a:ext uri="{FF2B5EF4-FFF2-40B4-BE49-F238E27FC236}">
+                <a16:creationId xmlns:a16="http://schemas.microsoft.com/office/drawing/2014/main" id="{5211DDA4-E7B5-4325-A844-B7F59B084BA7}"/>
+              </a:ext>
+              <a:ext uri="{C183D7F6-B498-43B3-948B-1728B52AA6E4}">
+                <adec:decorative xmlns:adec="http://schemas.microsoft.com/office/drawing/2017/decorative" val="1"/>
+              </a:ext>
+            </a:extLst>
+          </p:cNvPr>
+          <p:cNvSpPr>
+            <a:spLocks noGrp="1" noRot="1" noChangeAspect="1" noMove="1" noResize="1" noEditPoints="1" noAdjustHandles="1" noChangeArrowheads="1" noChangeShapeType="1" noTextEdit="1"/>
+          </p:cNvSpPr>
+          <p:nvPr>
+            <p:extLst>
+              <p:ext uri="{386F3935-93C4-4BCD-93E2-E3B085C9AB24}">
+                <p16:designElem xmlns:p16="http://schemas.microsoft.com/office/powerpoint/2015/main" val="1"/>
+              </p:ext>
+            </p:extLst>
+          </p:nvPr>
+        </p:nvSpPr>
+        <p:spPr bwMode="grayWhite">
+          <a:xfrm>
+            <a:off x="2" y="609600"/>
+            <a:ext cx="4959094" cy="1368198"/>
+          </a:xfrm>
+          <a:prstGeom prst="rect">
+            <a:avLst/>
+          </a:prstGeom>
+          <a:solidFill>
+            <a:schemeClr val="bg1">
+              <a:lumMod val="85000"/>
+              <a:lumOff val="15000"/>
+            </a:schemeClr>
+          </a:solidFill>
+          <a:ln>
+            <a:noFill/>
+          </a:ln>
+        </p:spPr>
+        <p:style>
+          <a:lnRef idx="2">
+            <a:schemeClr val="accent1">
+              <a:shade val="50000"/>
+            </a:schemeClr>
+          </a:lnRef>
+          <a:fillRef idx="1">
+            <a:schemeClr val="accent1"/>
+          </a:fillRef>
+          <a:effectRef idx="0">
+            <a:schemeClr val="accent1"/>
+          </a:effectRef>
+          <a:fontRef idx="minor">
+            <a:schemeClr val="lt1"/>
+          </a:fontRef>
+        </p:style>
+      </p:sp>
+      <p:sp>
+        <p:nvSpPr>
+          <p:cNvPr id="2" name="Title 1">
+            <a:extLst>
+              <a:ext uri="{FF2B5EF4-FFF2-40B4-BE49-F238E27FC236}">
+                <a16:creationId xmlns:a16="http://schemas.microsoft.com/office/drawing/2014/main" id="{1E996362-1DBE-49B1-9B43-33144F95A2DE}"/>
+              </a:ext>
+            </a:extLst>
+          </p:cNvPr>
+          <p:cNvSpPr>
+            <a:spLocks noGrp="1"/>
+          </p:cNvSpPr>
+          <p:nvPr>
+            <p:ph type="title"/>
+          </p:nvPr>
+        </p:nvSpPr>
+        <p:spPr>
+          <a:xfrm>
+            <a:off x="680321" y="753228"/>
+            <a:ext cx="4136123" cy="1080938"/>
+          </a:xfrm>
+        </p:spPr>
+        <p:txBody>
+          <a:bodyPr>
+            <a:normAutofit/>
+          </a:bodyPr>
+          <a:lstStyle/>
+          <a:p>
+            <a:r>
+              <a:rPr lang="en-IN" sz="2400"/>
+              <a:t>Taxonomy of Generative Models</a:t>
+            </a:r>
+          </a:p>
+        </p:txBody>
+      </p:sp>
+      <p:pic>
+        <p:nvPicPr>
+          <p:cNvPr id="20" name="Picture 19">
+            <a:extLst>
+              <a:ext uri="{FF2B5EF4-FFF2-40B4-BE49-F238E27FC236}">
+                <a16:creationId xmlns:a16="http://schemas.microsoft.com/office/drawing/2014/main" id="{0D58E222-6309-4F79-AC20-9D3C69CD9B16}"/>
+              </a:ext>
+              <a:ext uri="{C183D7F6-B498-43B3-948B-1728B52AA6E4}">
+                <adec:decorative xmlns:adec="http://schemas.microsoft.com/office/drawing/2017/decorative" val="1"/>
+              </a:ext>
+            </a:extLst>
+          </p:cNvPr>
+          <p:cNvPicPr>
+            <a:picLocks noGrp="1" noRot="1" noChangeAspect="1" noMove="1" noResize="1" noEditPoints="1" noAdjustHandles="1" noChangeArrowheads="1" noChangeShapeType="1" noCrop="1"/>
+          </p:cNvPicPr>
+          <p:nvPr>
+            <p:extLst>
+              <p:ext uri="{386F3935-93C4-4BCD-93E2-E3B085C9AB24}">
+                <p16:designElem xmlns:p16="http://schemas.microsoft.com/office/powerpoint/2015/main" val="1"/>
+              </p:ext>
+            </p:extLst>
+          </p:nvPr>
+        </p:nvPicPr>
+        <p:blipFill>
+          <a:blip r:embed="rId3">
+            <a:extLst>
+              <a:ext uri="{28A0092B-C50C-407E-A947-70E740481C1C}">
+                <a14:useLocalDpi xmlns:a14="http://schemas.microsoft.com/office/drawing/2010/main" val="0"/>
+              </a:ext>
+            </a:extLst>
+          </a:blip>
+          <a:stretch>
+            <a:fillRect/>
+          </a:stretch>
+        </p:blipFill>
+        <p:spPr>
+          <a:xfrm>
+            <a:off x="2" y="1970241"/>
+            <a:ext cx="4956048" cy="199787"/>
+          </a:xfrm>
+          <a:prstGeom prst="rect">
+            <a:avLst/>
+          </a:prstGeom>
+        </p:spPr>
+      </p:pic>
+      <p:sp>
+        <p:nvSpPr>
+          <p:cNvPr id="9" name="Content Placeholder 8">
+            <a:extLst>
+              <a:ext uri="{FF2B5EF4-FFF2-40B4-BE49-F238E27FC236}">
+                <a16:creationId xmlns:a16="http://schemas.microsoft.com/office/drawing/2014/main" id="{6914E763-E60C-43B7-96BF-AC8894A06F15}"/>
+              </a:ext>
+            </a:extLst>
+          </p:cNvPr>
+          <p:cNvSpPr>
+            <a:spLocks noGrp="1"/>
+          </p:cNvSpPr>
+          <p:nvPr>
+            <p:ph idx="1"/>
+          </p:nvPr>
+        </p:nvSpPr>
+        <p:spPr>
+          <a:xfrm>
+            <a:off x="680321" y="2336873"/>
+            <a:ext cx="3656289" cy="3599316"/>
+          </a:xfrm>
+        </p:spPr>
+        <p:txBody>
+          <a:bodyPr>
+            <a:normAutofit/>
+          </a:bodyPr>
+          <a:lstStyle/>
+          <a:p>
+            <a:r>
+              <a:rPr lang="en-US" sz="1400" dirty="0"/>
+              <a:t>Implicit density based generative model</a:t>
+            </a:r>
+          </a:p>
+          <a:p>
+            <a:endParaRPr lang="en-US" sz="1400" dirty="0"/>
+          </a:p>
+          <a:p>
+            <a:endParaRPr lang="en-US" sz="1400" dirty="0"/>
+          </a:p>
+        </p:txBody>
+      </p:sp>
+      <p:pic>
+        <p:nvPicPr>
+          <p:cNvPr id="5" name="Content Placeholder 4" descr="Diagram&#10;&#10;Description automatically generated">
+            <a:extLst>
+              <a:ext uri="{FF2B5EF4-FFF2-40B4-BE49-F238E27FC236}">
+                <a16:creationId xmlns:a16="http://schemas.microsoft.com/office/drawing/2014/main" id="{F3BF3426-5190-41BB-9137-782C15A9EC84}"/>
+              </a:ext>
+            </a:extLst>
+          </p:cNvPr>
+          <p:cNvPicPr>
+            <a:picLocks noChangeAspect="1"/>
+          </p:cNvPicPr>
+          <p:nvPr/>
+        </p:nvPicPr>
+        <p:blipFill>
+          <a:blip r:embed="rId4">
+            <a:extLst>
+              <a:ext uri="{28A0092B-C50C-407E-A947-70E740481C1C}">
+                <a14:useLocalDpi xmlns:a14="http://schemas.microsoft.com/office/drawing/2010/main" val="0"/>
+              </a:ext>
+            </a:extLst>
+          </a:blip>
+          <a:stretch>
+            <a:fillRect/>
+          </a:stretch>
+        </p:blipFill>
+        <p:spPr>
+          <a:xfrm>
+            <a:off x="5107329" y="2336873"/>
+            <a:ext cx="6616398" cy="3324625"/>
+          </a:xfrm>
+          <a:prstGeom prst="rect">
+            <a:avLst/>
+          </a:prstGeom>
+          <a:ln>
+            <a:noFill/>
+          </a:ln>
+          <a:effectLst>
+            <a:outerShdw blurRad="76200" dist="63500" dir="5040000" algn="tl" rotWithShape="0">
+              <a:srgbClr val="000000">
+                <a:alpha val="41000"/>
+              </a:srgbClr>
+            </a:outerShdw>
+          </a:effectLst>
+        </p:spPr>
+      </p:pic>
+    </p:spTree>
+    <p:extLst>
+      <p:ext uri="{BB962C8B-B14F-4D97-AF65-F5344CB8AC3E}">
+        <p14:creationId xmlns:p14="http://schemas.microsoft.com/office/powerpoint/2010/main" val="2433729800"/>
+      </p:ext>
+    </p:extLst>
+  </p:cSld>
+  <p:clrMapOvr>
+    <a:masterClrMapping/>
+  </p:clrMapOvr>
+</p:sld>
+</file>
+
+<file path=ppt/slides/slide5.xml><?xml version="1.0" encoding="utf-8"?>
+<p:sld xmlns:a="http://schemas.openxmlformats.org/drawingml/2006/main" xmlns:r="http://schemas.openxmlformats.org/officeDocument/2006/relationships" xmlns:p="http://schemas.openxmlformats.org/presentationml/2006/main">
+  <p:cSld>
+    <p:spTree>
+      <p:nvGrpSpPr>
+        <p:cNvPr id="1" name=""/>
+        <p:cNvGrpSpPr/>
+        <p:nvPr/>
+      </p:nvGrpSpPr>
+      <p:grpSpPr>
+        <a:xfrm>
+          <a:off x="0" y="0"/>
+          <a:ext cx="0" cy="0"/>
+          <a:chOff x="0" y="0"/>
+          <a:chExt cx="0" cy="0"/>
+        </a:xfrm>
+      </p:grpSpPr>
+      <p:sp>
+        <p:nvSpPr>
+          <p:cNvPr id="2" name="Title 1">
+            <a:extLst>
+              <a:ext uri="{FF2B5EF4-FFF2-40B4-BE49-F238E27FC236}">
+                <a16:creationId xmlns:a16="http://schemas.microsoft.com/office/drawing/2014/main" id="{15C2106F-83FB-440F-8B0C-7EAC7345A81F}"/>
+              </a:ext>
+            </a:extLst>
+          </p:cNvPr>
+          <p:cNvSpPr>
+            <a:spLocks noGrp="1"/>
+          </p:cNvSpPr>
+          <p:nvPr>
+            <p:ph type="title"/>
+          </p:nvPr>
+        </p:nvSpPr>
         <p:spPr/>
         <p:txBody>
           <a:bodyPr/>
           <a:lstStyle/>
           <a:p>
-            <a:endParaRPr lang="en-IN" dirty="0"/>
+            <a:r>
+              <a:rPr lang="en-IN" dirty="0"/>
+              <a:t>Generative Adversarial Networks</a:t>
+            </a:r>
+          </a:p>
+        </p:txBody>
+      </p:sp>
+      <p:sp>
+        <p:nvSpPr>
+          <p:cNvPr id="3" name="Content Placeholder 2">
+            <a:extLst>
+              <a:ext uri="{FF2B5EF4-FFF2-40B4-BE49-F238E27FC236}">
+                <a16:creationId xmlns:a16="http://schemas.microsoft.com/office/drawing/2014/main" id="{125335BF-2B08-4BF6-9B9E-2E1CCC3044CF}"/>
+              </a:ext>
+            </a:extLst>
+          </p:cNvPr>
+          <p:cNvSpPr>
+            <a:spLocks noGrp="1"/>
+          </p:cNvSpPr>
+          <p:nvPr>
+            <p:ph idx="1"/>
+          </p:nvPr>
+        </p:nvSpPr>
+        <p:spPr/>
+        <p:txBody>
+          <a:bodyPr/>
+          <a:lstStyle/>
+          <a:p>
+            <a:r>
+              <a:rPr lang="en-IN" dirty="0"/>
+              <a:t>Generative model pitted against a Discriminative Model</a:t>
+            </a:r>
+          </a:p>
+          <a:p>
+            <a:r>
+              <a:rPr lang="en-IN" dirty="0"/>
+              <a:t>Discriminative model learns to determine actual data and data generated from distribution</a:t>
+            </a:r>
+          </a:p>
+          <a:p>
+            <a:r>
+              <a:rPr lang="en-IN" dirty="0"/>
+              <a:t>Police and Counterfeiters example</a:t>
+            </a:r>
+          </a:p>
+          <a:p>
+            <a:r>
+              <a:rPr lang="en-IN" dirty="0"/>
+              <a:t>Both players are neural networks</a:t>
+            </a:r>
+          </a:p>
+          <a:p>
+            <a:r>
+              <a:rPr lang="en-IN" dirty="0"/>
+              <a:t>Worst case input for one network is produced by another network</a:t>
+            </a:r>
           </a:p>
         </p:txBody>
       </p:sp>
     </p:spTree>
     <p:extLst>
       <p:ext uri="{BB962C8B-B14F-4D97-AF65-F5344CB8AC3E}">
-        <p14:creationId xmlns:p14="http://schemas.microsoft.com/office/powerpoint/2010/main" val="2953918113"/>
+        <p14:creationId xmlns:p14="http://schemas.microsoft.com/office/powerpoint/2010/main" val="3192399945"/>
+      </p:ext>
+    </p:extLst>
+  </p:cSld>
+  <p:clrMapOvr>
+    <a:masterClrMapping/>
+  </p:clrMapOvr>
+</p:sld>
+</file>
+
+<file path=ppt/slides/slide6.xml><?xml version="1.0" encoding="utf-8"?>
+<p:sld xmlns:a="http://schemas.openxmlformats.org/drawingml/2006/main" xmlns:r="http://schemas.openxmlformats.org/officeDocument/2006/relationships" xmlns:p="http://schemas.openxmlformats.org/presentationml/2006/main">
+  <p:cSld>
+    <p:bg>
+      <p:bgPr>
+        <a:gradFill rotWithShape="1">
+          <a:gsLst>
+            <a:gs pos="0">
+              <a:schemeClr val="bg2">
+                <a:tint val="96000"/>
+                <a:shade val="100000"/>
+                <a:hueMod val="270000"/>
+                <a:satMod val="200000"/>
+                <a:lumMod val="128000"/>
+              </a:schemeClr>
+            </a:gs>
+            <a:gs pos="50000">
+              <a:schemeClr val="bg2">
+                <a:shade val="100000"/>
+                <a:hueMod val="100000"/>
+                <a:satMod val="110000"/>
+                <a:lumMod val="130000"/>
+              </a:schemeClr>
+            </a:gs>
+            <a:gs pos="100000">
+              <a:schemeClr val="bg2">
+                <a:shade val="78000"/>
+                <a:hueMod val="44000"/>
+                <a:satMod val="200000"/>
+                <a:lumMod val="69000"/>
+              </a:schemeClr>
+            </a:gs>
+          </a:gsLst>
+          <a:lin ang="2520000" scaled="0"/>
+        </a:gradFill>
+        <a:effectLst/>
+      </p:bgPr>
+    </p:bg>
+    <p:spTree>
+      <p:nvGrpSpPr>
+        <p:cNvPr id="1" name=""/>
+        <p:cNvGrpSpPr/>
+        <p:nvPr/>
+      </p:nvGrpSpPr>
+      <p:grpSpPr>
+        <a:xfrm>
+          <a:off x="0" y="0"/>
+          <a:ext cx="0" cy="0"/>
+          <a:chOff x="0" y="0"/>
+          <a:chExt cx="0" cy="0"/>
+        </a:xfrm>
+      </p:grpSpPr>
+      <p:sp useBgFill="1">
+        <p:nvSpPr>
+          <p:cNvPr id="93" name="Rectangle 92">
+            <a:extLst>
+              <a:ext uri="{FF2B5EF4-FFF2-40B4-BE49-F238E27FC236}">
+                <a16:creationId xmlns:a16="http://schemas.microsoft.com/office/drawing/2014/main" id="{F4979F40-3A44-4CCB-9EB7-F8318BCE576B}"/>
+              </a:ext>
+              <a:ext uri="{C183D7F6-B498-43B3-948B-1728B52AA6E4}">
+                <adec:decorative xmlns:adec="http://schemas.microsoft.com/office/drawing/2017/decorative" val="1"/>
+              </a:ext>
+            </a:extLst>
+          </p:cNvPr>
+          <p:cNvSpPr>
+            <a:spLocks noGrp="1" noRot="1" noChangeAspect="1" noMove="1" noResize="1" noEditPoints="1" noAdjustHandles="1" noChangeArrowheads="1" noChangeShapeType="1" noTextEdit="1"/>
+          </p:cNvSpPr>
+          <p:nvPr>
+            <p:extLst>
+              <p:ext uri="{386F3935-93C4-4BCD-93E2-E3B085C9AB24}">
+                <p16:designElem xmlns:p16="http://schemas.microsoft.com/office/powerpoint/2015/main" val="1"/>
+              </p:ext>
+            </p:extLst>
+          </p:nvPr>
+        </p:nvSpPr>
+        <p:spPr>
+          <a:xfrm>
+            <a:off x="0" y="-1"/>
+            <a:ext cx="12188824" cy="6858001"/>
+          </a:xfrm>
+          <a:prstGeom prst="rect">
+            <a:avLst/>
+          </a:prstGeom>
+          <a:ln>
+            <a:noFill/>
+          </a:ln>
+        </p:spPr>
+        <p:style>
+          <a:lnRef idx="2">
+            <a:schemeClr val="accent1">
+              <a:shade val="50000"/>
+            </a:schemeClr>
+          </a:lnRef>
+          <a:fillRef idx="1">
+            <a:schemeClr val="accent1"/>
+          </a:fillRef>
+          <a:effectRef idx="0">
+            <a:schemeClr val="accent1"/>
+          </a:effectRef>
+          <a:fontRef idx="minor">
+            <a:schemeClr val="lt1"/>
+          </a:fontRef>
+        </p:style>
+        <p:txBody>
+          <a:bodyPr rtlCol="0" anchor="ctr"/>
+          <a:lstStyle/>
+          <a:p>
+            <a:pPr algn="ctr"/>
+            <a:endParaRPr lang="en-US"/>
+          </a:p>
+        </p:txBody>
+      </p:sp>
+      <p:pic>
+        <p:nvPicPr>
+          <p:cNvPr id="95" name="Picture 94">
+            <a:extLst>
+              <a:ext uri="{FF2B5EF4-FFF2-40B4-BE49-F238E27FC236}">
+                <a16:creationId xmlns:a16="http://schemas.microsoft.com/office/drawing/2014/main" id="{15291D39-6B03-4BB5-BFC6-CBF11E90BFD6}"/>
+              </a:ext>
+              <a:ext uri="{C183D7F6-B498-43B3-948B-1728B52AA6E4}">
+                <adec:decorative xmlns:adec="http://schemas.microsoft.com/office/drawing/2017/decorative" val="1"/>
+              </a:ext>
+            </a:extLst>
+          </p:cNvPr>
+          <p:cNvPicPr>
+            <a:picLocks noGrp="1" noRot="1" noChangeAspect="1" noMove="1" noResize="1" noEditPoints="1" noAdjustHandles="1" noChangeArrowheads="1" noChangeShapeType="1" noCrop="1"/>
+          </p:cNvPicPr>
+          <p:nvPr>
+            <p:extLst>
+              <p:ext uri="{386F3935-93C4-4BCD-93E2-E3B085C9AB24}">
+                <p16:designElem xmlns:p16="http://schemas.microsoft.com/office/powerpoint/2015/main" val="1"/>
+              </p:ext>
+            </p:extLst>
+          </p:nvPr>
+        </p:nvPicPr>
+        <p:blipFill>
+          <a:blip r:embed="rId2">
+            <a:alphaModFix amt="10000"/>
+            <a:extLst>
+              <a:ext uri="{28A0092B-C50C-407E-A947-70E740481C1C}">
+                <a14:useLocalDpi xmlns:a14="http://schemas.microsoft.com/office/drawing/2010/main" val="0"/>
+              </a:ext>
+            </a:extLst>
+          </a:blip>
+          <a:stretch>
+            <a:fillRect/>
+          </a:stretch>
+        </p:blipFill>
+        <p:spPr>
+          <a:xfrm>
+            <a:off x="-3176" y="0"/>
+            <a:ext cx="12192000" cy="6858000"/>
+          </a:xfrm>
+          <a:prstGeom prst="rect">
+            <a:avLst/>
+          </a:prstGeom>
+        </p:spPr>
+      </p:pic>
+      <p:sp>
+        <p:nvSpPr>
+          <p:cNvPr id="97" name="Rectangle 96">
+            <a:extLst>
+              <a:ext uri="{FF2B5EF4-FFF2-40B4-BE49-F238E27FC236}">
+                <a16:creationId xmlns:a16="http://schemas.microsoft.com/office/drawing/2014/main" id="{AFD071FA-0514-4371-9568-86216A1F4658}"/>
+              </a:ext>
+              <a:ext uri="{C183D7F6-B498-43B3-948B-1728B52AA6E4}">
+                <adec:decorative xmlns:adec="http://schemas.microsoft.com/office/drawing/2017/decorative" val="1"/>
+              </a:ext>
+            </a:extLst>
+          </p:cNvPr>
+          <p:cNvSpPr>
+            <a:spLocks noGrp="1" noRot="1" noChangeAspect="1" noMove="1" noResize="1" noEditPoints="1" noAdjustHandles="1" noChangeArrowheads="1" noChangeShapeType="1" noTextEdit="1"/>
+          </p:cNvSpPr>
+          <p:nvPr>
+            <p:extLst>
+              <p:ext uri="{386F3935-93C4-4BCD-93E2-E3B085C9AB24}">
+                <p16:designElem xmlns:p16="http://schemas.microsoft.com/office/powerpoint/2015/main" val="1"/>
+              </p:ext>
+            </p:extLst>
+          </p:nvPr>
+        </p:nvSpPr>
+        <p:spPr>
+          <a:xfrm>
+            <a:off x="4639056" y="0"/>
+            <a:ext cx="7552944" cy="6858001"/>
+          </a:xfrm>
+          <a:prstGeom prst="rect">
+            <a:avLst/>
+          </a:prstGeom>
+          <a:ln>
+            <a:noFill/>
+          </a:ln>
+        </p:spPr>
+        <p:style>
+          <a:lnRef idx="2">
+            <a:schemeClr val="accent1">
+              <a:shade val="50000"/>
+            </a:schemeClr>
+          </a:lnRef>
+          <a:fillRef idx="1">
+            <a:schemeClr val="accent1"/>
+          </a:fillRef>
+          <a:effectRef idx="0">
+            <a:schemeClr val="accent1"/>
+          </a:effectRef>
+          <a:fontRef idx="minor">
+            <a:schemeClr val="lt1"/>
+          </a:fontRef>
+        </p:style>
+        <p:txBody>
+          <a:bodyPr rtlCol="0" anchor="ctr"/>
+          <a:lstStyle/>
+          <a:p>
+            <a:pPr algn="ctr"/>
+            <a:endParaRPr lang="en-US"/>
+          </a:p>
+        </p:txBody>
+      </p:sp>
+      <p:sp>
+        <p:nvSpPr>
+          <p:cNvPr id="99" name="Rectangle 98">
+            <a:extLst>
+              <a:ext uri="{FF2B5EF4-FFF2-40B4-BE49-F238E27FC236}">
+                <a16:creationId xmlns:a16="http://schemas.microsoft.com/office/drawing/2014/main" id="{5211DDA4-E7B5-4325-A844-B7F59B084BA7}"/>
+              </a:ext>
+              <a:ext uri="{C183D7F6-B498-43B3-948B-1728B52AA6E4}">
+                <adec:decorative xmlns:adec="http://schemas.microsoft.com/office/drawing/2017/decorative" val="1"/>
+              </a:ext>
+            </a:extLst>
+          </p:cNvPr>
+          <p:cNvSpPr>
+            <a:spLocks noGrp="1" noRot="1" noChangeAspect="1" noMove="1" noResize="1" noEditPoints="1" noAdjustHandles="1" noChangeArrowheads="1" noChangeShapeType="1" noTextEdit="1"/>
+          </p:cNvSpPr>
+          <p:nvPr>
+            <p:extLst>
+              <p:ext uri="{386F3935-93C4-4BCD-93E2-E3B085C9AB24}">
+                <p16:designElem xmlns:p16="http://schemas.microsoft.com/office/powerpoint/2015/main" val="1"/>
+              </p:ext>
+            </p:extLst>
+          </p:nvPr>
+        </p:nvSpPr>
+        <p:spPr bwMode="grayWhite">
+          <a:xfrm>
+            <a:off x="2" y="609600"/>
+            <a:ext cx="4959094" cy="1368198"/>
+          </a:xfrm>
+          <a:prstGeom prst="rect">
+            <a:avLst/>
+          </a:prstGeom>
+          <a:solidFill>
+            <a:schemeClr val="bg1">
+              <a:lumMod val="85000"/>
+              <a:lumOff val="15000"/>
+            </a:schemeClr>
+          </a:solidFill>
+          <a:ln>
+            <a:noFill/>
+          </a:ln>
+        </p:spPr>
+        <p:style>
+          <a:lnRef idx="2">
+            <a:schemeClr val="accent1">
+              <a:shade val="50000"/>
+            </a:schemeClr>
+          </a:lnRef>
+          <a:fillRef idx="1">
+            <a:schemeClr val="accent1"/>
+          </a:fillRef>
+          <a:effectRef idx="0">
+            <a:schemeClr val="accent1"/>
+          </a:effectRef>
+          <a:fontRef idx="minor">
+            <a:schemeClr val="lt1"/>
+          </a:fontRef>
+        </p:style>
+      </p:sp>
+      <p:sp>
+        <p:nvSpPr>
+          <p:cNvPr id="2" name="Title 1">
+            <a:extLst>
+              <a:ext uri="{FF2B5EF4-FFF2-40B4-BE49-F238E27FC236}">
+                <a16:creationId xmlns:a16="http://schemas.microsoft.com/office/drawing/2014/main" id="{6CD2D28A-578F-4780-85F7-42A6E9F7D8C0}"/>
+              </a:ext>
+            </a:extLst>
+          </p:cNvPr>
+          <p:cNvSpPr>
+            <a:spLocks noGrp="1"/>
+          </p:cNvSpPr>
+          <p:nvPr>
+            <p:ph type="title"/>
+          </p:nvPr>
+        </p:nvSpPr>
+        <p:spPr>
+          <a:xfrm>
+            <a:off x="680321" y="753228"/>
+            <a:ext cx="4136123" cy="1080938"/>
+          </a:xfrm>
+        </p:spPr>
+        <p:txBody>
+          <a:bodyPr>
+            <a:normAutofit/>
+          </a:bodyPr>
+          <a:lstStyle/>
+          <a:p>
+            <a:r>
+              <a:rPr lang="en-IN" sz="2400"/>
+              <a:t>Adversarial Nets Framework</a:t>
+            </a:r>
+          </a:p>
+        </p:txBody>
+      </p:sp>
+      <p:pic>
+        <p:nvPicPr>
+          <p:cNvPr id="101" name="Picture 100">
+            <a:extLst>
+              <a:ext uri="{FF2B5EF4-FFF2-40B4-BE49-F238E27FC236}">
+                <a16:creationId xmlns:a16="http://schemas.microsoft.com/office/drawing/2014/main" id="{0D58E222-6309-4F79-AC20-9D3C69CD9B16}"/>
+              </a:ext>
+              <a:ext uri="{C183D7F6-B498-43B3-948B-1728B52AA6E4}">
+                <adec:decorative xmlns:adec="http://schemas.microsoft.com/office/drawing/2017/decorative" val="1"/>
+              </a:ext>
+            </a:extLst>
+          </p:cNvPr>
+          <p:cNvPicPr>
+            <a:picLocks noGrp="1" noRot="1" noChangeAspect="1" noMove="1" noResize="1" noEditPoints="1" noAdjustHandles="1" noChangeArrowheads="1" noChangeShapeType="1" noCrop="1"/>
+          </p:cNvPicPr>
+          <p:nvPr>
+            <p:extLst>
+              <p:ext uri="{386F3935-93C4-4BCD-93E2-E3B085C9AB24}">
+                <p16:designElem xmlns:p16="http://schemas.microsoft.com/office/powerpoint/2015/main" val="1"/>
+              </p:ext>
+            </p:extLst>
+          </p:nvPr>
+        </p:nvPicPr>
+        <p:blipFill>
+          <a:blip r:embed="rId3">
+            <a:extLst>
+              <a:ext uri="{28A0092B-C50C-407E-A947-70E740481C1C}">
+                <a14:useLocalDpi xmlns:a14="http://schemas.microsoft.com/office/drawing/2010/main" val="0"/>
+              </a:ext>
+            </a:extLst>
+          </a:blip>
+          <a:stretch>
+            <a:fillRect/>
+          </a:stretch>
+        </p:blipFill>
+        <p:spPr>
+          <a:xfrm>
+            <a:off x="2" y="1970241"/>
+            <a:ext cx="4956048" cy="199787"/>
+          </a:xfrm>
+          <a:prstGeom prst="rect">
+            <a:avLst/>
+          </a:prstGeom>
+        </p:spPr>
+      </p:pic>
+      <p:sp>
+        <p:nvSpPr>
+          <p:cNvPr id="3" name="Content Placeholder 2">
+            <a:extLst>
+              <a:ext uri="{FF2B5EF4-FFF2-40B4-BE49-F238E27FC236}">
+                <a16:creationId xmlns:a16="http://schemas.microsoft.com/office/drawing/2014/main" id="{7BD54A0A-C5A1-43BB-AD26-0B1ECA6ED03E}"/>
+              </a:ext>
+            </a:extLst>
+          </p:cNvPr>
+          <p:cNvSpPr>
+            <a:spLocks noGrp="1"/>
+          </p:cNvSpPr>
+          <p:nvPr>
+            <p:ph idx="1"/>
+          </p:nvPr>
+        </p:nvSpPr>
+        <p:spPr>
+          <a:xfrm>
+            <a:off x="680321" y="2336873"/>
+            <a:ext cx="3656289" cy="3599316"/>
+          </a:xfrm>
+        </p:spPr>
+        <p:txBody>
+          <a:bodyPr>
+            <a:normAutofit/>
+          </a:bodyPr>
+          <a:lstStyle/>
+          <a:p>
+            <a:r>
+              <a:rPr lang="en-IN" sz="1400" dirty="0"/>
+              <a:t>D – Discriminator Function</a:t>
+            </a:r>
+          </a:p>
+          <a:p>
+            <a:r>
+              <a:rPr lang="en-IN" sz="1400" dirty="0"/>
+              <a:t>G – Generative model</a:t>
+            </a:r>
+          </a:p>
+          <a:p>
+            <a:r>
+              <a:rPr lang="en-IN" sz="1400" dirty="0"/>
+              <a:t>Training procedure of G is to maximize the probability of D making a mistake.</a:t>
+            </a:r>
+          </a:p>
+          <a:p>
+            <a:r>
+              <a:rPr lang="en-IN" sz="1400" dirty="0"/>
+              <a:t>Accomplished using Minmax Game</a:t>
+            </a:r>
+          </a:p>
+        </p:txBody>
+      </p:sp>
+      <p:pic>
+        <p:nvPicPr>
+          <p:cNvPr id="88" name="Picture 87">
+            <a:extLst>
+              <a:ext uri="{FF2B5EF4-FFF2-40B4-BE49-F238E27FC236}">
+                <a16:creationId xmlns:a16="http://schemas.microsoft.com/office/drawing/2014/main" id="{F1CDD6EF-B480-4212-B5DC-19EFF765E5D6}"/>
+              </a:ext>
+            </a:extLst>
+          </p:cNvPr>
+          <p:cNvPicPr>
+            <a:picLocks noChangeAspect="1"/>
+          </p:cNvPicPr>
+          <p:nvPr/>
+        </p:nvPicPr>
+        <p:blipFill>
+          <a:blip r:embed="rId4"/>
+          <a:stretch>
+            <a:fillRect/>
+          </a:stretch>
+        </p:blipFill>
+        <p:spPr>
+          <a:xfrm>
+            <a:off x="5963552" y="640080"/>
+            <a:ext cx="4894554" cy="5577840"/>
+          </a:xfrm>
+          <a:prstGeom prst="rect">
+            <a:avLst/>
+          </a:prstGeom>
+          <a:ln>
+            <a:noFill/>
+          </a:ln>
+          <a:effectLst>
+            <a:outerShdw blurRad="76200" dist="63500" dir="5040000" algn="tl" rotWithShape="0">
+              <a:srgbClr val="000000">
+                <a:alpha val="41000"/>
+              </a:srgbClr>
+            </a:outerShdw>
+          </a:effectLst>
+        </p:spPr>
+      </p:pic>
+    </p:spTree>
+    <p:extLst>
+      <p:ext uri="{BB962C8B-B14F-4D97-AF65-F5344CB8AC3E}">
+        <p14:creationId xmlns:p14="http://schemas.microsoft.com/office/powerpoint/2010/main" val="318651423"/>
+      </p:ext>
+    </p:extLst>
+  </p:cSld>
+  <p:clrMapOvr>
+    <a:masterClrMapping/>
+  </p:clrMapOvr>
+</p:sld>
+</file>
+
+<file path=ppt/slides/slide7.xml><?xml version="1.0" encoding="utf-8"?>
+<p:sld xmlns:a="http://schemas.openxmlformats.org/drawingml/2006/main" xmlns:r="http://schemas.openxmlformats.org/officeDocument/2006/relationships" xmlns:p="http://schemas.openxmlformats.org/presentationml/2006/main">
+  <p:cSld>
+    <p:bg>
+      <p:bgPr>
+        <a:gradFill rotWithShape="1">
+          <a:gsLst>
+            <a:gs pos="0">
+              <a:schemeClr val="bg2">
+                <a:tint val="96000"/>
+                <a:shade val="100000"/>
+                <a:hueMod val="270000"/>
+                <a:satMod val="200000"/>
+                <a:lumMod val="128000"/>
+              </a:schemeClr>
+            </a:gs>
+            <a:gs pos="50000">
+              <a:schemeClr val="bg2">
+                <a:shade val="100000"/>
+                <a:hueMod val="100000"/>
+                <a:satMod val="110000"/>
+                <a:lumMod val="130000"/>
+              </a:schemeClr>
+            </a:gs>
+            <a:gs pos="100000">
+              <a:schemeClr val="bg2">
+                <a:shade val="78000"/>
+                <a:hueMod val="44000"/>
+                <a:satMod val="200000"/>
+                <a:lumMod val="69000"/>
+              </a:schemeClr>
+            </a:gs>
+          </a:gsLst>
+          <a:lin ang="2520000" scaled="0"/>
+        </a:gradFill>
+        <a:effectLst/>
+      </p:bgPr>
+    </p:bg>
+    <p:spTree>
+      <p:nvGrpSpPr>
+        <p:cNvPr id="1" name=""/>
+        <p:cNvGrpSpPr/>
+        <p:nvPr/>
+      </p:nvGrpSpPr>
+      <p:grpSpPr>
+        <a:xfrm>
+          <a:off x="0" y="0"/>
+          <a:ext cx="0" cy="0"/>
+          <a:chOff x="0" y="0"/>
+          <a:chExt cx="0" cy="0"/>
+        </a:xfrm>
+      </p:grpSpPr>
+      <p:sp useBgFill="1">
+        <p:nvSpPr>
+          <p:cNvPr id="73" name="Rectangle 72">
+            <a:extLst>
+              <a:ext uri="{FF2B5EF4-FFF2-40B4-BE49-F238E27FC236}">
+                <a16:creationId xmlns:a16="http://schemas.microsoft.com/office/drawing/2014/main" id="{F4979F40-3A44-4CCB-9EB7-F8318BCE576B}"/>
+              </a:ext>
+              <a:ext uri="{C183D7F6-B498-43B3-948B-1728B52AA6E4}">
+                <adec:decorative xmlns:adec="http://schemas.microsoft.com/office/drawing/2017/decorative" val="1"/>
+              </a:ext>
+            </a:extLst>
+          </p:cNvPr>
+          <p:cNvSpPr>
+            <a:spLocks noGrp="1" noRot="1" noChangeAspect="1" noMove="1" noResize="1" noEditPoints="1" noAdjustHandles="1" noChangeArrowheads="1" noChangeShapeType="1" noTextEdit="1"/>
+          </p:cNvSpPr>
+          <p:nvPr>
+            <p:extLst>
+              <p:ext uri="{386F3935-93C4-4BCD-93E2-E3B085C9AB24}">
+                <p16:designElem xmlns:p16="http://schemas.microsoft.com/office/powerpoint/2015/main" val="1"/>
+              </p:ext>
+            </p:extLst>
+          </p:nvPr>
+        </p:nvSpPr>
+        <p:spPr>
+          <a:xfrm>
+            <a:off x="0" y="-1"/>
+            <a:ext cx="12188824" cy="6858001"/>
+          </a:xfrm>
+          <a:prstGeom prst="rect">
+            <a:avLst/>
+          </a:prstGeom>
+          <a:ln>
+            <a:noFill/>
+          </a:ln>
+        </p:spPr>
+        <p:style>
+          <a:lnRef idx="2">
+            <a:schemeClr val="accent1">
+              <a:shade val="50000"/>
+            </a:schemeClr>
+          </a:lnRef>
+          <a:fillRef idx="1">
+            <a:schemeClr val="accent1"/>
+          </a:fillRef>
+          <a:effectRef idx="0">
+            <a:schemeClr val="accent1"/>
+          </a:effectRef>
+          <a:fontRef idx="minor">
+            <a:schemeClr val="lt1"/>
+          </a:fontRef>
+        </p:style>
+        <p:txBody>
+          <a:bodyPr rtlCol="0" anchor="ctr"/>
+          <a:lstStyle/>
+          <a:p>
+            <a:pPr algn="ctr"/>
+            <a:endParaRPr lang="en-US"/>
+          </a:p>
+        </p:txBody>
+      </p:sp>
+      <p:pic>
+        <p:nvPicPr>
+          <p:cNvPr id="75" name="Picture 74">
+            <a:extLst>
+              <a:ext uri="{FF2B5EF4-FFF2-40B4-BE49-F238E27FC236}">
+                <a16:creationId xmlns:a16="http://schemas.microsoft.com/office/drawing/2014/main" id="{15291D39-6B03-4BB5-BFC6-CBF11E90BFD6}"/>
+              </a:ext>
+              <a:ext uri="{C183D7F6-B498-43B3-948B-1728B52AA6E4}">
+                <adec:decorative xmlns:adec="http://schemas.microsoft.com/office/drawing/2017/decorative" val="1"/>
+              </a:ext>
+            </a:extLst>
+          </p:cNvPr>
+          <p:cNvPicPr>
+            <a:picLocks noGrp="1" noRot="1" noChangeAspect="1" noMove="1" noResize="1" noEditPoints="1" noAdjustHandles="1" noChangeArrowheads="1" noChangeShapeType="1" noCrop="1"/>
+          </p:cNvPicPr>
+          <p:nvPr>
+            <p:extLst>
+              <p:ext uri="{386F3935-93C4-4BCD-93E2-E3B085C9AB24}">
+                <p16:designElem xmlns:p16="http://schemas.microsoft.com/office/powerpoint/2015/main" val="1"/>
+              </p:ext>
+            </p:extLst>
+          </p:nvPr>
+        </p:nvPicPr>
+        <p:blipFill>
+          <a:blip r:embed="rId2">
+            <a:alphaModFix amt="10000"/>
+            <a:extLst>
+              <a:ext uri="{28A0092B-C50C-407E-A947-70E740481C1C}">
+                <a14:useLocalDpi xmlns:a14="http://schemas.microsoft.com/office/drawing/2010/main" val="0"/>
+              </a:ext>
+            </a:extLst>
+          </a:blip>
+          <a:stretch>
+            <a:fillRect/>
+          </a:stretch>
+        </p:blipFill>
+        <p:spPr>
+          <a:xfrm>
+            <a:off x="-3176" y="0"/>
+            <a:ext cx="12192000" cy="6858000"/>
+          </a:xfrm>
+          <a:prstGeom prst="rect">
+            <a:avLst/>
+          </a:prstGeom>
+        </p:spPr>
+      </p:pic>
+      <p:sp>
+        <p:nvSpPr>
+          <p:cNvPr id="77" name="Rectangle 76">
+            <a:extLst>
+              <a:ext uri="{FF2B5EF4-FFF2-40B4-BE49-F238E27FC236}">
+                <a16:creationId xmlns:a16="http://schemas.microsoft.com/office/drawing/2014/main" id="{AFD071FA-0514-4371-9568-86216A1F4658}"/>
+              </a:ext>
+              <a:ext uri="{C183D7F6-B498-43B3-948B-1728B52AA6E4}">
+                <adec:decorative xmlns:adec="http://schemas.microsoft.com/office/drawing/2017/decorative" val="1"/>
+              </a:ext>
+            </a:extLst>
+          </p:cNvPr>
+          <p:cNvSpPr>
+            <a:spLocks noGrp="1" noRot="1" noChangeAspect="1" noMove="1" noResize="1" noEditPoints="1" noAdjustHandles="1" noChangeArrowheads="1" noChangeShapeType="1" noTextEdit="1"/>
+          </p:cNvSpPr>
+          <p:nvPr>
+            <p:extLst>
+              <p:ext uri="{386F3935-93C4-4BCD-93E2-E3B085C9AB24}">
+                <p16:designElem xmlns:p16="http://schemas.microsoft.com/office/powerpoint/2015/main" val="1"/>
+              </p:ext>
+            </p:extLst>
+          </p:nvPr>
+        </p:nvSpPr>
+        <p:spPr>
+          <a:xfrm>
+            <a:off x="4639056" y="0"/>
+            <a:ext cx="7552944" cy="6858001"/>
+          </a:xfrm>
+          <a:prstGeom prst="rect">
+            <a:avLst/>
+          </a:prstGeom>
+          <a:ln>
+            <a:noFill/>
+          </a:ln>
+        </p:spPr>
+        <p:style>
+          <a:lnRef idx="2">
+            <a:schemeClr val="accent1">
+              <a:shade val="50000"/>
+            </a:schemeClr>
+          </a:lnRef>
+          <a:fillRef idx="1">
+            <a:schemeClr val="accent1"/>
+          </a:fillRef>
+          <a:effectRef idx="0">
+            <a:schemeClr val="accent1"/>
+          </a:effectRef>
+          <a:fontRef idx="minor">
+            <a:schemeClr val="lt1"/>
+          </a:fontRef>
+        </p:style>
+        <p:txBody>
+          <a:bodyPr rtlCol="0" anchor="ctr"/>
+          <a:lstStyle/>
+          <a:p>
+            <a:pPr algn="ctr"/>
+            <a:endParaRPr lang="en-US"/>
+          </a:p>
+        </p:txBody>
+      </p:sp>
+      <p:sp>
+        <p:nvSpPr>
+          <p:cNvPr id="79" name="Rectangle 78">
+            <a:extLst>
+              <a:ext uri="{FF2B5EF4-FFF2-40B4-BE49-F238E27FC236}">
+                <a16:creationId xmlns:a16="http://schemas.microsoft.com/office/drawing/2014/main" id="{5211DDA4-E7B5-4325-A844-B7F59B084BA7}"/>
+              </a:ext>
+              <a:ext uri="{C183D7F6-B498-43B3-948B-1728B52AA6E4}">
+                <adec:decorative xmlns:adec="http://schemas.microsoft.com/office/drawing/2017/decorative" val="1"/>
+              </a:ext>
+            </a:extLst>
+          </p:cNvPr>
+          <p:cNvSpPr>
+            <a:spLocks noGrp="1" noRot="1" noChangeAspect="1" noMove="1" noResize="1" noEditPoints="1" noAdjustHandles="1" noChangeArrowheads="1" noChangeShapeType="1" noTextEdit="1"/>
+          </p:cNvSpPr>
+          <p:nvPr>
+            <p:extLst>
+              <p:ext uri="{386F3935-93C4-4BCD-93E2-E3B085C9AB24}">
+                <p16:designElem xmlns:p16="http://schemas.microsoft.com/office/powerpoint/2015/main" val="1"/>
+              </p:ext>
+            </p:extLst>
+          </p:nvPr>
+        </p:nvSpPr>
+        <p:spPr bwMode="grayWhite">
+          <a:xfrm>
+            <a:off x="2" y="609600"/>
+            <a:ext cx="4959094" cy="1368198"/>
+          </a:xfrm>
+          <a:prstGeom prst="rect">
+            <a:avLst/>
+          </a:prstGeom>
+          <a:solidFill>
+            <a:schemeClr val="bg1">
+              <a:lumMod val="85000"/>
+              <a:lumOff val="15000"/>
+            </a:schemeClr>
+          </a:solidFill>
+          <a:ln>
+            <a:noFill/>
+          </a:ln>
+        </p:spPr>
+        <p:style>
+          <a:lnRef idx="2">
+            <a:schemeClr val="accent1">
+              <a:shade val="50000"/>
+            </a:schemeClr>
+          </a:lnRef>
+          <a:fillRef idx="1">
+            <a:schemeClr val="accent1"/>
+          </a:fillRef>
+          <a:effectRef idx="0">
+            <a:schemeClr val="accent1"/>
+          </a:effectRef>
+          <a:fontRef idx="minor">
+            <a:schemeClr val="lt1"/>
+          </a:fontRef>
+        </p:style>
+      </p:sp>
+      <p:sp>
+        <p:nvSpPr>
+          <p:cNvPr id="2" name="Title 1">
+            <a:extLst>
+              <a:ext uri="{FF2B5EF4-FFF2-40B4-BE49-F238E27FC236}">
+                <a16:creationId xmlns:a16="http://schemas.microsoft.com/office/drawing/2014/main" id="{DAB97BFB-078A-4095-B016-B65F91CDF582}"/>
+              </a:ext>
+            </a:extLst>
+          </p:cNvPr>
+          <p:cNvSpPr>
+            <a:spLocks noGrp="1"/>
+          </p:cNvSpPr>
+          <p:nvPr>
+            <p:ph type="title"/>
+          </p:nvPr>
+        </p:nvSpPr>
+        <p:spPr>
+          <a:xfrm>
+            <a:off x="680321" y="753228"/>
+            <a:ext cx="4136123" cy="1080938"/>
+          </a:xfrm>
+        </p:spPr>
+        <p:txBody>
+          <a:bodyPr>
+            <a:normAutofit/>
+          </a:bodyPr>
+          <a:lstStyle/>
+          <a:p>
+            <a:r>
+              <a:rPr lang="en-IN" sz="2400"/>
+              <a:t>Discriminator Strategy</a:t>
+            </a:r>
+          </a:p>
+        </p:txBody>
+      </p:sp>
+      <p:pic>
+        <p:nvPicPr>
+          <p:cNvPr id="81" name="Picture 80">
+            <a:extLst>
+              <a:ext uri="{FF2B5EF4-FFF2-40B4-BE49-F238E27FC236}">
+                <a16:creationId xmlns:a16="http://schemas.microsoft.com/office/drawing/2014/main" id="{0D58E222-6309-4F79-AC20-9D3C69CD9B16}"/>
+              </a:ext>
+              <a:ext uri="{C183D7F6-B498-43B3-948B-1728B52AA6E4}">
+                <adec:decorative xmlns:adec="http://schemas.microsoft.com/office/drawing/2017/decorative" val="1"/>
+              </a:ext>
+            </a:extLst>
+          </p:cNvPr>
+          <p:cNvPicPr>
+            <a:picLocks noGrp="1" noRot="1" noChangeAspect="1" noMove="1" noResize="1" noEditPoints="1" noAdjustHandles="1" noChangeArrowheads="1" noChangeShapeType="1" noCrop="1"/>
+          </p:cNvPicPr>
+          <p:nvPr>
+            <p:extLst>
+              <p:ext uri="{386F3935-93C4-4BCD-93E2-E3B085C9AB24}">
+                <p16:designElem xmlns:p16="http://schemas.microsoft.com/office/powerpoint/2015/main" val="1"/>
+              </p:ext>
+            </p:extLst>
+          </p:nvPr>
+        </p:nvPicPr>
+        <p:blipFill>
+          <a:blip r:embed="rId3">
+            <a:extLst>
+              <a:ext uri="{28A0092B-C50C-407E-A947-70E740481C1C}">
+                <a14:useLocalDpi xmlns:a14="http://schemas.microsoft.com/office/drawing/2010/main" val="0"/>
+              </a:ext>
+            </a:extLst>
+          </a:blip>
+          <a:stretch>
+            <a:fillRect/>
+          </a:stretch>
+        </p:blipFill>
+        <p:spPr>
+          <a:xfrm>
+            <a:off x="2" y="1970241"/>
+            <a:ext cx="4956048" cy="199787"/>
+          </a:xfrm>
+          <a:prstGeom prst="rect">
+            <a:avLst/>
+          </a:prstGeom>
+        </p:spPr>
+      </p:pic>
+      <p:sp>
+        <p:nvSpPr>
+          <p:cNvPr id="3" name="Content Placeholder 2">
+            <a:extLst>
+              <a:ext uri="{FF2B5EF4-FFF2-40B4-BE49-F238E27FC236}">
+                <a16:creationId xmlns:a16="http://schemas.microsoft.com/office/drawing/2014/main" id="{2947BA0A-3538-40BB-95D5-0937B0F3E75C}"/>
+              </a:ext>
+            </a:extLst>
+          </p:cNvPr>
+          <p:cNvSpPr>
+            <a:spLocks noGrp="1"/>
+          </p:cNvSpPr>
+          <p:nvPr>
+            <p:ph idx="1"/>
+          </p:nvPr>
+        </p:nvSpPr>
+        <p:spPr>
+          <a:xfrm>
+            <a:off x="680321" y="2336873"/>
+            <a:ext cx="3656289" cy="3599316"/>
+          </a:xfrm>
+        </p:spPr>
+        <p:txBody>
+          <a:bodyPr>
+            <a:normAutofit/>
+          </a:bodyPr>
+          <a:lstStyle/>
+          <a:p>
+            <a:r>
+              <a:rPr lang="en-IN" sz="1400"/>
+              <a:t>Estimating this ratio using supervised learning is the key approximation mechanism used by GANs</a:t>
+            </a:r>
+          </a:p>
+          <a:p>
+            <a:endParaRPr lang="en-IN" sz="1400"/>
+          </a:p>
+        </p:txBody>
+      </p:sp>
+      <p:pic>
+        <p:nvPicPr>
+          <p:cNvPr id="196" name="Picture 195">
+            <a:extLst>
+              <a:ext uri="{FF2B5EF4-FFF2-40B4-BE49-F238E27FC236}">
+                <a16:creationId xmlns:a16="http://schemas.microsoft.com/office/drawing/2014/main" id="{EE154F0E-CE7A-4289-8373-8181DFEC4F02}"/>
+              </a:ext>
+            </a:extLst>
+          </p:cNvPr>
+          <p:cNvPicPr>
+            <a:picLocks noChangeAspect="1"/>
+          </p:cNvPicPr>
+          <p:nvPr/>
+        </p:nvPicPr>
+        <p:blipFill>
+          <a:blip r:embed="rId4"/>
+          <a:stretch>
+            <a:fillRect/>
+          </a:stretch>
+        </p:blipFill>
+        <p:spPr>
+          <a:xfrm>
+            <a:off x="5276090" y="858514"/>
+            <a:ext cx="6269479" cy="5140972"/>
+          </a:xfrm>
+          <a:prstGeom prst="rect">
+            <a:avLst/>
+          </a:prstGeom>
+          <a:ln>
+            <a:noFill/>
+          </a:ln>
+          <a:effectLst>
+            <a:outerShdw blurRad="76200" dist="63500" dir="5040000" algn="tl" rotWithShape="0">
+              <a:srgbClr val="000000">
+                <a:alpha val="41000"/>
+              </a:srgbClr>
+            </a:outerShdw>
+          </a:effectLst>
+        </p:spPr>
+      </p:pic>
+    </p:spTree>
+    <p:extLst>
+      <p:ext uri="{BB962C8B-B14F-4D97-AF65-F5344CB8AC3E}">
+        <p14:creationId xmlns:p14="http://schemas.microsoft.com/office/powerpoint/2010/main" val="2323724049"/>
+      </p:ext>
+    </p:extLst>
+  </p:cSld>
+  <p:clrMapOvr>
+    <a:masterClrMapping/>
+  </p:clrMapOvr>
+</p:sld>
+</file>
+
+<file path=ppt/slides/slide8.xml><?xml version="1.0" encoding="utf-8"?>
+<p:sld xmlns:a="http://schemas.openxmlformats.org/drawingml/2006/main" xmlns:r="http://schemas.openxmlformats.org/officeDocument/2006/relationships" xmlns:p="http://schemas.openxmlformats.org/presentationml/2006/main">
+  <p:cSld>
+    <p:spTree>
+      <p:nvGrpSpPr>
+        <p:cNvPr id="1" name=""/>
+        <p:cNvGrpSpPr/>
+        <p:nvPr/>
+      </p:nvGrpSpPr>
+      <p:grpSpPr>
+        <a:xfrm>
+          <a:off x="0" y="0"/>
+          <a:ext cx="0" cy="0"/>
+          <a:chOff x="0" y="0"/>
+          <a:chExt cx="0" cy="0"/>
+        </a:xfrm>
+      </p:grpSpPr>
+      <p:sp>
+        <p:nvSpPr>
+          <p:cNvPr id="2" name="Title 1">
+            <a:extLst>
+              <a:ext uri="{FF2B5EF4-FFF2-40B4-BE49-F238E27FC236}">
+                <a16:creationId xmlns:a16="http://schemas.microsoft.com/office/drawing/2014/main" id="{FC3F4C0B-7243-4806-BA03-1906BF7590D1}"/>
+              </a:ext>
+            </a:extLst>
+          </p:cNvPr>
+          <p:cNvSpPr>
+            <a:spLocks noGrp="1"/>
+          </p:cNvSpPr>
+          <p:nvPr>
+            <p:ph type="title"/>
+          </p:nvPr>
+        </p:nvSpPr>
+        <p:spPr/>
+        <p:txBody>
+          <a:bodyPr/>
+          <a:lstStyle/>
+          <a:p>
+            <a:r>
+              <a:rPr lang="en-IN" dirty="0"/>
+              <a:t>Advantages</a:t>
+            </a:r>
+          </a:p>
+        </p:txBody>
+      </p:sp>
+      <p:sp>
+        <p:nvSpPr>
+          <p:cNvPr id="3" name="Content Placeholder 2">
+            <a:extLst>
+              <a:ext uri="{FF2B5EF4-FFF2-40B4-BE49-F238E27FC236}">
+                <a16:creationId xmlns:a16="http://schemas.microsoft.com/office/drawing/2014/main" id="{79FB86CC-D8D0-4B54-9838-02BE87124BAA}"/>
+              </a:ext>
+            </a:extLst>
+          </p:cNvPr>
+          <p:cNvSpPr>
+            <a:spLocks noGrp="1"/>
+          </p:cNvSpPr>
+          <p:nvPr>
+            <p:ph idx="1"/>
+          </p:nvPr>
+        </p:nvSpPr>
+        <p:spPr/>
+        <p:txBody>
+          <a:bodyPr/>
+          <a:lstStyle/>
+          <a:p>
+            <a:r>
+              <a:rPr lang="en-IN" dirty="0"/>
+              <a:t>Use of Latent code – unlike fully visible belief nets</a:t>
+            </a:r>
+          </a:p>
+          <a:p>
+            <a:r>
+              <a:rPr lang="en-IN" dirty="0"/>
+              <a:t>Asymptotically consistent – Advantage over variational methods</a:t>
+            </a:r>
+          </a:p>
+          <a:p>
+            <a:r>
+              <a:rPr lang="en-IN" dirty="0"/>
+              <a:t>No Markov Chains needed</a:t>
+            </a:r>
+          </a:p>
+          <a:p>
+            <a:r>
+              <a:rPr lang="en-IN" dirty="0"/>
+              <a:t>Often regarded as producing the best samples</a:t>
+            </a:r>
+          </a:p>
+        </p:txBody>
+      </p:sp>
+    </p:spTree>
+    <p:extLst>
+      <p:ext uri="{BB962C8B-B14F-4D97-AF65-F5344CB8AC3E}">
+        <p14:creationId xmlns:p14="http://schemas.microsoft.com/office/powerpoint/2010/main" val="8496570"/>
+      </p:ext>
+    </p:extLst>
+  </p:cSld>
+  <p:clrMapOvr>
+    <a:masterClrMapping/>
+  </p:clrMapOvr>
+</p:sld>
+</file>
+
+<file path=ppt/slides/slide9.xml><?xml version="1.0" encoding="utf-8"?>
+<p:sld xmlns:a="http://schemas.openxmlformats.org/drawingml/2006/main" xmlns:r="http://schemas.openxmlformats.org/officeDocument/2006/relationships" xmlns:p="http://schemas.openxmlformats.org/presentationml/2006/main">
+  <p:cSld>
+    <p:spTree>
+      <p:nvGrpSpPr>
+        <p:cNvPr id="1" name=""/>
+        <p:cNvGrpSpPr/>
+        <p:nvPr/>
+      </p:nvGrpSpPr>
+      <p:grpSpPr>
+        <a:xfrm>
+          <a:off x="0" y="0"/>
+          <a:ext cx="0" cy="0"/>
+          <a:chOff x="0" y="0"/>
+          <a:chExt cx="0" cy="0"/>
+        </a:xfrm>
+      </p:grpSpPr>
+      <p:sp>
+        <p:nvSpPr>
+          <p:cNvPr id="2" name="Title 1">
+            <a:extLst>
+              <a:ext uri="{FF2B5EF4-FFF2-40B4-BE49-F238E27FC236}">
+                <a16:creationId xmlns:a16="http://schemas.microsoft.com/office/drawing/2014/main" id="{E1E88E15-D42B-40E3-AE85-7AD6D6FF6253}"/>
+              </a:ext>
+            </a:extLst>
+          </p:cNvPr>
+          <p:cNvSpPr>
+            <a:spLocks noGrp="1"/>
+          </p:cNvSpPr>
+          <p:nvPr>
+            <p:ph type="title"/>
+          </p:nvPr>
+        </p:nvSpPr>
+        <p:spPr/>
+        <p:txBody>
+          <a:bodyPr/>
+          <a:lstStyle/>
+          <a:p>
+            <a:r>
+              <a:rPr lang="en-IN" dirty="0"/>
+              <a:t>Comparison with Other Frameworks</a:t>
+            </a:r>
+          </a:p>
+        </p:txBody>
+      </p:sp>
+      <p:sp>
+        <p:nvSpPr>
+          <p:cNvPr id="3" name="Content Placeholder 2">
+            <a:extLst>
+              <a:ext uri="{FF2B5EF4-FFF2-40B4-BE49-F238E27FC236}">
+                <a16:creationId xmlns:a16="http://schemas.microsoft.com/office/drawing/2014/main" id="{70F367C4-0AFE-4082-B89A-F832DCFD12B3}"/>
+              </a:ext>
+            </a:extLst>
+          </p:cNvPr>
+          <p:cNvSpPr>
+            <a:spLocks noGrp="1"/>
+          </p:cNvSpPr>
+          <p:nvPr>
+            <p:ph idx="1"/>
+          </p:nvPr>
+        </p:nvSpPr>
+        <p:spPr/>
+        <p:txBody>
+          <a:bodyPr/>
+          <a:lstStyle/>
+          <a:p>
+            <a:endParaRPr lang="en-IN" dirty="0"/>
+          </a:p>
+        </p:txBody>
+      </p:sp>
+    </p:spTree>
+    <p:extLst>
+      <p:ext uri="{BB962C8B-B14F-4D97-AF65-F5344CB8AC3E}">
+        <p14:creationId xmlns:p14="http://schemas.microsoft.com/office/powerpoint/2010/main" val="2173195929"/>
       </p:ext>
     </p:extLst>
   </p:cSld>

--- a/GANs_Presentation.pptx
+++ b/GANs_Presentation.pptx
@@ -5,7 +5,7 @@
     <p:sldMasterId id="2147483660" r:id="rId1"/>
   </p:sldMasterIdLst>
   <p:notesMasterIdLst>
-    <p:notesMasterId r:id="rId14"/>
+    <p:notesMasterId r:id="rId15"/>
   </p:notesMasterIdLst>
   <p:sldIdLst>
     <p:sldId id="257" r:id="rId2"/>
@@ -16,10 +16,11 @@
     <p:sldId id="261" r:id="rId7"/>
     <p:sldId id="267" r:id="rId8"/>
     <p:sldId id="262" r:id="rId9"/>
-    <p:sldId id="263" r:id="rId10"/>
-    <p:sldId id="270" r:id="rId11"/>
-    <p:sldId id="264" r:id="rId12"/>
-    <p:sldId id="266" r:id="rId13"/>
+    <p:sldId id="271" r:id="rId10"/>
+    <p:sldId id="263" r:id="rId11"/>
+    <p:sldId id="270" r:id="rId12"/>
+    <p:sldId id="264" r:id="rId13"/>
+    <p:sldId id="266" r:id="rId14"/>
   </p:sldIdLst>
   <p:sldSz cx="12192000" cy="6858000"/>
   <p:notesSz cx="6858000" cy="9144000"/>
@@ -139,6 +140,7 @@
         </p14:section>
         <p14:section name="Conclusion" id="{13D64738-9391-4AE5-B6DE-4045F8B8B114}">
           <p14:sldIdLst>
+            <p14:sldId id="271"/>
             <p14:sldId id="263"/>
             <p14:sldId id="270"/>
             <p14:sldId id="264"/>
@@ -21306,7 +21308,7 @@
           <a:p>
             <a:fld id="{EF1F8642-D45F-4091-BD92-9872F55A1863}" type="datetimeFigureOut">
               <a:rPr lang="en-IN" smtClean="0"/>
-              <a:t>27-11-2021</a:t>
+              <a:t>28-11-2021</a:t>
             </a:fld>
             <a:endParaRPr lang="en-IN"/>
           </a:p>
@@ -22207,6 +22209,123 @@
           <a:bodyPr/>
           <a:lstStyle/>
           <a:p>
+            <a:pPr marL="228600" indent="-228600">
+              <a:buAutoNum type="alphaLcParenR"/>
+            </a:pPr>
+            <a:r>
+              <a:rPr lang="en-IN" dirty="0"/>
+              <a:t>MNIST dataset</a:t>
+            </a:r>
+          </a:p>
+          <a:p>
+            <a:pPr marL="228600" indent="-228600">
+              <a:buAutoNum type="alphaLcParenR"/>
+            </a:pPr>
+            <a:r>
+              <a:rPr lang="en-IN" dirty="0"/>
+              <a:t>TFD dataset</a:t>
+            </a:r>
+          </a:p>
+          <a:p>
+            <a:pPr marL="228600" indent="-228600">
+              <a:buAutoNum type="alphaLcParenR"/>
+            </a:pPr>
+            <a:r>
+              <a:rPr lang="en-IN" dirty="0"/>
+              <a:t>CIFAR-10 -&gt; fully connected model</a:t>
+            </a:r>
+          </a:p>
+          <a:p>
+            <a:pPr marL="228600" indent="-228600">
+              <a:buAutoNum type="alphaLcParenR"/>
+            </a:pPr>
+            <a:r>
+              <a:rPr lang="en-IN" dirty="0"/>
+              <a:t>CIFAR-10 -&gt; Convolutional discriminator and “deconvolutional” generator</a:t>
+            </a:r>
+          </a:p>
+        </p:txBody>
+      </p:sp>
+      <p:sp>
+        <p:nvSpPr>
+          <p:cNvPr id="4" name="Slide Number Placeholder 3"/>
+          <p:cNvSpPr>
+            <a:spLocks noGrp="1"/>
+          </p:cNvSpPr>
+          <p:nvPr>
+            <p:ph type="sldNum" sz="quarter" idx="5"/>
+          </p:nvPr>
+        </p:nvSpPr>
+        <p:spPr/>
+        <p:txBody>
+          <a:bodyPr/>
+          <a:lstStyle/>
+          <a:p>
+            <a:fld id="{A914F299-9927-4EE6-A360-E92782AD9637}" type="slidenum">
+              <a:rPr lang="en-IN" smtClean="0"/>
+              <a:t>9</a:t>
+            </a:fld>
+            <a:endParaRPr lang="en-IN"/>
+          </a:p>
+        </p:txBody>
+      </p:sp>
+    </p:spTree>
+    <p:extLst>
+      <p:ext uri="{BB962C8B-B14F-4D97-AF65-F5344CB8AC3E}">
+        <p14:creationId xmlns:p14="http://schemas.microsoft.com/office/powerpoint/2010/main" val="1564099153"/>
+      </p:ext>
+    </p:extLst>
+  </p:cSld>
+  <p:clrMapOvr>
+    <a:masterClrMapping/>
+  </p:clrMapOvr>
+</p:notes>
+</file>
+
+<file path=ppt/notesSlides/notesSlide8.xml><?xml version="1.0" encoding="utf-8"?>
+<p:notes xmlns:a="http://schemas.openxmlformats.org/drawingml/2006/main" xmlns:r="http://schemas.openxmlformats.org/officeDocument/2006/relationships" xmlns:p="http://schemas.openxmlformats.org/presentationml/2006/main">
+  <p:cSld>
+    <p:spTree>
+      <p:nvGrpSpPr>
+        <p:cNvPr id="1" name=""/>
+        <p:cNvGrpSpPr/>
+        <p:nvPr/>
+      </p:nvGrpSpPr>
+      <p:grpSpPr>
+        <a:xfrm>
+          <a:off x="0" y="0"/>
+          <a:ext cx="0" cy="0"/>
+          <a:chOff x="0" y="0"/>
+          <a:chExt cx="0" cy="0"/>
+        </a:xfrm>
+      </p:grpSpPr>
+      <p:sp>
+        <p:nvSpPr>
+          <p:cNvPr id="2" name="Slide Image Placeholder 1"/>
+          <p:cNvSpPr>
+            <a:spLocks noGrp="1" noRot="1" noChangeAspect="1"/>
+          </p:cNvSpPr>
+          <p:nvPr>
+            <p:ph type="sldImg"/>
+          </p:nvPr>
+        </p:nvSpPr>
+        <p:spPr/>
+      </p:sp>
+      <p:sp>
+        <p:nvSpPr>
+          <p:cNvPr id="3" name="Notes Placeholder 2"/>
+          <p:cNvSpPr>
+            <a:spLocks noGrp="1"/>
+          </p:cNvSpPr>
+          <p:nvPr>
+            <p:ph type="body" idx="1"/>
+          </p:nvPr>
+        </p:nvSpPr>
+        <p:spPr/>
+        <p:txBody>
+          <a:bodyPr/>
+          <a:lstStyle/>
+          <a:p>
             <a:r>
               <a:rPr lang="en-IN" dirty="0"/>
               <a:t>Now, let me provide why at all to use Generative Adversarial Networks? Use of Latent code, which is basically transforming our input space into latent space that allows dimension reduction. Unlike Fully visible belief nets, we can have reduces number of features. To provide an example, Imagine running this model for 4K image, which basically has over 4000 pixels, each of these pixels become a feature in your NN. Training all these features will require a very high compute power. </a:t>
@@ -22257,7 +22376,7 @@
           <a:p>
             <a:fld id="{A914F299-9927-4EE6-A360-E92782AD9637}" type="slidenum">
               <a:rPr lang="en-IN" smtClean="0"/>
-              <a:t>9</a:t>
+              <a:t>10</a:t>
             </a:fld>
             <a:endParaRPr lang="en-IN"/>
           </a:p>
@@ -22276,7 +22395,7 @@
 </p:notes>
 </file>
 
-<file path=ppt/notesSlides/notesSlide8.xml><?xml version="1.0" encoding="utf-8"?>
+<file path=ppt/notesSlides/notesSlide9.xml><?xml version="1.0" encoding="utf-8"?>
 <p:notes xmlns:a="http://schemas.openxmlformats.org/drawingml/2006/main" xmlns:r="http://schemas.openxmlformats.org/officeDocument/2006/relationships" xmlns:p="http://schemas.openxmlformats.org/presentationml/2006/main">
   <p:cSld>
     <p:spTree>
@@ -22341,7 +22460,7 @@
           <a:p>
             <a:fld id="{A914F299-9927-4EE6-A360-E92782AD9637}" type="slidenum">
               <a:rPr lang="en-IN" smtClean="0"/>
-              <a:t>10</a:t>
+              <a:t>11</a:t>
             </a:fld>
             <a:endParaRPr lang="en-IN"/>
           </a:p>
@@ -22634,7 +22753,7 @@
           <a:p>
             <a:fld id="{C867DA01-B677-4D1B-BA60-C7EAB0069DDD}" type="datetimeFigureOut">
               <a:rPr lang="en-IN" smtClean="0"/>
-              <a:t>27-11-2021</a:t>
+              <a:t>28-11-2021</a:t>
             </a:fld>
             <a:endParaRPr lang="en-IN"/>
           </a:p>
@@ -23048,7 +23167,7 @@
           <a:p>
             <a:fld id="{C867DA01-B677-4D1B-BA60-C7EAB0069DDD}" type="datetimeFigureOut">
               <a:rPr lang="en-IN" smtClean="0"/>
-              <a:t>27-11-2021</a:t>
+              <a:t>28-11-2021</a:t>
             </a:fld>
             <a:endParaRPr lang="en-IN"/>
           </a:p>
@@ -23384,7 +23503,7 @@
           <a:p>
             <a:fld id="{C867DA01-B677-4D1B-BA60-C7EAB0069DDD}" type="datetimeFigureOut">
               <a:rPr lang="en-IN" smtClean="0"/>
-              <a:t>27-11-2021</a:t>
+              <a:t>28-11-2021</a:t>
             </a:fld>
             <a:endParaRPr lang="en-IN"/>
           </a:p>
@@ -23789,7 +23908,7 @@
           <a:p>
             <a:fld id="{C867DA01-B677-4D1B-BA60-C7EAB0069DDD}" type="datetimeFigureOut">
               <a:rPr lang="en-IN" smtClean="0"/>
-              <a:t>27-11-2021</a:t>
+              <a:t>28-11-2021</a:t>
             </a:fld>
             <a:endParaRPr lang="en-IN"/>
           </a:p>
@@ -24357,7 +24476,7 @@
           <a:p>
             <a:fld id="{C867DA01-B677-4D1B-BA60-C7EAB0069DDD}" type="datetimeFigureOut">
               <a:rPr lang="en-IN" smtClean="0"/>
-              <a:t>27-11-2021</a:t>
+              <a:t>28-11-2021</a:t>
             </a:fld>
             <a:endParaRPr lang="en-IN"/>
           </a:p>
@@ -25038,7 +25157,7 @@
           <a:p>
             <a:fld id="{C867DA01-B677-4D1B-BA60-C7EAB0069DDD}" type="datetimeFigureOut">
               <a:rPr lang="en-IN" smtClean="0"/>
-              <a:t>27-11-2021</a:t>
+              <a:t>28-11-2021</a:t>
             </a:fld>
             <a:endParaRPr lang="en-IN"/>
           </a:p>
@@ -25951,7 +26070,7 @@
           <a:p>
             <a:fld id="{C867DA01-B677-4D1B-BA60-C7EAB0069DDD}" type="datetimeFigureOut">
               <a:rPr lang="en-IN" smtClean="0"/>
-              <a:t>27-11-2021</a:t>
+              <a:t>28-11-2021</a:t>
             </a:fld>
             <a:endParaRPr lang="en-IN"/>
           </a:p>
@@ -26264,7 +26383,7 @@
           <a:p>
             <a:fld id="{C867DA01-B677-4D1B-BA60-C7EAB0069DDD}" type="datetimeFigureOut">
               <a:rPr lang="en-IN" smtClean="0"/>
-              <a:t>27-11-2021</a:t>
+              <a:t>28-11-2021</a:t>
             </a:fld>
             <a:endParaRPr lang="en-IN"/>
           </a:p>
@@ -26528,7 +26647,7 @@
           <a:p>
             <a:fld id="{C867DA01-B677-4D1B-BA60-C7EAB0069DDD}" type="datetimeFigureOut">
               <a:rPr lang="en-IN" smtClean="0"/>
-              <a:t>27-11-2021</a:t>
+              <a:t>28-11-2021</a:t>
             </a:fld>
             <a:endParaRPr lang="en-IN"/>
           </a:p>
@@ -26851,7 +26970,7 @@
           <a:p>
             <a:fld id="{C867DA01-B677-4D1B-BA60-C7EAB0069DDD}" type="datetimeFigureOut">
               <a:rPr lang="en-IN" smtClean="0"/>
-              <a:t>27-11-2021</a:t>
+              <a:t>28-11-2021</a:t>
             </a:fld>
             <a:endParaRPr lang="en-IN"/>
           </a:p>
@@ -27240,7 +27359,7 @@
           <a:p>
             <a:fld id="{C867DA01-B677-4D1B-BA60-C7EAB0069DDD}" type="datetimeFigureOut">
               <a:rPr lang="en-IN" smtClean="0"/>
-              <a:t>27-11-2021</a:t>
+              <a:t>28-11-2021</a:t>
             </a:fld>
             <a:endParaRPr lang="en-IN"/>
           </a:p>
@@ -27616,7 +27735,7 @@
           <a:p>
             <a:fld id="{C867DA01-B677-4D1B-BA60-C7EAB0069DDD}" type="datetimeFigureOut">
               <a:rPr lang="en-IN" smtClean="0"/>
-              <a:t>27-11-2021</a:t>
+              <a:t>28-11-2021</a:t>
             </a:fld>
             <a:endParaRPr lang="en-IN"/>
           </a:p>
@@ -28122,7 +28241,7 @@
           <a:p>
             <a:fld id="{C867DA01-B677-4D1B-BA60-C7EAB0069DDD}" type="datetimeFigureOut">
               <a:rPr lang="en-IN" smtClean="0"/>
-              <a:t>27-11-2021</a:t>
+              <a:t>28-11-2021</a:t>
             </a:fld>
             <a:endParaRPr lang="en-IN"/>
           </a:p>
@@ -28379,7 +28498,7 @@
           <a:p>
             <a:fld id="{C867DA01-B677-4D1B-BA60-C7EAB0069DDD}" type="datetimeFigureOut">
               <a:rPr lang="en-IN" smtClean="0"/>
-              <a:t>27-11-2021</a:t>
+              <a:t>28-11-2021</a:t>
             </a:fld>
             <a:endParaRPr lang="en-IN"/>
           </a:p>
@@ -28542,7 +28661,7 @@
           <a:p>
             <a:fld id="{C867DA01-B677-4D1B-BA60-C7EAB0069DDD}" type="datetimeFigureOut">
               <a:rPr lang="en-IN" smtClean="0"/>
-              <a:t>27-11-2021</a:t>
+              <a:t>28-11-2021</a:t>
             </a:fld>
             <a:endParaRPr lang="en-IN"/>
           </a:p>
@@ -28932,7 +29051,7 @@
           <a:p>
             <a:fld id="{C867DA01-B677-4D1B-BA60-C7EAB0069DDD}" type="datetimeFigureOut">
               <a:rPr lang="en-IN" smtClean="0"/>
-              <a:t>27-11-2021</a:t>
+              <a:t>28-11-2021</a:t>
             </a:fld>
             <a:endParaRPr lang="en-IN"/>
           </a:p>
@@ -29341,7 +29460,7 @@
           <a:p>
             <a:fld id="{C867DA01-B677-4D1B-BA60-C7EAB0069DDD}" type="datetimeFigureOut">
               <a:rPr lang="en-IN" smtClean="0"/>
-              <a:t>27-11-2021</a:t>
+              <a:t>28-11-2021</a:t>
             </a:fld>
             <a:endParaRPr lang="en-IN"/>
           </a:p>
@@ -29585,7 +29704,7 @@
           <a:p>
             <a:fld id="{C867DA01-B677-4D1B-BA60-C7EAB0069DDD}" type="datetimeFigureOut">
               <a:rPr lang="en-IN" smtClean="0"/>
-              <a:t>27-11-2021</a:t>
+              <a:t>28-11-2021</a:t>
             </a:fld>
             <a:endParaRPr lang="en-IN"/>
           </a:p>
@@ -30505,6 +30624,407 @@
       </p:grpSpPr>
       <p:sp useBgFill="1">
         <p:nvSpPr>
+          <p:cNvPr id="10" name="Rectangle 9">
+            <a:extLst>
+              <a:ext uri="{FF2B5EF4-FFF2-40B4-BE49-F238E27FC236}">
+                <a16:creationId xmlns:a16="http://schemas.microsoft.com/office/drawing/2014/main" id="{B2A773CA-28F4-49C2-BFA3-49A5867C7AFB}"/>
+              </a:ext>
+              <a:ext uri="{C183D7F6-B498-43B3-948B-1728B52AA6E4}">
+                <adec:decorative xmlns:adec="http://schemas.microsoft.com/office/drawing/2017/decorative" val="1"/>
+              </a:ext>
+            </a:extLst>
+          </p:cNvPr>
+          <p:cNvSpPr>
+            <a:spLocks noGrp="1" noRot="1" noChangeAspect="1" noMove="1" noResize="1" noEditPoints="1" noAdjustHandles="1" noChangeArrowheads="1" noChangeShapeType="1" noTextEdit="1"/>
+          </p:cNvSpPr>
+          <p:nvPr>
+            <p:extLst>
+              <p:ext uri="{386F3935-93C4-4BCD-93E2-E3B085C9AB24}">
+                <p16:designElem xmlns:p16="http://schemas.microsoft.com/office/powerpoint/2015/main" val="1"/>
+              </p:ext>
+            </p:extLst>
+          </p:nvPr>
+        </p:nvSpPr>
+        <p:spPr>
+          <a:xfrm>
+            <a:off x="0" y="0"/>
+            <a:ext cx="12188824" cy="6858000"/>
+          </a:xfrm>
+          <a:prstGeom prst="rect">
+            <a:avLst/>
+          </a:prstGeom>
+          <a:ln>
+            <a:noFill/>
+          </a:ln>
+        </p:spPr>
+        <p:style>
+          <a:lnRef idx="2">
+            <a:schemeClr val="accent1">
+              <a:shade val="50000"/>
+            </a:schemeClr>
+          </a:lnRef>
+          <a:fillRef idx="1">
+            <a:schemeClr val="accent1"/>
+          </a:fillRef>
+          <a:effectRef idx="0">
+            <a:schemeClr val="accent1"/>
+          </a:effectRef>
+          <a:fontRef idx="minor">
+            <a:schemeClr val="lt1"/>
+          </a:fontRef>
+        </p:style>
+        <p:txBody>
+          <a:bodyPr rtlCol="0" anchor="ctr"/>
+          <a:lstStyle/>
+          <a:p>
+            <a:pPr algn="ctr"/>
+            <a:endParaRPr lang="en-US"/>
+          </a:p>
+        </p:txBody>
+      </p:sp>
+      <p:pic>
+        <p:nvPicPr>
+          <p:cNvPr id="12" name="Picture 11">
+            <a:extLst>
+              <a:ext uri="{FF2B5EF4-FFF2-40B4-BE49-F238E27FC236}">
+                <a16:creationId xmlns:a16="http://schemas.microsoft.com/office/drawing/2014/main" id="{5D7C72BA-4476-4E4B-BC37-9A75FD0C5951}"/>
+              </a:ext>
+              <a:ext uri="{C183D7F6-B498-43B3-948B-1728B52AA6E4}">
+                <adec:decorative xmlns:adec="http://schemas.microsoft.com/office/drawing/2017/decorative" val="1"/>
+              </a:ext>
+            </a:extLst>
+          </p:cNvPr>
+          <p:cNvPicPr>
+            <a:picLocks noGrp="1" noRot="1" noChangeAspect="1" noMove="1" noResize="1" noEditPoints="1" noAdjustHandles="1" noChangeArrowheads="1" noChangeShapeType="1" noCrop="1"/>
+          </p:cNvPicPr>
+          <p:nvPr>
+            <p:extLst>
+              <p:ext uri="{386F3935-93C4-4BCD-93E2-E3B085C9AB24}">
+                <p16:designElem xmlns:p16="http://schemas.microsoft.com/office/powerpoint/2015/main" val="1"/>
+              </p:ext>
+            </p:extLst>
+          </p:nvPr>
+        </p:nvPicPr>
+        <p:blipFill>
+          <a:blip r:embed="rId3">
+            <a:alphaModFix amt="10000"/>
+            <a:extLst>
+              <a:ext uri="{28A0092B-C50C-407E-A947-70E740481C1C}">
+                <a14:useLocalDpi xmlns:a14="http://schemas.microsoft.com/office/drawing/2010/main" val="0"/>
+              </a:ext>
+            </a:extLst>
+          </a:blip>
+          <a:stretch>
+            <a:fillRect/>
+          </a:stretch>
+        </p:blipFill>
+        <p:spPr>
+          <a:xfrm>
+            <a:off x="0" y="0"/>
+            <a:ext cx="12192000" cy="6858000"/>
+          </a:xfrm>
+          <a:prstGeom prst="rect">
+            <a:avLst/>
+          </a:prstGeom>
+        </p:spPr>
+      </p:pic>
+      <p:sp>
+        <p:nvSpPr>
+          <p:cNvPr id="14" name="Rectangle 13">
+            <a:extLst>
+              <a:ext uri="{FF2B5EF4-FFF2-40B4-BE49-F238E27FC236}">
+                <a16:creationId xmlns:a16="http://schemas.microsoft.com/office/drawing/2014/main" id="{3009A16D-868B-4145-BBC6-555098537EC2}"/>
+              </a:ext>
+              <a:ext uri="{C183D7F6-B498-43B3-948B-1728B52AA6E4}">
+                <adec:decorative xmlns:adec="http://schemas.microsoft.com/office/drawing/2017/decorative" val="1"/>
+              </a:ext>
+            </a:extLst>
+          </p:cNvPr>
+          <p:cNvSpPr>
+            <a:spLocks noGrp="1" noRot="1" noChangeAspect="1" noMove="1" noResize="1" noEditPoints="1" noAdjustHandles="1" noChangeArrowheads="1" noChangeShapeType="1" noTextEdit="1"/>
+          </p:cNvSpPr>
+          <p:nvPr>
+            <p:extLst>
+              <p:ext uri="{386F3935-93C4-4BCD-93E2-E3B085C9AB24}">
+                <p16:designElem xmlns:p16="http://schemas.microsoft.com/office/powerpoint/2015/main" val="1"/>
+              </p:ext>
+            </p:extLst>
+          </p:nvPr>
+        </p:nvSpPr>
+        <p:spPr>
+          <a:xfrm>
+            <a:off x="4644527" y="0"/>
+            <a:ext cx="7552944" cy="6858001"/>
+          </a:xfrm>
+          <a:prstGeom prst="rect">
+            <a:avLst/>
+          </a:prstGeom>
+          <a:ln>
+            <a:noFill/>
+          </a:ln>
+        </p:spPr>
+        <p:style>
+          <a:lnRef idx="2">
+            <a:schemeClr val="accent1">
+              <a:shade val="50000"/>
+            </a:schemeClr>
+          </a:lnRef>
+          <a:fillRef idx="1">
+            <a:schemeClr val="accent1"/>
+          </a:fillRef>
+          <a:effectRef idx="0">
+            <a:schemeClr val="accent1"/>
+          </a:effectRef>
+          <a:fontRef idx="minor">
+            <a:schemeClr val="lt1"/>
+          </a:fontRef>
+        </p:style>
+        <p:txBody>
+          <a:bodyPr rtlCol="0" anchor="ctr"/>
+          <a:lstStyle/>
+          <a:p>
+            <a:pPr algn="ctr"/>
+            <a:endParaRPr lang="en-US"/>
+          </a:p>
+        </p:txBody>
+      </p:sp>
+      <p:pic>
+        <p:nvPicPr>
+          <p:cNvPr id="16" name="Picture 15">
+            <a:extLst>
+              <a:ext uri="{FF2B5EF4-FFF2-40B4-BE49-F238E27FC236}">
+                <a16:creationId xmlns:a16="http://schemas.microsoft.com/office/drawing/2014/main" id="{3992EB33-38E1-4175-8EE2-9BB8CC159C7B}"/>
+              </a:ext>
+              <a:ext uri="{C183D7F6-B498-43B3-948B-1728B52AA6E4}">
+                <adec:decorative xmlns:adec="http://schemas.microsoft.com/office/drawing/2017/decorative" val="1"/>
+              </a:ext>
+            </a:extLst>
+          </p:cNvPr>
+          <p:cNvPicPr>
+            <a:picLocks noGrp="1" noRot="1" noChangeAspect="1" noMove="1" noResize="1" noEditPoints="1" noAdjustHandles="1" noChangeArrowheads="1" noChangeShapeType="1" noCrop="1"/>
+          </p:cNvPicPr>
+          <p:nvPr>
+            <p:extLst>
+              <p:ext uri="{386F3935-93C4-4BCD-93E2-E3B085C9AB24}">
+                <p16:designElem xmlns:p16="http://schemas.microsoft.com/office/powerpoint/2015/main" val="1"/>
+              </p:ext>
+            </p:extLst>
+          </p:nvPr>
+        </p:nvPicPr>
+        <p:blipFill>
+          <a:blip r:embed="rId4" cstate="print">
+            <a:extLst>
+              <a:ext uri="{28A0092B-C50C-407E-A947-70E740481C1C}">
+                <a14:useLocalDpi xmlns:a14="http://schemas.microsoft.com/office/drawing/2010/main" val="0"/>
+              </a:ext>
+            </a:extLst>
+          </a:blip>
+          <a:stretch>
+            <a:fillRect/>
+          </a:stretch>
+        </p:blipFill>
+        <p:spPr>
+          <a:xfrm>
+            <a:off x="1" y="5006045"/>
+            <a:ext cx="4965192" cy="144668"/>
+          </a:xfrm>
+          <a:prstGeom prst="rect">
+            <a:avLst/>
+          </a:prstGeom>
+        </p:spPr>
+      </p:pic>
+      <p:sp>
+        <p:nvSpPr>
+          <p:cNvPr id="18" name="Rectangle 17">
+            <a:extLst>
+              <a:ext uri="{FF2B5EF4-FFF2-40B4-BE49-F238E27FC236}">
+                <a16:creationId xmlns:a16="http://schemas.microsoft.com/office/drawing/2014/main" id="{2DCAE5CF-5D29-4779-83E1-BDB64E4F30E5}"/>
+              </a:ext>
+              <a:ext uri="{C183D7F6-B498-43B3-948B-1728B52AA6E4}">
+                <adec:decorative xmlns:adec="http://schemas.microsoft.com/office/drawing/2017/decorative" val="1"/>
+              </a:ext>
+            </a:extLst>
+          </p:cNvPr>
+          <p:cNvSpPr>
+            <a:spLocks noGrp="1" noRot="1" noChangeAspect="1" noMove="1" noResize="1" noEditPoints="1" noAdjustHandles="1" noChangeArrowheads="1" noChangeShapeType="1" noTextEdit="1"/>
+          </p:cNvSpPr>
+          <p:nvPr>
+            <p:extLst>
+              <p:ext uri="{386F3935-93C4-4BCD-93E2-E3B085C9AB24}">
+                <p16:designElem xmlns:p16="http://schemas.microsoft.com/office/powerpoint/2015/main" val="1"/>
+              </p:ext>
+            </p:extLst>
+          </p:nvPr>
+        </p:nvSpPr>
+        <p:spPr>
+          <a:xfrm>
+            <a:off x="-1" y="1838764"/>
+            <a:ext cx="4964567" cy="3180473"/>
+          </a:xfrm>
+          <a:prstGeom prst="rect">
+            <a:avLst/>
+          </a:prstGeom>
+          <a:solidFill>
+            <a:schemeClr val="bg1">
+              <a:lumMod val="85000"/>
+              <a:lumOff val="15000"/>
+            </a:schemeClr>
+          </a:solidFill>
+          <a:ln>
+            <a:noFill/>
+          </a:ln>
+        </p:spPr>
+        <p:style>
+          <a:lnRef idx="2">
+            <a:schemeClr val="accent1">
+              <a:shade val="50000"/>
+            </a:schemeClr>
+          </a:lnRef>
+          <a:fillRef idx="1">
+            <a:schemeClr val="accent1"/>
+          </a:fillRef>
+          <a:effectRef idx="0">
+            <a:schemeClr val="accent1"/>
+          </a:effectRef>
+          <a:fontRef idx="minor">
+            <a:schemeClr val="lt1"/>
+          </a:fontRef>
+        </p:style>
+      </p:sp>
+      <p:sp>
+        <p:nvSpPr>
+          <p:cNvPr id="2" name="Title 1">
+            <a:extLst>
+              <a:ext uri="{FF2B5EF4-FFF2-40B4-BE49-F238E27FC236}">
+                <a16:creationId xmlns:a16="http://schemas.microsoft.com/office/drawing/2014/main" id="{FC3F4C0B-7243-4806-BA03-1906BF7590D1}"/>
+              </a:ext>
+            </a:extLst>
+          </p:cNvPr>
+          <p:cNvSpPr>
+            <a:spLocks noGrp="1"/>
+          </p:cNvSpPr>
+          <p:nvPr>
+            <p:ph type="title"/>
+          </p:nvPr>
+        </p:nvSpPr>
+        <p:spPr>
+          <a:xfrm>
+            <a:off x="680321" y="2063262"/>
+            <a:ext cx="3739279" cy="2661052"/>
+          </a:xfrm>
+        </p:spPr>
+        <p:txBody>
+          <a:bodyPr>
+            <a:normAutofit/>
+          </a:bodyPr>
+          <a:lstStyle/>
+          <a:p>
+            <a:pPr algn="r"/>
+            <a:r>
+              <a:rPr lang="en-IN" sz="4400"/>
+              <a:t>Advantages of GANs</a:t>
+            </a:r>
+          </a:p>
+        </p:txBody>
+      </p:sp>
+      <p:graphicFrame>
+        <p:nvGraphicFramePr>
+          <p:cNvPr id="5" name="Content Placeholder 2">
+            <a:extLst>
+              <a:ext uri="{FF2B5EF4-FFF2-40B4-BE49-F238E27FC236}">
+                <a16:creationId xmlns:a16="http://schemas.microsoft.com/office/drawing/2014/main" id="{B52EF1C8-5E2E-4E2E-8C6F-F37B9C52D799}"/>
+              </a:ext>
+            </a:extLst>
+          </p:cNvPr>
+          <p:cNvGraphicFramePr>
+            <a:graphicFrameLocks noGrp="1"/>
+          </p:cNvGraphicFramePr>
+          <p:nvPr>
+            <p:ph idx="1"/>
+            <p:extLst>
+              <p:ext uri="{D42A27DB-BD31-4B8C-83A1-F6EECF244321}">
+                <p14:modId xmlns:p14="http://schemas.microsoft.com/office/powerpoint/2010/main" val="2079238593"/>
+              </p:ext>
+            </p:extLst>
+          </p:nvPr>
+        </p:nvGraphicFramePr>
+        <p:xfrm>
+          <a:off x="5284788" y="639763"/>
+          <a:ext cx="6261100" cy="5578475"/>
+        </p:xfrm>
+        <a:graphic>
+          <a:graphicData uri="http://schemas.openxmlformats.org/drawingml/2006/diagram">
+            <dgm:relIds xmlns:dgm="http://schemas.openxmlformats.org/drawingml/2006/diagram" xmlns:r="http://schemas.openxmlformats.org/officeDocument/2006/relationships" r:dm="rId5" r:lo="rId6" r:qs="rId7" r:cs="rId8"/>
+          </a:graphicData>
+        </a:graphic>
+      </p:graphicFrame>
+    </p:spTree>
+    <p:extLst>
+      <p:ext uri="{BB962C8B-B14F-4D97-AF65-F5344CB8AC3E}">
+        <p14:creationId xmlns:p14="http://schemas.microsoft.com/office/powerpoint/2010/main" val="8496570"/>
+      </p:ext>
+    </p:extLst>
+  </p:cSld>
+  <p:clrMapOvr>
+    <a:masterClrMapping/>
+  </p:clrMapOvr>
+</p:sld>
+</file>
+
+<file path=ppt/slides/slide11.xml><?xml version="1.0" encoding="utf-8"?>
+<p:sld xmlns:a="http://schemas.openxmlformats.org/drawingml/2006/main" xmlns:r="http://schemas.openxmlformats.org/officeDocument/2006/relationships" xmlns:p="http://schemas.openxmlformats.org/presentationml/2006/main">
+  <p:cSld>
+    <p:bg>
+      <p:bgPr>
+        <a:gradFill rotWithShape="1">
+          <a:gsLst>
+            <a:gs pos="0">
+              <a:schemeClr val="bg2">
+                <a:tint val="96000"/>
+                <a:shade val="100000"/>
+                <a:hueMod val="270000"/>
+                <a:satMod val="200000"/>
+                <a:lumMod val="128000"/>
+              </a:schemeClr>
+            </a:gs>
+            <a:gs pos="50000">
+              <a:schemeClr val="bg2">
+                <a:shade val="100000"/>
+                <a:hueMod val="100000"/>
+                <a:satMod val="110000"/>
+                <a:lumMod val="130000"/>
+              </a:schemeClr>
+            </a:gs>
+            <a:gs pos="100000">
+              <a:schemeClr val="bg2">
+                <a:shade val="78000"/>
+                <a:hueMod val="44000"/>
+                <a:satMod val="200000"/>
+                <a:lumMod val="69000"/>
+              </a:schemeClr>
+            </a:gs>
+          </a:gsLst>
+          <a:lin ang="2520000" scaled="0"/>
+        </a:gradFill>
+        <a:effectLst/>
+      </p:bgPr>
+    </p:bg>
+    <p:spTree>
+      <p:nvGrpSpPr>
+        <p:cNvPr id="1" name=""/>
+        <p:cNvGrpSpPr/>
+        <p:nvPr/>
+      </p:nvGrpSpPr>
+      <p:grpSpPr>
+        <a:xfrm>
+          <a:off x="0" y="0"/>
+          <a:ext cx="0" cy="0"/>
+          <a:chOff x="0" y="0"/>
+          <a:chExt cx="0" cy="0"/>
+        </a:xfrm>
+      </p:grpSpPr>
+      <p:sp useBgFill="1">
+        <p:nvSpPr>
           <p:cNvPr id="19" name="Rectangle 8">
             <a:extLst>
               <a:ext uri="{FF2B5EF4-FFF2-40B4-BE49-F238E27FC236}">
@@ -30852,7 +31372,7 @@
 </p:sld>
 </file>
 
-<file path=ppt/slides/slide11.xml><?xml version="1.0" encoding="utf-8"?>
+<file path=ppt/slides/slide12.xml><?xml version="1.0" encoding="utf-8"?>
 <p:sld xmlns:a="http://schemas.openxmlformats.org/drawingml/2006/main" xmlns:r="http://schemas.openxmlformats.org/officeDocument/2006/relationships" xmlns:p="http://schemas.openxmlformats.org/presentationml/2006/main">
   <p:cSld>
     <p:bg>
@@ -31233,7 +31753,7 @@
 </p:sld>
 </file>
 
-<file path=ppt/slides/slide12.xml><?xml version="1.0" encoding="utf-8"?>
+<file path=ppt/slides/slide13.xml><?xml version="1.0" encoding="utf-8"?>
 <p:sld xmlns:a="http://schemas.openxmlformats.org/drawingml/2006/main" xmlns:r="http://schemas.openxmlformats.org/officeDocument/2006/relationships" xmlns:p="http://schemas.openxmlformats.org/presentationml/2006/main">
   <p:cSld>
     <p:spTree>
@@ -34814,41 +35334,6 @@
 <file path=ppt/slides/slide9.xml><?xml version="1.0" encoding="utf-8"?>
 <p:sld xmlns:a="http://schemas.openxmlformats.org/drawingml/2006/main" xmlns:r="http://schemas.openxmlformats.org/officeDocument/2006/relationships" xmlns:p="http://schemas.openxmlformats.org/presentationml/2006/main">
   <p:cSld>
-    <p:bg>
-      <p:bgPr>
-        <a:gradFill rotWithShape="1">
-          <a:gsLst>
-            <a:gs pos="0">
-              <a:schemeClr val="bg2">
-                <a:tint val="96000"/>
-                <a:shade val="100000"/>
-                <a:hueMod val="270000"/>
-                <a:satMod val="200000"/>
-                <a:lumMod val="128000"/>
-              </a:schemeClr>
-            </a:gs>
-            <a:gs pos="50000">
-              <a:schemeClr val="bg2">
-                <a:shade val="100000"/>
-                <a:hueMod val="100000"/>
-                <a:satMod val="110000"/>
-                <a:lumMod val="130000"/>
-              </a:schemeClr>
-            </a:gs>
-            <a:gs pos="100000">
-              <a:schemeClr val="bg2">
-                <a:shade val="78000"/>
-                <a:hueMod val="44000"/>
-                <a:satMod val="200000"/>
-                <a:lumMod val="69000"/>
-              </a:schemeClr>
-            </a:gs>
-          </a:gsLst>
-          <a:lin ang="2520000" scaled="0"/>
-        </a:gradFill>
-        <a:effectLst/>
-      </p:bgPr>
-    </p:bg>
     <p:spTree>
       <p:nvGrpSpPr>
         <p:cNvPr id="1" name=""/>
@@ -34863,281 +35348,12 @@
           <a:chExt cx="0" cy="0"/>
         </a:xfrm>
       </p:grpSpPr>
-      <p:sp useBgFill="1">
-        <p:nvSpPr>
-          <p:cNvPr id="10" name="Rectangle 9">
-            <a:extLst>
-              <a:ext uri="{FF2B5EF4-FFF2-40B4-BE49-F238E27FC236}">
-                <a16:creationId xmlns:a16="http://schemas.microsoft.com/office/drawing/2014/main" id="{B2A773CA-28F4-49C2-BFA3-49A5867C7AFB}"/>
-              </a:ext>
-              <a:ext uri="{C183D7F6-B498-43B3-948B-1728B52AA6E4}">
-                <adec:decorative xmlns:adec="http://schemas.microsoft.com/office/drawing/2017/decorative" val="1"/>
-              </a:ext>
-            </a:extLst>
-          </p:cNvPr>
-          <p:cNvSpPr>
-            <a:spLocks noGrp="1" noRot="1" noChangeAspect="1" noMove="1" noResize="1" noEditPoints="1" noAdjustHandles="1" noChangeArrowheads="1" noChangeShapeType="1" noTextEdit="1"/>
-          </p:cNvSpPr>
-          <p:nvPr>
-            <p:extLst>
-              <p:ext uri="{386F3935-93C4-4BCD-93E2-E3B085C9AB24}">
-                <p16:designElem xmlns:p16="http://schemas.microsoft.com/office/powerpoint/2015/main" val="1"/>
-              </p:ext>
-            </p:extLst>
-          </p:nvPr>
-        </p:nvSpPr>
-        <p:spPr>
-          <a:xfrm>
-            <a:off x="0" y="0"/>
-            <a:ext cx="12188824" cy="6858000"/>
-          </a:xfrm>
-          <a:prstGeom prst="rect">
-            <a:avLst/>
-          </a:prstGeom>
-          <a:ln>
-            <a:noFill/>
-          </a:ln>
-        </p:spPr>
-        <p:style>
-          <a:lnRef idx="2">
-            <a:schemeClr val="accent1">
-              <a:shade val="50000"/>
-            </a:schemeClr>
-          </a:lnRef>
-          <a:fillRef idx="1">
-            <a:schemeClr val="accent1"/>
-          </a:fillRef>
-          <a:effectRef idx="0">
-            <a:schemeClr val="accent1"/>
-          </a:effectRef>
-          <a:fontRef idx="minor">
-            <a:schemeClr val="lt1"/>
-          </a:fontRef>
-        </p:style>
-        <p:txBody>
-          <a:bodyPr rtlCol="0" anchor="ctr"/>
-          <a:lstStyle/>
-          <a:p>
-            <a:pPr algn="ctr"/>
-            <a:endParaRPr lang="en-US"/>
-          </a:p>
-        </p:txBody>
-      </p:sp>
-      <p:pic>
-        <p:nvPicPr>
-          <p:cNvPr id="12" name="Picture 11">
-            <a:extLst>
-              <a:ext uri="{FF2B5EF4-FFF2-40B4-BE49-F238E27FC236}">
-                <a16:creationId xmlns:a16="http://schemas.microsoft.com/office/drawing/2014/main" id="{5D7C72BA-4476-4E4B-BC37-9A75FD0C5951}"/>
-              </a:ext>
-              <a:ext uri="{C183D7F6-B498-43B3-948B-1728B52AA6E4}">
-                <adec:decorative xmlns:adec="http://schemas.microsoft.com/office/drawing/2017/decorative" val="1"/>
-              </a:ext>
-            </a:extLst>
-          </p:cNvPr>
-          <p:cNvPicPr>
-            <a:picLocks noGrp="1" noRot="1" noChangeAspect="1" noMove="1" noResize="1" noEditPoints="1" noAdjustHandles="1" noChangeArrowheads="1" noChangeShapeType="1" noCrop="1"/>
-          </p:cNvPicPr>
-          <p:nvPr>
-            <p:extLst>
-              <p:ext uri="{386F3935-93C4-4BCD-93E2-E3B085C9AB24}">
-                <p16:designElem xmlns:p16="http://schemas.microsoft.com/office/powerpoint/2015/main" val="1"/>
-              </p:ext>
-            </p:extLst>
-          </p:nvPr>
-        </p:nvPicPr>
-        <p:blipFill>
-          <a:blip r:embed="rId3">
-            <a:alphaModFix amt="10000"/>
-            <a:extLst>
-              <a:ext uri="{28A0092B-C50C-407E-A947-70E740481C1C}">
-                <a14:useLocalDpi xmlns:a14="http://schemas.microsoft.com/office/drawing/2010/main" val="0"/>
-              </a:ext>
-            </a:extLst>
-          </a:blip>
-          <a:stretch>
-            <a:fillRect/>
-          </a:stretch>
-        </p:blipFill>
-        <p:spPr>
-          <a:xfrm>
-            <a:off x="0" y="0"/>
-            <a:ext cx="12192000" cy="6858000"/>
-          </a:xfrm>
-          <a:prstGeom prst="rect">
-            <a:avLst/>
-          </a:prstGeom>
-        </p:spPr>
-      </p:pic>
-      <p:sp>
-        <p:nvSpPr>
-          <p:cNvPr id="14" name="Rectangle 13">
-            <a:extLst>
-              <a:ext uri="{FF2B5EF4-FFF2-40B4-BE49-F238E27FC236}">
-                <a16:creationId xmlns:a16="http://schemas.microsoft.com/office/drawing/2014/main" id="{3009A16D-868B-4145-BBC6-555098537EC2}"/>
-              </a:ext>
-              <a:ext uri="{C183D7F6-B498-43B3-948B-1728B52AA6E4}">
-                <adec:decorative xmlns:adec="http://schemas.microsoft.com/office/drawing/2017/decorative" val="1"/>
-              </a:ext>
-            </a:extLst>
-          </p:cNvPr>
-          <p:cNvSpPr>
-            <a:spLocks noGrp="1" noRot="1" noChangeAspect="1" noMove="1" noResize="1" noEditPoints="1" noAdjustHandles="1" noChangeArrowheads="1" noChangeShapeType="1" noTextEdit="1"/>
-          </p:cNvSpPr>
-          <p:nvPr>
-            <p:extLst>
-              <p:ext uri="{386F3935-93C4-4BCD-93E2-E3B085C9AB24}">
-                <p16:designElem xmlns:p16="http://schemas.microsoft.com/office/powerpoint/2015/main" val="1"/>
-              </p:ext>
-            </p:extLst>
-          </p:nvPr>
-        </p:nvSpPr>
-        <p:spPr>
-          <a:xfrm>
-            <a:off x="4644527" y="0"/>
-            <a:ext cx="7552944" cy="6858001"/>
-          </a:xfrm>
-          <a:prstGeom prst="rect">
-            <a:avLst/>
-          </a:prstGeom>
-          <a:ln>
-            <a:noFill/>
-          </a:ln>
-        </p:spPr>
-        <p:style>
-          <a:lnRef idx="2">
-            <a:schemeClr val="accent1">
-              <a:shade val="50000"/>
-            </a:schemeClr>
-          </a:lnRef>
-          <a:fillRef idx="1">
-            <a:schemeClr val="accent1"/>
-          </a:fillRef>
-          <a:effectRef idx="0">
-            <a:schemeClr val="accent1"/>
-          </a:effectRef>
-          <a:fontRef idx="minor">
-            <a:schemeClr val="lt1"/>
-          </a:fontRef>
-        </p:style>
-        <p:txBody>
-          <a:bodyPr rtlCol="0" anchor="ctr"/>
-          <a:lstStyle/>
-          <a:p>
-            <a:pPr algn="ctr"/>
-            <a:endParaRPr lang="en-US"/>
-          </a:p>
-        </p:txBody>
-      </p:sp>
-      <p:pic>
-        <p:nvPicPr>
-          <p:cNvPr id="16" name="Picture 15">
-            <a:extLst>
-              <a:ext uri="{FF2B5EF4-FFF2-40B4-BE49-F238E27FC236}">
-                <a16:creationId xmlns:a16="http://schemas.microsoft.com/office/drawing/2014/main" id="{3992EB33-38E1-4175-8EE2-9BB8CC159C7B}"/>
-              </a:ext>
-              <a:ext uri="{C183D7F6-B498-43B3-948B-1728B52AA6E4}">
-                <adec:decorative xmlns:adec="http://schemas.microsoft.com/office/drawing/2017/decorative" val="1"/>
-              </a:ext>
-            </a:extLst>
-          </p:cNvPr>
-          <p:cNvPicPr>
-            <a:picLocks noGrp="1" noRot="1" noChangeAspect="1" noMove="1" noResize="1" noEditPoints="1" noAdjustHandles="1" noChangeArrowheads="1" noChangeShapeType="1" noCrop="1"/>
-          </p:cNvPicPr>
-          <p:nvPr>
-            <p:extLst>
-              <p:ext uri="{386F3935-93C4-4BCD-93E2-E3B085C9AB24}">
-                <p16:designElem xmlns:p16="http://schemas.microsoft.com/office/powerpoint/2015/main" val="1"/>
-              </p:ext>
-            </p:extLst>
-          </p:nvPr>
-        </p:nvPicPr>
-        <p:blipFill>
-          <a:blip r:embed="rId4" cstate="print">
-            <a:extLst>
-              <a:ext uri="{28A0092B-C50C-407E-A947-70E740481C1C}">
-                <a14:useLocalDpi xmlns:a14="http://schemas.microsoft.com/office/drawing/2010/main" val="0"/>
-              </a:ext>
-            </a:extLst>
-          </a:blip>
-          <a:stretch>
-            <a:fillRect/>
-          </a:stretch>
-        </p:blipFill>
-        <p:spPr>
-          <a:xfrm>
-            <a:off x="1" y="5006045"/>
-            <a:ext cx="4965192" cy="144668"/>
-          </a:xfrm>
-          <a:prstGeom prst="rect">
-            <a:avLst/>
-          </a:prstGeom>
-        </p:spPr>
-      </p:pic>
-      <p:sp>
-        <p:nvSpPr>
-          <p:cNvPr id="18" name="Rectangle 17">
-            <a:extLst>
-              <a:ext uri="{FF2B5EF4-FFF2-40B4-BE49-F238E27FC236}">
-                <a16:creationId xmlns:a16="http://schemas.microsoft.com/office/drawing/2014/main" id="{2DCAE5CF-5D29-4779-83E1-BDB64E4F30E5}"/>
-              </a:ext>
-              <a:ext uri="{C183D7F6-B498-43B3-948B-1728B52AA6E4}">
-                <adec:decorative xmlns:adec="http://schemas.microsoft.com/office/drawing/2017/decorative" val="1"/>
-              </a:ext>
-            </a:extLst>
-          </p:cNvPr>
-          <p:cNvSpPr>
-            <a:spLocks noGrp="1" noRot="1" noChangeAspect="1" noMove="1" noResize="1" noEditPoints="1" noAdjustHandles="1" noChangeArrowheads="1" noChangeShapeType="1" noTextEdit="1"/>
-          </p:cNvSpPr>
-          <p:nvPr>
-            <p:extLst>
-              <p:ext uri="{386F3935-93C4-4BCD-93E2-E3B085C9AB24}">
-                <p16:designElem xmlns:p16="http://schemas.microsoft.com/office/powerpoint/2015/main" val="1"/>
-              </p:ext>
-            </p:extLst>
-          </p:nvPr>
-        </p:nvSpPr>
-        <p:spPr>
-          <a:xfrm>
-            <a:off x="-1" y="1838764"/>
-            <a:ext cx="4964567" cy="3180473"/>
-          </a:xfrm>
-          <a:prstGeom prst="rect">
-            <a:avLst/>
-          </a:prstGeom>
-          <a:solidFill>
-            <a:schemeClr val="bg1">
-              <a:lumMod val="85000"/>
-              <a:lumOff val="15000"/>
-            </a:schemeClr>
-          </a:solidFill>
-          <a:ln>
-            <a:noFill/>
-          </a:ln>
-        </p:spPr>
-        <p:style>
-          <a:lnRef idx="2">
-            <a:schemeClr val="accent1">
-              <a:shade val="50000"/>
-            </a:schemeClr>
-          </a:lnRef>
-          <a:fillRef idx="1">
-            <a:schemeClr val="accent1"/>
-          </a:fillRef>
-          <a:effectRef idx="0">
-            <a:schemeClr val="accent1"/>
-          </a:effectRef>
-          <a:fontRef idx="minor">
-            <a:schemeClr val="lt1"/>
-          </a:fontRef>
-        </p:style>
-      </p:sp>
       <p:sp>
         <p:nvSpPr>
           <p:cNvPr id="2" name="Title 1">
             <a:extLst>
               <a:ext uri="{FF2B5EF4-FFF2-40B4-BE49-F238E27FC236}">
-                <a16:creationId xmlns:a16="http://schemas.microsoft.com/office/drawing/2014/main" id="{FC3F4C0B-7243-4806-BA03-1906BF7590D1}"/>
+                <a16:creationId xmlns:a16="http://schemas.microsoft.com/office/drawing/2014/main" id="{135480D9-D257-49DD-9401-2255463D440A}"/>
               </a:ext>
             </a:extLst>
           </p:cNvPr>
@@ -35148,61 +35364,51 @@
             <p:ph type="title"/>
           </p:nvPr>
         </p:nvSpPr>
-        <p:spPr>
-          <a:xfrm>
-            <a:off x="680321" y="2063262"/>
-            <a:ext cx="3739279" cy="2661052"/>
-          </a:xfrm>
-        </p:spPr>
+        <p:spPr/>
         <p:txBody>
-          <a:bodyPr>
-            <a:normAutofit/>
-          </a:bodyPr>
+          <a:bodyPr/>
           <a:lstStyle/>
           <a:p>
-            <a:pPr algn="r"/>
             <a:r>
-              <a:rPr lang="en-IN" sz="4400"/>
-              <a:t>Advantages of GANs</a:t>
+              <a:rPr lang="en-IN" dirty="0"/>
+              <a:t>Experiments</a:t>
             </a:r>
           </a:p>
         </p:txBody>
       </p:sp>
-      <p:graphicFrame>
-        <p:nvGraphicFramePr>
-          <p:cNvPr id="5" name="Content Placeholder 2">
+      <p:pic>
+        <p:nvPicPr>
+          <p:cNvPr id="5" name="Content Placeholder 4">
             <a:extLst>
               <a:ext uri="{FF2B5EF4-FFF2-40B4-BE49-F238E27FC236}">
-                <a16:creationId xmlns:a16="http://schemas.microsoft.com/office/drawing/2014/main" id="{B52EF1C8-5E2E-4E2E-8C6F-F37B9C52D799}"/>
+                <a16:creationId xmlns:a16="http://schemas.microsoft.com/office/drawing/2014/main" id="{EE3E65DE-4458-4898-A79F-68799646032C}"/>
               </a:ext>
             </a:extLst>
           </p:cNvPr>
-          <p:cNvGraphicFramePr>
-            <a:graphicFrameLocks noGrp="1"/>
-          </p:cNvGraphicFramePr>
+          <p:cNvPicPr>
+            <a:picLocks noGrp="1" noChangeAspect="1"/>
+          </p:cNvPicPr>
           <p:nvPr>
             <p:ph idx="1"/>
-            <p:extLst>
-              <p:ext uri="{D42A27DB-BD31-4B8C-83A1-F6EECF244321}">
-                <p14:modId xmlns:p14="http://schemas.microsoft.com/office/powerpoint/2010/main" val="2079238593"/>
-              </p:ext>
-            </p:extLst>
           </p:nvPr>
-        </p:nvGraphicFramePr>
-        <p:xfrm>
-          <a:off x="5284788" y="639763"/>
-          <a:ext cx="6261100" cy="5578475"/>
-        </p:xfrm>
-        <a:graphic>
-          <a:graphicData uri="http://schemas.openxmlformats.org/drawingml/2006/diagram">
-            <dgm:relIds xmlns:dgm="http://schemas.openxmlformats.org/drawingml/2006/diagram" xmlns:r="http://schemas.openxmlformats.org/officeDocument/2006/relationships" r:dm="rId5" r:lo="rId6" r:qs="rId7" r:cs="rId8"/>
-          </a:graphicData>
-        </a:graphic>
-      </p:graphicFrame>
+        </p:nvPicPr>
+        <p:blipFill>
+          <a:blip r:embed="rId3"/>
+          <a:stretch>
+            <a:fillRect/>
+          </a:stretch>
+        </p:blipFill>
+        <p:spPr>
+          <a:xfrm>
+            <a:off x="2462784" y="2092960"/>
+            <a:ext cx="6254496" cy="4367705"/>
+          </a:xfrm>
+        </p:spPr>
+      </p:pic>
     </p:spTree>
     <p:extLst>
       <p:ext uri="{BB962C8B-B14F-4D97-AF65-F5344CB8AC3E}">
-        <p14:creationId xmlns:p14="http://schemas.microsoft.com/office/powerpoint/2010/main" val="8496570"/>
+        <p14:creationId xmlns:p14="http://schemas.microsoft.com/office/powerpoint/2010/main" val="1535136061"/>
       </p:ext>
     </p:extLst>
   </p:cSld>

--- a/GANs_Presentation.pptx
+++ b/GANs_Presentation.pptx
@@ -5,7 +5,7 @@
     <p:sldMasterId id="2147483660" r:id="rId1"/>
   </p:sldMasterIdLst>
   <p:notesMasterIdLst>
-    <p:notesMasterId r:id="rId15"/>
+    <p:notesMasterId r:id="rId17"/>
   </p:notesMasterIdLst>
   <p:sldIdLst>
     <p:sldId id="257" r:id="rId2"/>
@@ -17,10 +17,12 @@
     <p:sldId id="267" r:id="rId8"/>
     <p:sldId id="262" r:id="rId9"/>
     <p:sldId id="271" r:id="rId10"/>
-    <p:sldId id="263" r:id="rId11"/>
-    <p:sldId id="270" r:id="rId12"/>
-    <p:sldId id="264" r:id="rId13"/>
-    <p:sldId id="266" r:id="rId14"/>
+    <p:sldId id="274" r:id="rId11"/>
+    <p:sldId id="263" r:id="rId12"/>
+    <p:sldId id="270" r:id="rId13"/>
+    <p:sldId id="272" r:id="rId14"/>
+    <p:sldId id="275" r:id="rId15"/>
+    <p:sldId id="266" r:id="rId16"/>
   </p:sldIdLst>
   <p:sldSz cx="12192000" cy="6858000"/>
   <p:notesSz cx="6858000" cy="9144000"/>
@@ -141,9 +143,11 @@
         <p14:section name="Conclusion" id="{13D64738-9391-4AE5-B6DE-4045F8B8B114}">
           <p14:sldIdLst>
             <p14:sldId id="271"/>
+            <p14:sldId id="274"/>
             <p14:sldId id="263"/>
             <p14:sldId id="270"/>
-            <p14:sldId id="264"/>
+            <p14:sldId id="272"/>
+            <p14:sldId id="275"/>
             <p14:sldId id="266"/>
           </p14:sldIdLst>
         </p14:section>
@@ -903,6 +907,753 @@
 </dgm:colorsDef>
 </file>
 
+<file path=ppt/diagrams/colors10.xml><?xml version="1.0" encoding="utf-8"?>
+<dgm:colorsDef xmlns:dgm="http://schemas.openxmlformats.org/drawingml/2006/diagram" xmlns:a="http://schemas.openxmlformats.org/drawingml/2006/main" uniqueId="urn:microsoft.com/office/officeart/2005/8/colors/accent1_2">
+  <dgm:title val=""/>
+  <dgm:desc val=""/>
+  <dgm:catLst>
+    <dgm:cat type="accent1" pri="11200"/>
+  </dgm:catLst>
+  <dgm:styleLbl name="node0">
+    <dgm:fillClrLst meth="repeat">
+      <a:schemeClr val="accent1"/>
+    </dgm:fillClrLst>
+    <dgm:linClrLst meth="repeat">
+      <a:schemeClr val="lt1"/>
+    </dgm:linClrLst>
+    <dgm:effectClrLst/>
+    <dgm:txLinClrLst/>
+    <dgm:txFillClrLst/>
+    <dgm:txEffectClrLst/>
+  </dgm:styleLbl>
+  <dgm:styleLbl name="alignNode1">
+    <dgm:fillClrLst meth="repeat">
+      <a:schemeClr val="accent1"/>
+    </dgm:fillClrLst>
+    <dgm:linClrLst meth="repeat">
+      <a:schemeClr val="accent1"/>
+    </dgm:linClrLst>
+    <dgm:effectClrLst/>
+    <dgm:txLinClrLst/>
+    <dgm:txFillClrLst/>
+    <dgm:txEffectClrLst/>
+  </dgm:styleLbl>
+  <dgm:styleLbl name="node1">
+    <dgm:fillClrLst meth="repeat">
+      <a:schemeClr val="accent1"/>
+    </dgm:fillClrLst>
+    <dgm:linClrLst meth="repeat">
+      <a:schemeClr val="lt1"/>
+    </dgm:linClrLst>
+    <dgm:effectClrLst/>
+    <dgm:txLinClrLst/>
+    <dgm:txFillClrLst/>
+    <dgm:txEffectClrLst/>
+  </dgm:styleLbl>
+  <dgm:styleLbl name="lnNode1">
+    <dgm:fillClrLst meth="repeat">
+      <a:schemeClr val="accent1"/>
+    </dgm:fillClrLst>
+    <dgm:linClrLst meth="repeat">
+      <a:schemeClr val="lt1"/>
+    </dgm:linClrLst>
+    <dgm:effectClrLst/>
+    <dgm:txLinClrLst/>
+    <dgm:txFillClrLst/>
+    <dgm:txEffectClrLst/>
+  </dgm:styleLbl>
+  <dgm:styleLbl name="vennNode1">
+    <dgm:fillClrLst meth="repeat">
+      <a:schemeClr val="accent1">
+        <a:alpha val="50000"/>
+      </a:schemeClr>
+    </dgm:fillClrLst>
+    <dgm:linClrLst meth="repeat">
+      <a:schemeClr val="lt1"/>
+    </dgm:linClrLst>
+    <dgm:effectClrLst/>
+    <dgm:txLinClrLst/>
+    <dgm:txFillClrLst/>
+    <dgm:txEffectClrLst/>
+  </dgm:styleLbl>
+  <dgm:styleLbl name="node2">
+    <dgm:fillClrLst meth="repeat">
+      <a:schemeClr val="accent1"/>
+    </dgm:fillClrLst>
+    <dgm:linClrLst meth="repeat">
+      <a:schemeClr val="lt1"/>
+    </dgm:linClrLst>
+    <dgm:effectClrLst/>
+    <dgm:txLinClrLst/>
+    <dgm:txFillClrLst/>
+    <dgm:txEffectClrLst/>
+  </dgm:styleLbl>
+  <dgm:styleLbl name="node3">
+    <dgm:fillClrLst meth="repeat">
+      <a:schemeClr val="accent1"/>
+    </dgm:fillClrLst>
+    <dgm:linClrLst meth="repeat">
+      <a:schemeClr val="lt1"/>
+    </dgm:linClrLst>
+    <dgm:effectClrLst/>
+    <dgm:txLinClrLst/>
+    <dgm:txFillClrLst/>
+    <dgm:txEffectClrLst/>
+  </dgm:styleLbl>
+  <dgm:styleLbl name="node4">
+    <dgm:fillClrLst meth="repeat">
+      <a:schemeClr val="accent1"/>
+    </dgm:fillClrLst>
+    <dgm:linClrLst meth="repeat">
+      <a:schemeClr val="lt1"/>
+    </dgm:linClrLst>
+    <dgm:effectClrLst/>
+    <dgm:txLinClrLst/>
+    <dgm:txFillClrLst/>
+    <dgm:txEffectClrLst/>
+  </dgm:styleLbl>
+  <dgm:styleLbl name="fgImgPlace1">
+    <dgm:fillClrLst meth="repeat">
+      <a:schemeClr val="accent1">
+        <a:tint val="50000"/>
+      </a:schemeClr>
+    </dgm:fillClrLst>
+    <dgm:linClrLst meth="repeat">
+      <a:schemeClr val="lt1"/>
+    </dgm:linClrLst>
+    <dgm:effectClrLst/>
+    <dgm:txLinClrLst/>
+    <dgm:txFillClrLst meth="repeat">
+      <a:schemeClr val="lt1"/>
+    </dgm:txFillClrLst>
+    <dgm:txEffectClrLst/>
+  </dgm:styleLbl>
+  <dgm:styleLbl name="alignImgPlace1">
+    <dgm:fillClrLst meth="repeat">
+      <a:schemeClr val="accent1">
+        <a:tint val="50000"/>
+      </a:schemeClr>
+    </dgm:fillClrLst>
+    <dgm:linClrLst meth="repeat">
+      <a:schemeClr val="lt1"/>
+    </dgm:linClrLst>
+    <dgm:effectClrLst/>
+    <dgm:txLinClrLst/>
+    <dgm:txFillClrLst meth="repeat">
+      <a:schemeClr val="lt1"/>
+    </dgm:txFillClrLst>
+    <dgm:txEffectClrLst/>
+  </dgm:styleLbl>
+  <dgm:styleLbl name="bgImgPlace1">
+    <dgm:fillClrLst meth="repeat">
+      <a:schemeClr val="accent1">
+        <a:tint val="50000"/>
+      </a:schemeClr>
+    </dgm:fillClrLst>
+    <dgm:linClrLst meth="repeat">
+      <a:schemeClr val="lt1"/>
+    </dgm:linClrLst>
+    <dgm:effectClrLst/>
+    <dgm:txLinClrLst/>
+    <dgm:txFillClrLst meth="repeat">
+      <a:schemeClr val="lt1"/>
+    </dgm:txFillClrLst>
+    <dgm:txEffectClrLst/>
+  </dgm:styleLbl>
+  <dgm:styleLbl name="sibTrans2D1">
+    <dgm:fillClrLst meth="repeat">
+      <a:schemeClr val="accent1">
+        <a:tint val="60000"/>
+      </a:schemeClr>
+    </dgm:fillClrLst>
+    <dgm:linClrLst meth="repeat">
+      <a:schemeClr val="accent1">
+        <a:tint val="60000"/>
+      </a:schemeClr>
+    </dgm:linClrLst>
+    <dgm:effectClrLst/>
+    <dgm:txLinClrLst/>
+    <dgm:txFillClrLst/>
+    <dgm:txEffectClrLst/>
+  </dgm:styleLbl>
+  <dgm:styleLbl name="fgSibTrans2D1">
+    <dgm:fillClrLst meth="repeat">
+      <a:schemeClr val="accent1">
+        <a:tint val="60000"/>
+      </a:schemeClr>
+    </dgm:fillClrLst>
+    <dgm:linClrLst meth="repeat">
+      <a:schemeClr val="accent1">
+        <a:tint val="60000"/>
+      </a:schemeClr>
+    </dgm:linClrLst>
+    <dgm:effectClrLst/>
+    <dgm:txLinClrLst/>
+    <dgm:txFillClrLst/>
+    <dgm:txEffectClrLst/>
+  </dgm:styleLbl>
+  <dgm:styleLbl name="bgSibTrans2D1">
+    <dgm:fillClrLst meth="repeat">
+      <a:schemeClr val="accent1">
+        <a:tint val="60000"/>
+      </a:schemeClr>
+    </dgm:fillClrLst>
+    <dgm:linClrLst meth="repeat">
+      <a:schemeClr val="accent1">
+        <a:tint val="60000"/>
+      </a:schemeClr>
+    </dgm:linClrLst>
+    <dgm:effectClrLst/>
+    <dgm:txLinClrLst/>
+    <dgm:txFillClrLst/>
+    <dgm:txEffectClrLst/>
+  </dgm:styleLbl>
+  <dgm:styleLbl name="sibTrans1D1">
+    <dgm:fillClrLst meth="repeat">
+      <a:schemeClr val="accent1"/>
+    </dgm:fillClrLst>
+    <dgm:linClrLst meth="repeat">
+      <a:schemeClr val="accent1"/>
+    </dgm:linClrLst>
+    <dgm:effectClrLst/>
+    <dgm:txLinClrLst/>
+    <dgm:txFillClrLst meth="repeat">
+      <a:schemeClr val="tx1"/>
+    </dgm:txFillClrLst>
+    <dgm:txEffectClrLst/>
+  </dgm:styleLbl>
+  <dgm:styleLbl name="callout">
+    <dgm:fillClrLst meth="repeat">
+      <a:schemeClr val="accent1"/>
+    </dgm:fillClrLst>
+    <dgm:linClrLst meth="repeat">
+      <a:schemeClr val="accent1">
+        <a:tint val="50000"/>
+      </a:schemeClr>
+    </dgm:linClrLst>
+    <dgm:effectClrLst/>
+    <dgm:txLinClrLst/>
+    <dgm:txFillClrLst meth="repeat">
+      <a:schemeClr val="tx1"/>
+    </dgm:txFillClrLst>
+    <dgm:txEffectClrLst/>
+  </dgm:styleLbl>
+  <dgm:styleLbl name="asst0">
+    <dgm:fillClrLst meth="repeat">
+      <a:schemeClr val="accent1"/>
+    </dgm:fillClrLst>
+    <dgm:linClrLst meth="repeat">
+      <a:schemeClr val="lt1"/>
+    </dgm:linClrLst>
+    <dgm:effectClrLst/>
+    <dgm:txLinClrLst/>
+    <dgm:txFillClrLst/>
+    <dgm:txEffectClrLst/>
+  </dgm:styleLbl>
+  <dgm:styleLbl name="asst1">
+    <dgm:fillClrLst meth="repeat">
+      <a:schemeClr val="accent1"/>
+    </dgm:fillClrLst>
+    <dgm:linClrLst meth="repeat">
+      <a:schemeClr val="lt1"/>
+    </dgm:linClrLst>
+    <dgm:effectClrLst/>
+    <dgm:txLinClrLst/>
+    <dgm:txFillClrLst/>
+    <dgm:txEffectClrLst/>
+  </dgm:styleLbl>
+  <dgm:styleLbl name="asst2">
+    <dgm:fillClrLst meth="repeat">
+      <a:schemeClr val="accent1"/>
+    </dgm:fillClrLst>
+    <dgm:linClrLst meth="repeat">
+      <a:schemeClr val="lt1"/>
+    </dgm:linClrLst>
+    <dgm:effectClrLst/>
+    <dgm:txLinClrLst/>
+    <dgm:txFillClrLst/>
+    <dgm:txEffectClrLst/>
+  </dgm:styleLbl>
+  <dgm:styleLbl name="asst3">
+    <dgm:fillClrLst meth="repeat">
+      <a:schemeClr val="accent1"/>
+    </dgm:fillClrLst>
+    <dgm:linClrLst meth="repeat">
+      <a:schemeClr val="lt1"/>
+    </dgm:linClrLst>
+    <dgm:effectClrLst/>
+    <dgm:txLinClrLst/>
+    <dgm:txFillClrLst/>
+    <dgm:txEffectClrLst/>
+  </dgm:styleLbl>
+  <dgm:styleLbl name="asst4">
+    <dgm:fillClrLst meth="repeat">
+      <a:schemeClr val="accent1"/>
+    </dgm:fillClrLst>
+    <dgm:linClrLst meth="repeat">
+      <a:schemeClr val="lt1"/>
+    </dgm:linClrLst>
+    <dgm:effectClrLst/>
+    <dgm:txLinClrLst/>
+    <dgm:txFillClrLst/>
+    <dgm:txEffectClrLst/>
+  </dgm:styleLbl>
+  <dgm:styleLbl name="parChTrans2D1">
+    <dgm:fillClrLst meth="repeat">
+      <a:schemeClr val="accent1">
+        <a:tint val="60000"/>
+      </a:schemeClr>
+    </dgm:fillClrLst>
+    <dgm:linClrLst meth="repeat">
+      <a:schemeClr val="accent1">
+        <a:tint val="60000"/>
+      </a:schemeClr>
+    </dgm:linClrLst>
+    <dgm:effectClrLst/>
+    <dgm:txLinClrLst/>
+    <dgm:txFillClrLst meth="repeat">
+      <a:schemeClr val="lt1"/>
+    </dgm:txFillClrLst>
+    <dgm:txEffectClrLst/>
+  </dgm:styleLbl>
+  <dgm:styleLbl name="parChTrans2D2">
+    <dgm:fillClrLst meth="repeat">
+      <a:schemeClr val="accent1"/>
+    </dgm:fillClrLst>
+    <dgm:linClrLst meth="repeat">
+      <a:schemeClr val="accent1"/>
+    </dgm:linClrLst>
+    <dgm:effectClrLst/>
+    <dgm:txLinClrLst/>
+    <dgm:txFillClrLst meth="repeat">
+      <a:schemeClr val="lt1"/>
+    </dgm:txFillClrLst>
+    <dgm:txEffectClrLst/>
+  </dgm:styleLbl>
+  <dgm:styleLbl name="parChTrans2D3">
+    <dgm:fillClrLst meth="repeat">
+      <a:schemeClr val="accent1"/>
+    </dgm:fillClrLst>
+    <dgm:linClrLst meth="repeat">
+      <a:schemeClr val="accent1"/>
+    </dgm:linClrLst>
+    <dgm:effectClrLst/>
+    <dgm:txLinClrLst/>
+    <dgm:txFillClrLst meth="repeat">
+      <a:schemeClr val="lt1"/>
+    </dgm:txFillClrLst>
+    <dgm:txEffectClrLst/>
+  </dgm:styleLbl>
+  <dgm:styleLbl name="parChTrans2D4">
+    <dgm:fillClrLst meth="repeat">
+      <a:schemeClr val="accent1"/>
+    </dgm:fillClrLst>
+    <dgm:linClrLst meth="repeat">
+      <a:schemeClr val="accent1"/>
+    </dgm:linClrLst>
+    <dgm:effectClrLst/>
+    <dgm:txLinClrLst/>
+    <dgm:txFillClrLst meth="repeat">
+      <a:schemeClr val="lt1"/>
+    </dgm:txFillClrLst>
+    <dgm:txEffectClrLst/>
+  </dgm:styleLbl>
+  <dgm:styleLbl name="parChTrans1D1">
+    <dgm:fillClrLst meth="repeat">
+      <a:schemeClr val="accent1"/>
+    </dgm:fillClrLst>
+    <dgm:linClrLst meth="repeat">
+      <a:schemeClr val="accent1">
+        <a:shade val="60000"/>
+      </a:schemeClr>
+    </dgm:linClrLst>
+    <dgm:effectClrLst/>
+    <dgm:txLinClrLst/>
+    <dgm:txFillClrLst meth="repeat">
+      <a:schemeClr val="tx1"/>
+    </dgm:txFillClrLst>
+    <dgm:txEffectClrLst/>
+  </dgm:styleLbl>
+  <dgm:styleLbl name="parChTrans1D2">
+    <dgm:fillClrLst meth="repeat">
+      <a:schemeClr val="accent1"/>
+    </dgm:fillClrLst>
+    <dgm:linClrLst meth="repeat">
+      <a:schemeClr val="accent1">
+        <a:shade val="60000"/>
+      </a:schemeClr>
+    </dgm:linClrLst>
+    <dgm:effectClrLst/>
+    <dgm:txLinClrLst/>
+    <dgm:txFillClrLst meth="repeat">
+      <a:schemeClr val="tx1"/>
+    </dgm:txFillClrLst>
+    <dgm:txEffectClrLst/>
+  </dgm:styleLbl>
+  <dgm:styleLbl name="parChTrans1D3">
+    <dgm:fillClrLst meth="repeat">
+      <a:schemeClr val="accent1"/>
+    </dgm:fillClrLst>
+    <dgm:linClrLst meth="repeat">
+      <a:schemeClr val="accent1">
+        <a:shade val="80000"/>
+      </a:schemeClr>
+    </dgm:linClrLst>
+    <dgm:effectClrLst/>
+    <dgm:txLinClrLst/>
+    <dgm:txFillClrLst meth="repeat">
+      <a:schemeClr val="tx1"/>
+    </dgm:txFillClrLst>
+    <dgm:txEffectClrLst/>
+  </dgm:styleLbl>
+  <dgm:styleLbl name="parChTrans1D4">
+    <dgm:fillClrLst meth="repeat">
+      <a:schemeClr val="accent1"/>
+    </dgm:fillClrLst>
+    <dgm:linClrLst meth="repeat">
+      <a:schemeClr val="accent1">
+        <a:shade val="80000"/>
+      </a:schemeClr>
+    </dgm:linClrLst>
+    <dgm:effectClrLst/>
+    <dgm:txLinClrLst/>
+    <dgm:txFillClrLst meth="repeat">
+      <a:schemeClr val="tx1"/>
+    </dgm:txFillClrLst>
+    <dgm:txEffectClrLst/>
+  </dgm:styleLbl>
+  <dgm:styleLbl name="fgAcc1">
+    <dgm:fillClrLst meth="repeat">
+      <a:schemeClr val="lt1">
+        <a:alpha val="90000"/>
+      </a:schemeClr>
+    </dgm:fillClrLst>
+    <dgm:linClrLst meth="repeat">
+      <a:schemeClr val="accent1"/>
+    </dgm:linClrLst>
+    <dgm:effectClrLst/>
+    <dgm:txLinClrLst/>
+    <dgm:txFillClrLst meth="repeat">
+      <a:schemeClr val="dk1"/>
+    </dgm:txFillClrLst>
+    <dgm:txEffectClrLst/>
+  </dgm:styleLbl>
+  <dgm:styleLbl name="conFgAcc1">
+    <dgm:fillClrLst meth="repeat">
+      <a:schemeClr val="lt1">
+        <a:alpha val="90000"/>
+      </a:schemeClr>
+    </dgm:fillClrLst>
+    <dgm:linClrLst meth="repeat">
+      <a:schemeClr val="accent1"/>
+    </dgm:linClrLst>
+    <dgm:effectClrLst/>
+    <dgm:txLinClrLst/>
+    <dgm:txFillClrLst meth="repeat">
+      <a:schemeClr val="dk1"/>
+    </dgm:txFillClrLst>
+    <dgm:txEffectClrLst/>
+  </dgm:styleLbl>
+  <dgm:styleLbl name="alignAcc1">
+    <dgm:fillClrLst meth="repeat">
+      <a:schemeClr val="lt1">
+        <a:alpha val="90000"/>
+      </a:schemeClr>
+    </dgm:fillClrLst>
+    <dgm:linClrLst meth="repeat">
+      <a:schemeClr val="accent1"/>
+    </dgm:linClrLst>
+    <dgm:effectClrLst/>
+    <dgm:txLinClrLst/>
+    <dgm:txFillClrLst meth="repeat">
+      <a:schemeClr val="dk1"/>
+    </dgm:txFillClrLst>
+    <dgm:txEffectClrLst/>
+  </dgm:styleLbl>
+  <dgm:styleLbl name="trAlignAcc1">
+    <dgm:fillClrLst meth="repeat">
+      <a:schemeClr val="lt1">
+        <a:alpha val="40000"/>
+      </a:schemeClr>
+    </dgm:fillClrLst>
+    <dgm:linClrLst meth="repeat">
+      <a:schemeClr val="accent1"/>
+    </dgm:linClrLst>
+    <dgm:effectClrLst/>
+    <dgm:txLinClrLst/>
+    <dgm:txFillClrLst meth="repeat">
+      <a:schemeClr val="dk1"/>
+    </dgm:txFillClrLst>
+    <dgm:txEffectClrLst/>
+  </dgm:styleLbl>
+  <dgm:styleLbl name="bgAcc1">
+    <dgm:fillClrLst meth="repeat">
+      <a:schemeClr val="lt1">
+        <a:alpha val="90000"/>
+      </a:schemeClr>
+    </dgm:fillClrLst>
+    <dgm:linClrLst meth="repeat">
+      <a:schemeClr val="accent1"/>
+    </dgm:linClrLst>
+    <dgm:effectClrLst/>
+    <dgm:txLinClrLst/>
+    <dgm:txFillClrLst meth="repeat">
+      <a:schemeClr val="dk1"/>
+    </dgm:txFillClrLst>
+    <dgm:txEffectClrLst/>
+  </dgm:styleLbl>
+  <dgm:styleLbl name="solidFgAcc1">
+    <dgm:fillClrLst meth="repeat">
+      <a:schemeClr val="lt1"/>
+    </dgm:fillClrLst>
+    <dgm:linClrLst meth="repeat">
+      <a:schemeClr val="accent1"/>
+    </dgm:linClrLst>
+    <dgm:effectClrLst/>
+    <dgm:txLinClrLst/>
+    <dgm:txFillClrLst meth="repeat">
+      <a:schemeClr val="dk1"/>
+    </dgm:txFillClrLst>
+    <dgm:txEffectClrLst/>
+  </dgm:styleLbl>
+  <dgm:styleLbl name="solidAlignAcc1">
+    <dgm:fillClrLst meth="repeat">
+      <a:schemeClr val="lt1"/>
+    </dgm:fillClrLst>
+    <dgm:linClrLst meth="repeat">
+      <a:schemeClr val="accent1"/>
+    </dgm:linClrLst>
+    <dgm:effectClrLst/>
+    <dgm:txLinClrLst/>
+    <dgm:txFillClrLst meth="repeat">
+      <a:schemeClr val="dk1"/>
+    </dgm:txFillClrLst>
+    <dgm:txEffectClrLst/>
+  </dgm:styleLbl>
+  <dgm:styleLbl name="solidBgAcc1">
+    <dgm:fillClrLst meth="repeat">
+      <a:schemeClr val="lt1"/>
+    </dgm:fillClrLst>
+    <dgm:linClrLst meth="repeat">
+      <a:schemeClr val="accent1"/>
+    </dgm:linClrLst>
+    <dgm:effectClrLst/>
+    <dgm:txLinClrLst/>
+    <dgm:txFillClrLst meth="repeat">
+      <a:schemeClr val="dk1"/>
+    </dgm:txFillClrLst>
+    <dgm:txEffectClrLst/>
+  </dgm:styleLbl>
+  <dgm:styleLbl name="fgAccFollowNode1">
+    <dgm:fillClrLst meth="repeat">
+      <a:schemeClr val="accent1">
+        <a:alpha val="90000"/>
+        <a:tint val="40000"/>
+      </a:schemeClr>
+    </dgm:fillClrLst>
+    <dgm:linClrLst meth="repeat">
+      <a:schemeClr val="accent1">
+        <a:alpha val="90000"/>
+        <a:tint val="40000"/>
+      </a:schemeClr>
+    </dgm:linClrLst>
+    <dgm:effectClrLst/>
+    <dgm:txLinClrLst/>
+    <dgm:txFillClrLst meth="repeat">
+      <a:schemeClr val="dk1"/>
+    </dgm:txFillClrLst>
+    <dgm:txEffectClrLst/>
+  </dgm:styleLbl>
+  <dgm:styleLbl name="alignAccFollowNode1">
+    <dgm:fillClrLst meth="repeat">
+      <a:schemeClr val="accent1">
+        <a:alpha val="90000"/>
+        <a:tint val="40000"/>
+      </a:schemeClr>
+    </dgm:fillClrLst>
+    <dgm:linClrLst meth="repeat">
+      <a:schemeClr val="accent1">
+        <a:alpha val="90000"/>
+        <a:tint val="40000"/>
+      </a:schemeClr>
+    </dgm:linClrLst>
+    <dgm:effectClrLst/>
+    <dgm:txLinClrLst/>
+    <dgm:txFillClrLst meth="repeat">
+      <a:schemeClr val="dk1"/>
+    </dgm:txFillClrLst>
+    <dgm:txEffectClrLst/>
+  </dgm:styleLbl>
+  <dgm:styleLbl name="bgAccFollowNode1">
+    <dgm:fillClrLst meth="repeat">
+      <a:schemeClr val="accent1">
+        <a:alpha val="90000"/>
+        <a:tint val="40000"/>
+      </a:schemeClr>
+    </dgm:fillClrLst>
+    <dgm:linClrLst meth="repeat">
+      <a:schemeClr val="accent1">
+        <a:alpha val="90000"/>
+        <a:tint val="40000"/>
+      </a:schemeClr>
+    </dgm:linClrLst>
+    <dgm:effectClrLst/>
+    <dgm:txLinClrLst/>
+    <dgm:txFillClrLst meth="repeat">
+      <a:schemeClr val="dk1"/>
+    </dgm:txFillClrLst>
+    <dgm:txEffectClrLst/>
+  </dgm:styleLbl>
+  <dgm:styleLbl name="fgAcc0">
+    <dgm:fillClrLst meth="repeat">
+      <a:schemeClr val="lt1">
+        <a:alpha val="90000"/>
+      </a:schemeClr>
+    </dgm:fillClrLst>
+    <dgm:linClrLst meth="repeat">
+      <a:schemeClr val="accent1"/>
+    </dgm:linClrLst>
+    <dgm:effectClrLst/>
+    <dgm:txLinClrLst/>
+    <dgm:txFillClrLst meth="repeat">
+      <a:schemeClr val="dk1"/>
+    </dgm:txFillClrLst>
+    <dgm:txEffectClrLst/>
+  </dgm:styleLbl>
+  <dgm:styleLbl name="fgAcc2">
+    <dgm:fillClrLst meth="repeat">
+      <a:schemeClr val="lt1">
+        <a:alpha val="90000"/>
+      </a:schemeClr>
+    </dgm:fillClrLst>
+    <dgm:linClrLst meth="repeat">
+      <a:schemeClr val="accent1"/>
+    </dgm:linClrLst>
+    <dgm:effectClrLst/>
+    <dgm:txLinClrLst/>
+    <dgm:txFillClrLst meth="repeat">
+      <a:schemeClr val="dk1"/>
+    </dgm:txFillClrLst>
+    <dgm:txEffectClrLst/>
+  </dgm:styleLbl>
+  <dgm:styleLbl name="fgAcc3">
+    <dgm:fillClrLst meth="repeat">
+      <a:schemeClr val="lt1">
+        <a:alpha val="90000"/>
+      </a:schemeClr>
+    </dgm:fillClrLst>
+    <dgm:linClrLst meth="repeat">
+      <a:schemeClr val="accent1"/>
+    </dgm:linClrLst>
+    <dgm:effectClrLst/>
+    <dgm:txLinClrLst/>
+    <dgm:txFillClrLst meth="repeat">
+      <a:schemeClr val="dk1"/>
+    </dgm:txFillClrLst>
+    <dgm:txEffectClrLst/>
+  </dgm:styleLbl>
+  <dgm:styleLbl name="fgAcc4">
+    <dgm:fillClrLst meth="repeat">
+      <a:schemeClr val="lt1">
+        <a:alpha val="90000"/>
+      </a:schemeClr>
+    </dgm:fillClrLst>
+    <dgm:linClrLst meth="repeat">
+      <a:schemeClr val="accent1"/>
+    </dgm:linClrLst>
+    <dgm:effectClrLst/>
+    <dgm:txLinClrLst/>
+    <dgm:txFillClrLst meth="repeat">
+      <a:schemeClr val="dk1"/>
+    </dgm:txFillClrLst>
+    <dgm:txEffectClrLst/>
+  </dgm:styleLbl>
+  <dgm:styleLbl name="bgShp">
+    <dgm:fillClrLst meth="repeat">
+      <a:schemeClr val="accent1">
+        <a:tint val="40000"/>
+      </a:schemeClr>
+    </dgm:fillClrLst>
+    <dgm:linClrLst meth="repeat">
+      <a:schemeClr val="accent1"/>
+    </dgm:linClrLst>
+    <dgm:effectClrLst/>
+    <dgm:txLinClrLst/>
+    <dgm:txFillClrLst meth="repeat">
+      <a:schemeClr val="dk1"/>
+    </dgm:txFillClrLst>
+    <dgm:txEffectClrLst/>
+  </dgm:styleLbl>
+  <dgm:styleLbl name="dkBgShp">
+    <dgm:fillClrLst meth="repeat">
+      <a:schemeClr val="accent1">
+        <a:shade val="80000"/>
+      </a:schemeClr>
+    </dgm:fillClrLst>
+    <dgm:linClrLst meth="repeat">
+      <a:schemeClr val="accent1"/>
+    </dgm:linClrLst>
+    <dgm:effectClrLst/>
+    <dgm:txLinClrLst/>
+    <dgm:txFillClrLst meth="repeat">
+      <a:schemeClr val="lt1"/>
+    </dgm:txFillClrLst>
+    <dgm:txEffectClrLst/>
+  </dgm:styleLbl>
+  <dgm:styleLbl name="trBgShp">
+    <dgm:fillClrLst meth="repeat">
+      <a:schemeClr val="accent1">
+        <a:tint val="50000"/>
+        <a:alpha val="40000"/>
+      </a:schemeClr>
+    </dgm:fillClrLst>
+    <dgm:linClrLst meth="repeat">
+      <a:schemeClr val="accent1"/>
+    </dgm:linClrLst>
+    <dgm:effectClrLst/>
+    <dgm:txLinClrLst/>
+    <dgm:txFillClrLst meth="repeat">
+      <a:schemeClr val="lt1"/>
+    </dgm:txFillClrLst>
+    <dgm:txEffectClrLst/>
+  </dgm:styleLbl>
+  <dgm:styleLbl name="fgShp">
+    <dgm:fillClrLst meth="repeat">
+      <a:schemeClr val="accent1">
+        <a:tint val="60000"/>
+      </a:schemeClr>
+    </dgm:fillClrLst>
+    <dgm:linClrLst meth="repeat">
+      <a:schemeClr val="lt1"/>
+    </dgm:linClrLst>
+    <dgm:effectClrLst/>
+    <dgm:txLinClrLst/>
+    <dgm:txFillClrLst meth="repeat">
+      <a:schemeClr val="dk1"/>
+    </dgm:txFillClrLst>
+    <dgm:txEffectClrLst/>
+  </dgm:styleLbl>
+  <dgm:styleLbl name="revTx">
+    <dgm:fillClrLst meth="repeat">
+      <a:schemeClr val="lt1">
+        <a:alpha val="0"/>
+      </a:schemeClr>
+    </dgm:fillClrLst>
+    <dgm:linClrLst meth="repeat">
+      <a:schemeClr val="dk1">
+        <a:alpha val="0"/>
+      </a:schemeClr>
+    </dgm:linClrLst>
+    <dgm:effectClrLst/>
+    <dgm:txLinClrLst/>
+    <dgm:txFillClrLst meth="repeat">
+      <a:schemeClr val="tx1"/>
+    </dgm:txFillClrLst>
+    <dgm:txEffectClrLst/>
+  </dgm:styleLbl>
+</dgm:colorsDef>
+</file>
+
 <file path=ppt/diagrams/colors2.xml><?xml version="1.0" encoding="utf-8"?>
 <dgm:colorsDef xmlns:dgm="http://schemas.openxmlformats.org/drawingml/2006/diagram" xmlns:a="http://schemas.openxmlformats.org/drawingml/2006/main" uniqueId="urn:microsoft.com/office/officeart/2005/8/colors/accent1_2">
   <dgm:title val=""/>
@@ -4647,6 +5398,753 @@
 </file>
 
 <file path=ppt/diagrams/colors7.xml><?xml version="1.0" encoding="utf-8"?>
+<dgm:colorsDef xmlns:dgm="http://schemas.openxmlformats.org/drawingml/2006/diagram" xmlns:a="http://schemas.openxmlformats.org/drawingml/2006/main" uniqueId="urn:microsoft.com/office/officeart/2005/8/colors/accent1_2">
+  <dgm:title val=""/>
+  <dgm:desc val=""/>
+  <dgm:catLst>
+    <dgm:cat type="accent1" pri="11200"/>
+  </dgm:catLst>
+  <dgm:styleLbl name="node0">
+    <dgm:fillClrLst meth="repeat">
+      <a:schemeClr val="accent1"/>
+    </dgm:fillClrLst>
+    <dgm:linClrLst meth="repeat">
+      <a:schemeClr val="lt1"/>
+    </dgm:linClrLst>
+    <dgm:effectClrLst/>
+    <dgm:txLinClrLst/>
+    <dgm:txFillClrLst/>
+    <dgm:txEffectClrLst/>
+  </dgm:styleLbl>
+  <dgm:styleLbl name="alignNode1">
+    <dgm:fillClrLst meth="repeat">
+      <a:schemeClr val="accent1"/>
+    </dgm:fillClrLst>
+    <dgm:linClrLst meth="repeat">
+      <a:schemeClr val="accent1"/>
+    </dgm:linClrLst>
+    <dgm:effectClrLst/>
+    <dgm:txLinClrLst/>
+    <dgm:txFillClrLst/>
+    <dgm:txEffectClrLst/>
+  </dgm:styleLbl>
+  <dgm:styleLbl name="node1">
+    <dgm:fillClrLst meth="repeat">
+      <a:schemeClr val="accent1"/>
+    </dgm:fillClrLst>
+    <dgm:linClrLst meth="repeat">
+      <a:schemeClr val="lt1"/>
+    </dgm:linClrLst>
+    <dgm:effectClrLst/>
+    <dgm:txLinClrLst/>
+    <dgm:txFillClrLst/>
+    <dgm:txEffectClrLst/>
+  </dgm:styleLbl>
+  <dgm:styleLbl name="lnNode1">
+    <dgm:fillClrLst meth="repeat">
+      <a:schemeClr val="accent1"/>
+    </dgm:fillClrLst>
+    <dgm:linClrLst meth="repeat">
+      <a:schemeClr val="lt1"/>
+    </dgm:linClrLst>
+    <dgm:effectClrLst/>
+    <dgm:txLinClrLst/>
+    <dgm:txFillClrLst/>
+    <dgm:txEffectClrLst/>
+  </dgm:styleLbl>
+  <dgm:styleLbl name="vennNode1">
+    <dgm:fillClrLst meth="repeat">
+      <a:schemeClr val="accent1">
+        <a:alpha val="50000"/>
+      </a:schemeClr>
+    </dgm:fillClrLst>
+    <dgm:linClrLst meth="repeat">
+      <a:schemeClr val="lt1"/>
+    </dgm:linClrLst>
+    <dgm:effectClrLst/>
+    <dgm:txLinClrLst/>
+    <dgm:txFillClrLst/>
+    <dgm:txEffectClrLst/>
+  </dgm:styleLbl>
+  <dgm:styleLbl name="node2">
+    <dgm:fillClrLst meth="repeat">
+      <a:schemeClr val="accent1"/>
+    </dgm:fillClrLst>
+    <dgm:linClrLst meth="repeat">
+      <a:schemeClr val="lt1"/>
+    </dgm:linClrLst>
+    <dgm:effectClrLst/>
+    <dgm:txLinClrLst/>
+    <dgm:txFillClrLst/>
+    <dgm:txEffectClrLst/>
+  </dgm:styleLbl>
+  <dgm:styleLbl name="node3">
+    <dgm:fillClrLst meth="repeat">
+      <a:schemeClr val="accent1"/>
+    </dgm:fillClrLst>
+    <dgm:linClrLst meth="repeat">
+      <a:schemeClr val="lt1"/>
+    </dgm:linClrLst>
+    <dgm:effectClrLst/>
+    <dgm:txLinClrLst/>
+    <dgm:txFillClrLst/>
+    <dgm:txEffectClrLst/>
+  </dgm:styleLbl>
+  <dgm:styleLbl name="node4">
+    <dgm:fillClrLst meth="repeat">
+      <a:schemeClr val="accent1"/>
+    </dgm:fillClrLst>
+    <dgm:linClrLst meth="repeat">
+      <a:schemeClr val="lt1"/>
+    </dgm:linClrLst>
+    <dgm:effectClrLst/>
+    <dgm:txLinClrLst/>
+    <dgm:txFillClrLst/>
+    <dgm:txEffectClrLst/>
+  </dgm:styleLbl>
+  <dgm:styleLbl name="fgImgPlace1">
+    <dgm:fillClrLst meth="repeat">
+      <a:schemeClr val="accent1">
+        <a:tint val="50000"/>
+      </a:schemeClr>
+    </dgm:fillClrLst>
+    <dgm:linClrLst meth="repeat">
+      <a:schemeClr val="lt1"/>
+    </dgm:linClrLst>
+    <dgm:effectClrLst/>
+    <dgm:txLinClrLst/>
+    <dgm:txFillClrLst meth="repeat">
+      <a:schemeClr val="lt1"/>
+    </dgm:txFillClrLst>
+    <dgm:txEffectClrLst/>
+  </dgm:styleLbl>
+  <dgm:styleLbl name="alignImgPlace1">
+    <dgm:fillClrLst meth="repeat">
+      <a:schemeClr val="accent1">
+        <a:tint val="50000"/>
+      </a:schemeClr>
+    </dgm:fillClrLst>
+    <dgm:linClrLst meth="repeat">
+      <a:schemeClr val="lt1"/>
+    </dgm:linClrLst>
+    <dgm:effectClrLst/>
+    <dgm:txLinClrLst/>
+    <dgm:txFillClrLst meth="repeat">
+      <a:schemeClr val="lt1"/>
+    </dgm:txFillClrLst>
+    <dgm:txEffectClrLst/>
+  </dgm:styleLbl>
+  <dgm:styleLbl name="bgImgPlace1">
+    <dgm:fillClrLst meth="repeat">
+      <a:schemeClr val="accent1">
+        <a:tint val="50000"/>
+      </a:schemeClr>
+    </dgm:fillClrLst>
+    <dgm:linClrLst meth="repeat">
+      <a:schemeClr val="lt1"/>
+    </dgm:linClrLst>
+    <dgm:effectClrLst/>
+    <dgm:txLinClrLst/>
+    <dgm:txFillClrLst meth="repeat">
+      <a:schemeClr val="lt1"/>
+    </dgm:txFillClrLst>
+    <dgm:txEffectClrLst/>
+  </dgm:styleLbl>
+  <dgm:styleLbl name="sibTrans2D1">
+    <dgm:fillClrLst meth="repeat">
+      <a:schemeClr val="accent1">
+        <a:tint val="60000"/>
+      </a:schemeClr>
+    </dgm:fillClrLst>
+    <dgm:linClrLst meth="repeat">
+      <a:schemeClr val="accent1">
+        <a:tint val="60000"/>
+      </a:schemeClr>
+    </dgm:linClrLst>
+    <dgm:effectClrLst/>
+    <dgm:txLinClrLst/>
+    <dgm:txFillClrLst/>
+    <dgm:txEffectClrLst/>
+  </dgm:styleLbl>
+  <dgm:styleLbl name="fgSibTrans2D1">
+    <dgm:fillClrLst meth="repeat">
+      <a:schemeClr val="accent1">
+        <a:tint val="60000"/>
+      </a:schemeClr>
+    </dgm:fillClrLst>
+    <dgm:linClrLst meth="repeat">
+      <a:schemeClr val="accent1">
+        <a:tint val="60000"/>
+      </a:schemeClr>
+    </dgm:linClrLst>
+    <dgm:effectClrLst/>
+    <dgm:txLinClrLst/>
+    <dgm:txFillClrLst/>
+    <dgm:txEffectClrLst/>
+  </dgm:styleLbl>
+  <dgm:styleLbl name="bgSibTrans2D1">
+    <dgm:fillClrLst meth="repeat">
+      <a:schemeClr val="accent1">
+        <a:tint val="60000"/>
+      </a:schemeClr>
+    </dgm:fillClrLst>
+    <dgm:linClrLst meth="repeat">
+      <a:schemeClr val="accent1">
+        <a:tint val="60000"/>
+      </a:schemeClr>
+    </dgm:linClrLst>
+    <dgm:effectClrLst/>
+    <dgm:txLinClrLst/>
+    <dgm:txFillClrLst/>
+    <dgm:txEffectClrLst/>
+  </dgm:styleLbl>
+  <dgm:styleLbl name="sibTrans1D1">
+    <dgm:fillClrLst meth="repeat">
+      <a:schemeClr val="accent1"/>
+    </dgm:fillClrLst>
+    <dgm:linClrLst meth="repeat">
+      <a:schemeClr val="accent1"/>
+    </dgm:linClrLst>
+    <dgm:effectClrLst/>
+    <dgm:txLinClrLst/>
+    <dgm:txFillClrLst meth="repeat">
+      <a:schemeClr val="tx1"/>
+    </dgm:txFillClrLst>
+    <dgm:txEffectClrLst/>
+  </dgm:styleLbl>
+  <dgm:styleLbl name="callout">
+    <dgm:fillClrLst meth="repeat">
+      <a:schemeClr val="accent1"/>
+    </dgm:fillClrLst>
+    <dgm:linClrLst meth="repeat">
+      <a:schemeClr val="accent1">
+        <a:tint val="50000"/>
+      </a:schemeClr>
+    </dgm:linClrLst>
+    <dgm:effectClrLst/>
+    <dgm:txLinClrLst/>
+    <dgm:txFillClrLst meth="repeat">
+      <a:schemeClr val="tx1"/>
+    </dgm:txFillClrLst>
+    <dgm:txEffectClrLst/>
+  </dgm:styleLbl>
+  <dgm:styleLbl name="asst0">
+    <dgm:fillClrLst meth="repeat">
+      <a:schemeClr val="accent1"/>
+    </dgm:fillClrLst>
+    <dgm:linClrLst meth="repeat">
+      <a:schemeClr val="lt1"/>
+    </dgm:linClrLst>
+    <dgm:effectClrLst/>
+    <dgm:txLinClrLst/>
+    <dgm:txFillClrLst/>
+    <dgm:txEffectClrLst/>
+  </dgm:styleLbl>
+  <dgm:styleLbl name="asst1">
+    <dgm:fillClrLst meth="repeat">
+      <a:schemeClr val="accent1"/>
+    </dgm:fillClrLst>
+    <dgm:linClrLst meth="repeat">
+      <a:schemeClr val="lt1"/>
+    </dgm:linClrLst>
+    <dgm:effectClrLst/>
+    <dgm:txLinClrLst/>
+    <dgm:txFillClrLst/>
+    <dgm:txEffectClrLst/>
+  </dgm:styleLbl>
+  <dgm:styleLbl name="asst2">
+    <dgm:fillClrLst meth="repeat">
+      <a:schemeClr val="accent1"/>
+    </dgm:fillClrLst>
+    <dgm:linClrLst meth="repeat">
+      <a:schemeClr val="lt1"/>
+    </dgm:linClrLst>
+    <dgm:effectClrLst/>
+    <dgm:txLinClrLst/>
+    <dgm:txFillClrLst/>
+    <dgm:txEffectClrLst/>
+  </dgm:styleLbl>
+  <dgm:styleLbl name="asst3">
+    <dgm:fillClrLst meth="repeat">
+      <a:schemeClr val="accent1"/>
+    </dgm:fillClrLst>
+    <dgm:linClrLst meth="repeat">
+      <a:schemeClr val="lt1"/>
+    </dgm:linClrLst>
+    <dgm:effectClrLst/>
+    <dgm:txLinClrLst/>
+    <dgm:txFillClrLst/>
+    <dgm:txEffectClrLst/>
+  </dgm:styleLbl>
+  <dgm:styleLbl name="asst4">
+    <dgm:fillClrLst meth="repeat">
+      <a:schemeClr val="accent1"/>
+    </dgm:fillClrLst>
+    <dgm:linClrLst meth="repeat">
+      <a:schemeClr val="lt1"/>
+    </dgm:linClrLst>
+    <dgm:effectClrLst/>
+    <dgm:txLinClrLst/>
+    <dgm:txFillClrLst/>
+    <dgm:txEffectClrLst/>
+  </dgm:styleLbl>
+  <dgm:styleLbl name="parChTrans2D1">
+    <dgm:fillClrLst meth="repeat">
+      <a:schemeClr val="accent1">
+        <a:tint val="60000"/>
+      </a:schemeClr>
+    </dgm:fillClrLst>
+    <dgm:linClrLst meth="repeat">
+      <a:schemeClr val="accent1">
+        <a:tint val="60000"/>
+      </a:schemeClr>
+    </dgm:linClrLst>
+    <dgm:effectClrLst/>
+    <dgm:txLinClrLst/>
+    <dgm:txFillClrLst meth="repeat">
+      <a:schemeClr val="lt1"/>
+    </dgm:txFillClrLst>
+    <dgm:txEffectClrLst/>
+  </dgm:styleLbl>
+  <dgm:styleLbl name="parChTrans2D2">
+    <dgm:fillClrLst meth="repeat">
+      <a:schemeClr val="accent1"/>
+    </dgm:fillClrLst>
+    <dgm:linClrLst meth="repeat">
+      <a:schemeClr val="accent1"/>
+    </dgm:linClrLst>
+    <dgm:effectClrLst/>
+    <dgm:txLinClrLst/>
+    <dgm:txFillClrLst meth="repeat">
+      <a:schemeClr val="lt1"/>
+    </dgm:txFillClrLst>
+    <dgm:txEffectClrLst/>
+  </dgm:styleLbl>
+  <dgm:styleLbl name="parChTrans2D3">
+    <dgm:fillClrLst meth="repeat">
+      <a:schemeClr val="accent1"/>
+    </dgm:fillClrLst>
+    <dgm:linClrLst meth="repeat">
+      <a:schemeClr val="accent1"/>
+    </dgm:linClrLst>
+    <dgm:effectClrLst/>
+    <dgm:txLinClrLst/>
+    <dgm:txFillClrLst meth="repeat">
+      <a:schemeClr val="lt1"/>
+    </dgm:txFillClrLst>
+    <dgm:txEffectClrLst/>
+  </dgm:styleLbl>
+  <dgm:styleLbl name="parChTrans2D4">
+    <dgm:fillClrLst meth="repeat">
+      <a:schemeClr val="accent1"/>
+    </dgm:fillClrLst>
+    <dgm:linClrLst meth="repeat">
+      <a:schemeClr val="accent1"/>
+    </dgm:linClrLst>
+    <dgm:effectClrLst/>
+    <dgm:txLinClrLst/>
+    <dgm:txFillClrLst meth="repeat">
+      <a:schemeClr val="lt1"/>
+    </dgm:txFillClrLst>
+    <dgm:txEffectClrLst/>
+  </dgm:styleLbl>
+  <dgm:styleLbl name="parChTrans1D1">
+    <dgm:fillClrLst meth="repeat">
+      <a:schemeClr val="accent1"/>
+    </dgm:fillClrLst>
+    <dgm:linClrLst meth="repeat">
+      <a:schemeClr val="accent1">
+        <a:shade val="60000"/>
+      </a:schemeClr>
+    </dgm:linClrLst>
+    <dgm:effectClrLst/>
+    <dgm:txLinClrLst/>
+    <dgm:txFillClrLst meth="repeat">
+      <a:schemeClr val="tx1"/>
+    </dgm:txFillClrLst>
+    <dgm:txEffectClrLst/>
+  </dgm:styleLbl>
+  <dgm:styleLbl name="parChTrans1D2">
+    <dgm:fillClrLst meth="repeat">
+      <a:schemeClr val="accent1"/>
+    </dgm:fillClrLst>
+    <dgm:linClrLst meth="repeat">
+      <a:schemeClr val="accent1">
+        <a:shade val="60000"/>
+      </a:schemeClr>
+    </dgm:linClrLst>
+    <dgm:effectClrLst/>
+    <dgm:txLinClrLst/>
+    <dgm:txFillClrLst meth="repeat">
+      <a:schemeClr val="tx1"/>
+    </dgm:txFillClrLst>
+    <dgm:txEffectClrLst/>
+  </dgm:styleLbl>
+  <dgm:styleLbl name="parChTrans1D3">
+    <dgm:fillClrLst meth="repeat">
+      <a:schemeClr val="accent1"/>
+    </dgm:fillClrLst>
+    <dgm:linClrLst meth="repeat">
+      <a:schemeClr val="accent1">
+        <a:shade val="80000"/>
+      </a:schemeClr>
+    </dgm:linClrLst>
+    <dgm:effectClrLst/>
+    <dgm:txLinClrLst/>
+    <dgm:txFillClrLst meth="repeat">
+      <a:schemeClr val="tx1"/>
+    </dgm:txFillClrLst>
+    <dgm:txEffectClrLst/>
+  </dgm:styleLbl>
+  <dgm:styleLbl name="parChTrans1D4">
+    <dgm:fillClrLst meth="repeat">
+      <a:schemeClr val="accent1"/>
+    </dgm:fillClrLst>
+    <dgm:linClrLst meth="repeat">
+      <a:schemeClr val="accent1">
+        <a:shade val="80000"/>
+      </a:schemeClr>
+    </dgm:linClrLst>
+    <dgm:effectClrLst/>
+    <dgm:txLinClrLst/>
+    <dgm:txFillClrLst meth="repeat">
+      <a:schemeClr val="tx1"/>
+    </dgm:txFillClrLst>
+    <dgm:txEffectClrLst/>
+  </dgm:styleLbl>
+  <dgm:styleLbl name="fgAcc1">
+    <dgm:fillClrLst meth="repeat">
+      <a:schemeClr val="lt1">
+        <a:alpha val="90000"/>
+      </a:schemeClr>
+    </dgm:fillClrLst>
+    <dgm:linClrLst meth="repeat">
+      <a:schemeClr val="accent1"/>
+    </dgm:linClrLst>
+    <dgm:effectClrLst/>
+    <dgm:txLinClrLst/>
+    <dgm:txFillClrLst meth="repeat">
+      <a:schemeClr val="dk1"/>
+    </dgm:txFillClrLst>
+    <dgm:txEffectClrLst/>
+  </dgm:styleLbl>
+  <dgm:styleLbl name="conFgAcc1">
+    <dgm:fillClrLst meth="repeat">
+      <a:schemeClr val="lt1">
+        <a:alpha val="90000"/>
+      </a:schemeClr>
+    </dgm:fillClrLst>
+    <dgm:linClrLst meth="repeat">
+      <a:schemeClr val="accent1"/>
+    </dgm:linClrLst>
+    <dgm:effectClrLst/>
+    <dgm:txLinClrLst/>
+    <dgm:txFillClrLst meth="repeat">
+      <a:schemeClr val="dk1"/>
+    </dgm:txFillClrLst>
+    <dgm:txEffectClrLst/>
+  </dgm:styleLbl>
+  <dgm:styleLbl name="alignAcc1">
+    <dgm:fillClrLst meth="repeat">
+      <a:schemeClr val="lt1">
+        <a:alpha val="90000"/>
+      </a:schemeClr>
+    </dgm:fillClrLst>
+    <dgm:linClrLst meth="repeat">
+      <a:schemeClr val="accent1"/>
+    </dgm:linClrLst>
+    <dgm:effectClrLst/>
+    <dgm:txLinClrLst/>
+    <dgm:txFillClrLst meth="repeat">
+      <a:schemeClr val="dk1"/>
+    </dgm:txFillClrLst>
+    <dgm:txEffectClrLst/>
+  </dgm:styleLbl>
+  <dgm:styleLbl name="trAlignAcc1">
+    <dgm:fillClrLst meth="repeat">
+      <a:schemeClr val="lt1">
+        <a:alpha val="40000"/>
+      </a:schemeClr>
+    </dgm:fillClrLst>
+    <dgm:linClrLst meth="repeat">
+      <a:schemeClr val="accent1"/>
+    </dgm:linClrLst>
+    <dgm:effectClrLst/>
+    <dgm:txLinClrLst/>
+    <dgm:txFillClrLst meth="repeat">
+      <a:schemeClr val="dk1"/>
+    </dgm:txFillClrLst>
+    <dgm:txEffectClrLst/>
+  </dgm:styleLbl>
+  <dgm:styleLbl name="bgAcc1">
+    <dgm:fillClrLst meth="repeat">
+      <a:schemeClr val="lt1">
+        <a:alpha val="90000"/>
+      </a:schemeClr>
+    </dgm:fillClrLst>
+    <dgm:linClrLst meth="repeat">
+      <a:schemeClr val="accent1"/>
+    </dgm:linClrLst>
+    <dgm:effectClrLst/>
+    <dgm:txLinClrLst/>
+    <dgm:txFillClrLst meth="repeat">
+      <a:schemeClr val="dk1"/>
+    </dgm:txFillClrLst>
+    <dgm:txEffectClrLst/>
+  </dgm:styleLbl>
+  <dgm:styleLbl name="solidFgAcc1">
+    <dgm:fillClrLst meth="repeat">
+      <a:schemeClr val="lt1"/>
+    </dgm:fillClrLst>
+    <dgm:linClrLst meth="repeat">
+      <a:schemeClr val="accent1"/>
+    </dgm:linClrLst>
+    <dgm:effectClrLst/>
+    <dgm:txLinClrLst/>
+    <dgm:txFillClrLst meth="repeat">
+      <a:schemeClr val="dk1"/>
+    </dgm:txFillClrLst>
+    <dgm:txEffectClrLst/>
+  </dgm:styleLbl>
+  <dgm:styleLbl name="solidAlignAcc1">
+    <dgm:fillClrLst meth="repeat">
+      <a:schemeClr val="lt1"/>
+    </dgm:fillClrLst>
+    <dgm:linClrLst meth="repeat">
+      <a:schemeClr val="accent1"/>
+    </dgm:linClrLst>
+    <dgm:effectClrLst/>
+    <dgm:txLinClrLst/>
+    <dgm:txFillClrLst meth="repeat">
+      <a:schemeClr val="dk1"/>
+    </dgm:txFillClrLst>
+    <dgm:txEffectClrLst/>
+  </dgm:styleLbl>
+  <dgm:styleLbl name="solidBgAcc1">
+    <dgm:fillClrLst meth="repeat">
+      <a:schemeClr val="lt1"/>
+    </dgm:fillClrLst>
+    <dgm:linClrLst meth="repeat">
+      <a:schemeClr val="accent1"/>
+    </dgm:linClrLst>
+    <dgm:effectClrLst/>
+    <dgm:txLinClrLst/>
+    <dgm:txFillClrLst meth="repeat">
+      <a:schemeClr val="dk1"/>
+    </dgm:txFillClrLst>
+    <dgm:txEffectClrLst/>
+  </dgm:styleLbl>
+  <dgm:styleLbl name="fgAccFollowNode1">
+    <dgm:fillClrLst meth="repeat">
+      <a:schemeClr val="accent1">
+        <a:alpha val="90000"/>
+        <a:tint val="40000"/>
+      </a:schemeClr>
+    </dgm:fillClrLst>
+    <dgm:linClrLst meth="repeat">
+      <a:schemeClr val="accent1">
+        <a:alpha val="90000"/>
+        <a:tint val="40000"/>
+      </a:schemeClr>
+    </dgm:linClrLst>
+    <dgm:effectClrLst/>
+    <dgm:txLinClrLst/>
+    <dgm:txFillClrLst meth="repeat">
+      <a:schemeClr val="dk1"/>
+    </dgm:txFillClrLst>
+    <dgm:txEffectClrLst/>
+  </dgm:styleLbl>
+  <dgm:styleLbl name="alignAccFollowNode1">
+    <dgm:fillClrLst meth="repeat">
+      <a:schemeClr val="accent1">
+        <a:alpha val="90000"/>
+        <a:tint val="40000"/>
+      </a:schemeClr>
+    </dgm:fillClrLst>
+    <dgm:linClrLst meth="repeat">
+      <a:schemeClr val="accent1">
+        <a:alpha val="90000"/>
+        <a:tint val="40000"/>
+      </a:schemeClr>
+    </dgm:linClrLst>
+    <dgm:effectClrLst/>
+    <dgm:txLinClrLst/>
+    <dgm:txFillClrLst meth="repeat">
+      <a:schemeClr val="dk1"/>
+    </dgm:txFillClrLst>
+    <dgm:txEffectClrLst/>
+  </dgm:styleLbl>
+  <dgm:styleLbl name="bgAccFollowNode1">
+    <dgm:fillClrLst meth="repeat">
+      <a:schemeClr val="accent1">
+        <a:alpha val="90000"/>
+        <a:tint val="40000"/>
+      </a:schemeClr>
+    </dgm:fillClrLst>
+    <dgm:linClrLst meth="repeat">
+      <a:schemeClr val="accent1">
+        <a:alpha val="90000"/>
+        <a:tint val="40000"/>
+      </a:schemeClr>
+    </dgm:linClrLst>
+    <dgm:effectClrLst/>
+    <dgm:txLinClrLst/>
+    <dgm:txFillClrLst meth="repeat">
+      <a:schemeClr val="dk1"/>
+    </dgm:txFillClrLst>
+    <dgm:txEffectClrLst/>
+  </dgm:styleLbl>
+  <dgm:styleLbl name="fgAcc0">
+    <dgm:fillClrLst meth="repeat">
+      <a:schemeClr val="lt1">
+        <a:alpha val="90000"/>
+      </a:schemeClr>
+    </dgm:fillClrLst>
+    <dgm:linClrLst meth="repeat">
+      <a:schemeClr val="accent1"/>
+    </dgm:linClrLst>
+    <dgm:effectClrLst/>
+    <dgm:txLinClrLst/>
+    <dgm:txFillClrLst meth="repeat">
+      <a:schemeClr val="dk1"/>
+    </dgm:txFillClrLst>
+    <dgm:txEffectClrLst/>
+  </dgm:styleLbl>
+  <dgm:styleLbl name="fgAcc2">
+    <dgm:fillClrLst meth="repeat">
+      <a:schemeClr val="lt1">
+        <a:alpha val="90000"/>
+      </a:schemeClr>
+    </dgm:fillClrLst>
+    <dgm:linClrLst meth="repeat">
+      <a:schemeClr val="accent1"/>
+    </dgm:linClrLst>
+    <dgm:effectClrLst/>
+    <dgm:txLinClrLst/>
+    <dgm:txFillClrLst meth="repeat">
+      <a:schemeClr val="dk1"/>
+    </dgm:txFillClrLst>
+    <dgm:txEffectClrLst/>
+  </dgm:styleLbl>
+  <dgm:styleLbl name="fgAcc3">
+    <dgm:fillClrLst meth="repeat">
+      <a:schemeClr val="lt1">
+        <a:alpha val="90000"/>
+      </a:schemeClr>
+    </dgm:fillClrLst>
+    <dgm:linClrLst meth="repeat">
+      <a:schemeClr val="accent1"/>
+    </dgm:linClrLst>
+    <dgm:effectClrLst/>
+    <dgm:txLinClrLst/>
+    <dgm:txFillClrLst meth="repeat">
+      <a:schemeClr val="dk1"/>
+    </dgm:txFillClrLst>
+    <dgm:txEffectClrLst/>
+  </dgm:styleLbl>
+  <dgm:styleLbl name="fgAcc4">
+    <dgm:fillClrLst meth="repeat">
+      <a:schemeClr val="lt1">
+        <a:alpha val="90000"/>
+      </a:schemeClr>
+    </dgm:fillClrLst>
+    <dgm:linClrLst meth="repeat">
+      <a:schemeClr val="accent1"/>
+    </dgm:linClrLst>
+    <dgm:effectClrLst/>
+    <dgm:txLinClrLst/>
+    <dgm:txFillClrLst meth="repeat">
+      <a:schemeClr val="dk1"/>
+    </dgm:txFillClrLst>
+    <dgm:txEffectClrLst/>
+  </dgm:styleLbl>
+  <dgm:styleLbl name="bgShp">
+    <dgm:fillClrLst meth="repeat">
+      <a:schemeClr val="accent1">
+        <a:tint val="40000"/>
+      </a:schemeClr>
+    </dgm:fillClrLst>
+    <dgm:linClrLst meth="repeat">
+      <a:schemeClr val="accent1"/>
+    </dgm:linClrLst>
+    <dgm:effectClrLst/>
+    <dgm:txLinClrLst/>
+    <dgm:txFillClrLst meth="repeat">
+      <a:schemeClr val="dk1"/>
+    </dgm:txFillClrLst>
+    <dgm:txEffectClrLst/>
+  </dgm:styleLbl>
+  <dgm:styleLbl name="dkBgShp">
+    <dgm:fillClrLst meth="repeat">
+      <a:schemeClr val="accent1">
+        <a:shade val="80000"/>
+      </a:schemeClr>
+    </dgm:fillClrLst>
+    <dgm:linClrLst meth="repeat">
+      <a:schemeClr val="accent1"/>
+    </dgm:linClrLst>
+    <dgm:effectClrLst/>
+    <dgm:txLinClrLst/>
+    <dgm:txFillClrLst meth="repeat">
+      <a:schemeClr val="lt1"/>
+    </dgm:txFillClrLst>
+    <dgm:txEffectClrLst/>
+  </dgm:styleLbl>
+  <dgm:styleLbl name="trBgShp">
+    <dgm:fillClrLst meth="repeat">
+      <a:schemeClr val="accent1">
+        <a:tint val="50000"/>
+        <a:alpha val="40000"/>
+      </a:schemeClr>
+    </dgm:fillClrLst>
+    <dgm:linClrLst meth="repeat">
+      <a:schemeClr val="accent1"/>
+    </dgm:linClrLst>
+    <dgm:effectClrLst/>
+    <dgm:txLinClrLst/>
+    <dgm:txFillClrLst meth="repeat">
+      <a:schemeClr val="lt1"/>
+    </dgm:txFillClrLst>
+    <dgm:txEffectClrLst/>
+  </dgm:styleLbl>
+  <dgm:styleLbl name="fgShp">
+    <dgm:fillClrLst meth="repeat">
+      <a:schemeClr val="accent1">
+        <a:tint val="60000"/>
+      </a:schemeClr>
+    </dgm:fillClrLst>
+    <dgm:linClrLst meth="repeat">
+      <a:schemeClr val="lt1"/>
+    </dgm:linClrLst>
+    <dgm:effectClrLst/>
+    <dgm:txLinClrLst/>
+    <dgm:txFillClrLst meth="repeat">
+      <a:schemeClr val="dk1"/>
+    </dgm:txFillClrLst>
+    <dgm:txEffectClrLst/>
+  </dgm:styleLbl>
+  <dgm:styleLbl name="revTx">
+    <dgm:fillClrLst meth="repeat">
+      <a:schemeClr val="lt1">
+        <a:alpha val="0"/>
+      </a:schemeClr>
+    </dgm:fillClrLst>
+    <dgm:linClrLst meth="repeat">
+      <a:schemeClr val="dk1">
+        <a:alpha val="0"/>
+      </a:schemeClr>
+    </dgm:linClrLst>
+    <dgm:effectClrLst/>
+    <dgm:txLinClrLst/>
+    <dgm:txFillClrLst meth="repeat">
+      <a:schemeClr val="tx1"/>
+    </dgm:txFillClrLst>
+    <dgm:txEffectClrLst/>
+  </dgm:styleLbl>
+</dgm:colorsDef>
+</file>
+
+<file path=ppt/diagrams/colors8.xml><?xml version="1.0" encoding="utf-8"?>
 <dgm:colorsDef xmlns:dgm="http://schemas.openxmlformats.org/drawingml/2006/diagram" xmlns:a="http://schemas.openxmlformats.org/drawingml/2006/main" uniqueId="urn:microsoft.com/office/officeart/2005/8/colors/accent0_3">
   <dgm:title val=""/>
   <dgm:desc val=""/>
@@ -5397,7 +6895,7 @@
 </dgm:colorsDef>
 </file>
 
-<file path=ppt/diagrams/colors8.xml><?xml version="1.0" encoding="utf-8"?>
+<file path=ppt/diagrams/colors9.xml><?xml version="1.0" encoding="utf-8"?>
 <dgm:colorsDef xmlns:dgm="http://schemas.openxmlformats.org/drawingml/2006/diagram" xmlns:a="http://schemas.openxmlformats.org/drawingml/2006/main" uniqueId="urn:microsoft.com/office/officeart/2005/8/colors/accent0_3">
   <dgm:title val=""/>
   <dgm:desc val=""/>
@@ -6391,6 +7889,458 @@
   <dgm:extLst>
     <a:ext uri="http://schemas.microsoft.com/office/drawing/2008/diagram">
       <dsp:dataModelExt xmlns:dsp="http://schemas.microsoft.com/office/drawing/2008/diagram" relId="rId9" minVer="http://schemas.openxmlformats.org/drawingml/2006/diagram"/>
+    </a:ext>
+  </dgm:extLst>
+</dgm:dataModel>
+</file>
+
+<file path=ppt/diagrams/data10.xml><?xml version="1.0" encoding="utf-8"?>
+<dgm:dataModel xmlns:dgm="http://schemas.openxmlformats.org/drawingml/2006/diagram" xmlns:a="http://schemas.openxmlformats.org/drawingml/2006/main">
+  <dgm:ptLst>
+    <dgm:pt modelId="{D5CC6F61-61B8-446D-BF1B-F7FA6E06520F}" type="doc">
+      <dgm:prSet loTypeId="urn:microsoft.com/office/officeart/2005/8/layout/vList2" loCatId="list" qsTypeId="urn:microsoft.com/office/officeart/2005/8/quickstyle/simple1" qsCatId="simple" csTypeId="urn:microsoft.com/office/officeart/2005/8/colors/accent1_2" csCatId="accent1"/>
+      <dgm:spPr/>
+      <dgm:t>
+        <a:bodyPr/>
+        <a:lstStyle/>
+        <a:p>
+          <a:endParaRPr lang="en-IN"/>
+        </a:p>
+      </dgm:t>
+    </dgm:pt>
+    <dgm:pt modelId="{68F5C9CA-7557-47D6-8521-72A7706D3968}">
+      <dgm:prSet/>
+      <dgm:spPr/>
+      <dgm:t>
+        <a:bodyPr/>
+        <a:lstStyle/>
+        <a:p>
+          <a:r>
+            <a:rPr lang="en-GB" baseline="0" dirty="0">
+              <a:solidFill>
+                <a:schemeClr val="tx1"/>
+              </a:solidFill>
+              <a:hlinkClick xmlns:r="http://schemas.openxmlformats.org/officeDocument/2006/relationships" r:id="rId1">
+                <a:extLst>
+                  <a:ext uri="{A12FA001-AC4F-418D-AE19-62706E023703}">
+                    <ahyp:hlinkClr xmlns:ahyp="http://schemas.microsoft.com/office/drawing/2018/hyperlinkcolor" val="tx"/>
+                  </a:ext>
+                </a:extLst>
+              </a:hlinkClick>
+            </a:rPr>
+            <a:t>Introduction to GANs - Ian Goodfellow – </a:t>
+          </a:r>
+          <a:r>
+            <a:rPr lang="en-GB" baseline="0" dirty="0" err="1">
+              <a:solidFill>
+                <a:schemeClr val="tx1"/>
+              </a:solidFill>
+              <a:hlinkClick xmlns:r="http://schemas.openxmlformats.org/officeDocument/2006/relationships" r:id="rId1">
+                <a:extLst>
+                  <a:ext uri="{A12FA001-AC4F-418D-AE19-62706E023703}">
+                    <ahyp:hlinkClr xmlns:ahyp="http://schemas.microsoft.com/office/drawing/2018/hyperlinkcolor" val="tx"/>
+                  </a:ext>
+                </a:extLst>
+              </a:hlinkClick>
+            </a:rPr>
+            <a:t>OpenAI</a:t>
+          </a:r>
+          <a:endParaRPr lang="en-IN" baseline="0" dirty="0">
+            <a:solidFill>
+              <a:schemeClr val="tx1"/>
+            </a:solidFill>
+          </a:endParaRPr>
+        </a:p>
+      </dgm:t>
+    </dgm:pt>
+    <dgm:pt modelId="{88FC95A2-0CCB-4AC5-8339-F827DCD605A5}" type="parTrans" cxnId="{21BCE0EA-4C66-43F7-9F51-451E11F736C9}">
+      <dgm:prSet/>
+      <dgm:spPr/>
+      <dgm:t>
+        <a:bodyPr/>
+        <a:lstStyle/>
+        <a:p>
+          <a:endParaRPr lang="en-IN"/>
+        </a:p>
+      </dgm:t>
+    </dgm:pt>
+    <dgm:pt modelId="{BB2540BA-C16F-48F0-96ED-C11561A77F36}" type="sibTrans" cxnId="{21BCE0EA-4C66-43F7-9F51-451E11F736C9}">
+      <dgm:prSet/>
+      <dgm:spPr/>
+      <dgm:t>
+        <a:bodyPr/>
+        <a:lstStyle/>
+        <a:p>
+          <a:endParaRPr lang="en-IN"/>
+        </a:p>
+      </dgm:t>
+    </dgm:pt>
+    <dgm:pt modelId="{B8ED9980-012E-4AF5-A256-7ACBB6F16DB7}">
+      <dgm:prSet/>
+      <dgm:spPr/>
+      <dgm:t>
+        <a:bodyPr/>
+        <a:lstStyle/>
+        <a:p>
+          <a:r>
+            <a:rPr lang="en-GB" dirty="0">
+              <a:solidFill>
+                <a:schemeClr val="tx1"/>
+              </a:solidFill>
+              <a:hlinkClick xmlns:r="http://schemas.openxmlformats.org/officeDocument/2006/relationships" r:id="rId2">
+                <a:extLst>
+                  <a:ext uri="{A12FA001-AC4F-418D-AE19-62706E023703}">
+                    <ahyp:hlinkClr xmlns:ahyp="http://schemas.microsoft.com/office/drawing/2018/hyperlinkcolor" val="tx"/>
+                  </a:ext>
+                </a:extLst>
+              </a:hlinkClick>
+            </a:rPr>
+            <a:t>Generative </a:t>
+          </a:r>
+          <a:r>
+            <a:rPr lang="en-GB" baseline="0" dirty="0">
+              <a:solidFill>
+                <a:schemeClr val="tx1"/>
+              </a:solidFill>
+              <a:hlinkClick xmlns:r="http://schemas.openxmlformats.org/officeDocument/2006/relationships" r:id="rId2">
+                <a:extLst>
+                  <a:ext uri="{A12FA001-AC4F-418D-AE19-62706E023703}">
+                    <ahyp:hlinkClr xmlns:ahyp="http://schemas.microsoft.com/office/drawing/2018/hyperlinkcolor" val="tx"/>
+                  </a:ext>
+                </a:extLst>
+              </a:hlinkClick>
+            </a:rPr>
+            <a:t>Adversarial</a:t>
+          </a:r>
+          <a:r>
+            <a:rPr lang="en-GB" dirty="0">
+              <a:solidFill>
+                <a:schemeClr val="tx1"/>
+              </a:solidFill>
+              <a:hlinkClick xmlns:r="http://schemas.openxmlformats.org/officeDocument/2006/relationships" r:id="rId2">
+                <a:extLst>
+                  <a:ext uri="{A12FA001-AC4F-418D-AE19-62706E023703}">
+                    <ahyp:hlinkClr xmlns:ahyp="http://schemas.microsoft.com/office/drawing/2018/hyperlinkcolor" val="tx"/>
+                  </a:ext>
+                </a:extLst>
+              </a:hlinkClick>
+            </a:rPr>
+            <a:t> Nets Research paper</a:t>
+          </a:r>
+          <a:endParaRPr lang="en-IN" dirty="0">
+            <a:solidFill>
+              <a:schemeClr val="tx1"/>
+            </a:solidFill>
+          </a:endParaRPr>
+        </a:p>
+      </dgm:t>
+    </dgm:pt>
+    <dgm:pt modelId="{5B2BCFA1-76F1-4C88-B464-A87F37FD5A1F}" type="parTrans" cxnId="{317162C4-BE09-4623-9A83-23180FEA8E3B}">
+      <dgm:prSet/>
+      <dgm:spPr/>
+      <dgm:t>
+        <a:bodyPr/>
+        <a:lstStyle/>
+        <a:p>
+          <a:endParaRPr lang="en-IN"/>
+        </a:p>
+      </dgm:t>
+    </dgm:pt>
+    <dgm:pt modelId="{0EDF3ACE-282F-4DE9-9648-AD42B0744A41}" type="sibTrans" cxnId="{317162C4-BE09-4623-9A83-23180FEA8E3B}">
+      <dgm:prSet/>
+      <dgm:spPr/>
+      <dgm:t>
+        <a:bodyPr/>
+        <a:lstStyle/>
+        <a:p>
+          <a:endParaRPr lang="en-IN"/>
+        </a:p>
+      </dgm:t>
+    </dgm:pt>
+    <dgm:pt modelId="{461F0E56-7BE2-467F-AD9D-F27AAC8B4A2B}">
+      <dgm:prSet/>
+      <dgm:spPr/>
+      <dgm:t>
+        <a:bodyPr/>
+        <a:lstStyle/>
+        <a:p>
+          <a:r>
+            <a:rPr lang="en-IN" dirty="0">
+              <a:solidFill>
+                <a:schemeClr val="tx1"/>
+              </a:solidFill>
+              <a:hlinkClick xmlns:r="http://schemas.openxmlformats.org/officeDocument/2006/relationships" r:id="rId3">
+                <a:extLst>
+                  <a:ext uri="{A12FA001-AC4F-418D-AE19-62706E023703}">
+                    <ahyp:hlinkClr xmlns:ahyp="http://schemas.microsoft.com/office/drawing/2018/hyperlinkcolor" val="tx"/>
+                  </a:ext>
+                </a:extLst>
+              </a:hlinkClick>
+            </a:rPr>
+            <a:t>Ian Goodfellow - GANs – </a:t>
+          </a:r>
+          <a:r>
+            <a:rPr lang="en-IN" dirty="0" err="1">
+              <a:solidFill>
+                <a:schemeClr val="tx1"/>
+              </a:solidFill>
+              <a:hlinkClick xmlns:r="http://schemas.openxmlformats.org/officeDocument/2006/relationships" r:id="rId3">
+                <a:extLst>
+                  <a:ext uri="{A12FA001-AC4F-418D-AE19-62706E023703}">
+                    <ahyp:hlinkClr xmlns:ahyp="http://schemas.microsoft.com/office/drawing/2018/hyperlinkcolor" val="tx"/>
+                  </a:ext>
+                </a:extLst>
+              </a:hlinkClick>
+            </a:rPr>
+            <a:t>Github</a:t>
+          </a:r>
+          <a:endParaRPr lang="en-IN" dirty="0">
+            <a:solidFill>
+              <a:schemeClr val="tx1"/>
+            </a:solidFill>
+          </a:endParaRPr>
+        </a:p>
+      </dgm:t>
+    </dgm:pt>
+    <dgm:pt modelId="{E9AE10E3-DFE3-49F2-99D3-C51A87DF184D}" type="parTrans" cxnId="{FF557392-B921-494B-9D0E-0C0572FF88AF}">
+      <dgm:prSet/>
+      <dgm:spPr/>
+      <dgm:t>
+        <a:bodyPr/>
+        <a:lstStyle/>
+        <a:p>
+          <a:endParaRPr lang="en-IN"/>
+        </a:p>
+      </dgm:t>
+    </dgm:pt>
+    <dgm:pt modelId="{AB9A1020-4FC3-45EE-A0E9-662FEFC003E9}" type="sibTrans" cxnId="{FF557392-B921-494B-9D0E-0C0572FF88AF}">
+      <dgm:prSet/>
+      <dgm:spPr/>
+      <dgm:t>
+        <a:bodyPr/>
+        <a:lstStyle/>
+        <a:p>
+          <a:endParaRPr lang="en-IN"/>
+        </a:p>
+      </dgm:t>
+    </dgm:pt>
+    <dgm:pt modelId="{6E4C8794-8A86-4B6D-97E2-D897F1464E3A}">
+      <dgm:prSet/>
+      <dgm:spPr/>
+      <dgm:t>
+        <a:bodyPr/>
+        <a:lstStyle/>
+        <a:p>
+          <a:r>
+            <a:rPr lang="en-GB" dirty="0" err="1">
+              <a:solidFill>
+                <a:schemeClr val="tx1"/>
+              </a:solidFill>
+              <a:hlinkClick xmlns:r="http://schemas.openxmlformats.org/officeDocument/2006/relationships" r:id="rId4">
+                <a:extLst>
+                  <a:ext uri="{A12FA001-AC4F-418D-AE19-62706E023703}">
+                    <ahyp:hlinkClr xmlns:ahyp="http://schemas.microsoft.com/office/drawing/2018/hyperlinkcolor" val="tx"/>
+                  </a:ext>
+                </a:extLst>
+              </a:hlinkClick>
+            </a:rPr>
+            <a:t>Parzen</a:t>
+          </a:r>
+          <a:r>
+            <a:rPr lang="en-GB" dirty="0">
+              <a:solidFill>
+                <a:schemeClr val="tx1"/>
+              </a:solidFill>
+              <a:hlinkClick xmlns:r="http://schemas.openxmlformats.org/officeDocument/2006/relationships" r:id="rId4">
+                <a:extLst>
+                  <a:ext uri="{A12FA001-AC4F-418D-AE19-62706E023703}">
+                    <ahyp:hlinkClr xmlns:ahyp="http://schemas.microsoft.com/office/drawing/2018/hyperlinkcolor" val="tx"/>
+                  </a:ext>
+                </a:extLst>
+              </a:hlinkClick>
+            </a:rPr>
+            <a:t> window explanation reference link</a:t>
+          </a:r>
+          <a:endParaRPr lang="en-IN" dirty="0">
+            <a:solidFill>
+              <a:schemeClr val="tx1"/>
+            </a:solidFill>
+          </a:endParaRPr>
+        </a:p>
+      </dgm:t>
+    </dgm:pt>
+    <dgm:pt modelId="{B17E2D20-E2CA-408D-BE6F-E58A91B54B16}" type="parTrans" cxnId="{64B23327-340C-40EF-A6DB-8C7D23C5FD93}">
+      <dgm:prSet/>
+      <dgm:spPr/>
+      <dgm:t>
+        <a:bodyPr/>
+        <a:lstStyle/>
+        <a:p>
+          <a:endParaRPr lang="en-IN"/>
+        </a:p>
+      </dgm:t>
+    </dgm:pt>
+    <dgm:pt modelId="{5939637B-BFE0-460F-B76B-F8A96DAC3E98}" type="sibTrans" cxnId="{64B23327-340C-40EF-A6DB-8C7D23C5FD93}">
+      <dgm:prSet/>
+      <dgm:spPr/>
+      <dgm:t>
+        <a:bodyPr/>
+        <a:lstStyle/>
+        <a:p>
+          <a:endParaRPr lang="en-IN"/>
+        </a:p>
+      </dgm:t>
+    </dgm:pt>
+    <dgm:pt modelId="{62E52519-0F04-4EFE-A2B0-88F94E7FBE86}">
+      <dgm:prSet/>
+      <dgm:spPr/>
+      <dgm:t>
+        <a:bodyPr/>
+        <a:lstStyle/>
+        <a:p>
+          <a:r>
+            <a:rPr lang="en-GB" dirty="0">
+              <a:solidFill>
+                <a:schemeClr val="tx1"/>
+              </a:solidFill>
+              <a:hlinkClick xmlns:r="http://schemas.openxmlformats.org/officeDocument/2006/relationships" r:id="rId5">
+                <a:extLst>
+                  <a:ext uri="{A12FA001-AC4F-418D-AE19-62706E023703}">
+                    <ahyp:hlinkClr xmlns:ahyp="http://schemas.microsoft.com/office/drawing/2018/hyperlinkcolor" val="tx"/>
+                  </a:ext>
+                </a:extLst>
+              </a:hlinkClick>
+            </a:rPr>
+            <a:t>Better Mixing via Deep Representations - Reference Paper</a:t>
+          </a:r>
+          <a:endParaRPr lang="en-IN" dirty="0">
+            <a:solidFill>
+              <a:schemeClr val="tx1"/>
+            </a:solidFill>
+          </a:endParaRPr>
+        </a:p>
+      </dgm:t>
+    </dgm:pt>
+    <dgm:pt modelId="{FB6A5C1F-7237-4C12-86C9-FE53FD23486C}" type="parTrans" cxnId="{0C39E22C-228F-439A-82E4-5FBC58553FEA}">
+      <dgm:prSet/>
+      <dgm:spPr/>
+      <dgm:t>
+        <a:bodyPr/>
+        <a:lstStyle/>
+        <a:p>
+          <a:endParaRPr lang="en-IN"/>
+        </a:p>
+      </dgm:t>
+    </dgm:pt>
+    <dgm:pt modelId="{C6CEE072-D5D4-4A7D-8C65-A23332CD3FF4}" type="sibTrans" cxnId="{0C39E22C-228F-439A-82E4-5FBC58553FEA}">
+      <dgm:prSet/>
+      <dgm:spPr/>
+      <dgm:t>
+        <a:bodyPr/>
+        <a:lstStyle/>
+        <a:p>
+          <a:endParaRPr lang="en-IN"/>
+        </a:p>
+      </dgm:t>
+    </dgm:pt>
+    <dgm:pt modelId="{88D6B7FE-EAD1-4D80-AD65-3076C8BB711A}" type="pres">
+      <dgm:prSet presAssocID="{D5CC6F61-61B8-446D-BF1B-F7FA6E06520F}" presName="linear" presStyleCnt="0">
+        <dgm:presLayoutVars>
+          <dgm:animLvl val="lvl"/>
+          <dgm:resizeHandles val="exact"/>
+        </dgm:presLayoutVars>
+      </dgm:prSet>
+      <dgm:spPr/>
+    </dgm:pt>
+    <dgm:pt modelId="{61B77267-DD37-4E24-AE77-26330A4C0DBD}" type="pres">
+      <dgm:prSet presAssocID="{68F5C9CA-7557-47D6-8521-72A7706D3968}" presName="parentText" presStyleLbl="node1" presStyleIdx="0" presStyleCnt="5" custLinFactNeighborX="0" custLinFactNeighborY="-469">
+        <dgm:presLayoutVars>
+          <dgm:chMax val="0"/>
+          <dgm:bulletEnabled val="1"/>
+        </dgm:presLayoutVars>
+      </dgm:prSet>
+      <dgm:spPr/>
+    </dgm:pt>
+    <dgm:pt modelId="{171E2F05-A6F8-4CA8-9E19-E5AC7E842730}" type="pres">
+      <dgm:prSet presAssocID="{BB2540BA-C16F-48F0-96ED-C11561A77F36}" presName="spacer" presStyleCnt="0"/>
+      <dgm:spPr/>
+    </dgm:pt>
+    <dgm:pt modelId="{7A059B09-DF8E-4230-8803-BEB5201EDD40}" type="pres">
+      <dgm:prSet presAssocID="{B8ED9980-012E-4AF5-A256-7ACBB6F16DB7}" presName="parentText" presStyleLbl="node1" presStyleIdx="1" presStyleCnt="5">
+        <dgm:presLayoutVars>
+          <dgm:chMax val="0"/>
+          <dgm:bulletEnabled val="1"/>
+        </dgm:presLayoutVars>
+      </dgm:prSet>
+      <dgm:spPr/>
+    </dgm:pt>
+    <dgm:pt modelId="{45E345E4-35A6-4989-9C23-CE05970C62C0}" type="pres">
+      <dgm:prSet presAssocID="{0EDF3ACE-282F-4DE9-9648-AD42B0744A41}" presName="spacer" presStyleCnt="0"/>
+      <dgm:spPr/>
+    </dgm:pt>
+    <dgm:pt modelId="{988EAB42-24AB-4130-A096-9562E6F0C376}" type="pres">
+      <dgm:prSet presAssocID="{461F0E56-7BE2-467F-AD9D-F27AAC8B4A2B}" presName="parentText" presStyleLbl="node1" presStyleIdx="2" presStyleCnt="5">
+        <dgm:presLayoutVars>
+          <dgm:chMax val="0"/>
+          <dgm:bulletEnabled val="1"/>
+        </dgm:presLayoutVars>
+      </dgm:prSet>
+      <dgm:spPr/>
+    </dgm:pt>
+    <dgm:pt modelId="{3EA23D92-4237-4FF3-AEF9-5C3C5EA8CEE8}" type="pres">
+      <dgm:prSet presAssocID="{AB9A1020-4FC3-45EE-A0E9-662FEFC003E9}" presName="spacer" presStyleCnt="0"/>
+      <dgm:spPr/>
+    </dgm:pt>
+    <dgm:pt modelId="{EEA28496-E7CE-4C09-B788-3C3FFDEAAC8B}" type="pres">
+      <dgm:prSet presAssocID="{6E4C8794-8A86-4B6D-97E2-D897F1464E3A}" presName="parentText" presStyleLbl="node1" presStyleIdx="3" presStyleCnt="5">
+        <dgm:presLayoutVars>
+          <dgm:chMax val="0"/>
+          <dgm:bulletEnabled val="1"/>
+        </dgm:presLayoutVars>
+      </dgm:prSet>
+      <dgm:spPr/>
+    </dgm:pt>
+    <dgm:pt modelId="{87AD26C9-4037-4D70-AD4B-4FB7B6B9735D}" type="pres">
+      <dgm:prSet presAssocID="{5939637B-BFE0-460F-B76B-F8A96DAC3E98}" presName="spacer" presStyleCnt="0"/>
+      <dgm:spPr/>
+    </dgm:pt>
+    <dgm:pt modelId="{FFA14516-950C-4589-83EC-AD9CDBC3AC39}" type="pres">
+      <dgm:prSet presAssocID="{62E52519-0F04-4EFE-A2B0-88F94E7FBE86}" presName="parentText" presStyleLbl="node1" presStyleIdx="4" presStyleCnt="5">
+        <dgm:presLayoutVars>
+          <dgm:chMax val="0"/>
+          <dgm:bulletEnabled val="1"/>
+        </dgm:presLayoutVars>
+      </dgm:prSet>
+      <dgm:spPr/>
+    </dgm:pt>
+  </dgm:ptLst>
+  <dgm:cxnLst>
+    <dgm:cxn modelId="{64B23327-340C-40EF-A6DB-8C7D23C5FD93}" srcId="{D5CC6F61-61B8-446D-BF1B-F7FA6E06520F}" destId="{6E4C8794-8A86-4B6D-97E2-D897F1464E3A}" srcOrd="3" destOrd="0" parTransId="{B17E2D20-E2CA-408D-BE6F-E58A91B54B16}" sibTransId="{5939637B-BFE0-460F-B76B-F8A96DAC3E98}"/>
+    <dgm:cxn modelId="{0C39E22C-228F-439A-82E4-5FBC58553FEA}" srcId="{D5CC6F61-61B8-446D-BF1B-F7FA6E06520F}" destId="{62E52519-0F04-4EFE-A2B0-88F94E7FBE86}" srcOrd="4" destOrd="0" parTransId="{FB6A5C1F-7237-4C12-86C9-FE53FD23486C}" sibTransId="{C6CEE072-D5D4-4A7D-8C65-A23332CD3FF4}"/>
+    <dgm:cxn modelId="{4C19383D-6AFC-46EC-A182-3DB114B7D3E4}" type="presOf" srcId="{D5CC6F61-61B8-446D-BF1B-F7FA6E06520F}" destId="{88D6B7FE-EAD1-4D80-AD65-3076C8BB711A}" srcOrd="0" destOrd="0" presId="urn:microsoft.com/office/officeart/2005/8/layout/vList2"/>
+    <dgm:cxn modelId="{537BFB3D-15E7-416E-83B2-F3B0733FD40D}" type="presOf" srcId="{461F0E56-7BE2-467F-AD9D-F27AAC8B4A2B}" destId="{988EAB42-24AB-4130-A096-9562E6F0C376}" srcOrd="0" destOrd="0" presId="urn:microsoft.com/office/officeart/2005/8/layout/vList2"/>
+    <dgm:cxn modelId="{18ACB33E-160E-4A3B-BB38-0CF358B25AD3}" type="presOf" srcId="{B8ED9980-012E-4AF5-A256-7ACBB6F16DB7}" destId="{7A059B09-DF8E-4230-8803-BEB5201EDD40}" srcOrd="0" destOrd="0" presId="urn:microsoft.com/office/officeart/2005/8/layout/vList2"/>
+    <dgm:cxn modelId="{E07FF249-8498-46D7-916C-14C07DAC23BA}" type="presOf" srcId="{68F5C9CA-7557-47D6-8521-72A7706D3968}" destId="{61B77267-DD37-4E24-AE77-26330A4C0DBD}" srcOrd="0" destOrd="0" presId="urn:microsoft.com/office/officeart/2005/8/layout/vList2"/>
+    <dgm:cxn modelId="{4A8A0E89-F2FE-4028-A381-DA078E1FA2FC}" type="presOf" srcId="{62E52519-0F04-4EFE-A2B0-88F94E7FBE86}" destId="{FFA14516-950C-4589-83EC-AD9CDBC3AC39}" srcOrd="0" destOrd="0" presId="urn:microsoft.com/office/officeart/2005/8/layout/vList2"/>
+    <dgm:cxn modelId="{FF557392-B921-494B-9D0E-0C0572FF88AF}" srcId="{D5CC6F61-61B8-446D-BF1B-F7FA6E06520F}" destId="{461F0E56-7BE2-467F-AD9D-F27AAC8B4A2B}" srcOrd="2" destOrd="0" parTransId="{E9AE10E3-DFE3-49F2-99D3-C51A87DF184D}" sibTransId="{AB9A1020-4FC3-45EE-A0E9-662FEFC003E9}"/>
+    <dgm:cxn modelId="{9FBD34AA-7FF2-4057-910D-380CFDA4B027}" type="presOf" srcId="{6E4C8794-8A86-4B6D-97E2-D897F1464E3A}" destId="{EEA28496-E7CE-4C09-B788-3C3FFDEAAC8B}" srcOrd="0" destOrd="0" presId="urn:microsoft.com/office/officeart/2005/8/layout/vList2"/>
+    <dgm:cxn modelId="{317162C4-BE09-4623-9A83-23180FEA8E3B}" srcId="{D5CC6F61-61B8-446D-BF1B-F7FA6E06520F}" destId="{B8ED9980-012E-4AF5-A256-7ACBB6F16DB7}" srcOrd="1" destOrd="0" parTransId="{5B2BCFA1-76F1-4C88-B464-A87F37FD5A1F}" sibTransId="{0EDF3ACE-282F-4DE9-9648-AD42B0744A41}"/>
+    <dgm:cxn modelId="{21BCE0EA-4C66-43F7-9F51-451E11F736C9}" srcId="{D5CC6F61-61B8-446D-BF1B-F7FA6E06520F}" destId="{68F5C9CA-7557-47D6-8521-72A7706D3968}" srcOrd="0" destOrd="0" parTransId="{88FC95A2-0CCB-4AC5-8339-F827DCD605A5}" sibTransId="{BB2540BA-C16F-48F0-96ED-C11561A77F36}"/>
+    <dgm:cxn modelId="{7002BCF0-20F2-4B4A-BFB7-E832E3FE0A94}" type="presParOf" srcId="{88D6B7FE-EAD1-4D80-AD65-3076C8BB711A}" destId="{61B77267-DD37-4E24-AE77-26330A4C0DBD}" srcOrd="0" destOrd="0" presId="urn:microsoft.com/office/officeart/2005/8/layout/vList2"/>
+    <dgm:cxn modelId="{A87DC8A8-8975-4F5F-87B8-3E88A397A0EA}" type="presParOf" srcId="{88D6B7FE-EAD1-4D80-AD65-3076C8BB711A}" destId="{171E2F05-A6F8-4CA8-9E19-E5AC7E842730}" srcOrd="1" destOrd="0" presId="urn:microsoft.com/office/officeart/2005/8/layout/vList2"/>
+    <dgm:cxn modelId="{D438E5AC-F480-45E6-A996-53CBF84F7DD9}" type="presParOf" srcId="{88D6B7FE-EAD1-4D80-AD65-3076C8BB711A}" destId="{7A059B09-DF8E-4230-8803-BEB5201EDD40}" srcOrd="2" destOrd="0" presId="urn:microsoft.com/office/officeart/2005/8/layout/vList2"/>
+    <dgm:cxn modelId="{8F297D57-5F19-42D5-8FB5-83BFEC499674}" type="presParOf" srcId="{88D6B7FE-EAD1-4D80-AD65-3076C8BB711A}" destId="{45E345E4-35A6-4989-9C23-CE05970C62C0}" srcOrd="3" destOrd="0" presId="urn:microsoft.com/office/officeart/2005/8/layout/vList2"/>
+    <dgm:cxn modelId="{4FE3D26C-EFAB-4F68-B03B-59851B07569F}" type="presParOf" srcId="{88D6B7FE-EAD1-4D80-AD65-3076C8BB711A}" destId="{988EAB42-24AB-4130-A096-9562E6F0C376}" srcOrd="4" destOrd="0" presId="urn:microsoft.com/office/officeart/2005/8/layout/vList2"/>
+    <dgm:cxn modelId="{37901DA6-5552-4B44-BD80-F9A8EE1C19C9}" type="presParOf" srcId="{88D6B7FE-EAD1-4D80-AD65-3076C8BB711A}" destId="{3EA23D92-4237-4FF3-AEF9-5C3C5EA8CEE8}" srcOrd="5" destOrd="0" presId="urn:microsoft.com/office/officeart/2005/8/layout/vList2"/>
+    <dgm:cxn modelId="{C069B441-A0C8-4BF9-85ED-154D8ABE5B97}" type="presParOf" srcId="{88D6B7FE-EAD1-4D80-AD65-3076C8BB711A}" destId="{EEA28496-E7CE-4C09-B788-3C3FFDEAAC8B}" srcOrd="6" destOrd="0" presId="urn:microsoft.com/office/officeart/2005/8/layout/vList2"/>
+    <dgm:cxn modelId="{D0836426-FD03-45AE-A14F-76E673B82584}" type="presParOf" srcId="{88D6B7FE-EAD1-4D80-AD65-3076C8BB711A}" destId="{87AD26C9-4037-4D70-AD4B-4FB7B6B9735D}" srcOrd="7" destOrd="0" presId="urn:microsoft.com/office/officeart/2005/8/layout/vList2"/>
+    <dgm:cxn modelId="{FC3AABE8-809F-4F2F-AE93-E5F3985205F1}" type="presParOf" srcId="{88D6B7FE-EAD1-4D80-AD65-3076C8BB711A}" destId="{FFA14516-950C-4589-83EC-AD9CDBC3AC39}" srcOrd="8" destOrd="0" presId="urn:microsoft.com/office/officeart/2005/8/layout/vList2"/>
+  </dgm:cxnLst>
+  <dgm:bg/>
+  <dgm:whole/>
+  <dgm:extLst>
+    <a:ext uri="http://schemas.microsoft.com/office/drawing/2008/diagram">
+      <dsp:dataModelExt xmlns:dsp="http://schemas.microsoft.com/office/drawing/2008/diagram" relId="rId7" minVer="http://schemas.openxmlformats.org/drawingml/2006/diagram"/>
     </a:ext>
   </dgm:extLst>
 </dgm:dataModel>
@@ -7631,6 +9581,254 @@
 <file path=ppt/diagrams/data7.xml><?xml version="1.0" encoding="utf-8"?>
 <dgm:dataModel xmlns:dgm="http://schemas.openxmlformats.org/drawingml/2006/diagram" xmlns:a="http://schemas.openxmlformats.org/drawingml/2006/main">
   <dgm:ptLst>
+    <dgm:pt modelId="{8AD3614F-10C1-483D-AEB9-800386B34D2A}" type="doc">
+      <dgm:prSet loTypeId="urn:microsoft.com/office/officeart/2005/8/layout/vList2" loCatId="list" qsTypeId="urn:microsoft.com/office/officeart/2005/8/quickstyle/simple1" qsCatId="simple" csTypeId="urn:microsoft.com/office/officeart/2005/8/colors/accent1_2" csCatId="accent1"/>
+      <dgm:spPr/>
+      <dgm:t>
+        <a:bodyPr/>
+        <a:lstStyle/>
+        <a:p>
+          <a:endParaRPr lang="en-IN"/>
+        </a:p>
+      </dgm:t>
+    </dgm:pt>
+    <dgm:pt modelId="{E4F288C1-7029-463C-A7FE-8485AF603594}">
+      <dgm:prSet/>
+      <dgm:spPr/>
+      <dgm:t>
+        <a:bodyPr/>
+        <a:lstStyle/>
+        <a:p>
+          <a:r>
+            <a:rPr lang="en-IN" dirty="0" err="1"/>
+            <a:t>Parzen</a:t>
+          </a:r>
+          <a:r>
+            <a:rPr lang="en-IN" dirty="0"/>
+            <a:t> window based log likelihood estimates</a:t>
+          </a:r>
+        </a:p>
+      </dgm:t>
+    </dgm:pt>
+    <dgm:pt modelId="{0F68F8E9-0479-47C2-BD60-D99C1875971F}" type="parTrans" cxnId="{441AF702-C43B-4BFC-807B-DEA0631BD43C}">
+      <dgm:prSet/>
+      <dgm:spPr/>
+      <dgm:t>
+        <a:bodyPr/>
+        <a:lstStyle/>
+        <a:p>
+          <a:endParaRPr lang="en-IN"/>
+        </a:p>
+      </dgm:t>
+    </dgm:pt>
+    <dgm:pt modelId="{E9DABFD7-8BC6-4CCF-B24E-B07B76D065C9}" type="sibTrans" cxnId="{441AF702-C43B-4BFC-807B-DEA0631BD43C}">
+      <dgm:prSet/>
+      <dgm:spPr/>
+      <dgm:t>
+        <a:bodyPr/>
+        <a:lstStyle/>
+        <a:p>
+          <a:endParaRPr lang="en-IN"/>
+        </a:p>
+      </dgm:t>
+    </dgm:pt>
+    <dgm:pt modelId="{3686BCB6-1CD2-48A1-B30A-72F7EE685AF1}">
+      <dgm:prSet/>
+      <dgm:spPr/>
+      <dgm:t>
+        <a:bodyPr/>
+        <a:lstStyle/>
+        <a:p>
+          <a:r>
+            <a:rPr lang="en-IN"/>
+            <a:t>DBN – Deep Belief Networks</a:t>
+          </a:r>
+        </a:p>
+      </dgm:t>
+    </dgm:pt>
+    <dgm:pt modelId="{FAA51E86-D408-4289-ACF2-565070A36A8C}" type="parTrans" cxnId="{02D39212-303E-4540-A50C-40A3DB355866}">
+      <dgm:prSet/>
+      <dgm:spPr/>
+      <dgm:t>
+        <a:bodyPr/>
+        <a:lstStyle/>
+        <a:p>
+          <a:endParaRPr lang="en-IN"/>
+        </a:p>
+      </dgm:t>
+    </dgm:pt>
+    <dgm:pt modelId="{BB3BB1F8-211E-402C-8864-3E89384193C3}" type="sibTrans" cxnId="{02D39212-303E-4540-A50C-40A3DB355866}">
+      <dgm:prSet/>
+      <dgm:spPr/>
+      <dgm:t>
+        <a:bodyPr/>
+        <a:lstStyle/>
+        <a:p>
+          <a:endParaRPr lang="en-IN"/>
+        </a:p>
+      </dgm:t>
+    </dgm:pt>
+    <dgm:pt modelId="{C156B11E-6CC0-45D3-9618-8676F02905C7}">
+      <dgm:prSet/>
+      <dgm:spPr/>
+      <dgm:t>
+        <a:bodyPr/>
+        <a:lstStyle/>
+        <a:p>
+          <a:r>
+            <a:rPr lang="en-IN"/>
+            <a:t>Stacked CAE – Stacked contractive auto-encoder</a:t>
+          </a:r>
+        </a:p>
+      </dgm:t>
+    </dgm:pt>
+    <dgm:pt modelId="{D0172ECB-6C45-4753-834C-0526A17A1461}" type="parTrans" cxnId="{D04469AF-D9CB-4F8A-BADC-55EA256253B0}">
+      <dgm:prSet/>
+      <dgm:spPr/>
+      <dgm:t>
+        <a:bodyPr/>
+        <a:lstStyle/>
+        <a:p>
+          <a:endParaRPr lang="en-IN"/>
+        </a:p>
+      </dgm:t>
+    </dgm:pt>
+    <dgm:pt modelId="{647EC152-ED6F-4E00-89C3-EF381DF9EDE3}" type="sibTrans" cxnId="{D04469AF-D9CB-4F8A-BADC-55EA256253B0}">
+      <dgm:prSet/>
+      <dgm:spPr/>
+      <dgm:t>
+        <a:bodyPr/>
+        <a:lstStyle/>
+        <a:p>
+          <a:endParaRPr lang="en-IN"/>
+        </a:p>
+      </dgm:t>
+    </dgm:pt>
+    <dgm:pt modelId="{26BD6678-F188-40C7-B60F-FA56256566BA}">
+      <dgm:prSet/>
+      <dgm:spPr/>
+      <dgm:t>
+        <a:bodyPr/>
+        <a:lstStyle/>
+        <a:p>
+          <a:r>
+            <a:rPr lang="en-IN"/>
+            <a:t>Deep GSN – Deep Stochastic Networks</a:t>
+          </a:r>
+        </a:p>
+      </dgm:t>
+    </dgm:pt>
+    <dgm:pt modelId="{7D10F163-2D88-4240-9861-6D36611C153E}" type="parTrans" cxnId="{26817BAB-B27F-4E2D-90E4-76AA92C91C1F}">
+      <dgm:prSet/>
+      <dgm:spPr/>
+      <dgm:t>
+        <a:bodyPr/>
+        <a:lstStyle/>
+        <a:p>
+          <a:endParaRPr lang="en-IN"/>
+        </a:p>
+      </dgm:t>
+    </dgm:pt>
+    <dgm:pt modelId="{9F6345A5-6A6D-4131-80E7-99204903659F}" type="sibTrans" cxnId="{26817BAB-B27F-4E2D-90E4-76AA92C91C1F}">
+      <dgm:prSet/>
+      <dgm:spPr/>
+      <dgm:t>
+        <a:bodyPr/>
+        <a:lstStyle/>
+        <a:p>
+          <a:endParaRPr lang="en-IN"/>
+        </a:p>
+      </dgm:t>
+    </dgm:pt>
+    <dgm:pt modelId="{819D74DB-CBEE-4070-A37A-8AA6C9058B12}" type="pres">
+      <dgm:prSet presAssocID="{8AD3614F-10C1-483D-AEB9-800386B34D2A}" presName="linear" presStyleCnt="0">
+        <dgm:presLayoutVars>
+          <dgm:animLvl val="lvl"/>
+          <dgm:resizeHandles val="exact"/>
+        </dgm:presLayoutVars>
+      </dgm:prSet>
+      <dgm:spPr/>
+    </dgm:pt>
+    <dgm:pt modelId="{681CF9BB-81A9-431A-87DB-BC2E6F7728CD}" type="pres">
+      <dgm:prSet presAssocID="{E4F288C1-7029-463C-A7FE-8485AF603594}" presName="parentText" presStyleLbl="node1" presStyleIdx="0" presStyleCnt="4">
+        <dgm:presLayoutVars>
+          <dgm:chMax val="0"/>
+          <dgm:bulletEnabled val="1"/>
+        </dgm:presLayoutVars>
+      </dgm:prSet>
+      <dgm:spPr/>
+    </dgm:pt>
+    <dgm:pt modelId="{DE5A3E29-EF98-4ADA-8F7F-964F79D07C75}" type="pres">
+      <dgm:prSet presAssocID="{E9DABFD7-8BC6-4CCF-B24E-B07B76D065C9}" presName="spacer" presStyleCnt="0"/>
+      <dgm:spPr/>
+    </dgm:pt>
+    <dgm:pt modelId="{53957EFF-1CC5-4116-87ED-9D8BA1C4337F}" type="pres">
+      <dgm:prSet presAssocID="{3686BCB6-1CD2-48A1-B30A-72F7EE685AF1}" presName="parentText" presStyleLbl="node1" presStyleIdx="1" presStyleCnt="4">
+        <dgm:presLayoutVars>
+          <dgm:chMax val="0"/>
+          <dgm:bulletEnabled val="1"/>
+        </dgm:presLayoutVars>
+      </dgm:prSet>
+      <dgm:spPr/>
+    </dgm:pt>
+    <dgm:pt modelId="{4FF4EE20-DA78-4CBB-88CD-BB1EB42B4039}" type="pres">
+      <dgm:prSet presAssocID="{BB3BB1F8-211E-402C-8864-3E89384193C3}" presName="spacer" presStyleCnt="0"/>
+      <dgm:spPr/>
+    </dgm:pt>
+    <dgm:pt modelId="{42ABEDE6-30C1-4543-8C1E-7641B55BF722}" type="pres">
+      <dgm:prSet presAssocID="{C156B11E-6CC0-45D3-9618-8676F02905C7}" presName="parentText" presStyleLbl="node1" presStyleIdx="2" presStyleCnt="4">
+        <dgm:presLayoutVars>
+          <dgm:chMax val="0"/>
+          <dgm:bulletEnabled val="1"/>
+        </dgm:presLayoutVars>
+      </dgm:prSet>
+      <dgm:spPr/>
+    </dgm:pt>
+    <dgm:pt modelId="{11E6DE30-388B-4EEF-BDE8-EAE7FF912437}" type="pres">
+      <dgm:prSet presAssocID="{647EC152-ED6F-4E00-89C3-EF381DF9EDE3}" presName="spacer" presStyleCnt="0"/>
+      <dgm:spPr/>
+    </dgm:pt>
+    <dgm:pt modelId="{F6714062-2E70-4855-BE7F-2E664832E6D0}" type="pres">
+      <dgm:prSet presAssocID="{26BD6678-F188-40C7-B60F-FA56256566BA}" presName="parentText" presStyleLbl="node1" presStyleIdx="3" presStyleCnt="4">
+        <dgm:presLayoutVars>
+          <dgm:chMax val="0"/>
+          <dgm:bulletEnabled val="1"/>
+        </dgm:presLayoutVars>
+      </dgm:prSet>
+      <dgm:spPr/>
+    </dgm:pt>
+  </dgm:ptLst>
+  <dgm:cxnLst>
+    <dgm:cxn modelId="{441AF702-C43B-4BFC-807B-DEA0631BD43C}" srcId="{8AD3614F-10C1-483D-AEB9-800386B34D2A}" destId="{E4F288C1-7029-463C-A7FE-8485AF603594}" srcOrd="0" destOrd="0" parTransId="{0F68F8E9-0479-47C2-BD60-D99C1875971F}" sibTransId="{E9DABFD7-8BC6-4CCF-B24E-B07B76D065C9}"/>
+    <dgm:cxn modelId="{02D39212-303E-4540-A50C-40A3DB355866}" srcId="{8AD3614F-10C1-483D-AEB9-800386B34D2A}" destId="{3686BCB6-1CD2-48A1-B30A-72F7EE685AF1}" srcOrd="1" destOrd="0" parTransId="{FAA51E86-D408-4289-ACF2-565070A36A8C}" sibTransId="{BB3BB1F8-211E-402C-8864-3E89384193C3}"/>
+    <dgm:cxn modelId="{6DC35F3B-6726-4D5A-8726-9672872DB530}" type="presOf" srcId="{C156B11E-6CC0-45D3-9618-8676F02905C7}" destId="{42ABEDE6-30C1-4543-8C1E-7641B55BF722}" srcOrd="0" destOrd="0" presId="urn:microsoft.com/office/officeart/2005/8/layout/vList2"/>
+    <dgm:cxn modelId="{C2D9F172-C578-494C-A578-D69334A14155}" type="presOf" srcId="{3686BCB6-1CD2-48A1-B30A-72F7EE685AF1}" destId="{53957EFF-1CC5-4116-87ED-9D8BA1C4337F}" srcOrd="0" destOrd="0" presId="urn:microsoft.com/office/officeart/2005/8/layout/vList2"/>
+    <dgm:cxn modelId="{26817BAB-B27F-4E2D-90E4-76AA92C91C1F}" srcId="{8AD3614F-10C1-483D-AEB9-800386B34D2A}" destId="{26BD6678-F188-40C7-B60F-FA56256566BA}" srcOrd="3" destOrd="0" parTransId="{7D10F163-2D88-4240-9861-6D36611C153E}" sibTransId="{9F6345A5-6A6D-4131-80E7-99204903659F}"/>
+    <dgm:cxn modelId="{D04469AF-D9CB-4F8A-BADC-55EA256253B0}" srcId="{8AD3614F-10C1-483D-AEB9-800386B34D2A}" destId="{C156B11E-6CC0-45D3-9618-8676F02905C7}" srcOrd="2" destOrd="0" parTransId="{D0172ECB-6C45-4753-834C-0526A17A1461}" sibTransId="{647EC152-ED6F-4E00-89C3-EF381DF9EDE3}"/>
+    <dgm:cxn modelId="{400B7DC1-CD26-4184-ABB1-366B2F012EB4}" type="presOf" srcId="{8AD3614F-10C1-483D-AEB9-800386B34D2A}" destId="{819D74DB-CBEE-4070-A37A-8AA6C9058B12}" srcOrd="0" destOrd="0" presId="urn:microsoft.com/office/officeart/2005/8/layout/vList2"/>
+    <dgm:cxn modelId="{1210F0C2-4CFA-49AF-937C-DDD9EB5174A7}" type="presOf" srcId="{E4F288C1-7029-463C-A7FE-8485AF603594}" destId="{681CF9BB-81A9-431A-87DB-BC2E6F7728CD}" srcOrd="0" destOrd="0" presId="urn:microsoft.com/office/officeart/2005/8/layout/vList2"/>
+    <dgm:cxn modelId="{4CAE90C9-21DF-48D7-B0CF-4977ADC4735C}" type="presOf" srcId="{26BD6678-F188-40C7-B60F-FA56256566BA}" destId="{F6714062-2E70-4855-BE7F-2E664832E6D0}" srcOrd="0" destOrd="0" presId="urn:microsoft.com/office/officeart/2005/8/layout/vList2"/>
+    <dgm:cxn modelId="{3F5E3E73-6AC4-4F34-B352-8F0573F6303B}" type="presParOf" srcId="{819D74DB-CBEE-4070-A37A-8AA6C9058B12}" destId="{681CF9BB-81A9-431A-87DB-BC2E6F7728CD}" srcOrd="0" destOrd="0" presId="urn:microsoft.com/office/officeart/2005/8/layout/vList2"/>
+    <dgm:cxn modelId="{B0ECDF88-7E5A-4068-990C-1106AF9746A3}" type="presParOf" srcId="{819D74DB-CBEE-4070-A37A-8AA6C9058B12}" destId="{DE5A3E29-EF98-4ADA-8F7F-964F79D07C75}" srcOrd="1" destOrd="0" presId="urn:microsoft.com/office/officeart/2005/8/layout/vList2"/>
+    <dgm:cxn modelId="{2BE29C16-B37D-4FC8-90D0-E7FBFFBE2022}" type="presParOf" srcId="{819D74DB-CBEE-4070-A37A-8AA6C9058B12}" destId="{53957EFF-1CC5-4116-87ED-9D8BA1C4337F}" srcOrd="2" destOrd="0" presId="urn:microsoft.com/office/officeart/2005/8/layout/vList2"/>
+    <dgm:cxn modelId="{D8F1F47A-F94A-45C2-A3D9-4FA78414126A}" type="presParOf" srcId="{819D74DB-CBEE-4070-A37A-8AA6C9058B12}" destId="{4FF4EE20-DA78-4CBB-88CD-BB1EB42B4039}" srcOrd="3" destOrd="0" presId="urn:microsoft.com/office/officeart/2005/8/layout/vList2"/>
+    <dgm:cxn modelId="{B7A08685-F907-4721-A9E1-0BEBFED34D54}" type="presParOf" srcId="{819D74DB-CBEE-4070-A37A-8AA6C9058B12}" destId="{42ABEDE6-30C1-4543-8C1E-7641B55BF722}" srcOrd="4" destOrd="0" presId="urn:microsoft.com/office/officeart/2005/8/layout/vList2"/>
+    <dgm:cxn modelId="{C5D8998A-16D7-49BF-AD5A-89E848FDC693}" type="presParOf" srcId="{819D74DB-CBEE-4070-A37A-8AA6C9058B12}" destId="{11E6DE30-388B-4EEF-BDE8-EAE7FF912437}" srcOrd="5" destOrd="0" presId="urn:microsoft.com/office/officeart/2005/8/layout/vList2"/>
+    <dgm:cxn modelId="{02225E15-E6CD-4375-9E51-62DBB7604A5A}" type="presParOf" srcId="{819D74DB-CBEE-4070-A37A-8AA6C9058B12}" destId="{F6714062-2E70-4855-BE7F-2E664832E6D0}" srcOrd="6" destOrd="0" presId="urn:microsoft.com/office/officeart/2005/8/layout/vList2"/>
+  </dgm:cxnLst>
+  <dgm:bg/>
+  <dgm:whole/>
+  <dgm:extLst>
+    <a:ext uri="http://schemas.microsoft.com/office/drawing/2008/diagram">
+      <dsp:dataModelExt xmlns:dsp="http://schemas.microsoft.com/office/drawing/2008/diagram" relId="rId8" minVer="http://schemas.openxmlformats.org/drawingml/2006/diagram"/>
+    </a:ext>
+  </dgm:extLst>
+</dgm:dataModel>
+</file>
+
+<file path=ppt/diagrams/data8.xml><?xml version="1.0" encoding="utf-8"?>
+<dgm:dataModel xmlns:dgm="http://schemas.openxmlformats.org/drawingml/2006/diagram" xmlns:a="http://schemas.openxmlformats.org/drawingml/2006/main">
+  <dgm:ptLst>
     <dgm:pt modelId="{DC13E2E2-462B-4025-BF76-6943619A906D}" type="doc">
       <dgm:prSet loTypeId="urn:microsoft.com/office/officeart/2005/8/layout/vList2" loCatId="list" qsTypeId="urn:microsoft.com/office/officeart/2005/8/quickstyle/simple5" qsCatId="simple" csTypeId="urn:microsoft.com/office/officeart/2005/8/colors/accent0_3" csCatId="mainScheme"/>
       <dgm:spPr/>
@@ -7876,7 +10074,7 @@
 </dgm:dataModel>
 </file>
 
-<file path=ppt/diagrams/data8.xml><?xml version="1.0" encoding="utf-8"?>
+<file path=ppt/diagrams/data9.xml><?xml version="1.0" encoding="utf-8"?>
 <dgm:dataModel xmlns:dgm="http://schemas.openxmlformats.org/drawingml/2006/diagram" xmlns:a="http://schemas.openxmlformats.org/drawingml/2006/main">
   <dgm:ptLst>
     <dgm:pt modelId="{56ED5313-0028-4E49-939E-A1983A8B399A}" type="doc">
@@ -8562,6 +10760,558 @@
       <dsp:txXfrm rot="10800000">
         <a:off x="0" y="0"/>
         <a:ext cx="4136123" cy="1656495"/>
+      </dsp:txXfrm>
+    </dsp:sp>
+  </dsp:spTree>
+</dsp:drawing>
+</file>
+
+<file path=ppt/diagrams/drawing10.xml><?xml version="1.0" encoding="utf-8"?>
+<dsp:drawing xmlns:dgm="http://schemas.openxmlformats.org/drawingml/2006/diagram" xmlns:dsp="http://schemas.microsoft.com/office/drawing/2008/diagram" xmlns:a="http://schemas.openxmlformats.org/drawingml/2006/main">
+  <dsp:spTree>
+    <dsp:nvGrpSpPr>
+      <dsp:cNvPr id="0" name=""/>
+      <dsp:cNvGrpSpPr/>
+    </dsp:nvGrpSpPr>
+    <dsp:grpSpPr/>
+    <dsp:sp modelId="{61B77267-DD37-4E24-AE77-26330A4C0DBD}">
+      <dsp:nvSpPr>
+        <dsp:cNvPr id="0" name=""/>
+        <dsp:cNvSpPr/>
+      </dsp:nvSpPr>
+      <dsp:spPr>
+        <a:xfrm>
+          <a:off x="0" y="0"/>
+          <a:ext cx="9613860" cy="655200"/>
+        </a:xfrm>
+        <a:prstGeom prst="roundRect">
+          <a:avLst/>
+        </a:prstGeom>
+        <a:solidFill>
+          <a:schemeClr val="accent1">
+            <a:hueOff val="0"/>
+            <a:satOff val="0"/>
+            <a:lumOff val="0"/>
+            <a:alphaOff val="0"/>
+          </a:schemeClr>
+        </a:solidFill>
+        <a:ln w="12700" cap="flat" cmpd="sng" algn="ctr">
+          <a:solidFill>
+            <a:schemeClr val="lt1">
+              <a:hueOff val="0"/>
+              <a:satOff val="0"/>
+              <a:lumOff val="0"/>
+              <a:alphaOff val="0"/>
+            </a:schemeClr>
+          </a:solidFill>
+          <a:prstDash val="solid"/>
+        </a:ln>
+        <a:effectLst/>
+      </dsp:spPr>
+      <dsp:style>
+        <a:lnRef idx="2">
+          <a:scrgbClr r="0" g="0" b="0"/>
+        </a:lnRef>
+        <a:fillRef idx="1">
+          <a:scrgbClr r="0" g="0" b="0"/>
+        </a:fillRef>
+        <a:effectRef idx="0">
+          <a:scrgbClr r="0" g="0" b="0"/>
+        </a:effectRef>
+        <a:fontRef idx="minor">
+          <a:schemeClr val="lt1"/>
+        </a:fontRef>
+      </dsp:style>
+      <dsp:txBody>
+        <a:bodyPr spcFirstLastPara="0" vert="horz" wrap="square" lIns="106680" tIns="106680" rIns="106680" bIns="106680" numCol="1" spcCol="1270" anchor="ctr" anchorCtr="0">
+          <a:noAutofit/>
+        </a:bodyPr>
+        <a:lstStyle/>
+        <a:p>
+          <a:pPr marL="0" lvl="0" indent="0" algn="l" defTabSz="1244600">
+            <a:lnSpc>
+              <a:spcPct val="90000"/>
+            </a:lnSpc>
+            <a:spcBef>
+              <a:spcPct val="0"/>
+            </a:spcBef>
+            <a:spcAft>
+              <a:spcPct val="35000"/>
+            </a:spcAft>
+            <a:buNone/>
+          </a:pPr>
+          <a:r>
+            <a:rPr lang="en-GB" sz="2800" kern="1200" baseline="0" dirty="0">
+              <a:solidFill>
+                <a:schemeClr val="tx1"/>
+              </a:solidFill>
+              <a:hlinkClick xmlns:r="http://schemas.openxmlformats.org/officeDocument/2006/relationships" r:id="rId1">
+                <a:extLst>
+                  <a:ext uri="{A12FA001-AC4F-418D-AE19-62706E023703}">
+                    <ahyp:hlinkClr xmlns:ahyp="http://schemas.microsoft.com/office/drawing/2018/hyperlinkcolor" val="tx"/>
+                  </a:ext>
+                </a:extLst>
+              </a:hlinkClick>
+            </a:rPr>
+            <a:t>Introduction to GANs - Ian Goodfellow – </a:t>
+          </a:r>
+          <a:r>
+            <a:rPr lang="en-GB" sz="2800" kern="1200" baseline="0" dirty="0" err="1">
+              <a:solidFill>
+                <a:schemeClr val="tx1"/>
+              </a:solidFill>
+              <a:hlinkClick xmlns:r="http://schemas.openxmlformats.org/officeDocument/2006/relationships" r:id="rId1">
+                <a:extLst>
+                  <a:ext uri="{A12FA001-AC4F-418D-AE19-62706E023703}">
+                    <ahyp:hlinkClr xmlns:ahyp="http://schemas.microsoft.com/office/drawing/2018/hyperlinkcolor" val="tx"/>
+                  </a:ext>
+                </a:extLst>
+              </a:hlinkClick>
+            </a:rPr>
+            <a:t>OpenAI</a:t>
+          </a:r>
+          <a:endParaRPr lang="en-IN" sz="2800" kern="1200" baseline="0" dirty="0">
+            <a:solidFill>
+              <a:schemeClr val="tx1"/>
+            </a:solidFill>
+          </a:endParaRPr>
+        </a:p>
+      </dsp:txBody>
+      <dsp:txXfrm>
+        <a:off x="31984" y="31984"/>
+        <a:ext cx="9549892" cy="591232"/>
+      </dsp:txXfrm>
+    </dsp:sp>
+    <dsp:sp modelId="{7A059B09-DF8E-4230-8803-BEB5201EDD40}">
+      <dsp:nvSpPr>
+        <dsp:cNvPr id="0" name=""/>
+        <dsp:cNvSpPr/>
+      </dsp:nvSpPr>
+      <dsp:spPr>
+        <a:xfrm>
+          <a:off x="0" y="736217"/>
+          <a:ext cx="9613860" cy="655200"/>
+        </a:xfrm>
+        <a:prstGeom prst="roundRect">
+          <a:avLst/>
+        </a:prstGeom>
+        <a:solidFill>
+          <a:schemeClr val="accent1">
+            <a:hueOff val="0"/>
+            <a:satOff val="0"/>
+            <a:lumOff val="0"/>
+            <a:alphaOff val="0"/>
+          </a:schemeClr>
+        </a:solidFill>
+        <a:ln w="12700" cap="flat" cmpd="sng" algn="ctr">
+          <a:solidFill>
+            <a:schemeClr val="lt1">
+              <a:hueOff val="0"/>
+              <a:satOff val="0"/>
+              <a:lumOff val="0"/>
+              <a:alphaOff val="0"/>
+            </a:schemeClr>
+          </a:solidFill>
+          <a:prstDash val="solid"/>
+        </a:ln>
+        <a:effectLst/>
+      </dsp:spPr>
+      <dsp:style>
+        <a:lnRef idx="2">
+          <a:scrgbClr r="0" g="0" b="0"/>
+        </a:lnRef>
+        <a:fillRef idx="1">
+          <a:scrgbClr r="0" g="0" b="0"/>
+        </a:fillRef>
+        <a:effectRef idx="0">
+          <a:scrgbClr r="0" g="0" b="0"/>
+        </a:effectRef>
+        <a:fontRef idx="minor">
+          <a:schemeClr val="lt1"/>
+        </a:fontRef>
+      </dsp:style>
+      <dsp:txBody>
+        <a:bodyPr spcFirstLastPara="0" vert="horz" wrap="square" lIns="106680" tIns="106680" rIns="106680" bIns="106680" numCol="1" spcCol="1270" anchor="ctr" anchorCtr="0">
+          <a:noAutofit/>
+        </a:bodyPr>
+        <a:lstStyle/>
+        <a:p>
+          <a:pPr marL="0" lvl="0" indent="0" algn="l" defTabSz="1244600">
+            <a:lnSpc>
+              <a:spcPct val="90000"/>
+            </a:lnSpc>
+            <a:spcBef>
+              <a:spcPct val="0"/>
+            </a:spcBef>
+            <a:spcAft>
+              <a:spcPct val="35000"/>
+            </a:spcAft>
+            <a:buNone/>
+          </a:pPr>
+          <a:r>
+            <a:rPr lang="en-GB" sz="2800" kern="1200" dirty="0">
+              <a:solidFill>
+                <a:schemeClr val="tx1"/>
+              </a:solidFill>
+              <a:hlinkClick xmlns:r="http://schemas.openxmlformats.org/officeDocument/2006/relationships" r:id="rId2">
+                <a:extLst>
+                  <a:ext uri="{A12FA001-AC4F-418D-AE19-62706E023703}">
+                    <ahyp:hlinkClr xmlns:ahyp="http://schemas.microsoft.com/office/drawing/2018/hyperlinkcolor" val="tx"/>
+                  </a:ext>
+                </a:extLst>
+              </a:hlinkClick>
+            </a:rPr>
+            <a:t>Generative </a:t>
+          </a:r>
+          <a:r>
+            <a:rPr lang="en-GB" sz="2800" kern="1200" baseline="0" dirty="0">
+              <a:solidFill>
+                <a:schemeClr val="tx1"/>
+              </a:solidFill>
+              <a:hlinkClick xmlns:r="http://schemas.openxmlformats.org/officeDocument/2006/relationships" r:id="rId2">
+                <a:extLst>
+                  <a:ext uri="{A12FA001-AC4F-418D-AE19-62706E023703}">
+                    <ahyp:hlinkClr xmlns:ahyp="http://schemas.microsoft.com/office/drawing/2018/hyperlinkcolor" val="tx"/>
+                  </a:ext>
+                </a:extLst>
+              </a:hlinkClick>
+            </a:rPr>
+            <a:t>Adversarial</a:t>
+          </a:r>
+          <a:r>
+            <a:rPr lang="en-GB" sz="2800" kern="1200" dirty="0">
+              <a:solidFill>
+                <a:schemeClr val="tx1"/>
+              </a:solidFill>
+              <a:hlinkClick xmlns:r="http://schemas.openxmlformats.org/officeDocument/2006/relationships" r:id="rId2">
+                <a:extLst>
+                  <a:ext uri="{A12FA001-AC4F-418D-AE19-62706E023703}">
+                    <ahyp:hlinkClr xmlns:ahyp="http://schemas.microsoft.com/office/drawing/2018/hyperlinkcolor" val="tx"/>
+                  </a:ext>
+                </a:extLst>
+              </a:hlinkClick>
+            </a:rPr>
+            <a:t> Nets Research paper</a:t>
+          </a:r>
+          <a:endParaRPr lang="en-IN" sz="2800" kern="1200" dirty="0">
+            <a:solidFill>
+              <a:schemeClr val="tx1"/>
+            </a:solidFill>
+          </a:endParaRPr>
+        </a:p>
+      </dsp:txBody>
+      <dsp:txXfrm>
+        <a:off x="31984" y="768201"/>
+        <a:ext cx="9549892" cy="591232"/>
+      </dsp:txXfrm>
+    </dsp:sp>
+    <dsp:sp modelId="{988EAB42-24AB-4130-A096-9562E6F0C376}">
+      <dsp:nvSpPr>
+        <dsp:cNvPr id="0" name=""/>
+        <dsp:cNvSpPr/>
+      </dsp:nvSpPr>
+      <dsp:spPr>
+        <a:xfrm>
+          <a:off x="0" y="1472058"/>
+          <a:ext cx="9613860" cy="655200"/>
+        </a:xfrm>
+        <a:prstGeom prst="roundRect">
+          <a:avLst/>
+        </a:prstGeom>
+        <a:solidFill>
+          <a:schemeClr val="accent1">
+            <a:hueOff val="0"/>
+            <a:satOff val="0"/>
+            <a:lumOff val="0"/>
+            <a:alphaOff val="0"/>
+          </a:schemeClr>
+        </a:solidFill>
+        <a:ln w="12700" cap="flat" cmpd="sng" algn="ctr">
+          <a:solidFill>
+            <a:schemeClr val="lt1">
+              <a:hueOff val="0"/>
+              <a:satOff val="0"/>
+              <a:lumOff val="0"/>
+              <a:alphaOff val="0"/>
+            </a:schemeClr>
+          </a:solidFill>
+          <a:prstDash val="solid"/>
+        </a:ln>
+        <a:effectLst/>
+      </dsp:spPr>
+      <dsp:style>
+        <a:lnRef idx="2">
+          <a:scrgbClr r="0" g="0" b="0"/>
+        </a:lnRef>
+        <a:fillRef idx="1">
+          <a:scrgbClr r="0" g="0" b="0"/>
+        </a:fillRef>
+        <a:effectRef idx="0">
+          <a:scrgbClr r="0" g="0" b="0"/>
+        </a:effectRef>
+        <a:fontRef idx="minor">
+          <a:schemeClr val="lt1"/>
+        </a:fontRef>
+      </dsp:style>
+      <dsp:txBody>
+        <a:bodyPr spcFirstLastPara="0" vert="horz" wrap="square" lIns="106680" tIns="106680" rIns="106680" bIns="106680" numCol="1" spcCol="1270" anchor="ctr" anchorCtr="0">
+          <a:noAutofit/>
+        </a:bodyPr>
+        <a:lstStyle/>
+        <a:p>
+          <a:pPr marL="0" lvl="0" indent="0" algn="l" defTabSz="1244600">
+            <a:lnSpc>
+              <a:spcPct val="90000"/>
+            </a:lnSpc>
+            <a:spcBef>
+              <a:spcPct val="0"/>
+            </a:spcBef>
+            <a:spcAft>
+              <a:spcPct val="35000"/>
+            </a:spcAft>
+            <a:buNone/>
+          </a:pPr>
+          <a:r>
+            <a:rPr lang="en-IN" sz="2800" kern="1200" dirty="0">
+              <a:solidFill>
+                <a:schemeClr val="tx1"/>
+              </a:solidFill>
+              <a:hlinkClick xmlns:r="http://schemas.openxmlformats.org/officeDocument/2006/relationships" r:id="rId3">
+                <a:extLst>
+                  <a:ext uri="{A12FA001-AC4F-418D-AE19-62706E023703}">
+                    <ahyp:hlinkClr xmlns:ahyp="http://schemas.microsoft.com/office/drawing/2018/hyperlinkcolor" val="tx"/>
+                  </a:ext>
+                </a:extLst>
+              </a:hlinkClick>
+            </a:rPr>
+            <a:t>Ian Goodfellow - GANs – </a:t>
+          </a:r>
+          <a:r>
+            <a:rPr lang="en-IN" sz="2800" kern="1200" dirty="0" err="1">
+              <a:solidFill>
+                <a:schemeClr val="tx1"/>
+              </a:solidFill>
+              <a:hlinkClick xmlns:r="http://schemas.openxmlformats.org/officeDocument/2006/relationships" r:id="rId3">
+                <a:extLst>
+                  <a:ext uri="{A12FA001-AC4F-418D-AE19-62706E023703}">
+                    <ahyp:hlinkClr xmlns:ahyp="http://schemas.microsoft.com/office/drawing/2018/hyperlinkcolor" val="tx"/>
+                  </a:ext>
+                </a:extLst>
+              </a:hlinkClick>
+            </a:rPr>
+            <a:t>Github</a:t>
+          </a:r>
+          <a:endParaRPr lang="en-IN" sz="2800" kern="1200" dirty="0">
+            <a:solidFill>
+              <a:schemeClr val="tx1"/>
+            </a:solidFill>
+          </a:endParaRPr>
+        </a:p>
+      </dsp:txBody>
+      <dsp:txXfrm>
+        <a:off x="31984" y="1504042"/>
+        <a:ext cx="9549892" cy="591232"/>
+      </dsp:txXfrm>
+    </dsp:sp>
+    <dsp:sp modelId="{EEA28496-E7CE-4C09-B788-3C3FFDEAAC8B}">
+      <dsp:nvSpPr>
+        <dsp:cNvPr id="0" name=""/>
+        <dsp:cNvSpPr/>
+      </dsp:nvSpPr>
+      <dsp:spPr>
+        <a:xfrm>
+          <a:off x="0" y="2207898"/>
+          <a:ext cx="9613860" cy="655200"/>
+        </a:xfrm>
+        <a:prstGeom prst="roundRect">
+          <a:avLst/>
+        </a:prstGeom>
+        <a:solidFill>
+          <a:schemeClr val="accent1">
+            <a:hueOff val="0"/>
+            <a:satOff val="0"/>
+            <a:lumOff val="0"/>
+            <a:alphaOff val="0"/>
+          </a:schemeClr>
+        </a:solidFill>
+        <a:ln w="12700" cap="flat" cmpd="sng" algn="ctr">
+          <a:solidFill>
+            <a:schemeClr val="lt1">
+              <a:hueOff val="0"/>
+              <a:satOff val="0"/>
+              <a:lumOff val="0"/>
+              <a:alphaOff val="0"/>
+            </a:schemeClr>
+          </a:solidFill>
+          <a:prstDash val="solid"/>
+        </a:ln>
+        <a:effectLst/>
+      </dsp:spPr>
+      <dsp:style>
+        <a:lnRef idx="2">
+          <a:scrgbClr r="0" g="0" b="0"/>
+        </a:lnRef>
+        <a:fillRef idx="1">
+          <a:scrgbClr r="0" g="0" b="0"/>
+        </a:fillRef>
+        <a:effectRef idx="0">
+          <a:scrgbClr r="0" g="0" b="0"/>
+        </a:effectRef>
+        <a:fontRef idx="minor">
+          <a:schemeClr val="lt1"/>
+        </a:fontRef>
+      </dsp:style>
+      <dsp:txBody>
+        <a:bodyPr spcFirstLastPara="0" vert="horz" wrap="square" lIns="106680" tIns="106680" rIns="106680" bIns="106680" numCol="1" spcCol="1270" anchor="ctr" anchorCtr="0">
+          <a:noAutofit/>
+        </a:bodyPr>
+        <a:lstStyle/>
+        <a:p>
+          <a:pPr marL="0" lvl="0" indent="0" algn="l" defTabSz="1244600">
+            <a:lnSpc>
+              <a:spcPct val="90000"/>
+            </a:lnSpc>
+            <a:spcBef>
+              <a:spcPct val="0"/>
+            </a:spcBef>
+            <a:spcAft>
+              <a:spcPct val="35000"/>
+            </a:spcAft>
+            <a:buNone/>
+          </a:pPr>
+          <a:r>
+            <a:rPr lang="en-GB" sz="2800" kern="1200" dirty="0" err="1">
+              <a:solidFill>
+                <a:schemeClr val="tx1"/>
+              </a:solidFill>
+              <a:hlinkClick xmlns:r="http://schemas.openxmlformats.org/officeDocument/2006/relationships" r:id="rId4">
+                <a:extLst>
+                  <a:ext uri="{A12FA001-AC4F-418D-AE19-62706E023703}">
+                    <ahyp:hlinkClr xmlns:ahyp="http://schemas.microsoft.com/office/drawing/2018/hyperlinkcolor" val="tx"/>
+                  </a:ext>
+                </a:extLst>
+              </a:hlinkClick>
+            </a:rPr>
+            <a:t>Parzen</a:t>
+          </a:r>
+          <a:r>
+            <a:rPr lang="en-GB" sz="2800" kern="1200" dirty="0">
+              <a:solidFill>
+                <a:schemeClr val="tx1"/>
+              </a:solidFill>
+              <a:hlinkClick xmlns:r="http://schemas.openxmlformats.org/officeDocument/2006/relationships" r:id="rId4">
+                <a:extLst>
+                  <a:ext uri="{A12FA001-AC4F-418D-AE19-62706E023703}">
+                    <ahyp:hlinkClr xmlns:ahyp="http://schemas.microsoft.com/office/drawing/2018/hyperlinkcolor" val="tx"/>
+                  </a:ext>
+                </a:extLst>
+              </a:hlinkClick>
+            </a:rPr>
+            <a:t> window explanation reference link</a:t>
+          </a:r>
+          <a:endParaRPr lang="en-IN" sz="2800" kern="1200" dirty="0">
+            <a:solidFill>
+              <a:schemeClr val="tx1"/>
+            </a:solidFill>
+          </a:endParaRPr>
+        </a:p>
+      </dsp:txBody>
+      <dsp:txXfrm>
+        <a:off x="31984" y="2239882"/>
+        <a:ext cx="9549892" cy="591232"/>
+      </dsp:txXfrm>
+    </dsp:sp>
+    <dsp:sp modelId="{FFA14516-950C-4589-83EC-AD9CDBC3AC39}">
+      <dsp:nvSpPr>
+        <dsp:cNvPr id="0" name=""/>
+        <dsp:cNvSpPr/>
+      </dsp:nvSpPr>
+      <dsp:spPr>
+        <a:xfrm>
+          <a:off x="0" y="2943738"/>
+          <a:ext cx="9613860" cy="655200"/>
+        </a:xfrm>
+        <a:prstGeom prst="roundRect">
+          <a:avLst/>
+        </a:prstGeom>
+        <a:solidFill>
+          <a:schemeClr val="accent1">
+            <a:hueOff val="0"/>
+            <a:satOff val="0"/>
+            <a:lumOff val="0"/>
+            <a:alphaOff val="0"/>
+          </a:schemeClr>
+        </a:solidFill>
+        <a:ln w="12700" cap="flat" cmpd="sng" algn="ctr">
+          <a:solidFill>
+            <a:schemeClr val="lt1">
+              <a:hueOff val="0"/>
+              <a:satOff val="0"/>
+              <a:lumOff val="0"/>
+              <a:alphaOff val="0"/>
+            </a:schemeClr>
+          </a:solidFill>
+          <a:prstDash val="solid"/>
+        </a:ln>
+        <a:effectLst/>
+      </dsp:spPr>
+      <dsp:style>
+        <a:lnRef idx="2">
+          <a:scrgbClr r="0" g="0" b="0"/>
+        </a:lnRef>
+        <a:fillRef idx="1">
+          <a:scrgbClr r="0" g="0" b="0"/>
+        </a:fillRef>
+        <a:effectRef idx="0">
+          <a:scrgbClr r="0" g="0" b="0"/>
+        </a:effectRef>
+        <a:fontRef idx="minor">
+          <a:schemeClr val="lt1"/>
+        </a:fontRef>
+      </dsp:style>
+      <dsp:txBody>
+        <a:bodyPr spcFirstLastPara="0" vert="horz" wrap="square" lIns="106680" tIns="106680" rIns="106680" bIns="106680" numCol="1" spcCol="1270" anchor="ctr" anchorCtr="0">
+          <a:noAutofit/>
+        </a:bodyPr>
+        <a:lstStyle/>
+        <a:p>
+          <a:pPr marL="0" lvl="0" indent="0" algn="l" defTabSz="1244600">
+            <a:lnSpc>
+              <a:spcPct val="90000"/>
+            </a:lnSpc>
+            <a:spcBef>
+              <a:spcPct val="0"/>
+            </a:spcBef>
+            <a:spcAft>
+              <a:spcPct val="35000"/>
+            </a:spcAft>
+            <a:buNone/>
+          </a:pPr>
+          <a:r>
+            <a:rPr lang="en-GB" sz="2800" kern="1200" dirty="0">
+              <a:solidFill>
+                <a:schemeClr val="tx1"/>
+              </a:solidFill>
+              <a:hlinkClick xmlns:r="http://schemas.openxmlformats.org/officeDocument/2006/relationships" r:id="rId5">
+                <a:extLst>
+                  <a:ext uri="{A12FA001-AC4F-418D-AE19-62706E023703}">
+                    <ahyp:hlinkClr xmlns:ahyp="http://schemas.microsoft.com/office/drawing/2018/hyperlinkcolor" val="tx"/>
+                  </a:ext>
+                </a:extLst>
+              </a:hlinkClick>
+            </a:rPr>
+            <a:t>Better Mixing via Deep Representations - Reference Paper</a:t>
+          </a:r>
+          <a:endParaRPr lang="en-IN" sz="2800" kern="1200" dirty="0">
+            <a:solidFill>
+              <a:schemeClr val="tx1"/>
+            </a:solidFill>
+          </a:endParaRPr>
+        </a:p>
+      </dsp:txBody>
+      <dsp:txXfrm>
+        <a:off x="31984" y="2975722"/>
+        <a:ext cx="9549892" cy="591232"/>
       </dsp:txXfrm>
     </dsp:sp>
   </dsp:spTree>
@@ -10384,6 +13134,330 @@
       <dsp:cNvGrpSpPr/>
     </dsp:nvGrpSpPr>
     <dsp:grpSpPr/>
+    <dsp:sp modelId="{681CF9BB-81A9-431A-87DB-BC2E6F7728CD}">
+      <dsp:nvSpPr>
+        <dsp:cNvPr id="0" name=""/>
+        <dsp:cNvSpPr/>
+      </dsp:nvSpPr>
+      <dsp:spPr>
+        <a:xfrm>
+          <a:off x="0" y="5777"/>
+          <a:ext cx="3876256" cy="849420"/>
+        </a:xfrm>
+        <a:prstGeom prst="roundRect">
+          <a:avLst/>
+        </a:prstGeom>
+        <a:solidFill>
+          <a:schemeClr val="accent1">
+            <a:hueOff val="0"/>
+            <a:satOff val="0"/>
+            <a:lumOff val="0"/>
+            <a:alphaOff val="0"/>
+          </a:schemeClr>
+        </a:solidFill>
+        <a:ln w="12700" cap="flat" cmpd="sng" algn="ctr">
+          <a:solidFill>
+            <a:schemeClr val="lt1">
+              <a:hueOff val="0"/>
+              <a:satOff val="0"/>
+              <a:lumOff val="0"/>
+              <a:alphaOff val="0"/>
+            </a:schemeClr>
+          </a:solidFill>
+          <a:prstDash val="solid"/>
+        </a:ln>
+        <a:effectLst/>
+      </dsp:spPr>
+      <dsp:style>
+        <a:lnRef idx="2">
+          <a:scrgbClr r="0" g="0" b="0"/>
+        </a:lnRef>
+        <a:fillRef idx="1">
+          <a:scrgbClr r="0" g="0" b="0"/>
+        </a:fillRef>
+        <a:effectRef idx="0">
+          <a:scrgbClr r="0" g="0" b="0"/>
+        </a:effectRef>
+        <a:fontRef idx="minor">
+          <a:schemeClr val="lt1"/>
+        </a:fontRef>
+      </dsp:style>
+      <dsp:txBody>
+        <a:bodyPr spcFirstLastPara="0" vert="horz" wrap="square" lIns="83820" tIns="83820" rIns="83820" bIns="83820" numCol="1" spcCol="1270" anchor="ctr" anchorCtr="0">
+          <a:noAutofit/>
+        </a:bodyPr>
+        <a:lstStyle/>
+        <a:p>
+          <a:pPr marL="0" lvl="0" indent="0" algn="l" defTabSz="977900">
+            <a:lnSpc>
+              <a:spcPct val="90000"/>
+            </a:lnSpc>
+            <a:spcBef>
+              <a:spcPct val="0"/>
+            </a:spcBef>
+            <a:spcAft>
+              <a:spcPct val="35000"/>
+            </a:spcAft>
+            <a:buNone/>
+          </a:pPr>
+          <a:r>
+            <a:rPr lang="en-IN" sz="2200" kern="1200" dirty="0" err="1"/>
+            <a:t>Parzen</a:t>
+          </a:r>
+          <a:r>
+            <a:rPr lang="en-IN" sz="2200" kern="1200" dirty="0"/>
+            <a:t> window based log likelihood estimates</a:t>
+          </a:r>
+        </a:p>
+      </dsp:txBody>
+      <dsp:txXfrm>
+        <a:off x="41465" y="47242"/>
+        <a:ext cx="3793326" cy="766490"/>
+      </dsp:txXfrm>
+    </dsp:sp>
+    <dsp:sp modelId="{53957EFF-1CC5-4116-87ED-9D8BA1C4337F}">
+      <dsp:nvSpPr>
+        <dsp:cNvPr id="0" name=""/>
+        <dsp:cNvSpPr/>
+      </dsp:nvSpPr>
+      <dsp:spPr>
+        <a:xfrm>
+          <a:off x="0" y="918557"/>
+          <a:ext cx="3876256" cy="849420"/>
+        </a:xfrm>
+        <a:prstGeom prst="roundRect">
+          <a:avLst/>
+        </a:prstGeom>
+        <a:solidFill>
+          <a:schemeClr val="accent1">
+            <a:hueOff val="0"/>
+            <a:satOff val="0"/>
+            <a:lumOff val="0"/>
+            <a:alphaOff val="0"/>
+          </a:schemeClr>
+        </a:solidFill>
+        <a:ln w="12700" cap="flat" cmpd="sng" algn="ctr">
+          <a:solidFill>
+            <a:schemeClr val="lt1">
+              <a:hueOff val="0"/>
+              <a:satOff val="0"/>
+              <a:lumOff val="0"/>
+              <a:alphaOff val="0"/>
+            </a:schemeClr>
+          </a:solidFill>
+          <a:prstDash val="solid"/>
+        </a:ln>
+        <a:effectLst/>
+      </dsp:spPr>
+      <dsp:style>
+        <a:lnRef idx="2">
+          <a:scrgbClr r="0" g="0" b="0"/>
+        </a:lnRef>
+        <a:fillRef idx="1">
+          <a:scrgbClr r="0" g="0" b="0"/>
+        </a:fillRef>
+        <a:effectRef idx="0">
+          <a:scrgbClr r="0" g="0" b="0"/>
+        </a:effectRef>
+        <a:fontRef idx="minor">
+          <a:schemeClr val="lt1"/>
+        </a:fontRef>
+      </dsp:style>
+      <dsp:txBody>
+        <a:bodyPr spcFirstLastPara="0" vert="horz" wrap="square" lIns="83820" tIns="83820" rIns="83820" bIns="83820" numCol="1" spcCol="1270" anchor="ctr" anchorCtr="0">
+          <a:noAutofit/>
+        </a:bodyPr>
+        <a:lstStyle/>
+        <a:p>
+          <a:pPr marL="0" lvl="0" indent="0" algn="l" defTabSz="977900">
+            <a:lnSpc>
+              <a:spcPct val="90000"/>
+            </a:lnSpc>
+            <a:spcBef>
+              <a:spcPct val="0"/>
+            </a:spcBef>
+            <a:spcAft>
+              <a:spcPct val="35000"/>
+            </a:spcAft>
+            <a:buNone/>
+          </a:pPr>
+          <a:r>
+            <a:rPr lang="en-IN" sz="2200" kern="1200"/>
+            <a:t>DBN – Deep Belief Networks</a:t>
+          </a:r>
+        </a:p>
+      </dsp:txBody>
+      <dsp:txXfrm>
+        <a:off x="41465" y="960022"/>
+        <a:ext cx="3793326" cy="766490"/>
+      </dsp:txXfrm>
+    </dsp:sp>
+    <dsp:sp modelId="{42ABEDE6-30C1-4543-8C1E-7641B55BF722}">
+      <dsp:nvSpPr>
+        <dsp:cNvPr id="0" name=""/>
+        <dsp:cNvSpPr/>
+      </dsp:nvSpPr>
+      <dsp:spPr>
+        <a:xfrm>
+          <a:off x="0" y="1831337"/>
+          <a:ext cx="3876256" cy="849420"/>
+        </a:xfrm>
+        <a:prstGeom prst="roundRect">
+          <a:avLst/>
+        </a:prstGeom>
+        <a:solidFill>
+          <a:schemeClr val="accent1">
+            <a:hueOff val="0"/>
+            <a:satOff val="0"/>
+            <a:lumOff val="0"/>
+            <a:alphaOff val="0"/>
+          </a:schemeClr>
+        </a:solidFill>
+        <a:ln w="12700" cap="flat" cmpd="sng" algn="ctr">
+          <a:solidFill>
+            <a:schemeClr val="lt1">
+              <a:hueOff val="0"/>
+              <a:satOff val="0"/>
+              <a:lumOff val="0"/>
+              <a:alphaOff val="0"/>
+            </a:schemeClr>
+          </a:solidFill>
+          <a:prstDash val="solid"/>
+        </a:ln>
+        <a:effectLst/>
+      </dsp:spPr>
+      <dsp:style>
+        <a:lnRef idx="2">
+          <a:scrgbClr r="0" g="0" b="0"/>
+        </a:lnRef>
+        <a:fillRef idx="1">
+          <a:scrgbClr r="0" g="0" b="0"/>
+        </a:fillRef>
+        <a:effectRef idx="0">
+          <a:scrgbClr r="0" g="0" b="0"/>
+        </a:effectRef>
+        <a:fontRef idx="minor">
+          <a:schemeClr val="lt1"/>
+        </a:fontRef>
+      </dsp:style>
+      <dsp:txBody>
+        <a:bodyPr spcFirstLastPara="0" vert="horz" wrap="square" lIns="83820" tIns="83820" rIns="83820" bIns="83820" numCol="1" spcCol="1270" anchor="ctr" anchorCtr="0">
+          <a:noAutofit/>
+        </a:bodyPr>
+        <a:lstStyle/>
+        <a:p>
+          <a:pPr marL="0" lvl="0" indent="0" algn="l" defTabSz="977900">
+            <a:lnSpc>
+              <a:spcPct val="90000"/>
+            </a:lnSpc>
+            <a:spcBef>
+              <a:spcPct val="0"/>
+            </a:spcBef>
+            <a:spcAft>
+              <a:spcPct val="35000"/>
+            </a:spcAft>
+            <a:buNone/>
+          </a:pPr>
+          <a:r>
+            <a:rPr lang="en-IN" sz="2200" kern="1200"/>
+            <a:t>Stacked CAE – Stacked contractive auto-encoder</a:t>
+          </a:r>
+        </a:p>
+      </dsp:txBody>
+      <dsp:txXfrm>
+        <a:off x="41465" y="1872802"/>
+        <a:ext cx="3793326" cy="766490"/>
+      </dsp:txXfrm>
+    </dsp:sp>
+    <dsp:sp modelId="{F6714062-2E70-4855-BE7F-2E664832E6D0}">
+      <dsp:nvSpPr>
+        <dsp:cNvPr id="0" name=""/>
+        <dsp:cNvSpPr/>
+      </dsp:nvSpPr>
+      <dsp:spPr>
+        <a:xfrm>
+          <a:off x="0" y="2744117"/>
+          <a:ext cx="3876256" cy="849420"/>
+        </a:xfrm>
+        <a:prstGeom prst="roundRect">
+          <a:avLst/>
+        </a:prstGeom>
+        <a:solidFill>
+          <a:schemeClr val="accent1">
+            <a:hueOff val="0"/>
+            <a:satOff val="0"/>
+            <a:lumOff val="0"/>
+            <a:alphaOff val="0"/>
+          </a:schemeClr>
+        </a:solidFill>
+        <a:ln w="12700" cap="flat" cmpd="sng" algn="ctr">
+          <a:solidFill>
+            <a:schemeClr val="lt1">
+              <a:hueOff val="0"/>
+              <a:satOff val="0"/>
+              <a:lumOff val="0"/>
+              <a:alphaOff val="0"/>
+            </a:schemeClr>
+          </a:solidFill>
+          <a:prstDash val="solid"/>
+        </a:ln>
+        <a:effectLst/>
+      </dsp:spPr>
+      <dsp:style>
+        <a:lnRef idx="2">
+          <a:scrgbClr r="0" g="0" b="0"/>
+        </a:lnRef>
+        <a:fillRef idx="1">
+          <a:scrgbClr r="0" g="0" b="0"/>
+        </a:fillRef>
+        <a:effectRef idx="0">
+          <a:scrgbClr r="0" g="0" b="0"/>
+        </a:effectRef>
+        <a:fontRef idx="minor">
+          <a:schemeClr val="lt1"/>
+        </a:fontRef>
+      </dsp:style>
+      <dsp:txBody>
+        <a:bodyPr spcFirstLastPara="0" vert="horz" wrap="square" lIns="83820" tIns="83820" rIns="83820" bIns="83820" numCol="1" spcCol="1270" anchor="ctr" anchorCtr="0">
+          <a:noAutofit/>
+        </a:bodyPr>
+        <a:lstStyle/>
+        <a:p>
+          <a:pPr marL="0" lvl="0" indent="0" algn="l" defTabSz="977900">
+            <a:lnSpc>
+              <a:spcPct val="90000"/>
+            </a:lnSpc>
+            <a:spcBef>
+              <a:spcPct val="0"/>
+            </a:spcBef>
+            <a:spcAft>
+              <a:spcPct val="35000"/>
+            </a:spcAft>
+            <a:buNone/>
+          </a:pPr>
+          <a:r>
+            <a:rPr lang="en-IN" sz="2200" kern="1200"/>
+            <a:t>Deep GSN – Deep Stochastic Networks</a:t>
+          </a:r>
+        </a:p>
+      </dsp:txBody>
+      <dsp:txXfrm>
+        <a:off x="41465" y="2785582"/>
+        <a:ext cx="3793326" cy="766490"/>
+      </dsp:txXfrm>
+    </dsp:sp>
+  </dsp:spTree>
+</dsp:drawing>
+</file>
+
+<file path=ppt/diagrams/drawing8.xml><?xml version="1.0" encoding="utf-8"?>
+<dsp:drawing xmlns:dgm="http://schemas.openxmlformats.org/drawingml/2006/diagram" xmlns:dsp="http://schemas.microsoft.com/office/drawing/2008/diagram" xmlns:a="http://schemas.openxmlformats.org/drawingml/2006/main">
+  <dsp:spTree>
+    <dsp:nvGrpSpPr>
+      <dsp:cNvPr id="0" name=""/>
+      <dsp:cNvGrpSpPr/>
+    </dsp:nvGrpSpPr>
+    <dsp:grpSpPr/>
     <dsp:sp modelId="{7267DACC-AC84-40A4-886F-CE06B0A75DA4}">
       <dsp:nvSpPr>
         <dsp:cNvPr id="0" name=""/>
@@ -10812,7 +13886,7 @@
 </dsp:drawing>
 </file>
 
-<file path=ppt/diagrams/drawing8.xml><?xml version="1.0" encoding="utf-8"?>
+<file path=ppt/diagrams/drawing9.xml><?xml version="1.0" encoding="utf-8"?>
 <dsp:drawing xmlns:dgm="http://schemas.openxmlformats.org/drawingml/2006/diagram" xmlns:dsp="http://schemas.microsoft.com/office/drawing/2008/diagram" xmlns:a="http://schemas.openxmlformats.org/drawingml/2006/main">
   <dsp:spTree>
     <dsp:nvGrpSpPr>
@@ -11780,6 +14854,173 @@
           <dgm:ruleLst/>
         </dgm:layoutNode>
       </dgm:forEach>
+    </dgm:forEach>
+  </dgm:layoutNode>
+</dgm:layoutDef>
+</file>
+
+<file path=ppt/diagrams/layout10.xml><?xml version="1.0" encoding="utf-8"?>
+<dgm:layoutDef xmlns:dgm="http://schemas.openxmlformats.org/drawingml/2006/diagram" xmlns:a="http://schemas.openxmlformats.org/drawingml/2006/main" uniqueId="urn:microsoft.com/office/officeart/2005/8/layout/vList2">
+  <dgm:title val=""/>
+  <dgm:desc val=""/>
+  <dgm:catLst>
+    <dgm:cat type="list" pri="3000"/>
+    <dgm:cat type="convert" pri="1000"/>
+  </dgm:catLst>
+  <dgm:sampData>
+    <dgm:dataModel>
+      <dgm:ptLst>
+        <dgm:pt modelId="0" type="doc"/>
+        <dgm:pt modelId="1">
+          <dgm:prSet phldr="1"/>
+        </dgm:pt>
+        <dgm:pt modelId="11">
+          <dgm:prSet phldr="1"/>
+        </dgm:pt>
+        <dgm:pt modelId="2">
+          <dgm:prSet phldr="1"/>
+        </dgm:pt>
+        <dgm:pt modelId="21">
+          <dgm:prSet phldr="1"/>
+        </dgm:pt>
+      </dgm:ptLst>
+      <dgm:cxnLst>
+        <dgm:cxn modelId="4" srcId="0" destId="1" srcOrd="0" destOrd="0"/>
+        <dgm:cxn modelId="5" srcId="0" destId="2" srcOrd="1" destOrd="0"/>
+        <dgm:cxn modelId="12" srcId="1" destId="11" srcOrd="0" destOrd="0"/>
+        <dgm:cxn modelId="23" srcId="2" destId="21" srcOrd="0" destOrd="0"/>
+      </dgm:cxnLst>
+      <dgm:bg/>
+      <dgm:whole/>
+    </dgm:dataModel>
+  </dgm:sampData>
+  <dgm:styleData>
+    <dgm:dataModel>
+      <dgm:ptLst>
+        <dgm:pt modelId="0" type="doc"/>
+        <dgm:pt modelId="1"/>
+        <dgm:pt modelId="2"/>
+      </dgm:ptLst>
+      <dgm:cxnLst>
+        <dgm:cxn modelId="3" srcId="0" destId="1" srcOrd="0" destOrd="0"/>
+        <dgm:cxn modelId="4" srcId="0" destId="2" srcOrd="1" destOrd="0"/>
+      </dgm:cxnLst>
+      <dgm:bg/>
+      <dgm:whole/>
+    </dgm:dataModel>
+  </dgm:styleData>
+  <dgm:clrData>
+    <dgm:dataModel>
+      <dgm:ptLst>
+        <dgm:pt modelId="0" type="doc"/>
+        <dgm:pt modelId="1"/>
+        <dgm:pt modelId="2"/>
+        <dgm:pt modelId="3"/>
+        <dgm:pt modelId="4"/>
+      </dgm:ptLst>
+      <dgm:cxnLst>
+        <dgm:cxn modelId="5" srcId="0" destId="1" srcOrd="0" destOrd="0"/>
+        <dgm:cxn modelId="6" srcId="0" destId="2" srcOrd="1" destOrd="0"/>
+        <dgm:cxn modelId="7" srcId="0" destId="3" srcOrd="2" destOrd="0"/>
+        <dgm:cxn modelId="8" srcId="0" destId="4" srcOrd="3" destOrd="0"/>
+      </dgm:cxnLst>
+      <dgm:bg/>
+      <dgm:whole/>
+    </dgm:dataModel>
+  </dgm:clrData>
+  <dgm:layoutNode name="linear">
+    <dgm:varLst>
+      <dgm:animLvl val="lvl"/>
+      <dgm:resizeHandles val="exact"/>
+    </dgm:varLst>
+    <dgm:alg type="lin">
+      <dgm:param type="linDir" val="fromT"/>
+      <dgm:param type="vertAlign" val="mid"/>
+    </dgm:alg>
+    <dgm:shape xmlns:r="http://schemas.openxmlformats.org/officeDocument/2006/relationships" r:blip="">
+      <dgm:adjLst/>
+    </dgm:shape>
+    <dgm:presOf/>
+    <dgm:constrLst>
+      <dgm:constr type="w" for="ch" forName="parentText" refType="w"/>
+      <dgm:constr type="h" for="ch" forName="parentText" refType="primFontSz" refFor="ch" refForName="parentText" fact="0.52"/>
+      <dgm:constr type="w" for="ch" forName="childText" refType="w"/>
+      <dgm:constr type="h" for="ch" forName="childText" refType="primFontSz" refFor="ch" refForName="parentText" fact="0.46"/>
+      <dgm:constr type="h" for="ch" forName="parentText" op="equ"/>
+      <dgm:constr type="primFontSz" for="ch" forName="parentText" op="equ" val="65"/>
+      <dgm:constr type="primFontSz" for="ch" forName="childText" refType="primFontSz" refFor="ch" refForName="parentText" op="equ"/>
+      <dgm:constr type="h" for="ch" forName="spacer" refType="primFontSz" refFor="ch" refForName="parentText" fact="0.08"/>
+    </dgm:constrLst>
+    <dgm:ruleLst>
+      <dgm:rule type="primFontSz" for="ch" forName="parentText" val="5" fact="NaN" max="NaN"/>
+    </dgm:ruleLst>
+    <dgm:forEach name="Name0" axis="ch" ptType="node">
+      <dgm:layoutNode name="parentText" styleLbl="node1">
+        <dgm:varLst>
+          <dgm:chMax val="0"/>
+          <dgm:bulletEnabled val="1"/>
+        </dgm:varLst>
+        <dgm:alg type="tx">
+          <dgm:param type="parTxLTRAlign" val="l"/>
+          <dgm:param type="parTxRTLAlign" val="r"/>
+        </dgm:alg>
+        <dgm:shape xmlns:r="http://schemas.openxmlformats.org/officeDocument/2006/relationships" type="roundRect" r:blip="">
+          <dgm:adjLst/>
+        </dgm:shape>
+        <dgm:presOf axis="self"/>
+        <dgm:constrLst>
+          <dgm:constr type="tMarg" refType="primFontSz" fact="0.3"/>
+          <dgm:constr type="bMarg" refType="primFontSz" fact="0.3"/>
+          <dgm:constr type="lMarg" refType="primFontSz" fact="0.3"/>
+          <dgm:constr type="rMarg" refType="primFontSz" fact="0.3"/>
+        </dgm:constrLst>
+        <dgm:ruleLst>
+          <dgm:rule type="h" val="INF" fact="NaN" max="NaN"/>
+        </dgm:ruleLst>
+      </dgm:layoutNode>
+      <dgm:choose name="Name1">
+        <dgm:if name="Name2" axis="ch" ptType="node" func="cnt" op="gte" val="1">
+          <dgm:layoutNode name="childText" styleLbl="revTx">
+            <dgm:varLst>
+              <dgm:bulletEnabled val="1"/>
+            </dgm:varLst>
+            <dgm:alg type="tx">
+              <dgm:param type="stBulletLvl" val="1"/>
+              <dgm:param type="lnSpAfChP" val="20"/>
+            </dgm:alg>
+            <dgm:shape xmlns:r="http://schemas.openxmlformats.org/officeDocument/2006/relationships" type="rect" r:blip="">
+              <dgm:adjLst/>
+            </dgm:shape>
+            <dgm:presOf axis="des" ptType="node"/>
+            <dgm:constrLst>
+              <dgm:constr type="tMarg" refType="primFontSz" fact="0.1"/>
+              <dgm:constr type="bMarg" refType="primFontSz" fact="0.1"/>
+              <dgm:constr type="lMarg" refType="w" fact="0.09"/>
+            </dgm:constrLst>
+            <dgm:ruleLst>
+              <dgm:rule type="h" val="INF" fact="NaN" max="NaN"/>
+            </dgm:ruleLst>
+          </dgm:layoutNode>
+        </dgm:if>
+        <dgm:else name="Name3">
+          <dgm:choose name="Name4">
+            <dgm:if name="Name5" axis="par ch" ptType="doc node" func="cnt" op="gte" val="2">
+              <dgm:forEach name="Name6" axis="followSib" ptType="sibTrans" cnt="1">
+                <dgm:layoutNode name="spacer">
+                  <dgm:alg type="sp"/>
+                  <dgm:shape xmlns:r="http://schemas.openxmlformats.org/officeDocument/2006/relationships" r:blip="">
+                    <dgm:adjLst/>
+                  </dgm:shape>
+                  <dgm:presOf/>
+                  <dgm:constrLst/>
+                  <dgm:ruleLst/>
+                </dgm:layoutNode>
+              </dgm:forEach>
+            </dgm:if>
+            <dgm:else name="Name7"/>
+          </dgm:choose>
+        </dgm:else>
+      </dgm:choose>
     </dgm:forEach>
   </dgm:layoutNode>
 </dgm:layoutDef>
@@ -12954,7 +16195,1208 @@
 </dgm:layoutDef>
 </file>
 
+<file path=ppt/diagrams/layout9.xml><?xml version="1.0" encoding="utf-8"?>
+<dgm:layoutDef xmlns:dgm="http://schemas.openxmlformats.org/drawingml/2006/diagram" xmlns:a="http://schemas.openxmlformats.org/drawingml/2006/main" uniqueId="urn:microsoft.com/office/officeart/2005/8/layout/vList2">
+  <dgm:title val=""/>
+  <dgm:desc val=""/>
+  <dgm:catLst>
+    <dgm:cat type="list" pri="3000"/>
+    <dgm:cat type="convert" pri="1000"/>
+  </dgm:catLst>
+  <dgm:sampData>
+    <dgm:dataModel>
+      <dgm:ptLst>
+        <dgm:pt modelId="0" type="doc"/>
+        <dgm:pt modelId="1">
+          <dgm:prSet phldr="1"/>
+        </dgm:pt>
+        <dgm:pt modelId="11">
+          <dgm:prSet phldr="1"/>
+        </dgm:pt>
+        <dgm:pt modelId="2">
+          <dgm:prSet phldr="1"/>
+        </dgm:pt>
+        <dgm:pt modelId="21">
+          <dgm:prSet phldr="1"/>
+        </dgm:pt>
+      </dgm:ptLst>
+      <dgm:cxnLst>
+        <dgm:cxn modelId="4" srcId="0" destId="1" srcOrd="0" destOrd="0"/>
+        <dgm:cxn modelId="5" srcId="0" destId="2" srcOrd="1" destOrd="0"/>
+        <dgm:cxn modelId="12" srcId="1" destId="11" srcOrd="0" destOrd="0"/>
+        <dgm:cxn modelId="23" srcId="2" destId="21" srcOrd="0" destOrd="0"/>
+      </dgm:cxnLst>
+      <dgm:bg/>
+      <dgm:whole/>
+    </dgm:dataModel>
+  </dgm:sampData>
+  <dgm:styleData>
+    <dgm:dataModel>
+      <dgm:ptLst>
+        <dgm:pt modelId="0" type="doc"/>
+        <dgm:pt modelId="1"/>
+        <dgm:pt modelId="2"/>
+      </dgm:ptLst>
+      <dgm:cxnLst>
+        <dgm:cxn modelId="3" srcId="0" destId="1" srcOrd="0" destOrd="0"/>
+        <dgm:cxn modelId="4" srcId="0" destId="2" srcOrd="1" destOrd="0"/>
+      </dgm:cxnLst>
+      <dgm:bg/>
+      <dgm:whole/>
+    </dgm:dataModel>
+  </dgm:styleData>
+  <dgm:clrData>
+    <dgm:dataModel>
+      <dgm:ptLst>
+        <dgm:pt modelId="0" type="doc"/>
+        <dgm:pt modelId="1"/>
+        <dgm:pt modelId="2"/>
+        <dgm:pt modelId="3"/>
+        <dgm:pt modelId="4"/>
+      </dgm:ptLst>
+      <dgm:cxnLst>
+        <dgm:cxn modelId="5" srcId="0" destId="1" srcOrd="0" destOrd="0"/>
+        <dgm:cxn modelId="6" srcId="0" destId="2" srcOrd="1" destOrd="0"/>
+        <dgm:cxn modelId="7" srcId="0" destId="3" srcOrd="2" destOrd="0"/>
+        <dgm:cxn modelId="8" srcId="0" destId="4" srcOrd="3" destOrd="0"/>
+      </dgm:cxnLst>
+      <dgm:bg/>
+      <dgm:whole/>
+    </dgm:dataModel>
+  </dgm:clrData>
+  <dgm:layoutNode name="linear">
+    <dgm:varLst>
+      <dgm:animLvl val="lvl"/>
+      <dgm:resizeHandles val="exact"/>
+    </dgm:varLst>
+    <dgm:alg type="lin">
+      <dgm:param type="linDir" val="fromT"/>
+      <dgm:param type="vertAlign" val="mid"/>
+    </dgm:alg>
+    <dgm:shape xmlns:r="http://schemas.openxmlformats.org/officeDocument/2006/relationships" r:blip="">
+      <dgm:adjLst/>
+    </dgm:shape>
+    <dgm:presOf/>
+    <dgm:constrLst>
+      <dgm:constr type="w" for="ch" forName="parentText" refType="w"/>
+      <dgm:constr type="h" for="ch" forName="parentText" refType="primFontSz" refFor="ch" refForName="parentText" fact="0.52"/>
+      <dgm:constr type="w" for="ch" forName="childText" refType="w"/>
+      <dgm:constr type="h" for="ch" forName="childText" refType="primFontSz" refFor="ch" refForName="parentText" fact="0.46"/>
+      <dgm:constr type="h" for="ch" forName="parentText" op="equ"/>
+      <dgm:constr type="primFontSz" for="ch" forName="parentText" op="equ" val="65"/>
+      <dgm:constr type="primFontSz" for="ch" forName="childText" refType="primFontSz" refFor="ch" refForName="parentText" op="equ"/>
+      <dgm:constr type="h" for="ch" forName="spacer" refType="primFontSz" refFor="ch" refForName="parentText" fact="0.08"/>
+    </dgm:constrLst>
+    <dgm:ruleLst>
+      <dgm:rule type="primFontSz" for="ch" forName="parentText" val="5" fact="NaN" max="NaN"/>
+    </dgm:ruleLst>
+    <dgm:forEach name="Name0" axis="ch" ptType="node">
+      <dgm:layoutNode name="parentText" styleLbl="node1">
+        <dgm:varLst>
+          <dgm:chMax val="0"/>
+          <dgm:bulletEnabled val="1"/>
+        </dgm:varLst>
+        <dgm:alg type="tx">
+          <dgm:param type="parTxLTRAlign" val="l"/>
+          <dgm:param type="parTxRTLAlign" val="r"/>
+        </dgm:alg>
+        <dgm:shape xmlns:r="http://schemas.openxmlformats.org/officeDocument/2006/relationships" type="roundRect" r:blip="">
+          <dgm:adjLst/>
+        </dgm:shape>
+        <dgm:presOf axis="self"/>
+        <dgm:constrLst>
+          <dgm:constr type="tMarg" refType="primFontSz" fact="0.3"/>
+          <dgm:constr type="bMarg" refType="primFontSz" fact="0.3"/>
+          <dgm:constr type="lMarg" refType="primFontSz" fact="0.3"/>
+          <dgm:constr type="rMarg" refType="primFontSz" fact="0.3"/>
+        </dgm:constrLst>
+        <dgm:ruleLst>
+          <dgm:rule type="h" val="INF" fact="NaN" max="NaN"/>
+        </dgm:ruleLst>
+      </dgm:layoutNode>
+      <dgm:choose name="Name1">
+        <dgm:if name="Name2" axis="ch" ptType="node" func="cnt" op="gte" val="1">
+          <dgm:layoutNode name="childText" styleLbl="revTx">
+            <dgm:varLst>
+              <dgm:bulletEnabled val="1"/>
+            </dgm:varLst>
+            <dgm:alg type="tx">
+              <dgm:param type="stBulletLvl" val="1"/>
+              <dgm:param type="lnSpAfChP" val="20"/>
+            </dgm:alg>
+            <dgm:shape xmlns:r="http://schemas.openxmlformats.org/officeDocument/2006/relationships" type="rect" r:blip="">
+              <dgm:adjLst/>
+            </dgm:shape>
+            <dgm:presOf axis="des" ptType="node"/>
+            <dgm:constrLst>
+              <dgm:constr type="tMarg" refType="primFontSz" fact="0.1"/>
+              <dgm:constr type="bMarg" refType="primFontSz" fact="0.1"/>
+              <dgm:constr type="lMarg" refType="w" fact="0.09"/>
+            </dgm:constrLst>
+            <dgm:ruleLst>
+              <dgm:rule type="h" val="INF" fact="NaN" max="NaN"/>
+            </dgm:ruleLst>
+          </dgm:layoutNode>
+        </dgm:if>
+        <dgm:else name="Name3">
+          <dgm:choose name="Name4">
+            <dgm:if name="Name5" axis="par ch" ptType="doc node" func="cnt" op="gte" val="2">
+              <dgm:forEach name="Name6" axis="followSib" ptType="sibTrans" cnt="1">
+                <dgm:layoutNode name="spacer">
+                  <dgm:alg type="sp"/>
+                  <dgm:shape xmlns:r="http://schemas.openxmlformats.org/officeDocument/2006/relationships" r:blip="">
+                    <dgm:adjLst/>
+                  </dgm:shape>
+                  <dgm:presOf/>
+                  <dgm:constrLst/>
+                  <dgm:ruleLst/>
+                </dgm:layoutNode>
+              </dgm:forEach>
+            </dgm:if>
+            <dgm:else name="Name7"/>
+          </dgm:choose>
+        </dgm:else>
+      </dgm:choose>
+    </dgm:forEach>
+  </dgm:layoutNode>
+</dgm:layoutDef>
+</file>
+
 <file path=ppt/diagrams/quickStyle1.xml><?xml version="1.0" encoding="utf-8"?>
+<dgm:styleDef xmlns:dgm="http://schemas.openxmlformats.org/drawingml/2006/diagram" xmlns:a="http://schemas.openxmlformats.org/drawingml/2006/main" uniqueId="urn:microsoft.com/office/officeart/2005/8/quickstyle/simple1">
+  <dgm:title val=""/>
+  <dgm:desc val=""/>
+  <dgm:catLst>
+    <dgm:cat type="simple" pri="10100"/>
+  </dgm:catLst>
+  <dgm:scene3d>
+    <a:camera prst="orthographicFront"/>
+    <a:lightRig rig="threePt" dir="t"/>
+  </dgm:scene3d>
+  <dgm:styleLbl name="node0">
+    <dgm:scene3d>
+      <a:camera prst="orthographicFront"/>
+      <a:lightRig rig="threePt" dir="t"/>
+    </dgm:scene3d>
+    <dgm:sp3d/>
+    <dgm:txPr/>
+    <dgm:style>
+      <a:lnRef idx="2">
+        <a:scrgbClr r="0" g="0" b="0"/>
+      </a:lnRef>
+      <a:fillRef idx="1">
+        <a:scrgbClr r="0" g="0" b="0"/>
+      </a:fillRef>
+      <a:effectRef idx="0">
+        <a:scrgbClr r="0" g="0" b="0"/>
+      </a:effectRef>
+      <a:fontRef idx="minor">
+        <a:schemeClr val="lt1"/>
+      </a:fontRef>
+    </dgm:style>
+  </dgm:styleLbl>
+  <dgm:styleLbl name="lnNode1">
+    <dgm:scene3d>
+      <a:camera prst="orthographicFront"/>
+      <a:lightRig rig="threePt" dir="t"/>
+    </dgm:scene3d>
+    <dgm:sp3d/>
+    <dgm:txPr/>
+    <dgm:style>
+      <a:lnRef idx="2">
+        <a:scrgbClr r="0" g="0" b="0"/>
+      </a:lnRef>
+      <a:fillRef idx="1">
+        <a:scrgbClr r="0" g="0" b="0"/>
+      </a:fillRef>
+      <a:effectRef idx="0">
+        <a:scrgbClr r="0" g="0" b="0"/>
+      </a:effectRef>
+      <a:fontRef idx="minor">
+        <a:schemeClr val="lt1"/>
+      </a:fontRef>
+    </dgm:style>
+  </dgm:styleLbl>
+  <dgm:styleLbl name="vennNode1">
+    <dgm:scene3d>
+      <a:camera prst="orthographicFront"/>
+      <a:lightRig rig="threePt" dir="t"/>
+    </dgm:scene3d>
+    <dgm:sp3d/>
+    <dgm:txPr/>
+    <dgm:style>
+      <a:lnRef idx="2">
+        <a:scrgbClr r="0" g="0" b="0"/>
+      </a:lnRef>
+      <a:fillRef idx="1">
+        <a:scrgbClr r="0" g="0" b="0"/>
+      </a:fillRef>
+      <a:effectRef idx="0">
+        <a:scrgbClr r="0" g="0" b="0"/>
+      </a:effectRef>
+      <a:fontRef idx="minor">
+        <a:schemeClr val="tx1"/>
+      </a:fontRef>
+    </dgm:style>
+  </dgm:styleLbl>
+  <dgm:styleLbl name="alignNode1">
+    <dgm:scene3d>
+      <a:camera prst="orthographicFront"/>
+      <a:lightRig rig="threePt" dir="t"/>
+    </dgm:scene3d>
+    <dgm:sp3d/>
+    <dgm:txPr/>
+    <dgm:style>
+      <a:lnRef idx="2">
+        <a:scrgbClr r="0" g="0" b="0"/>
+      </a:lnRef>
+      <a:fillRef idx="1">
+        <a:scrgbClr r="0" g="0" b="0"/>
+      </a:fillRef>
+      <a:effectRef idx="0">
+        <a:scrgbClr r="0" g="0" b="0"/>
+      </a:effectRef>
+      <a:fontRef idx="minor">
+        <a:schemeClr val="lt1"/>
+      </a:fontRef>
+    </dgm:style>
+  </dgm:styleLbl>
+  <dgm:styleLbl name="node1">
+    <dgm:scene3d>
+      <a:camera prst="orthographicFront"/>
+      <a:lightRig rig="threePt" dir="t"/>
+    </dgm:scene3d>
+    <dgm:sp3d/>
+    <dgm:txPr/>
+    <dgm:style>
+      <a:lnRef idx="2">
+        <a:scrgbClr r="0" g="0" b="0"/>
+      </a:lnRef>
+      <a:fillRef idx="1">
+        <a:scrgbClr r="0" g="0" b="0"/>
+      </a:fillRef>
+      <a:effectRef idx="0">
+        <a:scrgbClr r="0" g="0" b="0"/>
+      </a:effectRef>
+      <a:fontRef idx="minor">
+        <a:schemeClr val="lt1"/>
+      </a:fontRef>
+    </dgm:style>
+  </dgm:styleLbl>
+  <dgm:styleLbl name="node2">
+    <dgm:scene3d>
+      <a:camera prst="orthographicFront"/>
+      <a:lightRig rig="threePt" dir="t"/>
+    </dgm:scene3d>
+    <dgm:sp3d/>
+    <dgm:txPr/>
+    <dgm:style>
+      <a:lnRef idx="2">
+        <a:scrgbClr r="0" g="0" b="0"/>
+      </a:lnRef>
+      <a:fillRef idx="1">
+        <a:scrgbClr r="0" g="0" b="0"/>
+      </a:fillRef>
+      <a:effectRef idx="0">
+        <a:scrgbClr r="0" g="0" b="0"/>
+      </a:effectRef>
+      <a:fontRef idx="minor">
+        <a:schemeClr val="lt1"/>
+      </a:fontRef>
+    </dgm:style>
+  </dgm:styleLbl>
+  <dgm:styleLbl name="node3">
+    <dgm:scene3d>
+      <a:camera prst="orthographicFront"/>
+      <a:lightRig rig="threePt" dir="t"/>
+    </dgm:scene3d>
+    <dgm:sp3d/>
+    <dgm:txPr/>
+    <dgm:style>
+      <a:lnRef idx="2">
+        <a:scrgbClr r="0" g="0" b="0"/>
+      </a:lnRef>
+      <a:fillRef idx="1">
+        <a:scrgbClr r="0" g="0" b="0"/>
+      </a:fillRef>
+      <a:effectRef idx="0">
+        <a:scrgbClr r="0" g="0" b="0"/>
+      </a:effectRef>
+      <a:fontRef idx="minor">
+        <a:schemeClr val="lt1"/>
+      </a:fontRef>
+    </dgm:style>
+  </dgm:styleLbl>
+  <dgm:styleLbl name="node4">
+    <dgm:scene3d>
+      <a:camera prst="orthographicFront"/>
+      <a:lightRig rig="threePt" dir="t"/>
+    </dgm:scene3d>
+    <dgm:sp3d/>
+    <dgm:txPr/>
+    <dgm:style>
+      <a:lnRef idx="2">
+        <a:scrgbClr r="0" g="0" b="0"/>
+      </a:lnRef>
+      <a:fillRef idx="1">
+        <a:scrgbClr r="0" g="0" b="0"/>
+      </a:fillRef>
+      <a:effectRef idx="0">
+        <a:scrgbClr r="0" g="0" b="0"/>
+      </a:effectRef>
+      <a:fontRef idx="minor">
+        <a:schemeClr val="lt1"/>
+      </a:fontRef>
+    </dgm:style>
+  </dgm:styleLbl>
+  <dgm:styleLbl name="fgImgPlace1">
+    <dgm:scene3d>
+      <a:camera prst="orthographicFront"/>
+      <a:lightRig rig="threePt" dir="t"/>
+    </dgm:scene3d>
+    <dgm:sp3d/>
+    <dgm:txPr/>
+    <dgm:style>
+      <a:lnRef idx="2">
+        <a:scrgbClr r="0" g="0" b="0"/>
+      </a:lnRef>
+      <a:fillRef idx="1">
+        <a:scrgbClr r="0" g="0" b="0"/>
+      </a:fillRef>
+      <a:effectRef idx="0">
+        <a:scrgbClr r="0" g="0" b="0"/>
+      </a:effectRef>
+      <a:fontRef idx="minor"/>
+    </dgm:style>
+  </dgm:styleLbl>
+  <dgm:styleLbl name="alignImgPlace1">
+    <dgm:scene3d>
+      <a:camera prst="orthographicFront"/>
+      <a:lightRig rig="threePt" dir="t"/>
+    </dgm:scene3d>
+    <dgm:sp3d/>
+    <dgm:txPr/>
+    <dgm:style>
+      <a:lnRef idx="2">
+        <a:scrgbClr r="0" g="0" b="0"/>
+      </a:lnRef>
+      <a:fillRef idx="1">
+        <a:scrgbClr r="0" g="0" b="0"/>
+      </a:fillRef>
+      <a:effectRef idx="0">
+        <a:scrgbClr r="0" g="0" b="0"/>
+      </a:effectRef>
+      <a:fontRef idx="minor"/>
+    </dgm:style>
+  </dgm:styleLbl>
+  <dgm:styleLbl name="bgImgPlace1">
+    <dgm:scene3d>
+      <a:camera prst="orthographicFront"/>
+      <a:lightRig rig="threePt" dir="t"/>
+    </dgm:scene3d>
+    <dgm:sp3d/>
+    <dgm:txPr/>
+    <dgm:style>
+      <a:lnRef idx="2">
+        <a:scrgbClr r="0" g="0" b="0"/>
+      </a:lnRef>
+      <a:fillRef idx="1">
+        <a:scrgbClr r="0" g="0" b="0"/>
+      </a:fillRef>
+      <a:effectRef idx="0">
+        <a:scrgbClr r="0" g="0" b="0"/>
+      </a:effectRef>
+      <a:fontRef idx="minor"/>
+    </dgm:style>
+  </dgm:styleLbl>
+  <dgm:styleLbl name="sibTrans2D1">
+    <dgm:scene3d>
+      <a:camera prst="orthographicFront"/>
+      <a:lightRig rig="threePt" dir="t"/>
+    </dgm:scene3d>
+    <dgm:sp3d/>
+    <dgm:txPr/>
+    <dgm:style>
+      <a:lnRef idx="0">
+        <a:scrgbClr r="0" g="0" b="0"/>
+      </a:lnRef>
+      <a:fillRef idx="1">
+        <a:scrgbClr r="0" g="0" b="0"/>
+      </a:fillRef>
+      <a:effectRef idx="0">
+        <a:scrgbClr r="0" g="0" b="0"/>
+      </a:effectRef>
+      <a:fontRef idx="minor">
+        <a:schemeClr val="lt1"/>
+      </a:fontRef>
+    </dgm:style>
+  </dgm:styleLbl>
+  <dgm:styleLbl name="fgSibTrans2D1">
+    <dgm:scene3d>
+      <a:camera prst="orthographicFront"/>
+      <a:lightRig rig="threePt" dir="t"/>
+    </dgm:scene3d>
+    <dgm:sp3d/>
+    <dgm:txPr/>
+    <dgm:style>
+      <a:lnRef idx="0">
+        <a:scrgbClr r="0" g="0" b="0"/>
+      </a:lnRef>
+      <a:fillRef idx="1">
+        <a:scrgbClr r="0" g="0" b="0"/>
+      </a:fillRef>
+      <a:effectRef idx="0">
+        <a:scrgbClr r="0" g="0" b="0"/>
+      </a:effectRef>
+      <a:fontRef idx="minor">
+        <a:schemeClr val="lt1"/>
+      </a:fontRef>
+    </dgm:style>
+  </dgm:styleLbl>
+  <dgm:styleLbl name="bgSibTrans2D1">
+    <dgm:scene3d>
+      <a:camera prst="orthographicFront"/>
+      <a:lightRig rig="threePt" dir="t"/>
+    </dgm:scene3d>
+    <dgm:sp3d/>
+    <dgm:txPr/>
+    <dgm:style>
+      <a:lnRef idx="0">
+        <a:scrgbClr r="0" g="0" b="0"/>
+      </a:lnRef>
+      <a:fillRef idx="1">
+        <a:scrgbClr r="0" g="0" b="0"/>
+      </a:fillRef>
+      <a:effectRef idx="0">
+        <a:scrgbClr r="0" g="0" b="0"/>
+      </a:effectRef>
+      <a:fontRef idx="minor">
+        <a:schemeClr val="lt1"/>
+      </a:fontRef>
+    </dgm:style>
+  </dgm:styleLbl>
+  <dgm:styleLbl name="sibTrans1D1">
+    <dgm:scene3d>
+      <a:camera prst="orthographicFront"/>
+      <a:lightRig rig="threePt" dir="t"/>
+    </dgm:scene3d>
+    <dgm:sp3d/>
+    <dgm:txPr/>
+    <dgm:style>
+      <a:lnRef idx="1">
+        <a:scrgbClr r="0" g="0" b="0"/>
+      </a:lnRef>
+      <a:fillRef idx="0">
+        <a:scrgbClr r="0" g="0" b="0"/>
+      </a:fillRef>
+      <a:effectRef idx="0">
+        <a:scrgbClr r="0" g="0" b="0"/>
+      </a:effectRef>
+      <a:fontRef idx="minor"/>
+    </dgm:style>
+  </dgm:styleLbl>
+  <dgm:styleLbl name="callout">
+    <dgm:scene3d>
+      <a:camera prst="orthographicFront"/>
+      <a:lightRig rig="threePt" dir="t"/>
+    </dgm:scene3d>
+    <dgm:sp3d/>
+    <dgm:txPr/>
+    <dgm:style>
+      <a:lnRef idx="2">
+        <a:scrgbClr r="0" g="0" b="0"/>
+      </a:lnRef>
+      <a:fillRef idx="1">
+        <a:scrgbClr r="0" g="0" b="0"/>
+      </a:fillRef>
+      <a:effectRef idx="0">
+        <a:scrgbClr r="0" g="0" b="0"/>
+      </a:effectRef>
+      <a:fontRef idx="minor"/>
+    </dgm:style>
+  </dgm:styleLbl>
+  <dgm:styleLbl name="asst0">
+    <dgm:scene3d>
+      <a:camera prst="orthographicFront"/>
+      <a:lightRig rig="threePt" dir="t"/>
+    </dgm:scene3d>
+    <dgm:sp3d/>
+    <dgm:txPr/>
+    <dgm:style>
+      <a:lnRef idx="2">
+        <a:scrgbClr r="0" g="0" b="0"/>
+      </a:lnRef>
+      <a:fillRef idx="1">
+        <a:scrgbClr r="0" g="0" b="0"/>
+      </a:fillRef>
+      <a:effectRef idx="0">
+        <a:scrgbClr r="0" g="0" b="0"/>
+      </a:effectRef>
+      <a:fontRef idx="minor">
+        <a:schemeClr val="lt1"/>
+      </a:fontRef>
+    </dgm:style>
+  </dgm:styleLbl>
+  <dgm:styleLbl name="asst1">
+    <dgm:scene3d>
+      <a:camera prst="orthographicFront"/>
+      <a:lightRig rig="threePt" dir="t"/>
+    </dgm:scene3d>
+    <dgm:sp3d/>
+    <dgm:txPr/>
+    <dgm:style>
+      <a:lnRef idx="2">
+        <a:scrgbClr r="0" g="0" b="0"/>
+      </a:lnRef>
+      <a:fillRef idx="1">
+        <a:scrgbClr r="0" g="0" b="0"/>
+      </a:fillRef>
+      <a:effectRef idx="0">
+        <a:scrgbClr r="0" g="0" b="0"/>
+      </a:effectRef>
+      <a:fontRef idx="minor">
+        <a:schemeClr val="lt1"/>
+      </a:fontRef>
+    </dgm:style>
+  </dgm:styleLbl>
+  <dgm:styleLbl name="asst2">
+    <dgm:scene3d>
+      <a:camera prst="orthographicFront"/>
+      <a:lightRig rig="threePt" dir="t"/>
+    </dgm:scene3d>
+    <dgm:sp3d/>
+    <dgm:txPr/>
+    <dgm:style>
+      <a:lnRef idx="2">
+        <a:scrgbClr r="0" g="0" b="0"/>
+      </a:lnRef>
+      <a:fillRef idx="1">
+        <a:scrgbClr r="0" g="0" b="0"/>
+      </a:fillRef>
+      <a:effectRef idx="0">
+        <a:scrgbClr r="0" g="0" b="0"/>
+      </a:effectRef>
+      <a:fontRef idx="minor">
+        <a:schemeClr val="lt1"/>
+      </a:fontRef>
+    </dgm:style>
+  </dgm:styleLbl>
+  <dgm:styleLbl name="asst3">
+    <dgm:scene3d>
+      <a:camera prst="orthographicFront"/>
+      <a:lightRig rig="threePt" dir="t"/>
+    </dgm:scene3d>
+    <dgm:sp3d/>
+    <dgm:txPr/>
+    <dgm:style>
+      <a:lnRef idx="2">
+        <a:scrgbClr r="0" g="0" b="0"/>
+      </a:lnRef>
+      <a:fillRef idx="1">
+        <a:scrgbClr r="0" g="0" b="0"/>
+      </a:fillRef>
+      <a:effectRef idx="0">
+        <a:scrgbClr r="0" g="0" b="0"/>
+      </a:effectRef>
+      <a:fontRef idx="minor">
+        <a:schemeClr val="lt1"/>
+      </a:fontRef>
+    </dgm:style>
+  </dgm:styleLbl>
+  <dgm:styleLbl name="asst4">
+    <dgm:scene3d>
+      <a:camera prst="orthographicFront"/>
+      <a:lightRig rig="threePt" dir="t"/>
+    </dgm:scene3d>
+    <dgm:sp3d/>
+    <dgm:txPr/>
+    <dgm:style>
+      <a:lnRef idx="2">
+        <a:scrgbClr r="0" g="0" b="0"/>
+      </a:lnRef>
+      <a:fillRef idx="1">
+        <a:scrgbClr r="0" g="0" b="0"/>
+      </a:fillRef>
+      <a:effectRef idx="0">
+        <a:scrgbClr r="0" g="0" b="0"/>
+      </a:effectRef>
+      <a:fontRef idx="minor">
+        <a:schemeClr val="lt1"/>
+      </a:fontRef>
+    </dgm:style>
+  </dgm:styleLbl>
+  <dgm:styleLbl name="parChTrans2D1">
+    <dgm:scene3d>
+      <a:camera prst="orthographicFront"/>
+      <a:lightRig rig="threePt" dir="t"/>
+    </dgm:scene3d>
+    <dgm:sp3d/>
+    <dgm:txPr/>
+    <dgm:style>
+      <a:lnRef idx="2">
+        <a:scrgbClr r="0" g="0" b="0"/>
+      </a:lnRef>
+      <a:fillRef idx="1">
+        <a:scrgbClr r="0" g="0" b="0"/>
+      </a:fillRef>
+      <a:effectRef idx="0">
+        <a:scrgbClr r="0" g="0" b="0"/>
+      </a:effectRef>
+      <a:fontRef idx="minor">
+        <a:schemeClr val="lt1"/>
+      </a:fontRef>
+    </dgm:style>
+  </dgm:styleLbl>
+  <dgm:styleLbl name="parChTrans2D2">
+    <dgm:scene3d>
+      <a:camera prst="orthographicFront"/>
+      <a:lightRig rig="threePt" dir="t"/>
+    </dgm:scene3d>
+    <dgm:sp3d/>
+    <dgm:txPr/>
+    <dgm:style>
+      <a:lnRef idx="2">
+        <a:scrgbClr r="0" g="0" b="0"/>
+      </a:lnRef>
+      <a:fillRef idx="1">
+        <a:scrgbClr r="0" g="0" b="0"/>
+      </a:fillRef>
+      <a:effectRef idx="0">
+        <a:scrgbClr r="0" g="0" b="0"/>
+      </a:effectRef>
+      <a:fontRef idx="minor">
+        <a:schemeClr val="lt1"/>
+      </a:fontRef>
+    </dgm:style>
+  </dgm:styleLbl>
+  <dgm:styleLbl name="parChTrans2D3">
+    <dgm:scene3d>
+      <a:camera prst="orthographicFront"/>
+      <a:lightRig rig="threePt" dir="t"/>
+    </dgm:scene3d>
+    <dgm:sp3d/>
+    <dgm:txPr/>
+    <dgm:style>
+      <a:lnRef idx="2">
+        <a:scrgbClr r="0" g="0" b="0"/>
+      </a:lnRef>
+      <a:fillRef idx="1">
+        <a:scrgbClr r="0" g="0" b="0"/>
+      </a:fillRef>
+      <a:effectRef idx="0">
+        <a:scrgbClr r="0" g="0" b="0"/>
+      </a:effectRef>
+      <a:fontRef idx="minor">
+        <a:schemeClr val="lt1"/>
+      </a:fontRef>
+    </dgm:style>
+  </dgm:styleLbl>
+  <dgm:styleLbl name="parChTrans2D4">
+    <dgm:scene3d>
+      <a:camera prst="orthographicFront"/>
+      <a:lightRig rig="threePt" dir="t"/>
+    </dgm:scene3d>
+    <dgm:sp3d/>
+    <dgm:txPr/>
+    <dgm:style>
+      <a:lnRef idx="2">
+        <a:scrgbClr r="0" g="0" b="0"/>
+      </a:lnRef>
+      <a:fillRef idx="1">
+        <a:scrgbClr r="0" g="0" b="0"/>
+      </a:fillRef>
+      <a:effectRef idx="0">
+        <a:scrgbClr r="0" g="0" b="0"/>
+      </a:effectRef>
+      <a:fontRef idx="minor">
+        <a:schemeClr val="lt1"/>
+      </a:fontRef>
+    </dgm:style>
+  </dgm:styleLbl>
+  <dgm:styleLbl name="parChTrans1D1">
+    <dgm:scene3d>
+      <a:camera prst="orthographicFront"/>
+      <a:lightRig rig="threePt" dir="t"/>
+    </dgm:scene3d>
+    <dgm:sp3d/>
+    <dgm:txPr/>
+    <dgm:style>
+      <a:lnRef idx="2">
+        <a:scrgbClr r="0" g="0" b="0"/>
+      </a:lnRef>
+      <a:fillRef idx="0">
+        <a:scrgbClr r="0" g="0" b="0"/>
+      </a:fillRef>
+      <a:effectRef idx="0">
+        <a:scrgbClr r="0" g="0" b="0"/>
+      </a:effectRef>
+      <a:fontRef idx="minor"/>
+    </dgm:style>
+  </dgm:styleLbl>
+  <dgm:styleLbl name="parChTrans1D2">
+    <dgm:scene3d>
+      <a:camera prst="orthographicFront"/>
+      <a:lightRig rig="threePt" dir="t"/>
+    </dgm:scene3d>
+    <dgm:sp3d/>
+    <dgm:txPr/>
+    <dgm:style>
+      <a:lnRef idx="2">
+        <a:scrgbClr r="0" g="0" b="0"/>
+      </a:lnRef>
+      <a:fillRef idx="0">
+        <a:scrgbClr r="0" g="0" b="0"/>
+      </a:fillRef>
+      <a:effectRef idx="0">
+        <a:scrgbClr r="0" g="0" b="0"/>
+      </a:effectRef>
+      <a:fontRef idx="minor"/>
+    </dgm:style>
+  </dgm:styleLbl>
+  <dgm:styleLbl name="parChTrans1D3">
+    <dgm:scene3d>
+      <a:camera prst="orthographicFront"/>
+      <a:lightRig rig="threePt" dir="t"/>
+    </dgm:scene3d>
+    <dgm:sp3d/>
+    <dgm:txPr/>
+    <dgm:style>
+      <a:lnRef idx="2">
+        <a:scrgbClr r="0" g="0" b="0"/>
+      </a:lnRef>
+      <a:fillRef idx="0">
+        <a:scrgbClr r="0" g="0" b="0"/>
+      </a:fillRef>
+      <a:effectRef idx="0">
+        <a:scrgbClr r="0" g="0" b="0"/>
+      </a:effectRef>
+      <a:fontRef idx="minor"/>
+    </dgm:style>
+  </dgm:styleLbl>
+  <dgm:styleLbl name="parChTrans1D4">
+    <dgm:scene3d>
+      <a:camera prst="orthographicFront"/>
+      <a:lightRig rig="threePt" dir="t"/>
+    </dgm:scene3d>
+    <dgm:sp3d/>
+    <dgm:txPr/>
+    <dgm:style>
+      <a:lnRef idx="2">
+        <a:scrgbClr r="0" g="0" b="0"/>
+      </a:lnRef>
+      <a:fillRef idx="0">
+        <a:scrgbClr r="0" g="0" b="0"/>
+      </a:fillRef>
+      <a:effectRef idx="0">
+        <a:scrgbClr r="0" g="0" b="0"/>
+      </a:effectRef>
+      <a:fontRef idx="minor"/>
+    </dgm:style>
+  </dgm:styleLbl>
+  <dgm:styleLbl name="fgAcc1">
+    <dgm:scene3d>
+      <a:camera prst="orthographicFront"/>
+      <a:lightRig rig="threePt" dir="t"/>
+    </dgm:scene3d>
+    <dgm:sp3d/>
+    <dgm:txPr/>
+    <dgm:style>
+      <a:lnRef idx="2">
+        <a:scrgbClr r="0" g="0" b="0"/>
+      </a:lnRef>
+      <a:fillRef idx="1">
+        <a:scrgbClr r="0" g="0" b="0"/>
+      </a:fillRef>
+      <a:effectRef idx="0">
+        <a:scrgbClr r="0" g="0" b="0"/>
+      </a:effectRef>
+      <a:fontRef idx="minor"/>
+    </dgm:style>
+  </dgm:styleLbl>
+  <dgm:styleLbl name="conFgAcc1">
+    <dgm:scene3d>
+      <a:camera prst="orthographicFront"/>
+      <a:lightRig rig="threePt" dir="t"/>
+    </dgm:scene3d>
+    <dgm:sp3d/>
+    <dgm:txPr/>
+    <dgm:style>
+      <a:lnRef idx="2">
+        <a:scrgbClr r="0" g="0" b="0"/>
+      </a:lnRef>
+      <a:fillRef idx="1">
+        <a:scrgbClr r="0" g="0" b="0"/>
+      </a:fillRef>
+      <a:effectRef idx="0">
+        <a:scrgbClr r="0" g="0" b="0"/>
+      </a:effectRef>
+      <a:fontRef idx="minor"/>
+    </dgm:style>
+  </dgm:styleLbl>
+  <dgm:styleLbl name="alignAcc1">
+    <dgm:scene3d>
+      <a:camera prst="orthographicFront"/>
+      <a:lightRig rig="threePt" dir="t"/>
+    </dgm:scene3d>
+    <dgm:sp3d/>
+    <dgm:txPr/>
+    <dgm:style>
+      <a:lnRef idx="2">
+        <a:scrgbClr r="0" g="0" b="0"/>
+      </a:lnRef>
+      <a:fillRef idx="1">
+        <a:scrgbClr r="0" g="0" b="0"/>
+      </a:fillRef>
+      <a:effectRef idx="0">
+        <a:scrgbClr r="0" g="0" b="0"/>
+      </a:effectRef>
+      <a:fontRef idx="minor"/>
+    </dgm:style>
+  </dgm:styleLbl>
+  <dgm:styleLbl name="trAlignAcc1">
+    <dgm:scene3d>
+      <a:camera prst="orthographicFront"/>
+      <a:lightRig rig="threePt" dir="t"/>
+    </dgm:scene3d>
+    <dgm:sp3d/>
+    <dgm:txPr/>
+    <dgm:style>
+      <a:lnRef idx="1">
+        <a:scrgbClr r="0" g="0" b="0"/>
+      </a:lnRef>
+      <a:fillRef idx="1">
+        <a:scrgbClr r="0" g="0" b="0"/>
+      </a:fillRef>
+      <a:effectRef idx="0">
+        <a:scrgbClr r="0" g="0" b="0"/>
+      </a:effectRef>
+      <a:fontRef idx="minor"/>
+    </dgm:style>
+  </dgm:styleLbl>
+  <dgm:styleLbl name="bgAcc1">
+    <dgm:scene3d>
+      <a:camera prst="orthographicFront"/>
+      <a:lightRig rig="threePt" dir="t"/>
+    </dgm:scene3d>
+    <dgm:sp3d/>
+    <dgm:txPr/>
+    <dgm:style>
+      <a:lnRef idx="2">
+        <a:scrgbClr r="0" g="0" b="0"/>
+      </a:lnRef>
+      <a:fillRef idx="1">
+        <a:scrgbClr r="0" g="0" b="0"/>
+      </a:fillRef>
+      <a:effectRef idx="0">
+        <a:scrgbClr r="0" g="0" b="0"/>
+      </a:effectRef>
+      <a:fontRef idx="minor"/>
+    </dgm:style>
+  </dgm:styleLbl>
+  <dgm:styleLbl name="solidFgAcc1">
+    <dgm:scene3d>
+      <a:camera prst="orthographicFront"/>
+      <a:lightRig rig="threePt" dir="t"/>
+    </dgm:scene3d>
+    <dgm:sp3d/>
+    <dgm:txPr/>
+    <dgm:style>
+      <a:lnRef idx="2">
+        <a:scrgbClr r="0" g="0" b="0"/>
+      </a:lnRef>
+      <a:fillRef idx="1">
+        <a:scrgbClr r="0" g="0" b="0"/>
+      </a:fillRef>
+      <a:effectRef idx="0">
+        <a:scrgbClr r="0" g="0" b="0"/>
+      </a:effectRef>
+      <a:fontRef idx="minor"/>
+    </dgm:style>
+  </dgm:styleLbl>
+  <dgm:styleLbl name="solidAlignAcc1">
+    <dgm:scene3d>
+      <a:camera prst="orthographicFront"/>
+      <a:lightRig rig="threePt" dir="t"/>
+    </dgm:scene3d>
+    <dgm:sp3d/>
+    <dgm:txPr/>
+    <dgm:style>
+      <a:lnRef idx="2">
+        <a:scrgbClr r="0" g="0" b="0"/>
+      </a:lnRef>
+      <a:fillRef idx="1">
+        <a:scrgbClr r="0" g="0" b="0"/>
+      </a:fillRef>
+      <a:effectRef idx="0">
+        <a:scrgbClr r="0" g="0" b="0"/>
+      </a:effectRef>
+      <a:fontRef idx="minor"/>
+    </dgm:style>
+  </dgm:styleLbl>
+  <dgm:styleLbl name="solidBgAcc1">
+    <dgm:scene3d>
+      <a:camera prst="orthographicFront"/>
+      <a:lightRig rig="threePt" dir="t"/>
+    </dgm:scene3d>
+    <dgm:sp3d/>
+    <dgm:txPr/>
+    <dgm:style>
+      <a:lnRef idx="2">
+        <a:scrgbClr r="0" g="0" b="0"/>
+      </a:lnRef>
+      <a:fillRef idx="1">
+        <a:scrgbClr r="0" g="0" b="0"/>
+      </a:fillRef>
+      <a:effectRef idx="0">
+        <a:scrgbClr r="0" g="0" b="0"/>
+      </a:effectRef>
+      <a:fontRef idx="minor"/>
+    </dgm:style>
+  </dgm:styleLbl>
+  <dgm:styleLbl name="fgAccFollowNode1">
+    <dgm:scene3d>
+      <a:camera prst="orthographicFront"/>
+      <a:lightRig rig="threePt" dir="t"/>
+    </dgm:scene3d>
+    <dgm:sp3d/>
+    <dgm:txPr/>
+    <dgm:style>
+      <a:lnRef idx="2">
+        <a:scrgbClr r="0" g="0" b="0"/>
+      </a:lnRef>
+      <a:fillRef idx="1">
+        <a:scrgbClr r="0" g="0" b="0"/>
+      </a:fillRef>
+      <a:effectRef idx="0">
+        <a:scrgbClr r="0" g="0" b="0"/>
+      </a:effectRef>
+      <a:fontRef idx="minor"/>
+    </dgm:style>
+  </dgm:styleLbl>
+  <dgm:styleLbl name="alignAccFollowNode1">
+    <dgm:scene3d>
+      <a:camera prst="orthographicFront"/>
+      <a:lightRig rig="threePt" dir="t"/>
+    </dgm:scene3d>
+    <dgm:sp3d/>
+    <dgm:txPr/>
+    <dgm:style>
+      <a:lnRef idx="2">
+        <a:scrgbClr r="0" g="0" b="0"/>
+      </a:lnRef>
+      <a:fillRef idx="1">
+        <a:scrgbClr r="0" g="0" b="0"/>
+      </a:fillRef>
+      <a:effectRef idx="0">
+        <a:scrgbClr r="0" g="0" b="0"/>
+      </a:effectRef>
+      <a:fontRef idx="minor"/>
+    </dgm:style>
+  </dgm:styleLbl>
+  <dgm:styleLbl name="bgAccFollowNode1">
+    <dgm:scene3d>
+      <a:camera prst="orthographicFront"/>
+      <a:lightRig rig="threePt" dir="t"/>
+    </dgm:scene3d>
+    <dgm:sp3d/>
+    <dgm:txPr/>
+    <dgm:style>
+      <a:lnRef idx="2">
+        <a:scrgbClr r="0" g="0" b="0"/>
+      </a:lnRef>
+      <a:fillRef idx="1">
+        <a:scrgbClr r="0" g="0" b="0"/>
+      </a:fillRef>
+      <a:effectRef idx="0">
+        <a:scrgbClr r="0" g="0" b="0"/>
+      </a:effectRef>
+      <a:fontRef idx="minor"/>
+    </dgm:style>
+  </dgm:styleLbl>
+  <dgm:styleLbl name="fgAcc0">
+    <dgm:scene3d>
+      <a:camera prst="orthographicFront"/>
+      <a:lightRig rig="threePt" dir="t"/>
+    </dgm:scene3d>
+    <dgm:sp3d/>
+    <dgm:txPr/>
+    <dgm:style>
+      <a:lnRef idx="2">
+        <a:scrgbClr r="0" g="0" b="0"/>
+      </a:lnRef>
+      <a:fillRef idx="1">
+        <a:scrgbClr r="0" g="0" b="0"/>
+      </a:fillRef>
+      <a:effectRef idx="0">
+        <a:scrgbClr r="0" g="0" b="0"/>
+      </a:effectRef>
+      <a:fontRef idx="minor"/>
+    </dgm:style>
+  </dgm:styleLbl>
+  <dgm:styleLbl name="fgAcc2">
+    <dgm:scene3d>
+      <a:camera prst="orthographicFront"/>
+      <a:lightRig rig="threePt" dir="t"/>
+    </dgm:scene3d>
+    <dgm:sp3d/>
+    <dgm:txPr/>
+    <dgm:style>
+      <a:lnRef idx="2">
+        <a:scrgbClr r="0" g="0" b="0"/>
+      </a:lnRef>
+      <a:fillRef idx="1">
+        <a:scrgbClr r="0" g="0" b="0"/>
+      </a:fillRef>
+      <a:effectRef idx="0">
+        <a:scrgbClr r="0" g="0" b="0"/>
+      </a:effectRef>
+      <a:fontRef idx="minor"/>
+    </dgm:style>
+  </dgm:styleLbl>
+  <dgm:styleLbl name="fgAcc3">
+    <dgm:scene3d>
+      <a:camera prst="orthographicFront"/>
+      <a:lightRig rig="threePt" dir="t"/>
+    </dgm:scene3d>
+    <dgm:sp3d/>
+    <dgm:txPr/>
+    <dgm:style>
+      <a:lnRef idx="2">
+        <a:scrgbClr r="0" g="0" b="0"/>
+      </a:lnRef>
+      <a:fillRef idx="1">
+        <a:scrgbClr r="0" g="0" b="0"/>
+      </a:fillRef>
+      <a:effectRef idx="0">
+        <a:scrgbClr r="0" g="0" b="0"/>
+      </a:effectRef>
+      <a:fontRef idx="minor"/>
+    </dgm:style>
+  </dgm:styleLbl>
+  <dgm:styleLbl name="fgAcc4">
+    <dgm:scene3d>
+      <a:camera prst="orthographicFront"/>
+      <a:lightRig rig="threePt" dir="t"/>
+    </dgm:scene3d>
+    <dgm:sp3d/>
+    <dgm:txPr/>
+    <dgm:style>
+      <a:lnRef idx="2">
+        <a:scrgbClr r="0" g="0" b="0"/>
+      </a:lnRef>
+      <a:fillRef idx="1">
+        <a:scrgbClr r="0" g="0" b="0"/>
+      </a:fillRef>
+      <a:effectRef idx="0">
+        <a:scrgbClr r="0" g="0" b="0"/>
+      </a:effectRef>
+      <a:fontRef idx="minor"/>
+    </dgm:style>
+  </dgm:styleLbl>
+  <dgm:styleLbl name="bgShp">
+    <dgm:scene3d>
+      <a:camera prst="orthographicFront"/>
+      <a:lightRig rig="threePt" dir="t"/>
+    </dgm:scene3d>
+    <dgm:sp3d/>
+    <dgm:txPr/>
+    <dgm:style>
+      <a:lnRef idx="0">
+        <a:scrgbClr r="0" g="0" b="0"/>
+      </a:lnRef>
+      <a:fillRef idx="1">
+        <a:scrgbClr r="0" g="0" b="0"/>
+      </a:fillRef>
+      <a:effectRef idx="0">
+        <a:scrgbClr r="0" g="0" b="0"/>
+      </a:effectRef>
+      <a:fontRef idx="minor"/>
+    </dgm:style>
+  </dgm:styleLbl>
+  <dgm:styleLbl name="dkBgShp">
+    <dgm:scene3d>
+      <a:camera prst="orthographicFront"/>
+      <a:lightRig rig="threePt" dir="t"/>
+    </dgm:scene3d>
+    <dgm:sp3d/>
+    <dgm:txPr/>
+    <dgm:style>
+      <a:lnRef idx="0">
+        <a:scrgbClr r="0" g="0" b="0"/>
+      </a:lnRef>
+      <a:fillRef idx="1">
+        <a:scrgbClr r="0" g="0" b="0"/>
+      </a:fillRef>
+      <a:effectRef idx="0">
+        <a:scrgbClr r="0" g="0" b="0"/>
+      </a:effectRef>
+      <a:fontRef idx="minor"/>
+    </dgm:style>
+  </dgm:styleLbl>
+  <dgm:styleLbl name="trBgShp">
+    <dgm:scene3d>
+      <a:camera prst="orthographicFront"/>
+      <a:lightRig rig="threePt" dir="t"/>
+    </dgm:scene3d>
+    <dgm:sp3d/>
+    <dgm:txPr/>
+    <dgm:style>
+      <a:lnRef idx="0">
+        <a:scrgbClr r="0" g="0" b="0"/>
+      </a:lnRef>
+      <a:fillRef idx="1">
+        <a:scrgbClr r="0" g="0" b="0"/>
+      </a:fillRef>
+      <a:effectRef idx="0">
+        <a:scrgbClr r="0" g="0" b="0"/>
+      </a:effectRef>
+      <a:fontRef idx="minor"/>
+    </dgm:style>
+  </dgm:styleLbl>
+  <dgm:styleLbl name="fgShp">
+    <dgm:scene3d>
+      <a:camera prst="orthographicFront"/>
+      <a:lightRig rig="threePt" dir="t"/>
+    </dgm:scene3d>
+    <dgm:sp3d/>
+    <dgm:txPr/>
+    <dgm:style>
+      <a:lnRef idx="2">
+        <a:scrgbClr r="0" g="0" b="0"/>
+      </a:lnRef>
+      <a:fillRef idx="1">
+        <a:scrgbClr r="0" g="0" b="0"/>
+      </a:fillRef>
+      <a:effectRef idx="0">
+        <a:scrgbClr r="0" g="0" b="0"/>
+      </a:effectRef>
+      <a:fontRef idx="minor"/>
+    </dgm:style>
+  </dgm:styleLbl>
+  <dgm:styleLbl name="revTx">
+    <dgm:scene3d>
+      <a:camera prst="orthographicFront"/>
+      <a:lightRig rig="threePt" dir="t"/>
+    </dgm:scene3d>
+    <dgm:sp3d/>
+    <dgm:txPr/>
+    <dgm:style>
+      <a:lnRef idx="0">
+        <a:scrgbClr r="0" g="0" b="0"/>
+      </a:lnRef>
+      <a:fillRef idx="0">
+        <a:scrgbClr r="0" g="0" b="0"/>
+      </a:fillRef>
+      <a:effectRef idx="0">
+        <a:scrgbClr r="0" g="0" b="0"/>
+      </a:effectRef>
+      <a:fontRef idx="minor"/>
+    </dgm:style>
+  </dgm:styleLbl>
+</dgm:styleDef>
+</file>
+
+<file path=ppt/diagrams/quickStyle10.xml><?xml version="1.0" encoding="utf-8"?>
 <dgm:styleDef xmlns:dgm="http://schemas.openxmlformats.org/drawingml/2006/diagram" xmlns:a="http://schemas.openxmlformats.org/drawingml/2006/main" uniqueId="urn:microsoft.com/office/officeart/2005/8/quickstyle/simple1">
   <dgm:title val=""/>
   <dgm:desc val=""/>
@@ -19159,6 +23601,1040 @@
 </file>
 
 <file path=ppt/diagrams/quickStyle7.xml><?xml version="1.0" encoding="utf-8"?>
+<dgm:styleDef xmlns:dgm="http://schemas.openxmlformats.org/drawingml/2006/diagram" xmlns:a="http://schemas.openxmlformats.org/drawingml/2006/main" uniqueId="urn:microsoft.com/office/officeart/2005/8/quickstyle/simple1">
+  <dgm:title val=""/>
+  <dgm:desc val=""/>
+  <dgm:catLst>
+    <dgm:cat type="simple" pri="10100"/>
+  </dgm:catLst>
+  <dgm:scene3d>
+    <a:camera prst="orthographicFront"/>
+    <a:lightRig rig="threePt" dir="t"/>
+  </dgm:scene3d>
+  <dgm:styleLbl name="node0">
+    <dgm:scene3d>
+      <a:camera prst="orthographicFront"/>
+      <a:lightRig rig="threePt" dir="t"/>
+    </dgm:scene3d>
+    <dgm:sp3d/>
+    <dgm:txPr/>
+    <dgm:style>
+      <a:lnRef idx="2">
+        <a:scrgbClr r="0" g="0" b="0"/>
+      </a:lnRef>
+      <a:fillRef idx="1">
+        <a:scrgbClr r="0" g="0" b="0"/>
+      </a:fillRef>
+      <a:effectRef idx="0">
+        <a:scrgbClr r="0" g="0" b="0"/>
+      </a:effectRef>
+      <a:fontRef idx="minor">
+        <a:schemeClr val="lt1"/>
+      </a:fontRef>
+    </dgm:style>
+  </dgm:styleLbl>
+  <dgm:styleLbl name="lnNode1">
+    <dgm:scene3d>
+      <a:camera prst="orthographicFront"/>
+      <a:lightRig rig="threePt" dir="t"/>
+    </dgm:scene3d>
+    <dgm:sp3d/>
+    <dgm:txPr/>
+    <dgm:style>
+      <a:lnRef idx="2">
+        <a:scrgbClr r="0" g="0" b="0"/>
+      </a:lnRef>
+      <a:fillRef idx="1">
+        <a:scrgbClr r="0" g="0" b="0"/>
+      </a:fillRef>
+      <a:effectRef idx="0">
+        <a:scrgbClr r="0" g="0" b="0"/>
+      </a:effectRef>
+      <a:fontRef idx="minor">
+        <a:schemeClr val="lt1"/>
+      </a:fontRef>
+    </dgm:style>
+  </dgm:styleLbl>
+  <dgm:styleLbl name="vennNode1">
+    <dgm:scene3d>
+      <a:camera prst="orthographicFront"/>
+      <a:lightRig rig="threePt" dir="t"/>
+    </dgm:scene3d>
+    <dgm:sp3d/>
+    <dgm:txPr/>
+    <dgm:style>
+      <a:lnRef idx="2">
+        <a:scrgbClr r="0" g="0" b="0"/>
+      </a:lnRef>
+      <a:fillRef idx="1">
+        <a:scrgbClr r="0" g="0" b="0"/>
+      </a:fillRef>
+      <a:effectRef idx="0">
+        <a:scrgbClr r="0" g="0" b="0"/>
+      </a:effectRef>
+      <a:fontRef idx="minor">
+        <a:schemeClr val="tx1"/>
+      </a:fontRef>
+    </dgm:style>
+  </dgm:styleLbl>
+  <dgm:styleLbl name="alignNode1">
+    <dgm:scene3d>
+      <a:camera prst="orthographicFront"/>
+      <a:lightRig rig="threePt" dir="t"/>
+    </dgm:scene3d>
+    <dgm:sp3d/>
+    <dgm:txPr/>
+    <dgm:style>
+      <a:lnRef idx="2">
+        <a:scrgbClr r="0" g="0" b="0"/>
+      </a:lnRef>
+      <a:fillRef idx="1">
+        <a:scrgbClr r="0" g="0" b="0"/>
+      </a:fillRef>
+      <a:effectRef idx="0">
+        <a:scrgbClr r="0" g="0" b="0"/>
+      </a:effectRef>
+      <a:fontRef idx="minor">
+        <a:schemeClr val="lt1"/>
+      </a:fontRef>
+    </dgm:style>
+  </dgm:styleLbl>
+  <dgm:styleLbl name="node1">
+    <dgm:scene3d>
+      <a:camera prst="orthographicFront"/>
+      <a:lightRig rig="threePt" dir="t"/>
+    </dgm:scene3d>
+    <dgm:sp3d/>
+    <dgm:txPr/>
+    <dgm:style>
+      <a:lnRef idx="2">
+        <a:scrgbClr r="0" g="0" b="0"/>
+      </a:lnRef>
+      <a:fillRef idx="1">
+        <a:scrgbClr r="0" g="0" b="0"/>
+      </a:fillRef>
+      <a:effectRef idx="0">
+        <a:scrgbClr r="0" g="0" b="0"/>
+      </a:effectRef>
+      <a:fontRef idx="minor">
+        <a:schemeClr val="lt1"/>
+      </a:fontRef>
+    </dgm:style>
+  </dgm:styleLbl>
+  <dgm:styleLbl name="node2">
+    <dgm:scene3d>
+      <a:camera prst="orthographicFront"/>
+      <a:lightRig rig="threePt" dir="t"/>
+    </dgm:scene3d>
+    <dgm:sp3d/>
+    <dgm:txPr/>
+    <dgm:style>
+      <a:lnRef idx="2">
+        <a:scrgbClr r="0" g="0" b="0"/>
+      </a:lnRef>
+      <a:fillRef idx="1">
+        <a:scrgbClr r="0" g="0" b="0"/>
+      </a:fillRef>
+      <a:effectRef idx="0">
+        <a:scrgbClr r="0" g="0" b="0"/>
+      </a:effectRef>
+      <a:fontRef idx="minor">
+        <a:schemeClr val="lt1"/>
+      </a:fontRef>
+    </dgm:style>
+  </dgm:styleLbl>
+  <dgm:styleLbl name="node3">
+    <dgm:scene3d>
+      <a:camera prst="orthographicFront"/>
+      <a:lightRig rig="threePt" dir="t"/>
+    </dgm:scene3d>
+    <dgm:sp3d/>
+    <dgm:txPr/>
+    <dgm:style>
+      <a:lnRef idx="2">
+        <a:scrgbClr r="0" g="0" b="0"/>
+      </a:lnRef>
+      <a:fillRef idx="1">
+        <a:scrgbClr r="0" g="0" b="0"/>
+      </a:fillRef>
+      <a:effectRef idx="0">
+        <a:scrgbClr r="0" g="0" b="0"/>
+      </a:effectRef>
+      <a:fontRef idx="minor">
+        <a:schemeClr val="lt1"/>
+      </a:fontRef>
+    </dgm:style>
+  </dgm:styleLbl>
+  <dgm:styleLbl name="node4">
+    <dgm:scene3d>
+      <a:camera prst="orthographicFront"/>
+      <a:lightRig rig="threePt" dir="t"/>
+    </dgm:scene3d>
+    <dgm:sp3d/>
+    <dgm:txPr/>
+    <dgm:style>
+      <a:lnRef idx="2">
+        <a:scrgbClr r="0" g="0" b="0"/>
+      </a:lnRef>
+      <a:fillRef idx="1">
+        <a:scrgbClr r="0" g="0" b="0"/>
+      </a:fillRef>
+      <a:effectRef idx="0">
+        <a:scrgbClr r="0" g="0" b="0"/>
+      </a:effectRef>
+      <a:fontRef idx="minor">
+        <a:schemeClr val="lt1"/>
+      </a:fontRef>
+    </dgm:style>
+  </dgm:styleLbl>
+  <dgm:styleLbl name="fgImgPlace1">
+    <dgm:scene3d>
+      <a:camera prst="orthographicFront"/>
+      <a:lightRig rig="threePt" dir="t"/>
+    </dgm:scene3d>
+    <dgm:sp3d/>
+    <dgm:txPr/>
+    <dgm:style>
+      <a:lnRef idx="2">
+        <a:scrgbClr r="0" g="0" b="0"/>
+      </a:lnRef>
+      <a:fillRef idx="1">
+        <a:scrgbClr r="0" g="0" b="0"/>
+      </a:fillRef>
+      <a:effectRef idx="0">
+        <a:scrgbClr r="0" g="0" b="0"/>
+      </a:effectRef>
+      <a:fontRef idx="minor"/>
+    </dgm:style>
+  </dgm:styleLbl>
+  <dgm:styleLbl name="alignImgPlace1">
+    <dgm:scene3d>
+      <a:camera prst="orthographicFront"/>
+      <a:lightRig rig="threePt" dir="t"/>
+    </dgm:scene3d>
+    <dgm:sp3d/>
+    <dgm:txPr/>
+    <dgm:style>
+      <a:lnRef idx="2">
+        <a:scrgbClr r="0" g="0" b="0"/>
+      </a:lnRef>
+      <a:fillRef idx="1">
+        <a:scrgbClr r="0" g="0" b="0"/>
+      </a:fillRef>
+      <a:effectRef idx="0">
+        <a:scrgbClr r="0" g="0" b="0"/>
+      </a:effectRef>
+      <a:fontRef idx="minor"/>
+    </dgm:style>
+  </dgm:styleLbl>
+  <dgm:styleLbl name="bgImgPlace1">
+    <dgm:scene3d>
+      <a:camera prst="orthographicFront"/>
+      <a:lightRig rig="threePt" dir="t"/>
+    </dgm:scene3d>
+    <dgm:sp3d/>
+    <dgm:txPr/>
+    <dgm:style>
+      <a:lnRef idx="2">
+        <a:scrgbClr r="0" g="0" b="0"/>
+      </a:lnRef>
+      <a:fillRef idx="1">
+        <a:scrgbClr r="0" g="0" b="0"/>
+      </a:fillRef>
+      <a:effectRef idx="0">
+        <a:scrgbClr r="0" g="0" b="0"/>
+      </a:effectRef>
+      <a:fontRef idx="minor"/>
+    </dgm:style>
+  </dgm:styleLbl>
+  <dgm:styleLbl name="sibTrans2D1">
+    <dgm:scene3d>
+      <a:camera prst="orthographicFront"/>
+      <a:lightRig rig="threePt" dir="t"/>
+    </dgm:scene3d>
+    <dgm:sp3d/>
+    <dgm:txPr/>
+    <dgm:style>
+      <a:lnRef idx="0">
+        <a:scrgbClr r="0" g="0" b="0"/>
+      </a:lnRef>
+      <a:fillRef idx="1">
+        <a:scrgbClr r="0" g="0" b="0"/>
+      </a:fillRef>
+      <a:effectRef idx="0">
+        <a:scrgbClr r="0" g="0" b="0"/>
+      </a:effectRef>
+      <a:fontRef idx="minor">
+        <a:schemeClr val="lt1"/>
+      </a:fontRef>
+    </dgm:style>
+  </dgm:styleLbl>
+  <dgm:styleLbl name="fgSibTrans2D1">
+    <dgm:scene3d>
+      <a:camera prst="orthographicFront"/>
+      <a:lightRig rig="threePt" dir="t"/>
+    </dgm:scene3d>
+    <dgm:sp3d/>
+    <dgm:txPr/>
+    <dgm:style>
+      <a:lnRef idx="0">
+        <a:scrgbClr r="0" g="0" b="0"/>
+      </a:lnRef>
+      <a:fillRef idx="1">
+        <a:scrgbClr r="0" g="0" b="0"/>
+      </a:fillRef>
+      <a:effectRef idx="0">
+        <a:scrgbClr r="0" g="0" b="0"/>
+      </a:effectRef>
+      <a:fontRef idx="minor">
+        <a:schemeClr val="lt1"/>
+      </a:fontRef>
+    </dgm:style>
+  </dgm:styleLbl>
+  <dgm:styleLbl name="bgSibTrans2D1">
+    <dgm:scene3d>
+      <a:camera prst="orthographicFront"/>
+      <a:lightRig rig="threePt" dir="t"/>
+    </dgm:scene3d>
+    <dgm:sp3d/>
+    <dgm:txPr/>
+    <dgm:style>
+      <a:lnRef idx="0">
+        <a:scrgbClr r="0" g="0" b="0"/>
+      </a:lnRef>
+      <a:fillRef idx="1">
+        <a:scrgbClr r="0" g="0" b="0"/>
+      </a:fillRef>
+      <a:effectRef idx="0">
+        <a:scrgbClr r="0" g="0" b="0"/>
+      </a:effectRef>
+      <a:fontRef idx="minor">
+        <a:schemeClr val="lt1"/>
+      </a:fontRef>
+    </dgm:style>
+  </dgm:styleLbl>
+  <dgm:styleLbl name="sibTrans1D1">
+    <dgm:scene3d>
+      <a:camera prst="orthographicFront"/>
+      <a:lightRig rig="threePt" dir="t"/>
+    </dgm:scene3d>
+    <dgm:sp3d/>
+    <dgm:txPr/>
+    <dgm:style>
+      <a:lnRef idx="1">
+        <a:scrgbClr r="0" g="0" b="0"/>
+      </a:lnRef>
+      <a:fillRef idx="0">
+        <a:scrgbClr r="0" g="0" b="0"/>
+      </a:fillRef>
+      <a:effectRef idx="0">
+        <a:scrgbClr r="0" g="0" b="0"/>
+      </a:effectRef>
+      <a:fontRef idx="minor"/>
+    </dgm:style>
+  </dgm:styleLbl>
+  <dgm:styleLbl name="callout">
+    <dgm:scene3d>
+      <a:camera prst="orthographicFront"/>
+      <a:lightRig rig="threePt" dir="t"/>
+    </dgm:scene3d>
+    <dgm:sp3d/>
+    <dgm:txPr/>
+    <dgm:style>
+      <a:lnRef idx="2">
+        <a:scrgbClr r="0" g="0" b="0"/>
+      </a:lnRef>
+      <a:fillRef idx="1">
+        <a:scrgbClr r="0" g="0" b="0"/>
+      </a:fillRef>
+      <a:effectRef idx="0">
+        <a:scrgbClr r="0" g="0" b="0"/>
+      </a:effectRef>
+      <a:fontRef idx="minor"/>
+    </dgm:style>
+  </dgm:styleLbl>
+  <dgm:styleLbl name="asst0">
+    <dgm:scene3d>
+      <a:camera prst="orthographicFront"/>
+      <a:lightRig rig="threePt" dir="t"/>
+    </dgm:scene3d>
+    <dgm:sp3d/>
+    <dgm:txPr/>
+    <dgm:style>
+      <a:lnRef idx="2">
+        <a:scrgbClr r="0" g="0" b="0"/>
+      </a:lnRef>
+      <a:fillRef idx="1">
+        <a:scrgbClr r="0" g="0" b="0"/>
+      </a:fillRef>
+      <a:effectRef idx="0">
+        <a:scrgbClr r="0" g="0" b="0"/>
+      </a:effectRef>
+      <a:fontRef idx="minor">
+        <a:schemeClr val="lt1"/>
+      </a:fontRef>
+    </dgm:style>
+  </dgm:styleLbl>
+  <dgm:styleLbl name="asst1">
+    <dgm:scene3d>
+      <a:camera prst="orthographicFront"/>
+      <a:lightRig rig="threePt" dir="t"/>
+    </dgm:scene3d>
+    <dgm:sp3d/>
+    <dgm:txPr/>
+    <dgm:style>
+      <a:lnRef idx="2">
+        <a:scrgbClr r="0" g="0" b="0"/>
+      </a:lnRef>
+      <a:fillRef idx="1">
+        <a:scrgbClr r="0" g="0" b="0"/>
+      </a:fillRef>
+      <a:effectRef idx="0">
+        <a:scrgbClr r="0" g="0" b="0"/>
+      </a:effectRef>
+      <a:fontRef idx="minor">
+        <a:schemeClr val="lt1"/>
+      </a:fontRef>
+    </dgm:style>
+  </dgm:styleLbl>
+  <dgm:styleLbl name="asst2">
+    <dgm:scene3d>
+      <a:camera prst="orthographicFront"/>
+      <a:lightRig rig="threePt" dir="t"/>
+    </dgm:scene3d>
+    <dgm:sp3d/>
+    <dgm:txPr/>
+    <dgm:style>
+      <a:lnRef idx="2">
+        <a:scrgbClr r="0" g="0" b="0"/>
+      </a:lnRef>
+      <a:fillRef idx="1">
+        <a:scrgbClr r="0" g="0" b="0"/>
+      </a:fillRef>
+      <a:effectRef idx="0">
+        <a:scrgbClr r="0" g="0" b="0"/>
+      </a:effectRef>
+      <a:fontRef idx="minor">
+        <a:schemeClr val="lt1"/>
+      </a:fontRef>
+    </dgm:style>
+  </dgm:styleLbl>
+  <dgm:styleLbl name="asst3">
+    <dgm:scene3d>
+      <a:camera prst="orthographicFront"/>
+      <a:lightRig rig="threePt" dir="t"/>
+    </dgm:scene3d>
+    <dgm:sp3d/>
+    <dgm:txPr/>
+    <dgm:style>
+      <a:lnRef idx="2">
+        <a:scrgbClr r="0" g="0" b="0"/>
+      </a:lnRef>
+      <a:fillRef idx="1">
+        <a:scrgbClr r="0" g="0" b="0"/>
+      </a:fillRef>
+      <a:effectRef idx="0">
+        <a:scrgbClr r="0" g="0" b="0"/>
+      </a:effectRef>
+      <a:fontRef idx="minor">
+        <a:schemeClr val="lt1"/>
+      </a:fontRef>
+    </dgm:style>
+  </dgm:styleLbl>
+  <dgm:styleLbl name="asst4">
+    <dgm:scene3d>
+      <a:camera prst="orthographicFront"/>
+      <a:lightRig rig="threePt" dir="t"/>
+    </dgm:scene3d>
+    <dgm:sp3d/>
+    <dgm:txPr/>
+    <dgm:style>
+      <a:lnRef idx="2">
+        <a:scrgbClr r="0" g="0" b="0"/>
+      </a:lnRef>
+      <a:fillRef idx="1">
+        <a:scrgbClr r="0" g="0" b="0"/>
+      </a:fillRef>
+      <a:effectRef idx="0">
+        <a:scrgbClr r="0" g="0" b="0"/>
+      </a:effectRef>
+      <a:fontRef idx="minor">
+        <a:schemeClr val="lt1"/>
+      </a:fontRef>
+    </dgm:style>
+  </dgm:styleLbl>
+  <dgm:styleLbl name="parChTrans2D1">
+    <dgm:scene3d>
+      <a:camera prst="orthographicFront"/>
+      <a:lightRig rig="threePt" dir="t"/>
+    </dgm:scene3d>
+    <dgm:sp3d/>
+    <dgm:txPr/>
+    <dgm:style>
+      <a:lnRef idx="2">
+        <a:scrgbClr r="0" g="0" b="0"/>
+      </a:lnRef>
+      <a:fillRef idx="1">
+        <a:scrgbClr r="0" g="0" b="0"/>
+      </a:fillRef>
+      <a:effectRef idx="0">
+        <a:scrgbClr r="0" g="0" b="0"/>
+      </a:effectRef>
+      <a:fontRef idx="minor">
+        <a:schemeClr val="lt1"/>
+      </a:fontRef>
+    </dgm:style>
+  </dgm:styleLbl>
+  <dgm:styleLbl name="parChTrans2D2">
+    <dgm:scene3d>
+      <a:camera prst="orthographicFront"/>
+      <a:lightRig rig="threePt" dir="t"/>
+    </dgm:scene3d>
+    <dgm:sp3d/>
+    <dgm:txPr/>
+    <dgm:style>
+      <a:lnRef idx="2">
+        <a:scrgbClr r="0" g="0" b="0"/>
+      </a:lnRef>
+      <a:fillRef idx="1">
+        <a:scrgbClr r="0" g="0" b="0"/>
+      </a:fillRef>
+      <a:effectRef idx="0">
+        <a:scrgbClr r="0" g="0" b="0"/>
+      </a:effectRef>
+      <a:fontRef idx="minor">
+        <a:schemeClr val="lt1"/>
+      </a:fontRef>
+    </dgm:style>
+  </dgm:styleLbl>
+  <dgm:styleLbl name="parChTrans2D3">
+    <dgm:scene3d>
+      <a:camera prst="orthographicFront"/>
+      <a:lightRig rig="threePt" dir="t"/>
+    </dgm:scene3d>
+    <dgm:sp3d/>
+    <dgm:txPr/>
+    <dgm:style>
+      <a:lnRef idx="2">
+        <a:scrgbClr r="0" g="0" b="0"/>
+      </a:lnRef>
+      <a:fillRef idx="1">
+        <a:scrgbClr r="0" g="0" b="0"/>
+      </a:fillRef>
+      <a:effectRef idx="0">
+        <a:scrgbClr r="0" g="0" b="0"/>
+      </a:effectRef>
+      <a:fontRef idx="minor">
+        <a:schemeClr val="lt1"/>
+      </a:fontRef>
+    </dgm:style>
+  </dgm:styleLbl>
+  <dgm:styleLbl name="parChTrans2D4">
+    <dgm:scene3d>
+      <a:camera prst="orthographicFront"/>
+      <a:lightRig rig="threePt" dir="t"/>
+    </dgm:scene3d>
+    <dgm:sp3d/>
+    <dgm:txPr/>
+    <dgm:style>
+      <a:lnRef idx="2">
+        <a:scrgbClr r="0" g="0" b="0"/>
+      </a:lnRef>
+      <a:fillRef idx="1">
+        <a:scrgbClr r="0" g="0" b="0"/>
+      </a:fillRef>
+      <a:effectRef idx="0">
+        <a:scrgbClr r="0" g="0" b="0"/>
+      </a:effectRef>
+      <a:fontRef idx="minor">
+        <a:schemeClr val="lt1"/>
+      </a:fontRef>
+    </dgm:style>
+  </dgm:styleLbl>
+  <dgm:styleLbl name="parChTrans1D1">
+    <dgm:scene3d>
+      <a:camera prst="orthographicFront"/>
+      <a:lightRig rig="threePt" dir="t"/>
+    </dgm:scene3d>
+    <dgm:sp3d/>
+    <dgm:txPr/>
+    <dgm:style>
+      <a:lnRef idx="2">
+        <a:scrgbClr r="0" g="0" b="0"/>
+      </a:lnRef>
+      <a:fillRef idx="0">
+        <a:scrgbClr r="0" g="0" b="0"/>
+      </a:fillRef>
+      <a:effectRef idx="0">
+        <a:scrgbClr r="0" g="0" b="0"/>
+      </a:effectRef>
+      <a:fontRef idx="minor"/>
+    </dgm:style>
+  </dgm:styleLbl>
+  <dgm:styleLbl name="parChTrans1D2">
+    <dgm:scene3d>
+      <a:camera prst="orthographicFront"/>
+      <a:lightRig rig="threePt" dir="t"/>
+    </dgm:scene3d>
+    <dgm:sp3d/>
+    <dgm:txPr/>
+    <dgm:style>
+      <a:lnRef idx="2">
+        <a:scrgbClr r="0" g="0" b="0"/>
+      </a:lnRef>
+      <a:fillRef idx="0">
+        <a:scrgbClr r="0" g="0" b="0"/>
+      </a:fillRef>
+      <a:effectRef idx="0">
+        <a:scrgbClr r="0" g="0" b="0"/>
+      </a:effectRef>
+      <a:fontRef idx="minor"/>
+    </dgm:style>
+  </dgm:styleLbl>
+  <dgm:styleLbl name="parChTrans1D3">
+    <dgm:scene3d>
+      <a:camera prst="orthographicFront"/>
+      <a:lightRig rig="threePt" dir="t"/>
+    </dgm:scene3d>
+    <dgm:sp3d/>
+    <dgm:txPr/>
+    <dgm:style>
+      <a:lnRef idx="2">
+        <a:scrgbClr r="0" g="0" b="0"/>
+      </a:lnRef>
+      <a:fillRef idx="0">
+        <a:scrgbClr r="0" g="0" b="0"/>
+      </a:fillRef>
+      <a:effectRef idx="0">
+        <a:scrgbClr r="0" g="0" b="0"/>
+      </a:effectRef>
+      <a:fontRef idx="minor"/>
+    </dgm:style>
+  </dgm:styleLbl>
+  <dgm:styleLbl name="parChTrans1D4">
+    <dgm:scene3d>
+      <a:camera prst="orthographicFront"/>
+      <a:lightRig rig="threePt" dir="t"/>
+    </dgm:scene3d>
+    <dgm:sp3d/>
+    <dgm:txPr/>
+    <dgm:style>
+      <a:lnRef idx="2">
+        <a:scrgbClr r="0" g="0" b="0"/>
+      </a:lnRef>
+      <a:fillRef idx="0">
+        <a:scrgbClr r="0" g="0" b="0"/>
+      </a:fillRef>
+      <a:effectRef idx="0">
+        <a:scrgbClr r="0" g="0" b="0"/>
+      </a:effectRef>
+      <a:fontRef idx="minor"/>
+    </dgm:style>
+  </dgm:styleLbl>
+  <dgm:styleLbl name="fgAcc1">
+    <dgm:scene3d>
+      <a:camera prst="orthographicFront"/>
+      <a:lightRig rig="threePt" dir="t"/>
+    </dgm:scene3d>
+    <dgm:sp3d/>
+    <dgm:txPr/>
+    <dgm:style>
+      <a:lnRef idx="2">
+        <a:scrgbClr r="0" g="0" b="0"/>
+      </a:lnRef>
+      <a:fillRef idx="1">
+        <a:scrgbClr r="0" g="0" b="0"/>
+      </a:fillRef>
+      <a:effectRef idx="0">
+        <a:scrgbClr r="0" g="0" b="0"/>
+      </a:effectRef>
+      <a:fontRef idx="minor"/>
+    </dgm:style>
+  </dgm:styleLbl>
+  <dgm:styleLbl name="conFgAcc1">
+    <dgm:scene3d>
+      <a:camera prst="orthographicFront"/>
+      <a:lightRig rig="threePt" dir="t"/>
+    </dgm:scene3d>
+    <dgm:sp3d/>
+    <dgm:txPr/>
+    <dgm:style>
+      <a:lnRef idx="2">
+        <a:scrgbClr r="0" g="0" b="0"/>
+      </a:lnRef>
+      <a:fillRef idx="1">
+        <a:scrgbClr r="0" g="0" b="0"/>
+      </a:fillRef>
+      <a:effectRef idx="0">
+        <a:scrgbClr r="0" g="0" b="0"/>
+      </a:effectRef>
+      <a:fontRef idx="minor"/>
+    </dgm:style>
+  </dgm:styleLbl>
+  <dgm:styleLbl name="alignAcc1">
+    <dgm:scene3d>
+      <a:camera prst="orthographicFront"/>
+      <a:lightRig rig="threePt" dir="t"/>
+    </dgm:scene3d>
+    <dgm:sp3d/>
+    <dgm:txPr/>
+    <dgm:style>
+      <a:lnRef idx="2">
+        <a:scrgbClr r="0" g="0" b="0"/>
+      </a:lnRef>
+      <a:fillRef idx="1">
+        <a:scrgbClr r="0" g="0" b="0"/>
+      </a:fillRef>
+      <a:effectRef idx="0">
+        <a:scrgbClr r="0" g="0" b="0"/>
+      </a:effectRef>
+      <a:fontRef idx="minor"/>
+    </dgm:style>
+  </dgm:styleLbl>
+  <dgm:styleLbl name="trAlignAcc1">
+    <dgm:scene3d>
+      <a:camera prst="orthographicFront"/>
+      <a:lightRig rig="threePt" dir="t"/>
+    </dgm:scene3d>
+    <dgm:sp3d/>
+    <dgm:txPr/>
+    <dgm:style>
+      <a:lnRef idx="1">
+        <a:scrgbClr r="0" g="0" b="0"/>
+      </a:lnRef>
+      <a:fillRef idx="1">
+        <a:scrgbClr r="0" g="0" b="0"/>
+      </a:fillRef>
+      <a:effectRef idx="0">
+        <a:scrgbClr r="0" g="0" b="0"/>
+      </a:effectRef>
+      <a:fontRef idx="minor"/>
+    </dgm:style>
+  </dgm:styleLbl>
+  <dgm:styleLbl name="bgAcc1">
+    <dgm:scene3d>
+      <a:camera prst="orthographicFront"/>
+      <a:lightRig rig="threePt" dir="t"/>
+    </dgm:scene3d>
+    <dgm:sp3d/>
+    <dgm:txPr/>
+    <dgm:style>
+      <a:lnRef idx="2">
+        <a:scrgbClr r="0" g="0" b="0"/>
+      </a:lnRef>
+      <a:fillRef idx="1">
+        <a:scrgbClr r="0" g="0" b="0"/>
+      </a:fillRef>
+      <a:effectRef idx="0">
+        <a:scrgbClr r="0" g="0" b="0"/>
+      </a:effectRef>
+      <a:fontRef idx="minor"/>
+    </dgm:style>
+  </dgm:styleLbl>
+  <dgm:styleLbl name="solidFgAcc1">
+    <dgm:scene3d>
+      <a:camera prst="orthographicFront"/>
+      <a:lightRig rig="threePt" dir="t"/>
+    </dgm:scene3d>
+    <dgm:sp3d/>
+    <dgm:txPr/>
+    <dgm:style>
+      <a:lnRef idx="2">
+        <a:scrgbClr r="0" g="0" b="0"/>
+      </a:lnRef>
+      <a:fillRef idx="1">
+        <a:scrgbClr r="0" g="0" b="0"/>
+      </a:fillRef>
+      <a:effectRef idx="0">
+        <a:scrgbClr r="0" g="0" b="0"/>
+      </a:effectRef>
+      <a:fontRef idx="minor"/>
+    </dgm:style>
+  </dgm:styleLbl>
+  <dgm:styleLbl name="solidAlignAcc1">
+    <dgm:scene3d>
+      <a:camera prst="orthographicFront"/>
+      <a:lightRig rig="threePt" dir="t"/>
+    </dgm:scene3d>
+    <dgm:sp3d/>
+    <dgm:txPr/>
+    <dgm:style>
+      <a:lnRef idx="2">
+        <a:scrgbClr r="0" g="0" b="0"/>
+      </a:lnRef>
+      <a:fillRef idx="1">
+        <a:scrgbClr r="0" g="0" b="0"/>
+      </a:fillRef>
+      <a:effectRef idx="0">
+        <a:scrgbClr r="0" g="0" b="0"/>
+      </a:effectRef>
+      <a:fontRef idx="minor"/>
+    </dgm:style>
+  </dgm:styleLbl>
+  <dgm:styleLbl name="solidBgAcc1">
+    <dgm:scene3d>
+      <a:camera prst="orthographicFront"/>
+      <a:lightRig rig="threePt" dir="t"/>
+    </dgm:scene3d>
+    <dgm:sp3d/>
+    <dgm:txPr/>
+    <dgm:style>
+      <a:lnRef idx="2">
+        <a:scrgbClr r="0" g="0" b="0"/>
+      </a:lnRef>
+      <a:fillRef idx="1">
+        <a:scrgbClr r="0" g="0" b="0"/>
+      </a:fillRef>
+      <a:effectRef idx="0">
+        <a:scrgbClr r="0" g="0" b="0"/>
+      </a:effectRef>
+      <a:fontRef idx="minor"/>
+    </dgm:style>
+  </dgm:styleLbl>
+  <dgm:styleLbl name="fgAccFollowNode1">
+    <dgm:scene3d>
+      <a:camera prst="orthographicFront"/>
+      <a:lightRig rig="threePt" dir="t"/>
+    </dgm:scene3d>
+    <dgm:sp3d/>
+    <dgm:txPr/>
+    <dgm:style>
+      <a:lnRef idx="2">
+        <a:scrgbClr r="0" g="0" b="0"/>
+      </a:lnRef>
+      <a:fillRef idx="1">
+        <a:scrgbClr r="0" g="0" b="0"/>
+      </a:fillRef>
+      <a:effectRef idx="0">
+        <a:scrgbClr r="0" g="0" b="0"/>
+      </a:effectRef>
+      <a:fontRef idx="minor"/>
+    </dgm:style>
+  </dgm:styleLbl>
+  <dgm:styleLbl name="alignAccFollowNode1">
+    <dgm:scene3d>
+      <a:camera prst="orthographicFront"/>
+      <a:lightRig rig="threePt" dir="t"/>
+    </dgm:scene3d>
+    <dgm:sp3d/>
+    <dgm:txPr/>
+    <dgm:style>
+      <a:lnRef idx="2">
+        <a:scrgbClr r="0" g="0" b="0"/>
+      </a:lnRef>
+      <a:fillRef idx="1">
+        <a:scrgbClr r="0" g="0" b="0"/>
+      </a:fillRef>
+      <a:effectRef idx="0">
+        <a:scrgbClr r="0" g="0" b="0"/>
+      </a:effectRef>
+      <a:fontRef idx="minor"/>
+    </dgm:style>
+  </dgm:styleLbl>
+  <dgm:styleLbl name="bgAccFollowNode1">
+    <dgm:scene3d>
+      <a:camera prst="orthographicFront"/>
+      <a:lightRig rig="threePt" dir="t"/>
+    </dgm:scene3d>
+    <dgm:sp3d/>
+    <dgm:txPr/>
+    <dgm:style>
+      <a:lnRef idx="2">
+        <a:scrgbClr r="0" g="0" b="0"/>
+      </a:lnRef>
+      <a:fillRef idx="1">
+        <a:scrgbClr r="0" g="0" b="0"/>
+      </a:fillRef>
+      <a:effectRef idx="0">
+        <a:scrgbClr r="0" g="0" b="0"/>
+      </a:effectRef>
+      <a:fontRef idx="minor"/>
+    </dgm:style>
+  </dgm:styleLbl>
+  <dgm:styleLbl name="fgAcc0">
+    <dgm:scene3d>
+      <a:camera prst="orthographicFront"/>
+      <a:lightRig rig="threePt" dir="t"/>
+    </dgm:scene3d>
+    <dgm:sp3d/>
+    <dgm:txPr/>
+    <dgm:style>
+      <a:lnRef idx="2">
+        <a:scrgbClr r="0" g="0" b="0"/>
+      </a:lnRef>
+      <a:fillRef idx="1">
+        <a:scrgbClr r="0" g="0" b="0"/>
+      </a:fillRef>
+      <a:effectRef idx="0">
+        <a:scrgbClr r="0" g="0" b="0"/>
+      </a:effectRef>
+      <a:fontRef idx="minor"/>
+    </dgm:style>
+  </dgm:styleLbl>
+  <dgm:styleLbl name="fgAcc2">
+    <dgm:scene3d>
+      <a:camera prst="orthographicFront"/>
+      <a:lightRig rig="threePt" dir="t"/>
+    </dgm:scene3d>
+    <dgm:sp3d/>
+    <dgm:txPr/>
+    <dgm:style>
+      <a:lnRef idx="2">
+        <a:scrgbClr r="0" g="0" b="0"/>
+      </a:lnRef>
+      <a:fillRef idx="1">
+        <a:scrgbClr r="0" g="0" b="0"/>
+      </a:fillRef>
+      <a:effectRef idx="0">
+        <a:scrgbClr r="0" g="0" b="0"/>
+      </a:effectRef>
+      <a:fontRef idx="minor"/>
+    </dgm:style>
+  </dgm:styleLbl>
+  <dgm:styleLbl name="fgAcc3">
+    <dgm:scene3d>
+      <a:camera prst="orthographicFront"/>
+      <a:lightRig rig="threePt" dir="t"/>
+    </dgm:scene3d>
+    <dgm:sp3d/>
+    <dgm:txPr/>
+    <dgm:style>
+      <a:lnRef idx="2">
+        <a:scrgbClr r="0" g="0" b="0"/>
+      </a:lnRef>
+      <a:fillRef idx="1">
+        <a:scrgbClr r="0" g="0" b="0"/>
+      </a:fillRef>
+      <a:effectRef idx="0">
+        <a:scrgbClr r="0" g="0" b="0"/>
+      </a:effectRef>
+      <a:fontRef idx="minor"/>
+    </dgm:style>
+  </dgm:styleLbl>
+  <dgm:styleLbl name="fgAcc4">
+    <dgm:scene3d>
+      <a:camera prst="orthographicFront"/>
+      <a:lightRig rig="threePt" dir="t"/>
+    </dgm:scene3d>
+    <dgm:sp3d/>
+    <dgm:txPr/>
+    <dgm:style>
+      <a:lnRef idx="2">
+        <a:scrgbClr r="0" g="0" b="0"/>
+      </a:lnRef>
+      <a:fillRef idx="1">
+        <a:scrgbClr r="0" g="0" b="0"/>
+      </a:fillRef>
+      <a:effectRef idx="0">
+        <a:scrgbClr r="0" g="0" b="0"/>
+      </a:effectRef>
+      <a:fontRef idx="minor"/>
+    </dgm:style>
+  </dgm:styleLbl>
+  <dgm:styleLbl name="bgShp">
+    <dgm:scene3d>
+      <a:camera prst="orthographicFront"/>
+      <a:lightRig rig="threePt" dir="t"/>
+    </dgm:scene3d>
+    <dgm:sp3d/>
+    <dgm:txPr/>
+    <dgm:style>
+      <a:lnRef idx="0">
+        <a:scrgbClr r="0" g="0" b="0"/>
+      </a:lnRef>
+      <a:fillRef idx="1">
+        <a:scrgbClr r="0" g="0" b="0"/>
+      </a:fillRef>
+      <a:effectRef idx="0">
+        <a:scrgbClr r="0" g="0" b="0"/>
+      </a:effectRef>
+      <a:fontRef idx="minor"/>
+    </dgm:style>
+  </dgm:styleLbl>
+  <dgm:styleLbl name="dkBgShp">
+    <dgm:scene3d>
+      <a:camera prst="orthographicFront"/>
+      <a:lightRig rig="threePt" dir="t"/>
+    </dgm:scene3d>
+    <dgm:sp3d/>
+    <dgm:txPr/>
+    <dgm:style>
+      <a:lnRef idx="0">
+        <a:scrgbClr r="0" g="0" b="0"/>
+      </a:lnRef>
+      <a:fillRef idx="1">
+        <a:scrgbClr r="0" g="0" b="0"/>
+      </a:fillRef>
+      <a:effectRef idx="0">
+        <a:scrgbClr r="0" g="0" b="0"/>
+      </a:effectRef>
+      <a:fontRef idx="minor"/>
+    </dgm:style>
+  </dgm:styleLbl>
+  <dgm:styleLbl name="trBgShp">
+    <dgm:scene3d>
+      <a:camera prst="orthographicFront"/>
+      <a:lightRig rig="threePt" dir="t"/>
+    </dgm:scene3d>
+    <dgm:sp3d/>
+    <dgm:txPr/>
+    <dgm:style>
+      <a:lnRef idx="0">
+        <a:scrgbClr r="0" g="0" b="0"/>
+      </a:lnRef>
+      <a:fillRef idx="1">
+        <a:scrgbClr r="0" g="0" b="0"/>
+      </a:fillRef>
+      <a:effectRef idx="0">
+        <a:scrgbClr r="0" g="0" b="0"/>
+      </a:effectRef>
+      <a:fontRef idx="minor"/>
+    </dgm:style>
+  </dgm:styleLbl>
+  <dgm:styleLbl name="fgShp">
+    <dgm:scene3d>
+      <a:camera prst="orthographicFront"/>
+      <a:lightRig rig="threePt" dir="t"/>
+    </dgm:scene3d>
+    <dgm:sp3d/>
+    <dgm:txPr/>
+    <dgm:style>
+      <a:lnRef idx="2">
+        <a:scrgbClr r="0" g="0" b="0"/>
+      </a:lnRef>
+      <a:fillRef idx="1">
+        <a:scrgbClr r="0" g="0" b="0"/>
+      </a:fillRef>
+      <a:effectRef idx="0">
+        <a:scrgbClr r="0" g="0" b="0"/>
+      </a:effectRef>
+      <a:fontRef idx="minor"/>
+    </dgm:style>
+  </dgm:styleLbl>
+  <dgm:styleLbl name="revTx">
+    <dgm:scene3d>
+      <a:camera prst="orthographicFront"/>
+      <a:lightRig rig="threePt" dir="t"/>
+    </dgm:scene3d>
+    <dgm:sp3d/>
+    <dgm:txPr/>
+    <dgm:style>
+      <a:lnRef idx="0">
+        <a:scrgbClr r="0" g="0" b="0"/>
+      </a:lnRef>
+      <a:fillRef idx="0">
+        <a:scrgbClr r="0" g="0" b="0"/>
+      </a:fillRef>
+      <a:effectRef idx="0">
+        <a:scrgbClr r="0" g="0" b="0"/>
+      </a:effectRef>
+      <a:fontRef idx="minor"/>
+    </dgm:style>
+  </dgm:styleLbl>
+</dgm:styleDef>
+</file>
+
+<file path=ppt/diagrams/quickStyle8.xml><?xml version="1.0" encoding="utf-8"?>
 <dgm:styleDef xmlns:dgm="http://schemas.openxmlformats.org/drawingml/2006/diagram" xmlns:a="http://schemas.openxmlformats.org/drawingml/2006/main" uniqueId="urn:microsoft.com/office/officeart/2005/8/quickstyle/simple5">
   <dgm:title val=""/>
   <dgm:desc val=""/>
@@ -20192,7 +25668,7 @@
 </dgm:styleDef>
 </file>
 
-<file path=ppt/diagrams/quickStyle8.xml><?xml version="1.0" encoding="utf-8"?>
+<file path=ppt/diagrams/quickStyle9.xml><?xml version="1.0" encoding="utf-8"?>
 <dgm:styleDef xmlns:dgm="http://schemas.openxmlformats.org/drawingml/2006/diagram" xmlns:a="http://schemas.openxmlformats.org/drawingml/2006/main" uniqueId="urn:microsoft.com/office/officeart/2005/8/quickstyle/simple4">
   <dgm:title val=""/>
   <dgm:desc val=""/>
@@ -21627,6 +27103,10 @@
           </a:p>
           <a:p>
             <a:r>
+              <a:rPr lang="en-IN" dirty="0"/>
+              <a:t>Today, </a:t>
+            </a:r>
+            <a:r>
               <a:rPr lang="en-IN" dirty="0" err="1"/>
               <a:t>Sindhuja</a:t>
             </a:r>
@@ -21664,6 +27144,341 @@
     <p:extLst>
       <p:ext uri="{BB962C8B-B14F-4D97-AF65-F5344CB8AC3E}">
         <p14:creationId xmlns:p14="http://schemas.microsoft.com/office/powerpoint/2010/main" val="103919246"/>
+      </p:ext>
+    </p:extLst>
+  </p:cSld>
+  <p:clrMapOvr>
+    <a:masterClrMapping/>
+  </p:clrMapOvr>
+</p:notes>
+</file>
+
+<file path=ppt/notesSlides/notesSlide10.xml><?xml version="1.0" encoding="utf-8"?>
+<p:notes xmlns:a="http://schemas.openxmlformats.org/drawingml/2006/main" xmlns:r="http://schemas.openxmlformats.org/officeDocument/2006/relationships" xmlns:p="http://schemas.openxmlformats.org/presentationml/2006/main">
+  <p:cSld>
+    <p:spTree>
+      <p:nvGrpSpPr>
+        <p:cNvPr id="1" name=""/>
+        <p:cNvGrpSpPr/>
+        <p:nvPr/>
+      </p:nvGrpSpPr>
+      <p:grpSpPr>
+        <a:xfrm>
+          <a:off x="0" y="0"/>
+          <a:ext cx="0" cy="0"/>
+          <a:chOff x="0" y="0"/>
+          <a:chExt cx="0" cy="0"/>
+        </a:xfrm>
+      </p:grpSpPr>
+      <p:sp>
+        <p:nvSpPr>
+          <p:cNvPr id="2" name="Slide Image Placeholder 1"/>
+          <p:cNvSpPr>
+            <a:spLocks noGrp="1" noRot="1" noChangeAspect="1"/>
+          </p:cNvSpPr>
+          <p:nvPr>
+            <p:ph type="sldImg"/>
+          </p:nvPr>
+        </p:nvSpPr>
+        <p:spPr/>
+      </p:sp>
+      <p:sp>
+        <p:nvSpPr>
+          <p:cNvPr id="3" name="Notes Placeholder 2"/>
+          <p:cNvSpPr>
+            <a:spLocks noGrp="1"/>
+          </p:cNvSpPr>
+          <p:nvPr>
+            <p:ph type="body" idx="1"/>
+          </p:nvPr>
+        </p:nvSpPr>
+        <p:spPr/>
+        <p:txBody>
+          <a:bodyPr/>
+          <a:lstStyle/>
+          <a:p>
+            <a:r>
+              <a:rPr lang="en-IN" dirty="0"/>
+              <a:t>As is everything in life, GANs have their limitations.</a:t>
+            </a:r>
+          </a:p>
+          <a:p>
+            <a:pPr marL="228600" indent="-228600">
+              <a:buAutoNum type="arabicPeriod"/>
+            </a:pPr>
+            <a:r>
+              <a:rPr lang="en-IN" dirty="0"/>
+              <a:t>Cannot model discrete data (require differentiation through the visible units)</a:t>
+            </a:r>
+          </a:p>
+          <a:p>
+            <a:pPr marL="228600" indent="-228600">
+              <a:buAutoNum type="arabicPeriod"/>
+            </a:pPr>
+            <a:r>
+              <a:rPr lang="en-IN" dirty="0"/>
+              <a:t>As they are used majorly for images, there is no way prove the generated samples are better than those produced by other models</a:t>
+            </a:r>
+          </a:p>
+          <a:p>
+            <a:pPr marL="228600" indent="-228600">
+              <a:buAutoNum type="arabicPeriod"/>
+            </a:pPr>
+            <a:r>
+              <a:rPr lang="en-IN" dirty="0"/>
+              <a:t>Produces a higher variances</a:t>
+            </a:r>
+          </a:p>
+          <a:p>
+            <a:pPr marL="228600" indent="-228600">
+              <a:buAutoNum type="arabicPeriod"/>
+            </a:pPr>
+            <a:r>
+              <a:rPr lang="en-IN" dirty="0"/>
+              <a:t>Because of this higher variance, it does not perform well in the high dimensional spaces. However, the use of latent code or latent space can reduce the affects of this limitation</a:t>
+            </a:r>
+          </a:p>
+          <a:p>
+            <a:pPr marL="228600" indent="-228600">
+              <a:buAutoNum type="arabicPeriod"/>
+            </a:pPr>
+            <a:r>
+              <a:rPr lang="en-IN" dirty="0"/>
+              <a:t>No explicit representation of probability distribution of x</a:t>
+            </a:r>
+          </a:p>
+          <a:p>
+            <a:pPr marL="228600" indent="-228600">
+              <a:buAutoNum type="arabicPeriod"/>
+            </a:pPr>
+            <a:r>
+              <a:rPr lang="en-IN" dirty="0"/>
+              <a:t>Discriminator D must be well in sync with Generator G during the training process as this is an adversarial system.</a:t>
+            </a:r>
+          </a:p>
+        </p:txBody>
+      </p:sp>
+      <p:sp>
+        <p:nvSpPr>
+          <p:cNvPr id="4" name="Slide Number Placeholder 3"/>
+          <p:cNvSpPr>
+            <a:spLocks noGrp="1"/>
+          </p:cNvSpPr>
+          <p:nvPr>
+            <p:ph type="sldNum" sz="quarter" idx="5"/>
+          </p:nvPr>
+        </p:nvSpPr>
+        <p:spPr/>
+        <p:txBody>
+          <a:bodyPr/>
+          <a:lstStyle/>
+          <a:p>
+            <a:fld id="{A914F299-9927-4EE6-A360-E92782AD9637}" type="slidenum">
+              <a:rPr lang="en-IN" smtClean="0"/>
+              <a:t>12</a:t>
+            </a:fld>
+            <a:endParaRPr lang="en-IN"/>
+          </a:p>
+        </p:txBody>
+      </p:sp>
+    </p:spTree>
+    <p:extLst>
+      <p:ext uri="{BB962C8B-B14F-4D97-AF65-F5344CB8AC3E}">
+        <p14:creationId xmlns:p14="http://schemas.microsoft.com/office/powerpoint/2010/main" val="1378559858"/>
+      </p:ext>
+    </p:extLst>
+  </p:cSld>
+  <p:clrMapOvr>
+    <a:masterClrMapping/>
+  </p:clrMapOvr>
+</p:notes>
+</file>
+
+<file path=ppt/notesSlides/notesSlide11.xml><?xml version="1.0" encoding="utf-8"?>
+<p:notes xmlns:a="http://schemas.openxmlformats.org/drawingml/2006/main" xmlns:r="http://schemas.openxmlformats.org/officeDocument/2006/relationships" xmlns:p="http://schemas.openxmlformats.org/presentationml/2006/main">
+  <p:cSld>
+    <p:spTree>
+      <p:nvGrpSpPr>
+        <p:cNvPr id="1" name=""/>
+        <p:cNvGrpSpPr/>
+        <p:nvPr/>
+      </p:nvGrpSpPr>
+      <p:grpSpPr>
+        <a:xfrm>
+          <a:off x="0" y="0"/>
+          <a:ext cx="0" cy="0"/>
+          <a:chOff x="0" y="0"/>
+          <a:chExt cx="0" cy="0"/>
+        </a:xfrm>
+      </p:grpSpPr>
+      <p:sp>
+        <p:nvSpPr>
+          <p:cNvPr id="2" name="Slide Image Placeholder 1"/>
+          <p:cNvSpPr>
+            <a:spLocks noGrp="1" noRot="1" noChangeAspect="1"/>
+          </p:cNvSpPr>
+          <p:nvPr>
+            <p:ph type="sldImg"/>
+          </p:nvPr>
+        </p:nvSpPr>
+        <p:spPr/>
+      </p:sp>
+      <p:sp>
+        <p:nvSpPr>
+          <p:cNvPr id="3" name="Notes Placeholder 2"/>
+          <p:cNvSpPr>
+            <a:spLocks noGrp="1"/>
+          </p:cNvSpPr>
+          <p:nvPr>
+            <p:ph type="body" idx="1"/>
+          </p:nvPr>
+        </p:nvSpPr>
+        <p:spPr/>
+        <p:txBody>
+          <a:bodyPr/>
+          <a:lstStyle/>
+          <a:p>
+            <a:pPr marL="0" marR="0" lvl="0" indent="0" algn="l" defTabSz="914400" rtl="0" eaLnBrk="1" fontAlgn="auto" latinLnBrk="0" hangingPunct="1">
+              <a:lnSpc>
+                <a:spcPct val="100000"/>
+              </a:lnSpc>
+              <a:spcBef>
+                <a:spcPts val="0"/>
+              </a:spcBef>
+              <a:spcAft>
+                <a:spcPts val="0"/>
+              </a:spcAft>
+              <a:buClrTx/>
+              <a:buSzTx/>
+              <a:buFontTx/>
+              <a:buNone/>
+              <a:tabLst/>
+              <a:defRPr/>
+            </a:pPr>
+            <a:r>
+              <a:rPr lang="en-IN" dirty="0"/>
+              <a:t>Moving on to the challenges that various algorithms face in various stages of the ML lifecycle.</a:t>
+            </a:r>
+          </a:p>
+          <a:p>
+            <a:endParaRPr lang="en-IN" dirty="0"/>
+          </a:p>
+        </p:txBody>
+      </p:sp>
+      <p:sp>
+        <p:nvSpPr>
+          <p:cNvPr id="4" name="Slide Number Placeholder 3"/>
+          <p:cNvSpPr>
+            <a:spLocks noGrp="1"/>
+          </p:cNvSpPr>
+          <p:nvPr>
+            <p:ph type="sldNum" sz="quarter" idx="5"/>
+          </p:nvPr>
+        </p:nvSpPr>
+        <p:spPr/>
+        <p:txBody>
+          <a:bodyPr/>
+          <a:lstStyle/>
+          <a:p>
+            <a:fld id="{A914F299-9927-4EE6-A360-E92782AD9637}" type="slidenum">
+              <a:rPr lang="en-IN" smtClean="0"/>
+              <a:t>13</a:t>
+            </a:fld>
+            <a:endParaRPr lang="en-IN"/>
+          </a:p>
+        </p:txBody>
+      </p:sp>
+    </p:spTree>
+    <p:extLst>
+      <p:ext uri="{BB962C8B-B14F-4D97-AF65-F5344CB8AC3E}">
+        <p14:creationId xmlns:p14="http://schemas.microsoft.com/office/powerpoint/2010/main" val="3560954646"/>
+      </p:ext>
+    </p:extLst>
+  </p:cSld>
+  <p:clrMapOvr>
+    <a:masterClrMapping/>
+  </p:clrMapOvr>
+</p:notes>
+</file>
+
+<file path=ppt/notesSlides/notesSlide12.xml><?xml version="1.0" encoding="utf-8"?>
+<p:notes xmlns:a="http://schemas.openxmlformats.org/drawingml/2006/main" xmlns:r="http://schemas.openxmlformats.org/officeDocument/2006/relationships" xmlns:p="http://schemas.openxmlformats.org/presentationml/2006/main">
+  <p:cSld>
+    <p:spTree>
+      <p:nvGrpSpPr>
+        <p:cNvPr id="1" name=""/>
+        <p:cNvGrpSpPr/>
+        <p:nvPr/>
+      </p:nvGrpSpPr>
+      <p:grpSpPr>
+        <a:xfrm>
+          <a:off x="0" y="0"/>
+          <a:ext cx="0" cy="0"/>
+          <a:chOff x="0" y="0"/>
+          <a:chExt cx="0" cy="0"/>
+        </a:xfrm>
+      </p:grpSpPr>
+      <p:sp>
+        <p:nvSpPr>
+          <p:cNvPr id="2" name="Slide Image Placeholder 1"/>
+          <p:cNvSpPr>
+            <a:spLocks noGrp="1" noRot="1" noChangeAspect="1"/>
+          </p:cNvSpPr>
+          <p:nvPr>
+            <p:ph type="sldImg"/>
+          </p:nvPr>
+        </p:nvSpPr>
+        <p:spPr/>
+      </p:sp>
+      <p:sp>
+        <p:nvSpPr>
+          <p:cNvPr id="3" name="Notes Placeholder 2"/>
+          <p:cNvSpPr>
+            <a:spLocks noGrp="1"/>
+          </p:cNvSpPr>
+          <p:nvPr>
+            <p:ph type="body" idx="1"/>
+          </p:nvPr>
+        </p:nvSpPr>
+        <p:spPr/>
+        <p:txBody>
+          <a:bodyPr/>
+          <a:lstStyle/>
+          <a:p>
+            <a:r>
+              <a:rPr lang="en-IN" dirty="0"/>
+              <a:t>If you would like to understand more about the Generative Adversarial Nets, we have added some links in our presentation that gives the background around GANs</a:t>
+            </a:r>
+          </a:p>
+        </p:txBody>
+      </p:sp>
+      <p:sp>
+        <p:nvSpPr>
+          <p:cNvPr id="4" name="Slide Number Placeholder 3"/>
+          <p:cNvSpPr>
+            <a:spLocks noGrp="1"/>
+          </p:cNvSpPr>
+          <p:nvPr>
+            <p:ph type="sldNum" sz="quarter" idx="5"/>
+          </p:nvPr>
+        </p:nvSpPr>
+        <p:spPr/>
+        <p:txBody>
+          <a:bodyPr/>
+          <a:lstStyle/>
+          <a:p>
+            <a:fld id="{A914F299-9927-4EE6-A360-E92782AD9637}" type="slidenum">
+              <a:rPr lang="en-IN" smtClean="0"/>
+              <a:t>14</a:t>
+            </a:fld>
+            <a:endParaRPr lang="en-IN"/>
+          </a:p>
+        </p:txBody>
+      </p:sp>
+    </p:spTree>
+    <p:extLst>
+      <p:ext uri="{BB962C8B-B14F-4D97-AF65-F5344CB8AC3E}">
+        <p14:creationId xmlns:p14="http://schemas.microsoft.com/office/powerpoint/2010/main" val="1871743601"/>
       </p:ext>
     </p:extLst>
   </p:cSld>
@@ -22328,33 +28143,51 @@
           <a:p>
             <a:r>
               <a:rPr lang="en-IN" dirty="0"/>
-              <a:t>Now, let me provide why at all to use Generative Adversarial Networks? Use of Latent code, which is basically transforming our input space into latent space that allows dimension reduction. Unlike Fully visible belief nets, we can have reduces number of features. To provide an example, Imagine running this model for 4K image, which basically has over 4000 pixels, each of these pixels become a feature in your NN. Training all these features will require a very high compute power. </a:t>
+              <a:t>Since we are generating samples and there is no Y labels to cross reference against, the team has used </a:t>
+            </a:r>
+            <a:r>
+              <a:rPr lang="en-IN" dirty="0" err="1"/>
+              <a:t>Parzen</a:t>
+            </a:r>
+            <a:r>
+              <a:rPr lang="en-IN" dirty="0"/>
+              <a:t> window based log likelihood estimates to calculate the likelihood of the generated data. The comparison is between multiple generative models. For MNIST data, they have taken the distribution over the whole sample set meanwhile for the TFD set they have calculated the estimates across the folds of the dataset</a:t>
             </a:r>
           </a:p>
           <a:p>
+            <a:pPr marL="228600" indent="-228600">
+              <a:buAutoNum type="arabicPeriod"/>
+            </a:pPr>
             <a:r>
               <a:rPr lang="en-IN" dirty="0"/>
-              <a:t>Second advantage is that GANs are asymptotically consistent, when we solve the minmax game for this network, it is guaranteed that we have the distribution that is equal to the sample distribution.</a:t>
+              <a:t>Deep Belief Networks</a:t>
             </a:r>
           </a:p>
           <a:p>
+            <a:pPr marL="228600" indent="-228600">
+              <a:buAutoNum type="arabicPeriod"/>
+            </a:pPr>
             <a:r>
               <a:rPr lang="en-IN" dirty="0"/>
-              <a:t>Third advantage is that GANs do not require the Markov chains. They tend to hold back Boltzmann machines because methods based on Boltzmann machines require that the distribution be somewhat blurry in order for the chains to be able to mix between modes.</a:t>
+              <a:t>Stacked Contractive Auto-Encoder</a:t>
             </a:r>
           </a:p>
           <a:p>
+            <a:pPr marL="228600" indent="-228600">
+              <a:buAutoNum type="arabicPeriod"/>
+            </a:pPr>
             <a:r>
               <a:rPr lang="en-IN" dirty="0"/>
-              <a:t>Fourth would be because of the multi-nodal output, we can get multiple local </a:t>
+              <a:t>Deep Generative Stochastic Networks.</a:t>
             </a:r>
-            <a:r>
-              <a:rPr lang="en-IN" dirty="0" err="1"/>
-              <a:t>minimas</a:t>
-            </a:r>
+          </a:p>
+          <a:p>
+            <a:pPr marL="0" indent="0">
+              <a:buNone/>
+            </a:pPr>
             <a:r>
               <a:rPr lang="en-IN" dirty="0"/>
-              <a:t>, which is usually the case for a lot of machine learning scenarios. This provides confidence to the users of GANs model and is regarded as producing the best samples.</a:t>
+              <a:t>You can see that the Adversarial nets provide the best likelihood estimates except on TFD where Stacked CAE outperforms by a bit. However the std error is much lower on Adversarial nets.</a:t>
             </a:r>
           </a:p>
         </p:txBody>
@@ -22385,7 +28218,7 @@
     </p:spTree>
     <p:extLst>
       <p:ext uri="{BB962C8B-B14F-4D97-AF65-F5344CB8AC3E}">
-        <p14:creationId xmlns:p14="http://schemas.microsoft.com/office/powerpoint/2010/main" val="1146371424"/>
+        <p14:creationId xmlns:p14="http://schemas.microsoft.com/office/powerpoint/2010/main" val="2629734571"/>
       </p:ext>
     </p:extLst>
   </p:cSld>
@@ -22439,7 +28272,36 @@
           <a:bodyPr/>
           <a:lstStyle/>
           <a:p>
-            <a:endParaRPr lang="en-IN" dirty="0"/>
+            <a:r>
+              <a:rPr lang="en-IN" dirty="0"/>
+              <a:t>Now, let me provide why at all to use Generative Adversarial Networks? Use of Latent code, which is basically transforming our input space into latent space that allows dimension reduction. Unlike Fully visible belief nets, we can have reduces number of features. To provide an example, Imagine running this model for 4K image, which basically has over 4000 pixels, each of these pixels become a feature in your NN. Training all these features will require a very high compute power. </a:t>
+            </a:r>
+          </a:p>
+          <a:p>
+            <a:r>
+              <a:rPr lang="en-IN" dirty="0"/>
+              <a:t>Second advantage is that GANs are asymptotically consistent, when we solve the minmax game for this network, it is guaranteed that we have the distribution that is equal to the sample distribution.</a:t>
+            </a:r>
+          </a:p>
+          <a:p>
+            <a:r>
+              <a:rPr lang="en-IN" dirty="0"/>
+              <a:t>Third advantage is that GANs do not require the Markov chains. They tend to hold back Boltzmann machines because methods based on Boltzmann machines require that the distribution be somewhat blurry in order for the chains to be able to mix between modes. This is the primary motivation for the team to invent GANs.</a:t>
+            </a:r>
+          </a:p>
+          <a:p>
+            <a:r>
+              <a:rPr lang="en-IN" dirty="0"/>
+              <a:t>Fourth would be because of the multi-nodal output, we can get multiple local </a:t>
+            </a:r>
+            <a:r>
+              <a:rPr lang="en-IN" dirty="0" err="1"/>
+              <a:t>minimas</a:t>
+            </a:r>
+            <a:r>
+              <a:rPr lang="en-IN" dirty="0"/>
+              <a:t>, which is usually the case for a lot of machine learning scenarios. This provides confidence to the users of GANs model and is regarded as producing the best samples.</a:t>
+            </a:r>
           </a:p>
         </p:txBody>
       </p:sp>
@@ -22469,7 +28331,7 @@
     </p:spTree>
     <p:extLst>
       <p:ext uri="{BB962C8B-B14F-4D97-AF65-F5344CB8AC3E}">
-        <p14:creationId xmlns:p14="http://schemas.microsoft.com/office/powerpoint/2010/main" val="1378559858"/>
+        <p14:creationId xmlns:p14="http://schemas.microsoft.com/office/powerpoint/2010/main" val="1146371424"/>
       </p:ext>
     </p:extLst>
   </p:cSld>
@@ -30573,6 +36435,120 @@
 <file path=ppt/slides/slide10.xml><?xml version="1.0" encoding="utf-8"?>
 <p:sld xmlns:a="http://schemas.openxmlformats.org/drawingml/2006/main" xmlns:r="http://schemas.openxmlformats.org/officeDocument/2006/relationships" xmlns:p="http://schemas.openxmlformats.org/presentationml/2006/main">
   <p:cSld>
+    <p:spTree>
+      <p:nvGrpSpPr>
+        <p:cNvPr id="1" name=""/>
+        <p:cNvGrpSpPr/>
+        <p:nvPr/>
+      </p:nvGrpSpPr>
+      <p:grpSpPr>
+        <a:xfrm>
+          <a:off x="0" y="0"/>
+          <a:ext cx="0" cy="0"/>
+          <a:chOff x="0" y="0"/>
+          <a:chExt cx="0" cy="0"/>
+        </a:xfrm>
+      </p:grpSpPr>
+      <p:sp>
+        <p:nvSpPr>
+          <p:cNvPr id="2" name="Title 1">
+            <a:extLst>
+              <a:ext uri="{FF2B5EF4-FFF2-40B4-BE49-F238E27FC236}">
+                <a16:creationId xmlns:a16="http://schemas.microsoft.com/office/drawing/2014/main" id="{7FF65659-8B1D-4C9C-86B2-CD14C4A612D5}"/>
+              </a:ext>
+            </a:extLst>
+          </p:cNvPr>
+          <p:cNvSpPr>
+            <a:spLocks noGrp="1"/>
+          </p:cNvSpPr>
+          <p:nvPr>
+            <p:ph type="title"/>
+          </p:nvPr>
+        </p:nvSpPr>
+        <p:spPr/>
+        <p:txBody>
+          <a:bodyPr/>
+          <a:lstStyle/>
+          <a:p>
+            <a:r>
+              <a:rPr lang="en-IN" dirty="0"/>
+              <a:t>Experiment Results</a:t>
+            </a:r>
+          </a:p>
+        </p:txBody>
+      </p:sp>
+      <p:pic>
+        <p:nvPicPr>
+          <p:cNvPr id="8" name="Picture Placeholder 7">
+            <a:extLst>
+              <a:ext uri="{FF2B5EF4-FFF2-40B4-BE49-F238E27FC236}">
+                <a16:creationId xmlns:a16="http://schemas.microsoft.com/office/drawing/2014/main" id="{DD944808-1CF4-4CC3-973E-AAF4C6C54C79}"/>
+              </a:ext>
+            </a:extLst>
+          </p:cNvPr>
+          <p:cNvPicPr>
+            <a:picLocks noGrp="1" noChangeAspect="1"/>
+          </p:cNvPicPr>
+          <p:nvPr>
+            <p:ph type="pic" idx="1"/>
+          </p:nvPr>
+        </p:nvPicPr>
+        <p:blipFill rotWithShape="1">
+          <a:blip r:embed="rId3"/>
+          <a:srcRect l="3803" t="10612" r="2657" b="10464"/>
+          <a:stretch/>
+        </p:blipFill>
+        <p:spPr>
+          <a:xfrm>
+            <a:off x="4828032" y="2716162"/>
+            <a:ext cx="7144512" cy="2840736"/>
+          </a:xfrm>
+        </p:spPr>
+      </p:pic>
+      <p:graphicFrame>
+        <p:nvGraphicFramePr>
+          <p:cNvPr id="9" name="Diagram 8">
+            <a:extLst>
+              <a:ext uri="{FF2B5EF4-FFF2-40B4-BE49-F238E27FC236}">
+                <a16:creationId xmlns:a16="http://schemas.microsoft.com/office/drawing/2014/main" id="{79775BA2-65BA-4B41-8FA2-0CB00E3814FE}"/>
+              </a:ext>
+            </a:extLst>
+          </p:cNvPr>
+          <p:cNvGraphicFramePr/>
+          <p:nvPr>
+            <p:extLst>
+              <p:ext uri="{D42A27DB-BD31-4B8C-83A1-F6EECF244321}">
+                <p14:modId xmlns:p14="http://schemas.microsoft.com/office/powerpoint/2010/main" val="4073518934"/>
+              </p:ext>
+            </p:extLst>
+          </p:nvPr>
+        </p:nvGraphicFramePr>
+        <p:xfrm>
+          <a:off x="680323" y="2336873"/>
+          <a:ext cx="3876256" cy="3599315"/>
+        </p:xfrm>
+        <a:graphic>
+          <a:graphicData uri="http://schemas.openxmlformats.org/drawingml/2006/diagram">
+            <dgm:relIds xmlns:dgm="http://schemas.openxmlformats.org/drawingml/2006/diagram" xmlns:r="http://schemas.openxmlformats.org/officeDocument/2006/relationships" r:dm="rId4" r:lo="rId5" r:qs="rId6" r:cs="rId7"/>
+          </a:graphicData>
+        </a:graphic>
+      </p:graphicFrame>
+    </p:spTree>
+    <p:extLst>
+      <p:ext uri="{BB962C8B-B14F-4D97-AF65-F5344CB8AC3E}">
+        <p14:creationId xmlns:p14="http://schemas.microsoft.com/office/powerpoint/2010/main" val="3798840545"/>
+      </p:ext>
+    </p:extLst>
+  </p:cSld>
+  <p:clrMapOvr>
+    <a:masterClrMapping/>
+  </p:clrMapOvr>
+</p:sld>
+</file>
+
+<file path=ppt/slides/slide11.xml><?xml version="1.0" encoding="utf-8"?>
+<p:sld xmlns:a="http://schemas.openxmlformats.org/drawingml/2006/main" xmlns:r="http://schemas.openxmlformats.org/officeDocument/2006/relationships" xmlns:p="http://schemas.openxmlformats.org/presentationml/2006/main">
+  <p:cSld>
     <p:bg>
       <p:bgPr>
         <a:gradFill rotWithShape="1">
@@ -30971,7 +36947,7 @@
 </p:sld>
 </file>
 
-<file path=ppt/slides/slide11.xml><?xml version="1.0" encoding="utf-8"?>
+<file path=ppt/slides/slide12.xml><?xml version="1.0" encoding="utf-8"?>
 <p:sld xmlns:a="http://schemas.openxmlformats.org/drawingml/2006/main" xmlns:r="http://schemas.openxmlformats.org/officeDocument/2006/relationships" xmlns:p="http://schemas.openxmlformats.org/presentationml/2006/main">
   <p:cSld>
     <p:bg>
@@ -31372,44 +37348,9 @@
 </p:sld>
 </file>
 
-<file path=ppt/slides/slide12.xml><?xml version="1.0" encoding="utf-8"?>
+<file path=ppt/slides/slide13.xml><?xml version="1.0" encoding="utf-8"?>
 <p:sld xmlns:a="http://schemas.openxmlformats.org/drawingml/2006/main" xmlns:r="http://schemas.openxmlformats.org/officeDocument/2006/relationships" xmlns:p="http://schemas.openxmlformats.org/presentationml/2006/main">
   <p:cSld>
-    <p:bg>
-      <p:bgPr>
-        <a:gradFill rotWithShape="1">
-          <a:gsLst>
-            <a:gs pos="0">
-              <a:schemeClr val="bg2">
-                <a:tint val="96000"/>
-                <a:shade val="100000"/>
-                <a:hueMod val="270000"/>
-                <a:satMod val="200000"/>
-                <a:lumMod val="128000"/>
-              </a:schemeClr>
-            </a:gs>
-            <a:gs pos="50000">
-              <a:schemeClr val="bg2">
-                <a:shade val="100000"/>
-                <a:hueMod val="100000"/>
-                <a:satMod val="110000"/>
-                <a:lumMod val="130000"/>
-              </a:schemeClr>
-            </a:gs>
-            <a:gs pos="100000">
-              <a:schemeClr val="bg2">
-                <a:shade val="78000"/>
-                <a:hueMod val="44000"/>
-                <a:satMod val="200000"/>
-                <a:lumMod val="69000"/>
-              </a:schemeClr>
-            </a:gs>
-          </a:gsLst>
-          <a:lin ang="2520000" scaled="0"/>
-        </a:gradFill>
-        <a:effectLst/>
-      </p:bgPr>
-    </p:bg>
     <p:spTree>
       <p:nvGrpSpPr>
         <p:cNvPr id="1" name=""/>
@@ -31424,176 +37365,12 @@
           <a:chExt cx="0" cy="0"/>
         </a:xfrm>
       </p:grpSpPr>
-      <p:sp useBgFill="1">
-        <p:nvSpPr>
-          <p:cNvPr id="30" name="Rectangle 17">
-            <a:extLst>
-              <a:ext uri="{FF2B5EF4-FFF2-40B4-BE49-F238E27FC236}">
-                <a16:creationId xmlns:a16="http://schemas.microsoft.com/office/drawing/2014/main" id="{C610D2AE-07EF-436A-9755-AA8DF4B933A4}"/>
-              </a:ext>
-              <a:ext uri="{C183D7F6-B498-43B3-948B-1728B52AA6E4}">
-                <adec:decorative xmlns:adec="http://schemas.microsoft.com/office/drawing/2017/decorative" val="1"/>
-              </a:ext>
-            </a:extLst>
-          </p:cNvPr>
-          <p:cNvSpPr>
-            <a:spLocks noGrp="1" noRot="1" noChangeAspect="1" noMove="1" noResize="1" noEditPoints="1" noAdjustHandles="1" noChangeArrowheads="1" noChangeShapeType="1" noTextEdit="1"/>
-          </p:cNvSpPr>
-          <p:nvPr>
-            <p:extLst>
-              <p:ext uri="{386F3935-93C4-4BCD-93E2-E3B085C9AB24}">
-                <p16:designElem xmlns:p16="http://schemas.microsoft.com/office/powerpoint/2015/main" val="1"/>
-              </p:ext>
-            </p:extLst>
-          </p:nvPr>
-        </p:nvSpPr>
-        <p:spPr>
-          <a:xfrm>
-            <a:off x="0" y="-1"/>
-            <a:ext cx="12188824" cy="6858001"/>
-          </a:xfrm>
-          <a:prstGeom prst="rect">
-            <a:avLst/>
-          </a:prstGeom>
-          <a:ln>
-            <a:noFill/>
-          </a:ln>
-        </p:spPr>
-        <p:style>
-          <a:lnRef idx="2">
-            <a:schemeClr val="accent1">
-              <a:shade val="50000"/>
-            </a:schemeClr>
-          </a:lnRef>
-          <a:fillRef idx="1">
-            <a:schemeClr val="accent1"/>
-          </a:fillRef>
-          <a:effectRef idx="0">
-            <a:schemeClr val="accent1"/>
-          </a:effectRef>
-          <a:fontRef idx="minor">
-            <a:schemeClr val="lt1"/>
-          </a:fontRef>
-        </p:style>
-        <p:txBody>
-          <a:bodyPr rtlCol="0" anchor="ctr"/>
-          <a:lstStyle/>
-          <a:p>
-            <a:pPr algn="ctr"/>
-            <a:endParaRPr lang="en-US"/>
-          </a:p>
-        </p:txBody>
-      </p:sp>
-      <p:pic>
-        <p:nvPicPr>
-          <p:cNvPr id="31" name="Picture 19">
-            <a:extLst>
-              <a:ext uri="{FF2B5EF4-FFF2-40B4-BE49-F238E27FC236}">
-                <a16:creationId xmlns:a16="http://schemas.microsoft.com/office/drawing/2014/main" id="{6CACDD17-9043-46DF-882D-420365B79C18}"/>
-              </a:ext>
-              <a:ext uri="{C183D7F6-B498-43B3-948B-1728B52AA6E4}">
-                <adec:decorative xmlns:adec="http://schemas.microsoft.com/office/drawing/2017/decorative" val="1"/>
-              </a:ext>
-            </a:extLst>
-          </p:cNvPr>
-          <p:cNvPicPr>
-            <a:picLocks noGrp="1" noRot="1" noChangeAspect="1" noMove="1" noResize="1" noEditPoints="1" noAdjustHandles="1" noChangeArrowheads="1" noChangeShapeType="1" noCrop="1"/>
-          </p:cNvPicPr>
-          <p:nvPr>
-            <p:extLst>
-              <p:ext uri="{386F3935-93C4-4BCD-93E2-E3B085C9AB24}">
-                <p16:designElem xmlns:p16="http://schemas.microsoft.com/office/powerpoint/2015/main" val="1"/>
-              </p:ext>
-            </p:extLst>
-          </p:nvPr>
-        </p:nvPicPr>
-        <p:blipFill>
-          <a:blip r:embed="rId2">
-            <a:alphaModFix amt="10000"/>
-            <a:extLst>
-              <a:ext uri="{28A0092B-C50C-407E-A947-70E740481C1C}">
-                <a14:useLocalDpi xmlns:a14="http://schemas.microsoft.com/office/drawing/2010/main" val="0"/>
-              </a:ext>
-            </a:extLst>
-          </a:blip>
-          <a:stretch>
-            <a:fillRect/>
-          </a:stretch>
-        </p:blipFill>
-        <p:spPr>
-          <a:xfrm>
-            <a:off x="0" y="0"/>
-            <a:ext cx="12192000" cy="6858000"/>
-          </a:xfrm>
-          <a:prstGeom prst="rect">
-            <a:avLst/>
-          </a:prstGeom>
-        </p:spPr>
-      </p:pic>
-      <p:sp>
-        <p:nvSpPr>
-          <p:cNvPr id="32" name="Rectangle 21">
-            <a:extLst>
-              <a:ext uri="{FF2B5EF4-FFF2-40B4-BE49-F238E27FC236}">
-                <a16:creationId xmlns:a16="http://schemas.microsoft.com/office/drawing/2014/main" id="{CF2D8AD5-434A-4C0E-9F5B-C1AFD645F364}"/>
-              </a:ext>
-              <a:ext uri="{C183D7F6-B498-43B3-948B-1728B52AA6E4}">
-                <adec:decorative xmlns:adec="http://schemas.microsoft.com/office/drawing/2017/decorative" val="1"/>
-              </a:ext>
-            </a:extLst>
-          </p:cNvPr>
-          <p:cNvSpPr>
-            <a:spLocks noGrp="1" noRot="1" noChangeAspect="1" noMove="1" noResize="1" noEditPoints="1" noAdjustHandles="1" noChangeArrowheads="1" noChangeShapeType="1" noTextEdit="1"/>
-          </p:cNvSpPr>
-          <p:nvPr>
-            <p:extLst>
-              <p:ext uri="{386F3935-93C4-4BCD-93E2-E3B085C9AB24}">
-                <p16:designElem xmlns:p16="http://schemas.microsoft.com/office/powerpoint/2015/main" val="1"/>
-              </p:ext>
-            </p:extLst>
-          </p:nvPr>
-        </p:nvSpPr>
-        <p:spPr bwMode="grayWhite">
-          <a:xfrm>
-            <a:off x="2" y="609600"/>
-            <a:ext cx="4959094" cy="1368198"/>
-          </a:xfrm>
-          <a:prstGeom prst="rect">
-            <a:avLst/>
-          </a:prstGeom>
-          <a:solidFill>
-            <a:schemeClr val="bg1">
-              <a:lumMod val="85000"/>
-              <a:lumOff val="15000"/>
-            </a:schemeClr>
-          </a:solidFill>
-          <a:ln>
-            <a:noFill/>
-          </a:ln>
-        </p:spPr>
-        <p:style>
-          <a:lnRef idx="2">
-            <a:schemeClr val="accent1">
-              <a:shade val="50000"/>
-            </a:schemeClr>
-          </a:lnRef>
-          <a:fillRef idx="1">
-            <a:schemeClr val="accent1"/>
-          </a:fillRef>
-          <a:effectRef idx="0">
-            <a:schemeClr val="accent1"/>
-          </a:effectRef>
-          <a:fontRef idx="minor">
-            <a:schemeClr val="lt1"/>
-          </a:fontRef>
-        </p:style>
-      </p:sp>
       <p:sp>
         <p:nvSpPr>
           <p:cNvPr id="2" name="Title 1">
             <a:extLst>
               <a:ext uri="{FF2B5EF4-FFF2-40B4-BE49-F238E27FC236}">
-                <a16:creationId xmlns:a16="http://schemas.microsoft.com/office/drawing/2014/main" id="{E1E88E15-D42B-40E3-AE85-7AD6D6FF6253}"/>
+                <a16:creationId xmlns:a16="http://schemas.microsoft.com/office/drawing/2014/main" id="{095A4D97-7174-4858-835E-069E8E2CA43E}"/>
               </a:ext>
             </a:extLst>
           </p:cNvPr>
@@ -31604,126 +37381,45 @@
             <p:ph type="title"/>
           </p:nvPr>
         </p:nvSpPr>
-        <p:spPr>
-          <a:xfrm>
-            <a:off x="680321" y="753228"/>
-            <a:ext cx="4136123" cy="1080938"/>
-          </a:xfrm>
-        </p:spPr>
+        <p:spPr/>
         <p:txBody>
-          <a:bodyPr>
-            <a:normAutofit/>
-          </a:bodyPr>
+          <a:bodyPr/>
           <a:lstStyle/>
           <a:p>
             <a:r>
-              <a:rPr lang="en-IN" sz="2400" dirty="0"/>
+              <a:rPr lang="en-IN" sz="3600" dirty="0"/>
               <a:t>Comparison of Challenges with Other Frameworks</a:t>
             </a:r>
+            <a:endParaRPr lang="en-IN" dirty="0"/>
           </a:p>
         </p:txBody>
       </p:sp>
       <p:pic>
         <p:nvPicPr>
-          <p:cNvPr id="33" name="Picture 23">
+          <p:cNvPr id="4" name="Content Placeholder 10">
             <a:extLst>
               <a:ext uri="{FF2B5EF4-FFF2-40B4-BE49-F238E27FC236}">
-                <a16:creationId xmlns:a16="http://schemas.microsoft.com/office/drawing/2014/main" id="{E92B246D-47CC-40F8-8DE7-B65D409E945E}"/>
-              </a:ext>
-              <a:ext uri="{C183D7F6-B498-43B3-948B-1728B52AA6E4}">
-                <adec:decorative xmlns:adec="http://schemas.microsoft.com/office/drawing/2017/decorative" val="1"/>
+                <a16:creationId xmlns:a16="http://schemas.microsoft.com/office/drawing/2014/main" id="{99527514-FE84-400C-B584-A22BF9D70B78}"/>
               </a:ext>
             </a:extLst>
           </p:cNvPr>
           <p:cNvPicPr>
-            <a:picLocks noGrp="1" noRot="1" noChangeAspect="1" noMove="1" noResize="1" noEditPoints="1" noAdjustHandles="1" noChangeArrowheads="1" noChangeShapeType="1" noCrop="1"/>
+            <a:picLocks noGrp="1" noChangeAspect="1"/>
           </p:cNvPicPr>
           <p:nvPr>
-            <p:extLst>
-              <p:ext uri="{386F3935-93C4-4BCD-93E2-E3B085C9AB24}">
-                <p16:designElem xmlns:p16="http://schemas.microsoft.com/office/powerpoint/2015/main" val="1"/>
-              </p:ext>
-            </p:extLst>
+            <p:ph idx="1"/>
           </p:nvPr>
         </p:nvPicPr>
         <p:blipFill>
-          <a:blip r:embed="rId3">
-            <a:extLst>
-              <a:ext uri="{28A0092B-C50C-407E-A947-70E740481C1C}">
-                <a14:useLocalDpi xmlns:a14="http://schemas.microsoft.com/office/drawing/2010/main" val="0"/>
-              </a:ext>
-            </a:extLst>
-          </a:blip>
+          <a:blip r:embed="rId3"/>
           <a:stretch>
             <a:fillRect/>
           </a:stretch>
         </p:blipFill>
         <p:spPr>
           <a:xfrm>
-            <a:off x="2" y="1970241"/>
-            <a:ext cx="4956048" cy="199787"/>
-          </a:xfrm>
-          <a:prstGeom prst="rect">
-            <a:avLst/>
-          </a:prstGeom>
-        </p:spPr>
-      </p:pic>
-      <p:sp>
-        <p:nvSpPr>
-          <p:cNvPr id="34" name="Content Placeholder 14">
-            <a:extLst>
-              <a:ext uri="{FF2B5EF4-FFF2-40B4-BE49-F238E27FC236}">
-                <a16:creationId xmlns:a16="http://schemas.microsoft.com/office/drawing/2014/main" id="{377B5D48-0B21-43F7-A2B0-FB0FD86C7156}"/>
-              </a:ext>
-            </a:extLst>
-          </p:cNvPr>
-          <p:cNvSpPr>
-            <a:spLocks noGrp="1"/>
-          </p:cNvSpPr>
-          <p:nvPr>
-            <p:ph idx="1"/>
-          </p:nvPr>
-        </p:nvSpPr>
-        <p:spPr>
-          <a:xfrm>
-            <a:off x="680321" y="2336873"/>
-            <a:ext cx="4136123" cy="3599316"/>
-          </a:xfrm>
-        </p:spPr>
-        <p:txBody>
-          <a:bodyPr>
-            <a:normAutofit/>
-          </a:bodyPr>
-          <a:lstStyle/>
-          <a:p>
-            <a:endParaRPr lang="en-US" sz="1800" dirty="0"/>
-          </a:p>
-        </p:txBody>
-      </p:sp>
-      <p:pic>
-        <p:nvPicPr>
-          <p:cNvPr id="11" name="Content Placeholder 10">
-            <a:extLst>
-              <a:ext uri="{FF2B5EF4-FFF2-40B4-BE49-F238E27FC236}">
-                <a16:creationId xmlns:a16="http://schemas.microsoft.com/office/drawing/2014/main" id="{EB93C1FD-420A-45B0-A164-E4BA49C102A7}"/>
-              </a:ext>
-            </a:extLst>
-          </p:cNvPr>
-          <p:cNvPicPr>
-            <a:picLocks noChangeAspect="1"/>
-          </p:cNvPicPr>
-          <p:nvPr/>
-        </p:nvPicPr>
-        <p:blipFill>
-          <a:blip r:embed="rId4"/>
-          <a:stretch>
-            <a:fillRect/>
-          </a:stretch>
-        </p:blipFill>
-        <p:spPr>
-          <a:xfrm>
-            <a:off x="4956050" y="1531048"/>
-            <a:ext cx="7202064" cy="4717351"/>
+            <a:off x="1545712" y="2239264"/>
+            <a:ext cx="7883078" cy="4437252"/>
           </a:xfrm>
           <a:prstGeom prst="rect">
             <a:avLst/>
@@ -31743,7 +37439,7 @@
     </p:spTree>
     <p:extLst>
       <p:ext uri="{BB962C8B-B14F-4D97-AF65-F5344CB8AC3E}">
-        <p14:creationId xmlns:p14="http://schemas.microsoft.com/office/powerpoint/2010/main" val="2173195929"/>
+        <p14:creationId xmlns:p14="http://schemas.microsoft.com/office/powerpoint/2010/main" val="1132377203"/>
       </p:ext>
     </p:extLst>
   </p:cSld>
@@ -31753,7 +37449,96 @@
 </p:sld>
 </file>
 
-<file path=ppt/slides/slide13.xml><?xml version="1.0" encoding="utf-8"?>
+<file path=ppt/slides/slide14.xml><?xml version="1.0" encoding="utf-8"?>
+<p:sld xmlns:a="http://schemas.openxmlformats.org/drawingml/2006/main" xmlns:r="http://schemas.openxmlformats.org/officeDocument/2006/relationships" xmlns:p="http://schemas.openxmlformats.org/presentationml/2006/main">
+  <p:cSld>
+    <p:spTree>
+      <p:nvGrpSpPr>
+        <p:cNvPr id="1" name=""/>
+        <p:cNvGrpSpPr/>
+        <p:nvPr/>
+      </p:nvGrpSpPr>
+      <p:grpSpPr>
+        <a:xfrm>
+          <a:off x="0" y="0"/>
+          <a:ext cx="0" cy="0"/>
+          <a:chOff x="0" y="0"/>
+          <a:chExt cx="0" cy="0"/>
+        </a:xfrm>
+      </p:grpSpPr>
+      <p:sp>
+        <p:nvSpPr>
+          <p:cNvPr id="2" name="Title 1">
+            <a:extLst>
+              <a:ext uri="{FF2B5EF4-FFF2-40B4-BE49-F238E27FC236}">
+                <a16:creationId xmlns:a16="http://schemas.microsoft.com/office/drawing/2014/main" id="{C76129D9-CC02-4D12-8882-15A29F698E82}"/>
+              </a:ext>
+            </a:extLst>
+          </p:cNvPr>
+          <p:cNvSpPr>
+            <a:spLocks noGrp="1"/>
+          </p:cNvSpPr>
+          <p:nvPr>
+            <p:ph type="title"/>
+          </p:nvPr>
+        </p:nvSpPr>
+        <p:spPr/>
+        <p:txBody>
+          <a:bodyPr/>
+          <a:lstStyle/>
+          <a:p>
+            <a:r>
+              <a:rPr lang="en-IN" dirty="0"/>
+              <a:t>References</a:t>
+            </a:r>
+          </a:p>
+        </p:txBody>
+      </p:sp>
+      <p:graphicFrame>
+        <p:nvGraphicFramePr>
+          <p:cNvPr id="4" name="Content Placeholder 3">
+            <a:extLst>
+              <a:ext uri="{FF2B5EF4-FFF2-40B4-BE49-F238E27FC236}">
+                <a16:creationId xmlns:a16="http://schemas.microsoft.com/office/drawing/2014/main" id="{9EC0C4D7-5C13-400F-8DBE-CA212AE24A6E}"/>
+              </a:ext>
+            </a:extLst>
+          </p:cNvPr>
+          <p:cNvGraphicFramePr>
+            <a:graphicFrameLocks noGrp="1"/>
+          </p:cNvGraphicFramePr>
+          <p:nvPr>
+            <p:ph idx="1"/>
+            <p:extLst>
+              <p:ext uri="{D42A27DB-BD31-4B8C-83A1-F6EECF244321}">
+                <p14:modId xmlns:p14="http://schemas.microsoft.com/office/powerpoint/2010/main" val="1888025612"/>
+              </p:ext>
+            </p:extLst>
+          </p:nvPr>
+        </p:nvGraphicFramePr>
+        <p:xfrm>
+          <a:off x="680321" y="2336873"/>
+          <a:ext cx="9613861" cy="3599316"/>
+        </p:xfrm>
+        <a:graphic>
+          <a:graphicData uri="http://schemas.openxmlformats.org/drawingml/2006/diagram">
+            <dgm:relIds xmlns:dgm="http://schemas.openxmlformats.org/drawingml/2006/diagram" xmlns:r="http://schemas.openxmlformats.org/officeDocument/2006/relationships" r:dm="rId3" r:lo="rId4" r:qs="rId5" r:cs="rId6"/>
+          </a:graphicData>
+        </a:graphic>
+      </p:graphicFrame>
+    </p:spTree>
+    <p:extLst>
+      <p:ext uri="{BB962C8B-B14F-4D97-AF65-F5344CB8AC3E}">
+        <p14:creationId xmlns:p14="http://schemas.microsoft.com/office/powerpoint/2010/main" val="2407454841"/>
+      </p:ext>
+    </p:extLst>
+  </p:cSld>
+  <p:clrMapOvr>
+    <a:masterClrMapping/>
+  </p:clrMapOvr>
+</p:sld>
+</file>
+
+<file path=ppt/slides/slide15.xml><?xml version="1.0" encoding="utf-8"?>
 <p:sld xmlns:a="http://schemas.openxmlformats.org/drawingml/2006/main" xmlns:r="http://schemas.openxmlformats.org/officeDocument/2006/relationships" xmlns:p="http://schemas.openxmlformats.org/presentationml/2006/main">
   <p:cSld>
     <p:spTree>
@@ -34833,10 +40618,10 @@
       </p:graphicFrame>
       <p:pic>
         <p:nvPicPr>
-          <p:cNvPr id="88" name="Picture 87">
+          <p:cNvPr id="3" name="Picture 2">
             <a:extLst>
               <a:ext uri="{FF2B5EF4-FFF2-40B4-BE49-F238E27FC236}">
-                <a16:creationId xmlns:a16="http://schemas.microsoft.com/office/drawing/2014/main" id="{F1CDD6EF-B480-4212-B5DC-19EFF765E5D6}"/>
+                <a16:creationId xmlns:a16="http://schemas.microsoft.com/office/drawing/2014/main" id="{D95F4833-7639-4149-AC94-6862C8BA6E3C}"/>
               </a:ext>
             </a:extLst>
           </p:cNvPr>
@@ -34853,22 +40638,12 @@
         </p:blipFill>
         <p:spPr>
           <a:xfrm>
-            <a:off x="5963552" y="640080"/>
-            <a:ext cx="4894554" cy="5577840"/>
+            <a:off x="5636369" y="380668"/>
+            <a:ext cx="5385199" cy="6138725"/>
           </a:xfrm>
           <a:prstGeom prst="rect">
             <a:avLst/>
           </a:prstGeom>
-          <a:ln>
-            <a:noFill/>
-          </a:ln>
-          <a:effectLst>
-            <a:outerShdw blurRad="76200" dist="63500" dir="5040000" algn="tl" rotWithShape="0">
-              <a:srgbClr val="000000">
-                <a:alpha val="41000"/>
-              </a:srgbClr>
-            </a:outerShdw>
-          </a:effectLst>
         </p:spPr>
       </p:pic>
     </p:spTree>

--- a/GANs_Presentation.pptx
+++ b/GANs_Presentation.pptx
@@ -5,7 +5,7 @@
     <p:sldMasterId id="2147483660" r:id="rId1"/>
   </p:sldMasterIdLst>
   <p:notesMasterIdLst>
-    <p:notesMasterId r:id="rId17"/>
+    <p:notesMasterId r:id="rId20"/>
   </p:notesMasterIdLst>
   <p:sldIdLst>
     <p:sldId id="257" r:id="rId2"/>
@@ -16,13 +16,16 @@
     <p:sldId id="261" r:id="rId7"/>
     <p:sldId id="267" r:id="rId8"/>
     <p:sldId id="262" r:id="rId9"/>
-    <p:sldId id="271" r:id="rId10"/>
-    <p:sldId id="274" r:id="rId11"/>
-    <p:sldId id="263" r:id="rId12"/>
-    <p:sldId id="270" r:id="rId13"/>
-    <p:sldId id="272" r:id="rId14"/>
-    <p:sldId id="275" r:id="rId15"/>
-    <p:sldId id="266" r:id="rId16"/>
+    <p:sldId id="276" r:id="rId10"/>
+    <p:sldId id="277" r:id="rId11"/>
+    <p:sldId id="278" r:id="rId12"/>
+    <p:sldId id="271" r:id="rId13"/>
+    <p:sldId id="274" r:id="rId14"/>
+    <p:sldId id="263" r:id="rId15"/>
+    <p:sldId id="270" r:id="rId16"/>
+    <p:sldId id="272" r:id="rId17"/>
+    <p:sldId id="275" r:id="rId18"/>
+    <p:sldId id="266" r:id="rId19"/>
   </p:sldIdLst>
   <p:sldSz cx="12192000" cy="6858000"/>
   <p:notesSz cx="6858000" cy="9144000"/>
@@ -138,6 +141,9 @@
             <p14:sldId id="261"/>
             <p14:sldId id="267"/>
             <p14:sldId id="262"/>
+            <p14:sldId id="276"/>
+            <p14:sldId id="277"/>
+            <p14:sldId id="278"/>
           </p14:sldIdLst>
         </p14:section>
         <p14:section name="Conclusion" id="{13D64738-9391-4AE5-B6DE-4045F8B8B114}">
@@ -908,6 +914,757 @@
 </file>
 
 <file path=ppt/diagrams/colors10.xml><?xml version="1.0" encoding="utf-8"?>
+<dgm:colorsDef xmlns:dgm="http://schemas.openxmlformats.org/drawingml/2006/diagram" xmlns:a="http://schemas.openxmlformats.org/drawingml/2006/main" uniqueId="urn:microsoft.com/office/officeart/2005/8/colors/accent0_3">
+  <dgm:title val=""/>
+  <dgm:desc val=""/>
+  <dgm:catLst>
+    <dgm:cat type="mainScheme" pri="10300"/>
+  </dgm:catLst>
+  <dgm:styleLbl name="node0">
+    <dgm:fillClrLst meth="repeat">
+      <a:schemeClr val="dk2"/>
+    </dgm:fillClrLst>
+    <dgm:linClrLst meth="repeat">
+      <a:schemeClr val="lt2"/>
+    </dgm:linClrLst>
+    <dgm:effectClrLst/>
+    <dgm:txLinClrLst/>
+    <dgm:txFillClrLst/>
+    <dgm:txEffectClrLst/>
+  </dgm:styleLbl>
+  <dgm:styleLbl name="alignNode1">
+    <dgm:fillClrLst meth="repeat">
+      <a:schemeClr val="dk2"/>
+    </dgm:fillClrLst>
+    <dgm:linClrLst meth="repeat">
+      <a:schemeClr val="dk2"/>
+    </dgm:linClrLst>
+    <dgm:effectClrLst/>
+    <dgm:txLinClrLst/>
+    <dgm:txFillClrLst/>
+    <dgm:txEffectClrLst/>
+  </dgm:styleLbl>
+  <dgm:styleLbl name="node1">
+    <dgm:fillClrLst meth="repeat">
+      <a:schemeClr val="dk2"/>
+    </dgm:fillClrLst>
+    <dgm:linClrLst meth="repeat">
+      <a:schemeClr val="lt2"/>
+    </dgm:linClrLst>
+    <dgm:effectClrLst/>
+    <dgm:txLinClrLst/>
+    <dgm:txFillClrLst/>
+    <dgm:txEffectClrLst/>
+  </dgm:styleLbl>
+  <dgm:styleLbl name="lnNode1">
+    <dgm:fillClrLst meth="repeat">
+      <a:schemeClr val="dk2"/>
+    </dgm:fillClrLst>
+    <dgm:linClrLst meth="repeat">
+      <a:schemeClr val="lt2"/>
+    </dgm:linClrLst>
+    <dgm:effectClrLst/>
+    <dgm:txLinClrLst/>
+    <dgm:txFillClrLst/>
+    <dgm:txEffectClrLst/>
+  </dgm:styleLbl>
+  <dgm:styleLbl name="vennNode1">
+    <dgm:fillClrLst meth="repeat">
+      <a:schemeClr val="dk2">
+        <a:alpha val="50000"/>
+      </a:schemeClr>
+    </dgm:fillClrLst>
+    <dgm:linClrLst meth="repeat">
+      <a:schemeClr val="lt2"/>
+    </dgm:linClrLst>
+    <dgm:effectClrLst/>
+    <dgm:txLinClrLst/>
+    <dgm:txFillClrLst/>
+    <dgm:txEffectClrLst/>
+  </dgm:styleLbl>
+  <dgm:styleLbl name="node2">
+    <dgm:fillClrLst meth="repeat">
+      <a:schemeClr val="dk2"/>
+    </dgm:fillClrLst>
+    <dgm:linClrLst meth="repeat">
+      <a:schemeClr val="lt2"/>
+    </dgm:linClrLst>
+    <dgm:effectClrLst/>
+    <dgm:txLinClrLst/>
+    <dgm:txFillClrLst/>
+    <dgm:txEffectClrLst/>
+  </dgm:styleLbl>
+  <dgm:styleLbl name="node3">
+    <dgm:fillClrLst meth="repeat">
+      <a:schemeClr val="dk2"/>
+    </dgm:fillClrLst>
+    <dgm:linClrLst meth="repeat">
+      <a:schemeClr val="lt2"/>
+    </dgm:linClrLst>
+    <dgm:effectClrLst/>
+    <dgm:txLinClrLst/>
+    <dgm:txFillClrLst/>
+    <dgm:txEffectClrLst/>
+  </dgm:styleLbl>
+  <dgm:styleLbl name="node4">
+    <dgm:fillClrLst meth="repeat">
+      <a:schemeClr val="dk2"/>
+    </dgm:fillClrLst>
+    <dgm:linClrLst meth="repeat">
+      <a:schemeClr val="lt2"/>
+    </dgm:linClrLst>
+    <dgm:effectClrLst/>
+    <dgm:txLinClrLst/>
+    <dgm:txFillClrLst/>
+    <dgm:txEffectClrLst/>
+  </dgm:styleLbl>
+  <dgm:styleLbl name="fgImgPlace1">
+    <dgm:fillClrLst meth="repeat">
+      <a:schemeClr val="dk2">
+        <a:tint val="50000"/>
+      </a:schemeClr>
+    </dgm:fillClrLst>
+    <dgm:linClrLst meth="repeat">
+      <a:schemeClr val="lt2"/>
+    </dgm:linClrLst>
+    <dgm:effectClrLst/>
+    <dgm:txLinClrLst/>
+    <dgm:txFillClrLst meth="repeat">
+      <a:schemeClr val="lt2"/>
+    </dgm:txFillClrLst>
+    <dgm:txEffectClrLst/>
+  </dgm:styleLbl>
+  <dgm:styleLbl name="alignImgPlace1">
+    <dgm:fillClrLst meth="repeat">
+      <a:schemeClr val="dk2">
+        <a:tint val="50000"/>
+      </a:schemeClr>
+    </dgm:fillClrLst>
+    <dgm:linClrLst meth="repeat">
+      <a:schemeClr val="dk2">
+        <a:shade val="80000"/>
+      </a:schemeClr>
+    </dgm:linClrLst>
+    <dgm:effectClrLst/>
+    <dgm:txLinClrLst/>
+    <dgm:txFillClrLst meth="repeat">
+      <a:schemeClr val="lt2"/>
+    </dgm:txFillClrLst>
+    <dgm:txEffectClrLst/>
+  </dgm:styleLbl>
+  <dgm:styleLbl name="bgImgPlace1">
+    <dgm:fillClrLst meth="repeat">
+      <a:schemeClr val="dk2">
+        <a:tint val="50000"/>
+      </a:schemeClr>
+    </dgm:fillClrLst>
+    <dgm:linClrLst meth="repeat">
+      <a:schemeClr val="dk2">
+        <a:shade val="80000"/>
+      </a:schemeClr>
+    </dgm:linClrLst>
+    <dgm:effectClrLst/>
+    <dgm:txLinClrLst/>
+    <dgm:txFillClrLst meth="repeat">
+      <a:schemeClr val="lt2"/>
+    </dgm:txFillClrLst>
+    <dgm:txEffectClrLst/>
+  </dgm:styleLbl>
+  <dgm:styleLbl name="sibTrans2D1">
+    <dgm:fillClrLst meth="repeat">
+      <a:schemeClr val="dk2">
+        <a:tint val="60000"/>
+      </a:schemeClr>
+    </dgm:fillClrLst>
+    <dgm:linClrLst meth="repeat">
+      <a:schemeClr val="dk2">
+        <a:tint val="60000"/>
+      </a:schemeClr>
+    </dgm:linClrLst>
+    <dgm:effectClrLst/>
+    <dgm:txLinClrLst/>
+    <dgm:txFillClrLst/>
+    <dgm:txEffectClrLst/>
+  </dgm:styleLbl>
+  <dgm:styleLbl name="fgSibTrans2D1">
+    <dgm:fillClrLst meth="repeat">
+      <a:schemeClr val="dk2">
+        <a:tint val="60000"/>
+      </a:schemeClr>
+    </dgm:fillClrLst>
+    <dgm:linClrLst meth="repeat">
+      <a:schemeClr val="dk2">
+        <a:tint val="60000"/>
+      </a:schemeClr>
+    </dgm:linClrLst>
+    <dgm:effectClrLst/>
+    <dgm:txLinClrLst/>
+    <dgm:txFillClrLst/>
+    <dgm:txEffectClrLst/>
+  </dgm:styleLbl>
+  <dgm:styleLbl name="bgSibTrans2D1">
+    <dgm:fillClrLst meth="repeat">
+      <a:schemeClr val="dk2">
+        <a:tint val="60000"/>
+      </a:schemeClr>
+    </dgm:fillClrLst>
+    <dgm:linClrLst meth="repeat">
+      <a:schemeClr val="dk2">
+        <a:tint val="60000"/>
+      </a:schemeClr>
+    </dgm:linClrLst>
+    <dgm:effectClrLst/>
+    <dgm:txLinClrLst/>
+    <dgm:txFillClrLst/>
+    <dgm:txEffectClrLst/>
+  </dgm:styleLbl>
+  <dgm:styleLbl name="sibTrans1D1">
+    <dgm:fillClrLst meth="repeat">
+      <a:schemeClr val="dk2"/>
+    </dgm:fillClrLst>
+    <dgm:linClrLst meth="repeat">
+      <a:schemeClr val="dk2"/>
+    </dgm:linClrLst>
+    <dgm:effectClrLst/>
+    <dgm:txLinClrLst/>
+    <dgm:txFillClrLst meth="repeat">
+      <a:schemeClr val="lt2"/>
+    </dgm:txFillClrLst>
+    <dgm:txEffectClrLst/>
+  </dgm:styleLbl>
+  <dgm:styleLbl name="callout">
+    <dgm:fillClrLst meth="repeat">
+      <a:schemeClr val="dk2"/>
+    </dgm:fillClrLst>
+    <dgm:linClrLst meth="repeat">
+      <a:schemeClr val="dk2">
+        <a:tint val="50000"/>
+      </a:schemeClr>
+    </dgm:linClrLst>
+    <dgm:effectClrLst/>
+    <dgm:txLinClrLst/>
+    <dgm:txFillClrLst meth="repeat">
+      <a:schemeClr val="lt2"/>
+    </dgm:txFillClrLst>
+    <dgm:txEffectClrLst/>
+  </dgm:styleLbl>
+  <dgm:styleLbl name="asst0">
+    <dgm:fillClrLst meth="repeat">
+      <a:schemeClr val="dk2"/>
+    </dgm:fillClrLst>
+    <dgm:linClrLst meth="repeat">
+      <a:schemeClr val="lt2"/>
+    </dgm:linClrLst>
+    <dgm:effectClrLst/>
+    <dgm:txLinClrLst/>
+    <dgm:txFillClrLst/>
+    <dgm:txEffectClrLst/>
+  </dgm:styleLbl>
+  <dgm:styleLbl name="asst1">
+    <dgm:fillClrLst meth="repeat">
+      <a:schemeClr val="dk2"/>
+    </dgm:fillClrLst>
+    <dgm:linClrLst meth="repeat">
+      <a:schemeClr val="lt2"/>
+    </dgm:linClrLst>
+    <dgm:effectClrLst/>
+    <dgm:txLinClrLst/>
+    <dgm:txFillClrLst/>
+    <dgm:txEffectClrLst/>
+  </dgm:styleLbl>
+  <dgm:styleLbl name="asst2">
+    <dgm:fillClrLst meth="repeat">
+      <a:schemeClr val="dk2"/>
+    </dgm:fillClrLst>
+    <dgm:linClrLst meth="repeat">
+      <a:schemeClr val="lt2"/>
+    </dgm:linClrLst>
+    <dgm:effectClrLst/>
+    <dgm:txLinClrLst/>
+    <dgm:txFillClrLst/>
+    <dgm:txEffectClrLst/>
+  </dgm:styleLbl>
+  <dgm:styleLbl name="asst3">
+    <dgm:fillClrLst meth="repeat">
+      <a:schemeClr val="dk2"/>
+    </dgm:fillClrLst>
+    <dgm:linClrLst meth="repeat">
+      <a:schemeClr val="lt2"/>
+    </dgm:linClrLst>
+    <dgm:effectClrLst/>
+    <dgm:txLinClrLst/>
+    <dgm:txFillClrLst/>
+    <dgm:txEffectClrLst/>
+  </dgm:styleLbl>
+  <dgm:styleLbl name="asst4">
+    <dgm:fillClrLst meth="repeat">
+      <a:schemeClr val="dk2"/>
+    </dgm:fillClrLst>
+    <dgm:linClrLst meth="repeat">
+      <a:schemeClr val="lt2"/>
+    </dgm:linClrLst>
+    <dgm:effectClrLst/>
+    <dgm:txLinClrLst/>
+    <dgm:txFillClrLst/>
+    <dgm:txEffectClrLst/>
+  </dgm:styleLbl>
+  <dgm:styleLbl name="parChTrans2D1">
+    <dgm:fillClrLst meth="repeat">
+      <a:schemeClr val="dk2">
+        <a:tint val="60000"/>
+      </a:schemeClr>
+    </dgm:fillClrLst>
+    <dgm:linClrLst meth="repeat">
+      <a:schemeClr val="dk2">
+        <a:tint val="60000"/>
+      </a:schemeClr>
+    </dgm:linClrLst>
+    <dgm:effectClrLst/>
+    <dgm:txLinClrLst/>
+    <dgm:txFillClrLst meth="repeat">
+      <a:schemeClr val="lt2"/>
+    </dgm:txFillClrLst>
+    <dgm:txEffectClrLst/>
+  </dgm:styleLbl>
+  <dgm:styleLbl name="parChTrans2D2">
+    <dgm:fillClrLst meth="repeat">
+      <a:schemeClr val="dk2"/>
+    </dgm:fillClrLst>
+    <dgm:linClrLst meth="repeat">
+      <a:schemeClr val="dk2"/>
+    </dgm:linClrLst>
+    <dgm:effectClrLst/>
+    <dgm:txLinClrLst/>
+    <dgm:txFillClrLst meth="repeat">
+      <a:schemeClr val="lt2"/>
+    </dgm:txFillClrLst>
+    <dgm:txEffectClrLst/>
+  </dgm:styleLbl>
+  <dgm:styleLbl name="parChTrans2D3">
+    <dgm:fillClrLst meth="repeat">
+      <a:schemeClr val="dk2"/>
+    </dgm:fillClrLst>
+    <dgm:linClrLst meth="repeat">
+      <a:schemeClr val="dk2"/>
+    </dgm:linClrLst>
+    <dgm:effectClrLst/>
+    <dgm:txLinClrLst/>
+    <dgm:txFillClrLst meth="repeat">
+      <a:schemeClr val="lt2"/>
+    </dgm:txFillClrLst>
+    <dgm:txEffectClrLst/>
+  </dgm:styleLbl>
+  <dgm:styleLbl name="parChTrans2D4">
+    <dgm:fillClrLst meth="repeat">
+      <a:schemeClr val="dk2"/>
+    </dgm:fillClrLst>
+    <dgm:linClrLst meth="repeat">
+      <a:schemeClr val="dk2"/>
+    </dgm:linClrLst>
+    <dgm:effectClrLst/>
+    <dgm:txLinClrLst/>
+    <dgm:txFillClrLst meth="repeat">
+      <a:schemeClr val="lt2"/>
+    </dgm:txFillClrLst>
+    <dgm:txEffectClrLst/>
+  </dgm:styleLbl>
+  <dgm:styleLbl name="parChTrans1D1">
+    <dgm:fillClrLst meth="repeat">
+      <a:schemeClr val="dk2"/>
+    </dgm:fillClrLst>
+    <dgm:linClrLst meth="repeat">
+      <a:schemeClr val="dk2">
+        <a:shade val="60000"/>
+      </a:schemeClr>
+    </dgm:linClrLst>
+    <dgm:effectClrLst/>
+    <dgm:txLinClrLst/>
+    <dgm:txFillClrLst meth="repeat">
+      <a:schemeClr val="tx1"/>
+    </dgm:txFillClrLst>
+    <dgm:txEffectClrLst/>
+  </dgm:styleLbl>
+  <dgm:styleLbl name="parChTrans1D2">
+    <dgm:fillClrLst meth="repeat">
+      <a:schemeClr val="dk2"/>
+    </dgm:fillClrLst>
+    <dgm:linClrLst meth="repeat">
+      <a:schemeClr val="dk2">
+        <a:shade val="60000"/>
+      </a:schemeClr>
+    </dgm:linClrLst>
+    <dgm:effectClrLst/>
+    <dgm:txLinClrLst/>
+    <dgm:txFillClrLst meth="repeat">
+      <a:schemeClr val="tx1"/>
+    </dgm:txFillClrLst>
+    <dgm:txEffectClrLst/>
+  </dgm:styleLbl>
+  <dgm:styleLbl name="parChTrans1D3">
+    <dgm:fillClrLst meth="repeat">
+      <a:schemeClr val="dk2"/>
+    </dgm:fillClrLst>
+    <dgm:linClrLst meth="repeat">
+      <a:schemeClr val="dk2">
+        <a:shade val="80000"/>
+      </a:schemeClr>
+    </dgm:linClrLst>
+    <dgm:effectClrLst/>
+    <dgm:txLinClrLst/>
+    <dgm:txFillClrLst meth="repeat">
+      <a:schemeClr val="tx1"/>
+    </dgm:txFillClrLst>
+    <dgm:txEffectClrLst/>
+  </dgm:styleLbl>
+  <dgm:styleLbl name="parChTrans1D4">
+    <dgm:fillClrLst meth="repeat">
+      <a:schemeClr val="dk2"/>
+    </dgm:fillClrLst>
+    <dgm:linClrLst meth="repeat">
+      <a:schemeClr val="dk2">
+        <a:shade val="80000"/>
+      </a:schemeClr>
+    </dgm:linClrLst>
+    <dgm:effectClrLst/>
+    <dgm:txLinClrLst/>
+    <dgm:txFillClrLst meth="repeat">
+      <a:schemeClr val="tx1"/>
+    </dgm:txFillClrLst>
+    <dgm:txEffectClrLst/>
+  </dgm:styleLbl>
+  <dgm:styleLbl name="fgAcc1">
+    <dgm:fillClrLst meth="repeat">
+      <a:schemeClr val="lt2">
+        <a:alpha val="90000"/>
+      </a:schemeClr>
+    </dgm:fillClrLst>
+    <dgm:linClrLst meth="repeat">
+      <a:schemeClr val="dk2"/>
+    </dgm:linClrLst>
+    <dgm:effectClrLst/>
+    <dgm:txLinClrLst/>
+    <dgm:txFillClrLst meth="repeat">
+      <a:schemeClr val="dk1"/>
+    </dgm:txFillClrLst>
+    <dgm:txEffectClrLst/>
+  </dgm:styleLbl>
+  <dgm:styleLbl name="conFgAcc1">
+    <dgm:fillClrLst meth="repeat">
+      <a:schemeClr val="lt2">
+        <a:alpha val="90000"/>
+      </a:schemeClr>
+    </dgm:fillClrLst>
+    <dgm:linClrLst meth="repeat">
+      <a:schemeClr val="dk2"/>
+    </dgm:linClrLst>
+    <dgm:effectClrLst/>
+    <dgm:txLinClrLst/>
+    <dgm:txFillClrLst meth="repeat">
+      <a:schemeClr val="dk1"/>
+    </dgm:txFillClrLst>
+    <dgm:txEffectClrLst/>
+  </dgm:styleLbl>
+  <dgm:styleLbl name="alignAcc1">
+    <dgm:fillClrLst meth="repeat">
+      <a:schemeClr val="lt2">
+        <a:alpha val="90000"/>
+      </a:schemeClr>
+    </dgm:fillClrLst>
+    <dgm:linClrLst meth="repeat">
+      <a:schemeClr val="dk2"/>
+    </dgm:linClrLst>
+    <dgm:effectClrLst/>
+    <dgm:txLinClrLst/>
+    <dgm:txFillClrLst meth="repeat">
+      <a:schemeClr val="dk1"/>
+    </dgm:txFillClrLst>
+    <dgm:txEffectClrLst/>
+  </dgm:styleLbl>
+  <dgm:styleLbl name="trAlignAcc1">
+    <dgm:fillClrLst meth="repeat">
+      <a:schemeClr val="lt2">
+        <a:alpha val="40000"/>
+      </a:schemeClr>
+    </dgm:fillClrLst>
+    <dgm:linClrLst meth="repeat">
+      <a:schemeClr val="dk2"/>
+    </dgm:linClrLst>
+    <dgm:effectClrLst/>
+    <dgm:txLinClrLst/>
+    <dgm:txFillClrLst meth="repeat">
+      <a:schemeClr val="dk1"/>
+    </dgm:txFillClrLst>
+    <dgm:txEffectClrLst/>
+  </dgm:styleLbl>
+  <dgm:styleLbl name="bgAcc1">
+    <dgm:fillClrLst meth="repeat">
+      <a:schemeClr val="lt2">
+        <a:alpha val="90000"/>
+      </a:schemeClr>
+    </dgm:fillClrLst>
+    <dgm:linClrLst meth="repeat">
+      <a:schemeClr val="dk2"/>
+    </dgm:linClrLst>
+    <dgm:effectClrLst/>
+    <dgm:txLinClrLst/>
+    <dgm:txFillClrLst meth="repeat">
+      <a:schemeClr val="dk1"/>
+    </dgm:txFillClrLst>
+    <dgm:txEffectClrLst/>
+  </dgm:styleLbl>
+  <dgm:styleLbl name="solidFgAcc1">
+    <dgm:fillClrLst meth="repeat">
+      <a:schemeClr val="lt2"/>
+    </dgm:fillClrLst>
+    <dgm:linClrLst meth="repeat">
+      <a:schemeClr val="dk2"/>
+    </dgm:linClrLst>
+    <dgm:effectClrLst/>
+    <dgm:txLinClrLst/>
+    <dgm:txFillClrLst meth="repeat">
+      <a:schemeClr val="dk1"/>
+    </dgm:txFillClrLst>
+    <dgm:txEffectClrLst/>
+  </dgm:styleLbl>
+  <dgm:styleLbl name="solidAlignAcc1">
+    <dgm:fillClrLst meth="repeat">
+      <a:schemeClr val="lt2"/>
+    </dgm:fillClrLst>
+    <dgm:linClrLst meth="repeat">
+      <a:schemeClr val="dk2"/>
+    </dgm:linClrLst>
+    <dgm:effectClrLst/>
+    <dgm:txLinClrLst/>
+    <dgm:txFillClrLst meth="repeat">
+      <a:schemeClr val="dk1"/>
+    </dgm:txFillClrLst>
+    <dgm:txEffectClrLst/>
+  </dgm:styleLbl>
+  <dgm:styleLbl name="solidBgAcc1">
+    <dgm:fillClrLst meth="repeat">
+      <a:schemeClr val="lt2"/>
+    </dgm:fillClrLst>
+    <dgm:linClrLst meth="repeat">
+      <a:schemeClr val="dk2"/>
+    </dgm:linClrLst>
+    <dgm:effectClrLst/>
+    <dgm:txLinClrLst/>
+    <dgm:txFillClrLst meth="repeat">
+      <a:schemeClr val="dk1"/>
+    </dgm:txFillClrLst>
+    <dgm:txEffectClrLst/>
+  </dgm:styleLbl>
+  <dgm:styleLbl name="fgAccFollowNode1">
+    <dgm:fillClrLst meth="repeat">
+      <a:schemeClr val="dk2">
+        <a:alpha val="90000"/>
+        <a:tint val="40000"/>
+      </a:schemeClr>
+    </dgm:fillClrLst>
+    <dgm:linClrLst meth="repeat">
+      <a:schemeClr val="dk2">
+        <a:alpha val="90000"/>
+        <a:tint val="40000"/>
+      </a:schemeClr>
+    </dgm:linClrLst>
+    <dgm:effectClrLst/>
+    <dgm:txLinClrLst/>
+    <dgm:txFillClrLst meth="repeat">
+      <a:schemeClr val="dk1"/>
+    </dgm:txFillClrLst>
+    <dgm:txEffectClrLst/>
+  </dgm:styleLbl>
+  <dgm:styleLbl name="alignAccFollowNode1">
+    <dgm:fillClrLst meth="repeat">
+      <a:schemeClr val="dk2">
+        <a:alpha val="90000"/>
+        <a:tint val="40000"/>
+      </a:schemeClr>
+    </dgm:fillClrLst>
+    <dgm:linClrLst meth="repeat">
+      <a:schemeClr val="dk2">
+        <a:alpha val="90000"/>
+        <a:tint val="40000"/>
+      </a:schemeClr>
+    </dgm:linClrLst>
+    <dgm:effectClrLst/>
+    <dgm:txLinClrLst/>
+    <dgm:txFillClrLst meth="repeat">
+      <a:schemeClr val="dk1"/>
+    </dgm:txFillClrLst>
+    <dgm:txEffectClrLst/>
+  </dgm:styleLbl>
+  <dgm:styleLbl name="bgAccFollowNode1">
+    <dgm:fillClrLst meth="repeat">
+      <a:schemeClr val="dk2">
+        <a:alpha val="90000"/>
+        <a:tint val="40000"/>
+      </a:schemeClr>
+    </dgm:fillClrLst>
+    <dgm:linClrLst meth="repeat">
+      <a:schemeClr val="dk2">
+        <a:alpha val="90000"/>
+        <a:tint val="40000"/>
+      </a:schemeClr>
+    </dgm:linClrLst>
+    <dgm:effectClrLst/>
+    <dgm:txLinClrLst/>
+    <dgm:txFillClrLst meth="repeat">
+      <a:schemeClr val="dk1"/>
+    </dgm:txFillClrLst>
+    <dgm:txEffectClrLst/>
+  </dgm:styleLbl>
+  <dgm:styleLbl name="fgAcc0">
+    <dgm:fillClrLst meth="repeat">
+      <a:schemeClr val="lt2">
+        <a:alpha val="90000"/>
+      </a:schemeClr>
+    </dgm:fillClrLst>
+    <dgm:linClrLst meth="repeat">
+      <a:schemeClr val="dk2"/>
+    </dgm:linClrLst>
+    <dgm:effectClrLst/>
+    <dgm:txLinClrLst/>
+    <dgm:txFillClrLst meth="repeat">
+      <a:schemeClr val="dk1"/>
+    </dgm:txFillClrLst>
+    <dgm:txEffectClrLst/>
+  </dgm:styleLbl>
+  <dgm:styleLbl name="fgAcc2">
+    <dgm:fillClrLst meth="repeat">
+      <a:schemeClr val="lt2">
+        <a:alpha val="90000"/>
+      </a:schemeClr>
+    </dgm:fillClrLst>
+    <dgm:linClrLst meth="repeat">
+      <a:schemeClr val="dk2"/>
+    </dgm:linClrLst>
+    <dgm:effectClrLst/>
+    <dgm:txLinClrLst/>
+    <dgm:txFillClrLst meth="repeat">
+      <a:schemeClr val="dk1"/>
+    </dgm:txFillClrLst>
+    <dgm:txEffectClrLst/>
+  </dgm:styleLbl>
+  <dgm:styleLbl name="fgAcc3">
+    <dgm:fillClrLst meth="repeat">
+      <a:schemeClr val="lt2">
+        <a:alpha val="90000"/>
+      </a:schemeClr>
+    </dgm:fillClrLst>
+    <dgm:linClrLst meth="repeat">
+      <a:schemeClr val="dk2"/>
+    </dgm:linClrLst>
+    <dgm:effectClrLst/>
+    <dgm:txLinClrLst/>
+    <dgm:txFillClrLst meth="repeat">
+      <a:schemeClr val="dk1"/>
+    </dgm:txFillClrLst>
+    <dgm:txEffectClrLst/>
+  </dgm:styleLbl>
+  <dgm:styleLbl name="fgAcc4">
+    <dgm:fillClrLst meth="repeat">
+      <a:schemeClr val="lt2">
+        <a:alpha val="90000"/>
+      </a:schemeClr>
+    </dgm:fillClrLst>
+    <dgm:linClrLst meth="repeat">
+      <a:schemeClr val="dk2"/>
+    </dgm:linClrLst>
+    <dgm:effectClrLst/>
+    <dgm:txLinClrLst/>
+    <dgm:txFillClrLst meth="repeat">
+      <a:schemeClr val="dk1"/>
+    </dgm:txFillClrLst>
+    <dgm:txEffectClrLst/>
+  </dgm:styleLbl>
+  <dgm:styleLbl name="bgShp">
+    <dgm:fillClrLst meth="repeat">
+      <a:schemeClr val="dk2">
+        <a:tint val="40000"/>
+      </a:schemeClr>
+    </dgm:fillClrLst>
+    <dgm:linClrLst meth="repeat">
+      <a:schemeClr val="dk2"/>
+    </dgm:linClrLst>
+    <dgm:effectClrLst/>
+    <dgm:txLinClrLst/>
+    <dgm:txFillClrLst meth="repeat">
+      <a:schemeClr val="dk1"/>
+    </dgm:txFillClrLst>
+    <dgm:txEffectClrLst/>
+  </dgm:styleLbl>
+  <dgm:styleLbl name="dkBgShp">
+    <dgm:fillClrLst meth="repeat">
+      <a:schemeClr val="dk2">
+        <a:shade val="80000"/>
+      </a:schemeClr>
+    </dgm:fillClrLst>
+    <dgm:linClrLst meth="repeat">
+      <a:schemeClr val="dk2"/>
+    </dgm:linClrLst>
+    <dgm:effectClrLst/>
+    <dgm:txLinClrLst/>
+    <dgm:txFillClrLst meth="repeat">
+      <a:schemeClr val="lt1"/>
+    </dgm:txFillClrLst>
+    <dgm:txEffectClrLst/>
+  </dgm:styleLbl>
+  <dgm:styleLbl name="trBgShp">
+    <dgm:fillClrLst meth="repeat">
+      <a:schemeClr val="dk2">
+        <a:tint val="50000"/>
+        <a:alpha val="40000"/>
+      </a:schemeClr>
+    </dgm:fillClrLst>
+    <dgm:linClrLst meth="repeat">
+      <a:schemeClr val="dk2"/>
+    </dgm:linClrLst>
+    <dgm:effectClrLst/>
+    <dgm:txLinClrLst/>
+    <dgm:txFillClrLst meth="repeat">
+      <a:schemeClr val="lt1"/>
+    </dgm:txFillClrLst>
+    <dgm:txEffectClrLst/>
+  </dgm:styleLbl>
+  <dgm:styleLbl name="fgShp">
+    <dgm:fillClrLst meth="repeat">
+      <a:schemeClr val="dk2">
+        <a:tint val="60000"/>
+      </a:schemeClr>
+    </dgm:fillClrLst>
+    <dgm:linClrLst meth="repeat">
+      <a:schemeClr val="lt2"/>
+    </dgm:linClrLst>
+    <dgm:effectClrLst/>
+    <dgm:txLinClrLst/>
+    <dgm:txFillClrLst meth="repeat">
+      <a:schemeClr val="dk1"/>
+    </dgm:txFillClrLst>
+    <dgm:txEffectClrLst/>
+  </dgm:styleLbl>
+  <dgm:styleLbl name="revTx">
+    <dgm:fillClrLst meth="repeat">
+      <a:schemeClr val="lt2">
+        <a:alpha val="0"/>
+      </a:schemeClr>
+    </dgm:fillClrLst>
+    <dgm:linClrLst meth="repeat">
+      <a:schemeClr val="dk1">
+        <a:alpha val="0"/>
+      </a:schemeClr>
+    </dgm:linClrLst>
+    <dgm:effectClrLst/>
+    <dgm:txLinClrLst/>
+    <dgm:txFillClrLst meth="repeat">
+      <a:schemeClr val="tx1"/>
+    </dgm:txFillClrLst>
+    <dgm:txEffectClrLst/>
+  </dgm:styleLbl>
+</dgm:colorsDef>
+</file>
+
+<file path=ppt/diagrams/colors11.xml><?xml version="1.0" encoding="utf-8"?>
 <dgm:colorsDef xmlns:dgm="http://schemas.openxmlformats.org/drawingml/2006/diagram" xmlns:a="http://schemas.openxmlformats.org/drawingml/2006/main" uniqueId="urn:microsoft.com/office/officeart/2005/8/colors/accent1_2">
   <dgm:title val=""/>
   <dgm:desc val=""/>
@@ -6145,18 +6902,18 @@
 </file>
 
 <file path=ppt/diagrams/colors8.xml><?xml version="1.0" encoding="utf-8"?>
-<dgm:colorsDef xmlns:dgm="http://schemas.openxmlformats.org/drawingml/2006/diagram" xmlns:a="http://schemas.openxmlformats.org/drawingml/2006/main" uniqueId="urn:microsoft.com/office/officeart/2005/8/colors/accent0_3">
+<dgm:colorsDef xmlns:dgm="http://schemas.openxmlformats.org/drawingml/2006/diagram" xmlns:a="http://schemas.openxmlformats.org/drawingml/2006/main" uniqueId="urn:microsoft.com/office/officeart/2005/8/colors/accent1_2">
   <dgm:title val=""/>
   <dgm:desc val=""/>
   <dgm:catLst>
-    <dgm:cat type="mainScheme" pri="10300"/>
+    <dgm:cat type="accent1" pri="11200"/>
   </dgm:catLst>
   <dgm:styleLbl name="node0">
     <dgm:fillClrLst meth="repeat">
-      <a:schemeClr val="dk2"/>
-    </dgm:fillClrLst>
-    <dgm:linClrLst meth="repeat">
-      <a:schemeClr val="lt2"/>
+      <a:schemeClr val="accent1"/>
+    </dgm:fillClrLst>
+    <dgm:linClrLst meth="repeat">
+      <a:schemeClr val="lt1"/>
     </dgm:linClrLst>
     <dgm:effectClrLst/>
     <dgm:txLinClrLst/>
@@ -6165,10 +6922,10 @@
   </dgm:styleLbl>
   <dgm:styleLbl name="alignNode1">
     <dgm:fillClrLst meth="repeat">
-      <a:schemeClr val="dk2"/>
-    </dgm:fillClrLst>
-    <dgm:linClrLst meth="repeat">
-      <a:schemeClr val="dk2"/>
+      <a:schemeClr val="accent1"/>
+    </dgm:fillClrLst>
+    <dgm:linClrLst meth="repeat">
+      <a:schemeClr val="accent1"/>
     </dgm:linClrLst>
     <dgm:effectClrLst/>
     <dgm:txLinClrLst/>
@@ -6177,10 +6934,10 @@
   </dgm:styleLbl>
   <dgm:styleLbl name="node1">
     <dgm:fillClrLst meth="repeat">
-      <a:schemeClr val="dk2"/>
-    </dgm:fillClrLst>
-    <dgm:linClrLst meth="repeat">
-      <a:schemeClr val="lt2"/>
+      <a:schemeClr val="accent1"/>
+    </dgm:fillClrLst>
+    <dgm:linClrLst meth="repeat">
+      <a:schemeClr val="lt1"/>
     </dgm:linClrLst>
     <dgm:effectClrLst/>
     <dgm:txLinClrLst/>
@@ -6189,10 +6946,10 @@
   </dgm:styleLbl>
   <dgm:styleLbl name="lnNode1">
     <dgm:fillClrLst meth="repeat">
-      <a:schemeClr val="dk2"/>
-    </dgm:fillClrLst>
-    <dgm:linClrLst meth="repeat">
-      <a:schemeClr val="lt2"/>
+      <a:schemeClr val="accent1"/>
+    </dgm:fillClrLst>
+    <dgm:linClrLst meth="repeat">
+      <a:schemeClr val="lt1"/>
     </dgm:linClrLst>
     <dgm:effectClrLst/>
     <dgm:txLinClrLst/>
@@ -6201,12 +6958,12 @@
   </dgm:styleLbl>
   <dgm:styleLbl name="vennNode1">
     <dgm:fillClrLst meth="repeat">
-      <a:schemeClr val="dk2">
+      <a:schemeClr val="accent1">
         <a:alpha val="50000"/>
       </a:schemeClr>
     </dgm:fillClrLst>
     <dgm:linClrLst meth="repeat">
-      <a:schemeClr val="lt2"/>
+      <a:schemeClr val="lt1"/>
     </dgm:linClrLst>
     <dgm:effectClrLst/>
     <dgm:txLinClrLst/>
@@ -6215,10 +6972,10 @@
   </dgm:styleLbl>
   <dgm:styleLbl name="node2">
     <dgm:fillClrLst meth="repeat">
-      <a:schemeClr val="dk2"/>
-    </dgm:fillClrLst>
-    <dgm:linClrLst meth="repeat">
-      <a:schemeClr val="lt2"/>
+      <a:schemeClr val="accent1"/>
+    </dgm:fillClrLst>
+    <dgm:linClrLst meth="repeat">
+      <a:schemeClr val="lt1"/>
     </dgm:linClrLst>
     <dgm:effectClrLst/>
     <dgm:txLinClrLst/>
@@ -6227,10 +6984,10 @@
   </dgm:styleLbl>
   <dgm:styleLbl name="node3">
     <dgm:fillClrLst meth="repeat">
-      <a:schemeClr val="dk2"/>
-    </dgm:fillClrLst>
-    <dgm:linClrLst meth="repeat">
-      <a:schemeClr val="lt2"/>
+      <a:schemeClr val="accent1"/>
+    </dgm:fillClrLst>
+    <dgm:linClrLst meth="repeat">
+      <a:schemeClr val="lt1"/>
     </dgm:linClrLst>
     <dgm:effectClrLst/>
     <dgm:txLinClrLst/>
@@ -6239,10 +6996,10 @@
   </dgm:styleLbl>
   <dgm:styleLbl name="node4">
     <dgm:fillClrLst meth="repeat">
-      <a:schemeClr val="dk2"/>
-    </dgm:fillClrLst>
-    <dgm:linClrLst meth="repeat">
-      <a:schemeClr val="lt2"/>
+      <a:schemeClr val="accent1"/>
+    </dgm:fillClrLst>
+    <dgm:linClrLst meth="repeat">
+      <a:schemeClr val="lt1"/>
     </dgm:linClrLst>
     <dgm:effectClrLst/>
     <dgm:txLinClrLst/>
@@ -6251,64 +7008,60 @@
   </dgm:styleLbl>
   <dgm:styleLbl name="fgImgPlace1">
     <dgm:fillClrLst meth="repeat">
-      <a:schemeClr val="dk2">
+      <a:schemeClr val="accent1">
         <a:tint val="50000"/>
       </a:schemeClr>
     </dgm:fillClrLst>
     <dgm:linClrLst meth="repeat">
-      <a:schemeClr val="lt2"/>
+      <a:schemeClr val="lt1"/>
     </dgm:linClrLst>
     <dgm:effectClrLst/>
     <dgm:txLinClrLst/>
     <dgm:txFillClrLst meth="repeat">
-      <a:schemeClr val="lt2"/>
+      <a:schemeClr val="lt1"/>
     </dgm:txFillClrLst>
     <dgm:txEffectClrLst/>
   </dgm:styleLbl>
   <dgm:styleLbl name="alignImgPlace1">
     <dgm:fillClrLst meth="repeat">
-      <a:schemeClr val="dk2">
+      <a:schemeClr val="accent1">
         <a:tint val="50000"/>
       </a:schemeClr>
     </dgm:fillClrLst>
     <dgm:linClrLst meth="repeat">
-      <a:schemeClr val="dk2">
-        <a:shade val="80000"/>
-      </a:schemeClr>
+      <a:schemeClr val="lt1"/>
     </dgm:linClrLst>
     <dgm:effectClrLst/>
     <dgm:txLinClrLst/>
     <dgm:txFillClrLst meth="repeat">
-      <a:schemeClr val="lt2"/>
+      <a:schemeClr val="lt1"/>
     </dgm:txFillClrLst>
     <dgm:txEffectClrLst/>
   </dgm:styleLbl>
   <dgm:styleLbl name="bgImgPlace1">
     <dgm:fillClrLst meth="repeat">
-      <a:schemeClr val="dk2">
+      <a:schemeClr val="accent1">
         <a:tint val="50000"/>
       </a:schemeClr>
     </dgm:fillClrLst>
     <dgm:linClrLst meth="repeat">
-      <a:schemeClr val="dk2">
-        <a:shade val="80000"/>
-      </a:schemeClr>
+      <a:schemeClr val="lt1"/>
     </dgm:linClrLst>
     <dgm:effectClrLst/>
     <dgm:txLinClrLst/>
     <dgm:txFillClrLst meth="repeat">
-      <a:schemeClr val="lt2"/>
+      <a:schemeClr val="lt1"/>
     </dgm:txFillClrLst>
     <dgm:txEffectClrLst/>
   </dgm:styleLbl>
   <dgm:styleLbl name="sibTrans2D1">
     <dgm:fillClrLst meth="repeat">
-      <a:schemeClr val="dk2">
+      <a:schemeClr val="accent1">
         <a:tint val="60000"/>
       </a:schemeClr>
     </dgm:fillClrLst>
     <dgm:linClrLst meth="repeat">
-      <a:schemeClr val="dk2">
+      <a:schemeClr val="accent1">
         <a:tint val="60000"/>
       </a:schemeClr>
     </dgm:linClrLst>
@@ -6319,12 +7072,12 @@
   </dgm:styleLbl>
   <dgm:styleLbl name="fgSibTrans2D1">
     <dgm:fillClrLst meth="repeat">
-      <a:schemeClr val="dk2">
+      <a:schemeClr val="accent1">
         <a:tint val="60000"/>
       </a:schemeClr>
     </dgm:fillClrLst>
     <dgm:linClrLst meth="repeat">
-      <a:schemeClr val="dk2">
+      <a:schemeClr val="accent1">
         <a:tint val="60000"/>
       </a:schemeClr>
     </dgm:linClrLst>
@@ -6335,12 +7088,12 @@
   </dgm:styleLbl>
   <dgm:styleLbl name="bgSibTrans2D1">
     <dgm:fillClrLst meth="repeat">
-      <a:schemeClr val="dk2">
+      <a:schemeClr val="accent1">
         <a:tint val="60000"/>
       </a:schemeClr>
     </dgm:fillClrLst>
     <dgm:linClrLst meth="repeat">
-      <a:schemeClr val="dk2">
+      <a:schemeClr val="accent1">
         <a:tint val="60000"/>
       </a:schemeClr>
     </dgm:linClrLst>
@@ -6351,162 +7104,10 @@
   </dgm:styleLbl>
   <dgm:styleLbl name="sibTrans1D1">
     <dgm:fillClrLst meth="repeat">
-      <a:schemeClr val="dk2"/>
-    </dgm:fillClrLst>
-    <dgm:linClrLst meth="repeat">
-      <a:schemeClr val="dk2"/>
-    </dgm:linClrLst>
-    <dgm:effectClrLst/>
-    <dgm:txLinClrLst/>
-    <dgm:txFillClrLst meth="repeat">
-      <a:schemeClr val="lt2"/>
-    </dgm:txFillClrLst>
-    <dgm:txEffectClrLst/>
-  </dgm:styleLbl>
-  <dgm:styleLbl name="callout">
-    <dgm:fillClrLst meth="repeat">
-      <a:schemeClr val="dk2"/>
-    </dgm:fillClrLst>
-    <dgm:linClrLst meth="repeat">
-      <a:schemeClr val="dk2">
-        <a:tint val="50000"/>
-      </a:schemeClr>
-    </dgm:linClrLst>
-    <dgm:effectClrLst/>
-    <dgm:txLinClrLst/>
-    <dgm:txFillClrLst meth="repeat">
-      <a:schemeClr val="lt2"/>
-    </dgm:txFillClrLst>
-    <dgm:txEffectClrLst/>
-  </dgm:styleLbl>
-  <dgm:styleLbl name="asst0">
-    <dgm:fillClrLst meth="repeat">
-      <a:schemeClr val="dk2"/>
-    </dgm:fillClrLst>
-    <dgm:linClrLst meth="repeat">
-      <a:schemeClr val="lt2"/>
-    </dgm:linClrLst>
-    <dgm:effectClrLst/>
-    <dgm:txLinClrLst/>
-    <dgm:txFillClrLst/>
-    <dgm:txEffectClrLst/>
-  </dgm:styleLbl>
-  <dgm:styleLbl name="asst1">
-    <dgm:fillClrLst meth="repeat">
-      <a:schemeClr val="dk2"/>
-    </dgm:fillClrLst>
-    <dgm:linClrLst meth="repeat">
-      <a:schemeClr val="lt2"/>
-    </dgm:linClrLst>
-    <dgm:effectClrLst/>
-    <dgm:txLinClrLst/>
-    <dgm:txFillClrLst/>
-    <dgm:txEffectClrLst/>
-  </dgm:styleLbl>
-  <dgm:styleLbl name="asst2">
-    <dgm:fillClrLst meth="repeat">
-      <a:schemeClr val="dk2"/>
-    </dgm:fillClrLst>
-    <dgm:linClrLst meth="repeat">
-      <a:schemeClr val="lt2"/>
-    </dgm:linClrLst>
-    <dgm:effectClrLst/>
-    <dgm:txLinClrLst/>
-    <dgm:txFillClrLst/>
-    <dgm:txEffectClrLst/>
-  </dgm:styleLbl>
-  <dgm:styleLbl name="asst3">
-    <dgm:fillClrLst meth="repeat">
-      <a:schemeClr val="dk2"/>
-    </dgm:fillClrLst>
-    <dgm:linClrLst meth="repeat">
-      <a:schemeClr val="lt2"/>
-    </dgm:linClrLst>
-    <dgm:effectClrLst/>
-    <dgm:txLinClrLst/>
-    <dgm:txFillClrLst/>
-    <dgm:txEffectClrLst/>
-  </dgm:styleLbl>
-  <dgm:styleLbl name="asst4">
-    <dgm:fillClrLst meth="repeat">
-      <a:schemeClr val="dk2"/>
-    </dgm:fillClrLst>
-    <dgm:linClrLst meth="repeat">
-      <a:schemeClr val="lt2"/>
-    </dgm:linClrLst>
-    <dgm:effectClrLst/>
-    <dgm:txLinClrLst/>
-    <dgm:txFillClrLst/>
-    <dgm:txEffectClrLst/>
-  </dgm:styleLbl>
-  <dgm:styleLbl name="parChTrans2D1">
-    <dgm:fillClrLst meth="repeat">
-      <a:schemeClr val="dk2">
-        <a:tint val="60000"/>
-      </a:schemeClr>
-    </dgm:fillClrLst>
-    <dgm:linClrLst meth="repeat">
-      <a:schemeClr val="dk2">
-        <a:tint val="60000"/>
-      </a:schemeClr>
-    </dgm:linClrLst>
-    <dgm:effectClrLst/>
-    <dgm:txLinClrLst/>
-    <dgm:txFillClrLst meth="repeat">
-      <a:schemeClr val="lt2"/>
-    </dgm:txFillClrLst>
-    <dgm:txEffectClrLst/>
-  </dgm:styleLbl>
-  <dgm:styleLbl name="parChTrans2D2">
-    <dgm:fillClrLst meth="repeat">
-      <a:schemeClr val="dk2"/>
-    </dgm:fillClrLst>
-    <dgm:linClrLst meth="repeat">
-      <a:schemeClr val="dk2"/>
-    </dgm:linClrLst>
-    <dgm:effectClrLst/>
-    <dgm:txLinClrLst/>
-    <dgm:txFillClrLst meth="repeat">
-      <a:schemeClr val="lt2"/>
-    </dgm:txFillClrLst>
-    <dgm:txEffectClrLst/>
-  </dgm:styleLbl>
-  <dgm:styleLbl name="parChTrans2D3">
-    <dgm:fillClrLst meth="repeat">
-      <a:schemeClr val="dk2"/>
-    </dgm:fillClrLst>
-    <dgm:linClrLst meth="repeat">
-      <a:schemeClr val="dk2"/>
-    </dgm:linClrLst>
-    <dgm:effectClrLst/>
-    <dgm:txLinClrLst/>
-    <dgm:txFillClrLst meth="repeat">
-      <a:schemeClr val="lt2"/>
-    </dgm:txFillClrLst>
-    <dgm:txEffectClrLst/>
-  </dgm:styleLbl>
-  <dgm:styleLbl name="parChTrans2D4">
-    <dgm:fillClrLst meth="repeat">
-      <a:schemeClr val="dk2"/>
-    </dgm:fillClrLst>
-    <dgm:linClrLst meth="repeat">
-      <a:schemeClr val="dk2"/>
-    </dgm:linClrLst>
-    <dgm:effectClrLst/>
-    <dgm:txLinClrLst/>
-    <dgm:txFillClrLst meth="repeat">
-      <a:schemeClr val="lt2"/>
-    </dgm:txFillClrLst>
-    <dgm:txEffectClrLst/>
-  </dgm:styleLbl>
-  <dgm:styleLbl name="parChTrans1D1">
-    <dgm:fillClrLst meth="repeat">
-      <a:schemeClr val="dk2"/>
-    </dgm:fillClrLst>
-    <dgm:linClrLst meth="repeat">
-      <a:schemeClr val="dk2">
-        <a:shade val="60000"/>
-      </a:schemeClr>
+      <a:schemeClr val="accent1"/>
+    </dgm:fillClrLst>
+    <dgm:linClrLst meth="repeat">
+      <a:schemeClr val="accent1"/>
     </dgm:linClrLst>
     <dgm:effectClrLst/>
     <dgm:txLinClrLst/>
@@ -6515,13 +7116,13 @@
     </dgm:txFillClrLst>
     <dgm:txEffectClrLst/>
   </dgm:styleLbl>
-  <dgm:styleLbl name="parChTrans1D2">
-    <dgm:fillClrLst meth="repeat">
-      <a:schemeClr val="dk2"/>
-    </dgm:fillClrLst>
-    <dgm:linClrLst meth="repeat">
-      <a:schemeClr val="dk2">
-        <a:shade val="60000"/>
+  <dgm:styleLbl name="callout">
+    <dgm:fillClrLst meth="repeat">
+      <a:schemeClr val="accent1"/>
+    </dgm:fillClrLst>
+    <dgm:linClrLst meth="repeat">
+      <a:schemeClr val="accent1">
+        <a:tint val="50000"/>
       </a:schemeClr>
     </dgm:linClrLst>
     <dgm:effectClrLst/>
@@ -6531,13 +7132,133 @@
     </dgm:txFillClrLst>
     <dgm:txEffectClrLst/>
   </dgm:styleLbl>
-  <dgm:styleLbl name="parChTrans1D3">
-    <dgm:fillClrLst meth="repeat">
-      <a:schemeClr val="dk2"/>
-    </dgm:fillClrLst>
-    <dgm:linClrLst meth="repeat">
-      <a:schemeClr val="dk2">
-        <a:shade val="80000"/>
+  <dgm:styleLbl name="asst0">
+    <dgm:fillClrLst meth="repeat">
+      <a:schemeClr val="accent1"/>
+    </dgm:fillClrLst>
+    <dgm:linClrLst meth="repeat">
+      <a:schemeClr val="lt1"/>
+    </dgm:linClrLst>
+    <dgm:effectClrLst/>
+    <dgm:txLinClrLst/>
+    <dgm:txFillClrLst/>
+    <dgm:txEffectClrLst/>
+  </dgm:styleLbl>
+  <dgm:styleLbl name="asst1">
+    <dgm:fillClrLst meth="repeat">
+      <a:schemeClr val="accent1"/>
+    </dgm:fillClrLst>
+    <dgm:linClrLst meth="repeat">
+      <a:schemeClr val="lt1"/>
+    </dgm:linClrLst>
+    <dgm:effectClrLst/>
+    <dgm:txLinClrLst/>
+    <dgm:txFillClrLst/>
+    <dgm:txEffectClrLst/>
+  </dgm:styleLbl>
+  <dgm:styleLbl name="asst2">
+    <dgm:fillClrLst meth="repeat">
+      <a:schemeClr val="accent1"/>
+    </dgm:fillClrLst>
+    <dgm:linClrLst meth="repeat">
+      <a:schemeClr val="lt1"/>
+    </dgm:linClrLst>
+    <dgm:effectClrLst/>
+    <dgm:txLinClrLst/>
+    <dgm:txFillClrLst/>
+    <dgm:txEffectClrLst/>
+  </dgm:styleLbl>
+  <dgm:styleLbl name="asst3">
+    <dgm:fillClrLst meth="repeat">
+      <a:schemeClr val="accent1"/>
+    </dgm:fillClrLst>
+    <dgm:linClrLst meth="repeat">
+      <a:schemeClr val="lt1"/>
+    </dgm:linClrLst>
+    <dgm:effectClrLst/>
+    <dgm:txLinClrLst/>
+    <dgm:txFillClrLst/>
+    <dgm:txEffectClrLst/>
+  </dgm:styleLbl>
+  <dgm:styleLbl name="asst4">
+    <dgm:fillClrLst meth="repeat">
+      <a:schemeClr val="accent1"/>
+    </dgm:fillClrLst>
+    <dgm:linClrLst meth="repeat">
+      <a:schemeClr val="lt1"/>
+    </dgm:linClrLst>
+    <dgm:effectClrLst/>
+    <dgm:txLinClrLst/>
+    <dgm:txFillClrLst/>
+    <dgm:txEffectClrLst/>
+  </dgm:styleLbl>
+  <dgm:styleLbl name="parChTrans2D1">
+    <dgm:fillClrLst meth="repeat">
+      <a:schemeClr val="accent1">
+        <a:tint val="60000"/>
+      </a:schemeClr>
+    </dgm:fillClrLst>
+    <dgm:linClrLst meth="repeat">
+      <a:schemeClr val="accent1">
+        <a:tint val="60000"/>
+      </a:schemeClr>
+    </dgm:linClrLst>
+    <dgm:effectClrLst/>
+    <dgm:txLinClrLst/>
+    <dgm:txFillClrLst meth="repeat">
+      <a:schemeClr val="lt1"/>
+    </dgm:txFillClrLst>
+    <dgm:txEffectClrLst/>
+  </dgm:styleLbl>
+  <dgm:styleLbl name="parChTrans2D2">
+    <dgm:fillClrLst meth="repeat">
+      <a:schemeClr val="accent1"/>
+    </dgm:fillClrLst>
+    <dgm:linClrLst meth="repeat">
+      <a:schemeClr val="accent1"/>
+    </dgm:linClrLst>
+    <dgm:effectClrLst/>
+    <dgm:txLinClrLst/>
+    <dgm:txFillClrLst meth="repeat">
+      <a:schemeClr val="lt1"/>
+    </dgm:txFillClrLst>
+    <dgm:txEffectClrLst/>
+  </dgm:styleLbl>
+  <dgm:styleLbl name="parChTrans2D3">
+    <dgm:fillClrLst meth="repeat">
+      <a:schemeClr val="accent1"/>
+    </dgm:fillClrLst>
+    <dgm:linClrLst meth="repeat">
+      <a:schemeClr val="accent1"/>
+    </dgm:linClrLst>
+    <dgm:effectClrLst/>
+    <dgm:txLinClrLst/>
+    <dgm:txFillClrLst meth="repeat">
+      <a:schemeClr val="lt1"/>
+    </dgm:txFillClrLst>
+    <dgm:txEffectClrLst/>
+  </dgm:styleLbl>
+  <dgm:styleLbl name="parChTrans2D4">
+    <dgm:fillClrLst meth="repeat">
+      <a:schemeClr val="accent1"/>
+    </dgm:fillClrLst>
+    <dgm:linClrLst meth="repeat">
+      <a:schemeClr val="accent1"/>
+    </dgm:linClrLst>
+    <dgm:effectClrLst/>
+    <dgm:txLinClrLst/>
+    <dgm:txFillClrLst meth="repeat">
+      <a:schemeClr val="lt1"/>
+    </dgm:txFillClrLst>
+    <dgm:txEffectClrLst/>
+  </dgm:styleLbl>
+  <dgm:styleLbl name="parChTrans1D1">
+    <dgm:fillClrLst meth="repeat">
+      <a:schemeClr val="accent1"/>
+    </dgm:fillClrLst>
+    <dgm:linClrLst meth="repeat">
+      <a:schemeClr val="accent1">
+        <a:shade val="60000"/>
       </a:schemeClr>
     </dgm:linClrLst>
     <dgm:effectClrLst/>
@@ -6547,13 +7268,13 @@
     </dgm:txFillClrLst>
     <dgm:txEffectClrLst/>
   </dgm:styleLbl>
-  <dgm:styleLbl name="parChTrans1D4">
-    <dgm:fillClrLst meth="repeat">
-      <a:schemeClr val="dk2"/>
-    </dgm:fillClrLst>
-    <dgm:linClrLst meth="repeat">
-      <a:schemeClr val="dk2">
-        <a:shade val="80000"/>
+  <dgm:styleLbl name="parChTrans1D2">
+    <dgm:fillClrLst meth="repeat">
+      <a:schemeClr val="accent1"/>
+    </dgm:fillClrLst>
+    <dgm:linClrLst meth="repeat">
+      <a:schemeClr val="accent1">
+        <a:shade val="60000"/>
       </a:schemeClr>
     </dgm:linClrLst>
     <dgm:effectClrLst/>
@@ -6563,14 +7284,46 @@
     </dgm:txFillClrLst>
     <dgm:txEffectClrLst/>
   </dgm:styleLbl>
+  <dgm:styleLbl name="parChTrans1D3">
+    <dgm:fillClrLst meth="repeat">
+      <a:schemeClr val="accent1"/>
+    </dgm:fillClrLst>
+    <dgm:linClrLst meth="repeat">
+      <a:schemeClr val="accent1">
+        <a:shade val="80000"/>
+      </a:schemeClr>
+    </dgm:linClrLst>
+    <dgm:effectClrLst/>
+    <dgm:txLinClrLst/>
+    <dgm:txFillClrLst meth="repeat">
+      <a:schemeClr val="tx1"/>
+    </dgm:txFillClrLst>
+    <dgm:txEffectClrLst/>
+  </dgm:styleLbl>
+  <dgm:styleLbl name="parChTrans1D4">
+    <dgm:fillClrLst meth="repeat">
+      <a:schemeClr val="accent1"/>
+    </dgm:fillClrLst>
+    <dgm:linClrLst meth="repeat">
+      <a:schemeClr val="accent1">
+        <a:shade val="80000"/>
+      </a:schemeClr>
+    </dgm:linClrLst>
+    <dgm:effectClrLst/>
+    <dgm:txLinClrLst/>
+    <dgm:txFillClrLst meth="repeat">
+      <a:schemeClr val="tx1"/>
+    </dgm:txFillClrLst>
+    <dgm:txEffectClrLst/>
+  </dgm:styleLbl>
   <dgm:styleLbl name="fgAcc1">
     <dgm:fillClrLst meth="repeat">
-      <a:schemeClr val="lt2">
+      <a:schemeClr val="lt1">
         <a:alpha val="90000"/>
       </a:schemeClr>
     </dgm:fillClrLst>
     <dgm:linClrLst meth="repeat">
-      <a:schemeClr val="dk2"/>
+      <a:schemeClr val="accent1"/>
     </dgm:linClrLst>
     <dgm:effectClrLst/>
     <dgm:txLinClrLst/>
@@ -6581,12 +7334,12 @@
   </dgm:styleLbl>
   <dgm:styleLbl name="conFgAcc1">
     <dgm:fillClrLst meth="repeat">
-      <a:schemeClr val="lt2">
+      <a:schemeClr val="lt1">
         <a:alpha val="90000"/>
       </a:schemeClr>
     </dgm:fillClrLst>
     <dgm:linClrLst meth="repeat">
-      <a:schemeClr val="dk2"/>
+      <a:schemeClr val="accent1"/>
     </dgm:linClrLst>
     <dgm:effectClrLst/>
     <dgm:txLinClrLst/>
@@ -6597,12 +7350,12 @@
   </dgm:styleLbl>
   <dgm:styleLbl name="alignAcc1">
     <dgm:fillClrLst meth="repeat">
-      <a:schemeClr val="lt2">
+      <a:schemeClr val="lt1">
         <a:alpha val="90000"/>
       </a:schemeClr>
     </dgm:fillClrLst>
     <dgm:linClrLst meth="repeat">
-      <a:schemeClr val="dk2"/>
+      <a:schemeClr val="accent1"/>
     </dgm:linClrLst>
     <dgm:effectClrLst/>
     <dgm:txLinClrLst/>
@@ -6613,12 +7366,12 @@
   </dgm:styleLbl>
   <dgm:styleLbl name="trAlignAcc1">
     <dgm:fillClrLst meth="repeat">
-      <a:schemeClr val="lt2">
+      <a:schemeClr val="lt1">
         <a:alpha val="40000"/>
       </a:schemeClr>
     </dgm:fillClrLst>
     <dgm:linClrLst meth="repeat">
-      <a:schemeClr val="dk2"/>
+      <a:schemeClr val="accent1"/>
     </dgm:linClrLst>
     <dgm:effectClrLst/>
     <dgm:txLinClrLst/>
@@ -6629,12 +7382,12 @@
   </dgm:styleLbl>
   <dgm:styleLbl name="bgAcc1">
     <dgm:fillClrLst meth="repeat">
-      <a:schemeClr val="lt2">
+      <a:schemeClr val="lt1">
         <a:alpha val="90000"/>
       </a:schemeClr>
     </dgm:fillClrLst>
     <dgm:linClrLst meth="repeat">
-      <a:schemeClr val="dk2"/>
+      <a:schemeClr val="accent1"/>
     </dgm:linClrLst>
     <dgm:effectClrLst/>
     <dgm:txLinClrLst/>
@@ -6645,10 +7398,10 @@
   </dgm:styleLbl>
   <dgm:styleLbl name="solidFgAcc1">
     <dgm:fillClrLst meth="repeat">
-      <a:schemeClr val="lt2"/>
-    </dgm:fillClrLst>
-    <dgm:linClrLst meth="repeat">
-      <a:schemeClr val="dk2"/>
+      <a:schemeClr val="lt1"/>
+    </dgm:fillClrLst>
+    <dgm:linClrLst meth="repeat">
+      <a:schemeClr val="accent1"/>
     </dgm:linClrLst>
     <dgm:effectClrLst/>
     <dgm:txLinClrLst/>
@@ -6659,10 +7412,10 @@
   </dgm:styleLbl>
   <dgm:styleLbl name="solidAlignAcc1">
     <dgm:fillClrLst meth="repeat">
-      <a:schemeClr val="lt2"/>
-    </dgm:fillClrLst>
-    <dgm:linClrLst meth="repeat">
-      <a:schemeClr val="dk2"/>
+      <a:schemeClr val="lt1"/>
+    </dgm:fillClrLst>
+    <dgm:linClrLst meth="repeat">
+      <a:schemeClr val="accent1"/>
     </dgm:linClrLst>
     <dgm:effectClrLst/>
     <dgm:txLinClrLst/>
@@ -6673,10 +7426,10 @@
   </dgm:styleLbl>
   <dgm:styleLbl name="solidBgAcc1">
     <dgm:fillClrLst meth="repeat">
-      <a:schemeClr val="lt2"/>
-    </dgm:fillClrLst>
-    <dgm:linClrLst meth="repeat">
-      <a:schemeClr val="dk2"/>
+      <a:schemeClr val="lt1"/>
+    </dgm:fillClrLst>
+    <dgm:linClrLst meth="repeat">
+      <a:schemeClr val="accent1"/>
     </dgm:linClrLst>
     <dgm:effectClrLst/>
     <dgm:txLinClrLst/>
@@ -6687,13 +7440,13 @@
   </dgm:styleLbl>
   <dgm:styleLbl name="fgAccFollowNode1">
     <dgm:fillClrLst meth="repeat">
-      <a:schemeClr val="dk2">
+      <a:schemeClr val="accent1">
         <a:alpha val="90000"/>
         <a:tint val="40000"/>
       </a:schemeClr>
     </dgm:fillClrLst>
     <dgm:linClrLst meth="repeat">
-      <a:schemeClr val="dk2">
+      <a:schemeClr val="accent1">
         <a:alpha val="90000"/>
         <a:tint val="40000"/>
       </a:schemeClr>
@@ -6707,13 +7460,13 @@
   </dgm:styleLbl>
   <dgm:styleLbl name="alignAccFollowNode1">
     <dgm:fillClrLst meth="repeat">
-      <a:schemeClr val="dk2">
+      <a:schemeClr val="accent1">
         <a:alpha val="90000"/>
         <a:tint val="40000"/>
       </a:schemeClr>
     </dgm:fillClrLst>
     <dgm:linClrLst meth="repeat">
-      <a:schemeClr val="dk2">
+      <a:schemeClr val="accent1">
         <a:alpha val="90000"/>
         <a:tint val="40000"/>
       </a:schemeClr>
@@ -6727,13 +7480,13 @@
   </dgm:styleLbl>
   <dgm:styleLbl name="bgAccFollowNode1">
     <dgm:fillClrLst meth="repeat">
-      <a:schemeClr val="dk2">
+      <a:schemeClr val="accent1">
         <a:alpha val="90000"/>
         <a:tint val="40000"/>
       </a:schemeClr>
     </dgm:fillClrLst>
     <dgm:linClrLst meth="repeat">
-      <a:schemeClr val="dk2">
+      <a:schemeClr val="accent1">
         <a:alpha val="90000"/>
         <a:tint val="40000"/>
       </a:schemeClr>
@@ -6747,12 +7500,12 @@
   </dgm:styleLbl>
   <dgm:styleLbl name="fgAcc0">
     <dgm:fillClrLst meth="repeat">
-      <a:schemeClr val="lt2">
+      <a:schemeClr val="lt1">
         <a:alpha val="90000"/>
       </a:schemeClr>
     </dgm:fillClrLst>
     <dgm:linClrLst meth="repeat">
-      <a:schemeClr val="dk2"/>
+      <a:schemeClr val="accent1"/>
     </dgm:linClrLst>
     <dgm:effectClrLst/>
     <dgm:txLinClrLst/>
@@ -6763,12 +7516,12 @@
   </dgm:styleLbl>
   <dgm:styleLbl name="fgAcc2">
     <dgm:fillClrLst meth="repeat">
-      <a:schemeClr val="lt2">
+      <a:schemeClr val="lt1">
         <a:alpha val="90000"/>
       </a:schemeClr>
     </dgm:fillClrLst>
     <dgm:linClrLst meth="repeat">
-      <a:schemeClr val="dk2"/>
+      <a:schemeClr val="accent1"/>
     </dgm:linClrLst>
     <dgm:effectClrLst/>
     <dgm:txLinClrLst/>
@@ -6779,12 +7532,12 @@
   </dgm:styleLbl>
   <dgm:styleLbl name="fgAcc3">
     <dgm:fillClrLst meth="repeat">
-      <a:schemeClr val="lt2">
+      <a:schemeClr val="lt1">
         <a:alpha val="90000"/>
       </a:schemeClr>
     </dgm:fillClrLst>
     <dgm:linClrLst meth="repeat">
-      <a:schemeClr val="dk2"/>
+      <a:schemeClr val="accent1"/>
     </dgm:linClrLst>
     <dgm:effectClrLst/>
     <dgm:txLinClrLst/>
@@ -6795,12 +7548,12 @@
   </dgm:styleLbl>
   <dgm:styleLbl name="fgAcc4">
     <dgm:fillClrLst meth="repeat">
-      <a:schemeClr val="lt2">
+      <a:schemeClr val="lt1">
         <a:alpha val="90000"/>
       </a:schemeClr>
     </dgm:fillClrLst>
     <dgm:linClrLst meth="repeat">
-      <a:schemeClr val="dk2"/>
+      <a:schemeClr val="accent1"/>
     </dgm:linClrLst>
     <dgm:effectClrLst/>
     <dgm:txLinClrLst/>
@@ -6811,12 +7564,12 @@
   </dgm:styleLbl>
   <dgm:styleLbl name="bgShp">
     <dgm:fillClrLst meth="repeat">
-      <a:schemeClr val="dk2">
+      <a:schemeClr val="accent1">
         <a:tint val="40000"/>
       </a:schemeClr>
     </dgm:fillClrLst>
     <dgm:linClrLst meth="repeat">
-      <a:schemeClr val="dk2"/>
+      <a:schemeClr val="accent1"/>
     </dgm:linClrLst>
     <dgm:effectClrLst/>
     <dgm:txLinClrLst/>
@@ -6827,12 +7580,12 @@
   </dgm:styleLbl>
   <dgm:styleLbl name="dkBgShp">
     <dgm:fillClrLst meth="repeat">
-      <a:schemeClr val="dk2">
+      <a:schemeClr val="accent1">
         <a:shade val="80000"/>
       </a:schemeClr>
     </dgm:fillClrLst>
     <dgm:linClrLst meth="repeat">
-      <a:schemeClr val="dk2"/>
+      <a:schemeClr val="accent1"/>
     </dgm:linClrLst>
     <dgm:effectClrLst/>
     <dgm:txLinClrLst/>
@@ -6843,13 +7596,13 @@
   </dgm:styleLbl>
   <dgm:styleLbl name="trBgShp">
     <dgm:fillClrLst meth="repeat">
-      <a:schemeClr val="dk2">
+      <a:schemeClr val="accent1">
         <a:tint val="50000"/>
         <a:alpha val="40000"/>
       </a:schemeClr>
     </dgm:fillClrLst>
     <dgm:linClrLst meth="repeat">
-      <a:schemeClr val="dk2"/>
+      <a:schemeClr val="accent1"/>
     </dgm:linClrLst>
     <dgm:effectClrLst/>
     <dgm:txLinClrLst/>
@@ -6860,12 +7613,12 @@
   </dgm:styleLbl>
   <dgm:styleLbl name="fgShp">
     <dgm:fillClrLst meth="repeat">
-      <a:schemeClr val="dk2">
+      <a:schemeClr val="accent1">
         <a:tint val="60000"/>
       </a:schemeClr>
     </dgm:fillClrLst>
     <dgm:linClrLst meth="repeat">
-      <a:schemeClr val="lt2"/>
+      <a:schemeClr val="lt1"/>
     </dgm:linClrLst>
     <dgm:effectClrLst/>
     <dgm:txLinClrLst/>
@@ -6876,7 +7629,7 @@
   </dgm:styleLbl>
   <dgm:styleLbl name="revTx">
     <dgm:fillClrLst meth="repeat">
-      <a:schemeClr val="lt2">
+      <a:schemeClr val="lt1">
         <a:alpha val="0"/>
       </a:schemeClr>
     </dgm:fillClrLst>
@@ -7895,6 +8648,370 @@
 </file>
 
 <file path=ppt/diagrams/data10.xml><?xml version="1.0" encoding="utf-8"?>
+<dgm:dataModel xmlns:dgm="http://schemas.openxmlformats.org/drawingml/2006/diagram" xmlns:a="http://schemas.openxmlformats.org/drawingml/2006/main">
+  <dgm:ptLst>
+    <dgm:pt modelId="{56ED5313-0028-4E49-939E-A1983A8B399A}" type="doc">
+      <dgm:prSet loTypeId="urn:microsoft.com/office/officeart/2005/8/layout/vList2" loCatId="list" qsTypeId="urn:microsoft.com/office/officeart/2005/8/quickstyle/simple4" qsCatId="simple" csTypeId="urn:microsoft.com/office/officeart/2005/8/colors/accent0_3" csCatId="mainScheme"/>
+      <dgm:spPr/>
+      <dgm:t>
+        <a:bodyPr/>
+        <a:lstStyle/>
+        <a:p>
+          <a:endParaRPr lang="en-US"/>
+        </a:p>
+      </dgm:t>
+    </dgm:pt>
+    <dgm:pt modelId="{0C8F615E-FFC5-490A-B118-BEF37DE550B0}">
+      <dgm:prSet/>
+      <dgm:spPr/>
+      <dgm:t>
+        <a:bodyPr/>
+        <a:lstStyle/>
+        <a:p>
+          <a:r>
+            <a:rPr lang="en-IN"/>
+            <a:t>Cannot model discrete data</a:t>
+          </a:r>
+          <a:endParaRPr lang="en-US"/>
+        </a:p>
+      </dgm:t>
+    </dgm:pt>
+    <dgm:pt modelId="{BE16CA62-4013-4FA1-BFF3-EC69D7E27CD8}" type="parTrans" cxnId="{8E4562CA-F01D-4887-849E-831A1007FEE7}">
+      <dgm:prSet/>
+      <dgm:spPr/>
+      <dgm:t>
+        <a:bodyPr/>
+        <a:lstStyle/>
+        <a:p>
+          <a:endParaRPr lang="en-US"/>
+        </a:p>
+      </dgm:t>
+    </dgm:pt>
+    <dgm:pt modelId="{460D482A-8C89-44A9-9F7E-34A43011B7AF}" type="sibTrans" cxnId="{8E4562CA-F01D-4887-849E-831A1007FEE7}">
+      <dgm:prSet/>
+      <dgm:spPr/>
+      <dgm:t>
+        <a:bodyPr/>
+        <a:lstStyle/>
+        <a:p>
+          <a:endParaRPr lang="en-US"/>
+        </a:p>
+      </dgm:t>
+    </dgm:pt>
+    <dgm:pt modelId="{8267E6A9-CEBB-4308-B074-CD4DC279BA10}">
+      <dgm:prSet/>
+      <dgm:spPr/>
+      <dgm:t>
+        <a:bodyPr/>
+        <a:lstStyle/>
+        <a:p>
+          <a:r>
+            <a:rPr lang="en-IN"/>
+            <a:t>No method to check if the generated samples are better than other methods.</a:t>
+          </a:r>
+          <a:endParaRPr lang="en-US"/>
+        </a:p>
+      </dgm:t>
+    </dgm:pt>
+    <dgm:pt modelId="{FD20C8B6-21BB-439C-843A-0F0069F3BF0D}" type="parTrans" cxnId="{E8E9D36E-C226-442D-9300-76D1A3A95D44}">
+      <dgm:prSet/>
+      <dgm:spPr/>
+      <dgm:t>
+        <a:bodyPr/>
+        <a:lstStyle/>
+        <a:p>
+          <a:endParaRPr lang="en-US"/>
+        </a:p>
+      </dgm:t>
+    </dgm:pt>
+    <dgm:pt modelId="{97F30109-E6A1-4C66-9670-7BD10AFE844F}" type="sibTrans" cxnId="{E8E9D36E-C226-442D-9300-76D1A3A95D44}">
+      <dgm:prSet/>
+      <dgm:spPr/>
+      <dgm:t>
+        <a:bodyPr/>
+        <a:lstStyle/>
+        <a:p>
+          <a:endParaRPr lang="en-US"/>
+        </a:p>
+      </dgm:t>
+    </dgm:pt>
+    <dgm:pt modelId="{A183B8CB-87A4-4403-99EE-01F658ADC414}">
+      <dgm:prSet/>
+      <dgm:spPr/>
+      <dgm:t>
+        <a:bodyPr/>
+        <a:lstStyle/>
+        <a:p>
+          <a:r>
+            <a:rPr lang="en-IN"/>
+            <a:t>Produces higher variance</a:t>
+          </a:r>
+          <a:endParaRPr lang="en-US"/>
+        </a:p>
+      </dgm:t>
+    </dgm:pt>
+    <dgm:pt modelId="{3E63C1E5-9466-4C37-9C5B-876A2EC11620}" type="parTrans" cxnId="{7403B673-BE62-49DC-862A-93A92D72F6F5}">
+      <dgm:prSet/>
+      <dgm:spPr/>
+      <dgm:t>
+        <a:bodyPr/>
+        <a:lstStyle/>
+        <a:p>
+          <a:endParaRPr lang="en-US"/>
+        </a:p>
+      </dgm:t>
+    </dgm:pt>
+    <dgm:pt modelId="{34693247-6473-463D-8FD0-286FADCE7994}" type="sibTrans" cxnId="{7403B673-BE62-49DC-862A-93A92D72F6F5}">
+      <dgm:prSet/>
+      <dgm:spPr/>
+      <dgm:t>
+        <a:bodyPr/>
+        <a:lstStyle/>
+        <a:p>
+          <a:endParaRPr lang="en-US"/>
+        </a:p>
+      </dgm:t>
+    </dgm:pt>
+    <dgm:pt modelId="{9C4977E8-F845-4FE9-BA7B-FF3B64520D23}">
+      <dgm:prSet/>
+      <dgm:spPr/>
+      <dgm:t>
+        <a:bodyPr/>
+        <a:lstStyle/>
+        <a:p>
+          <a:r>
+            <a:rPr lang="en-IN"/>
+            <a:t>Does not perform well in high dimensional spaces</a:t>
+          </a:r>
+          <a:endParaRPr lang="en-US"/>
+        </a:p>
+      </dgm:t>
+    </dgm:pt>
+    <dgm:pt modelId="{509A3FC5-DF01-450C-B231-030C6DCD6C6B}" type="parTrans" cxnId="{5BD5249C-FA7B-47AB-94D9-8A29849CB176}">
+      <dgm:prSet/>
+      <dgm:spPr/>
+      <dgm:t>
+        <a:bodyPr/>
+        <a:lstStyle/>
+        <a:p>
+          <a:endParaRPr lang="en-US"/>
+        </a:p>
+      </dgm:t>
+    </dgm:pt>
+    <dgm:pt modelId="{080EE88F-AE15-495D-A50F-008B718D9979}" type="sibTrans" cxnId="{5BD5249C-FA7B-47AB-94D9-8A29849CB176}">
+      <dgm:prSet/>
+      <dgm:spPr/>
+      <dgm:t>
+        <a:bodyPr/>
+        <a:lstStyle/>
+        <a:p>
+          <a:endParaRPr lang="en-US"/>
+        </a:p>
+      </dgm:t>
+    </dgm:pt>
+    <dgm:pt modelId="{4A183A7C-0D46-4E85-A1A8-A0A0B4862D22}">
+      <dgm:prSet/>
+      <dgm:spPr/>
+      <dgm:t>
+        <a:bodyPr/>
+        <a:lstStyle/>
+        <a:p>
+          <a:r>
+            <a:rPr lang="en-IN"/>
+            <a:t>There is no explicit representation of  p</a:t>
+          </a:r>
+          <a:r>
+            <a:rPr lang="en-IN" baseline="-25000"/>
+            <a:t>g</a:t>
+          </a:r>
+          <a:r>
+            <a:rPr lang="en-IN"/>
+            <a:t>(x) – probability distribution of x samples</a:t>
+          </a:r>
+          <a:endParaRPr lang="en-US"/>
+        </a:p>
+      </dgm:t>
+    </dgm:pt>
+    <dgm:pt modelId="{2A867104-D0CC-49C0-BBEF-67907E6A57EC}" type="parTrans" cxnId="{CEEB55D2-8B18-4CB7-8516-BBD7964D1D01}">
+      <dgm:prSet/>
+      <dgm:spPr/>
+      <dgm:t>
+        <a:bodyPr/>
+        <a:lstStyle/>
+        <a:p>
+          <a:endParaRPr lang="en-US"/>
+        </a:p>
+      </dgm:t>
+    </dgm:pt>
+    <dgm:pt modelId="{888AFFE5-C022-432C-A5CA-60BA213E114A}" type="sibTrans" cxnId="{CEEB55D2-8B18-4CB7-8516-BBD7964D1D01}">
+      <dgm:prSet/>
+      <dgm:spPr/>
+      <dgm:t>
+        <a:bodyPr/>
+        <a:lstStyle/>
+        <a:p>
+          <a:endParaRPr lang="en-US"/>
+        </a:p>
+      </dgm:t>
+    </dgm:pt>
+    <dgm:pt modelId="{ADEAE106-381B-4E89-885B-34B0C8C59BF6}">
+      <dgm:prSet/>
+      <dgm:spPr/>
+      <dgm:t>
+        <a:bodyPr/>
+        <a:lstStyle/>
+        <a:p>
+          <a:r>
+            <a:rPr lang="en-IN"/>
+            <a:t>D must be synchronized well with G during training</a:t>
+          </a:r>
+          <a:endParaRPr lang="en-US"/>
+        </a:p>
+      </dgm:t>
+    </dgm:pt>
+    <dgm:pt modelId="{B150064C-49F7-41DB-9EFB-AB326367ABDD}" type="parTrans" cxnId="{C3AD59C0-523E-41C4-AF5D-8F379EF68C8E}">
+      <dgm:prSet/>
+      <dgm:spPr/>
+      <dgm:t>
+        <a:bodyPr/>
+        <a:lstStyle/>
+        <a:p>
+          <a:endParaRPr lang="en-US"/>
+        </a:p>
+      </dgm:t>
+    </dgm:pt>
+    <dgm:pt modelId="{431D4EA0-EA38-4BB7-B855-B3A87850460C}" type="sibTrans" cxnId="{C3AD59C0-523E-41C4-AF5D-8F379EF68C8E}">
+      <dgm:prSet/>
+      <dgm:spPr/>
+      <dgm:t>
+        <a:bodyPr/>
+        <a:lstStyle/>
+        <a:p>
+          <a:endParaRPr lang="en-US"/>
+        </a:p>
+      </dgm:t>
+    </dgm:pt>
+    <dgm:pt modelId="{25EC1DC6-DC85-4304-880A-DB94BB0CBB43}" type="pres">
+      <dgm:prSet presAssocID="{56ED5313-0028-4E49-939E-A1983A8B399A}" presName="linear" presStyleCnt="0">
+        <dgm:presLayoutVars>
+          <dgm:animLvl val="lvl"/>
+          <dgm:resizeHandles val="exact"/>
+        </dgm:presLayoutVars>
+      </dgm:prSet>
+      <dgm:spPr/>
+    </dgm:pt>
+    <dgm:pt modelId="{087CBE0A-5B21-4476-BBF9-E007F25B9B43}" type="pres">
+      <dgm:prSet presAssocID="{0C8F615E-FFC5-490A-B118-BEF37DE550B0}" presName="parentText" presStyleLbl="node1" presStyleIdx="0" presStyleCnt="6">
+        <dgm:presLayoutVars>
+          <dgm:chMax val="0"/>
+          <dgm:bulletEnabled val="1"/>
+        </dgm:presLayoutVars>
+      </dgm:prSet>
+      <dgm:spPr/>
+    </dgm:pt>
+    <dgm:pt modelId="{DC769E4D-CCDA-4AD9-A719-B1B99CBE80D6}" type="pres">
+      <dgm:prSet presAssocID="{460D482A-8C89-44A9-9F7E-34A43011B7AF}" presName="spacer" presStyleCnt="0"/>
+      <dgm:spPr/>
+    </dgm:pt>
+    <dgm:pt modelId="{E45C8DDE-F133-416B-8201-FF348128F681}" type="pres">
+      <dgm:prSet presAssocID="{8267E6A9-CEBB-4308-B074-CD4DC279BA10}" presName="parentText" presStyleLbl="node1" presStyleIdx="1" presStyleCnt="6">
+        <dgm:presLayoutVars>
+          <dgm:chMax val="0"/>
+          <dgm:bulletEnabled val="1"/>
+        </dgm:presLayoutVars>
+      </dgm:prSet>
+      <dgm:spPr/>
+    </dgm:pt>
+    <dgm:pt modelId="{F0844831-59CF-4B0D-AA68-6D3EFBD58FE9}" type="pres">
+      <dgm:prSet presAssocID="{97F30109-E6A1-4C66-9670-7BD10AFE844F}" presName="spacer" presStyleCnt="0"/>
+      <dgm:spPr/>
+    </dgm:pt>
+    <dgm:pt modelId="{E9AA27CD-FE56-4532-B8F3-6CA002F837EF}" type="pres">
+      <dgm:prSet presAssocID="{A183B8CB-87A4-4403-99EE-01F658ADC414}" presName="parentText" presStyleLbl="node1" presStyleIdx="2" presStyleCnt="6">
+        <dgm:presLayoutVars>
+          <dgm:chMax val="0"/>
+          <dgm:bulletEnabled val="1"/>
+        </dgm:presLayoutVars>
+      </dgm:prSet>
+      <dgm:spPr/>
+    </dgm:pt>
+    <dgm:pt modelId="{4E6DDB67-E9AD-4AEC-9997-9734396143FD}" type="pres">
+      <dgm:prSet presAssocID="{34693247-6473-463D-8FD0-286FADCE7994}" presName="spacer" presStyleCnt="0"/>
+      <dgm:spPr/>
+    </dgm:pt>
+    <dgm:pt modelId="{5DFBF34D-3FD4-4893-977D-DD5D0E5B8FA0}" type="pres">
+      <dgm:prSet presAssocID="{9C4977E8-F845-4FE9-BA7B-FF3B64520D23}" presName="parentText" presStyleLbl="node1" presStyleIdx="3" presStyleCnt="6">
+        <dgm:presLayoutVars>
+          <dgm:chMax val="0"/>
+          <dgm:bulletEnabled val="1"/>
+        </dgm:presLayoutVars>
+      </dgm:prSet>
+      <dgm:spPr/>
+    </dgm:pt>
+    <dgm:pt modelId="{2B1546B6-8A8C-49ED-93C8-5BBF93542A6D}" type="pres">
+      <dgm:prSet presAssocID="{080EE88F-AE15-495D-A50F-008B718D9979}" presName="spacer" presStyleCnt="0"/>
+      <dgm:spPr/>
+    </dgm:pt>
+    <dgm:pt modelId="{FB1218FB-D61A-4E95-ACFE-D245EC93D1A4}" type="pres">
+      <dgm:prSet presAssocID="{4A183A7C-0D46-4E85-A1A8-A0A0B4862D22}" presName="parentText" presStyleLbl="node1" presStyleIdx="4" presStyleCnt="6">
+        <dgm:presLayoutVars>
+          <dgm:chMax val="0"/>
+          <dgm:bulletEnabled val="1"/>
+        </dgm:presLayoutVars>
+      </dgm:prSet>
+      <dgm:spPr/>
+    </dgm:pt>
+    <dgm:pt modelId="{CAE5137A-CB68-42D8-9125-E6BD8F4BB8F5}" type="pres">
+      <dgm:prSet presAssocID="{888AFFE5-C022-432C-A5CA-60BA213E114A}" presName="spacer" presStyleCnt="0"/>
+      <dgm:spPr/>
+    </dgm:pt>
+    <dgm:pt modelId="{EB7193F0-4168-486D-9E8D-36E76CC71B52}" type="pres">
+      <dgm:prSet presAssocID="{ADEAE106-381B-4E89-885B-34B0C8C59BF6}" presName="parentText" presStyleLbl="node1" presStyleIdx="5" presStyleCnt="6">
+        <dgm:presLayoutVars>
+          <dgm:chMax val="0"/>
+          <dgm:bulletEnabled val="1"/>
+        </dgm:presLayoutVars>
+      </dgm:prSet>
+      <dgm:spPr/>
+    </dgm:pt>
+  </dgm:ptLst>
+  <dgm:cxnLst>
+    <dgm:cxn modelId="{95A46F07-8468-4F55-92DB-BCAF1DC50146}" type="presOf" srcId="{0C8F615E-FFC5-490A-B118-BEF37DE550B0}" destId="{087CBE0A-5B21-4476-BBF9-E007F25B9B43}" srcOrd="0" destOrd="0" presId="urn:microsoft.com/office/officeart/2005/8/layout/vList2"/>
+    <dgm:cxn modelId="{E8E9D36E-C226-442D-9300-76D1A3A95D44}" srcId="{56ED5313-0028-4E49-939E-A1983A8B399A}" destId="{8267E6A9-CEBB-4308-B074-CD4DC279BA10}" srcOrd="1" destOrd="0" parTransId="{FD20C8B6-21BB-439C-843A-0F0069F3BF0D}" sibTransId="{97F30109-E6A1-4C66-9670-7BD10AFE844F}"/>
+    <dgm:cxn modelId="{7403B673-BE62-49DC-862A-93A92D72F6F5}" srcId="{56ED5313-0028-4E49-939E-A1983A8B399A}" destId="{A183B8CB-87A4-4403-99EE-01F658ADC414}" srcOrd="2" destOrd="0" parTransId="{3E63C1E5-9466-4C37-9C5B-876A2EC11620}" sibTransId="{34693247-6473-463D-8FD0-286FADCE7994}"/>
+    <dgm:cxn modelId="{B6F13F94-54B4-43E0-AFBB-11B93721A9E0}" type="presOf" srcId="{4A183A7C-0D46-4E85-A1A8-A0A0B4862D22}" destId="{FB1218FB-D61A-4E95-ACFE-D245EC93D1A4}" srcOrd="0" destOrd="0" presId="urn:microsoft.com/office/officeart/2005/8/layout/vList2"/>
+    <dgm:cxn modelId="{19B32C9A-6BE5-42A6-B6BC-97CFC1F16295}" type="presOf" srcId="{8267E6A9-CEBB-4308-B074-CD4DC279BA10}" destId="{E45C8DDE-F133-416B-8201-FF348128F681}" srcOrd="0" destOrd="0" presId="urn:microsoft.com/office/officeart/2005/8/layout/vList2"/>
+    <dgm:cxn modelId="{5BD5249C-FA7B-47AB-94D9-8A29849CB176}" srcId="{56ED5313-0028-4E49-939E-A1983A8B399A}" destId="{9C4977E8-F845-4FE9-BA7B-FF3B64520D23}" srcOrd="3" destOrd="0" parTransId="{509A3FC5-DF01-450C-B231-030C6DCD6C6B}" sibTransId="{080EE88F-AE15-495D-A50F-008B718D9979}"/>
+    <dgm:cxn modelId="{EED145AB-B284-432B-B35F-5E7DCFD67FD9}" type="presOf" srcId="{56ED5313-0028-4E49-939E-A1983A8B399A}" destId="{25EC1DC6-DC85-4304-880A-DB94BB0CBB43}" srcOrd="0" destOrd="0" presId="urn:microsoft.com/office/officeart/2005/8/layout/vList2"/>
+    <dgm:cxn modelId="{624404BD-9813-44C5-8E6F-6EEE26178763}" type="presOf" srcId="{ADEAE106-381B-4E89-885B-34B0C8C59BF6}" destId="{EB7193F0-4168-486D-9E8D-36E76CC71B52}" srcOrd="0" destOrd="0" presId="urn:microsoft.com/office/officeart/2005/8/layout/vList2"/>
+    <dgm:cxn modelId="{C3AD59C0-523E-41C4-AF5D-8F379EF68C8E}" srcId="{56ED5313-0028-4E49-939E-A1983A8B399A}" destId="{ADEAE106-381B-4E89-885B-34B0C8C59BF6}" srcOrd="5" destOrd="0" parTransId="{B150064C-49F7-41DB-9EFB-AB326367ABDD}" sibTransId="{431D4EA0-EA38-4BB7-B855-B3A87850460C}"/>
+    <dgm:cxn modelId="{8E4562CA-F01D-4887-849E-831A1007FEE7}" srcId="{56ED5313-0028-4E49-939E-A1983A8B399A}" destId="{0C8F615E-FFC5-490A-B118-BEF37DE550B0}" srcOrd="0" destOrd="0" parTransId="{BE16CA62-4013-4FA1-BFF3-EC69D7E27CD8}" sibTransId="{460D482A-8C89-44A9-9F7E-34A43011B7AF}"/>
+    <dgm:cxn modelId="{CEEB55D2-8B18-4CB7-8516-BBD7964D1D01}" srcId="{56ED5313-0028-4E49-939E-A1983A8B399A}" destId="{4A183A7C-0D46-4E85-A1A8-A0A0B4862D22}" srcOrd="4" destOrd="0" parTransId="{2A867104-D0CC-49C0-BBEF-67907E6A57EC}" sibTransId="{888AFFE5-C022-432C-A5CA-60BA213E114A}"/>
+    <dgm:cxn modelId="{5BBFB1D4-18BE-422D-8C37-625E8A58EC9A}" type="presOf" srcId="{9C4977E8-F845-4FE9-BA7B-FF3B64520D23}" destId="{5DFBF34D-3FD4-4893-977D-DD5D0E5B8FA0}" srcOrd="0" destOrd="0" presId="urn:microsoft.com/office/officeart/2005/8/layout/vList2"/>
+    <dgm:cxn modelId="{533AEEF1-DE67-4C2E-A14D-E317B174D513}" type="presOf" srcId="{A183B8CB-87A4-4403-99EE-01F658ADC414}" destId="{E9AA27CD-FE56-4532-B8F3-6CA002F837EF}" srcOrd="0" destOrd="0" presId="urn:microsoft.com/office/officeart/2005/8/layout/vList2"/>
+    <dgm:cxn modelId="{0BCE8349-3068-4EDD-A5DF-A4F24E0940F6}" type="presParOf" srcId="{25EC1DC6-DC85-4304-880A-DB94BB0CBB43}" destId="{087CBE0A-5B21-4476-BBF9-E007F25B9B43}" srcOrd="0" destOrd="0" presId="urn:microsoft.com/office/officeart/2005/8/layout/vList2"/>
+    <dgm:cxn modelId="{4F317334-D8D5-4B72-99A0-1D0EB16B88FD}" type="presParOf" srcId="{25EC1DC6-DC85-4304-880A-DB94BB0CBB43}" destId="{DC769E4D-CCDA-4AD9-A719-B1B99CBE80D6}" srcOrd="1" destOrd="0" presId="urn:microsoft.com/office/officeart/2005/8/layout/vList2"/>
+    <dgm:cxn modelId="{D1D2C21C-1E8F-4FEA-BF35-5987C2C89ECE}" type="presParOf" srcId="{25EC1DC6-DC85-4304-880A-DB94BB0CBB43}" destId="{E45C8DDE-F133-416B-8201-FF348128F681}" srcOrd="2" destOrd="0" presId="urn:microsoft.com/office/officeart/2005/8/layout/vList2"/>
+    <dgm:cxn modelId="{C8C39EFA-716A-4180-B1EB-C3C83B6A749F}" type="presParOf" srcId="{25EC1DC6-DC85-4304-880A-DB94BB0CBB43}" destId="{F0844831-59CF-4B0D-AA68-6D3EFBD58FE9}" srcOrd="3" destOrd="0" presId="urn:microsoft.com/office/officeart/2005/8/layout/vList2"/>
+    <dgm:cxn modelId="{E5FFCD2A-1E8C-4E39-AD6D-B82A37BCB8C1}" type="presParOf" srcId="{25EC1DC6-DC85-4304-880A-DB94BB0CBB43}" destId="{E9AA27CD-FE56-4532-B8F3-6CA002F837EF}" srcOrd="4" destOrd="0" presId="urn:microsoft.com/office/officeart/2005/8/layout/vList2"/>
+    <dgm:cxn modelId="{F2EF2E4C-753E-445A-B2F4-B2AC21AEA3F4}" type="presParOf" srcId="{25EC1DC6-DC85-4304-880A-DB94BB0CBB43}" destId="{4E6DDB67-E9AD-4AEC-9997-9734396143FD}" srcOrd="5" destOrd="0" presId="urn:microsoft.com/office/officeart/2005/8/layout/vList2"/>
+    <dgm:cxn modelId="{03E94612-3E27-4A8D-B0F4-C547A925D47C}" type="presParOf" srcId="{25EC1DC6-DC85-4304-880A-DB94BB0CBB43}" destId="{5DFBF34D-3FD4-4893-977D-DD5D0E5B8FA0}" srcOrd="6" destOrd="0" presId="urn:microsoft.com/office/officeart/2005/8/layout/vList2"/>
+    <dgm:cxn modelId="{004D67EF-63C1-4E9F-8136-0AF344997090}" type="presParOf" srcId="{25EC1DC6-DC85-4304-880A-DB94BB0CBB43}" destId="{2B1546B6-8A8C-49ED-93C8-5BBF93542A6D}" srcOrd="7" destOrd="0" presId="urn:microsoft.com/office/officeart/2005/8/layout/vList2"/>
+    <dgm:cxn modelId="{963A1402-4CD8-46D7-900B-D58C94F72D23}" type="presParOf" srcId="{25EC1DC6-DC85-4304-880A-DB94BB0CBB43}" destId="{FB1218FB-D61A-4E95-ACFE-D245EC93D1A4}" srcOrd="8" destOrd="0" presId="urn:microsoft.com/office/officeart/2005/8/layout/vList2"/>
+    <dgm:cxn modelId="{6B7ECFF3-7DA9-4339-8A24-C5507832B270}" type="presParOf" srcId="{25EC1DC6-DC85-4304-880A-DB94BB0CBB43}" destId="{CAE5137A-CB68-42D8-9125-E6BD8F4BB8F5}" srcOrd="9" destOrd="0" presId="urn:microsoft.com/office/officeart/2005/8/layout/vList2"/>
+    <dgm:cxn modelId="{019D4422-4564-4376-9794-8FDD8FB79598}" type="presParOf" srcId="{25EC1DC6-DC85-4304-880A-DB94BB0CBB43}" destId="{EB7193F0-4168-486D-9E8D-36E76CC71B52}" srcOrd="10" destOrd="0" presId="urn:microsoft.com/office/officeart/2005/8/layout/vList2"/>
+  </dgm:cxnLst>
+  <dgm:bg/>
+  <dgm:whole/>
+  <dgm:extLst>
+    <a:ext uri="http://schemas.microsoft.com/office/drawing/2008/diagram">
+      <dsp:dataModelExt xmlns:dsp="http://schemas.microsoft.com/office/drawing/2008/diagram" relId="rId9" minVer="http://schemas.openxmlformats.org/drawingml/2006/diagram"/>
+    </a:ext>
+  </dgm:extLst>
+</dgm:dataModel>
+</file>
+
+<file path=ppt/diagrams/data11.xml><?xml version="1.0" encoding="utf-8"?>
 <dgm:dataModel xmlns:dgm="http://schemas.openxmlformats.org/drawingml/2006/diagram" xmlns:a="http://schemas.openxmlformats.org/drawingml/2006/main">
   <dgm:ptLst>
     <dgm:pt modelId="{D5CC6F61-61B8-446D-BF1B-F7FA6E06520F}" type="doc">
@@ -9581,6 +10698,91 @@
 <file path=ppt/diagrams/data7.xml><?xml version="1.0" encoding="utf-8"?>
 <dgm:dataModel xmlns:dgm="http://schemas.openxmlformats.org/drawingml/2006/diagram" xmlns:a="http://schemas.openxmlformats.org/drawingml/2006/main">
   <dgm:ptLst>
+    <dgm:pt modelId="{D5F554BD-0EFE-42CA-BB79-D59C6807457C}" type="doc">
+      <dgm:prSet loTypeId="urn:microsoft.com/office/officeart/2005/8/layout/vList2" loCatId="list" qsTypeId="urn:microsoft.com/office/officeart/2005/8/quickstyle/simple1" qsCatId="simple" csTypeId="urn:microsoft.com/office/officeart/2005/8/colors/accent1_2" csCatId="accent1" phldr="1"/>
+      <dgm:spPr/>
+      <dgm:t>
+        <a:bodyPr/>
+        <a:lstStyle/>
+        <a:p>
+          <a:endParaRPr lang="en-IN"/>
+        </a:p>
+      </dgm:t>
+    </dgm:pt>
+    <dgm:pt modelId="{03CBC41F-86FE-4F47-856A-50267FDF7A49}">
+      <dgm:prSet/>
+      <dgm:spPr/>
+      <dgm:t>
+        <a:bodyPr/>
+        <a:lstStyle/>
+        <a:p>
+          <a:r>
+            <a:rPr lang="en-IN" dirty="0"/>
+            <a:t>Estimating this ratio using supervised learning is the key approximation mechanism used by GANs</a:t>
+          </a:r>
+        </a:p>
+      </dgm:t>
+    </dgm:pt>
+    <dgm:pt modelId="{9F878A9E-5497-4FBC-AFB0-56128FED541C}" type="parTrans" cxnId="{2BD3CB4A-5D2F-426E-8A36-5C098832C76A}">
+      <dgm:prSet/>
+      <dgm:spPr/>
+      <dgm:t>
+        <a:bodyPr/>
+        <a:lstStyle/>
+        <a:p>
+          <a:endParaRPr lang="en-IN"/>
+        </a:p>
+      </dgm:t>
+    </dgm:pt>
+    <dgm:pt modelId="{FB775E8F-FF6F-4004-95FC-17628252CE7A}" type="sibTrans" cxnId="{2BD3CB4A-5D2F-426E-8A36-5C098832C76A}">
+      <dgm:prSet/>
+      <dgm:spPr/>
+      <dgm:t>
+        <a:bodyPr/>
+        <a:lstStyle/>
+        <a:p>
+          <a:endParaRPr lang="en-IN"/>
+        </a:p>
+      </dgm:t>
+    </dgm:pt>
+    <dgm:pt modelId="{23765600-78E0-4A2D-88D8-4E37025DDFC2}" type="pres">
+      <dgm:prSet presAssocID="{D5F554BD-0EFE-42CA-BB79-D59C6807457C}" presName="linear" presStyleCnt="0">
+        <dgm:presLayoutVars>
+          <dgm:animLvl val="lvl"/>
+          <dgm:resizeHandles val="exact"/>
+        </dgm:presLayoutVars>
+      </dgm:prSet>
+      <dgm:spPr/>
+    </dgm:pt>
+    <dgm:pt modelId="{574D4300-07AB-4DE8-885C-3CCFF069A14D}" type="pres">
+      <dgm:prSet presAssocID="{03CBC41F-86FE-4F47-856A-50267FDF7A49}" presName="parentText" presStyleLbl="node1" presStyleIdx="0" presStyleCnt="1" custScaleY="32115">
+        <dgm:presLayoutVars>
+          <dgm:chMax val="0"/>
+          <dgm:bulletEnabled val="1"/>
+        </dgm:presLayoutVars>
+      </dgm:prSet>
+      <dgm:spPr/>
+    </dgm:pt>
+  </dgm:ptLst>
+  <dgm:cxnLst>
+    <dgm:cxn modelId="{2BD3CB4A-5D2F-426E-8A36-5C098832C76A}" srcId="{D5F554BD-0EFE-42CA-BB79-D59C6807457C}" destId="{03CBC41F-86FE-4F47-856A-50267FDF7A49}" srcOrd="0" destOrd="0" parTransId="{9F878A9E-5497-4FBC-AFB0-56128FED541C}" sibTransId="{FB775E8F-FF6F-4004-95FC-17628252CE7A}"/>
+    <dgm:cxn modelId="{8969DF55-4A31-4FA1-9451-F1C8B18BF524}" type="presOf" srcId="{D5F554BD-0EFE-42CA-BB79-D59C6807457C}" destId="{23765600-78E0-4A2D-88D8-4E37025DDFC2}" srcOrd="0" destOrd="0" presId="urn:microsoft.com/office/officeart/2005/8/layout/vList2"/>
+    <dgm:cxn modelId="{9B599FD0-4D61-4FCE-A101-8D18478B3342}" type="presOf" srcId="{03CBC41F-86FE-4F47-856A-50267FDF7A49}" destId="{574D4300-07AB-4DE8-885C-3CCFF069A14D}" srcOrd="0" destOrd="0" presId="urn:microsoft.com/office/officeart/2005/8/layout/vList2"/>
+    <dgm:cxn modelId="{F1E24947-1E45-4713-8B71-FAE2F34FF4FB}" type="presParOf" srcId="{23765600-78E0-4A2D-88D8-4E37025DDFC2}" destId="{574D4300-07AB-4DE8-885C-3CCFF069A14D}" srcOrd="0" destOrd="0" presId="urn:microsoft.com/office/officeart/2005/8/layout/vList2"/>
+  </dgm:cxnLst>
+  <dgm:bg/>
+  <dgm:whole/>
+  <dgm:extLst>
+    <a:ext uri="http://schemas.microsoft.com/office/drawing/2008/diagram">
+      <dsp:dataModelExt xmlns:dsp="http://schemas.microsoft.com/office/drawing/2008/diagram" relId="rId8" minVer="http://schemas.openxmlformats.org/drawingml/2006/diagram"/>
+    </a:ext>
+  </dgm:extLst>
+</dgm:dataModel>
+</file>
+
+<file path=ppt/diagrams/data8.xml><?xml version="1.0" encoding="utf-8"?>
+<dgm:dataModel xmlns:dgm="http://schemas.openxmlformats.org/drawingml/2006/diagram" xmlns:a="http://schemas.openxmlformats.org/drawingml/2006/main">
+  <dgm:ptLst>
     <dgm:pt modelId="{8AD3614F-10C1-483D-AEB9-800386B34D2A}" type="doc">
       <dgm:prSet loTypeId="urn:microsoft.com/office/officeart/2005/8/layout/vList2" loCatId="list" qsTypeId="urn:microsoft.com/office/officeart/2005/8/quickstyle/simple1" qsCatId="simple" csTypeId="urn:microsoft.com/office/officeart/2005/8/colors/accent1_2" csCatId="accent1"/>
       <dgm:spPr/>
@@ -9826,7 +11028,7 @@
 </dgm:dataModel>
 </file>
 
-<file path=ppt/diagrams/data8.xml><?xml version="1.0" encoding="utf-8"?>
+<file path=ppt/diagrams/data9.xml><?xml version="1.0" encoding="utf-8"?>
 <dgm:dataModel xmlns:dgm="http://schemas.openxmlformats.org/drawingml/2006/diagram" xmlns:a="http://schemas.openxmlformats.org/drawingml/2006/main">
   <dgm:ptLst>
     <dgm:pt modelId="{DC13E2E2-462B-4025-BF76-6943619A906D}" type="doc">
@@ -10063,370 +11265,6 @@
     <dgm:cxn modelId="{1B2F5E22-FC8E-4FC5-BD75-0DB41EEB4026}" type="presParOf" srcId="{F3EC12D2-CB5E-4BCF-ADA9-AD94FFC62B50}" destId="{EDAF19CE-7A6B-497A-B33E-EAA8A2DFB4A9}" srcOrd="4" destOrd="0" presId="urn:microsoft.com/office/officeart/2005/8/layout/vList2"/>
     <dgm:cxn modelId="{BBB14C63-2151-4C9E-AFE9-60569E29746A}" type="presParOf" srcId="{F3EC12D2-CB5E-4BCF-ADA9-AD94FFC62B50}" destId="{C15C9287-8165-47A5-AD36-8FC229021D50}" srcOrd="5" destOrd="0" presId="urn:microsoft.com/office/officeart/2005/8/layout/vList2"/>
     <dgm:cxn modelId="{09A48F3B-D8E3-4868-9932-5F5A8F450F84}" type="presParOf" srcId="{F3EC12D2-CB5E-4BCF-ADA9-AD94FFC62B50}" destId="{C9719DF9-3E78-4D77-8499-8D4D2BD1A081}" srcOrd="6" destOrd="0" presId="urn:microsoft.com/office/officeart/2005/8/layout/vList2"/>
-  </dgm:cxnLst>
-  <dgm:bg/>
-  <dgm:whole/>
-  <dgm:extLst>
-    <a:ext uri="http://schemas.microsoft.com/office/drawing/2008/diagram">
-      <dsp:dataModelExt xmlns:dsp="http://schemas.microsoft.com/office/drawing/2008/diagram" relId="rId9" minVer="http://schemas.openxmlformats.org/drawingml/2006/diagram"/>
-    </a:ext>
-  </dgm:extLst>
-</dgm:dataModel>
-</file>
-
-<file path=ppt/diagrams/data9.xml><?xml version="1.0" encoding="utf-8"?>
-<dgm:dataModel xmlns:dgm="http://schemas.openxmlformats.org/drawingml/2006/diagram" xmlns:a="http://schemas.openxmlformats.org/drawingml/2006/main">
-  <dgm:ptLst>
-    <dgm:pt modelId="{56ED5313-0028-4E49-939E-A1983A8B399A}" type="doc">
-      <dgm:prSet loTypeId="urn:microsoft.com/office/officeart/2005/8/layout/vList2" loCatId="list" qsTypeId="urn:microsoft.com/office/officeart/2005/8/quickstyle/simple4" qsCatId="simple" csTypeId="urn:microsoft.com/office/officeart/2005/8/colors/accent0_3" csCatId="mainScheme"/>
-      <dgm:spPr/>
-      <dgm:t>
-        <a:bodyPr/>
-        <a:lstStyle/>
-        <a:p>
-          <a:endParaRPr lang="en-US"/>
-        </a:p>
-      </dgm:t>
-    </dgm:pt>
-    <dgm:pt modelId="{0C8F615E-FFC5-490A-B118-BEF37DE550B0}">
-      <dgm:prSet/>
-      <dgm:spPr/>
-      <dgm:t>
-        <a:bodyPr/>
-        <a:lstStyle/>
-        <a:p>
-          <a:r>
-            <a:rPr lang="en-IN"/>
-            <a:t>Cannot model discrete data</a:t>
-          </a:r>
-          <a:endParaRPr lang="en-US"/>
-        </a:p>
-      </dgm:t>
-    </dgm:pt>
-    <dgm:pt modelId="{BE16CA62-4013-4FA1-BFF3-EC69D7E27CD8}" type="parTrans" cxnId="{8E4562CA-F01D-4887-849E-831A1007FEE7}">
-      <dgm:prSet/>
-      <dgm:spPr/>
-      <dgm:t>
-        <a:bodyPr/>
-        <a:lstStyle/>
-        <a:p>
-          <a:endParaRPr lang="en-US"/>
-        </a:p>
-      </dgm:t>
-    </dgm:pt>
-    <dgm:pt modelId="{460D482A-8C89-44A9-9F7E-34A43011B7AF}" type="sibTrans" cxnId="{8E4562CA-F01D-4887-849E-831A1007FEE7}">
-      <dgm:prSet/>
-      <dgm:spPr/>
-      <dgm:t>
-        <a:bodyPr/>
-        <a:lstStyle/>
-        <a:p>
-          <a:endParaRPr lang="en-US"/>
-        </a:p>
-      </dgm:t>
-    </dgm:pt>
-    <dgm:pt modelId="{8267E6A9-CEBB-4308-B074-CD4DC279BA10}">
-      <dgm:prSet/>
-      <dgm:spPr/>
-      <dgm:t>
-        <a:bodyPr/>
-        <a:lstStyle/>
-        <a:p>
-          <a:r>
-            <a:rPr lang="en-IN"/>
-            <a:t>No method to check if the generated samples are better than other methods.</a:t>
-          </a:r>
-          <a:endParaRPr lang="en-US"/>
-        </a:p>
-      </dgm:t>
-    </dgm:pt>
-    <dgm:pt modelId="{FD20C8B6-21BB-439C-843A-0F0069F3BF0D}" type="parTrans" cxnId="{E8E9D36E-C226-442D-9300-76D1A3A95D44}">
-      <dgm:prSet/>
-      <dgm:spPr/>
-      <dgm:t>
-        <a:bodyPr/>
-        <a:lstStyle/>
-        <a:p>
-          <a:endParaRPr lang="en-US"/>
-        </a:p>
-      </dgm:t>
-    </dgm:pt>
-    <dgm:pt modelId="{97F30109-E6A1-4C66-9670-7BD10AFE844F}" type="sibTrans" cxnId="{E8E9D36E-C226-442D-9300-76D1A3A95D44}">
-      <dgm:prSet/>
-      <dgm:spPr/>
-      <dgm:t>
-        <a:bodyPr/>
-        <a:lstStyle/>
-        <a:p>
-          <a:endParaRPr lang="en-US"/>
-        </a:p>
-      </dgm:t>
-    </dgm:pt>
-    <dgm:pt modelId="{A183B8CB-87A4-4403-99EE-01F658ADC414}">
-      <dgm:prSet/>
-      <dgm:spPr/>
-      <dgm:t>
-        <a:bodyPr/>
-        <a:lstStyle/>
-        <a:p>
-          <a:r>
-            <a:rPr lang="en-IN"/>
-            <a:t>Produces higher variance</a:t>
-          </a:r>
-          <a:endParaRPr lang="en-US"/>
-        </a:p>
-      </dgm:t>
-    </dgm:pt>
-    <dgm:pt modelId="{3E63C1E5-9466-4C37-9C5B-876A2EC11620}" type="parTrans" cxnId="{7403B673-BE62-49DC-862A-93A92D72F6F5}">
-      <dgm:prSet/>
-      <dgm:spPr/>
-      <dgm:t>
-        <a:bodyPr/>
-        <a:lstStyle/>
-        <a:p>
-          <a:endParaRPr lang="en-US"/>
-        </a:p>
-      </dgm:t>
-    </dgm:pt>
-    <dgm:pt modelId="{34693247-6473-463D-8FD0-286FADCE7994}" type="sibTrans" cxnId="{7403B673-BE62-49DC-862A-93A92D72F6F5}">
-      <dgm:prSet/>
-      <dgm:spPr/>
-      <dgm:t>
-        <a:bodyPr/>
-        <a:lstStyle/>
-        <a:p>
-          <a:endParaRPr lang="en-US"/>
-        </a:p>
-      </dgm:t>
-    </dgm:pt>
-    <dgm:pt modelId="{9C4977E8-F845-4FE9-BA7B-FF3B64520D23}">
-      <dgm:prSet/>
-      <dgm:spPr/>
-      <dgm:t>
-        <a:bodyPr/>
-        <a:lstStyle/>
-        <a:p>
-          <a:r>
-            <a:rPr lang="en-IN"/>
-            <a:t>Does not perform well in high dimensional spaces</a:t>
-          </a:r>
-          <a:endParaRPr lang="en-US"/>
-        </a:p>
-      </dgm:t>
-    </dgm:pt>
-    <dgm:pt modelId="{509A3FC5-DF01-450C-B231-030C6DCD6C6B}" type="parTrans" cxnId="{5BD5249C-FA7B-47AB-94D9-8A29849CB176}">
-      <dgm:prSet/>
-      <dgm:spPr/>
-      <dgm:t>
-        <a:bodyPr/>
-        <a:lstStyle/>
-        <a:p>
-          <a:endParaRPr lang="en-US"/>
-        </a:p>
-      </dgm:t>
-    </dgm:pt>
-    <dgm:pt modelId="{080EE88F-AE15-495D-A50F-008B718D9979}" type="sibTrans" cxnId="{5BD5249C-FA7B-47AB-94D9-8A29849CB176}">
-      <dgm:prSet/>
-      <dgm:spPr/>
-      <dgm:t>
-        <a:bodyPr/>
-        <a:lstStyle/>
-        <a:p>
-          <a:endParaRPr lang="en-US"/>
-        </a:p>
-      </dgm:t>
-    </dgm:pt>
-    <dgm:pt modelId="{4A183A7C-0D46-4E85-A1A8-A0A0B4862D22}">
-      <dgm:prSet/>
-      <dgm:spPr/>
-      <dgm:t>
-        <a:bodyPr/>
-        <a:lstStyle/>
-        <a:p>
-          <a:r>
-            <a:rPr lang="en-IN"/>
-            <a:t>There is no explicit representation of  p</a:t>
-          </a:r>
-          <a:r>
-            <a:rPr lang="en-IN" baseline="-25000"/>
-            <a:t>g</a:t>
-          </a:r>
-          <a:r>
-            <a:rPr lang="en-IN"/>
-            <a:t>(x) – probability distribution of x samples</a:t>
-          </a:r>
-          <a:endParaRPr lang="en-US"/>
-        </a:p>
-      </dgm:t>
-    </dgm:pt>
-    <dgm:pt modelId="{2A867104-D0CC-49C0-BBEF-67907E6A57EC}" type="parTrans" cxnId="{CEEB55D2-8B18-4CB7-8516-BBD7964D1D01}">
-      <dgm:prSet/>
-      <dgm:spPr/>
-      <dgm:t>
-        <a:bodyPr/>
-        <a:lstStyle/>
-        <a:p>
-          <a:endParaRPr lang="en-US"/>
-        </a:p>
-      </dgm:t>
-    </dgm:pt>
-    <dgm:pt modelId="{888AFFE5-C022-432C-A5CA-60BA213E114A}" type="sibTrans" cxnId="{CEEB55D2-8B18-4CB7-8516-BBD7964D1D01}">
-      <dgm:prSet/>
-      <dgm:spPr/>
-      <dgm:t>
-        <a:bodyPr/>
-        <a:lstStyle/>
-        <a:p>
-          <a:endParaRPr lang="en-US"/>
-        </a:p>
-      </dgm:t>
-    </dgm:pt>
-    <dgm:pt modelId="{ADEAE106-381B-4E89-885B-34B0C8C59BF6}">
-      <dgm:prSet/>
-      <dgm:spPr/>
-      <dgm:t>
-        <a:bodyPr/>
-        <a:lstStyle/>
-        <a:p>
-          <a:r>
-            <a:rPr lang="en-IN"/>
-            <a:t>D must be synchronized well with G during training</a:t>
-          </a:r>
-          <a:endParaRPr lang="en-US"/>
-        </a:p>
-      </dgm:t>
-    </dgm:pt>
-    <dgm:pt modelId="{B150064C-49F7-41DB-9EFB-AB326367ABDD}" type="parTrans" cxnId="{C3AD59C0-523E-41C4-AF5D-8F379EF68C8E}">
-      <dgm:prSet/>
-      <dgm:spPr/>
-      <dgm:t>
-        <a:bodyPr/>
-        <a:lstStyle/>
-        <a:p>
-          <a:endParaRPr lang="en-US"/>
-        </a:p>
-      </dgm:t>
-    </dgm:pt>
-    <dgm:pt modelId="{431D4EA0-EA38-4BB7-B855-B3A87850460C}" type="sibTrans" cxnId="{C3AD59C0-523E-41C4-AF5D-8F379EF68C8E}">
-      <dgm:prSet/>
-      <dgm:spPr/>
-      <dgm:t>
-        <a:bodyPr/>
-        <a:lstStyle/>
-        <a:p>
-          <a:endParaRPr lang="en-US"/>
-        </a:p>
-      </dgm:t>
-    </dgm:pt>
-    <dgm:pt modelId="{25EC1DC6-DC85-4304-880A-DB94BB0CBB43}" type="pres">
-      <dgm:prSet presAssocID="{56ED5313-0028-4E49-939E-A1983A8B399A}" presName="linear" presStyleCnt="0">
-        <dgm:presLayoutVars>
-          <dgm:animLvl val="lvl"/>
-          <dgm:resizeHandles val="exact"/>
-        </dgm:presLayoutVars>
-      </dgm:prSet>
-      <dgm:spPr/>
-    </dgm:pt>
-    <dgm:pt modelId="{087CBE0A-5B21-4476-BBF9-E007F25B9B43}" type="pres">
-      <dgm:prSet presAssocID="{0C8F615E-FFC5-490A-B118-BEF37DE550B0}" presName="parentText" presStyleLbl="node1" presStyleIdx="0" presStyleCnt="6">
-        <dgm:presLayoutVars>
-          <dgm:chMax val="0"/>
-          <dgm:bulletEnabled val="1"/>
-        </dgm:presLayoutVars>
-      </dgm:prSet>
-      <dgm:spPr/>
-    </dgm:pt>
-    <dgm:pt modelId="{DC769E4D-CCDA-4AD9-A719-B1B99CBE80D6}" type="pres">
-      <dgm:prSet presAssocID="{460D482A-8C89-44A9-9F7E-34A43011B7AF}" presName="spacer" presStyleCnt="0"/>
-      <dgm:spPr/>
-    </dgm:pt>
-    <dgm:pt modelId="{E45C8DDE-F133-416B-8201-FF348128F681}" type="pres">
-      <dgm:prSet presAssocID="{8267E6A9-CEBB-4308-B074-CD4DC279BA10}" presName="parentText" presStyleLbl="node1" presStyleIdx="1" presStyleCnt="6">
-        <dgm:presLayoutVars>
-          <dgm:chMax val="0"/>
-          <dgm:bulletEnabled val="1"/>
-        </dgm:presLayoutVars>
-      </dgm:prSet>
-      <dgm:spPr/>
-    </dgm:pt>
-    <dgm:pt modelId="{F0844831-59CF-4B0D-AA68-6D3EFBD58FE9}" type="pres">
-      <dgm:prSet presAssocID="{97F30109-E6A1-4C66-9670-7BD10AFE844F}" presName="spacer" presStyleCnt="0"/>
-      <dgm:spPr/>
-    </dgm:pt>
-    <dgm:pt modelId="{E9AA27CD-FE56-4532-B8F3-6CA002F837EF}" type="pres">
-      <dgm:prSet presAssocID="{A183B8CB-87A4-4403-99EE-01F658ADC414}" presName="parentText" presStyleLbl="node1" presStyleIdx="2" presStyleCnt="6">
-        <dgm:presLayoutVars>
-          <dgm:chMax val="0"/>
-          <dgm:bulletEnabled val="1"/>
-        </dgm:presLayoutVars>
-      </dgm:prSet>
-      <dgm:spPr/>
-    </dgm:pt>
-    <dgm:pt modelId="{4E6DDB67-E9AD-4AEC-9997-9734396143FD}" type="pres">
-      <dgm:prSet presAssocID="{34693247-6473-463D-8FD0-286FADCE7994}" presName="spacer" presStyleCnt="0"/>
-      <dgm:spPr/>
-    </dgm:pt>
-    <dgm:pt modelId="{5DFBF34D-3FD4-4893-977D-DD5D0E5B8FA0}" type="pres">
-      <dgm:prSet presAssocID="{9C4977E8-F845-4FE9-BA7B-FF3B64520D23}" presName="parentText" presStyleLbl="node1" presStyleIdx="3" presStyleCnt="6">
-        <dgm:presLayoutVars>
-          <dgm:chMax val="0"/>
-          <dgm:bulletEnabled val="1"/>
-        </dgm:presLayoutVars>
-      </dgm:prSet>
-      <dgm:spPr/>
-    </dgm:pt>
-    <dgm:pt modelId="{2B1546B6-8A8C-49ED-93C8-5BBF93542A6D}" type="pres">
-      <dgm:prSet presAssocID="{080EE88F-AE15-495D-A50F-008B718D9979}" presName="spacer" presStyleCnt="0"/>
-      <dgm:spPr/>
-    </dgm:pt>
-    <dgm:pt modelId="{FB1218FB-D61A-4E95-ACFE-D245EC93D1A4}" type="pres">
-      <dgm:prSet presAssocID="{4A183A7C-0D46-4E85-A1A8-A0A0B4862D22}" presName="parentText" presStyleLbl="node1" presStyleIdx="4" presStyleCnt="6">
-        <dgm:presLayoutVars>
-          <dgm:chMax val="0"/>
-          <dgm:bulletEnabled val="1"/>
-        </dgm:presLayoutVars>
-      </dgm:prSet>
-      <dgm:spPr/>
-    </dgm:pt>
-    <dgm:pt modelId="{CAE5137A-CB68-42D8-9125-E6BD8F4BB8F5}" type="pres">
-      <dgm:prSet presAssocID="{888AFFE5-C022-432C-A5CA-60BA213E114A}" presName="spacer" presStyleCnt="0"/>
-      <dgm:spPr/>
-    </dgm:pt>
-    <dgm:pt modelId="{EB7193F0-4168-486D-9E8D-36E76CC71B52}" type="pres">
-      <dgm:prSet presAssocID="{ADEAE106-381B-4E89-885B-34B0C8C59BF6}" presName="parentText" presStyleLbl="node1" presStyleIdx="5" presStyleCnt="6">
-        <dgm:presLayoutVars>
-          <dgm:chMax val="0"/>
-          <dgm:bulletEnabled val="1"/>
-        </dgm:presLayoutVars>
-      </dgm:prSet>
-      <dgm:spPr/>
-    </dgm:pt>
-  </dgm:ptLst>
-  <dgm:cxnLst>
-    <dgm:cxn modelId="{95A46F07-8468-4F55-92DB-BCAF1DC50146}" type="presOf" srcId="{0C8F615E-FFC5-490A-B118-BEF37DE550B0}" destId="{087CBE0A-5B21-4476-BBF9-E007F25B9B43}" srcOrd="0" destOrd="0" presId="urn:microsoft.com/office/officeart/2005/8/layout/vList2"/>
-    <dgm:cxn modelId="{E8E9D36E-C226-442D-9300-76D1A3A95D44}" srcId="{56ED5313-0028-4E49-939E-A1983A8B399A}" destId="{8267E6A9-CEBB-4308-B074-CD4DC279BA10}" srcOrd="1" destOrd="0" parTransId="{FD20C8B6-21BB-439C-843A-0F0069F3BF0D}" sibTransId="{97F30109-E6A1-4C66-9670-7BD10AFE844F}"/>
-    <dgm:cxn modelId="{7403B673-BE62-49DC-862A-93A92D72F6F5}" srcId="{56ED5313-0028-4E49-939E-A1983A8B399A}" destId="{A183B8CB-87A4-4403-99EE-01F658ADC414}" srcOrd="2" destOrd="0" parTransId="{3E63C1E5-9466-4C37-9C5B-876A2EC11620}" sibTransId="{34693247-6473-463D-8FD0-286FADCE7994}"/>
-    <dgm:cxn modelId="{B6F13F94-54B4-43E0-AFBB-11B93721A9E0}" type="presOf" srcId="{4A183A7C-0D46-4E85-A1A8-A0A0B4862D22}" destId="{FB1218FB-D61A-4E95-ACFE-D245EC93D1A4}" srcOrd="0" destOrd="0" presId="urn:microsoft.com/office/officeart/2005/8/layout/vList2"/>
-    <dgm:cxn modelId="{19B32C9A-6BE5-42A6-B6BC-97CFC1F16295}" type="presOf" srcId="{8267E6A9-CEBB-4308-B074-CD4DC279BA10}" destId="{E45C8DDE-F133-416B-8201-FF348128F681}" srcOrd="0" destOrd="0" presId="urn:microsoft.com/office/officeart/2005/8/layout/vList2"/>
-    <dgm:cxn modelId="{5BD5249C-FA7B-47AB-94D9-8A29849CB176}" srcId="{56ED5313-0028-4E49-939E-A1983A8B399A}" destId="{9C4977E8-F845-4FE9-BA7B-FF3B64520D23}" srcOrd="3" destOrd="0" parTransId="{509A3FC5-DF01-450C-B231-030C6DCD6C6B}" sibTransId="{080EE88F-AE15-495D-A50F-008B718D9979}"/>
-    <dgm:cxn modelId="{EED145AB-B284-432B-B35F-5E7DCFD67FD9}" type="presOf" srcId="{56ED5313-0028-4E49-939E-A1983A8B399A}" destId="{25EC1DC6-DC85-4304-880A-DB94BB0CBB43}" srcOrd="0" destOrd="0" presId="urn:microsoft.com/office/officeart/2005/8/layout/vList2"/>
-    <dgm:cxn modelId="{624404BD-9813-44C5-8E6F-6EEE26178763}" type="presOf" srcId="{ADEAE106-381B-4E89-885B-34B0C8C59BF6}" destId="{EB7193F0-4168-486D-9E8D-36E76CC71B52}" srcOrd="0" destOrd="0" presId="urn:microsoft.com/office/officeart/2005/8/layout/vList2"/>
-    <dgm:cxn modelId="{C3AD59C0-523E-41C4-AF5D-8F379EF68C8E}" srcId="{56ED5313-0028-4E49-939E-A1983A8B399A}" destId="{ADEAE106-381B-4E89-885B-34B0C8C59BF6}" srcOrd="5" destOrd="0" parTransId="{B150064C-49F7-41DB-9EFB-AB326367ABDD}" sibTransId="{431D4EA0-EA38-4BB7-B855-B3A87850460C}"/>
-    <dgm:cxn modelId="{8E4562CA-F01D-4887-849E-831A1007FEE7}" srcId="{56ED5313-0028-4E49-939E-A1983A8B399A}" destId="{0C8F615E-FFC5-490A-B118-BEF37DE550B0}" srcOrd="0" destOrd="0" parTransId="{BE16CA62-4013-4FA1-BFF3-EC69D7E27CD8}" sibTransId="{460D482A-8C89-44A9-9F7E-34A43011B7AF}"/>
-    <dgm:cxn modelId="{CEEB55D2-8B18-4CB7-8516-BBD7964D1D01}" srcId="{56ED5313-0028-4E49-939E-A1983A8B399A}" destId="{4A183A7C-0D46-4E85-A1A8-A0A0B4862D22}" srcOrd="4" destOrd="0" parTransId="{2A867104-D0CC-49C0-BBEF-67907E6A57EC}" sibTransId="{888AFFE5-C022-432C-A5CA-60BA213E114A}"/>
-    <dgm:cxn modelId="{5BBFB1D4-18BE-422D-8C37-625E8A58EC9A}" type="presOf" srcId="{9C4977E8-F845-4FE9-BA7B-FF3B64520D23}" destId="{5DFBF34D-3FD4-4893-977D-DD5D0E5B8FA0}" srcOrd="0" destOrd="0" presId="urn:microsoft.com/office/officeart/2005/8/layout/vList2"/>
-    <dgm:cxn modelId="{533AEEF1-DE67-4C2E-A14D-E317B174D513}" type="presOf" srcId="{A183B8CB-87A4-4403-99EE-01F658ADC414}" destId="{E9AA27CD-FE56-4532-B8F3-6CA002F837EF}" srcOrd="0" destOrd="0" presId="urn:microsoft.com/office/officeart/2005/8/layout/vList2"/>
-    <dgm:cxn modelId="{0BCE8349-3068-4EDD-A5DF-A4F24E0940F6}" type="presParOf" srcId="{25EC1DC6-DC85-4304-880A-DB94BB0CBB43}" destId="{087CBE0A-5B21-4476-BBF9-E007F25B9B43}" srcOrd="0" destOrd="0" presId="urn:microsoft.com/office/officeart/2005/8/layout/vList2"/>
-    <dgm:cxn modelId="{4F317334-D8D5-4B72-99A0-1D0EB16B88FD}" type="presParOf" srcId="{25EC1DC6-DC85-4304-880A-DB94BB0CBB43}" destId="{DC769E4D-CCDA-4AD9-A719-B1B99CBE80D6}" srcOrd="1" destOrd="0" presId="urn:microsoft.com/office/officeart/2005/8/layout/vList2"/>
-    <dgm:cxn modelId="{D1D2C21C-1E8F-4FEA-BF35-5987C2C89ECE}" type="presParOf" srcId="{25EC1DC6-DC85-4304-880A-DB94BB0CBB43}" destId="{E45C8DDE-F133-416B-8201-FF348128F681}" srcOrd="2" destOrd="0" presId="urn:microsoft.com/office/officeart/2005/8/layout/vList2"/>
-    <dgm:cxn modelId="{C8C39EFA-716A-4180-B1EB-C3C83B6A749F}" type="presParOf" srcId="{25EC1DC6-DC85-4304-880A-DB94BB0CBB43}" destId="{F0844831-59CF-4B0D-AA68-6D3EFBD58FE9}" srcOrd="3" destOrd="0" presId="urn:microsoft.com/office/officeart/2005/8/layout/vList2"/>
-    <dgm:cxn modelId="{E5FFCD2A-1E8C-4E39-AD6D-B82A37BCB8C1}" type="presParOf" srcId="{25EC1DC6-DC85-4304-880A-DB94BB0CBB43}" destId="{E9AA27CD-FE56-4532-B8F3-6CA002F837EF}" srcOrd="4" destOrd="0" presId="urn:microsoft.com/office/officeart/2005/8/layout/vList2"/>
-    <dgm:cxn modelId="{F2EF2E4C-753E-445A-B2F4-B2AC21AEA3F4}" type="presParOf" srcId="{25EC1DC6-DC85-4304-880A-DB94BB0CBB43}" destId="{4E6DDB67-E9AD-4AEC-9997-9734396143FD}" srcOrd="5" destOrd="0" presId="urn:microsoft.com/office/officeart/2005/8/layout/vList2"/>
-    <dgm:cxn modelId="{03E94612-3E27-4A8D-B0F4-C547A925D47C}" type="presParOf" srcId="{25EC1DC6-DC85-4304-880A-DB94BB0CBB43}" destId="{5DFBF34D-3FD4-4893-977D-DD5D0E5B8FA0}" srcOrd="6" destOrd="0" presId="urn:microsoft.com/office/officeart/2005/8/layout/vList2"/>
-    <dgm:cxn modelId="{004D67EF-63C1-4E9F-8136-0AF344997090}" type="presParOf" srcId="{25EC1DC6-DC85-4304-880A-DB94BB0CBB43}" destId="{2B1546B6-8A8C-49ED-93C8-5BBF93542A6D}" srcOrd="7" destOrd="0" presId="urn:microsoft.com/office/officeart/2005/8/layout/vList2"/>
-    <dgm:cxn modelId="{963A1402-4CD8-46D7-900B-D58C94F72D23}" type="presParOf" srcId="{25EC1DC6-DC85-4304-880A-DB94BB0CBB43}" destId="{FB1218FB-D61A-4E95-ACFE-D245EC93D1A4}" srcOrd="8" destOrd="0" presId="urn:microsoft.com/office/officeart/2005/8/layout/vList2"/>
-    <dgm:cxn modelId="{6B7ECFF3-7DA9-4339-8A24-C5507832B270}" type="presParOf" srcId="{25EC1DC6-DC85-4304-880A-DB94BB0CBB43}" destId="{CAE5137A-CB68-42D8-9125-E6BD8F4BB8F5}" srcOrd="9" destOrd="0" presId="urn:microsoft.com/office/officeart/2005/8/layout/vList2"/>
-    <dgm:cxn modelId="{019D4422-4564-4376-9794-8FDD8FB79598}" type="presParOf" srcId="{25EC1DC6-DC85-4304-880A-DB94BB0CBB43}" destId="{EB7193F0-4168-486D-9E8D-36E76CC71B52}" srcOrd="10" destOrd="0" presId="urn:microsoft.com/office/officeart/2005/8/layout/vList2"/>
   </dgm:cxnLst>
   <dgm:bg/>
   <dgm:whole/>
@@ -10767,6 +11605,626 @@
 </file>
 
 <file path=ppt/diagrams/drawing10.xml><?xml version="1.0" encoding="utf-8"?>
+<dsp:drawing xmlns:dgm="http://schemas.openxmlformats.org/drawingml/2006/diagram" xmlns:dsp="http://schemas.microsoft.com/office/drawing/2008/diagram" xmlns:a="http://schemas.openxmlformats.org/drawingml/2006/main">
+  <dsp:spTree>
+    <dsp:nvGrpSpPr>
+      <dsp:cNvPr id="0" name=""/>
+      <dsp:cNvGrpSpPr/>
+    </dsp:nvGrpSpPr>
+    <dsp:grpSpPr/>
+    <dsp:sp modelId="{087CBE0A-5B21-4476-BBF9-E007F25B9B43}">
+      <dsp:nvSpPr>
+        <dsp:cNvPr id="0" name=""/>
+        <dsp:cNvSpPr/>
+      </dsp:nvSpPr>
+      <dsp:spPr>
+        <a:xfrm>
+          <a:off x="0" y="24626"/>
+          <a:ext cx="5955658" cy="836550"/>
+        </a:xfrm>
+        <a:prstGeom prst="roundRect">
+          <a:avLst/>
+        </a:prstGeom>
+        <a:gradFill rotWithShape="0">
+          <a:gsLst>
+            <a:gs pos="0">
+              <a:schemeClr val="dk2">
+                <a:hueOff val="0"/>
+                <a:satOff val="0"/>
+                <a:lumOff val="0"/>
+                <a:alphaOff val="0"/>
+                <a:tint val="94000"/>
+                <a:satMod val="103000"/>
+                <a:lumMod val="102000"/>
+              </a:schemeClr>
+            </a:gs>
+            <a:gs pos="50000">
+              <a:schemeClr val="dk2">
+                <a:hueOff val="0"/>
+                <a:satOff val="0"/>
+                <a:lumOff val="0"/>
+                <a:alphaOff val="0"/>
+                <a:shade val="100000"/>
+                <a:satMod val="110000"/>
+                <a:lumMod val="100000"/>
+              </a:schemeClr>
+            </a:gs>
+            <a:gs pos="100000">
+              <a:schemeClr val="dk2">
+                <a:hueOff val="0"/>
+                <a:satOff val="0"/>
+                <a:lumOff val="0"/>
+                <a:alphaOff val="0"/>
+                <a:shade val="78000"/>
+                <a:satMod val="120000"/>
+                <a:lumMod val="99000"/>
+              </a:schemeClr>
+            </a:gs>
+          </a:gsLst>
+          <a:lin ang="5400000" scaled="0"/>
+        </a:gradFill>
+        <a:ln>
+          <a:noFill/>
+        </a:ln>
+        <a:effectLst/>
+      </dsp:spPr>
+      <dsp:style>
+        <a:lnRef idx="0">
+          <a:scrgbClr r="0" g="0" b="0"/>
+        </a:lnRef>
+        <a:fillRef idx="3">
+          <a:scrgbClr r="0" g="0" b="0"/>
+        </a:fillRef>
+        <a:effectRef idx="2">
+          <a:scrgbClr r="0" g="0" b="0"/>
+        </a:effectRef>
+        <a:fontRef idx="minor">
+          <a:schemeClr val="lt1"/>
+        </a:fontRef>
+      </dsp:style>
+      <dsp:txBody>
+        <a:bodyPr spcFirstLastPara="0" vert="horz" wrap="square" lIns="83820" tIns="83820" rIns="83820" bIns="83820" numCol="1" spcCol="1270" anchor="ctr" anchorCtr="0">
+          <a:noAutofit/>
+        </a:bodyPr>
+        <a:lstStyle/>
+        <a:p>
+          <a:pPr marL="0" lvl="0" indent="0" algn="l" defTabSz="977900">
+            <a:lnSpc>
+              <a:spcPct val="90000"/>
+            </a:lnSpc>
+            <a:spcBef>
+              <a:spcPct val="0"/>
+            </a:spcBef>
+            <a:spcAft>
+              <a:spcPct val="35000"/>
+            </a:spcAft>
+            <a:buNone/>
+          </a:pPr>
+          <a:r>
+            <a:rPr lang="en-IN" sz="2200" kern="1200"/>
+            <a:t>Cannot model discrete data</a:t>
+          </a:r>
+          <a:endParaRPr lang="en-US" sz="2200" kern="1200"/>
+        </a:p>
+      </dsp:txBody>
+      <dsp:txXfrm>
+        <a:off x="40837" y="65463"/>
+        <a:ext cx="5873984" cy="754876"/>
+      </dsp:txXfrm>
+    </dsp:sp>
+    <dsp:sp modelId="{E45C8DDE-F133-416B-8201-FF348128F681}">
+      <dsp:nvSpPr>
+        <dsp:cNvPr id="0" name=""/>
+        <dsp:cNvSpPr/>
+      </dsp:nvSpPr>
+      <dsp:spPr>
+        <a:xfrm>
+          <a:off x="0" y="924536"/>
+          <a:ext cx="5955658" cy="836550"/>
+        </a:xfrm>
+        <a:prstGeom prst="roundRect">
+          <a:avLst/>
+        </a:prstGeom>
+        <a:gradFill rotWithShape="0">
+          <a:gsLst>
+            <a:gs pos="0">
+              <a:schemeClr val="dk2">
+                <a:hueOff val="0"/>
+                <a:satOff val="0"/>
+                <a:lumOff val="0"/>
+                <a:alphaOff val="0"/>
+                <a:tint val="94000"/>
+                <a:satMod val="103000"/>
+                <a:lumMod val="102000"/>
+              </a:schemeClr>
+            </a:gs>
+            <a:gs pos="50000">
+              <a:schemeClr val="dk2">
+                <a:hueOff val="0"/>
+                <a:satOff val="0"/>
+                <a:lumOff val="0"/>
+                <a:alphaOff val="0"/>
+                <a:shade val="100000"/>
+                <a:satMod val="110000"/>
+                <a:lumMod val="100000"/>
+              </a:schemeClr>
+            </a:gs>
+            <a:gs pos="100000">
+              <a:schemeClr val="dk2">
+                <a:hueOff val="0"/>
+                <a:satOff val="0"/>
+                <a:lumOff val="0"/>
+                <a:alphaOff val="0"/>
+                <a:shade val="78000"/>
+                <a:satMod val="120000"/>
+                <a:lumMod val="99000"/>
+              </a:schemeClr>
+            </a:gs>
+          </a:gsLst>
+          <a:lin ang="5400000" scaled="0"/>
+        </a:gradFill>
+        <a:ln>
+          <a:noFill/>
+        </a:ln>
+        <a:effectLst/>
+      </dsp:spPr>
+      <dsp:style>
+        <a:lnRef idx="0">
+          <a:scrgbClr r="0" g="0" b="0"/>
+        </a:lnRef>
+        <a:fillRef idx="3">
+          <a:scrgbClr r="0" g="0" b="0"/>
+        </a:fillRef>
+        <a:effectRef idx="2">
+          <a:scrgbClr r="0" g="0" b="0"/>
+        </a:effectRef>
+        <a:fontRef idx="minor">
+          <a:schemeClr val="lt1"/>
+        </a:fontRef>
+      </dsp:style>
+      <dsp:txBody>
+        <a:bodyPr spcFirstLastPara="0" vert="horz" wrap="square" lIns="83820" tIns="83820" rIns="83820" bIns="83820" numCol="1" spcCol="1270" anchor="ctr" anchorCtr="0">
+          <a:noAutofit/>
+        </a:bodyPr>
+        <a:lstStyle/>
+        <a:p>
+          <a:pPr marL="0" lvl="0" indent="0" algn="l" defTabSz="977900">
+            <a:lnSpc>
+              <a:spcPct val="90000"/>
+            </a:lnSpc>
+            <a:spcBef>
+              <a:spcPct val="0"/>
+            </a:spcBef>
+            <a:spcAft>
+              <a:spcPct val="35000"/>
+            </a:spcAft>
+            <a:buNone/>
+          </a:pPr>
+          <a:r>
+            <a:rPr lang="en-IN" sz="2200" kern="1200"/>
+            <a:t>No method to check if the generated samples are better than other methods.</a:t>
+          </a:r>
+          <a:endParaRPr lang="en-US" sz="2200" kern="1200"/>
+        </a:p>
+      </dsp:txBody>
+      <dsp:txXfrm>
+        <a:off x="40837" y="965373"/>
+        <a:ext cx="5873984" cy="754876"/>
+      </dsp:txXfrm>
+    </dsp:sp>
+    <dsp:sp modelId="{E9AA27CD-FE56-4532-B8F3-6CA002F837EF}">
+      <dsp:nvSpPr>
+        <dsp:cNvPr id="0" name=""/>
+        <dsp:cNvSpPr/>
+      </dsp:nvSpPr>
+      <dsp:spPr>
+        <a:xfrm>
+          <a:off x="0" y="1824447"/>
+          <a:ext cx="5955658" cy="836550"/>
+        </a:xfrm>
+        <a:prstGeom prst="roundRect">
+          <a:avLst/>
+        </a:prstGeom>
+        <a:gradFill rotWithShape="0">
+          <a:gsLst>
+            <a:gs pos="0">
+              <a:schemeClr val="dk2">
+                <a:hueOff val="0"/>
+                <a:satOff val="0"/>
+                <a:lumOff val="0"/>
+                <a:alphaOff val="0"/>
+                <a:tint val="94000"/>
+                <a:satMod val="103000"/>
+                <a:lumMod val="102000"/>
+              </a:schemeClr>
+            </a:gs>
+            <a:gs pos="50000">
+              <a:schemeClr val="dk2">
+                <a:hueOff val="0"/>
+                <a:satOff val="0"/>
+                <a:lumOff val="0"/>
+                <a:alphaOff val="0"/>
+                <a:shade val="100000"/>
+                <a:satMod val="110000"/>
+                <a:lumMod val="100000"/>
+              </a:schemeClr>
+            </a:gs>
+            <a:gs pos="100000">
+              <a:schemeClr val="dk2">
+                <a:hueOff val="0"/>
+                <a:satOff val="0"/>
+                <a:lumOff val="0"/>
+                <a:alphaOff val="0"/>
+                <a:shade val="78000"/>
+                <a:satMod val="120000"/>
+                <a:lumMod val="99000"/>
+              </a:schemeClr>
+            </a:gs>
+          </a:gsLst>
+          <a:lin ang="5400000" scaled="0"/>
+        </a:gradFill>
+        <a:ln>
+          <a:noFill/>
+        </a:ln>
+        <a:effectLst/>
+      </dsp:spPr>
+      <dsp:style>
+        <a:lnRef idx="0">
+          <a:scrgbClr r="0" g="0" b="0"/>
+        </a:lnRef>
+        <a:fillRef idx="3">
+          <a:scrgbClr r="0" g="0" b="0"/>
+        </a:fillRef>
+        <a:effectRef idx="2">
+          <a:scrgbClr r="0" g="0" b="0"/>
+        </a:effectRef>
+        <a:fontRef idx="minor">
+          <a:schemeClr val="lt1"/>
+        </a:fontRef>
+      </dsp:style>
+      <dsp:txBody>
+        <a:bodyPr spcFirstLastPara="0" vert="horz" wrap="square" lIns="83820" tIns="83820" rIns="83820" bIns="83820" numCol="1" spcCol="1270" anchor="ctr" anchorCtr="0">
+          <a:noAutofit/>
+        </a:bodyPr>
+        <a:lstStyle/>
+        <a:p>
+          <a:pPr marL="0" lvl="0" indent="0" algn="l" defTabSz="977900">
+            <a:lnSpc>
+              <a:spcPct val="90000"/>
+            </a:lnSpc>
+            <a:spcBef>
+              <a:spcPct val="0"/>
+            </a:spcBef>
+            <a:spcAft>
+              <a:spcPct val="35000"/>
+            </a:spcAft>
+            <a:buNone/>
+          </a:pPr>
+          <a:r>
+            <a:rPr lang="en-IN" sz="2200" kern="1200"/>
+            <a:t>Produces higher variance</a:t>
+          </a:r>
+          <a:endParaRPr lang="en-US" sz="2200" kern="1200"/>
+        </a:p>
+      </dsp:txBody>
+      <dsp:txXfrm>
+        <a:off x="40837" y="1865284"/>
+        <a:ext cx="5873984" cy="754876"/>
+      </dsp:txXfrm>
+    </dsp:sp>
+    <dsp:sp modelId="{5DFBF34D-3FD4-4893-977D-DD5D0E5B8FA0}">
+      <dsp:nvSpPr>
+        <dsp:cNvPr id="0" name=""/>
+        <dsp:cNvSpPr/>
+      </dsp:nvSpPr>
+      <dsp:spPr>
+        <a:xfrm>
+          <a:off x="0" y="2724357"/>
+          <a:ext cx="5955658" cy="836550"/>
+        </a:xfrm>
+        <a:prstGeom prst="roundRect">
+          <a:avLst/>
+        </a:prstGeom>
+        <a:gradFill rotWithShape="0">
+          <a:gsLst>
+            <a:gs pos="0">
+              <a:schemeClr val="dk2">
+                <a:hueOff val="0"/>
+                <a:satOff val="0"/>
+                <a:lumOff val="0"/>
+                <a:alphaOff val="0"/>
+                <a:tint val="94000"/>
+                <a:satMod val="103000"/>
+                <a:lumMod val="102000"/>
+              </a:schemeClr>
+            </a:gs>
+            <a:gs pos="50000">
+              <a:schemeClr val="dk2">
+                <a:hueOff val="0"/>
+                <a:satOff val="0"/>
+                <a:lumOff val="0"/>
+                <a:alphaOff val="0"/>
+                <a:shade val="100000"/>
+                <a:satMod val="110000"/>
+                <a:lumMod val="100000"/>
+              </a:schemeClr>
+            </a:gs>
+            <a:gs pos="100000">
+              <a:schemeClr val="dk2">
+                <a:hueOff val="0"/>
+                <a:satOff val="0"/>
+                <a:lumOff val="0"/>
+                <a:alphaOff val="0"/>
+                <a:shade val="78000"/>
+                <a:satMod val="120000"/>
+                <a:lumMod val="99000"/>
+              </a:schemeClr>
+            </a:gs>
+          </a:gsLst>
+          <a:lin ang="5400000" scaled="0"/>
+        </a:gradFill>
+        <a:ln>
+          <a:noFill/>
+        </a:ln>
+        <a:effectLst/>
+      </dsp:spPr>
+      <dsp:style>
+        <a:lnRef idx="0">
+          <a:scrgbClr r="0" g="0" b="0"/>
+        </a:lnRef>
+        <a:fillRef idx="3">
+          <a:scrgbClr r="0" g="0" b="0"/>
+        </a:fillRef>
+        <a:effectRef idx="2">
+          <a:scrgbClr r="0" g="0" b="0"/>
+        </a:effectRef>
+        <a:fontRef idx="minor">
+          <a:schemeClr val="lt1"/>
+        </a:fontRef>
+      </dsp:style>
+      <dsp:txBody>
+        <a:bodyPr spcFirstLastPara="0" vert="horz" wrap="square" lIns="83820" tIns="83820" rIns="83820" bIns="83820" numCol="1" spcCol="1270" anchor="ctr" anchorCtr="0">
+          <a:noAutofit/>
+        </a:bodyPr>
+        <a:lstStyle/>
+        <a:p>
+          <a:pPr marL="0" lvl="0" indent="0" algn="l" defTabSz="977900">
+            <a:lnSpc>
+              <a:spcPct val="90000"/>
+            </a:lnSpc>
+            <a:spcBef>
+              <a:spcPct val="0"/>
+            </a:spcBef>
+            <a:spcAft>
+              <a:spcPct val="35000"/>
+            </a:spcAft>
+            <a:buNone/>
+          </a:pPr>
+          <a:r>
+            <a:rPr lang="en-IN" sz="2200" kern="1200"/>
+            <a:t>Does not perform well in high dimensional spaces</a:t>
+          </a:r>
+          <a:endParaRPr lang="en-US" sz="2200" kern="1200"/>
+        </a:p>
+      </dsp:txBody>
+      <dsp:txXfrm>
+        <a:off x="40837" y="2765194"/>
+        <a:ext cx="5873984" cy="754876"/>
+      </dsp:txXfrm>
+    </dsp:sp>
+    <dsp:sp modelId="{FB1218FB-D61A-4E95-ACFE-D245EC93D1A4}">
+      <dsp:nvSpPr>
+        <dsp:cNvPr id="0" name=""/>
+        <dsp:cNvSpPr/>
+      </dsp:nvSpPr>
+      <dsp:spPr>
+        <a:xfrm>
+          <a:off x="0" y="3624267"/>
+          <a:ext cx="5955658" cy="836550"/>
+        </a:xfrm>
+        <a:prstGeom prst="roundRect">
+          <a:avLst/>
+        </a:prstGeom>
+        <a:gradFill rotWithShape="0">
+          <a:gsLst>
+            <a:gs pos="0">
+              <a:schemeClr val="dk2">
+                <a:hueOff val="0"/>
+                <a:satOff val="0"/>
+                <a:lumOff val="0"/>
+                <a:alphaOff val="0"/>
+                <a:tint val="94000"/>
+                <a:satMod val="103000"/>
+                <a:lumMod val="102000"/>
+              </a:schemeClr>
+            </a:gs>
+            <a:gs pos="50000">
+              <a:schemeClr val="dk2">
+                <a:hueOff val="0"/>
+                <a:satOff val="0"/>
+                <a:lumOff val="0"/>
+                <a:alphaOff val="0"/>
+                <a:shade val="100000"/>
+                <a:satMod val="110000"/>
+                <a:lumMod val="100000"/>
+              </a:schemeClr>
+            </a:gs>
+            <a:gs pos="100000">
+              <a:schemeClr val="dk2">
+                <a:hueOff val="0"/>
+                <a:satOff val="0"/>
+                <a:lumOff val="0"/>
+                <a:alphaOff val="0"/>
+                <a:shade val="78000"/>
+                <a:satMod val="120000"/>
+                <a:lumMod val="99000"/>
+              </a:schemeClr>
+            </a:gs>
+          </a:gsLst>
+          <a:lin ang="5400000" scaled="0"/>
+        </a:gradFill>
+        <a:ln>
+          <a:noFill/>
+        </a:ln>
+        <a:effectLst/>
+      </dsp:spPr>
+      <dsp:style>
+        <a:lnRef idx="0">
+          <a:scrgbClr r="0" g="0" b="0"/>
+        </a:lnRef>
+        <a:fillRef idx="3">
+          <a:scrgbClr r="0" g="0" b="0"/>
+        </a:fillRef>
+        <a:effectRef idx="2">
+          <a:scrgbClr r="0" g="0" b="0"/>
+        </a:effectRef>
+        <a:fontRef idx="minor">
+          <a:schemeClr val="lt1"/>
+        </a:fontRef>
+      </dsp:style>
+      <dsp:txBody>
+        <a:bodyPr spcFirstLastPara="0" vert="horz" wrap="square" lIns="83820" tIns="83820" rIns="83820" bIns="83820" numCol="1" spcCol="1270" anchor="ctr" anchorCtr="0">
+          <a:noAutofit/>
+        </a:bodyPr>
+        <a:lstStyle/>
+        <a:p>
+          <a:pPr marL="0" lvl="0" indent="0" algn="l" defTabSz="977900">
+            <a:lnSpc>
+              <a:spcPct val="90000"/>
+            </a:lnSpc>
+            <a:spcBef>
+              <a:spcPct val="0"/>
+            </a:spcBef>
+            <a:spcAft>
+              <a:spcPct val="35000"/>
+            </a:spcAft>
+            <a:buNone/>
+          </a:pPr>
+          <a:r>
+            <a:rPr lang="en-IN" sz="2200" kern="1200"/>
+            <a:t>There is no explicit representation of  p</a:t>
+          </a:r>
+          <a:r>
+            <a:rPr lang="en-IN" sz="2200" kern="1200" baseline="-25000"/>
+            <a:t>g</a:t>
+          </a:r>
+          <a:r>
+            <a:rPr lang="en-IN" sz="2200" kern="1200"/>
+            <a:t>(x) – probability distribution of x samples</a:t>
+          </a:r>
+          <a:endParaRPr lang="en-US" sz="2200" kern="1200"/>
+        </a:p>
+      </dsp:txBody>
+      <dsp:txXfrm>
+        <a:off x="40837" y="3665104"/>
+        <a:ext cx="5873984" cy="754876"/>
+      </dsp:txXfrm>
+    </dsp:sp>
+    <dsp:sp modelId="{EB7193F0-4168-486D-9E8D-36E76CC71B52}">
+      <dsp:nvSpPr>
+        <dsp:cNvPr id="0" name=""/>
+        <dsp:cNvSpPr/>
+      </dsp:nvSpPr>
+      <dsp:spPr>
+        <a:xfrm>
+          <a:off x="0" y="4524177"/>
+          <a:ext cx="5955658" cy="836550"/>
+        </a:xfrm>
+        <a:prstGeom prst="roundRect">
+          <a:avLst/>
+        </a:prstGeom>
+        <a:gradFill rotWithShape="0">
+          <a:gsLst>
+            <a:gs pos="0">
+              <a:schemeClr val="dk2">
+                <a:hueOff val="0"/>
+                <a:satOff val="0"/>
+                <a:lumOff val="0"/>
+                <a:alphaOff val="0"/>
+                <a:tint val="94000"/>
+                <a:satMod val="103000"/>
+                <a:lumMod val="102000"/>
+              </a:schemeClr>
+            </a:gs>
+            <a:gs pos="50000">
+              <a:schemeClr val="dk2">
+                <a:hueOff val="0"/>
+                <a:satOff val="0"/>
+                <a:lumOff val="0"/>
+                <a:alphaOff val="0"/>
+                <a:shade val="100000"/>
+                <a:satMod val="110000"/>
+                <a:lumMod val="100000"/>
+              </a:schemeClr>
+            </a:gs>
+            <a:gs pos="100000">
+              <a:schemeClr val="dk2">
+                <a:hueOff val="0"/>
+                <a:satOff val="0"/>
+                <a:lumOff val="0"/>
+                <a:alphaOff val="0"/>
+                <a:shade val="78000"/>
+                <a:satMod val="120000"/>
+                <a:lumMod val="99000"/>
+              </a:schemeClr>
+            </a:gs>
+          </a:gsLst>
+          <a:lin ang="5400000" scaled="0"/>
+        </a:gradFill>
+        <a:ln>
+          <a:noFill/>
+        </a:ln>
+        <a:effectLst/>
+      </dsp:spPr>
+      <dsp:style>
+        <a:lnRef idx="0">
+          <a:scrgbClr r="0" g="0" b="0"/>
+        </a:lnRef>
+        <a:fillRef idx="3">
+          <a:scrgbClr r="0" g="0" b="0"/>
+        </a:fillRef>
+        <a:effectRef idx="2">
+          <a:scrgbClr r="0" g="0" b="0"/>
+        </a:effectRef>
+        <a:fontRef idx="minor">
+          <a:schemeClr val="lt1"/>
+        </a:fontRef>
+      </dsp:style>
+      <dsp:txBody>
+        <a:bodyPr spcFirstLastPara="0" vert="horz" wrap="square" lIns="83820" tIns="83820" rIns="83820" bIns="83820" numCol="1" spcCol="1270" anchor="ctr" anchorCtr="0">
+          <a:noAutofit/>
+        </a:bodyPr>
+        <a:lstStyle/>
+        <a:p>
+          <a:pPr marL="0" lvl="0" indent="0" algn="l" defTabSz="977900">
+            <a:lnSpc>
+              <a:spcPct val="90000"/>
+            </a:lnSpc>
+            <a:spcBef>
+              <a:spcPct val="0"/>
+            </a:spcBef>
+            <a:spcAft>
+              <a:spcPct val="35000"/>
+            </a:spcAft>
+            <a:buNone/>
+          </a:pPr>
+          <a:r>
+            <a:rPr lang="en-IN" sz="2200" kern="1200"/>
+            <a:t>D must be synchronized well with G during training</a:t>
+          </a:r>
+          <a:endParaRPr lang="en-US" sz="2200" kern="1200"/>
+        </a:p>
+      </dsp:txBody>
+      <dsp:txXfrm>
+        <a:off x="40837" y="4565014"/>
+        <a:ext cx="5873984" cy="754876"/>
+      </dsp:txXfrm>
+    </dsp:sp>
+  </dsp:spTree>
+</dsp:drawing>
+</file>
+
+<file path=ppt/diagrams/drawing11.xml><?xml version="1.0" encoding="utf-8"?>
 <dsp:drawing xmlns:dgm="http://schemas.openxmlformats.org/drawingml/2006/diagram" xmlns:dsp="http://schemas.microsoft.com/office/drawing/2008/diagram" xmlns:a="http://schemas.openxmlformats.org/drawingml/2006/main">
   <dsp:spTree>
     <dsp:nvGrpSpPr>
@@ -13134,6 +14592,95 @@
       <dsp:cNvGrpSpPr/>
     </dsp:nvGrpSpPr>
     <dsp:grpSpPr/>
+    <dsp:sp modelId="{574D4300-07AB-4DE8-885C-3CCFF069A14D}">
+      <dsp:nvSpPr>
+        <dsp:cNvPr id="0" name=""/>
+        <dsp:cNvSpPr/>
+      </dsp:nvSpPr>
+      <dsp:spPr>
+        <a:xfrm>
+          <a:off x="0" y="738987"/>
+          <a:ext cx="4141539" cy="1817856"/>
+        </a:xfrm>
+        <a:prstGeom prst="roundRect">
+          <a:avLst/>
+        </a:prstGeom>
+        <a:solidFill>
+          <a:schemeClr val="accent1">
+            <a:hueOff val="0"/>
+            <a:satOff val="0"/>
+            <a:lumOff val="0"/>
+            <a:alphaOff val="0"/>
+          </a:schemeClr>
+        </a:solidFill>
+        <a:ln w="12700" cap="flat" cmpd="sng" algn="ctr">
+          <a:solidFill>
+            <a:schemeClr val="lt1">
+              <a:hueOff val="0"/>
+              <a:satOff val="0"/>
+              <a:lumOff val="0"/>
+              <a:alphaOff val="0"/>
+            </a:schemeClr>
+          </a:solidFill>
+          <a:prstDash val="solid"/>
+        </a:ln>
+        <a:effectLst/>
+      </dsp:spPr>
+      <dsp:style>
+        <a:lnRef idx="2">
+          <a:scrgbClr r="0" g="0" b="0"/>
+        </a:lnRef>
+        <a:fillRef idx="1">
+          <a:scrgbClr r="0" g="0" b="0"/>
+        </a:fillRef>
+        <a:effectRef idx="0">
+          <a:scrgbClr r="0" g="0" b="0"/>
+        </a:effectRef>
+        <a:fontRef idx="minor">
+          <a:schemeClr val="lt1"/>
+        </a:fontRef>
+      </dsp:style>
+      <dsp:txBody>
+        <a:bodyPr spcFirstLastPara="0" vert="horz" wrap="square" lIns="99060" tIns="99060" rIns="99060" bIns="99060" numCol="1" spcCol="1270" anchor="ctr" anchorCtr="0">
+          <a:noAutofit/>
+        </a:bodyPr>
+        <a:lstStyle/>
+        <a:p>
+          <a:pPr marL="0" lvl="0" indent="0" algn="l" defTabSz="1155700">
+            <a:lnSpc>
+              <a:spcPct val="90000"/>
+            </a:lnSpc>
+            <a:spcBef>
+              <a:spcPct val="0"/>
+            </a:spcBef>
+            <a:spcAft>
+              <a:spcPct val="35000"/>
+            </a:spcAft>
+            <a:buNone/>
+          </a:pPr>
+          <a:r>
+            <a:rPr lang="en-IN" sz="2600" kern="1200" dirty="0"/>
+            <a:t>Estimating this ratio using supervised learning is the key approximation mechanism used by GANs</a:t>
+          </a:r>
+        </a:p>
+      </dsp:txBody>
+      <dsp:txXfrm>
+        <a:off x="88740" y="827727"/>
+        <a:ext cx="3964059" cy="1640376"/>
+      </dsp:txXfrm>
+    </dsp:sp>
+  </dsp:spTree>
+</dsp:drawing>
+</file>
+
+<file path=ppt/diagrams/drawing8.xml><?xml version="1.0" encoding="utf-8"?>
+<dsp:drawing xmlns:dgm="http://schemas.openxmlformats.org/drawingml/2006/diagram" xmlns:dsp="http://schemas.microsoft.com/office/drawing/2008/diagram" xmlns:a="http://schemas.openxmlformats.org/drawingml/2006/main">
+  <dsp:spTree>
+    <dsp:nvGrpSpPr>
+      <dsp:cNvPr id="0" name=""/>
+      <dsp:cNvGrpSpPr/>
+    </dsp:nvGrpSpPr>
+    <dsp:grpSpPr/>
     <dsp:sp modelId="{681CF9BB-81A9-431A-87DB-BC2E6F7728CD}">
       <dsp:nvSpPr>
         <dsp:cNvPr id="0" name=""/>
@@ -13450,7 +14997,7 @@
 </dsp:drawing>
 </file>
 
-<file path=ppt/diagrams/drawing8.xml><?xml version="1.0" encoding="utf-8"?>
+<file path=ppt/diagrams/drawing9.xml><?xml version="1.0" encoding="utf-8"?>
 <dsp:drawing xmlns:dgm="http://schemas.openxmlformats.org/drawingml/2006/diagram" xmlns:dsp="http://schemas.microsoft.com/office/drawing/2008/diagram" xmlns:a="http://schemas.openxmlformats.org/drawingml/2006/main">
   <dsp:spTree>
     <dsp:nvGrpSpPr>
@@ -13886,626 +15433,6 @@
 </dsp:drawing>
 </file>
 
-<file path=ppt/diagrams/drawing9.xml><?xml version="1.0" encoding="utf-8"?>
-<dsp:drawing xmlns:dgm="http://schemas.openxmlformats.org/drawingml/2006/diagram" xmlns:dsp="http://schemas.microsoft.com/office/drawing/2008/diagram" xmlns:a="http://schemas.openxmlformats.org/drawingml/2006/main">
-  <dsp:spTree>
-    <dsp:nvGrpSpPr>
-      <dsp:cNvPr id="0" name=""/>
-      <dsp:cNvGrpSpPr/>
-    </dsp:nvGrpSpPr>
-    <dsp:grpSpPr/>
-    <dsp:sp modelId="{087CBE0A-5B21-4476-BBF9-E007F25B9B43}">
-      <dsp:nvSpPr>
-        <dsp:cNvPr id="0" name=""/>
-        <dsp:cNvSpPr/>
-      </dsp:nvSpPr>
-      <dsp:spPr>
-        <a:xfrm>
-          <a:off x="0" y="24626"/>
-          <a:ext cx="5955658" cy="836550"/>
-        </a:xfrm>
-        <a:prstGeom prst="roundRect">
-          <a:avLst/>
-        </a:prstGeom>
-        <a:gradFill rotWithShape="0">
-          <a:gsLst>
-            <a:gs pos="0">
-              <a:schemeClr val="dk2">
-                <a:hueOff val="0"/>
-                <a:satOff val="0"/>
-                <a:lumOff val="0"/>
-                <a:alphaOff val="0"/>
-                <a:tint val="94000"/>
-                <a:satMod val="103000"/>
-                <a:lumMod val="102000"/>
-              </a:schemeClr>
-            </a:gs>
-            <a:gs pos="50000">
-              <a:schemeClr val="dk2">
-                <a:hueOff val="0"/>
-                <a:satOff val="0"/>
-                <a:lumOff val="0"/>
-                <a:alphaOff val="0"/>
-                <a:shade val="100000"/>
-                <a:satMod val="110000"/>
-                <a:lumMod val="100000"/>
-              </a:schemeClr>
-            </a:gs>
-            <a:gs pos="100000">
-              <a:schemeClr val="dk2">
-                <a:hueOff val="0"/>
-                <a:satOff val="0"/>
-                <a:lumOff val="0"/>
-                <a:alphaOff val="0"/>
-                <a:shade val="78000"/>
-                <a:satMod val="120000"/>
-                <a:lumMod val="99000"/>
-              </a:schemeClr>
-            </a:gs>
-          </a:gsLst>
-          <a:lin ang="5400000" scaled="0"/>
-        </a:gradFill>
-        <a:ln>
-          <a:noFill/>
-        </a:ln>
-        <a:effectLst/>
-      </dsp:spPr>
-      <dsp:style>
-        <a:lnRef idx="0">
-          <a:scrgbClr r="0" g="0" b="0"/>
-        </a:lnRef>
-        <a:fillRef idx="3">
-          <a:scrgbClr r="0" g="0" b="0"/>
-        </a:fillRef>
-        <a:effectRef idx="2">
-          <a:scrgbClr r="0" g="0" b="0"/>
-        </a:effectRef>
-        <a:fontRef idx="minor">
-          <a:schemeClr val="lt1"/>
-        </a:fontRef>
-      </dsp:style>
-      <dsp:txBody>
-        <a:bodyPr spcFirstLastPara="0" vert="horz" wrap="square" lIns="83820" tIns="83820" rIns="83820" bIns="83820" numCol="1" spcCol="1270" anchor="ctr" anchorCtr="0">
-          <a:noAutofit/>
-        </a:bodyPr>
-        <a:lstStyle/>
-        <a:p>
-          <a:pPr marL="0" lvl="0" indent="0" algn="l" defTabSz="977900">
-            <a:lnSpc>
-              <a:spcPct val="90000"/>
-            </a:lnSpc>
-            <a:spcBef>
-              <a:spcPct val="0"/>
-            </a:spcBef>
-            <a:spcAft>
-              <a:spcPct val="35000"/>
-            </a:spcAft>
-            <a:buNone/>
-          </a:pPr>
-          <a:r>
-            <a:rPr lang="en-IN" sz="2200" kern="1200"/>
-            <a:t>Cannot model discrete data</a:t>
-          </a:r>
-          <a:endParaRPr lang="en-US" sz="2200" kern="1200"/>
-        </a:p>
-      </dsp:txBody>
-      <dsp:txXfrm>
-        <a:off x="40837" y="65463"/>
-        <a:ext cx="5873984" cy="754876"/>
-      </dsp:txXfrm>
-    </dsp:sp>
-    <dsp:sp modelId="{E45C8DDE-F133-416B-8201-FF348128F681}">
-      <dsp:nvSpPr>
-        <dsp:cNvPr id="0" name=""/>
-        <dsp:cNvSpPr/>
-      </dsp:nvSpPr>
-      <dsp:spPr>
-        <a:xfrm>
-          <a:off x="0" y="924536"/>
-          <a:ext cx="5955658" cy="836550"/>
-        </a:xfrm>
-        <a:prstGeom prst="roundRect">
-          <a:avLst/>
-        </a:prstGeom>
-        <a:gradFill rotWithShape="0">
-          <a:gsLst>
-            <a:gs pos="0">
-              <a:schemeClr val="dk2">
-                <a:hueOff val="0"/>
-                <a:satOff val="0"/>
-                <a:lumOff val="0"/>
-                <a:alphaOff val="0"/>
-                <a:tint val="94000"/>
-                <a:satMod val="103000"/>
-                <a:lumMod val="102000"/>
-              </a:schemeClr>
-            </a:gs>
-            <a:gs pos="50000">
-              <a:schemeClr val="dk2">
-                <a:hueOff val="0"/>
-                <a:satOff val="0"/>
-                <a:lumOff val="0"/>
-                <a:alphaOff val="0"/>
-                <a:shade val="100000"/>
-                <a:satMod val="110000"/>
-                <a:lumMod val="100000"/>
-              </a:schemeClr>
-            </a:gs>
-            <a:gs pos="100000">
-              <a:schemeClr val="dk2">
-                <a:hueOff val="0"/>
-                <a:satOff val="0"/>
-                <a:lumOff val="0"/>
-                <a:alphaOff val="0"/>
-                <a:shade val="78000"/>
-                <a:satMod val="120000"/>
-                <a:lumMod val="99000"/>
-              </a:schemeClr>
-            </a:gs>
-          </a:gsLst>
-          <a:lin ang="5400000" scaled="0"/>
-        </a:gradFill>
-        <a:ln>
-          <a:noFill/>
-        </a:ln>
-        <a:effectLst/>
-      </dsp:spPr>
-      <dsp:style>
-        <a:lnRef idx="0">
-          <a:scrgbClr r="0" g="0" b="0"/>
-        </a:lnRef>
-        <a:fillRef idx="3">
-          <a:scrgbClr r="0" g="0" b="0"/>
-        </a:fillRef>
-        <a:effectRef idx="2">
-          <a:scrgbClr r="0" g="0" b="0"/>
-        </a:effectRef>
-        <a:fontRef idx="minor">
-          <a:schemeClr val="lt1"/>
-        </a:fontRef>
-      </dsp:style>
-      <dsp:txBody>
-        <a:bodyPr spcFirstLastPara="0" vert="horz" wrap="square" lIns="83820" tIns="83820" rIns="83820" bIns="83820" numCol="1" spcCol="1270" anchor="ctr" anchorCtr="0">
-          <a:noAutofit/>
-        </a:bodyPr>
-        <a:lstStyle/>
-        <a:p>
-          <a:pPr marL="0" lvl="0" indent="0" algn="l" defTabSz="977900">
-            <a:lnSpc>
-              <a:spcPct val="90000"/>
-            </a:lnSpc>
-            <a:spcBef>
-              <a:spcPct val="0"/>
-            </a:spcBef>
-            <a:spcAft>
-              <a:spcPct val="35000"/>
-            </a:spcAft>
-            <a:buNone/>
-          </a:pPr>
-          <a:r>
-            <a:rPr lang="en-IN" sz="2200" kern="1200"/>
-            <a:t>No method to check if the generated samples are better than other methods.</a:t>
-          </a:r>
-          <a:endParaRPr lang="en-US" sz="2200" kern="1200"/>
-        </a:p>
-      </dsp:txBody>
-      <dsp:txXfrm>
-        <a:off x="40837" y="965373"/>
-        <a:ext cx="5873984" cy="754876"/>
-      </dsp:txXfrm>
-    </dsp:sp>
-    <dsp:sp modelId="{E9AA27CD-FE56-4532-B8F3-6CA002F837EF}">
-      <dsp:nvSpPr>
-        <dsp:cNvPr id="0" name=""/>
-        <dsp:cNvSpPr/>
-      </dsp:nvSpPr>
-      <dsp:spPr>
-        <a:xfrm>
-          <a:off x="0" y="1824447"/>
-          <a:ext cx="5955658" cy="836550"/>
-        </a:xfrm>
-        <a:prstGeom prst="roundRect">
-          <a:avLst/>
-        </a:prstGeom>
-        <a:gradFill rotWithShape="0">
-          <a:gsLst>
-            <a:gs pos="0">
-              <a:schemeClr val="dk2">
-                <a:hueOff val="0"/>
-                <a:satOff val="0"/>
-                <a:lumOff val="0"/>
-                <a:alphaOff val="0"/>
-                <a:tint val="94000"/>
-                <a:satMod val="103000"/>
-                <a:lumMod val="102000"/>
-              </a:schemeClr>
-            </a:gs>
-            <a:gs pos="50000">
-              <a:schemeClr val="dk2">
-                <a:hueOff val="0"/>
-                <a:satOff val="0"/>
-                <a:lumOff val="0"/>
-                <a:alphaOff val="0"/>
-                <a:shade val="100000"/>
-                <a:satMod val="110000"/>
-                <a:lumMod val="100000"/>
-              </a:schemeClr>
-            </a:gs>
-            <a:gs pos="100000">
-              <a:schemeClr val="dk2">
-                <a:hueOff val="0"/>
-                <a:satOff val="0"/>
-                <a:lumOff val="0"/>
-                <a:alphaOff val="0"/>
-                <a:shade val="78000"/>
-                <a:satMod val="120000"/>
-                <a:lumMod val="99000"/>
-              </a:schemeClr>
-            </a:gs>
-          </a:gsLst>
-          <a:lin ang="5400000" scaled="0"/>
-        </a:gradFill>
-        <a:ln>
-          <a:noFill/>
-        </a:ln>
-        <a:effectLst/>
-      </dsp:spPr>
-      <dsp:style>
-        <a:lnRef idx="0">
-          <a:scrgbClr r="0" g="0" b="0"/>
-        </a:lnRef>
-        <a:fillRef idx="3">
-          <a:scrgbClr r="0" g="0" b="0"/>
-        </a:fillRef>
-        <a:effectRef idx="2">
-          <a:scrgbClr r="0" g="0" b="0"/>
-        </a:effectRef>
-        <a:fontRef idx="minor">
-          <a:schemeClr val="lt1"/>
-        </a:fontRef>
-      </dsp:style>
-      <dsp:txBody>
-        <a:bodyPr spcFirstLastPara="0" vert="horz" wrap="square" lIns="83820" tIns="83820" rIns="83820" bIns="83820" numCol="1" spcCol="1270" anchor="ctr" anchorCtr="0">
-          <a:noAutofit/>
-        </a:bodyPr>
-        <a:lstStyle/>
-        <a:p>
-          <a:pPr marL="0" lvl="0" indent="0" algn="l" defTabSz="977900">
-            <a:lnSpc>
-              <a:spcPct val="90000"/>
-            </a:lnSpc>
-            <a:spcBef>
-              <a:spcPct val="0"/>
-            </a:spcBef>
-            <a:spcAft>
-              <a:spcPct val="35000"/>
-            </a:spcAft>
-            <a:buNone/>
-          </a:pPr>
-          <a:r>
-            <a:rPr lang="en-IN" sz="2200" kern="1200"/>
-            <a:t>Produces higher variance</a:t>
-          </a:r>
-          <a:endParaRPr lang="en-US" sz="2200" kern="1200"/>
-        </a:p>
-      </dsp:txBody>
-      <dsp:txXfrm>
-        <a:off x="40837" y="1865284"/>
-        <a:ext cx="5873984" cy="754876"/>
-      </dsp:txXfrm>
-    </dsp:sp>
-    <dsp:sp modelId="{5DFBF34D-3FD4-4893-977D-DD5D0E5B8FA0}">
-      <dsp:nvSpPr>
-        <dsp:cNvPr id="0" name=""/>
-        <dsp:cNvSpPr/>
-      </dsp:nvSpPr>
-      <dsp:spPr>
-        <a:xfrm>
-          <a:off x="0" y="2724357"/>
-          <a:ext cx="5955658" cy="836550"/>
-        </a:xfrm>
-        <a:prstGeom prst="roundRect">
-          <a:avLst/>
-        </a:prstGeom>
-        <a:gradFill rotWithShape="0">
-          <a:gsLst>
-            <a:gs pos="0">
-              <a:schemeClr val="dk2">
-                <a:hueOff val="0"/>
-                <a:satOff val="0"/>
-                <a:lumOff val="0"/>
-                <a:alphaOff val="0"/>
-                <a:tint val="94000"/>
-                <a:satMod val="103000"/>
-                <a:lumMod val="102000"/>
-              </a:schemeClr>
-            </a:gs>
-            <a:gs pos="50000">
-              <a:schemeClr val="dk2">
-                <a:hueOff val="0"/>
-                <a:satOff val="0"/>
-                <a:lumOff val="0"/>
-                <a:alphaOff val="0"/>
-                <a:shade val="100000"/>
-                <a:satMod val="110000"/>
-                <a:lumMod val="100000"/>
-              </a:schemeClr>
-            </a:gs>
-            <a:gs pos="100000">
-              <a:schemeClr val="dk2">
-                <a:hueOff val="0"/>
-                <a:satOff val="0"/>
-                <a:lumOff val="0"/>
-                <a:alphaOff val="0"/>
-                <a:shade val="78000"/>
-                <a:satMod val="120000"/>
-                <a:lumMod val="99000"/>
-              </a:schemeClr>
-            </a:gs>
-          </a:gsLst>
-          <a:lin ang="5400000" scaled="0"/>
-        </a:gradFill>
-        <a:ln>
-          <a:noFill/>
-        </a:ln>
-        <a:effectLst/>
-      </dsp:spPr>
-      <dsp:style>
-        <a:lnRef idx="0">
-          <a:scrgbClr r="0" g="0" b="0"/>
-        </a:lnRef>
-        <a:fillRef idx="3">
-          <a:scrgbClr r="0" g="0" b="0"/>
-        </a:fillRef>
-        <a:effectRef idx="2">
-          <a:scrgbClr r="0" g="0" b="0"/>
-        </a:effectRef>
-        <a:fontRef idx="minor">
-          <a:schemeClr val="lt1"/>
-        </a:fontRef>
-      </dsp:style>
-      <dsp:txBody>
-        <a:bodyPr spcFirstLastPara="0" vert="horz" wrap="square" lIns="83820" tIns="83820" rIns="83820" bIns="83820" numCol="1" spcCol="1270" anchor="ctr" anchorCtr="0">
-          <a:noAutofit/>
-        </a:bodyPr>
-        <a:lstStyle/>
-        <a:p>
-          <a:pPr marL="0" lvl="0" indent="0" algn="l" defTabSz="977900">
-            <a:lnSpc>
-              <a:spcPct val="90000"/>
-            </a:lnSpc>
-            <a:spcBef>
-              <a:spcPct val="0"/>
-            </a:spcBef>
-            <a:spcAft>
-              <a:spcPct val="35000"/>
-            </a:spcAft>
-            <a:buNone/>
-          </a:pPr>
-          <a:r>
-            <a:rPr lang="en-IN" sz="2200" kern="1200"/>
-            <a:t>Does not perform well in high dimensional spaces</a:t>
-          </a:r>
-          <a:endParaRPr lang="en-US" sz="2200" kern="1200"/>
-        </a:p>
-      </dsp:txBody>
-      <dsp:txXfrm>
-        <a:off x="40837" y="2765194"/>
-        <a:ext cx="5873984" cy="754876"/>
-      </dsp:txXfrm>
-    </dsp:sp>
-    <dsp:sp modelId="{FB1218FB-D61A-4E95-ACFE-D245EC93D1A4}">
-      <dsp:nvSpPr>
-        <dsp:cNvPr id="0" name=""/>
-        <dsp:cNvSpPr/>
-      </dsp:nvSpPr>
-      <dsp:spPr>
-        <a:xfrm>
-          <a:off x="0" y="3624267"/>
-          <a:ext cx="5955658" cy="836550"/>
-        </a:xfrm>
-        <a:prstGeom prst="roundRect">
-          <a:avLst/>
-        </a:prstGeom>
-        <a:gradFill rotWithShape="0">
-          <a:gsLst>
-            <a:gs pos="0">
-              <a:schemeClr val="dk2">
-                <a:hueOff val="0"/>
-                <a:satOff val="0"/>
-                <a:lumOff val="0"/>
-                <a:alphaOff val="0"/>
-                <a:tint val="94000"/>
-                <a:satMod val="103000"/>
-                <a:lumMod val="102000"/>
-              </a:schemeClr>
-            </a:gs>
-            <a:gs pos="50000">
-              <a:schemeClr val="dk2">
-                <a:hueOff val="0"/>
-                <a:satOff val="0"/>
-                <a:lumOff val="0"/>
-                <a:alphaOff val="0"/>
-                <a:shade val="100000"/>
-                <a:satMod val="110000"/>
-                <a:lumMod val="100000"/>
-              </a:schemeClr>
-            </a:gs>
-            <a:gs pos="100000">
-              <a:schemeClr val="dk2">
-                <a:hueOff val="0"/>
-                <a:satOff val="0"/>
-                <a:lumOff val="0"/>
-                <a:alphaOff val="0"/>
-                <a:shade val="78000"/>
-                <a:satMod val="120000"/>
-                <a:lumMod val="99000"/>
-              </a:schemeClr>
-            </a:gs>
-          </a:gsLst>
-          <a:lin ang="5400000" scaled="0"/>
-        </a:gradFill>
-        <a:ln>
-          <a:noFill/>
-        </a:ln>
-        <a:effectLst/>
-      </dsp:spPr>
-      <dsp:style>
-        <a:lnRef idx="0">
-          <a:scrgbClr r="0" g="0" b="0"/>
-        </a:lnRef>
-        <a:fillRef idx="3">
-          <a:scrgbClr r="0" g="0" b="0"/>
-        </a:fillRef>
-        <a:effectRef idx="2">
-          <a:scrgbClr r="0" g="0" b="0"/>
-        </a:effectRef>
-        <a:fontRef idx="minor">
-          <a:schemeClr val="lt1"/>
-        </a:fontRef>
-      </dsp:style>
-      <dsp:txBody>
-        <a:bodyPr spcFirstLastPara="0" vert="horz" wrap="square" lIns="83820" tIns="83820" rIns="83820" bIns="83820" numCol="1" spcCol="1270" anchor="ctr" anchorCtr="0">
-          <a:noAutofit/>
-        </a:bodyPr>
-        <a:lstStyle/>
-        <a:p>
-          <a:pPr marL="0" lvl="0" indent="0" algn="l" defTabSz="977900">
-            <a:lnSpc>
-              <a:spcPct val="90000"/>
-            </a:lnSpc>
-            <a:spcBef>
-              <a:spcPct val="0"/>
-            </a:spcBef>
-            <a:spcAft>
-              <a:spcPct val="35000"/>
-            </a:spcAft>
-            <a:buNone/>
-          </a:pPr>
-          <a:r>
-            <a:rPr lang="en-IN" sz="2200" kern="1200"/>
-            <a:t>There is no explicit representation of  p</a:t>
-          </a:r>
-          <a:r>
-            <a:rPr lang="en-IN" sz="2200" kern="1200" baseline="-25000"/>
-            <a:t>g</a:t>
-          </a:r>
-          <a:r>
-            <a:rPr lang="en-IN" sz="2200" kern="1200"/>
-            <a:t>(x) – probability distribution of x samples</a:t>
-          </a:r>
-          <a:endParaRPr lang="en-US" sz="2200" kern="1200"/>
-        </a:p>
-      </dsp:txBody>
-      <dsp:txXfrm>
-        <a:off x="40837" y="3665104"/>
-        <a:ext cx="5873984" cy="754876"/>
-      </dsp:txXfrm>
-    </dsp:sp>
-    <dsp:sp modelId="{EB7193F0-4168-486D-9E8D-36E76CC71B52}">
-      <dsp:nvSpPr>
-        <dsp:cNvPr id="0" name=""/>
-        <dsp:cNvSpPr/>
-      </dsp:nvSpPr>
-      <dsp:spPr>
-        <a:xfrm>
-          <a:off x="0" y="4524177"/>
-          <a:ext cx="5955658" cy="836550"/>
-        </a:xfrm>
-        <a:prstGeom prst="roundRect">
-          <a:avLst/>
-        </a:prstGeom>
-        <a:gradFill rotWithShape="0">
-          <a:gsLst>
-            <a:gs pos="0">
-              <a:schemeClr val="dk2">
-                <a:hueOff val="0"/>
-                <a:satOff val="0"/>
-                <a:lumOff val="0"/>
-                <a:alphaOff val="0"/>
-                <a:tint val="94000"/>
-                <a:satMod val="103000"/>
-                <a:lumMod val="102000"/>
-              </a:schemeClr>
-            </a:gs>
-            <a:gs pos="50000">
-              <a:schemeClr val="dk2">
-                <a:hueOff val="0"/>
-                <a:satOff val="0"/>
-                <a:lumOff val="0"/>
-                <a:alphaOff val="0"/>
-                <a:shade val="100000"/>
-                <a:satMod val="110000"/>
-                <a:lumMod val="100000"/>
-              </a:schemeClr>
-            </a:gs>
-            <a:gs pos="100000">
-              <a:schemeClr val="dk2">
-                <a:hueOff val="0"/>
-                <a:satOff val="0"/>
-                <a:lumOff val="0"/>
-                <a:alphaOff val="0"/>
-                <a:shade val="78000"/>
-                <a:satMod val="120000"/>
-                <a:lumMod val="99000"/>
-              </a:schemeClr>
-            </a:gs>
-          </a:gsLst>
-          <a:lin ang="5400000" scaled="0"/>
-        </a:gradFill>
-        <a:ln>
-          <a:noFill/>
-        </a:ln>
-        <a:effectLst/>
-      </dsp:spPr>
-      <dsp:style>
-        <a:lnRef idx="0">
-          <a:scrgbClr r="0" g="0" b="0"/>
-        </a:lnRef>
-        <a:fillRef idx="3">
-          <a:scrgbClr r="0" g="0" b="0"/>
-        </a:fillRef>
-        <a:effectRef idx="2">
-          <a:scrgbClr r="0" g="0" b="0"/>
-        </a:effectRef>
-        <a:fontRef idx="minor">
-          <a:schemeClr val="lt1"/>
-        </a:fontRef>
-      </dsp:style>
-      <dsp:txBody>
-        <a:bodyPr spcFirstLastPara="0" vert="horz" wrap="square" lIns="83820" tIns="83820" rIns="83820" bIns="83820" numCol="1" spcCol="1270" anchor="ctr" anchorCtr="0">
-          <a:noAutofit/>
-        </a:bodyPr>
-        <a:lstStyle/>
-        <a:p>
-          <a:pPr marL="0" lvl="0" indent="0" algn="l" defTabSz="977900">
-            <a:lnSpc>
-              <a:spcPct val="90000"/>
-            </a:lnSpc>
-            <a:spcBef>
-              <a:spcPct val="0"/>
-            </a:spcBef>
-            <a:spcAft>
-              <a:spcPct val="35000"/>
-            </a:spcAft>
-            <a:buNone/>
-          </a:pPr>
-          <a:r>
-            <a:rPr lang="en-IN" sz="2200" kern="1200"/>
-            <a:t>D must be synchronized well with G during training</a:t>
-          </a:r>
-          <a:endParaRPr lang="en-US" sz="2200" kern="1200"/>
-        </a:p>
-      </dsp:txBody>
-      <dsp:txXfrm>
-        <a:off x="40837" y="4565014"/>
-        <a:ext cx="5873984" cy="754876"/>
-      </dsp:txXfrm>
-    </dsp:sp>
-  </dsp:spTree>
-</dsp:drawing>
-</file>
-
 <file path=ppt/diagrams/layout1.xml><?xml version="1.0" encoding="utf-8"?>
 <dgm:layoutDef xmlns:dgm="http://schemas.openxmlformats.org/drawingml/2006/diagram" xmlns:a="http://schemas.openxmlformats.org/drawingml/2006/main" uniqueId="urn:microsoft.com/office/officeart/2005/8/layout/process4">
   <dgm:title val=""/>
@@ -14860,6 +15787,173 @@
 </file>
 
 <file path=ppt/diagrams/layout10.xml><?xml version="1.0" encoding="utf-8"?>
+<dgm:layoutDef xmlns:dgm="http://schemas.openxmlformats.org/drawingml/2006/diagram" xmlns:a="http://schemas.openxmlformats.org/drawingml/2006/main" uniqueId="urn:microsoft.com/office/officeart/2005/8/layout/vList2">
+  <dgm:title val=""/>
+  <dgm:desc val=""/>
+  <dgm:catLst>
+    <dgm:cat type="list" pri="3000"/>
+    <dgm:cat type="convert" pri="1000"/>
+  </dgm:catLst>
+  <dgm:sampData>
+    <dgm:dataModel>
+      <dgm:ptLst>
+        <dgm:pt modelId="0" type="doc"/>
+        <dgm:pt modelId="1">
+          <dgm:prSet phldr="1"/>
+        </dgm:pt>
+        <dgm:pt modelId="11">
+          <dgm:prSet phldr="1"/>
+        </dgm:pt>
+        <dgm:pt modelId="2">
+          <dgm:prSet phldr="1"/>
+        </dgm:pt>
+        <dgm:pt modelId="21">
+          <dgm:prSet phldr="1"/>
+        </dgm:pt>
+      </dgm:ptLst>
+      <dgm:cxnLst>
+        <dgm:cxn modelId="4" srcId="0" destId="1" srcOrd="0" destOrd="0"/>
+        <dgm:cxn modelId="5" srcId="0" destId="2" srcOrd="1" destOrd="0"/>
+        <dgm:cxn modelId="12" srcId="1" destId="11" srcOrd="0" destOrd="0"/>
+        <dgm:cxn modelId="23" srcId="2" destId="21" srcOrd="0" destOrd="0"/>
+      </dgm:cxnLst>
+      <dgm:bg/>
+      <dgm:whole/>
+    </dgm:dataModel>
+  </dgm:sampData>
+  <dgm:styleData>
+    <dgm:dataModel>
+      <dgm:ptLst>
+        <dgm:pt modelId="0" type="doc"/>
+        <dgm:pt modelId="1"/>
+        <dgm:pt modelId="2"/>
+      </dgm:ptLst>
+      <dgm:cxnLst>
+        <dgm:cxn modelId="3" srcId="0" destId="1" srcOrd="0" destOrd="0"/>
+        <dgm:cxn modelId="4" srcId="0" destId="2" srcOrd="1" destOrd="0"/>
+      </dgm:cxnLst>
+      <dgm:bg/>
+      <dgm:whole/>
+    </dgm:dataModel>
+  </dgm:styleData>
+  <dgm:clrData>
+    <dgm:dataModel>
+      <dgm:ptLst>
+        <dgm:pt modelId="0" type="doc"/>
+        <dgm:pt modelId="1"/>
+        <dgm:pt modelId="2"/>
+        <dgm:pt modelId="3"/>
+        <dgm:pt modelId="4"/>
+      </dgm:ptLst>
+      <dgm:cxnLst>
+        <dgm:cxn modelId="5" srcId="0" destId="1" srcOrd="0" destOrd="0"/>
+        <dgm:cxn modelId="6" srcId="0" destId="2" srcOrd="1" destOrd="0"/>
+        <dgm:cxn modelId="7" srcId="0" destId="3" srcOrd="2" destOrd="0"/>
+        <dgm:cxn modelId="8" srcId="0" destId="4" srcOrd="3" destOrd="0"/>
+      </dgm:cxnLst>
+      <dgm:bg/>
+      <dgm:whole/>
+    </dgm:dataModel>
+  </dgm:clrData>
+  <dgm:layoutNode name="linear">
+    <dgm:varLst>
+      <dgm:animLvl val="lvl"/>
+      <dgm:resizeHandles val="exact"/>
+    </dgm:varLst>
+    <dgm:alg type="lin">
+      <dgm:param type="linDir" val="fromT"/>
+      <dgm:param type="vertAlign" val="mid"/>
+    </dgm:alg>
+    <dgm:shape xmlns:r="http://schemas.openxmlformats.org/officeDocument/2006/relationships" r:blip="">
+      <dgm:adjLst/>
+    </dgm:shape>
+    <dgm:presOf/>
+    <dgm:constrLst>
+      <dgm:constr type="w" for="ch" forName="parentText" refType="w"/>
+      <dgm:constr type="h" for="ch" forName="parentText" refType="primFontSz" refFor="ch" refForName="parentText" fact="0.52"/>
+      <dgm:constr type="w" for="ch" forName="childText" refType="w"/>
+      <dgm:constr type="h" for="ch" forName="childText" refType="primFontSz" refFor="ch" refForName="parentText" fact="0.46"/>
+      <dgm:constr type="h" for="ch" forName="parentText" op="equ"/>
+      <dgm:constr type="primFontSz" for="ch" forName="parentText" op="equ" val="65"/>
+      <dgm:constr type="primFontSz" for="ch" forName="childText" refType="primFontSz" refFor="ch" refForName="parentText" op="equ"/>
+      <dgm:constr type="h" for="ch" forName="spacer" refType="primFontSz" refFor="ch" refForName="parentText" fact="0.08"/>
+    </dgm:constrLst>
+    <dgm:ruleLst>
+      <dgm:rule type="primFontSz" for="ch" forName="parentText" val="5" fact="NaN" max="NaN"/>
+    </dgm:ruleLst>
+    <dgm:forEach name="Name0" axis="ch" ptType="node">
+      <dgm:layoutNode name="parentText" styleLbl="node1">
+        <dgm:varLst>
+          <dgm:chMax val="0"/>
+          <dgm:bulletEnabled val="1"/>
+        </dgm:varLst>
+        <dgm:alg type="tx">
+          <dgm:param type="parTxLTRAlign" val="l"/>
+          <dgm:param type="parTxRTLAlign" val="r"/>
+        </dgm:alg>
+        <dgm:shape xmlns:r="http://schemas.openxmlformats.org/officeDocument/2006/relationships" type="roundRect" r:blip="">
+          <dgm:adjLst/>
+        </dgm:shape>
+        <dgm:presOf axis="self"/>
+        <dgm:constrLst>
+          <dgm:constr type="tMarg" refType="primFontSz" fact="0.3"/>
+          <dgm:constr type="bMarg" refType="primFontSz" fact="0.3"/>
+          <dgm:constr type="lMarg" refType="primFontSz" fact="0.3"/>
+          <dgm:constr type="rMarg" refType="primFontSz" fact="0.3"/>
+        </dgm:constrLst>
+        <dgm:ruleLst>
+          <dgm:rule type="h" val="INF" fact="NaN" max="NaN"/>
+        </dgm:ruleLst>
+      </dgm:layoutNode>
+      <dgm:choose name="Name1">
+        <dgm:if name="Name2" axis="ch" ptType="node" func="cnt" op="gte" val="1">
+          <dgm:layoutNode name="childText" styleLbl="revTx">
+            <dgm:varLst>
+              <dgm:bulletEnabled val="1"/>
+            </dgm:varLst>
+            <dgm:alg type="tx">
+              <dgm:param type="stBulletLvl" val="1"/>
+              <dgm:param type="lnSpAfChP" val="20"/>
+            </dgm:alg>
+            <dgm:shape xmlns:r="http://schemas.openxmlformats.org/officeDocument/2006/relationships" type="rect" r:blip="">
+              <dgm:adjLst/>
+            </dgm:shape>
+            <dgm:presOf axis="des" ptType="node"/>
+            <dgm:constrLst>
+              <dgm:constr type="tMarg" refType="primFontSz" fact="0.1"/>
+              <dgm:constr type="bMarg" refType="primFontSz" fact="0.1"/>
+              <dgm:constr type="lMarg" refType="w" fact="0.09"/>
+            </dgm:constrLst>
+            <dgm:ruleLst>
+              <dgm:rule type="h" val="INF" fact="NaN" max="NaN"/>
+            </dgm:ruleLst>
+          </dgm:layoutNode>
+        </dgm:if>
+        <dgm:else name="Name3">
+          <dgm:choose name="Name4">
+            <dgm:if name="Name5" axis="par ch" ptType="doc node" func="cnt" op="gte" val="2">
+              <dgm:forEach name="Name6" axis="followSib" ptType="sibTrans" cnt="1">
+                <dgm:layoutNode name="spacer">
+                  <dgm:alg type="sp"/>
+                  <dgm:shape xmlns:r="http://schemas.openxmlformats.org/officeDocument/2006/relationships" r:blip="">
+                    <dgm:adjLst/>
+                  </dgm:shape>
+                  <dgm:presOf/>
+                  <dgm:constrLst/>
+                  <dgm:ruleLst/>
+                </dgm:layoutNode>
+              </dgm:forEach>
+            </dgm:if>
+            <dgm:else name="Name7"/>
+          </dgm:choose>
+        </dgm:else>
+      </dgm:choose>
+    </dgm:forEach>
+  </dgm:layoutNode>
+</dgm:layoutDef>
+</file>
+
+<file path=ppt/diagrams/layout11.xml><?xml version="1.0" encoding="utf-8"?>
 <dgm:layoutDef xmlns:dgm="http://schemas.openxmlformats.org/drawingml/2006/diagram" xmlns:a="http://schemas.openxmlformats.org/drawingml/2006/main" uniqueId="urn:microsoft.com/office/officeart/2005/8/layout/vList2">
   <dgm:title val=""/>
   <dgm:desc val=""/>
@@ -17397,6 +18491,1040 @@
 </file>
 
 <file path=ppt/diagrams/quickStyle10.xml><?xml version="1.0" encoding="utf-8"?>
+<dgm:styleDef xmlns:dgm="http://schemas.openxmlformats.org/drawingml/2006/diagram" xmlns:a="http://schemas.openxmlformats.org/drawingml/2006/main" uniqueId="urn:microsoft.com/office/officeart/2005/8/quickstyle/simple4">
+  <dgm:title val=""/>
+  <dgm:desc val=""/>
+  <dgm:catLst>
+    <dgm:cat type="simple" pri="10400"/>
+  </dgm:catLst>
+  <dgm:scene3d>
+    <a:camera prst="orthographicFront"/>
+    <a:lightRig rig="threePt" dir="t"/>
+  </dgm:scene3d>
+  <dgm:styleLbl name="node0">
+    <dgm:scene3d>
+      <a:camera prst="orthographicFront"/>
+      <a:lightRig rig="threePt" dir="t"/>
+    </dgm:scene3d>
+    <dgm:sp3d/>
+    <dgm:txPr/>
+    <dgm:style>
+      <a:lnRef idx="0">
+        <a:scrgbClr r="0" g="0" b="0"/>
+      </a:lnRef>
+      <a:fillRef idx="3">
+        <a:scrgbClr r="0" g="0" b="0"/>
+      </a:fillRef>
+      <a:effectRef idx="2">
+        <a:scrgbClr r="0" g="0" b="0"/>
+      </a:effectRef>
+      <a:fontRef idx="minor">
+        <a:schemeClr val="lt1"/>
+      </a:fontRef>
+    </dgm:style>
+  </dgm:styleLbl>
+  <dgm:styleLbl name="lnNode1">
+    <dgm:scene3d>
+      <a:camera prst="orthographicFront"/>
+      <a:lightRig rig="threePt" dir="t"/>
+    </dgm:scene3d>
+    <dgm:sp3d/>
+    <dgm:txPr/>
+    <dgm:style>
+      <a:lnRef idx="1">
+        <a:scrgbClr r="0" g="0" b="0"/>
+      </a:lnRef>
+      <a:fillRef idx="3">
+        <a:scrgbClr r="0" g="0" b="0"/>
+      </a:fillRef>
+      <a:effectRef idx="2">
+        <a:scrgbClr r="0" g="0" b="0"/>
+      </a:effectRef>
+      <a:fontRef idx="minor">
+        <a:schemeClr val="lt1"/>
+      </a:fontRef>
+    </dgm:style>
+  </dgm:styleLbl>
+  <dgm:styleLbl name="vennNode1">
+    <dgm:scene3d>
+      <a:camera prst="orthographicFront"/>
+      <a:lightRig rig="threePt" dir="t"/>
+    </dgm:scene3d>
+    <dgm:sp3d/>
+    <dgm:txPr/>
+    <dgm:style>
+      <a:lnRef idx="0">
+        <a:scrgbClr r="0" g="0" b="0"/>
+      </a:lnRef>
+      <a:fillRef idx="3">
+        <a:scrgbClr r="0" g="0" b="0"/>
+      </a:fillRef>
+      <a:effectRef idx="0">
+        <a:scrgbClr r="0" g="0" b="0"/>
+      </a:effectRef>
+      <a:fontRef idx="minor">
+        <a:schemeClr val="tx1"/>
+      </a:fontRef>
+    </dgm:style>
+  </dgm:styleLbl>
+  <dgm:styleLbl name="alignNode1">
+    <dgm:scene3d>
+      <a:camera prst="orthographicFront"/>
+      <a:lightRig rig="threePt" dir="t"/>
+    </dgm:scene3d>
+    <dgm:sp3d/>
+    <dgm:txPr/>
+    <dgm:style>
+      <a:lnRef idx="1">
+        <a:scrgbClr r="0" g="0" b="0"/>
+      </a:lnRef>
+      <a:fillRef idx="3">
+        <a:scrgbClr r="0" g="0" b="0"/>
+      </a:fillRef>
+      <a:effectRef idx="2">
+        <a:scrgbClr r="0" g="0" b="0"/>
+      </a:effectRef>
+      <a:fontRef idx="minor">
+        <a:schemeClr val="lt1"/>
+      </a:fontRef>
+    </dgm:style>
+  </dgm:styleLbl>
+  <dgm:styleLbl name="node1">
+    <dgm:scene3d>
+      <a:camera prst="orthographicFront"/>
+      <a:lightRig rig="threePt" dir="t"/>
+    </dgm:scene3d>
+    <dgm:sp3d/>
+    <dgm:txPr/>
+    <dgm:style>
+      <a:lnRef idx="0">
+        <a:scrgbClr r="0" g="0" b="0"/>
+      </a:lnRef>
+      <a:fillRef idx="3">
+        <a:scrgbClr r="0" g="0" b="0"/>
+      </a:fillRef>
+      <a:effectRef idx="2">
+        <a:scrgbClr r="0" g="0" b="0"/>
+      </a:effectRef>
+      <a:fontRef idx="minor">
+        <a:schemeClr val="lt1"/>
+      </a:fontRef>
+    </dgm:style>
+  </dgm:styleLbl>
+  <dgm:styleLbl name="node2">
+    <dgm:scene3d>
+      <a:camera prst="orthographicFront"/>
+      <a:lightRig rig="threePt" dir="t"/>
+    </dgm:scene3d>
+    <dgm:sp3d/>
+    <dgm:txPr/>
+    <dgm:style>
+      <a:lnRef idx="0">
+        <a:scrgbClr r="0" g="0" b="0"/>
+      </a:lnRef>
+      <a:fillRef idx="3">
+        <a:scrgbClr r="0" g="0" b="0"/>
+      </a:fillRef>
+      <a:effectRef idx="2">
+        <a:scrgbClr r="0" g="0" b="0"/>
+      </a:effectRef>
+      <a:fontRef idx="minor">
+        <a:schemeClr val="lt1"/>
+      </a:fontRef>
+    </dgm:style>
+  </dgm:styleLbl>
+  <dgm:styleLbl name="node3">
+    <dgm:scene3d>
+      <a:camera prst="orthographicFront"/>
+      <a:lightRig rig="threePt" dir="t"/>
+    </dgm:scene3d>
+    <dgm:sp3d/>
+    <dgm:txPr/>
+    <dgm:style>
+      <a:lnRef idx="0">
+        <a:scrgbClr r="0" g="0" b="0"/>
+      </a:lnRef>
+      <a:fillRef idx="3">
+        <a:scrgbClr r="0" g="0" b="0"/>
+      </a:fillRef>
+      <a:effectRef idx="2">
+        <a:scrgbClr r="0" g="0" b="0"/>
+      </a:effectRef>
+      <a:fontRef idx="minor">
+        <a:schemeClr val="lt1"/>
+      </a:fontRef>
+    </dgm:style>
+  </dgm:styleLbl>
+  <dgm:styleLbl name="node4">
+    <dgm:scene3d>
+      <a:camera prst="orthographicFront"/>
+      <a:lightRig rig="threePt" dir="t"/>
+    </dgm:scene3d>
+    <dgm:sp3d/>
+    <dgm:txPr/>
+    <dgm:style>
+      <a:lnRef idx="0">
+        <a:scrgbClr r="0" g="0" b="0"/>
+      </a:lnRef>
+      <a:fillRef idx="3">
+        <a:scrgbClr r="0" g="0" b="0"/>
+      </a:fillRef>
+      <a:effectRef idx="2">
+        <a:scrgbClr r="0" g="0" b="0"/>
+      </a:effectRef>
+      <a:fontRef idx="minor">
+        <a:schemeClr val="lt1"/>
+      </a:fontRef>
+    </dgm:style>
+  </dgm:styleLbl>
+  <dgm:styleLbl name="fgImgPlace1">
+    <dgm:scene3d>
+      <a:camera prst="orthographicFront"/>
+      <a:lightRig rig="threePt" dir="t"/>
+    </dgm:scene3d>
+    <dgm:sp3d/>
+    <dgm:txPr/>
+    <dgm:style>
+      <a:lnRef idx="0">
+        <a:scrgbClr r="0" g="0" b="0"/>
+      </a:lnRef>
+      <a:fillRef idx="1">
+        <a:scrgbClr r="0" g="0" b="0"/>
+      </a:fillRef>
+      <a:effectRef idx="2">
+        <a:scrgbClr r="0" g="0" b="0"/>
+      </a:effectRef>
+      <a:fontRef idx="minor"/>
+    </dgm:style>
+  </dgm:styleLbl>
+  <dgm:styleLbl name="alignImgPlace1">
+    <dgm:scene3d>
+      <a:camera prst="orthographicFront"/>
+      <a:lightRig rig="threePt" dir="t"/>
+    </dgm:scene3d>
+    <dgm:sp3d/>
+    <dgm:txPr/>
+    <dgm:style>
+      <a:lnRef idx="0">
+        <a:scrgbClr r="0" g="0" b="0"/>
+      </a:lnRef>
+      <a:fillRef idx="1">
+        <a:scrgbClr r="0" g="0" b="0"/>
+      </a:fillRef>
+      <a:effectRef idx="2">
+        <a:scrgbClr r="0" g="0" b="0"/>
+      </a:effectRef>
+      <a:fontRef idx="minor"/>
+    </dgm:style>
+  </dgm:styleLbl>
+  <dgm:styleLbl name="bgImgPlace1">
+    <dgm:scene3d>
+      <a:camera prst="orthographicFront"/>
+      <a:lightRig rig="threePt" dir="t"/>
+    </dgm:scene3d>
+    <dgm:sp3d/>
+    <dgm:txPr/>
+    <dgm:style>
+      <a:lnRef idx="0">
+        <a:scrgbClr r="0" g="0" b="0"/>
+      </a:lnRef>
+      <a:fillRef idx="1">
+        <a:scrgbClr r="0" g="0" b="0"/>
+      </a:fillRef>
+      <a:effectRef idx="2">
+        <a:scrgbClr r="0" g="0" b="0"/>
+      </a:effectRef>
+      <a:fontRef idx="minor"/>
+    </dgm:style>
+  </dgm:styleLbl>
+  <dgm:styleLbl name="sibTrans2D1">
+    <dgm:scene3d>
+      <a:camera prst="orthographicFront"/>
+      <a:lightRig rig="threePt" dir="t"/>
+    </dgm:scene3d>
+    <dgm:sp3d/>
+    <dgm:txPr/>
+    <dgm:style>
+      <a:lnRef idx="0">
+        <a:scrgbClr r="0" g="0" b="0"/>
+      </a:lnRef>
+      <a:fillRef idx="3">
+        <a:scrgbClr r="0" g="0" b="0"/>
+      </a:fillRef>
+      <a:effectRef idx="2">
+        <a:scrgbClr r="0" g="0" b="0"/>
+      </a:effectRef>
+      <a:fontRef idx="minor">
+        <a:schemeClr val="lt1"/>
+      </a:fontRef>
+    </dgm:style>
+  </dgm:styleLbl>
+  <dgm:styleLbl name="fgSibTrans2D1">
+    <dgm:scene3d>
+      <a:camera prst="orthographicFront"/>
+      <a:lightRig rig="threePt" dir="t"/>
+    </dgm:scene3d>
+    <dgm:sp3d/>
+    <dgm:txPr/>
+    <dgm:style>
+      <a:lnRef idx="0">
+        <a:scrgbClr r="0" g="0" b="0"/>
+      </a:lnRef>
+      <a:fillRef idx="3">
+        <a:scrgbClr r="0" g="0" b="0"/>
+      </a:fillRef>
+      <a:effectRef idx="2">
+        <a:scrgbClr r="0" g="0" b="0"/>
+      </a:effectRef>
+      <a:fontRef idx="minor">
+        <a:schemeClr val="lt1"/>
+      </a:fontRef>
+    </dgm:style>
+  </dgm:styleLbl>
+  <dgm:styleLbl name="bgSibTrans2D1">
+    <dgm:scene3d>
+      <a:camera prst="orthographicFront"/>
+      <a:lightRig rig="threePt" dir="t"/>
+    </dgm:scene3d>
+    <dgm:sp3d/>
+    <dgm:txPr/>
+    <dgm:style>
+      <a:lnRef idx="0">
+        <a:scrgbClr r="0" g="0" b="0"/>
+      </a:lnRef>
+      <a:fillRef idx="3">
+        <a:scrgbClr r="0" g="0" b="0"/>
+      </a:fillRef>
+      <a:effectRef idx="2">
+        <a:scrgbClr r="0" g="0" b="0"/>
+      </a:effectRef>
+      <a:fontRef idx="minor">
+        <a:schemeClr val="lt1"/>
+      </a:fontRef>
+    </dgm:style>
+  </dgm:styleLbl>
+  <dgm:styleLbl name="sibTrans1D1">
+    <dgm:scene3d>
+      <a:camera prst="orthographicFront"/>
+      <a:lightRig rig="threePt" dir="t"/>
+    </dgm:scene3d>
+    <dgm:sp3d/>
+    <dgm:txPr/>
+    <dgm:style>
+      <a:lnRef idx="1">
+        <a:scrgbClr r="0" g="0" b="0"/>
+      </a:lnRef>
+      <a:fillRef idx="0">
+        <a:scrgbClr r="0" g="0" b="0"/>
+      </a:fillRef>
+      <a:effectRef idx="0">
+        <a:scrgbClr r="0" g="0" b="0"/>
+      </a:effectRef>
+      <a:fontRef idx="minor"/>
+    </dgm:style>
+  </dgm:styleLbl>
+  <dgm:styleLbl name="callout">
+    <dgm:scene3d>
+      <a:camera prst="orthographicFront"/>
+      <a:lightRig rig="threePt" dir="t"/>
+    </dgm:scene3d>
+    <dgm:sp3d/>
+    <dgm:txPr/>
+    <dgm:style>
+      <a:lnRef idx="2">
+        <a:scrgbClr r="0" g="0" b="0"/>
+      </a:lnRef>
+      <a:fillRef idx="1">
+        <a:scrgbClr r="0" g="0" b="0"/>
+      </a:fillRef>
+      <a:effectRef idx="1">
+        <a:scrgbClr r="0" g="0" b="0"/>
+      </a:effectRef>
+      <a:fontRef idx="minor"/>
+    </dgm:style>
+  </dgm:styleLbl>
+  <dgm:styleLbl name="asst0">
+    <dgm:scene3d>
+      <a:camera prst="orthographicFront"/>
+      <a:lightRig rig="threePt" dir="t"/>
+    </dgm:scene3d>
+    <dgm:sp3d/>
+    <dgm:txPr/>
+    <dgm:style>
+      <a:lnRef idx="0">
+        <a:scrgbClr r="0" g="0" b="0"/>
+      </a:lnRef>
+      <a:fillRef idx="3">
+        <a:scrgbClr r="0" g="0" b="0"/>
+      </a:fillRef>
+      <a:effectRef idx="2">
+        <a:scrgbClr r="0" g="0" b="0"/>
+      </a:effectRef>
+      <a:fontRef idx="minor">
+        <a:schemeClr val="lt1"/>
+      </a:fontRef>
+    </dgm:style>
+  </dgm:styleLbl>
+  <dgm:styleLbl name="asst1">
+    <dgm:scene3d>
+      <a:camera prst="orthographicFront"/>
+      <a:lightRig rig="threePt" dir="t"/>
+    </dgm:scene3d>
+    <dgm:sp3d/>
+    <dgm:txPr/>
+    <dgm:style>
+      <a:lnRef idx="0">
+        <a:scrgbClr r="0" g="0" b="0"/>
+      </a:lnRef>
+      <a:fillRef idx="3">
+        <a:scrgbClr r="0" g="0" b="0"/>
+      </a:fillRef>
+      <a:effectRef idx="2">
+        <a:scrgbClr r="0" g="0" b="0"/>
+      </a:effectRef>
+      <a:fontRef idx="minor">
+        <a:schemeClr val="lt1"/>
+      </a:fontRef>
+    </dgm:style>
+  </dgm:styleLbl>
+  <dgm:styleLbl name="asst2">
+    <dgm:scene3d>
+      <a:camera prst="orthographicFront"/>
+      <a:lightRig rig="threePt" dir="t"/>
+    </dgm:scene3d>
+    <dgm:sp3d/>
+    <dgm:txPr/>
+    <dgm:style>
+      <a:lnRef idx="0">
+        <a:scrgbClr r="0" g="0" b="0"/>
+      </a:lnRef>
+      <a:fillRef idx="3">
+        <a:scrgbClr r="0" g="0" b="0"/>
+      </a:fillRef>
+      <a:effectRef idx="2">
+        <a:scrgbClr r="0" g="0" b="0"/>
+      </a:effectRef>
+      <a:fontRef idx="minor">
+        <a:schemeClr val="lt1"/>
+      </a:fontRef>
+    </dgm:style>
+  </dgm:styleLbl>
+  <dgm:styleLbl name="asst3">
+    <dgm:scene3d>
+      <a:camera prst="orthographicFront"/>
+      <a:lightRig rig="threePt" dir="t"/>
+    </dgm:scene3d>
+    <dgm:sp3d/>
+    <dgm:txPr/>
+    <dgm:style>
+      <a:lnRef idx="0">
+        <a:scrgbClr r="0" g="0" b="0"/>
+      </a:lnRef>
+      <a:fillRef idx="3">
+        <a:scrgbClr r="0" g="0" b="0"/>
+      </a:fillRef>
+      <a:effectRef idx="2">
+        <a:scrgbClr r="0" g="0" b="0"/>
+      </a:effectRef>
+      <a:fontRef idx="minor">
+        <a:schemeClr val="lt1"/>
+      </a:fontRef>
+    </dgm:style>
+  </dgm:styleLbl>
+  <dgm:styleLbl name="asst4">
+    <dgm:scene3d>
+      <a:camera prst="orthographicFront"/>
+      <a:lightRig rig="threePt" dir="t"/>
+    </dgm:scene3d>
+    <dgm:sp3d/>
+    <dgm:txPr/>
+    <dgm:style>
+      <a:lnRef idx="0">
+        <a:scrgbClr r="0" g="0" b="0"/>
+      </a:lnRef>
+      <a:fillRef idx="3">
+        <a:scrgbClr r="0" g="0" b="0"/>
+      </a:fillRef>
+      <a:effectRef idx="2">
+        <a:scrgbClr r="0" g="0" b="0"/>
+      </a:effectRef>
+      <a:fontRef idx="minor">
+        <a:schemeClr val="lt1"/>
+      </a:fontRef>
+    </dgm:style>
+  </dgm:styleLbl>
+  <dgm:styleLbl name="parChTrans2D1">
+    <dgm:scene3d>
+      <a:camera prst="orthographicFront"/>
+      <a:lightRig rig="threePt" dir="t"/>
+    </dgm:scene3d>
+    <dgm:sp3d/>
+    <dgm:txPr/>
+    <dgm:style>
+      <a:lnRef idx="0">
+        <a:scrgbClr r="0" g="0" b="0"/>
+      </a:lnRef>
+      <a:fillRef idx="3">
+        <a:scrgbClr r="0" g="0" b="0"/>
+      </a:fillRef>
+      <a:effectRef idx="2">
+        <a:scrgbClr r="0" g="0" b="0"/>
+      </a:effectRef>
+      <a:fontRef idx="minor">
+        <a:schemeClr val="lt1"/>
+      </a:fontRef>
+    </dgm:style>
+  </dgm:styleLbl>
+  <dgm:styleLbl name="parChTrans2D2">
+    <dgm:scene3d>
+      <a:camera prst="orthographicFront"/>
+      <a:lightRig rig="threePt" dir="t"/>
+    </dgm:scene3d>
+    <dgm:sp3d/>
+    <dgm:txPr/>
+    <dgm:style>
+      <a:lnRef idx="0">
+        <a:scrgbClr r="0" g="0" b="0"/>
+      </a:lnRef>
+      <a:fillRef idx="3">
+        <a:scrgbClr r="0" g="0" b="0"/>
+      </a:fillRef>
+      <a:effectRef idx="2">
+        <a:scrgbClr r="0" g="0" b="0"/>
+      </a:effectRef>
+      <a:fontRef idx="minor">
+        <a:schemeClr val="lt1"/>
+      </a:fontRef>
+    </dgm:style>
+  </dgm:styleLbl>
+  <dgm:styleLbl name="parChTrans2D3">
+    <dgm:scene3d>
+      <a:camera prst="orthographicFront"/>
+      <a:lightRig rig="threePt" dir="t"/>
+    </dgm:scene3d>
+    <dgm:sp3d/>
+    <dgm:txPr/>
+    <dgm:style>
+      <a:lnRef idx="1">
+        <a:scrgbClr r="0" g="0" b="0"/>
+      </a:lnRef>
+      <a:fillRef idx="3">
+        <a:scrgbClr r="0" g="0" b="0"/>
+      </a:fillRef>
+      <a:effectRef idx="2">
+        <a:scrgbClr r="0" g="0" b="0"/>
+      </a:effectRef>
+      <a:fontRef idx="minor">
+        <a:schemeClr val="lt1"/>
+      </a:fontRef>
+    </dgm:style>
+  </dgm:styleLbl>
+  <dgm:styleLbl name="parChTrans2D4">
+    <dgm:scene3d>
+      <a:camera prst="orthographicFront"/>
+      <a:lightRig rig="threePt" dir="t"/>
+    </dgm:scene3d>
+    <dgm:sp3d/>
+    <dgm:txPr/>
+    <dgm:style>
+      <a:lnRef idx="1">
+        <a:scrgbClr r="0" g="0" b="0"/>
+      </a:lnRef>
+      <a:fillRef idx="3">
+        <a:scrgbClr r="0" g="0" b="0"/>
+      </a:fillRef>
+      <a:effectRef idx="2">
+        <a:scrgbClr r="0" g="0" b="0"/>
+      </a:effectRef>
+      <a:fontRef idx="minor">
+        <a:schemeClr val="lt1"/>
+      </a:fontRef>
+    </dgm:style>
+  </dgm:styleLbl>
+  <dgm:styleLbl name="parChTrans1D1">
+    <dgm:scene3d>
+      <a:camera prst="orthographicFront"/>
+      <a:lightRig rig="threePt" dir="t"/>
+    </dgm:scene3d>
+    <dgm:sp3d/>
+    <dgm:txPr/>
+    <dgm:style>
+      <a:lnRef idx="1">
+        <a:scrgbClr r="0" g="0" b="0"/>
+      </a:lnRef>
+      <a:fillRef idx="0">
+        <a:scrgbClr r="0" g="0" b="0"/>
+      </a:fillRef>
+      <a:effectRef idx="0">
+        <a:scrgbClr r="0" g="0" b="0"/>
+      </a:effectRef>
+      <a:fontRef idx="minor"/>
+    </dgm:style>
+  </dgm:styleLbl>
+  <dgm:styleLbl name="parChTrans1D2">
+    <dgm:scene3d>
+      <a:camera prst="orthographicFront"/>
+      <a:lightRig rig="threePt" dir="t"/>
+    </dgm:scene3d>
+    <dgm:sp3d/>
+    <dgm:txPr/>
+    <dgm:style>
+      <a:lnRef idx="1">
+        <a:scrgbClr r="0" g="0" b="0"/>
+      </a:lnRef>
+      <a:fillRef idx="0">
+        <a:scrgbClr r="0" g="0" b="0"/>
+      </a:fillRef>
+      <a:effectRef idx="0">
+        <a:scrgbClr r="0" g="0" b="0"/>
+      </a:effectRef>
+      <a:fontRef idx="minor"/>
+    </dgm:style>
+  </dgm:styleLbl>
+  <dgm:styleLbl name="parChTrans1D3">
+    <dgm:scene3d>
+      <a:camera prst="orthographicFront"/>
+      <a:lightRig rig="threePt" dir="t"/>
+    </dgm:scene3d>
+    <dgm:sp3d/>
+    <dgm:txPr/>
+    <dgm:style>
+      <a:lnRef idx="1">
+        <a:scrgbClr r="0" g="0" b="0"/>
+      </a:lnRef>
+      <a:fillRef idx="0">
+        <a:scrgbClr r="0" g="0" b="0"/>
+      </a:fillRef>
+      <a:effectRef idx="0">
+        <a:scrgbClr r="0" g="0" b="0"/>
+      </a:effectRef>
+      <a:fontRef idx="minor"/>
+    </dgm:style>
+  </dgm:styleLbl>
+  <dgm:styleLbl name="parChTrans1D4">
+    <dgm:scene3d>
+      <a:camera prst="orthographicFront"/>
+      <a:lightRig rig="threePt" dir="t"/>
+    </dgm:scene3d>
+    <dgm:sp3d/>
+    <dgm:txPr/>
+    <dgm:style>
+      <a:lnRef idx="1">
+        <a:scrgbClr r="0" g="0" b="0"/>
+      </a:lnRef>
+      <a:fillRef idx="0">
+        <a:scrgbClr r="0" g="0" b="0"/>
+      </a:fillRef>
+      <a:effectRef idx="0">
+        <a:scrgbClr r="0" g="0" b="0"/>
+      </a:effectRef>
+      <a:fontRef idx="minor"/>
+    </dgm:style>
+  </dgm:styleLbl>
+  <dgm:styleLbl name="fgAcc1">
+    <dgm:scene3d>
+      <a:camera prst="orthographicFront"/>
+      <a:lightRig rig="threePt" dir="t"/>
+    </dgm:scene3d>
+    <dgm:sp3d/>
+    <dgm:txPr/>
+    <dgm:style>
+      <a:lnRef idx="1">
+        <a:scrgbClr r="0" g="0" b="0"/>
+      </a:lnRef>
+      <a:fillRef idx="1">
+        <a:scrgbClr r="0" g="0" b="0"/>
+      </a:fillRef>
+      <a:effectRef idx="0">
+        <a:scrgbClr r="0" g="0" b="0"/>
+      </a:effectRef>
+      <a:fontRef idx="minor"/>
+    </dgm:style>
+  </dgm:styleLbl>
+  <dgm:styleLbl name="conFgAcc1">
+    <dgm:scene3d>
+      <a:camera prst="orthographicFront"/>
+      <a:lightRig rig="threePt" dir="t"/>
+    </dgm:scene3d>
+    <dgm:sp3d/>
+    <dgm:txPr/>
+    <dgm:style>
+      <a:lnRef idx="1">
+        <a:scrgbClr r="0" g="0" b="0"/>
+      </a:lnRef>
+      <a:fillRef idx="1">
+        <a:scrgbClr r="0" g="0" b="0"/>
+      </a:fillRef>
+      <a:effectRef idx="0">
+        <a:scrgbClr r="0" g="0" b="0"/>
+      </a:effectRef>
+      <a:fontRef idx="minor"/>
+    </dgm:style>
+  </dgm:styleLbl>
+  <dgm:styleLbl name="alignAcc1">
+    <dgm:scene3d>
+      <a:camera prst="orthographicFront"/>
+      <a:lightRig rig="threePt" dir="t"/>
+    </dgm:scene3d>
+    <dgm:sp3d/>
+    <dgm:txPr/>
+    <dgm:style>
+      <a:lnRef idx="1">
+        <a:scrgbClr r="0" g="0" b="0"/>
+      </a:lnRef>
+      <a:fillRef idx="1">
+        <a:scrgbClr r="0" g="0" b="0"/>
+      </a:fillRef>
+      <a:effectRef idx="0">
+        <a:scrgbClr r="0" g="0" b="0"/>
+      </a:effectRef>
+      <a:fontRef idx="minor"/>
+    </dgm:style>
+  </dgm:styleLbl>
+  <dgm:styleLbl name="trAlignAcc1">
+    <dgm:scene3d>
+      <a:camera prst="orthographicFront"/>
+      <a:lightRig rig="threePt" dir="t"/>
+    </dgm:scene3d>
+    <dgm:sp3d/>
+    <dgm:txPr/>
+    <dgm:style>
+      <a:lnRef idx="1">
+        <a:scrgbClr r="0" g="0" b="0"/>
+      </a:lnRef>
+      <a:fillRef idx="1">
+        <a:scrgbClr r="0" g="0" b="0"/>
+      </a:fillRef>
+      <a:effectRef idx="0">
+        <a:scrgbClr r="0" g="0" b="0"/>
+      </a:effectRef>
+      <a:fontRef idx="minor"/>
+    </dgm:style>
+  </dgm:styleLbl>
+  <dgm:styleLbl name="bgAcc1">
+    <dgm:scene3d>
+      <a:camera prst="orthographicFront"/>
+      <a:lightRig rig="threePt" dir="t"/>
+    </dgm:scene3d>
+    <dgm:sp3d/>
+    <dgm:txPr/>
+    <dgm:style>
+      <a:lnRef idx="1">
+        <a:scrgbClr r="0" g="0" b="0"/>
+      </a:lnRef>
+      <a:fillRef idx="1">
+        <a:scrgbClr r="0" g="0" b="0"/>
+      </a:fillRef>
+      <a:effectRef idx="0">
+        <a:scrgbClr r="0" g="0" b="0"/>
+      </a:effectRef>
+      <a:fontRef idx="minor"/>
+    </dgm:style>
+  </dgm:styleLbl>
+  <dgm:styleLbl name="solidFgAcc1">
+    <dgm:scene3d>
+      <a:camera prst="orthographicFront"/>
+      <a:lightRig rig="threePt" dir="t"/>
+    </dgm:scene3d>
+    <dgm:sp3d/>
+    <dgm:txPr/>
+    <dgm:style>
+      <a:lnRef idx="1">
+        <a:scrgbClr r="0" g="0" b="0"/>
+      </a:lnRef>
+      <a:fillRef idx="1">
+        <a:scrgbClr r="0" g="0" b="0"/>
+      </a:fillRef>
+      <a:effectRef idx="0">
+        <a:scrgbClr r="0" g="0" b="0"/>
+      </a:effectRef>
+      <a:fontRef idx="minor"/>
+    </dgm:style>
+  </dgm:styleLbl>
+  <dgm:styleLbl name="solidAlignAcc1">
+    <dgm:scene3d>
+      <a:camera prst="orthographicFront"/>
+      <a:lightRig rig="threePt" dir="t"/>
+    </dgm:scene3d>
+    <dgm:sp3d/>
+    <dgm:txPr/>
+    <dgm:style>
+      <a:lnRef idx="1">
+        <a:scrgbClr r="0" g="0" b="0"/>
+      </a:lnRef>
+      <a:fillRef idx="1">
+        <a:scrgbClr r="0" g="0" b="0"/>
+      </a:fillRef>
+      <a:effectRef idx="0">
+        <a:scrgbClr r="0" g="0" b="0"/>
+      </a:effectRef>
+      <a:fontRef idx="minor"/>
+    </dgm:style>
+  </dgm:styleLbl>
+  <dgm:styleLbl name="solidBgAcc1">
+    <dgm:scene3d>
+      <a:camera prst="orthographicFront"/>
+      <a:lightRig rig="threePt" dir="t"/>
+    </dgm:scene3d>
+    <dgm:sp3d/>
+    <dgm:txPr/>
+    <dgm:style>
+      <a:lnRef idx="1">
+        <a:scrgbClr r="0" g="0" b="0"/>
+      </a:lnRef>
+      <a:fillRef idx="1">
+        <a:scrgbClr r="0" g="0" b="0"/>
+      </a:fillRef>
+      <a:effectRef idx="0">
+        <a:scrgbClr r="0" g="0" b="0"/>
+      </a:effectRef>
+      <a:fontRef idx="minor"/>
+    </dgm:style>
+  </dgm:styleLbl>
+  <dgm:styleLbl name="fgAccFollowNode1">
+    <dgm:scene3d>
+      <a:camera prst="orthographicFront"/>
+      <a:lightRig rig="threePt" dir="t"/>
+    </dgm:scene3d>
+    <dgm:sp3d/>
+    <dgm:txPr/>
+    <dgm:style>
+      <a:lnRef idx="1">
+        <a:scrgbClr r="0" g="0" b="0"/>
+      </a:lnRef>
+      <a:fillRef idx="1">
+        <a:scrgbClr r="0" g="0" b="0"/>
+      </a:fillRef>
+      <a:effectRef idx="0">
+        <a:scrgbClr r="0" g="0" b="0"/>
+      </a:effectRef>
+      <a:fontRef idx="minor"/>
+    </dgm:style>
+  </dgm:styleLbl>
+  <dgm:styleLbl name="alignAccFollowNode1">
+    <dgm:scene3d>
+      <a:camera prst="orthographicFront"/>
+      <a:lightRig rig="threePt" dir="t"/>
+    </dgm:scene3d>
+    <dgm:sp3d/>
+    <dgm:txPr/>
+    <dgm:style>
+      <a:lnRef idx="1">
+        <a:scrgbClr r="0" g="0" b="0"/>
+      </a:lnRef>
+      <a:fillRef idx="1">
+        <a:scrgbClr r="0" g="0" b="0"/>
+      </a:fillRef>
+      <a:effectRef idx="0">
+        <a:scrgbClr r="0" g="0" b="0"/>
+      </a:effectRef>
+      <a:fontRef idx="minor"/>
+    </dgm:style>
+  </dgm:styleLbl>
+  <dgm:styleLbl name="bgAccFollowNode1">
+    <dgm:scene3d>
+      <a:camera prst="orthographicFront"/>
+      <a:lightRig rig="threePt" dir="t"/>
+    </dgm:scene3d>
+    <dgm:sp3d/>
+    <dgm:txPr/>
+    <dgm:style>
+      <a:lnRef idx="1">
+        <a:scrgbClr r="0" g="0" b="0"/>
+      </a:lnRef>
+      <a:fillRef idx="1">
+        <a:scrgbClr r="0" g="0" b="0"/>
+      </a:fillRef>
+      <a:effectRef idx="0">
+        <a:scrgbClr r="0" g="0" b="0"/>
+      </a:effectRef>
+      <a:fontRef idx="minor"/>
+    </dgm:style>
+  </dgm:styleLbl>
+  <dgm:styleLbl name="fgAcc0">
+    <dgm:scene3d>
+      <a:camera prst="orthographicFront"/>
+      <a:lightRig rig="threePt" dir="t"/>
+    </dgm:scene3d>
+    <dgm:sp3d/>
+    <dgm:txPr/>
+    <dgm:style>
+      <a:lnRef idx="1">
+        <a:scrgbClr r="0" g="0" b="0"/>
+      </a:lnRef>
+      <a:fillRef idx="1">
+        <a:scrgbClr r="0" g="0" b="0"/>
+      </a:fillRef>
+      <a:effectRef idx="0">
+        <a:scrgbClr r="0" g="0" b="0"/>
+      </a:effectRef>
+      <a:fontRef idx="minor"/>
+    </dgm:style>
+  </dgm:styleLbl>
+  <dgm:styleLbl name="fgAcc2">
+    <dgm:scene3d>
+      <a:camera prst="orthographicFront"/>
+      <a:lightRig rig="threePt" dir="t"/>
+    </dgm:scene3d>
+    <dgm:sp3d/>
+    <dgm:txPr/>
+    <dgm:style>
+      <a:lnRef idx="1">
+        <a:scrgbClr r="0" g="0" b="0"/>
+      </a:lnRef>
+      <a:fillRef idx="1">
+        <a:scrgbClr r="0" g="0" b="0"/>
+      </a:fillRef>
+      <a:effectRef idx="0">
+        <a:scrgbClr r="0" g="0" b="0"/>
+      </a:effectRef>
+      <a:fontRef idx="minor"/>
+    </dgm:style>
+  </dgm:styleLbl>
+  <dgm:styleLbl name="fgAcc3">
+    <dgm:scene3d>
+      <a:camera prst="orthographicFront"/>
+      <a:lightRig rig="threePt" dir="t"/>
+    </dgm:scene3d>
+    <dgm:sp3d/>
+    <dgm:txPr/>
+    <dgm:style>
+      <a:lnRef idx="1">
+        <a:scrgbClr r="0" g="0" b="0"/>
+      </a:lnRef>
+      <a:fillRef idx="1">
+        <a:scrgbClr r="0" g="0" b="0"/>
+      </a:fillRef>
+      <a:effectRef idx="0">
+        <a:scrgbClr r="0" g="0" b="0"/>
+      </a:effectRef>
+      <a:fontRef idx="minor"/>
+    </dgm:style>
+  </dgm:styleLbl>
+  <dgm:styleLbl name="fgAcc4">
+    <dgm:scene3d>
+      <a:camera prst="orthographicFront"/>
+      <a:lightRig rig="threePt" dir="t"/>
+    </dgm:scene3d>
+    <dgm:sp3d/>
+    <dgm:txPr/>
+    <dgm:style>
+      <a:lnRef idx="1">
+        <a:scrgbClr r="0" g="0" b="0"/>
+      </a:lnRef>
+      <a:fillRef idx="1">
+        <a:scrgbClr r="0" g="0" b="0"/>
+      </a:fillRef>
+      <a:effectRef idx="0">
+        <a:scrgbClr r="0" g="0" b="0"/>
+      </a:effectRef>
+      <a:fontRef idx="minor"/>
+    </dgm:style>
+  </dgm:styleLbl>
+  <dgm:styleLbl name="bgShp">
+    <dgm:scene3d>
+      <a:camera prst="orthographicFront"/>
+      <a:lightRig rig="threePt" dir="t"/>
+    </dgm:scene3d>
+    <dgm:sp3d/>
+    <dgm:txPr/>
+    <dgm:style>
+      <a:lnRef idx="0">
+        <a:scrgbClr r="0" g="0" b="0"/>
+      </a:lnRef>
+      <a:fillRef idx="1">
+        <a:scrgbClr r="0" g="0" b="0"/>
+      </a:fillRef>
+      <a:effectRef idx="2">
+        <a:scrgbClr r="0" g="0" b="0"/>
+      </a:effectRef>
+      <a:fontRef idx="minor"/>
+    </dgm:style>
+  </dgm:styleLbl>
+  <dgm:styleLbl name="dkBgShp">
+    <dgm:scene3d>
+      <a:camera prst="orthographicFront"/>
+      <a:lightRig rig="threePt" dir="t"/>
+    </dgm:scene3d>
+    <dgm:sp3d/>
+    <dgm:txPr/>
+    <dgm:style>
+      <a:lnRef idx="0">
+        <a:scrgbClr r="0" g="0" b="0"/>
+      </a:lnRef>
+      <a:fillRef idx="1">
+        <a:scrgbClr r="0" g="0" b="0"/>
+      </a:fillRef>
+      <a:effectRef idx="2">
+        <a:scrgbClr r="0" g="0" b="0"/>
+      </a:effectRef>
+      <a:fontRef idx="minor"/>
+    </dgm:style>
+  </dgm:styleLbl>
+  <dgm:styleLbl name="trBgShp">
+    <dgm:scene3d>
+      <a:camera prst="orthographicFront"/>
+      <a:lightRig rig="threePt" dir="t"/>
+    </dgm:scene3d>
+    <dgm:sp3d/>
+    <dgm:txPr/>
+    <dgm:style>
+      <a:lnRef idx="0">
+        <a:scrgbClr r="0" g="0" b="0"/>
+      </a:lnRef>
+      <a:fillRef idx="1">
+        <a:scrgbClr r="0" g="0" b="0"/>
+      </a:fillRef>
+      <a:effectRef idx="0">
+        <a:scrgbClr r="0" g="0" b="0"/>
+      </a:effectRef>
+      <a:fontRef idx="minor"/>
+    </dgm:style>
+  </dgm:styleLbl>
+  <dgm:styleLbl name="fgShp">
+    <dgm:scene3d>
+      <a:camera prst="orthographicFront"/>
+      <a:lightRig rig="threePt" dir="t"/>
+    </dgm:scene3d>
+    <dgm:sp3d/>
+    <dgm:txPr/>
+    <dgm:style>
+      <a:lnRef idx="0">
+        <a:scrgbClr r="0" g="0" b="0"/>
+      </a:lnRef>
+      <a:fillRef idx="3">
+        <a:scrgbClr r="0" g="0" b="0"/>
+      </a:fillRef>
+      <a:effectRef idx="2">
+        <a:scrgbClr r="0" g="0" b="0"/>
+      </a:effectRef>
+      <a:fontRef idx="minor"/>
+    </dgm:style>
+  </dgm:styleLbl>
+  <dgm:styleLbl name="revTx">
+    <dgm:scene3d>
+      <a:camera prst="orthographicFront"/>
+      <a:lightRig rig="threePt" dir="t"/>
+    </dgm:scene3d>
+    <dgm:sp3d/>
+    <dgm:txPr/>
+    <dgm:style>
+      <a:lnRef idx="0">
+        <a:scrgbClr r="0" g="0" b="0"/>
+      </a:lnRef>
+      <a:fillRef idx="0">
+        <a:scrgbClr r="0" g="0" b="0"/>
+      </a:fillRef>
+      <a:effectRef idx="0">
+        <a:scrgbClr r="0" g="0" b="0"/>
+      </a:effectRef>
+      <a:fontRef idx="minor"/>
+    </dgm:style>
+  </dgm:styleLbl>
+</dgm:styleDef>
+</file>
+
+<file path=ppt/diagrams/quickStyle11.xml><?xml version="1.0" encoding="utf-8"?>
 <dgm:styleDef xmlns:dgm="http://schemas.openxmlformats.org/drawingml/2006/diagram" xmlns:a="http://schemas.openxmlformats.org/drawingml/2006/main" uniqueId="urn:microsoft.com/office/officeart/2005/8/quickstyle/simple1">
   <dgm:title val=""/>
   <dgm:desc val=""/>
@@ -24635,6 +26763,1040 @@
 </file>
 
 <file path=ppt/diagrams/quickStyle8.xml><?xml version="1.0" encoding="utf-8"?>
+<dgm:styleDef xmlns:dgm="http://schemas.openxmlformats.org/drawingml/2006/diagram" xmlns:a="http://schemas.openxmlformats.org/drawingml/2006/main" uniqueId="urn:microsoft.com/office/officeart/2005/8/quickstyle/simple1">
+  <dgm:title val=""/>
+  <dgm:desc val=""/>
+  <dgm:catLst>
+    <dgm:cat type="simple" pri="10100"/>
+  </dgm:catLst>
+  <dgm:scene3d>
+    <a:camera prst="orthographicFront"/>
+    <a:lightRig rig="threePt" dir="t"/>
+  </dgm:scene3d>
+  <dgm:styleLbl name="node0">
+    <dgm:scene3d>
+      <a:camera prst="orthographicFront"/>
+      <a:lightRig rig="threePt" dir="t"/>
+    </dgm:scene3d>
+    <dgm:sp3d/>
+    <dgm:txPr/>
+    <dgm:style>
+      <a:lnRef idx="2">
+        <a:scrgbClr r="0" g="0" b="0"/>
+      </a:lnRef>
+      <a:fillRef idx="1">
+        <a:scrgbClr r="0" g="0" b="0"/>
+      </a:fillRef>
+      <a:effectRef idx="0">
+        <a:scrgbClr r="0" g="0" b="0"/>
+      </a:effectRef>
+      <a:fontRef idx="minor">
+        <a:schemeClr val="lt1"/>
+      </a:fontRef>
+    </dgm:style>
+  </dgm:styleLbl>
+  <dgm:styleLbl name="lnNode1">
+    <dgm:scene3d>
+      <a:camera prst="orthographicFront"/>
+      <a:lightRig rig="threePt" dir="t"/>
+    </dgm:scene3d>
+    <dgm:sp3d/>
+    <dgm:txPr/>
+    <dgm:style>
+      <a:lnRef idx="2">
+        <a:scrgbClr r="0" g="0" b="0"/>
+      </a:lnRef>
+      <a:fillRef idx="1">
+        <a:scrgbClr r="0" g="0" b="0"/>
+      </a:fillRef>
+      <a:effectRef idx="0">
+        <a:scrgbClr r="0" g="0" b="0"/>
+      </a:effectRef>
+      <a:fontRef idx="minor">
+        <a:schemeClr val="lt1"/>
+      </a:fontRef>
+    </dgm:style>
+  </dgm:styleLbl>
+  <dgm:styleLbl name="vennNode1">
+    <dgm:scene3d>
+      <a:camera prst="orthographicFront"/>
+      <a:lightRig rig="threePt" dir="t"/>
+    </dgm:scene3d>
+    <dgm:sp3d/>
+    <dgm:txPr/>
+    <dgm:style>
+      <a:lnRef idx="2">
+        <a:scrgbClr r="0" g="0" b="0"/>
+      </a:lnRef>
+      <a:fillRef idx="1">
+        <a:scrgbClr r="0" g="0" b="0"/>
+      </a:fillRef>
+      <a:effectRef idx="0">
+        <a:scrgbClr r="0" g="0" b="0"/>
+      </a:effectRef>
+      <a:fontRef idx="minor">
+        <a:schemeClr val="tx1"/>
+      </a:fontRef>
+    </dgm:style>
+  </dgm:styleLbl>
+  <dgm:styleLbl name="alignNode1">
+    <dgm:scene3d>
+      <a:camera prst="orthographicFront"/>
+      <a:lightRig rig="threePt" dir="t"/>
+    </dgm:scene3d>
+    <dgm:sp3d/>
+    <dgm:txPr/>
+    <dgm:style>
+      <a:lnRef idx="2">
+        <a:scrgbClr r="0" g="0" b="0"/>
+      </a:lnRef>
+      <a:fillRef idx="1">
+        <a:scrgbClr r="0" g="0" b="0"/>
+      </a:fillRef>
+      <a:effectRef idx="0">
+        <a:scrgbClr r="0" g="0" b="0"/>
+      </a:effectRef>
+      <a:fontRef idx="minor">
+        <a:schemeClr val="lt1"/>
+      </a:fontRef>
+    </dgm:style>
+  </dgm:styleLbl>
+  <dgm:styleLbl name="node1">
+    <dgm:scene3d>
+      <a:camera prst="orthographicFront"/>
+      <a:lightRig rig="threePt" dir="t"/>
+    </dgm:scene3d>
+    <dgm:sp3d/>
+    <dgm:txPr/>
+    <dgm:style>
+      <a:lnRef idx="2">
+        <a:scrgbClr r="0" g="0" b="0"/>
+      </a:lnRef>
+      <a:fillRef idx="1">
+        <a:scrgbClr r="0" g="0" b="0"/>
+      </a:fillRef>
+      <a:effectRef idx="0">
+        <a:scrgbClr r="0" g="0" b="0"/>
+      </a:effectRef>
+      <a:fontRef idx="minor">
+        <a:schemeClr val="lt1"/>
+      </a:fontRef>
+    </dgm:style>
+  </dgm:styleLbl>
+  <dgm:styleLbl name="node2">
+    <dgm:scene3d>
+      <a:camera prst="orthographicFront"/>
+      <a:lightRig rig="threePt" dir="t"/>
+    </dgm:scene3d>
+    <dgm:sp3d/>
+    <dgm:txPr/>
+    <dgm:style>
+      <a:lnRef idx="2">
+        <a:scrgbClr r="0" g="0" b="0"/>
+      </a:lnRef>
+      <a:fillRef idx="1">
+        <a:scrgbClr r="0" g="0" b="0"/>
+      </a:fillRef>
+      <a:effectRef idx="0">
+        <a:scrgbClr r="0" g="0" b="0"/>
+      </a:effectRef>
+      <a:fontRef idx="minor">
+        <a:schemeClr val="lt1"/>
+      </a:fontRef>
+    </dgm:style>
+  </dgm:styleLbl>
+  <dgm:styleLbl name="node3">
+    <dgm:scene3d>
+      <a:camera prst="orthographicFront"/>
+      <a:lightRig rig="threePt" dir="t"/>
+    </dgm:scene3d>
+    <dgm:sp3d/>
+    <dgm:txPr/>
+    <dgm:style>
+      <a:lnRef idx="2">
+        <a:scrgbClr r="0" g="0" b="0"/>
+      </a:lnRef>
+      <a:fillRef idx="1">
+        <a:scrgbClr r="0" g="0" b="0"/>
+      </a:fillRef>
+      <a:effectRef idx="0">
+        <a:scrgbClr r="0" g="0" b="0"/>
+      </a:effectRef>
+      <a:fontRef idx="minor">
+        <a:schemeClr val="lt1"/>
+      </a:fontRef>
+    </dgm:style>
+  </dgm:styleLbl>
+  <dgm:styleLbl name="node4">
+    <dgm:scene3d>
+      <a:camera prst="orthographicFront"/>
+      <a:lightRig rig="threePt" dir="t"/>
+    </dgm:scene3d>
+    <dgm:sp3d/>
+    <dgm:txPr/>
+    <dgm:style>
+      <a:lnRef idx="2">
+        <a:scrgbClr r="0" g="0" b="0"/>
+      </a:lnRef>
+      <a:fillRef idx="1">
+        <a:scrgbClr r="0" g="0" b="0"/>
+      </a:fillRef>
+      <a:effectRef idx="0">
+        <a:scrgbClr r="0" g="0" b="0"/>
+      </a:effectRef>
+      <a:fontRef idx="minor">
+        <a:schemeClr val="lt1"/>
+      </a:fontRef>
+    </dgm:style>
+  </dgm:styleLbl>
+  <dgm:styleLbl name="fgImgPlace1">
+    <dgm:scene3d>
+      <a:camera prst="orthographicFront"/>
+      <a:lightRig rig="threePt" dir="t"/>
+    </dgm:scene3d>
+    <dgm:sp3d/>
+    <dgm:txPr/>
+    <dgm:style>
+      <a:lnRef idx="2">
+        <a:scrgbClr r="0" g="0" b="0"/>
+      </a:lnRef>
+      <a:fillRef idx="1">
+        <a:scrgbClr r="0" g="0" b="0"/>
+      </a:fillRef>
+      <a:effectRef idx="0">
+        <a:scrgbClr r="0" g="0" b="0"/>
+      </a:effectRef>
+      <a:fontRef idx="minor"/>
+    </dgm:style>
+  </dgm:styleLbl>
+  <dgm:styleLbl name="alignImgPlace1">
+    <dgm:scene3d>
+      <a:camera prst="orthographicFront"/>
+      <a:lightRig rig="threePt" dir="t"/>
+    </dgm:scene3d>
+    <dgm:sp3d/>
+    <dgm:txPr/>
+    <dgm:style>
+      <a:lnRef idx="2">
+        <a:scrgbClr r="0" g="0" b="0"/>
+      </a:lnRef>
+      <a:fillRef idx="1">
+        <a:scrgbClr r="0" g="0" b="0"/>
+      </a:fillRef>
+      <a:effectRef idx="0">
+        <a:scrgbClr r="0" g="0" b="0"/>
+      </a:effectRef>
+      <a:fontRef idx="minor"/>
+    </dgm:style>
+  </dgm:styleLbl>
+  <dgm:styleLbl name="bgImgPlace1">
+    <dgm:scene3d>
+      <a:camera prst="orthographicFront"/>
+      <a:lightRig rig="threePt" dir="t"/>
+    </dgm:scene3d>
+    <dgm:sp3d/>
+    <dgm:txPr/>
+    <dgm:style>
+      <a:lnRef idx="2">
+        <a:scrgbClr r="0" g="0" b="0"/>
+      </a:lnRef>
+      <a:fillRef idx="1">
+        <a:scrgbClr r="0" g="0" b="0"/>
+      </a:fillRef>
+      <a:effectRef idx="0">
+        <a:scrgbClr r="0" g="0" b="0"/>
+      </a:effectRef>
+      <a:fontRef idx="minor"/>
+    </dgm:style>
+  </dgm:styleLbl>
+  <dgm:styleLbl name="sibTrans2D1">
+    <dgm:scene3d>
+      <a:camera prst="orthographicFront"/>
+      <a:lightRig rig="threePt" dir="t"/>
+    </dgm:scene3d>
+    <dgm:sp3d/>
+    <dgm:txPr/>
+    <dgm:style>
+      <a:lnRef idx="0">
+        <a:scrgbClr r="0" g="0" b="0"/>
+      </a:lnRef>
+      <a:fillRef idx="1">
+        <a:scrgbClr r="0" g="0" b="0"/>
+      </a:fillRef>
+      <a:effectRef idx="0">
+        <a:scrgbClr r="0" g="0" b="0"/>
+      </a:effectRef>
+      <a:fontRef idx="minor">
+        <a:schemeClr val="lt1"/>
+      </a:fontRef>
+    </dgm:style>
+  </dgm:styleLbl>
+  <dgm:styleLbl name="fgSibTrans2D1">
+    <dgm:scene3d>
+      <a:camera prst="orthographicFront"/>
+      <a:lightRig rig="threePt" dir="t"/>
+    </dgm:scene3d>
+    <dgm:sp3d/>
+    <dgm:txPr/>
+    <dgm:style>
+      <a:lnRef idx="0">
+        <a:scrgbClr r="0" g="0" b="0"/>
+      </a:lnRef>
+      <a:fillRef idx="1">
+        <a:scrgbClr r="0" g="0" b="0"/>
+      </a:fillRef>
+      <a:effectRef idx="0">
+        <a:scrgbClr r="0" g="0" b="0"/>
+      </a:effectRef>
+      <a:fontRef idx="minor">
+        <a:schemeClr val="lt1"/>
+      </a:fontRef>
+    </dgm:style>
+  </dgm:styleLbl>
+  <dgm:styleLbl name="bgSibTrans2D1">
+    <dgm:scene3d>
+      <a:camera prst="orthographicFront"/>
+      <a:lightRig rig="threePt" dir="t"/>
+    </dgm:scene3d>
+    <dgm:sp3d/>
+    <dgm:txPr/>
+    <dgm:style>
+      <a:lnRef idx="0">
+        <a:scrgbClr r="0" g="0" b="0"/>
+      </a:lnRef>
+      <a:fillRef idx="1">
+        <a:scrgbClr r="0" g="0" b="0"/>
+      </a:fillRef>
+      <a:effectRef idx="0">
+        <a:scrgbClr r="0" g="0" b="0"/>
+      </a:effectRef>
+      <a:fontRef idx="minor">
+        <a:schemeClr val="lt1"/>
+      </a:fontRef>
+    </dgm:style>
+  </dgm:styleLbl>
+  <dgm:styleLbl name="sibTrans1D1">
+    <dgm:scene3d>
+      <a:camera prst="orthographicFront"/>
+      <a:lightRig rig="threePt" dir="t"/>
+    </dgm:scene3d>
+    <dgm:sp3d/>
+    <dgm:txPr/>
+    <dgm:style>
+      <a:lnRef idx="1">
+        <a:scrgbClr r="0" g="0" b="0"/>
+      </a:lnRef>
+      <a:fillRef idx="0">
+        <a:scrgbClr r="0" g="0" b="0"/>
+      </a:fillRef>
+      <a:effectRef idx="0">
+        <a:scrgbClr r="0" g="0" b="0"/>
+      </a:effectRef>
+      <a:fontRef idx="minor"/>
+    </dgm:style>
+  </dgm:styleLbl>
+  <dgm:styleLbl name="callout">
+    <dgm:scene3d>
+      <a:camera prst="orthographicFront"/>
+      <a:lightRig rig="threePt" dir="t"/>
+    </dgm:scene3d>
+    <dgm:sp3d/>
+    <dgm:txPr/>
+    <dgm:style>
+      <a:lnRef idx="2">
+        <a:scrgbClr r="0" g="0" b="0"/>
+      </a:lnRef>
+      <a:fillRef idx="1">
+        <a:scrgbClr r="0" g="0" b="0"/>
+      </a:fillRef>
+      <a:effectRef idx="0">
+        <a:scrgbClr r="0" g="0" b="0"/>
+      </a:effectRef>
+      <a:fontRef idx="minor"/>
+    </dgm:style>
+  </dgm:styleLbl>
+  <dgm:styleLbl name="asst0">
+    <dgm:scene3d>
+      <a:camera prst="orthographicFront"/>
+      <a:lightRig rig="threePt" dir="t"/>
+    </dgm:scene3d>
+    <dgm:sp3d/>
+    <dgm:txPr/>
+    <dgm:style>
+      <a:lnRef idx="2">
+        <a:scrgbClr r="0" g="0" b="0"/>
+      </a:lnRef>
+      <a:fillRef idx="1">
+        <a:scrgbClr r="0" g="0" b="0"/>
+      </a:fillRef>
+      <a:effectRef idx="0">
+        <a:scrgbClr r="0" g="0" b="0"/>
+      </a:effectRef>
+      <a:fontRef idx="minor">
+        <a:schemeClr val="lt1"/>
+      </a:fontRef>
+    </dgm:style>
+  </dgm:styleLbl>
+  <dgm:styleLbl name="asst1">
+    <dgm:scene3d>
+      <a:camera prst="orthographicFront"/>
+      <a:lightRig rig="threePt" dir="t"/>
+    </dgm:scene3d>
+    <dgm:sp3d/>
+    <dgm:txPr/>
+    <dgm:style>
+      <a:lnRef idx="2">
+        <a:scrgbClr r="0" g="0" b="0"/>
+      </a:lnRef>
+      <a:fillRef idx="1">
+        <a:scrgbClr r="0" g="0" b="0"/>
+      </a:fillRef>
+      <a:effectRef idx="0">
+        <a:scrgbClr r="0" g="0" b="0"/>
+      </a:effectRef>
+      <a:fontRef idx="minor">
+        <a:schemeClr val="lt1"/>
+      </a:fontRef>
+    </dgm:style>
+  </dgm:styleLbl>
+  <dgm:styleLbl name="asst2">
+    <dgm:scene3d>
+      <a:camera prst="orthographicFront"/>
+      <a:lightRig rig="threePt" dir="t"/>
+    </dgm:scene3d>
+    <dgm:sp3d/>
+    <dgm:txPr/>
+    <dgm:style>
+      <a:lnRef idx="2">
+        <a:scrgbClr r="0" g="0" b="0"/>
+      </a:lnRef>
+      <a:fillRef idx="1">
+        <a:scrgbClr r="0" g="0" b="0"/>
+      </a:fillRef>
+      <a:effectRef idx="0">
+        <a:scrgbClr r="0" g="0" b="0"/>
+      </a:effectRef>
+      <a:fontRef idx="minor">
+        <a:schemeClr val="lt1"/>
+      </a:fontRef>
+    </dgm:style>
+  </dgm:styleLbl>
+  <dgm:styleLbl name="asst3">
+    <dgm:scene3d>
+      <a:camera prst="orthographicFront"/>
+      <a:lightRig rig="threePt" dir="t"/>
+    </dgm:scene3d>
+    <dgm:sp3d/>
+    <dgm:txPr/>
+    <dgm:style>
+      <a:lnRef idx="2">
+        <a:scrgbClr r="0" g="0" b="0"/>
+      </a:lnRef>
+      <a:fillRef idx="1">
+        <a:scrgbClr r="0" g="0" b="0"/>
+      </a:fillRef>
+      <a:effectRef idx="0">
+        <a:scrgbClr r="0" g="0" b="0"/>
+      </a:effectRef>
+      <a:fontRef idx="minor">
+        <a:schemeClr val="lt1"/>
+      </a:fontRef>
+    </dgm:style>
+  </dgm:styleLbl>
+  <dgm:styleLbl name="asst4">
+    <dgm:scene3d>
+      <a:camera prst="orthographicFront"/>
+      <a:lightRig rig="threePt" dir="t"/>
+    </dgm:scene3d>
+    <dgm:sp3d/>
+    <dgm:txPr/>
+    <dgm:style>
+      <a:lnRef idx="2">
+        <a:scrgbClr r="0" g="0" b="0"/>
+      </a:lnRef>
+      <a:fillRef idx="1">
+        <a:scrgbClr r="0" g="0" b="0"/>
+      </a:fillRef>
+      <a:effectRef idx="0">
+        <a:scrgbClr r="0" g="0" b="0"/>
+      </a:effectRef>
+      <a:fontRef idx="minor">
+        <a:schemeClr val="lt1"/>
+      </a:fontRef>
+    </dgm:style>
+  </dgm:styleLbl>
+  <dgm:styleLbl name="parChTrans2D1">
+    <dgm:scene3d>
+      <a:camera prst="orthographicFront"/>
+      <a:lightRig rig="threePt" dir="t"/>
+    </dgm:scene3d>
+    <dgm:sp3d/>
+    <dgm:txPr/>
+    <dgm:style>
+      <a:lnRef idx="2">
+        <a:scrgbClr r="0" g="0" b="0"/>
+      </a:lnRef>
+      <a:fillRef idx="1">
+        <a:scrgbClr r="0" g="0" b="0"/>
+      </a:fillRef>
+      <a:effectRef idx="0">
+        <a:scrgbClr r="0" g="0" b="0"/>
+      </a:effectRef>
+      <a:fontRef idx="minor">
+        <a:schemeClr val="lt1"/>
+      </a:fontRef>
+    </dgm:style>
+  </dgm:styleLbl>
+  <dgm:styleLbl name="parChTrans2D2">
+    <dgm:scene3d>
+      <a:camera prst="orthographicFront"/>
+      <a:lightRig rig="threePt" dir="t"/>
+    </dgm:scene3d>
+    <dgm:sp3d/>
+    <dgm:txPr/>
+    <dgm:style>
+      <a:lnRef idx="2">
+        <a:scrgbClr r="0" g="0" b="0"/>
+      </a:lnRef>
+      <a:fillRef idx="1">
+        <a:scrgbClr r="0" g="0" b="0"/>
+      </a:fillRef>
+      <a:effectRef idx="0">
+        <a:scrgbClr r="0" g="0" b="0"/>
+      </a:effectRef>
+      <a:fontRef idx="minor">
+        <a:schemeClr val="lt1"/>
+      </a:fontRef>
+    </dgm:style>
+  </dgm:styleLbl>
+  <dgm:styleLbl name="parChTrans2D3">
+    <dgm:scene3d>
+      <a:camera prst="orthographicFront"/>
+      <a:lightRig rig="threePt" dir="t"/>
+    </dgm:scene3d>
+    <dgm:sp3d/>
+    <dgm:txPr/>
+    <dgm:style>
+      <a:lnRef idx="2">
+        <a:scrgbClr r="0" g="0" b="0"/>
+      </a:lnRef>
+      <a:fillRef idx="1">
+        <a:scrgbClr r="0" g="0" b="0"/>
+      </a:fillRef>
+      <a:effectRef idx="0">
+        <a:scrgbClr r="0" g="0" b="0"/>
+      </a:effectRef>
+      <a:fontRef idx="minor">
+        <a:schemeClr val="lt1"/>
+      </a:fontRef>
+    </dgm:style>
+  </dgm:styleLbl>
+  <dgm:styleLbl name="parChTrans2D4">
+    <dgm:scene3d>
+      <a:camera prst="orthographicFront"/>
+      <a:lightRig rig="threePt" dir="t"/>
+    </dgm:scene3d>
+    <dgm:sp3d/>
+    <dgm:txPr/>
+    <dgm:style>
+      <a:lnRef idx="2">
+        <a:scrgbClr r="0" g="0" b="0"/>
+      </a:lnRef>
+      <a:fillRef idx="1">
+        <a:scrgbClr r="0" g="0" b="0"/>
+      </a:fillRef>
+      <a:effectRef idx="0">
+        <a:scrgbClr r="0" g="0" b="0"/>
+      </a:effectRef>
+      <a:fontRef idx="minor">
+        <a:schemeClr val="lt1"/>
+      </a:fontRef>
+    </dgm:style>
+  </dgm:styleLbl>
+  <dgm:styleLbl name="parChTrans1D1">
+    <dgm:scene3d>
+      <a:camera prst="orthographicFront"/>
+      <a:lightRig rig="threePt" dir="t"/>
+    </dgm:scene3d>
+    <dgm:sp3d/>
+    <dgm:txPr/>
+    <dgm:style>
+      <a:lnRef idx="2">
+        <a:scrgbClr r="0" g="0" b="0"/>
+      </a:lnRef>
+      <a:fillRef idx="0">
+        <a:scrgbClr r="0" g="0" b="0"/>
+      </a:fillRef>
+      <a:effectRef idx="0">
+        <a:scrgbClr r="0" g="0" b="0"/>
+      </a:effectRef>
+      <a:fontRef idx="minor"/>
+    </dgm:style>
+  </dgm:styleLbl>
+  <dgm:styleLbl name="parChTrans1D2">
+    <dgm:scene3d>
+      <a:camera prst="orthographicFront"/>
+      <a:lightRig rig="threePt" dir="t"/>
+    </dgm:scene3d>
+    <dgm:sp3d/>
+    <dgm:txPr/>
+    <dgm:style>
+      <a:lnRef idx="2">
+        <a:scrgbClr r="0" g="0" b="0"/>
+      </a:lnRef>
+      <a:fillRef idx="0">
+        <a:scrgbClr r="0" g="0" b="0"/>
+      </a:fillRef>
+      <a:effectRef idx="0">
+        <a:scrgbClr r="0" g="0" b="0"/>
+      </a:effectRef>
+      <a:fontRef idx="minor"/>
+    </dgm:style>
+  </dgm:styleLbl>
+  <dgm:styleLbl name="parChTrans1D3">
+    <dgm:scene3d>
+      <a:camera prst="orthographicFront"/>
+      <a:lightRig rig="threePt" dir="t"/>
+    </dgm:scene3d>
+    <dgm:sp3d/>
+    <dgm:txPr/>
+    <dgm:style>
+      <a:lnRef idx="2">
+        <a:scrgbClr r="0" g="0" b="0"/>
+      </a:lnRef>
+      <a:fillRef idx="0">
+        <a:scrgbClr r="0" g="0" b="0"/>
+      </a:fillRef>
+      <a:effectRef idx="0">
+        <a:scrgbClr r="0" g="0" b="0"/>
+      </a:effectRef>
+      <a:fontRef idx="minor"/>
+    </dgm:style>
+  </dgm:styleLbl>
+  <dgm:styleLbl name="parChTrans1D4">
+    <dgm:scene3d>
+      <a:camera prst="orthographicFront"/>
+      <a:lightRig rig="threePt" dir="t"/>
+    </dgm:scene3d>
+    <dgm:sp3d/>
+    <dgm:txPr/>
+    <dgm:style>
+      <a:lnRef idx="2">
+        <a:scrgbClr r="0" g="0" b="0"/>
+      </a:lnRef>
+      <a:fillRef idx="0">
+        <a:scrgbClr r="0" g="0" b="0"/>
+      </a:fillRef>
+      <a:effectRef idx="0">
+        <a:scrgbClr r="0" g="0" b="0"/>
+      </a:effectRef>
+      <a:fontRef idx="minor"/>
+    </dgm:style>
+  </dgm:styleLbl>
+  <dgm:styleLbl name="fgAcc1">
+    <dgm:scene3d>
+      <a:camera prst="orthographicFront"/>
+      <a:lightRig rig="threePt" dir="t"/>
+    </dgm:scene3d>
+    <dgm:sp3d/>
+    <dgm:txPr/>
+    <dgm:style>
+      <a:lnRef idx="2">
+        <a:scrgbClr r="0" g="0" b="0"/>
+      </a:lnRef>
+      <a:fillRef idx="1">
+        <a:scrgbClr r="0" g="0" b="0"/>
+      </a:fillRef>
+      <a:effectRef idx="0">
+        <a:scrgbClr r="0" g="0" b="0"/>
+      </a:effectRef>
+      <a:fontRef idx="minor"/>
+    </dgm:style>
+  </dgm:styleLbl>
+  <dgm:styleLbl name="conFgAcc1">
+    <dgm:scene3d>
+      <a:camera prst="orthographicFront"/>
+      <a:lightRig rig="threePt" dir="t"/>
+    </dgm:scene3d>
+    <dgm:sp3d/>
+    <dgm:txPr/>
+    <dgm:style>
+      <a:lnRef idx="2">
+        <a:scrgbClr r="0" g="0" b="0"/>
+      </a:lnRef>
+      <a:fillRef idx="1">
+        <a:scrgbClr r="0" g="0" b="0"/>
+      </a:fillRef>
+      <a:effectRef idx="0">
+        <a:scrgbClr r="0" g="0" b="0"/>
+      </a:effectRef>
+      <a:fontRef idx="minor"/>
+    </dgm:style>
+  </dgm:styleLbl>
+  <dgm:styleLbl name="alignAcc1">
+    <dgm:scene3d>
+      <a:camera prst="orthographicFront"/>
+      <a:lightRig rig="threePt" dir="t"/>
+    </dgm:scene3d>
+    <dgm:sp3d/>
+    <dgm:txPr/>
+    <dgm:style>
+      <a:lnRef idx="2">
+        <a:scrgbClr r="0" g="0" b="0"/>
+      </a:lnRef>
+      <a:fillRef idx="1">
+        <a:scrgbClr r="0" g="0" b="0"/>
+      </a:fillRef>
+      <a:effectRef idx="0">
+        <a:scrgbClr r="0" g="0" b="0"/>
+      </a:effectRef>
+      <a:fontRef idx="minor"/>
+    </dgm:style>
+  </dgm:styleLbl>
+  <dgm:styleLbl name="trAlignAcc1">
+    <dgm:scene3d>
+      <a:camera prst="orthographicFront"/>
+      <a:lightRig rig="threePt" dir="t"/>
+    </dgm:scene3d>
+    <dgm:sp3d/>
+    <dgm:txPr/>
+    <dgm:style>
+      <a:lnRef idx="1">
+        <a:scrgbClr r="0" g="0" b="0"/>
+      </a:lnRef>
+      <a:fillRef idx="1">
+        <a:scrgbClr r="0" g="0" b="0"/>
+      </a:fillRef>
+      <a:effectRef idx="0">
+        <a:scrgbClr r="0" g="0" b="0"/>
+      </a:effectRef>
+      <a:fontRef idx="minor"/>
+    </dgm:style>
+  </dgm:styleLbl>
+  <dgm:styleLbl name="bgAcc1">
+    <dgm:scene3d>
+      <a:camera prst="orthographicFront"/>
+      <a:lightRig rig="threePt" dir="t"/>
+    </dgm:scene3d>
+    <dgm:sp3d/>
+    <dgm:txPr/>
+    <dgm:style>
+      <a:lnRef idx="2">
+        <a:scrgbClr r="0" g="0" b="0"/>
+      </a:lnRef>
+      <a:fillRef idx="1">
+        <a:scrgbClr r="0" g="0" b="0"/>
+      </a:fillRef>
+      <a:effectRef idx="0">
+        <a:scrgbClr r="0" g="0" b="0"/>
+      </a:effectRef>
+      <a:fontRef idx="minor"/>
+    </dgm:style>
+  </dgm:styleLbl>
+  <dgm:styleLbl name="solidFgAcc1">
+    <dgm:scene3d>
+      <a:camera prst="orthographicFront"/>
+      <a:lightRig rig="threePt" dir="t"/>
+    </dgm:scene3d>
+    <dgm:sp3d/>
+    <dgm:txPr/>
+    <dgm:style>
+      <a:lnRef idx="2">
+        <a:scrgbClr r="0" g="0" b="0"/>
+      </a:lnRef>
+      <a:fillRef idx="1">
+        <a:scrgbClr r="0" g="0" b="0"/>
+      </a:fillRef>
+      <a:effectRef idx="0">
+        <a:scrgbClr r="0" g="0" b="0"/>
+      </a:effectRef>
+      <a:fontRef idx="minor"/>
+    </dgm:style>
+  </dgm:styleLbl>
+  <dgm:styleLbl name="solidAlignAcc1">
+    <dgm:scene3d>
+      <a:camera prst="orthographicFront"/>
+      <a:lightRig rig="threePt" dir="t"/>
+    </dgm:scene3d>
+    <dgm:sp3d/>
+    <dgm:txPr/>
+    <dgm:style>
+      <a:lnRef idx="2">
+        <a:scrgbClr r="0" g="0" b="0"/>
+      </a:lnRef>
+      <a:fillRef idx="1">
+        <a:scrgbClr r="0" g="0" b="0"/>
+      </a:fillRef>
+      <a:effectRef idx="0">
+        <a:scrgbClr r="0" g="0" b="0"/>
+      </a:effectRef>
+      <a:fontRef idx="minor"/>
+    </dgm:style>
+  </dgm:styleLbl>
+  <dgm:styleLbl name="solidBgAcc1">
+    <dgm:scene3d>
+      <a:camera prst="orthographicFront"/>
+      <a:lightRig rig="threePt" dir="t"/>
+    </dgm:scene3d>
+    <dgm:sp3d/>
+    <dgm:txPr/>
+    <dgm:style>
+      <a:lnRef idx="2">
+        <a:scrgbClr r="0" g="0" b="0"/>
+      </a:lnRef>
+      <a:fillRef idx="1">
+        <a:scrgbClr r="0" g="0" b="0"/>
+      </a:fillRef>
+      <a:effectRef idx="0">
+        <a:scrgbClr r="0" g="0" b="0"/>
+      </a:effectRef>
+      <a:fontRef idx="minor"/>
+    </dgm:style>
+  </dgm:styleLbl>
+  <dgm:styleLbl name="fgAccFollowNode1">
+    <dgm:scene3d>
+      <a:camera prst="orthographicFront"/>
+      <a:lightRig rig="threePt" dir="t"/>
+    </dgm:scene3d>
+    <dgm:sp3d/>
+    <dgm:txPr/>
+    <dgm:style>
+      <a:lnRef idx="2">
+        <a:scrgbClr r="0" g="0" b="0"/>
+      </a:lnRef>
+      <a:fillRef idx="1">
+        <a:scrgbClr r="0" g="0" b="0"/>
+      </a:fillRef>
+      <a:effectRef idx="0">
+        <a:scrgbClr r="0" g="0" b="0"/>
+      </a:effectRef>
+      <a:fontRef idx="minor"/>
+    </dgm:style>
+  </dgm:styleLbl>
+  <dgm:styleLbl name="alignAccFollowNode1">
+    <dgm:scene3d>
+      <a:camera prst="orthographicFront"/>
+      <a:lightRig rig="threePt" dir="t"/>
+    </dgm:scene3d>
+    <dgm:sp3d/>
+    <dgm:txPr/>
+    <dgm:style>
+      <a:lnRef idx="2">
+        <a:scrgbClr r="0" g="0" b="0"/>
+      </a:lnRef>
+      <a:fillRef idx="1">
+        <a:scrgbClr r="0" g="0" b="0"/>
+      </a:fillRef>
+      <a:effectRef idx="0">
+        <a:scrgbClr r="0" g="0" b="0"/>
+      </a:effectRef>
+      <a:fontRef idx="minor"/>
+    </dgm:style>
+  </dgm:styleLbl>
+  <dgm:styleLbl name="bgAccFollowNode1">
+    <dgm:scene3d>
+      <a:camera prst="orthographicFront"/>
+      <a:lightRig rig="threePt" dir="t"/>
+    </dgm:scene3d>
+    <dgm:sp3d/>
+    <dgm:txPr/>
+    <dgm:style>
+      <a:lnRef idx="2">
+        <a:scrgbClr r="0" g="0" b="0"/>
+      </a:lnRef>
+      <a:fillRef idx="1">
+        <a:scrgbClr r="0" g="0" b="0"/>
+      </a:fillRef>
+      <a:effectRef idx="0">
+        <a:scrgbClr r="0" g="0" b="0"/>
+      </a:effectRef>
+      <a:fontRef idx="minor"/>
+    </dgm:style>
+  </dgm:styleLbl>
+  <dgm:styleLbl name="fgAcc0">
+    <dgm:scene3d>
+      <a:camera prst="orthographicFront"/>
+      <a:lightRig rig="threePt" dir="t"/>
+    </dgm:scene3d>
+    <dgm:sp3d/>
+    <dgm:txPr/>
+    <dgm:style>
+      <a:lnRef idx="2">
+        <a:scrgbClr r="0" g="0" b="0"/>
+      </a:lnRef>
+      <a:fillRef idx="1">
+        <a:scrgbClr r="0" g="0" b="0"/>
+      </a:fillRef>
+      <a:effectRef idx="0">
+        <a:scrgbClr r="0" g="0" b="0"/>
+      </a:effectRef>
+      <a:fontRef idx="minor"/>
+    </dgm:style>
+  </dgm:styleLbl>
+  <dgm:styleLbl name="fgAcc2">
+    <dgm:scene3d>
+      <a:camera prst="orthographicFront"/>
+      <a:lightRig rig="threePt" dir="t"/>
+    </dgm:scene3d>
+    <dgm:sp3d/>
+    <dgm:txPr/>
+    <dgm:style>
+      <a:lnRef idx="2">
+        <a:scrgbClr r="0" g="0" b="0"/>
+      </a:lnRef>
+      <a:fillRef idx="1">
+        <a:scrgbClr r="0" g="0" b="0"/>
+      </a:fillRef>
+      <a:effectRef idx="0">
+        <a:scrgbClr r="0" g="0" b="0"/>
+      </a:effectRef>
+      <a:fontRef idx="minor"/>
+    </dgm:style>
+  </dgm:styleLbl>
+  <dgm:styleLbl name="fgAcc3">
+    <dgm:scene3d>
+      <a:camera prst="orthographicFront"/>
+      <a:lightRig rig="threePt" dir="t"/>
+    </dgm:scene3d>
+    <dgm:sp3d/>
+    <dgm:txPr/>
+    <dgm:style>
+      <a:lnRef idx="2">
+        <a:scrgbClr r="0" g="0" b="0"/>
+      </a:lnRef>
+      <a:fillRef idx="1">
+        <a:scrgbClr r="0" g="0" b="0"/>
+      </a:fillRef>
+      <a:effectRef idx="0">
+        <a:scrgbClr r="0" g="0" b="0"/>
+      </a:effectRef>
+      <a:fontRef idx="minor"/>
+    </dgm:style>
+  </dgm:styleLbl>
+  <dgm:styleLbl name="fgAcc4">
+    <dgm:scene3d>
+      <a:camera prst="orthographicFront"/>
+      <a:lightRig rig="threePt" dir="t"/>
+    </dgm:scene3d>
+    <dgm:sp3d/>
+    <dgm:txPr/>
+    <dgm:style>
+      <a:lnRef idx="2">
+        <a:scrgbClr r="0" g="0" b="0"/>
+      </a:lnRef>
+      <a:fillRef idx="1">
+        <a:scrgbClr r="0" g="0" b="0"/>
+      </a:fillRef>
+      <a:effectRef idx="0">
+        <a:scrgbClr r="0" g="0" b="0"/>
+      </a:effectRef>
+      <a:fontRef idx="minor"/>
+    </dgm:style>
+  </dgm:styleLbl>
+  <dgm:styleLbl name="bgShp">
+    <dgm:scene3d>
+      <a:camera prst="orthographicFront"/>
+      <a:lightRig rig="threePt" dir="t"/>
+    </dgm:scene3d>
+    <dgm:sp3d/>
+    <dgm:txPr/>
+    <dgm:style>
+      <a:lnRef idx="0">
+        <a:scrgbClr r="0" g="0" b="0"/>
+      </a:lnRef>
+      <a:fillRef idx="1">
+        <a:scrgbClr r="0" g="0" b="0"/>
+      </a:fillRef>
+      <a:effectRef idx="0">
+        <a:scrgbClr r="0" g="0" b="0"/>
+      </a:effectRef>
+      <a:fontRef idx="minor"/>
+    </dgm:style>
+  </dgm:styleLbl>
+  <dgm:styleLbl name="dkBgShp">
+    <dgm:scene3d>
+      <a:camera prst="orthographicFront"/>
+      <a:lightRig rig="threePt" dir="t"/>
+    </dgm:scene3d>
+    <dgm:sp3d/>
+    <dgm:txPr/>
+    <dgm:style>
+      <a:lnRef idx="0">
+        <a:scrgbClr r="0" g="0" b="0"/>
+      </a:lnRef>
+      <a:fillRef idx="1">
+        <a:scrgbClr r="0" g="0" b="0"/>
+      </a:fillRef>
+      <a:effectRef idx="0">
+        <a:scrgbClr r="0" g="0" b="0"/>
+      </a:effectRef>
+      <a:fontRef idx="minor"/>
+    </dgm:style>
+  </dgm:styleLbl>
+  <dgm:styleLbl name="trBgShp">
+    <dgm:scene3d>
+      <a:camera prst="orthographicFront"/>
+      <a:lightRig rig="threePt" dir="t"/>
+    </dgm:scene3d>
+    <dgm:sp3d/>
+    <dgm:txPr/>
+    <dgm:style>
+      <a:lnRef idx="0">
+        <a:scrgbClr r="0" g="0" b="0"/>
+      </a:lnRef>
+      <a:fillRef idx="1">
+        <a:scrgbClr r="0" g="0" b="0"/>
+      </a:fillRef>
+      <a:effectRef idx="0">
+        <a:scrgbClr r="0" g="0" b="0"/>
+      </a:effectRef>
+      <a:fontRef idx="minor"/>
+    </dgm:style>
+  </dgm:styleLbl>
+  <dgm:styleLbl name="fgShp">
+    <dgm:scene3d>
+      <a:camera prst="orthographicFront"/>
+      <a:lightRig rig="threePt" dir="t"/>
+    </dgm:scene3d>
+    <dgm:sp3d/>
+    <dgm:txPr/>
+    <dgm:style>
+      <a:lnRef idx="2">
+        <a:scrgbClr r="0" g="0" b="0"/>
+      </a:lnRef>
+      <a:fillRef idx="1">
+        <a:scrgbClr r="0" g="0" b="0"/>
+      </a:fillRef>
+      <a:effectRef idx="0">
+        <a:scrgbClr r="0" g="0" b="0"/>
+      </a:effectRef>
+      <a:fontRef idx="minor"/>
+    </dgm:style>
+  </dgm:styleLbl>
+  <dgm:styleLbl name="revTx">
+    <dgm:scene3d>
+      <a:camera prst="orthographicFront"/>
+      <a:lightRig rig="threePt" dir="t"/>
+    </dgm:scene3d>
+    <dgm:sp3d/>
+    <dgm:txPr/>
+    <dgm:style>
+      <a:lnRef idx="0">
+        <a:scrgbClr r="0" g="0" b="0"/>
+      </a:lnRef>
+      <a:fillRef idx="0">
+        <a:scrgbClr r="0" g="0" b="0"/>
+      </a:fillRef>
+      <a:effectRef idx="0">
+        <a:scrgbClr r="0" g="0" b="0"/>
+      </a:effectRef>
+      <a:fontRef idx="minor"/>
+    </dgm:style>
+  </dgm:styleLbl>
+</dgm:styleDef>
+</file>
+
+<file path=ppt/diagrams/quickStyle9.xml><?xml version="1.0" encoding="utf-8"?>
 <dgm:styleDef xmlns:dgm="http://schemas.openxmlformats.org/drawingml/2006/diagram" xmlns:a="http://schemas.openxmlformats.org/drawingml/2006/main" uniqueId="urn:microsoft.com/office/officeart/2005/8/quickstyle/simple5">
   <dgm:title val=""/>
   <dgm:desc val=""/>
@@ -25640,1040 +28802,6 @@
         <a:scrgbClr r="0" g="0" b="0"/>
       </a:fillRef>
       <a:effectRef idx="3">
-        <a:scrgbClr r="0" g="0" b="0"/>
-      </a:effectRef>
-      <a:fontRef idx="minor"/>
-    </dgm:style>
-  </dgm:styleLbl>
-  <dgm:styleLbl name="revTx">
-    <dgm:scene3d>
-      <a:camera prst="orthographicFront"/>
-      <a:lightRig rig="threePt" dir="t"/>
-    </dgm:scene3d>
-    <dgm:sp3d/>
-    <dgm:txPr/>
-    <dgm:style>
-      <a:lnRef idx="0">
-        <a:scrgbClr r="0" g="0" b="0"/>
-      </a:lnRef>
-      <a:fillRef idx="0">
-        <a:scrgbClr r="0" g="0" b="0"/>
-      </a:fillRef>
-      <a:effectRef idx="0">
-        <a:scrgbClr r="0" g="0" b="0"/>
-      </a:effectRef>
-      <a:fontRef idx="minor"/>
-    </dgm:style>
-  </dgm:styleLbl>
-</dgm:styleDef>
-</file>
-
-<file path=ppt/diagrams/quickStyle9.xml><?xml version="1.0" encoding="utf-8"?>
-<dgm:styleDef xmlns:dgm="http://schemas.openxmlformats.org/drawingml/2006/diagram" xmlns:a="http://schemas.openxmlformats.org/drawingml/2006/main" uniqueId="urn:microsoft.com/office/officeart/2005/8/quickstyle/simple4">
-  <dgm:title val=""/>
-  <dgm:desc val=""/>
-  <dgm:catLst>
-    <dgm:cat type="simple" pri="10400"/>
-  </dgm:catLst>
-  <dgm:scene3d>
-    <a:camera prst="orthographicFront"/>
-    <a:lightRig rig="threePt" dir="t"/>
-  </dgm:scene3d>
-  <dgm:styleLbl name="node0">
-    <dgm:scene3d>
-      <a:camera prst="orthographicFront"/>
-      <a:lightRig rig="threePt" dir="t"/>
-    </dgm:scene3d>
-    <dgm:sp3d/>
-    <dgm:txPr/>
-    <dgm:style>
-      <a:lnRef idx="0">
-        <a:scrgbClr r="0" g="0" b="0"/>
-      </a:lnRef>
-      <a:fillRef idx="3">
-        <a:scrgbClr r="0" g="0" b="0"/>
-      </a:fillRef>
-      <a:effectRef idx="2">
-        <a:scrgbClr r="0" g="0" b="0"/>
-      </a:effectRef>
-      <a:fontRef idx="minor">
-        <a:schemeClr val="lt1"/>
-      </a:fontRef>
-    </dgm:style>
-  </dgm:styleLbl>
-  <dgm:styleLbl name="lnNode1">
-    <dgm:scene3d>
-      <a:camera prst="orthographicFront"/>
-      <a:lightRig rig="threePt" dir="t"/>
-    </dgm:scene3d>
-    <dgm:sp3d/>
-    <dgm:txPr/>
-    <dgm:style>
-      <a:lnRef idx="1">
-        <a:scrgbClr r="0" g="0" b="0"/>
-      </a:lnRef>
-      <a:fillRef idx="3">
-        <a:scrgbClr r="0" g="0" b="0"/>
-      </a:fillRef>
-      <a:effectRef idx="2">
-        <a:scrgbClr r="0" g="0" b="0"/>
-      </a:effectRef>
-      <a:fontRef idx="minor">
-        <a:schemeClr val="lt1"/>
-      </a:fontRef>
-    </dgm:style>
-  </dgm:styleLbl>
-  <dgm:styleLbl name="vennNode1">
-    <dgm:scene3d>
-      <a:camera prst="orthographicFront"/>
-      <a:lightRig rig="threePt" dir="t"/>
-    </dgm:scene3d>
-    <dgm:sp3d/>
-    <dgm:txPr/>
-    <dgm:style>
-      <a:lnRef idx="0">
-        <a:scrgbClr r="0" g="0" b="0"/>
-      </a:lnRef>
-      <a:fillRef idx="3">
-        <a:scrgbClr r="0" g="0" b="0"/>
-      </a:fillRef>
-      <a:effectRef idx="0">
-        <a:scrgbClr r="0" g="0" b="0"/>
-      </a:effectRef>
-      <a:fontRef idx="minor">
-        <a:schemeClr val="tx1"/>
-      </a:fontRef>
-    </dgm:style>
-  </dgm:styleLbl>
-  <dgm:styleLbl name="alignNode1">
-    <dgm:scene3d>
-      <a:camera prst="orthographicFront"/>
-      <a:lightRig rig="threePt" dir="t"/>
-    </dgm:scene3d>
-    <dgm:sp3d/>
-    <dgm:txPr/>
-    <dgm:style>
-      <a:lnRef idx="1">
-        <a:scrgbClr r="0" g="0" b="0"/>
-      </a:lnRef>
-      <a:fillRef idx="3">
-        <a:scrgbClr r="0" g="0" b="0"/>
-      </a:fillRef>
-      <a:effectRef idx="2">
-        <a:scrgbClr r="0" g="0" b="0"/>
-      </a:effectRef>
-      <a:fontRef idx="minor">
-        <a:schemeClr val="lt1"/>
-      </a:fontRef>
-    </dgm:style>
-  </dgm:styleLbl>
-  <dgm:styleLbl name="node1">
-    <dgm:scene3d>
-      <a:camera prst="orthographicFront"/>
-      <a:lightRig rig="threePt" dir="t"/>
-    </dgm:scene3d>
-    <dgm:sp3d/>
-    <dgm:txPr/>
-    <dgm:style>
-      <a:lnRef idx="0">
-        <a:scrgbClr r="0" g="0" b="0"/>
-      </a:lnRef>
-      <a:fillRef idx="3">
-        <a:scrgbClr r="0" g="0" b="0"/>
-      </a:fillRef>
-      <a:effectRef idx="2">
-        <a:scrgbClr r="0" g="0" b="0"/>
-      </a:effectRef>
-      <a:fontRef idx="minor">
-        <a:schemeClr val="lt1"/>
-      </a:fontRef>
-    </dgm:style>
-  </dgm:styleLbl>
-  <dgm:styleLbl name="node2">
-    <dgm:scene3d>
-      <a:camera prst="orthographicFront"/>
-      <a:lightRig rig="threePt" dir="t"/>
-    </dgm:scene3d>
-    <dgm:sp3d/>
-    <dgm:txPr/>
-    <dgm:style>
-      <a:lnRef idx="0">
-        <a:scrgbClr r="0" g="0" b="0"/>
-      </a:lnRef>
-      <a:fillRef idx="3">
-        <a:scrgbClr r="0" g="0" b="0"/>
-      </a:fillRef>
-      <a:effectRef idx="2">
-        <a:scrgbClr r="0" g="0" b="0"/>
-      </a:effectRef>
-      <a:fontRef idx="minor">
-        <a:schemeClr val="lt1"/>
-      </a:fontRef>
-    </dgm:style>
-  </dgm:styleLbl>
-  <dgm:styleLbl name="node3">
-    <dgm:scene3d>
-      <a:camera prst="orthographicFront"/>
-      <a:lightRig rig="threePt" dir="t"/>
-    </dgm:scene3d>
-    <dgm:sp3d/>
-    <dgm:txPr/>
-    <dgm:style>
-      <a:lnRef idx="0">
-        <a:scrgbClr r="0" g="0" b="0"/>
-      </a:lnRef>
-      <a:fillRef idx="3">
-        <a:scrgbClr r="0" g="0" b="0"/>
-      </a:fillRef>
-      <a:effectRef idx="2">
-        <a:scrgbClr r="0" g="0" b="0"/>
-      </a:effectRef>
-      <a:fontRef idx="minor">
-        <a:schemeClr val="lt1"/>
-      </a:fontRef>
-    </dgm:style>
-  </dgm:styleLbl>
-  <dgm:styleLbl name="node4">
-    <dgm:scene3d>
-      <a:camera prst="orthographicFront"/>
-      <a:lightRig rig="threePt" dir="t"/>
-    </dgm:scene3d>
-    <dgm:sp3d/>
-    <dgm:txPr/>
-    <dgm:style>
-      <a:lnRef idx="0">
-        <a:scrgbClr r="0" g="0" b="0"/>
-      </a:lnRef>
-      <a:fillRef idx="3">
-        <a:scrgbClr r="0" g="0" b="0"/>
-      </a:fillRef>
-      <a:effectRef idx="2">
-        <a:scrgbClr r="0" g="0" b="0"/>
-      </a:effectRef>
-      <a:fontRef idx="minor">
-        <a:schemeClr val="lt1"/>
-      </a:fontRef>
-    </dgm:style>
-  </dgm:styleLbl>
-  <dgm:styleLbl name="fgImgPlace1">
-    <dgm:scene3d>
-      <a:camera prst="orthographicFront"/>
-      <a:lightRig rig="threePt" dir="t"/>
-    </dgm:scene3d>
-    <dgm:sp3d/>
-    <dgm:txPr/>
-    <dgm:style>
-      <a:lnRef idx="0">
-        <a:scrgbClr r="0" g="0" b="0"/>
-      </a:lnRef>
-      <a:fillRef idx="1">
-        <a:scrgbClr r="0" g="0" b="0"/>
-      </a:fillRef>
-      <a:effectRef idx="2">
-        <a:scrgbClr r="0" g="0" b="0"/>
-      </a:effectRef>
-      <a:fontRef idx="minor"/>
-    </dgm:style>
-  </dgm:styleLbl>
-  <dgm:styleLbl name="alignImgPlace1">
-    <dgm:scene3d>
-      <a:camera prst="orthographicFront"/>
-      <a:lightRig rig="threePt" dir="t"/>
-    </dgm:scene3d>
-    <dgm:sp3d/>
-    <dgm:txPr/>
-    <dgm:style>
-      <a:lnRef idx="0">
-        <a:scrgbClr r="0" g="0" b="0"/>
-      </a:lnRef>
-      <a:fillRef idx="1">
-        <a:scrgbClr r="0" g="0" b="0"/>
-      </a:fillRef>
-      <a:effectRef idx="2">
-        <a:scrgbClr r="0" g="0" b="0"/>
-      </a:effectRef>
-      <a:fontRef idx="minor"/>
-    </dgm:style>
-  </dgm:styleLbl>
-  <dgm:styleLbl name="bgImgPlace1">
-    <dgm:scene3d>
-      <a:camera prst="orthographicFront"/>
-      <a:lightRig rig="threePt" dir="t"/>
-    </dgm:scene3d>
-    <dgm:sp3d/>
-    <dgm:txPr/>
-    <dgm:style>
-      <a:lnRef idx="0">
-        <a:scrgbClr r="0" g="0" b="0"/>
-      </a:lnRef>
-      <a:fillRef idx="1">
-        <a:scrgbClr r="0" g="0" b="0"/>
-      </a:fillRef>
-      <a:effectRef idx="2">
-        <a:scrgbClr r="0" g="0" b="0"/>
-      </a:effectRef>
-      <a:fontRef idx="minor"/>
-    </dgm:style>
-  </dgm:styleLbl>
-  <dgm:styleLbl name="sibTrans2D1">
-    <dgm:scene3d>
-      <a:camera prst="orthographicFront"/>
-      <a:lightRig rig="threePt" dir="t"/>
-    </dgm:scene3d>
-    <dgm:sp3d/>
-    <dgm:txPr/>
-    <dgm:style>
-      <a:lnRef idx="0">
-        <a:scrgbClr r="0" g="0" b="0"/>
-      </a:lnRef>
-      <a:fillRef idx="3">
-        <a:scrgbClr r="0" g="0" b="0"/>
-      </a:fillRef>
-      <a:effectRef idx="2">
-        <a:scrgbClr r="0" g="0" b="0"/>
-      </a:effectRef>
-      <a:fontRef idx="minor">
-        <a:schemeClr val="lt1"/>
-      </a:fontRef>
-    </dgm:style>
-  </dgm:styleLbl>
-  <dgm:styleLbl name="fgSibTrans2D1">
-    <dgm:scene3d>
-      <a:camera prst="orthographicFront"/>
-      <a:lightRig rig="threePt" dir="t"/>
-    </dgm:scene3d>
-    <dgm:sp3d/>
-    <dgm:txPr/>
-    <dgm:style>
-      <a:lnRef idx="0">
-        <a:scrgbClr r="0" g="0" b="0"/>
-      </a:lnRef>
-      <a:fillRef idx="3">
-        <a:scrgbClr r="0" g="0" b="0"/>
-      </a:fillRef>
-      <a:effectRef idx="2">
-        <a:scrgbClr r="0" g="0" b="0"/>
-      </a:effectRef>
-      <a:fontRef idx="minor">
-        <a:schemeClr val="lt1"/>
-      </a:fontRef>
-    </dgm:style>
-  </dgm:styleLbl>
-  <dgm:styleLbl name="bgSibTrans2D1">
-    <dgm:scene3d>
-      <a:camera prst="orthographicFront"/>
-      <a:lightRig rig="threePt" dir="t"/>
-    </dgm:scene3d>
-    <dgm:sp3d/>
-    <dgm:txPr/>
-    <dgm:style>
-      <a:lnRef idx="0">
-        <a:scrgbClr r="0" g="0" b="0"/>
-      </a:lnRef>
-      <a:fillRef idx="3">
-        <a:scrgbClr r="0" g="0" b="0"/>
-      </a:fillRef>
-      <a:effectRef idx="2">
-        <a:scrgbClr r="0" g="0" b="0"/>
-      </a:effectRef>
-      <a:fontRef idx="minor">
-        <a:schemeClr val="lt1"/>
-      </a:fontRef>
-    </dgm:style>
-  </dgm:styleLbl>
-  <dgm:styleLbl name="sibTrans1D1">
-    <dgm:scene3d>
-      <a:camera prst="orthographicFront"/>
-      <a:lightRig rig="threePt" dir="t"/>
-    </dgm:scene3d>
-    <dgm:sp3d/>
-    <dgm:txPr/>
-    <dgm:style>
-      <a:lnRef idx="1">
-        <a:scrgbClr r="0" g="0" b="0"/>
-      </a:lnRef>
-      <a:fillRef idx="0">
-        <a:scrgbClr r="0" g="0" b="0"/>
-      </a:fillRef>
-      <a:effectRef idx="0">
-        <a:scrgbClr r="0" g="0" b="0"/>
-      </a:effectRef>
-      <a:fontRef idx="minor"/>
-    </dgm:style>
-  </dgm:styleLbl>
-  <dgm:styleLbl name="callout">
-    <dgm:scene3d>
-      <a:camera prst="orthographicFront"/>
-      <a:lightRig rig="threePt" dir="t"/>
-    </dgm:scene3d>
-    <dgm:sp3d/>
-    <dgm:txPr/>
-    <dgm:style>
-      <a:lnRef idx="2">
-        <a:scrgbClr r="0" g="0" b="0"/>
-      </a:lnRef>
-      <a:fillRef idx="1">
-        <a:scrgbClr r="0" g="0" b="0"/>
-      </a:fillRef>
-      <a:effectRef idx="1">
-        <a:scrgbClr r="0" g="0" b="0"/>
-      </a:effectRef>
-      <a:fontRef idx="minor"/>
-    </dgm:style>
-  </dgm:styleLbl>
-  <dgm:styleLbl name="asst0">
-    <dgm:scene3d>
-      <a:camera prst="orthographicFront"/>
-      <a:lightRig rig="threePt" dir="t"/>
-    </dgm:scene3d>
-    <dgm:sp3d/>
-    <dgm:txPr/>
-    <dgm:style>
-      <a:lnRef idx="0">
-        <a:scrgbClr r="0" g="0" b="0"/>
-      </a:lnRef>
-      <a:fillRef idx="3">
-        <a:scrgbClr r="0" g="0" b="0"/>
-      </a:fillRef>
-      <a:effectRef idx="2">
-        <a:scrgbClr r="0" g="0" b="0"/>
-      </a:effectRef>
-      <a:fontRef idx="minor">
-        <a:schemeClr val="lt1"/>
-      </a:fontRef>
-    </dgm:style>
-  </dgm:styleLbl>
-  <dgm:styleLbl name="asst1">
-    <dgm:scene3d>
-      <a:camera prst="orthographicFront"/>
-      <a:lightRig rig="threePt" dir="t"/>
-    </dgm:scene3d>
-    <dgm:sp3d/>
-    <dgm:txPr/>
-    <dgm:style>
-      <a:lnRef idx="0">
-        <a:scrgbClr r="0" g="0" b="0"/>
-      </a:lnRef>
-      <a:fillRef idx="3">
-        <a:scrgbClr r="0" g="0" b="0"/>
-      </a:fillRef>
-      <a:effectRef idx="2">
-        <a:scrgbClr r="0" g="0" b="0"/>
-      </a:effectRef>
-      <a:fontRef idx="minor">
-        <a:schemeClr val="lt1"/>
-      </a:fontRef>
-    </dgm:style>
-  </dgm:styleLbl>
-  <dgm:styleLbl name="asst2">
-    <dgm:scene3d>
-      <a:camera prst="orthographicFront"/>
-      <a:lightRig rig="threePt" dir="t"/>
-    </dgm:scene3d>
-    <dgm:sp3d/>
-    <dgm:txPr/>
-    <dgm:style>
-      <a:lnRef idx="0">
-        <a:scrgbClr r="0" g="0" b="0"/>
-      </a:lnRef>
-      <a:fillRef idx="3">
-        <a:scrgbClr r="0" g="0" b="0"/>
-      </a:fillRef>
-      <a:effectRef idx="2">
-        <a:scrgbClr r="0" g="0" b="0"/>
-      </a:effectRef>
-      <a:fontRef idx="minor">
-        <a:schemeClr val="lt1"/>
-      </a:fontRef>
-    </dgm:style>
-  </dgm:styleLbl>
-  <dgm:styleLbl name="asst3">
-    <dgm:scene3d>
-      <a:camera prst="orthographicFront"/>
-      <a:lightRig rig="threePt" dir="t"/>
-    </dgm:scene3d>
-    <dgm:sp3d/>
-    <dgm:txPr/>
-    <dgm:style>
-      <a:lnRef idx="0">
-        <a:scrgbClr r="0" g="0" b="0"/>
-      </a:lnRef>
-      <a:fillRef idx="3">
-        <a:scrgbClr r="0" g="0" b="0"/>
-      </a:fillRef>
-      <a:effectRef idx="2">
-        <a:scrgbClr r="0" g="0" b="0"/>
-      </a:effectRef>
-      <a:fontRef idx="minor">
-        <a:schemeClr val="lt1"/>
-      </a:fontRef>
-    </dgm:style>
-  </dgm:styleLbl>
-  <dgm:styleLbl name="asst4">
-    <dgm:scene3d>
-      <a:camera prst="orthographicFront"/>
-      <a:lightRig rig="threePt" dir="t"/>
-    </dgm:scene3d>
-    <dgm:sp3d/>
-    <dgm:txPr/>
-    <dgm:style>
-      <a:lnRef idx="0">
-        <a:scrgbClr r="0" g="0" b="0"/>
-      </a:lnRef>
-      <a:fillRef idx="3">
-        <a:scrgbClr r="0" g="0" b="0"/>
-      </a:fillRef>
-      <a:effectRef idx="2">
-        <a:scrgbClr r="0" g="0" b="0"/>
-      </a:effectRef>
-      <a:fontRef idx="minor">
-        <a:schemeClr val="lt1"/>
-      </a:fontRef>
-    </dgm:style>
-  </dgm:styleLbl>
-  <dgm:styleLbl name="parChTrans2D1">
-    <dgm:scene3d>
-      <a:camera prst="orthographicFront"/>
-      <a:lightRig rig="threePt" dir="t"/>
-    </dgm:scene3d>
-    <dgm:sp3d/>
-    <dgm:txPr/>
-    <dgm:style>
-      <a:lnRef idx="0">
-        <a:scrgbClr r="0" g="0" b="0"/>
-      </a:lnRef>
-      <a:fillRef idx="3">
-        <a:scrgbClr r="0" g="0" b="0"/>
-      </a:fillRef>
-      <a:effectRef idx="2">
-        <a:scrgbClr r="0" g="0" b="0"/>
-      </a:effectRef>
-      <a:fontRef idx="minor">
-        <a:schemeClr val="lt1"/>
-      </a:fontRef>
-    </dgm:style>
-  </dgm:styleLbl>
-  <dgm:styleLbl name="parChTrans2D2">
-    <dgm:scene3d>
-      <a:camera prst="orthographicFront"/>
-      <a:lightRig rig="threePt" dir="t"/>
-    </dgm:scene3d>
-    <dgm:sp3d/>
-    <dgm:txPr/>
-    <dgm:style>
-      <a:lnRef idx="0">
-        <a:scrgbClr r="0" g="0" b="0"/>
-      </a:lnRef>
-      <a:fillRef idx="3">
-        <a:scrgbClr r="0" g="0" b="0"/>
-      </a:fillRef>
-      <a:effectRef idx="2">
-        <a:scrgbClr r="0" g="0" b="0"/>
-      </a:effectRef>
-      <a:fontRef idx="minor">
-        <a:schemeClr val="lt1"/>
-      </a:fontRef>
-    </dgm:style>
-  </dgm:styleLbl>
-  <dgm:styleLbl name="parChTrans2D3">
-    <dgm:scene3d>
-      <a:camera prst="orthographicFront"/>
-      <a:lightRig rig="threePt" dir="t"/>
-    </dgm:scene3d>
-    <dgm:sp3d/>
-    <dgm:txPr/>
-    <dgm:style>
-      <a:lnRef idx="1">
-        <a:scrgbClr r="0" g="0" b="0"/>
-      </a:lnRef>
-      <a:fillRef idx="3">
-        <a:scrgbClr r="0" g="0" b="0"/>
-      </a:fillRef>
-      <a:effectRef idx="2">
-        <a:scrgbClr r="0" g="0" b="0"/>
-      </a:effectRef>
-      <a:fontRef idx="minor">
-        <a:schemeClr val="lt1"/>
-      </a:fontRef>
-    </dgm:style>
-  </dgm:styleLbl>
-  <dgm:styleLbl name="parChTrans2D4">
-    <dgm:scene3d>
-      <a:camera prst="orthographicFront"/>
-      <a:lightRig rig="threePt" dir="t"/>
-    </dgm:scene3d>
-    <dgm:sp3d/>
-    <dgm:txPr/>
-    <dgm:style>
-      <a:lnRef idx="1">
-        <a:scrgbClr r="0" g="0" b="0"/>
-      </a:lnRef>
-      <a:fillRef idx="3">
-        <a:scrgbClr r="0" g="0" b="0"/>
-      </a:fillRef>
-      <a:effectRef idx="2">
-        <a:scrgbClr r="0" g="0" b="0"/>
-      </a:effectRef>
-      <a:fontRef idx="minor">
-        <a:schemeClr val="lt1"/>
-      </a:fontRef>
-    </dgm:style>
-  </dgm:styleLbl>
-  <dgm:styleLbl name="parChTrans1D1">
-    <dgm:scene3d>
-      <a:camera prst="orthographicFront"/>
-      <a:lightRig rig="threePt" dir="t"/>
-    </dgm:scene3d>
-    <dgm:sp3d/>
-    <dgm:txPr/>
-    <dgm:style>
-      <a:lnRef idx="1">
-        <a:scrgbClr r="0" g="0" b="0"/>
-      </a:lnRef>
-      <a:fillRef idx="0">
-        <a:scrgbClr r="0" g="0" b="0"/>
-      </a:fillRef>
-      <a:effectRef idx="0">
-        <a:scrgbClr r="0" g="0" b="0"/>
-      </a:effectRef>
-      <a:fontRef idx="minor"/>
-    </dgm:style>
-  </dgm:styleLbl>
-  <dgm:styleLbl name="parChTrans1D2">
-    <dgm:scene3d>
-      <a:camera prst="orthographicFront"/>
-      <a:lightRig rig="threePt" dir="t"/>
-    </dgm:scene3d>
-    <dgm:sp3d/>
-    <dgm:txPr/>
-    <dgm:style>
-      <a:lnRef idx="1">
-        <a:scrgbClr r="0" g="0" b="0"/>
-      </a:lnRef>
-      <a:fillRef idx="0">
-        <a:scrgbClr r="0" g="0" b="0"/>
-      </a:fillRef>
-      <a:effectRef idx="0">
-        <a:scrgbClr r="0" g="0" b="0"/>
-      </a:effectRef>
-      <a:fontRef idx="minor"/>
-    </dgm:style>
-  </dgm:styleLbl>
-  <dgm:styleLbl name="parChTrans1D3">
-    <dgm:scene3d>
-      <a:camera prst="orthographicFront"/>
-      <a:lightRig rig="threePt" dir="t"/>
-    </dgm:scene3d>
-    <dgm:sp3d/>
-    <dgm:txPr/>
-    <dgm:style>
-      <a:lnRef idx="1">
-        <a:scrgbClr r="0" g="0" b="0"/>
-      </a:lnRef>
-      <a:fillRef idx="0">
-        <a:scrgbClr r="0" g="0" b="0"/>
-      </a:fillRef>
-      <a:effectRef idx="0">
-        <a:scrgbClr r="0" g="0" b="0"/>
-      </a:effectRef>
-      <a:fontRef idx="minor"/>
-    </dgm:style>
-  </dgm:styleLbl>
-  <dgm:styleLbl name="parChTrans1D4">
-    <dgm:scene3d>
-      <a:camera prst="orthographicFront"/>
-      <a:lightRig rig="threePt" dir="t"/>
-    </dgm:scene3d>
-    <dgm:sp3d/>
-    <dgm:txPr/>
-    <dgm:style>
-      <a:lnRef idx="1">
-        <a:scrgbClr r="0" g="0" b="0"/>
-      </a:lnRef>
-      <a:fillRef idx="0">
-        <a:scrgbClr r="0" g="0" b="0"/>
-      </a:fillRef>
-      <a:effectRef idx="0">
-        <a:scrgbClr r="0" g="0" b="0"/>
-      </a:effectRef>
-      <a:fontRef idx="minor"/>
-    </dgm:style>
-  </dgm:styleLbl>
-  <dgm:styleLbl name="fgAcc1">
-    <dgm:scene3d>
-      <a:camera prst="orthographicFront"/>
-      <a:lightRig rig="threePt" dir="t"/>
-    </dgm:scene3d>
-    <dgm:sp3d/>
-    <dgm:txPr/>
-    <dgm:style>
-      <a:lnRef idx="1">
-        <a:scrgbClr r="0" g="0" b="0"/>
-      </a:lnRef>
-      <a:fillRef idx="1">
-        <a:scrgbClr r="0" g="0" b="0"/>
-      </a:fillRef>
-      <a:effectRef idx="0">
-        <a:scrgbClr r="0" g="0" b="0"/>
-      </a:effectRef>
-      <a:fontRef idx="minor"/>
-    </dgm:style>
-  </dgm:styleLbl>
-  <dgm:styleLbl name="conFgAcc1">
-    <dgm:scene3d>
-      <a:camera prst="orthographicFront"/>
-      <a:lightRig rig="threePt" dir="t"/>
-    </dgm:scene3d>
-    <dgm:sp3d/>
-    <dgm:txPr/>
-    <dgm:style>
-      <a:lnRef idx="1">
-        <a:scrgbClr r="0" g="0" b="0"/>
-      </a:lnRef>
-      <a:fillRef idx="1">
-        <a:scrgbClr r="0" g="0" b="0"/>
-      </a:fillRef>
-      <a:effectRef idx="0">
-        <a:scrgbClr r="0" g="0" b="0"/>
-      </a:effectRef>
-      <a:fontRef idx="minor"/>
-    </dgm:style>
-  </dgm:styleLbl>
-  <dgm:styleLbl name="alignAcc1">
-    <dgm:scene3d>
-      <a:camera prst="orthographicFront"/>
-      <a:lightRig rig="threePt" dir="t"/>
-    </dgm:scene3d>
-    <dgm:sp3d/>
-    <dgm:txPr/>
-    <dgm:style>
-      <a:lnRef idx="1">
-        <a:scrgbClr r="0" g="0" b="0"/>
-      </a:lnRef>
-      <a:fillRef idx="1">
-        <a:scrgbClr r="0" g="0" b="0"/>
-      </a:fillRef>
-      <a:effectRef idx="0">
-        <a:scrgbClr r="0" g="0" b="0"/>
-      </a:effectRef>
-      <a:fontRef idx="minor"/>
-    </dgm:style>
-  </dgm:styleLbl>
-  <dgm:styleLbl name="trAlignAcc1">
-    <dgm:scene3d>
-      <a:camera prst="orthographicFront"/>
-      <a:lightRig rig="threePt" dir="t"/>
-    </dgm:scene3d>
-    <dgm:sp3d/>
-    <dgm:txPr/>
-    <dgm:style>
-      <a:lnRef idx="1">
-        <a:scrgbClr r="0" g="0" b="0"/>
-      </a:lnRef>
-      <a:fillRef idx="1">
-        <a:scrgbClr r="0" g="0" b="0"/>
-      </a:fillRef>
-      <a:effectRef idx="0">
-        <a:scrgbClr r="0" g="0" b="0"/>
-      </a:effectRef>
-      <a:fontRef idx="minor"/>
-    </dgm:style>
-  </dgm:styleLbl>
-  <dgm:styleLbl name="bgAcc1">
-    <dgm:scene3d>
-      <a:camera prst="orthographicFront"/>
-      <a:lightRig rig="threePt" dir="t"/>
-    </dgm:scene3d>
-    <dgm:sp3d/>
-    <dgm:txPr/>
-    <dgm:style>
-      <a:lnRef idx="1">
-        <a:scrgbClr r="0" g="0" b="0"/>
-      </a:lnRef>
-      <a:fillRef idx="1">
-        <a:scrgbClr r="0" g="0" b="0"/>
-      </a:fillRef>
-      <a:effectRef idx="0">
-        <a:scrgbClr r="0" g="0" b="0"/>
-      </a:effectRef>
-      <a:fontRef idx="minor"/>
-    </dgm:style>
-  </dgm:styleLbl>
-  <dgm:styleLbl name="solidFgAcc1">
-    <dgm:scene3d>
-      <a:camera prst="orthographicFront"/>
-      <a:lightRig rig="threePt" dir="t"/>
-    </dgm:scene3d>
-    <dgm:sp3d/>
-    <dgm:txPr/>
-    <dgm:style>
-      <a:lnRef idx="1">
-        <a:scrgbClr r="0" g="0" b="0"/>
-      </a:lnRef>
-      <a:fillRef idx="1">
-        <a:scrgbClr r="0" g="0" b="0"/>
-      </a:fillRef>
-      <a:effectRef idx="0">
-        <a:scrgbClr r="0" g="0" b="0"/>
-      </a:effectRef>
-      <a:fontRef idx="minor"/>
-    </dgm:style>
-  </dgm:styleLbl>
-  <dgm:styleLbl name="solidAlignAcc1">
-    <dgm:scene3d>
-      <a:camera prst="orthographicFront"/>
-      <a:lightRig rig="threePt" dir="t"/>
-    </dgm:scene3d>
-    <dgm:sp3d/>
-    <dgm:txPr/>
-    <dgm:style>
-      <a:lnRef idx="1">
-        <a:scrgbClr r="0" g="0" b="0"/>
-      </a:lnRef>
-      <a:fillRef idx="1">
-        <a:scrgbClr r="0" g="0" b="0"/>
-      </a:fillRef>
-      <a:effectRef idx="0">
-        <a:scrgbClr r="0" g="0" b="0"/>
-      </a:effectRef>
-      <a:fontRef idx="minor"/>
-    </dgm:style>
-  </dgm:styleLbl>
-  <dgm:styleLbl name="solidBgAcc1">
-    <dgm:scene3d>
-      <a:camera prst="orthographicFront"/>
-      <a:lightRig rig="threePt" dir="t"/>
-    </dgm:scene3d>
-    <dgm:sp3d/>
-    <dgm:txPr/>
-    <dgm:style>
-      <a:lnRef idx="1">
-        <a:scrgbClr r="0" g="0" b="0"/>
-      </a:lnRef>
-      <a:fillRef idx="1">
-        <a:scrgbClr r="0" g="0" b="0"/>
-      </a:fillRef>
-      <a:effectRef idx="0">
-        <a:scrgbClr r="0" g="0" b="0"/>
-      </a:effectRef>
-      <a:fontRef idx="minor"/>
-    </dgm:style>
-  </dgm:styleLbl>
-  <dgm:styleLbl name="fgAccFollowNode1">
-    <dgm:scene3d>
-      <a:camera prst="orthographicFront"/>
-      <a:lightRig rig="threePt" dir="t"/>
-    </dgm:scene3d>
-    <dgm:sp3d/>
-    <dgm:txPr/>
-    <dgm:style>
-      <a:lnRef idx="1">
-        <a:scrgbClr r="0" g="0" b="0"/>
-      </a:lnRef>
-      <a:fillRef idx="1">
-        <a:scrgbClr r="0" g="0" b="0"/>
-      </a:fillRef>
-      <a:effectRef idx="0">
-        <a:scrgbClr r="0" g="0" b="0"/>
-      </a:effectRef>
-      <a:fontRef idx="minor"/>
-    </dgm:style>
-  </dgm:styleLbl>
-  <dgm:styleLbl name="alignAccFollowNode1">
-    <dgm:scene3d>
-      <a:camera prst="orthographicFront"/>
-      <a:lightRig rig="threePt" dir="t"/>
-    </dgm:scene3d>
-    <dgm:sp3d/>
-    <dgm:txPr/>
-    <dgm:style>
-      <a:lnRef idx="1">
-        <a:scrgbClr r="0" g="0" b="0"/>
-      </a:lnRef>
-      <a:fillRef idx="1">
-        <a:scrgbClr r="0" g="0" b="0"/>
-      </a:fillRef>
-      <a:effectRef idx="0">
-        <a:scrgbClr r="0" g="0" b="0"/>
-      </a:effectRef>
-      <a:fontRef idx="minor"/>
-    </dgm:style>
-  </dgm:styleLbl>
-  <dgm:styleLbl name="bgAccFollowNode1">
-    <dgm:scene3d>
-      <a:camera prst="orthographicFront"/>
-      <a:lightRig rig="threePt" dir="t"/>
-    </dgm:scene3d>
-    <dgm:sp3d/>
-    <dgm:txPr/>
-    <dgm:style>
-      <a:lnRef idx="1">
-        <a:scrgbClr r="0" g="0" b="0"/>
-      </a:lnRef>
-      <a:fillRef idx="1">
-        <a:scrgbClr r="0" g="0" b="0"/>
-      </a:fillRef>
-      <a:effectRef idx="0">
-        <a:scrgbClr r="0" g="0" b="0"/>
-      </a:effectRef>
-      <a:fontRef idx="minor"/>
-    </dgm:style>
-  </dgm:styleLbl>
-  <dgm:styleLbl name="fgAcc0">
-    <dgm:scene3d>
-      <a:camera prst="orthographicFront"/>
-      <a:lightRig rig="threePt" dir="t"/>
-    </dgm:scene3d>
-    <dgm:sp3d/>
-    <dgm:txPr/>
-    <dgm:style>
-      <a:lnRef idx="1">
-        <a:scrgbClr r="0" g="0" b="0"/>
-      </a:lnRef>
-      <a:fillRef idx="1">
-        <a:scrgbClr r="0" g="0" b="0"/>
-      </a:fillRef>
-      <a:effectRef idx="0">
-        <a:scrgbClr r="0" g="0" b="0"/>
-      </a:effectRef>
-      <a:fontRef idx="minor"/>
-    </dgm:style>
-  </dgm:styleLbl>
-  <dgm:styleLbl name="fgAcc2">
-    <dgm:scene3d>
-      <a:camera prst="orthographicFront"/>
-      <a:lightRig rig="threePt" dir="t"/>
-    </dgm:scene3d>
-    <dgm:sp3d/>
-    <dgm:txPr/>
-    <dgm:style>
-      <a:lnRef idx="1">
-        <a:scrgbClr r="0" g="0" b="0"/>
-      </a:lnRef>
-      <a:fillRef idx="1">
-        <a:scrgbClr r="0" g="0" b="0"/>
-      </a:fillRef>
-      <a:effectRef idx="0">
-        <a:scrgbClr r="0" g="0" b="0"/>
-      </a:effectRef>
-      <a:fontRef idx="minor"/>
-    </dgm:style>
-  </dgm:styleLbl>
-  <dgm:styleLbl name="fgAcc3">
-    <dgm:scene3d>
-      <a:camera prst="orthographicFront"/>
-      <a:lightRig rig="threePt" dir="t"/>
-    </dgm:scene3d>
-    <dgm:sp3d/>
-    <dgm:txPr/>
-    <dgm:style>
-      <a:lnRef idx="1">
-        <a:scrgbClr r="0" g="0" b="0"/>
-      </a:lnRef>
-      <a:fillRef idx="1">
-        <a:scrgbClr r="0" g="0" b="0"/>
-      </a:fillRef>
-      <a:effectRef idx="0">
-        <a:scrgbClr r="0" g="0" b="0"/>
-      </a:effectRef>
-      <a:fontRef idx="minor"/>
-    </dgm:style>
-  </dgm:styleLbl>
-  <dgm:styleLbl name="fgAcc4">
-    <dgm:scene3d>
-      <a:camera prst="orthographicFront"/>
-      <a:lightRig rig="threePt" dir="t"/>
-    </dgm:scene3d>
-    <dgm:sp3d/>
-    <dgm:txPr/>
-    <dgm:style>
-      <a:lnRef idx="1">
-        <a:scrgbClr r="0" g="0" b="0"/>
-      </a:lnRef>
-      <a:fillRef idx="1">
-        <a:scrgbClr r="0" g="0" b="0"/>
-      </a:fillRef>
-      <a:effectRef idx="0">
-        <a:scrgbClr r="0" g="0" b="0"/>
-      </a:effectRef>
-      <a:fontRef idx="minor"/>
-    </dgm:style>
-  </dgm:styleLbl>
-  <dgm:styleLbl name="bgShp">
-    <dgm:scene3d>
-      <a:camera prst="orthographicFront"/>
-      <a:lightRig rig="threePt" dir="t"/>
-    </dgm:scene3d>
-    <dgm:sp3d/>
-    <dgm:txPr/>
-    <dgm:style>
-      <a:lnRef idx="0">
-        <a:scrgbClr r="0" g="0" b="0"/>
-      </a:lnRef>
-      <a:fillRef idx="1">
-        <a:scrgbClr r="0" g="0" b="0"/>
-      </a:fillRef>
-      <a:effectRef idx="2">
-        <a:scrgbClr r="0" g="0" b="0"/>
-      </a:effectRef>
-      <a:fontRef idx="minor"/>
-    </dgm:style>
-  </dgm:styleLbl>
-  <dgm:styleLbl name="dkBgShp">
-    <dgm:scene3d>
-      <a:camera prst="orthographicFront"/>
-      <a:lightRig rig="threePt" dir="t"/>
-    </dgm:scene3d>
-    <dgm:sp3d/>
-    <dgm:txPr/>
-    <dgm:style>
-      <a:lnRef idx="0">
-        <a:scrgbClr r="0" g="0" b="0"/>
-      </a:lnRef>
-      <a:fillRef idx="1">
-        <a:scrgbClr r="0" g="0" b="0"/>
-      </a:fillRef>
-      <a:effectRef idx="2">
-        <a:scrgbClr r="0" g="0" b="0"/>
-      </a:effectRef>
-      <a:fontRef idx="minor"/>
-    </dgm:style>
-  </dgm:styleLbl>
-  <dgm:styleLbl name="trBgShp">
-    <dgm:scene3d>
-      <a:camera prst="orthographicFront"/>
-      <a:lightRig rig="threePt" dir="t"/>
-    </dgm:scene3d>
-    <dgm:sp3d/>
-    <dgm:txPr/>
-    <dgm:style>
-      <a:lnRef idx="0">
-        <a:scrgbClr r="0" g="0" b="0"/>
-      </a:lnRef>
-      <a:fillRef idx="1">
-        <a:scrgbClr r="0" g="0" b="0"/>
-      </a:fillRef>
-      <a:effectRef idx="0">
-        <a:scrgbClr r="0" g="0" b="0"/>
-      </a:effectRef>
-      <a:fontRef idx="minor"/>
-    </dgm:style>
-  </dgm:styleLbl>
-  <dgm:styleLbl name="fgShp">
-    <dgm:scene3d>
-      <a:camera prst="orthographicFront"/>
-      <a:lightRig rig="threePt" dir="t"/>
-    </dgm:scene3d>
-    <dgm:sp3d/>
-    <dgm:txPr/>
-    <dgm:style>
-      <a:lnRef idx="0">
-        <a:scrgbClr r="0" g="0" b="0"/>
-      </a:lnRef>
-      <a:fillRef idx="3">
-        <a:scrgbClr r="0" g="0" b="0"/>
-      </a:fillRef>
-      <a:effectRef idx="2">
         <a:scrgbClr r="0" g="0" b="0"/>
       </a:effectRef>
       <a:fontRef idx="minor"/>
@@ -26784,7 +28912,7 @@
           <a:p>
             <a:fld id="{EF1F8642-D45F-4091-BD92-9872F55A1863}" type="datetimeFigureOut">
               <a:rPr lang="en-IN" smtClean="0"/>
-              <a:t>28-11-2021</a:t>
+              <a:t>29-11-2021</a:t>
             </a:fld>
             <a:endParaRPr lang="en-IN"/>
           </a:p>
@@ -27199,6 +29327,119 @@
           <a:p>
             <a:r>
               <a:rPr lang="en-IN" dirty="0"/>
+              <a:t>Now, let me provide why at all to use Generative Adversarial Networks? Use of Latent code, which is basically transforming our input space into latent space that allows dimension reduction. Unlike Fully visible belief nets, we can have reduces number of features. To provide an example, Imagine running this model for 4K image, which basically has over 4000 pixels, each of these pixels become a feature in your NN. Training all these features will require a very high compute power. </a:t>
+            </a:r>
+          </a:p>
+          <a:p>
+            <a:r>
+              <a:rPr lang="en-IN" dirty="0"/>
+              <a:t>Second advantage is that GANs are asymptotically consistent, when we solve the minmax game for this network, it is guaranteed that we have the distribution that is equal to the sample distribution.</a:t>
+            </a:r>
+          </a:p>
+          <a:p>
+            <a:r>
+              <a:rPr lang="en-IN" dirty="0"/>
+              <a:t>Third advantage is that GANs do not require the Markov chains. They tend to hold back Boltzmann machines because methods based on Boltzmann machines require that the distribution be somewhat blurry in order for the chains to be able to mix between modes. This is the primary motivation for the team to invent GANs.</a:t>
+            </a:r>
+          </a:p>
+          <a:p>
+            <a:r>
+              <a:rPr lang="en-IN" dirty="0"/>
+              <a:t>Fourth would be because of the multi-nodal output, we can get multiple local </a:t>
+            </a:r>
+            <a:r>
+              <a:rPr lang="en-IN" dirty="0" err="1"/>
+              <a:t>minimas</a:t>
+            </a:r>
+            <a:r>
+              <a:rPr lang="en-IN" dirty="0"/>
+              <a:t>, which is usually the case for a lot of machine learning scenarios. This provides confidence to the users of GANs model and is regarded as producing the best samples.</a:t>
+            </a:r>
+          </a:p>
+        </p:txBody>
+      </p:sp>
+      <p:sp>
+        <p:nvSpPr>
+          <p:cNvPr id="4" name="Slide Number Placeholder 3"/>
+          <p:cNvSpPr>
+            <a:spLocks noGrp="1"/>
+          </p:cNvSpPr>
+          <p:nvPr>
+            <p:ph type="sldNum" sz="quarter" idx="5"/>
+          </p:nvPr>
+        </p:nvSpPr>
+        <p:spPr/>
+        <p:txBody>
+          <a:bodyPr/>
+          <a:lstStyle/>
+          <a:p>
+            <a:fld id="{A914F299-9927-4EE6-A360-E92782AD9637}" type="slidenum">
+              <a:rPr lang="en-IN" smtClean="0"/>
+              <a:t>14</a:t>
+            </a:fld>
+            <a:endParaRPr lang="en-IN"/>
+          </a:p>
+        </p:txBody>
+      </p:sp>
+    </p:spTree>
+    <p:extLst>
+      <p:ext uri="{BB962C8B-B14F-4D97-AF65-F5344CB8AC3E}">
+        <p14:creationId xmlns:p14="http://schemas.microsoft.com/office/powerpoint/2010/main" val="1146371424"/>
+      </p:ext>
+    </p:extLst>
+  </p:cSld>
+  <p:clrMapOvr>
+    <a:masterClrMapping/>
+  </p:clrMapOvr>
+</p:notes>
+</file>
+
+<file path=ppt/notesSlides/notesSlide11.xml><?xml version="1.0" encoding="utf-8"?>
+<p:notes xmlns:a="http://schemas.openxmlformats.org/drawingml/2006/main" xmlns:r="http://schemas.openxmlformats.org/officeDocument/2006/relationships" xmlns:p="http://schemas.openxmlformats.org/presentationml/2006/main">
+  <p:cSld>
+    <p:spTree>
+      <p:nvGrpSpPr>
+        <p:cNvPr id="1" name=""/>
+        <p:cNvGrpSpPr/>
+        <p:nvPr/>
+      </p:nvGrpSpPr>
+      <p:grpSpPr>
+        <a:xfrm>
+          <a:off x="0" y="0"/>
+          <a:ext cx="0" cy="0"/>
+          <a:chOff x="0" y="0"/>
+          <a:chExt cx="0" cy="0"/>
+        </a:xfrm>
+      </p:grpSpPr>
+      <p:sp>
+        <p:nvSpPr>
+          <p:cNvPr id="2" name="Slide Image Placeholder 1"/>
+          <p:cNvSpPr>
+            <a:spLocks noGrp="1" noRot="1" noChangeAspect="1"/>
+          </p:cNvSpPr>
+          <p:nvPr>
+            <p:ph type="sldImg"/>
+          </p:nvPr>
+        </p:nvSpPr>
+        <p:spPr/>
+      </p:sp>
+      <p:sp>
+        <p:nvSpPr>
+          <p:cNvPr id="3" name="Notes Placeholder 2"/>
+          <p:cNvSpPr>
+            <a:spLocks noGrp="1"/>
+          </p:cNvSpPr>
+          <p:nvPr>
+            <p:ph type="body" idx="1"/>
+          </p:nvPr>
+        </p:nvSpPr>
+        <p:spPr/>
+        <p:txBody>
+          <a:bodyPr/>
+          <a:lstStyle/>
+          <a:p>
+            <a:r>
+              <a:rPr lang="en-IN" dirty="0"/>
               <a:t>As is everything in life, GANs have their limitations.</a:t>
             </a:r>
           </a:p>
@@ -27275,7 +29516,7 @@
           <a:p>
             <a:fld id="{A914F299-9927-4EE6-A360-E92782AD9637}" type="slidenum">
               <a:rPr lang="en-IN" smtClean="0"/>
-              <a:t>12</a:t>
+              <a:t>15</a:t>
             </a:fld>
             <a:endParaRPr lang="en-IN"/>
           </a:p>
@@ -27294,7 +29535,7 @@
 </p:notes>
 </file>
 
-<file path=ppt/notesSlides/notesSlide11.xml><?xml version="1.0" encoding="utf-8"?>
+<file path=ppt/notesSlides/notesSlide12.xml><?xml version="1.0" encoding="utf-8"?>
 <p:notes xmlns:a="http://schemas.openxmlformats.org/drawingml/2006/main" xmlns:r="http://schemas.openxmlformats.org/officeDocument/2006/relationships" xmlns:p="http://schemas.openxmlformats.org/presentationml/2006/main">
   <p:cSld>
     <p:spTree>
@@ -27382,7 +29623,7 @@
           <a:p>
             <a:fld id="{A914F299-9927-4EE6-A360-E92782AD9637}" type="slidenum">
               <a:rPr lang="en-IN" smtClean="0"/>
-              <a:t>13</a:t>
+              <a:t>16</a:t>
             </a:fld>
             <a:endParaRPr lang="en-IN"/>
           </a:p>
@@ -27401,7 +29642,7 @@
 </p:notes>
 </file>
 
-<file path=ppt/notesSlides/notesSlide12.xml><?xml version="1.0" encoding="utf-8"?>
+<file path=ppt/notesSlides/notesSlide13.xml><?xml version="1.0" encoding="utf-8"?>
 <p:notes xmlns:a="http://schemas.openxmlformats.org/drawingml/2006/main" xmlns:r="http://schemas.openxmlformats.org/officeDocument/2006/relationships" xmlns:p="http://schemas.openxmlformats.org/presentationml/2006/main">
   <p:cSld>
     <p:spTree>
@@ -27469,7 +29710,7 @@
           <a:p>
             <a:fld id="{A914F299-9927-4EE6-A360-E92782AD9637}" type="slidenum">
               <a:rPr lang="en-IN" smtClean="0"/>
-              <a:t>14</a:t>
+              <a:t>17</a:t>
             </a:fld>
             <a:endParaRPr lang="en-IN"/>
           </a:p>
@@ -28024,6 +30265,90 @@
           <a:bodyPr/>
           <a:lstStyle/>
           <a:p>
+            <a:endParaRPr lang="en-IN" dirty="0"/>
+          </a:p>
+        </p:txBody>
+      </p:sp>
+      <p:sp>
+        <p:nvSpPr>
+          <p:cNvPr id="4" name="Slide Number Placeholder 3"/>
+          <p:cNvSpPr>
+            <a:spLocks noGrp="1"/>
+          </p:cNvSpPr>
+          <p:nvPr>
+            <p:ph type="sldNum" sz="quarter" idx="5"/>
+          </p:nvPr>
+        </p:nvSpPr>
+        <p:spPr/>
+        <p:txBody>
+          <a:bodyPr/>
+          <a:lstStyle/>
+          <a:p>
+            <a:fld id="{A914F299-9927-4EE6-A360-E92782AD9637}" type="slidenum">
+              <a:rPr lang="en-IN" smtClean="0"/>
+              <a:t>11</a:t>
+            </a:fld>
+            <a:endParaRPr lang="en-IN"/>
+          </a:p>
+        </p:txBody>
+      </p:sp>
+    </p:spTree>
+    <p:extLst>
+      <p:ext uri="{BB962C8B-B14F-4D97-AF65-F5344CB8AC3E}">
+        <p14:creationId xmlns:p14="http://schemas.microsoft.com/office/powerpoint/2010/main" val="1634114699"/>
+      </p:ext>
+    </p:extLst>
+  </p:cSld>
+  <p:clrMapOvr>
+    <a:masterClrMapping/>
+  </p:clrMapOvr>
+</p:notes>
+</file>
+
+<file path=ppt/notesSlides/notesSlide8.xml><?xml version="1.0" encoding="utf-8"?>
+<p:notes xmlns:a="http://schemas.openxmlformats.org/drawingml/2006/main" xmlns:r="http://schemas.openxmlformats.org/officeDocument/2006/relationships" xmlns:p="http://schemas.openxmlformats.org/presentationml/2006/main">
+  <p:cSld>
+    <p:spTree>
+      <p:nvGrpSpPr>
+        <p:cNvPr id="1" name=""/>
+        <p:cNvGrpSpPr/>
+        <p:nvPr/>
+      </p:nvGrpSpPr>
+      <p:grpSpPr>
+        <a:xfrm>
+          <a:off x="0" y="0"/>
+          <a:ext cx="0" cy="0"/>
+          <a:chOff x="0" y="0"/>
+          <a:chExt cx="0" cy="0"/>
+        </a:xfrm>
+      </p:grpSpPr>
+      <p:sp>
+        <p:nvSpPr>
+          <p:cNvPr id="2" name="Slide Image Placeholder 1"/>
+          <p:cNvSpPr>
+            <a:spLocks noGrp="1" noRot="1" noChangeAspect="1"/>
+          </p:cNvSpPr>
+          <p:nvPr>
+            <p:ph type="sldImg"/>
+          </p:nvPr>
+        </p:nvSpPr>
+        <p:spPr/>
+      </p:sp>
+      <p:sp>
+        <p:nvSpPr>
+          <p:cNvPr id="3" name="Notes Placeholder 2"/>
+          <p:cNvSpPr>
+            <a:spLocks noGrp="1"/>
+          </p:cNvSpPr>
+          <p:nvPr>
+            <p:ph type="body" idx="1"/>
+          </p:nvPr>
+        </p:nvSpPr>
+        <p:spPr/>
+        <p:txBody>
+          <a:bodyPr/>
+          <a:lstStyle/>
+          <a:p>
             <a:pPr marL="228600" indent="-228600">
               <a:buAutoNum type="alphaLcParenR"/>
             </a:pPr>
@@ -28078,7 +30403,7 @@
           <a:p>
             <a:fld id="{A914F299-9927-4EE6-A360-E92782AD9637}" type="slidenum">
               <a:rPr lang="en-IN" smtClean="0"/>
-              <a:t>9</a:t>
+              <a:t>12</a:t>
             </a:fld>
             <a:endParaRPr lang="en-IN"/>
           </a:p>
@@ -28097,7 +30422,7 @@
 </p:notes>
 </file>
 
-<file path=ppt/notesSlides/notesSlide8.xml><?xml version="1.0" encoding="utf-8"?>
+<file path=ppt/notesSlides/notesSlide9.xml><?xml version="1.0" encoding="utf-8"?>
 <p:notes xmlns:a="http://schemas.openxmlformats.org/drawingml/2006/main" xmlns:r="http://schemas.openxmlformats.org/officeDocument/2006/relationships" xmlns:p="http://schemas.openxmlformats.org/presentationml/2006/main">
   <p:cSld>
     <p:spTree>
@@ -28209,7 +30534,7 @@
           <a:p>
             <a:fld id="{A914F299-9927-4EE6-A360-E92782AD9637}" type="slidenum">
               <a:rPr lang="en-IN" smtClean="0"/>
-              <a:t>10</a:t>
+              <a:t>13</a:t>
             </a:fld>
             <a:endParaRPr lang="en-IN"/>
           </a:p>
@@ -28219,119 +30544,6 @@
     <p:extLst>
       <p:ext uri="{BB962C8B-B14F-4D97-AF65-F5344CB8AC3E}">
         <p14:creationId xmlns:p14="http://schemas.microsoft.com/office/powerpoint/2010/main" val="2629734571"/>
-      </p:ext>
-    </p:extLst>
-  </p:cSld>
-  <p:clrMapOvr>
-    <a:masterClrMapping/>
-  </p:clrMapOvr>
-</p:notes>
-</file>
-
-<file path=ppt/notesSlides/notesSlide9.xml><?xml version="1.0" encoding="utf-8"?>
-<p:notes xmlns:a="http://schemas.openxmlformats.org/drawingml/2006/main" xmlns:r="http://schemas.openxmlformats.org/officeDocument/2006/relationships" xmlns:p="http://schemas.openxmlformats.org/presentationml/2006/main">
-  <p:cSld>
-    <p:spTree>
-      <p:nvGrpSpPr>
-        <p:cNvPr id="1" name=""/>
-        <p:cNvGrpSpPr/>
-        <p:nvPr/>
-      </p:nvGrpSpPr>
-      <p:grpSpPr>
-        <a:xfrm>
-          <a:off x="0" y="0"/>
-          <a:ext cx="0" cy="0"/>
-          <a:chOff x="0" y="0"/>
-          <a:chExt cx="0" cy="0"/>
-        </a:xfrm>
-      </p:grpSpPr>
-      <p:sp>
-        <p:nvSpPr>
-          <p:cNvPr id="2" name="Slide Image Placeholder 1"/>
-          <p:cNvSpPr>
-            <a:spLocks noGrp="1" noRot="1" noChangeAspect="1"/>
-          </p:cNvSpPr>
-          <p:nvPr>
-            <p:ph type="sldImg"/>
-          </p:nvPr>
-        </p:nvSpPr>
-        <p:spPr/>
-      </p:sp>
-      <p:sp>
-        <p:nvSpPr>
-          <p:cNvPr id="3" name="Notes Placeholder 2"/>
-          <p:cNvSpPr>
-            <a:spLocks noGrp="1"/>
-          </p:cNvSpPr>
-          <p:nvPr>
-            <p:ph type="body" idx="1"/>
-          </p:nvPr>
-        </p:nvSpPr>
-        <p:spPr/>
-        <p:txBody>
-          <a:bodyPr/>
-          <a:lstStyle/>
-          <a:p>
-            <a:r>
-              <a:rPr lang="en-IN" dirty="0"/>
-              <a:t>Now, let me provide why at all to use Generative Adversarial Networks? Use of Latent code, which is basically transforming our input space into latent space that allows dimension reduction. Unlike Fully visible belief nets, we can have reduces number of features. To provide an example, Imagine running this model for 4K image, which basically has over 4000 pixels, each of these pixels become a feature in your NN. Training all these features will require a very high compute power. </a:t>
-            </a:r>
-          </a:p>
-          <a:p>
-            <a:r>
-              <a:rPr lang="en-IN" dirty="0"/>
-              <a:t>Second advantage is that GANs are asymptotically consistent, when we solve the minmax game for this network, it is guaranteed that we have the distribution that is equal to the sample distribution.</a:t>
-            </a:r>
-          </a:p>
-          <a:p>
-            <a:r>
-              <a:rPr lang="en-IN" dirty="0"/>
-              <a:t>Third advantage is that GANs do not require the Markov chains. They tend to hold back Boltzmann machines because methods based on Boltzmann machines require that the distribution be somewhat blurry in order for the chains to be able to mix between modes. This is the primary motivation for the team to invent GANs.</a:t>
-            </a:r>
-          </a:p>
-          <a:p>
-            <a:r>
-              <a:rPr lang="en-IN" dirty="0"/>
-              <a:t>Fourth would be because of the multi-nodal output, we can get multiple local </a:t>
-            </a:r>
-            <a:r>
-              <a:rPr lang="en-IN" dirty="0" err="1"/>
-              <a:t>minimas</a:t>
-            </a:r>
-            <a:r>
-              <a:rPr lang="en-IN" dirty="0"/>
-              <a:t>, which is usually the case for a lot of machine learning scenarios. This provides confidence to the users of GANs model and is regarded as producing the best samples.</a:t>
-            </a:r>
-          </a:p>
-        </p:txBody>
-      </p:sp>
-      <p:sp>
-        <p:nvSpPr>
-          <p:cNvPr id="4" name="Slide Number Placeholder 3"/>
-          <p:cNvSpPr>
-            <a:spLocks noGrp="1"/>
-          </p:cNvSpPr>
-          <p:nvPr>
-            <p:ph type="sldNum" sz="quarter" idx="5"/>
-          </p:nvPr>
-        </p:nvSpPr>
-        <p:spPr/>
-        <p:txBody>
-          <a:bodyPr/>
-          <a:lstStyle/>
-          <a:p>
-            <a:fld id="{A914F299-9927-4EE6-A360-E92782AD9637}" type="slidenum">
-              <a:rPr lang="en-IN" smtClean="0"/>
-              <a:t>11</a:t>
-            </a:fld>
-            <a:endParaRPr lang="en-IN"/>
-          </a:p>
-        </p:txBody>
-      </p:sp>
-    </p:spTree>
-    <p:extLst>
-      <p:ext uri="{BB962C8B-B14F-4D97-AF65-F5344CB8AC3E}">
-        <p14:creationId xmlns:p14="http://schemas.microsoft.com/office/powerpoint/2010/main" val="1146371424"/>
       </p:ext>
     </p:extLst>
   </p:cSld>
@@ -28615,7 +30827,7 @@
           <a:p>
             <a:fld id="{C867DA01-B677-4D1B-BA60-C7EAB0069DDD}" type="datetimeFigureOut">
               <a:rPr lang="en-IN" smtClean="0"/>
-              <a:t>28-11-2021</a:t>
+              <a:t>29-11-2021</a:t>
             </a:fld>
             <a:endParaRPr lang="en-IN"/>
           </a:p>
@@ -29029,7 +31241,7 @@
           <a:p>
             <a:fld id="{C867DA01-B677-4D1B-BA60-C7EAB0069DDD}" type="datetimeFigureOut">
               <a:rPr lang="en-IN" smtClean="0"/>
-              <a:t>28-11-2021</a:t>
+              <a:t>29-11-2021</a:t>
             </a:fld>
             <a:endParaRPr lang="en-IN"/>
           </a:p>
@@ -29365,7 +31577,7 @@
           <a:p>
             <a:fld id="{C867DA01-B677-4D1B-BA60-C7EAB0069DDD}" type="datetimeFigureOut">
               <a:rPr lang="en-IN" smtClean="0"/>
-              <a:t>28-11-2021</a:t>
+              <a:t>29-11-2021</a:t>
             </a:fld>
             <a:endParaRPr lang="en-IN"/>
           </a:p>
@@ -29770,7 +31982,7 @@
           <a:p>
             <a:fld id="{C867DA01-B677-4D1B-BA60-C7EAB0069DDD}" type="datetimeFigureOut">
               <a:rPr lang="en-IN" smtClean="0"/>
-              <a:t>28-11-2021</a:t>
+              <a:t>29-11-2021</a:t>
             </a:fld>
             <a:endParaRPr lang="en-IN"/>
           </a:p>
@@ -30338,7 +32550,7 @@
           <a:p>
             <a:fld id="{C867DA01-B677-4D1B-BA60-C7EAB0069DDD}" type="datetimeFigureOut">
               <a:rPr lang="en-IN" smtClean="0"/>
-              <a:t>28-11-2021</a:t>
+              <a:t>29-11-2021</a:t>
             </a:fld>
             <a:endParaRPr lang="en-IN"/>
           </a:p>
@@ -31019,7 +33231,7 @@
           <a:p>
             <a:fld id="{C867DA01-B677-4D1B-BA60-C7EAB0069DDD}" type="datetimeFigureOut">
               <a:rPr lang="en-IN" smtClean="0"/>
-              <a:t>28-11-2021</a:t>
+              <a:t>29-11-2021</a:t>
             </a:fld>
             <a:endParaRPr lang="en-IN"/>
           </a:p>
@@ -31932,7 +34144,7 @@
           <a:p>
             <a:fld id="{C867DA01-B677-4D1B-BA60-C7EAB0069DDD}" type="datetimeFigureOut">
               <a:rPr lang="en-IN" smtClean="0"/>
-              <a:t>28-11-2021</a:t>
+              <a:t>29-11-2021</a:t>
             </a:fld>
             <a:endParaRPr lang="en-IN"/>
           </a:p>
@@ -32245,7 +34457,7 @@
           <a:p>
             <a:fld id="{C867DA01-B677-4D1B-BA60-C7EAB0069DDD}" type="datetimeFigureOut">
               <a:rPr lang="en-IN" smtClean="0"/>
-              <a:t>28-11-2021</a:t>
+              <a:t>29-11-2021</a:t>
             </a:fld>
             <a:endParaRPr lang="en-IN"/>
           </a:p>
@@ -32509,7 +34721,7 @@
           <a:p>
             <a:fld id="{C867DA01-B677-4D1B-BA60-C7EAB0069DDD}" type="datetimeFigureOut">
               <a:rPr lang="en-IN" smtClean="0"/>
-              <a:t>28-11-2021</a:t>
+              <a:t>29-11-2021</a:t>
             </a:fld>
             <a:endParaRPr lang="en-IN"/>
           </a:p>
@@ -32832,7 +35044,7 @@
           <a:p>
             <a:fld id="{C867DA01-B677-4D1B-BA60-C7EAB0069DDD}" type="datetimeFigureOut">
               <a:rPr lang="en-IN" smtClean="0"/>
-              <a:t>28-11-2021</a:t>
+              <a:t>29-11-2021</a:t>
             </a:fld>
             <a:endParaRPr lang="en-IN"/>
           </a:p>
@@ -33221,7 +35433,7 @@
           <a:p>
             <a:fld id="{C867DA01-B677-4D1B-BA60-C7EAB0069DDD}" type="datetimeFigureOut">
               <a:rPr lang="en-IN" smtClean="0"/>
-              <a:t>28-11-2021</a:t>
+              <a:t>29-11-2021</a:t>
             </a:fld>
             <a:endParaRPr lang="en-IN"/>
           </a:p>
@@ -33597,7 +35809,7 @@
           <a:p>
             <a:fld id="{C867DA01-B677-4D1B-BA60-C7EAB0069DDD}" type="datetimeFigureOut">
               <a:rPr lang="en-IN" smtClean="0"/>
-              <a:t>28-11-2021</a:t>
+              <a:t>29-11-2021</a:t>
             </a:fld>
             <a:endParaRPr lang="en-IN"/>
           </a:p>
@@ -34103,7 +36315,7 @@
           <a:p>
             <a:fld id="{C867DA01-B677-4D1B-BA60-C7EAB0069DDD}" type="datetimeFigureOut">
               <a:rPr lang="en-IN" smtClean="0"/>
-              <a:t>28-11-2021</a:t>
+              <a:t>29-11-2021</a:t>
             </a:fld>
             <a:endParaRPr lang="en-IN"/>
           </a:p>
@@ -34360,7 +36572,7 @@
           <a:p>
             <a:fld id="{C867DA01-B677-4D1B-BA60-C7EAB0069DDD}" type="datetimeFigureOut">
               <a:rPr lang="en-IN" smtClean="0"/>
-              <a:t>28-11-2021</a:t>
+              <a:t>29-11-2021</a:t>
             </a:fld>
             <a:endParaRPr lang="en-IN"/>
           </a:p>
@@ -34523,7 +36735,7 @@
           <a:p>
             <a:fld id="{C867DA01-B677-4D1B-BA60-C7EAB0069DDD}" type="datetimeFigureOut">
               <a:rPr lang="en-IN" smtClean="0"/>
-              <a:t>28-11-2021</a:t>
+              <a:t>29-11-2021</a:t>
             </a:fld>
             <a:endParaRPr lang="en-IN"/>
           </a:p>
@@ -34913,7 +37125,7 @@
           <a:p>
             <a:fld id="{C867DA01-B677-4D1B-BA60-C7EAB0069DDD}" type="datetimeFigureOut">
               <a:rPr lang="en-IN" smtClean="0"/>
-              <a:t>28-11-2021</a:t>
+              <a:t>29-11-2021</a:t>
             </a:fld>
             <a:endParaRPr lang="en-IN"/>
           </a:p>
@@ -35322,7 +37534,7 @@
           <a:p>
             <a:fld id="{C867DA01-B677-4D1B-BA60-C7EAB0069DDD}" type="datetimeFigureOut">
               <a:rPr lang="en-IN" smtClean="0"/>
-              <a:t>28-11-2021</a:t>
+              <a:t>29-11-2021</a:t>
             </a:fld>
             <a:endParaRPr lang="en-IN"/>
           </a:p>
@@ -35566,7 +37778,7 @@
           <a:p>
             <a:fld id="{C867DA01-B677-4D1B-BA60-C7EAB0069DDD}" type="datetimeFigureOut">
               <a:rPr lang="en-IN" smtClean="0"/>
-              <a:t>28-11-2021</a:t>
+              <a:t>29-11-2021</a:t>
             </a:fld>
             <a:endParaRPr lang="en-IN"/>
           </a:p>
@@ -36454,6 +38666,467 @@
           <p:cNvPr id="2" name="Title 1">
             <a:extLst>
               <a:ext uri="{FF2B5EF4-FFF2-40B4-BE49-F238E27FC236}">
+                <a16:creationId xmlns:a16="http://schemas.microsoft.com/office/drawing/2014/main" id="{F6D0383C-8065-45AE-9F0B-0E1BA3FA07A3}"/>
+              </a:ext>
+            </a:extLst>
+          </p:cNvPr>
+          <p:cNvSpPr>
+            <a:spLocks noGrp="1"/>
+          </p:cNvSpPr>
+          <p:nvPr>
+            <p:ph type="title"/>
+          </p:nvPr>
+        </p:nvSpPr>
+        <p:spPr/>
+        <p:txBody>
+          <a:bodyPr/>
+          <a:lstStyle/>
+          <a:p>
+            <a:r>
+              <a:rPr lang="en-IN" dirty="0"/>
+              <a:t>Proposition 1</a:t>
+            </a:r>
+          </a:p>
+        </p:txBody>
+      </p:sp>
+      <p:sp>
+        <p:nvSpPr>
+          <p:cNvPr id="3" name="Content Placeholder 2">
+            <a:extLst>
+              <a:ext uri="{FF2B5EF4-FFF2-40B4-BE49-F238E27FC236}">
+                <a16:creationId xmlns:a16="http://schemas.microsoft.com/office/drawing/2014/main" id="{0B2A2DA4-D10F-44EA-8ED1-F5695FA7AC15}"/>
+              </a:ext>
+            </a:extLst>
+          </p:cNvPr>
+          <p:cNvSpPr>
+            <a:spLocks noGrp="1"/>
+          </p:cNvSpPr>
+          <p:nvPr>
+            <p:ph idx="1"/>
+          </p:nvPr>
+        </p:nvSpPr>
+        <p:spPr>
+          <a:xfrm>
+            <a:off x="601491" y="1961315"/>
+            <a:ext cx="9613861" cy="3599316"/>
+          </a:xfrm>
+        </p:spPr>
+        <p:txBody>
+          <a:bodyPr/>
+          <a:lstStyle/>
+          <a:p>
+            <a:pPr marL="0" indent="0" algn="ctr">
+              <a:buNone/>
+            </a:pPr>
+            <a:r>
+              <a:rPr lang="en-US" dirty="0"/>
+              <a:t>For G fixed, the optimal discriminator D</a:t>
+            </a:r>
+            <a:endParaRPr lang="en-IN" u="sng" dirty="0"/>
+          </a:p>
+          <a:p>
+            <a:pPr marL="0" indent="0" algn="ctr">
+              <a:buNone/>
+            </a:pPr>
+            <a:endParaRPr lang="en-IN" u="sng" dirty="0"/>
+          </a:p>
+          <a:p>
+            <a:pPr marL="0" indent="0" algn="ctr">
+              <a:buNone/>
+            </a:pPr>
+            <a:endParaRPr lang="en-IN" u="sng" dirty="0"/>
+          </a:p>
+          <a:p>
+            <a:pPr marL="0" indent="0" algn="ctr">
+              <a:buNone/>
+            </a:pPr>
+            <a:endParaRPr lang="en-IN" u="sng" dirty="0"/>
+          </a:p>
+          <a:p>
+            <a:pPr marL="0" indent="0" algn="just">
+              <a:buNone/>
+            </a:pPr>
+            <a:r>
+              <a:rPr lang="en-US" dirty="0"/>
+              <a:t>The training criterion for the discriminator D, given any generator G, is to maximize the quantity V (G, D)</a:t>
+            </a:r>
+            <a:endParaRPr lang="en-IN" u="sng" dirty="0"/>
+          </a:p>
+          <a:p>
+            <a:pPr marL="0" indent="0">
+              <a:buNone/>
+            </a:pPr>
+            <a:endParaRPr lang="en-IN" u="sng" dirty="0"/>
+          </a:p>
+        </p:txBody>
+      </p:sp>
+      <p:pic>
+        <p:nvPicPr>
+          <p:cNvPr id="5" name="Picture 4">
+            <a:extLst>
+              <a:ext uri="{FF2B5EF4-FFF2-40B4-BE49-F238E27FC236}">
+                <a16:creationId xmlns:a16="http://schemas.microsoft.com/office/drawing/2014/main" id="{8509D3A9-2777-45D1-8854-62C32EC0142D}"/>
+              </a:ext>
+            </a:extLst>
+          </p:cNvPr>
+          <p:cNvPicPr>
+            <a:picLocks noChangeAspect="1"/>
+          </p:cNvPicPr>
+          <p:nvPr/>
+        </p:nvPicPr>
+        <p:blipFill>
+          <a:blip r:embed="rId2"/>
+          <a:stretch>
+            <a:fillRect/>
+          </a:stretch>
+        </p:blipFill>
+        <p:spPr>
+          <a:xfrm>
+            <a:off x="3487000" y="2531614"/>
+            <a:ext cx="3842844" cy="1061357"/>
+          </a:xfrm>
+          <a:prstGeom prst="rect">
+            <a:avLst/>
+          </a:prstGeom>
+        </p:spPr>
+      </p:pic>
+      <p:pic>
+        <p:nvPicPr>
+          <p:cNvPr id="7" name="Picture 6">
+            <a:extLst>
+              <a:ext uri="{FF2B5EF4-FFF2-40B4-BE49-F238E27FC236}">
+                <a16:creationId xmlns:a16="http://schemas.microsoft.com/office/drawing/2014/main" id="{38369FBC-4826-47CE-AE11-336E03ABAE8E}"/>
+              </a:ext>
+            </a:extLst>
+          </p:cNvPr>
+          <p:cNvPicPr>
+            <a:picLocks noChangeAspect="1"/>
+          </p:cNvPicPr>
+          <p:nvPr/>
+        </p:nvPicPr>
+        <p:blipFill>
+          <a:blip r:embed="rId3"/>
+          <a:stretch>
+            <a:fillRect/>
+          </a:stretch>
+        </p:blipFill>
+        <p:spPr>
+          <a:xfrm>
+            <a:off x="1816671" y="4764876"/>
+            <a:ext cx="8184903" cy="1591509"/>
+          </a:xfrm>
+          <a:prstGeom prst="rect">
+            <a:avLst/>
+          </a:prstGeom>
+        </p:spPr>
+      </p:pic>
+    </p:spTree>
+    <p:extLst>
+      <p:ext uri="{BB962C8B-B14F-4D97-AF65-F5344CB8AC3E}">
+        <p14:creationId xmlns:p14="http://schemas.microsoft.com/office/powerpoint/2010/main" val="1240415700"/>
+      </p:ext>
+    </p:extLst>
+  </p:cSld>
+  <p:clrMapOvr>
+    <a:masterClrMapping/>
+  </p:clrMapOvr>
+</p:sld>
+</file>
+
+<file path=ppt/slides/slide11.xml><?xml version="1.0" encoding="utf-8"?>
+<p:sld xmlns:a="http://schemas.openxmlformats.org/drawingml/2006/main" xmlns:r="http://schemas.openxmlformats.org/officeDocument/2006/relationships" xmlns:p="http://schemas.openxmlformats.org/presentationml/2006/main">
+  <p:cSld>
+    <p:spTree>
+      <p:nvGrpSpPr>
+        <p:cNvPr id="1" name=""/>
+        <p:cNvGrpSpPr/>
+        <p:nvPr/>
+      </p:nvGrpSpPr>
+      <p:grpSpPr>
+        <a:xfrm>
+          <a:off x="0" y="0"/>
+          <a:ext cx="0" cy="0"/>
+          <a:chOff x="0" y="0"/>
+          <a:chExt cx="0" cy="0"/>
+        </a:xfrm>
+      </p:grpSpPr>
+      <p:sp>
+        <p:nvSpPr>
+          <p:cNvPr id="2" name="Title 1">
+            <a:extLst>
+              <a:ext uri="{FF2B5EF4-FFF2-40B4-BE49-F238E27FC236}">
+                <a16:creationId xmlns:a16="http://schemas.microsoft.com/office/drawing/2014/main" id="{9E4BD34F-25AF-4B54-A4C3-88771FA3F30E}"/>
+              </a:ext>
+            </a:extLst>
+          </p:cNvPr>
+          <p:cNvSpPr>
+            <a:spLocks noGrp="1"/>
+          </p:cNvSpPr>
+          <p:nvPr>
+            <p:ph type="title"/>
+          </p:nvPr>
+        </p:nvSpPr>
+        <p:spPr/>
+        <p:txBody>
+          <a:bodyPr/>
+          <a:lstStyle/>
+          <a:p>
+            <a:r>
+              <a:rPr lang="en-IN" dirty="0"/>
+              <a:t>Proposition 2</a:t>
+            </a:r>
+          </a:p>
+        </p:txBody>
+      </p:sp>
+      <p:sp>
+        <p:nvSpPr>
+          <p:cNvPr id="3" name="Content Placeholder 2">
+            <a:extLst>
+              <a:ext uri="{FF2B5EF4-FFF2-40B4-BE49-F238E27FC236}">
+                <a16:creationId xmlns:a16="http://schemas.microsoft.com/office/drawing/2014/main" id="{75270D81-D190-4E40-A5D5-216F78209D6B}"/>
+              </a:ext>
+            </a:extLst>
+          </p:cNvPr>
+          <p:cNvSpPr>
+            <a:spLocks noGrp="1"/>
+          </p:cNvSpPr>
+          <p:nvPr>
+            <p:ph idx="1"/>
+          </p:nvPr>
+        </p:nvSpPr>
+        <p:spPr/>
+        <p:txBody>
+          <a:bodyPr/>
+          <a:lstStyle/>
+          <a:p>
+            <a:pPr marL="0" indent="0">
+              <a:buNone/>
+            </a:pPr>
+            <a:endParaRPr lang="en-IN" dirty="0"/>
+          </a:p>
+          <a:p>
+            <a:pPr marL="0" indent="0" algn="just">
+              <a:buNone/>
+            </a:pPr>
+            <a:r>
+              <a:rPr lang="en-US" dirty="0"/>
+              <a:t>If G and D have enough capacity, and at each step of Algorithm 1, the discriminator is allowed to reach its optimum given G, and p</a:t>
+            </a:r>
+            <a:r>
+              <a:rPr lang="en-US" baseline="-25000" dirty="0"/>
+              <a:t>g</a:t>
+            </a:r>
+            <a:r>
+              <a:rPr lang="en-US" dirty="0"/>
+              <a:t> is updated so as to improve the criterion</a:t>
+            </a:r>
+            <a:r>
+              <a:rPr lang="en-IN" dirty="0"/>
+              <a:t>.</a:t>
+            </a:r>
+          </a:p>
+        </p:txBody>
+      </p:sp>
+      <p:pic>
+        <p:nvPicPr>
+          <p:cNvPr id="5" name="Picture 4">
+            <a:extLst>
+              <a:ext uri="{FF2B5EF4-FFF2-40B4-BE49-F238E27FC236}">
+                <a16:creationId xmlns:a16="http://schemas.microsoft.com/office/drawing/2014/main" id="{2A0C6EBD-56AA-408E-96C9-39A712851C20}"/>
+              </a:ext>
+            </a:extLst>
+          </p:cNvPr>
+          <p:cNvPicPr>
+            <a:picLocks noChangeAspect="1"/>
+          </p:cNvPicPr>
+          <p:nvPr/>
+        </p:nvPicPr>
+        <p:blipFill>
+          <a:blip r:embed="rId3"/>
+          <a:stretch>
+            <a:fillRect/>
+          </a:stretch>
+        </p:blipFill>
+        <p:spPr>
+          <a:xfrm>
+            <a:off x="779249" y="4238279"/>
+            <a:ext cx="8877853" cy="1025330"/>
+          </a:xfrm>
+          <a:prstGeom prst="rect">
+            <a:avLst/>
+          </a:prstGeom>
+        </p:spPr>
+      </p:pic>
+      <p:sp>
+        <p:nvSpPr>
+          <p:cNvPr id="6" name="TextBox 5">
+            <a:extLst>
+              <a:ext uri="{FF2B5EF4-FFF2-40B4-BE49-F238E27FC236}">
+                <a16:creationId xmlns:a16="http://schemas.microsoft.com/office/drawing/2014/main" id="{AAC90FB1-C86D-471A-8DA4-8A5D647905D1}"/>
+              </a:ext>
+            </a:extLst>
+          </p:cNvPr>
+          <p:cNvSpPr txBox="1"/>
+          <p:nvPr/>
+        </p:nvSpPr>
+        <p:spPr>
+          <a:xfrm>
+            <a:off x="680321" y="5643107"/>
+            <a:ext cx="7940259" cy="461665"/>
+          </a:xfrm>
+          <a:prstGeom prst="rect">
+            <a:avLst/>
+          </a:prstGeom>
+          <a:noFill/>
+        </p:spPr>
+        <p:txBody>
+          <a:bodyPr wrap="square" rtlCol="0">
+            <a:spAutoFit/>
+          </a:bodyPr>
+          <a:lstStyle/>
+          <a:p>
+            <a:r>
+              <a:rPr lang="en-US" sz="2400" dirty="0"/>
+              <a:t> Then P</a:t>
+            </a:r>
+            <a:r>
+              <a:rPr lang="en-US" sz="2400" baseline="-25000" dirty="0"/>
+              <a:t>g</a:t>
+            </a:r>
+            <a:r>
+              <a:rPr lang="en-US" sz="2400" dirty="0"/>
+              <a:t> converges to P</a:t>
+            </a:r>
+            <a:r>
+              <a:rPr lang="en-US" sz="2400" baseline="-25000" dirty="0"/>
+              <a:t>data</a:t>
+            </a:r>
+            <a:endParaRPr lang="en-IN" sz="2400" baseline="-25000" dirty="0"/>
+          </a:p>
+        </p:txBody>
+      </p:sp>
+    </p:spTree>
+    <p:extLst>
+      <p:ext uri="{BB962C8B-B14F-4D97-AF65-F5344CB8AC3E}">
+        <p14:creationId xmlns:p14="http://schemas.microsoft.com/office/powerpoint/2010/main" val="1331303747"/>
+      </p:ext>
+    </p:extLst>
+  </p:cSld>
+  <p:clrMapOvr>
+    <a:masterClrMapping/>
+  </p:clrMapOvr>
+</p:sld>
+</file>
+
+<file path=ppt/slides/slide12.xml><?xml version="1.0" encoding="utf-8"?>
+<p:sld xmlns:a="http://schemas.openxmlformats.org/drawingml/2006/main" xmlns:r="http://schemas.openxmlformats.org/officeDocument/2006/relationships" xmlns:p="http://schemas.openxmlformats.org/presentationml/2006/main">
+  <p:cSld>
+    <p:spTree>
+      <p:nvGrpSpPr>
+        <p:cNvPr id="1" name=""/>
+        <p:cNvGrpSpPr/>
+        <p:nvPr/>
+      </p:nvGrpSpPr>
+      <p:grpSpPr>
+        <a:xfrm>
+          <a:off x="0" y="0"/>
+          <a:ext cx="0" cy="0"/>
+          <a:chOff x="0" y="0"/>
+          <a:chExt cx="0" cy="0"/>
+        </a:xfrm>
+      </p:grpSpPr>
+      <p:sp>
+        <p:nvSpPr>
+          <p:cNvPr id="2" name="Title 1">
+            <a:extLst>
+              <a:ext uri="{FF2B5EF4-FFF2-40B4-BE49-F238E27FC236}">
+                <a16:creationId xmlns:a16="http://schemas.microsoft.com/office/drawing/2014/main" id="{135480D9-D257-49DD-9401-2255463D440A}"/>
+              </a:ext>
+            </a:extLst>
+          </p:cNvPr>
+          <p:cNvSpPr>
+            <a:spLocks noGrp="1"/>
+          </p:cNvSpPr>
+          <p:nvPr>
+            <p:ph type="title"/>
+          </p:nvPr>
+        </p:nvSpPr>
+        <p:spPr/>
+        <p:txBody>
+          <a:bodyPr/>
+          <a:lstStyle/>
+          <a:p>
+            <a:r>
+              <a:rPr lang="en-IN" dirty="0"/>
+              <a:t>Experiments</a:t>
+            </a:r>
+          </a:p>
+        </p:txBody>
+      </p:sp>
+      <p:pic>
+        <p:nvPicPr>
+          <p:cNvPr id="5" name="Content Placeholder 4">
+            <a:extLst>
+              <a:ext uri="{FF2B5EF4-FFF2-40B4-BE49-F238E27FC236}">
+                <a16:creationId xmlns:a16="http://schemas.microsoft.com/office/drawing/2014/main" id="{EE3E65DE-4458-4898-A79F-68799646032C}"/>
+              </a:ext>
+            </a:extLst>
+          </p:cNvPr>
+          <p:cNvPicPr>
+            <a:picLocks noGrp="1" noChangeAspect="1"/>
+          </p:cNvPicPr>
+          <p:nvPr>
+            <p:ph idx="1"/>
+          </p:nvPr>
+        </p:nvPicPr>
+        <p:blipFill>
+          <a:blip r:embed="rId3"/>
+          <a:stretch>
+            <a:fillRect/>
+          </a:stretch>
+        </p:blipFill>
+        <p:spPr>
+          <a:xfrm>
+            <a:off x="2462784" y="2092960"/>
+            <a:ext cx="6254496" cy="4367705"/>
+          </a:xfrm>
+        </p:spPr>
+      </p:pic>
+    </p:spTree>
+    <p:extLst>
+      <p:ext uri="{BB962C8B-B14F-4D97-AF65-F5344CB8AC3E}">
+        <p14:creationId xmlns:p14="http://schemas.microsoft.com/office/powerpoint/2010/main" val="1535136061"/>
+      </p:ext>
+    </p:extLst>
+  </p:cSld>
+  <p:clrMapOvr>
+    <a:masterClrMapping/>
+  </p:clrMapOvr>
+</p:sld>
+</file>
+
+<file path=ppt/slides/slide13.xml><?xml version="1.0" encoding="utf-8"?>
+<p:sld xmlns:a="http://schemas.openxmlformats.org/drawingml/2006/main" xmlns:r="http://schemas.openxmlformats.org/officeDocument/2006/relationships" xmlns:p="http://schemas.openxmlformats.org/presentationml/2006/main">
+  <p:cSld>
+    <p:spTree>
+      <p:nvGrpSpPr>
+        <p:cNvPr id="1" name=""/>
+        <p:cNvGrpSpPr/>
+        <p:nvPr/>
+      </p:nvGrpSpPr>
+      <p:grpSpPr>
+        <a:xfrm>
+          <a:off x="0" y="0"/>
+          <a:ext cx="0" cy="0"/>
+          <a:chOff x="0" y="0"/>
+          <a:chExt cx="0" cy="0"/>
+        </a:xfrm>
+      </p:grpSpPr>
+      <p:sp>
+        <p:nvSpPr>
+          <p:cNvPr id="2" name="Title 1">
+            <a:extLst>
+              <a:ext uri="{FF2B5EF4-FFF2-40B4-BE49-F238E27FC236}">
                 <a16:creationId xmlns:a16="http://schemas.microsoft.com/office/drawing/2014/main" id="{7FF65659-8B1D-4C9C-86B2-CD14C4A612D5}"/>
               </a:ext>
             </a:extLst>
@@ -36546,7 +39219,7 @@
 </p:sld>
 </file>
 
-<file path=ppt/slides/slide11.xml><?xml version="1.0" encoding="utf-8"?>
+<file path=ppt/slides/slide14.xml><?xml version="1.0" encoding="utf-8"?>
 <p:sld xmlns:a="http://schemas.openxmlformats.org/drawingml/2006/main" xmlns:r="http://schemas.openxmlformats.org/officeDocument/2006/relationships" xmlns:p="http://schemas.openxmlformats.org/presentationml/2006/main">
   <p:cSld>
     <p:bg>
@@ -36947,7 +39620,7 @@
 </p:sld>
 </file>
 
-<file path=ppt/slides/slide12.xml><?xml version="1.0" encoding="utf-8"?>
+<file path=ppt/slides/slide15.xml><?xml version="1.0" encoding="utf-8"?>
 <p:sld xmlns:a="http://schemas.openxmlformats.org/drawingml/2006/main" xmlns:r="http://schemas.openxmlformats.org/officeDocument/2006/relationships" xmlns:p="http://schemas.openxmlformats.org/presentationml/2006/main">
   <p:cSld>
     <p:bg>
@@ -37348,7 +40021,7 @@
 </p:sld>
 </file>
 
-<file path=ppt/slides/slide13.xml><?xml version="1.0" encoding="utf-8"?>
+<file path=ppt/slides/slide16.xml><?xml version="1.0" encoding="utf-8"?>
 <p:sld xmlns:a="http://schemas.openxmlformats.org/drawingml/2006/main" xmlns:r="http://schemas.openxmlformats.org/officeDocument/2006/relationships" xmlns:p="http://schemas.openxmlformats.org/presentationml/2006/main">
   <p:cSld>
     <p:spTree>
@@ -37449,7 +40122,7 @@
 </p:sld>
 </file>
 
-<file path=ppt/slides/slide14.xml><?xml version="1.0" encoding="utf-8"?>
+<file path=ppt/slides/slide17.xml><?xml version="1.0" encoding="utf-8"?>
 <p:sld xmlns:a="http://schemas.openxmlformats.org/drawingml/2006/main" xmlns:r="http://schemas.openxmlformats.org/officeDocument/2006/relationships" xmlns:p="http://schemas.openxmlformats.org/presentationml/2006/main">
   <p:cSld>
     <p:spTree>
@@ -37538,7 +40211,7 @@
 </p:sld>
 </file>
 
-<file path=ppt/slides/slide15.xml><?xml version="1.0" encoding="utf-8"?>
+<file path=ppt/slides/slide18.xml><?xml version="1.0" encoding="utf-8"?>
 <p:sld xmlns:a="http://schemas.openxmlformats.org/drawingml/2006/main" xmlns:r="http://schemas.openxmlformats.org/officeDocument/2006/relationships" xmlns:p="http://schemas.openxmlformats.org/presentationml/2006/main">
   <p:cSld>
     <p:spTree>
@@ -41015,44 +43688,37 @@
           </a:prstGeom>
         </p:spPr>
       </p:pic>
-      <p:sp>
-        <p:nvSpPr>
-          <p:cNvPr id="3" name="Content Placeholder 2">
+      <p:graphicFrame>
+        <p:nvGraphicFramePr>
+          <p:cNvPr id="4" name="Content Placeholder 3">
             <a:extLst>
               <a:ext uri="{FF2B5EF4-FFF2-40B4-BE49-F238E27FC236}">
-                <a16:creationId xmlns:a16="http://schemas.microsoft.com/office/drawing/2014/main" id="{2947BA0A-3538-40BB-95D5-0937B0F3E75C}"/>
+                <a16:creationId xmlns:a16="http://schemas.microsoft.com/office/drawing/2014/main" id="{44B7C1B8-860E-44F8-97A5-DB9FD5E1483F}"/>
               </a:ext>
             </a:extLst>
           </p:cNvPr>
-          <p:cNvSpPr>
-            <a:spLocks noGrp="1"/>
-          </p:cNvSpPr>
+          <p:cNvGraphicFramePr>
+            <a:graphicFrameLocks noGrp="1"/>
+          </p:cNvGraphicFramePr>
           <p:nvPr>
             <p:ph idx="1"/>
+            <p:extLst>
+              <p:ext uri="{D42A27DB-BD31-4B8C-83A1-F6EECF244321}">
+                <p14:modId xmlns:p14="http://schemas.microsoft.com/office/powerpoint/2010/main" val="4169934621"/>
+              </p:ext>
+            </p:extLst>
           </p:nvPr>
-        </p:nvSpPr>
-        <p:spPr>
-          <a:xfrm>
-            <a:off x="680321" y="2336873"/>
-            <a:ext cx="3656289" cy="3599316"/>
-          </a:xfrm>
-        </p:spPr>
-        <p:txBody>
-          <a:bodyPr>
-            <a:normAutofit/>
-          </a:bodyPr>
-          <a:lstStyle/>
-          <a:p>
-            <a:r>
-              <a:rPr lang="en-IN" sz="1400"/>
-              <a:t>Estimating this ratio using supervised learning is the key approximation mechanism used by GANs</a:t>
-            </a:r>
-          </a:p>
-          <a:p>
-            <a:endParaRPr lang="en-IN" sz="1400"/>
-          </a:p>
-        </p:txBody>
-      </p:sp>
+        </p:nvGraphicFramePr>
+        <p:xfrm>
+          <a:off x="195072" y="2336873"/>
+          <a:ext cx="4141539" cy="3295831"/>
+        </p:xfrm>
+        <a:graphic>
+          <a:graphicData uri="http://schemas.openxmlformats.org/drawingml/2006/diagram">
+            <dgm:relIds xmlns:dgm="http://schemas.openxmlformats.org/drawingml/2006/diagram" xmlns:r="http://schemas.openxmlformats.org/officeDocument/2006/relationships" r:dm="rId4" r:lo="rId5" r:qs="rId6" r:cs="rId7"/>
+          </a:graphicData>
+        </a:graphic>
+      </p:graphicFrame>
       <p:pic>
         <p:nvPicPr>
           <p:cNvPr id="196" name="Picture 195">
@@ -41068,7 +43734,7 @@
           <p:nvPr/>
         </p:nvPicPr>
         <p:blipFill>
-          <a:blip r:embed="rId4"/>
+          <a:blip r:embed="rId9"/>
           <a:stretch>
             <a:fillRect/>
           </a:stretch>
@@ -41128,7 +43794,7 @@
           <p:cNvPr id="2" name="Title 1">
             <a:extLst>
               <a:ext uri="{FF2B5EF4-FFF2-40B4-BE49-F238E27FC236}">
-                <a16:creationId xmlns:a16="http://schemas.microsoft.com/office/drawing/2014/main" id="{135480D9-D257-49DD-9401-2255463D440A}"/>
+                <a16:creationId xmlns:a16="http://schemas.microsoft.com/office/drawing/2014/main" id="{017089D0-DF50-452A-850D-066F5C18FF57}"/>
               </a:ext>
             </a:extLst>
           </p:cNvPr>
@@ -41146,44 +43812,45 @@
           <a:p>
             <a:r>
               <a:rPr lang="en-IN" dirty="0"/>
-              <a:t>Experiments</a:t>
+              <a:t>Algorithm Used</a:t>
             </a:r>
           </a:p>
         </p:txBody>
       </p:sp>
       <p:pic>
         <p:nvPicPr>
-          <p:cNvPr id="5" name="Content Placeholder 4">
+          <p:cNvPr id="5" name="Picture 4">
             <a:extLst>
               <a:ext uri="{FF2B5EF4-FFF2-40B4-BE49-F238E27FC236}">
-                <a16:creationId xmlns:a16="http://schemas.microsoft.com/office/drawing/2014/main" id="{EE3E65DE-4458-4898-A79F-68799646032C}"/>
+                <a16:creationId xmlns:a16="http://schemas.microsoft.com/office/drawing/2014/main" id="{87A9B751-F9CD-4BE9-961F-F5DCF080F986}"/>
               </a:ext>
             </a:extLst>
           </p:cNvPr>
           <p:cNvPicPr>
-            <a:picLocks noGrp="1" noChangeAspect="1"/>
+            <a:picLocks noChangeAspect="1"/>
           </p:cNvPicPr>
-          <p:nvPr>
-            <p:ph idx="1"/>
-          </p:nvPr>
+          <p:nvPr/>
         </p:nvPicPr>
         <p:blipFill>
-          <a:blip r:embed="rId3"/>
+          <a:blip r:embed="rId2"/>
           <a:stretch>
             <a:fillRect/>
           </a:stretch>
         </p:blipFill>
         <p:spPr>
           <a:xfrm>
-            <a:off x="2462784" y="2092960"/>
-            <a:ext cx="6254496" cy="4367705"/>
+            <a:off x="1572633" y="2084832"/>
+            <a:ext cx="8379396" cy="4645152"/>
           </a:xfrm>
+          <a:prstGeom prst="rect">
+            <a:avLst/>
+          </a:prstGeom>
         </p:spPr>
       </p:pic>
     </p:spTree>
     <p:extLst>
       <p:ext uri="{BB962C8B-B14F-4D97-AF65-F5344CB8AC3E}">
-        <p14:creationId xmlns:p14="http://schemas.microsoft.com/office/powerpoint/2010/main" val="1535136061"/>
+        <p14:creationId xmlns:p14="http://schemas.microsoft.com/office/powerpoint/2010/main" val="768728977"/>
       </p:ext>
     </p:extLst>
   </p:cSld>

--- a/GANs_Presentation.pptx
+++ b/GANs_Presentation.pptx
@@ -5,7 +5,7 @@
     <p:sldMasterId id="2147483660" r:id="rId1"/>
   </p:sldMasterIdLst>
   <p:notesMasterIdLst>
-    <p:notesMasterId r:id="rId20"/>
+    <p:notesMasterId r:id="rId22"/>
   </p:notesMasterIdLst>
   <p:sldIdLst>
     <p:sldId id="257" r:id="rId2"/>
@@ -15,17 +15,19 @@
     <p:sldId id="260" r:id="rId6"/>
     <p:sldId id="261" r:id="rId7"/>
     <p:sldId id="267" r:id="rId8"/>
-    <p:sldId id="262" r:id="rId9"/>
-    <p:sldId id="276" r:id="rId10"/>
-    <p:sldId id="277" r:id="rId11"/>
-    <p:sldId id="278" r:id="rId12"/>
-    <p:sldId id="271" r:id="rId13"/>
-    <p:sldId id="274" r:id="rId14"/>
-    <p:sldId id="263" r:id="rId15"/>
-    <p:sldId id="270" r:id="rId16"/>
-    <p:sldId id="272" r:id="rId17"/>
-    <p:sldId id="275" r:id="rId18"/>
-    <p:sldId id="266" r:id="rId19"/>
+    <p:sldId id="279" r:id="rId9"/>
+    <p:sldId id="273" r:id="rId10"/>
+    <p:sldId id="262" r:id="rId11"/>
+    <p:sldId id="276" r:id="rId12"/>
+    <p:sldId id="277" r:id="rId13"/>
+    <p:sldId id="278" r:id="rId14"/>
+    <p:sldId id="271" r:id="rId15"/>
+    <p:sldId id="274" r:id="rId16"/>
+    <p:sldId id="263" r:id="rId17"/>
+    <p:sldId id="270" r:id="rId18"/>
+    <p:sldId id="272" r:id="rId19"/>
+    <p:sldId id="275" r:id="rId20"/>
+    <p:sldId id="266" r:id="rId21"/>
   </p:sldIdLst>
   <p:sldSz cx="12192000" cy="6858000"/>
   <p:notesSz cx="6858000" cy="9144000"/>
@@ -140,6 +142,8 @@
           <p14:sldIdLst>
             <p14:sldId id="261"/>
             <p14:sldId id="267"/>
+            <p14:sldId id="279"/>
+            <p14:sldId id="273"/>
             <p14:sldId id="262"/>
             <p14:sldId id="276"/>
             <p14:sldId id="277"/>
@@ -10745,7 +10749,7 @@
         </a:p>
       </dgm:t>
     </dgm:pt>
-    <dgm:pt modelId="{23765600-78E0-4A2D-88D8-4E37025DDFC2}" type="pres">
+    <dgm:pt modelId="{2743AFA7-6292-485B-AFEF-7033C360CB03}" type="pres">
       <dgm:prSet presAssocID="{D5F554BD-0EFE-42CA-BB79-D59C6807457C}" presName="linear" presStyleCnt="0">
         <dgm:presLayoutVars>
           <dgm:animLvl val="lvl"/>
@@ -10754,8 +10758,8 @@
       </dgm:prSet>
       <dgm:spPr/>
     </dgm:pt>
-    <dgm:pt modelId="{574D4300-07AB-4DE8-885C-3CCFF069A14D}" type="pres">
-      <dgm:prSet presAssocID="{03CBC41F-86FE-4F47-856A-50267FDF7A49}" presName="parentText" presStyleLbl="node1" presStyleIdx="0" presStyleCnt="1" custScaleY="32115">
+    <dgm:pt modelId="{B2F2B82A-19E3-472B-90D8-96FB8668EECB}" type="pres">
+      <dgm:prSet presAssocID="{03CBC41F-86FE-4F47-856A-50267FDF7A49}" presName="parentText" presStyleLbl="node1" presStyleIdx="0" presStyleCnt="1">
         <dgm:presLayoutVars>
           <dgm:chMax val="0"/>
           <dgm:bulletEnabled val="1"/>
@@ -10765,16 +10769,16 @@
     </dgm:pt>
   </dgm:ptLst>
   <dgm:cxnLst>
+    <dgm:cxn modelId="{C5657318-A445-4554-AD6E-B606C05BB3F5}" type="presOf" srcId="{03CBC41F-86FE-4F47-856A-50267FDF7A49}" destId="{B2F2B82A-19E3-472B-90D8-96FB8668EECB}" srcOrd="0" destOrd="0" presId="urn:microsoft.com/office/officeart/2005/8/layout/vList2"/>
     <dgm:cxn modelId="{2BD3CB4A-5D2F-426E-8A36-5C098832C76A}" srcId="{D5F554BD-0EFE-42CA-BB79-D59C6807457C}" destId="{03CBC41F-86FE-4F47-856A-50267FDF7A49}" srcOrd="0" destOrd="0" parTransId="{9F878A9E-5497-4FBC-AFB0-56128FED541C}" sibTransId="{FB775E8F-FF6F-4004-95FC-17628252CE7A}"/>
-    <dgm:cxn modelId="{8969DF55-4A31-4FA1-9451-F1C8B18BF524}" type="presOf" srcId="{D5F554BD-0EFE-42CA-BB79-D59C6807457C}" destId="{23765600-78E0-4A2D-88D8-4E37025DDFC2}" srcOrd="0" destOrd="0" presId="urn:microsoft.com/office/officeart/2005/8/layout/vList2"/>
-    <dgm:cxn modelId="{9B599FD0-4D61-4FCE-A101-8D18478B3342}" type="presOf" srcId="{03CBC41F-86FE-4F47-856A-50267FDF7A49}" destId="{574D4300-07AB-4DE8-885C-3CCFF069A14D}" srcOrd="0" destOrd="0" presId="urn:microsoft.com/office/officeart/2005/8/layout/vList2"/>
-    <dgm:cxn modelId="{F1E24947-1E45-4713-8B71-FAE2F34FF4FB}" type="presParOf" srcId="{23765600-78E0-4A2D-88D8-4E37025DDFC2}" destId="{574D4300-07AB-4DE8-885C-3CCFF069A14D}" srcOrd="0" destOrd="0" presId="urn:microsoft.com/office/officeart/2005/8/layout/vList2"/>
+    <dgm:cxn modelId="{10DD84B2-9473-4F1E-8C3D-F5982E869389}" type="presOf" srcId="{D5F554BD-0EFE-42CA-BB79-D59C6807457C}" destId="{2743AFA7-6292-485B-AFEF-7033C360CB03}" srcOrd="0" destOrd="0" presId="urn:microsoft.com/office/officeart/2005/8/layout/vList2"/>
+    <dgm:cxn modelId="{042A39C4-003F-44D9-BA2D-CE801FB5DE27}" type="presParOf" srcId="{2743AFA7-6292-485B-AFEF-7033C360CB03}" destId="{B2F2B82A-19E3-472B-90D8-96FB8668EECB}" srcOrd="0" destOrd="0" presId="urn:microsoft.com/office/officeart/2005/8/layout/vList2"/>
   </dgm:cxnLst>
   <dgm:bg/>
   <dgm:whole/>
   <dgm:extLst>
     <a:ext uri="http://schemas.microsoft.com/office/drawing/2008/diagram">
-      <dsp:dataModelExt xmlns:dsp="http://schemas.microsoft.com/office/drawing/2008/diagram" relId="rId8" minVer="http://schemas.openxmlformats.org/drawingml/2006/diagram"/>
+      <dsp:dataModelExt xmlns:dsp="http://schemas.microsoft.com/office/drawing/2008/diagram" relId="rId9" minVer="http://schemas.openxmlformats.org/drawingml/2006/diagram"/>
     </a:ext>
   </dgm:extLst>
 </dgm:dataModel>
@@ -14592,15 +14596,15 @@
       <dsp:cNvGrpSpPr/>
     </dsp:nvGrpSpPr>
     <dsp:grpSpPr/>
-    <dsp:sp modelId="{574D4300-07AB-4DE8-885C-3CCFF069A14D}">
+    <dsp:sp modelId="{B2F2B82A-19E3-472B-90D8-96FB8668EECB}">
       <dsp:nvSpPr>
         <dsp:cNvPr id="0" name=""/>
         <dsp:cNvSpPr/>
       </dsp:nvSpPr>
       <dsp:spPr>
         <a:xfrm>
-          <a:off x="0" y="738987"/>
-          <a:ext cx="4141539" cy="1817856"/>
+          <a:off x="0" y="171017"/>
+          <a:ext cx="3656289" cy="3257280"/>
         </a:xfrm>
         <a:prstGeom prst="roundRect">
           <a:avLst/>
@@ -14641,12 +14645,12 @@
         </a:fontRef>
       </dsp:style>
       <dsp:txBody>
-        <a:bodyPr spcFirstLastPara="0" vert="horz" wrap="square" lIns="99060" tIns="99060" rIns="99060" bIns="99060" numCol="1" spcCol="1270" anchor="ctr" anchorCtr="0">
+        <a:bodyPr spcFirstLastPara="0" vert="horz" wrap="square" lIns="110490" tIns="110490" rIns="110490" bIns="110490" numCol="1" spcCol="1270" anchor="ctr" anchorCtr="0">
           <a:noAutofit/>
         </a:bodyPr>
         <a:lstStyle/>
         <a:p>
-          <a:pPr marL="0" lvl="0" indent="0" algn="l" defTabSz="1155700">
+          <a:pPr marL="0" lvl="0" indent="0" algn="l" defTabSz="1289050">
             <a:lnSpc>
               <a:spcPct val="90000"/>
             </a:lnSpc>
@@ -14659,14 +14663,14 @@
             <a:buNone/>
           </a:pPr>
           <a:r>
-            <a:rPr lang="en-IN" sz="2600" kern="1200" dirty="0"/>
+            <a:rPr lang="en-IN" sz="2900" kern="1200" dirty="0"/>
             <a:t>Estimating this ratio using supervised learning is the key approximation mechanism used by GANs</a:t>
           </a:r>
         </a:p>
       </dsp:txBody>
       <dsp:txXfrm>
-        <a:off x="88740" y="827727"/>
-        <a:ext cx="3964059" cy="1640376"/>
+        <a:off x="159007" y="330024"/>
+        <a:ext cx="3338275" cy="2939266"/>
       </dsp:txXfrm>
     </dsp:sp>
   </dsp:spTree>
@@ -29375,7 +29379,7 @@
           <a:p>
             <a:fld id="{A914F299-9927-4EE6-A360-E92782AD9637}" type="slidenum">
               <a:rPr lang="en-IN" smtClean="0"/>
-              <a:t>14</a:t>
+              <a:t>16</a:t>
             </a:fld>
             <a:endParaRPr lang="en-IN"/>
           </a:p>
@@ -29516,7 +29520,7 @@
           <a:p>
             <a:fld id="{A914F299-9927-4EE6-A360-E92782AD9637}" type="slidenum">
               <a:rPr lang="en-IN" smtClean="0"/>
-              <a:t>15</a:t>
+              <a:t>17</a:t>
             </a:fld>
             <a:endParaRPr lang="en-IN"/>
           </a:p>
@@ -29623,7 +29627,7 @@
           <a:p>
             <a:fld id="{A914F299-9927-4EE6-A360-E92782AD9637}" type="slidenum">
               <a:rPr lang="en-IN" smtClean="0"/>
-              <a:t>16</a:t>
+              <a:t>18</a:t>
             </a:fld>
             <a:endParaRPr lang="en-IN"/>
           </a:p>
@@ -29710,7 +29714,7 @@
           <a:p>
             <a:fld id="{A914F299-9927-4EE6-A360-E92782AD9637}" type="slidenum">
               <a:rPr lang="en-IN" smtClean="0"/>
-              <a:t>17</a:t>
+              <a:t>19</a:t>
             </a:fld>
             <a:endParaRPr lang="en-IN"/>
           </a:p>
@@ -30286,7 +30290,7 @@
           <a:p>
             <a:fld id="{A914F299-9927-4EE6-A360-E92782AD9637}" type="slidenum">
               <a:rPr lang="en-IN" smtClean="0"/>
-              <a:t>11</a:t>
+              <a:t>13</a:t>
             </a:fld>
             <a:endParaRPr lang="en-IN"/>
           </a:p>
@@ -30403,7 +30407,7 @@
           <a:p>
             <a:fld id="{A914F299-9927-4EE6-A360-E92782AD9637}" type="slidenum">
               <a:rPr lang="en-IN" smtClean="0"/>
-              <a:t>12</a:t>
+              <a:t>14</a:t>
             </a:fld>
             <a:endParaRPr lang="en-IN"/>
           </a:p>
@@ -30534,7 +30538,7 @@
           <a:p>
             <a:fld id="{A914F299-9927-4EE6-A360-E92782AD9637}" type="slidenum">
               <a:rPr lang="en-IN" smtClean="0"/>
-              <a:t>13</a:t>
+              <a:t>15</a:t>
             </a:fld>
             <a:endParaRPr lang="en-IN"/>
           </a:p>
@@ -38647,6 +38651,534 @@
 <file path=ppt/slides/slide10.xml><?xml version="1.0" encoding="utf-8"?>
 <p:sld xmlns:a="http://schemas.openxmlformats.org/drawingml/2006/main" xmlns:r="http://schemas.openxmlformats.org/officeDocument/2006/relationships" xmlns:p="http://schemas.openxmlformats.org/presentationml/2006/main">
   <p:cSld>
+    <p:bg>
+      <p:bgPr>
+        <a:gradFill rotWithShape="1">
+          <a:gsLst>
+            <a:gs pos="0">
+              <a:schemeClr val="bg2">
+                <a:tint val="96000"/>
+                <a:shade val="100000"/>
+                <a:hueMod val="270000"/>
+                <a:satMod val="200000"/>
+                <a:lumMod val="128000"/>
+              </a:schemeClr>
+            </a:gs>
+            <a:gs pos="50000">
+              <a:schemeClr val="bg2">
+                <a:shade val="100000"/>
+                <a:hueMod val="100000"/>
+                <a:satMod val="110000"/>
+                <a:lumMod val="130000"/>
+              </a:schemeClr>
+            </a:gs>
+            <a:gs pos="100000">
+              <a:schemeClr val="bg2">
+                <a:shade val="78000"/>
+                <a:hueMod val="44000"/>
+                <a:satMod val="200000"/>
+                <a:lumMod val="69000"/>
+              </a:schemeClr>
+            </a:gs>
+          </a:gsLst>
+          <a:lin ang="2520000" scaled="0"/>
+        </a:gradFill>
+        <a:effectLst/>
+      </p:bgPr>
+    </p:bg>
+    <p:spTree>
+      <p:nvGrpSpPr>
+        <p:cNvPr id="1" name=""/>
+        <p:cNvGrpSpPr/>
+        <p:nvPr/>
+      </p:nvGrpSpPr>
+      <p:grpSpPr>
+        <a:xfrm>
+          <a:off x="0" y="0"/>
+          <a:ext cx="0" cy="0"/>
+          <a:chOff x="0" y="0"/>
+          <a:chExt cx="0" cy="0"/>
+        </a:xfrm>
+      </p:grpSpPr>
+      <p:sp useBgFill="1">
+        <p:nvSpPr>
+          <p:cNvPr id="73" name="Rectangle 72">
+            <a:extLst>
+              <a:ext uri="{FF2B5EF4-FFF2-40B4-BE49-F238E27FC236}">
+                <a16:creationId xmlns:a16="http://schemas.microsoft.com/office/drawing/2014/main" id="{F4979F40-3A44-4CCB-9EB7-F8318BCE576B}"/>
+              </a:ext>
+              <a:ext uri="{C183D7F6-B498-43B3-948B-1728B52AA6E4}">
+                <adec:decorative xmlns:adec="http://schemas.microsoft.com/office/drawing/2017/decorative" val="1"/>
+              </a:ext>
+            </a:extLst>
+          </p:cNvPr>
+          <p:cNvSpPr>
+            <a:spLocks noGrp="1" noRot="1" noChangeAspect="1" noMove="1" noResize="1" noEditPoints="1" noAdjustHandles="1" noChangeArrowheads="1" noChangeShapeType="1" noTextEdit="1"/>
+          </p:cNvSpPr>
+          <p:nvPr>
+            <p:extLst>
+              <p:ext uri="{386F3935-93C4-4BCD-93E2-E3B085C9AB24}">
+                <p16:designElem xmlns:p16="http://schemas.microsoft.com/office/powerpoint/2015/main" val="1"/>
+              </p:ext>
+            </p:extLst>
+          </p:nvPr>
+        </p:nvSpPr>
+        <p:spPr>
+          <a:xfrm>
+            <a:off x="0" y="-1"/>
+            <a:ext cx="12188824" cy="6858001"/>
+          </a:xfrm>
+          <a:prstGeom prst="rect">
+            <a:avLst/>
+          </a:prstGeom>
+          <a:ln>
+            <a:noFill/>
+          </a:ln>
+        </p:spPr>
+        <p:style>
+          <a:lnRef idx="2">
+            <a:schemeClr val="accent1">
+              <a:shade val="50000"/>
+            </a:schemeClr>
+          </a:lnRef>
+          <a:fillRef idx="1">
+            <a:schemeClr val="accent1"/>
+          </a:fillRef>
+          <a:effectRef idx="0">
+            <a:schemeClr val="accent1"/>
+          </a:effectRef>
+          <a:fontRef idx="minor">
+            <a:schemeClr val="lt1"/>
+          </a:fontRef>
+        </p:style>
+        <p:txBody>
+          <a:bodyPr rtlCol="0" anchor="ctr"/>
+          <a:lstStyle/>
+          <a:p>
+            <a:pPr algn="ctr"/>
+            <a:endParaRPr lang="en-US"/>
+          </a:p>
+        </p:txBody>
+      </p:sp>
+      <p:pic>
+        <p:nvPicPr>
+          <p:cNvPr id="75" name="Picture 74">
+            <a:extLst>
+              <a:ext uri="{FF2B5EF4-FFF2-40B4-BE49-F238E27FC236}">
+                <a16:creationId xmlns:a16="http://schemas.microsoft.com/office/drawing/2014/main" id="{15291D39-6B03-4BB5-BFC6-CBF11E90BFD6}"/>
+              </a:ext>
+              <a:ext uri="{C183D7F6-B498-43B3-948B-1728B52AA6E4}">
+                <adec:decorative xmlns:adec="http://schemas.microsoft.com/office/drawing/2017/decorative" val="1"/>
+              </a:ext>
+            </a:extLst>
+          </p:cNvPr>
+          <p:cNvPicPr>
+            <a:picLocks noGrp="1" noRot="1" noChangeAspect="1" noMove="1" noResize="1" noEditPoints="1" noAdjustHandles="1" noChangeArrowheads="1" noChangeShapeType="1" noCrop="1"/>
+          </p:cNvPicPr>
+          <p:nvPr>
+            <p:extLst>
+              <p:ext uri="{386F3935-93C4-4BCD-93E2-E3B085C9AB24}">
+                <p16:designElem xmlns:p16="http://schemas.microsoft.com/office/powerpoint/2015/main" val="1"/>
+              </p:ext>
+            </p:extLst>
+          </p:nvPr>
+        </p:nvPicPr>
+        <p:blipFill>
+          <a:blip r:embed="rId2">
+            <a:alphaModFix amt="10000"/>
+            <a:extLst>
+              <a:ext uri="{28A0092B-C50C-407E-A947-70E740481C1C}">
+                <a14:useLocalDpi xmlns:a14="http://schemas.microsoft.com/office/drawing/2010/main" val="0"/>
+              </a:ext>
+            </a:extLst>
+          </a:blip>
+          <a:stretch>
+            <a:fillRect/>
+          </a:stretch>
+        </p:blipFill>
+        <p:spPr>
+          <a:xfrm>
+            <a:off x="-3176" y="0"/>
+            <a:ext cx="12192000" cy="6858000"/>
+          </a:xfrm>
+          <a:prstGeom prst="rect">
+            <a:avLst/>
+          </a:prstGeom>
+        </p:spPr>
+      </p:pic>
+      <p:sp>
+        <p:nvSpPr>
+          <p:cNvPr id="77" name="Rectangle 76">
+            <a:extLst>
+              <a:ext uri="{FF2B5EF4-FFF2-40B4-BE49-F238E27FC236}">
+                <a16:creationId xmlns:a16="http://schemas.microsoft.com/office/drawing/2014/main" id="{AFD071FA-0514-4371-9568-86216A1F4658}"/>
+              </a:ext>
+              <a:ext uri="{C183D7F6-B498-43B3-948B-1728B52AA6E4}">
+                <adec:decorative xmlns:adec="http://schemas.microsoft.com/office/drawing/2017/decorative" val="1"/>
+              </a:ext>
+            </a:extLst>
+          </p:cNvPr>
+          <p:cNvSpPr>
+            <a:spLocks noGrp="1" noRot="1" noChangeAspect="1" noMove="1" noResize="1" noEditPoints="1" noAdjustHandles="1" noChangeArrowheads="1" noChangeShapeType="1" noTextEdit="1"/>
+          </p:cNvSpPr>
+          <p:nvPr>
+            <p:extLst>
+              <p:ext uri="{386F3935-93C4-4BCD-93E2-E3B085C9AB24}">
+                <p16:designElem xmlns:p16="http://schemas.microsoft.com/office/powerpoint/2015/main" val="1"/>
+              </p:ext>
+            </p:extLst>
+          </p:nvPr>
+        </p:nvSpPr>
+        <p:spPr>
+          <a:xfrm>
+            <a:off x="4639056" y="0"/>
+            <a:ext cx="7552944" cy="6858001"/>
+          </a:xfrm>
+          <a:prstGeom prst="rect">
+            <a:avLst/>
+          </a:prstGeom>
+          <a:ln>
+            <a:noFill/>
+          </a:ln>
+        </p:spPr>
+        <p:style>
+          <a:lnRef idx="2">
+            <a:schemeClr val="accent1">
+              <a:shade val="50000"/>
+            </a:schemeClr>
+          </a:lnRef>
+          <a:fillRef idx="1">
+            <a:schemeClr val="accent1"/>
+          </a:fillRef>
+          <a:effectRef idx="0">
+            <a:schemeClr val="accent1"/>
+          </a:effectRef>
+          <a:fontRef idx="minor">
+            <a:schemeClr val="lt1"/>
+          </a:fontRef>
+        </p:style>
+        <p:txBody>
+          <a:bodyPr rtlCol="0" anchor="ctr"/>
+          <a:lstStyle/>
+          <a:p>
+            <a:pPr algn="ctr"/>
+            <a:endParaRPr lang="en-US"/>
+          </a:p>
+        </p:txBody>
+      </p:sp>
+      <p:sp>
+        <p:nvSpPr>
+          <p:cNvPr id="79" name="Rectangle 78">
+            <a:extLst>
+              <a:ext uri="{FF2B5EF4-FFF2-40B4-BE49-F238E27FC236}">
+                <a16:creationId xmlns:a16="http://schemas.microsoft.com/office/drawing/2014/main" id="{5211DDA4-E7B5-4325-A844-B7F59B084BA7}"/>
+              </a:ext>
+              <a:ext uri="{C183D7F6-B498-43B3-948B-1728B52AA6E4}">
+                <adec:decorative xmlns:adec="http://schemas.microsoft.com/office/drawing/2017/decorative" val="1"/>
+              </a:ext>
+            </a:extLst>
+          </p:cNvPr>
+          <p:cNvSpPr>
+            <a:spLocks noGrp="1" noRot="1" noChangeAspect="1" noMove="1" noResize="1" noEditPoints="1" noAdjustHandles="1" noChangeArrowheads="1" noChangeShapeType="1" noTextEdit="1"/>
+          </p:cNvSpPr>
+          <p:nvPr>
+            <p:extLst>
+              <p:ext uri="{386F3935-93C4-4BCD-93E2-E3B085C9AB24}">
+                <p16:designElem xmlns:p16="http://schemas.microsoft.com/office/powerpoint/2015/main" val="1"/>
+              </p:ext>
+            </p:extLst>
+          </p:nvPr>
+        </p:nvSpPr>
+        <p:spPr bwMode="grayWhite">
+          <a:xfrm>
+            <a:off x="2" y="609600"/>
+            <a:ext cx="4959094" cy="1368198"/>
+          </a:xfrm>
+          <a:prstGeom prst="rect">
+            <a:avLst/>
+          </a:prstGeom>
+          <a:solidFill>
+            <a:schemeClr val="bg1">
+              <a:lumMod val="85000"/>
+              <a:lumOff val="15000"/>
+            </a:schemeClr>
+          </a:solidFill>
+          <a:ln>
+            <a:noFill/>
+          </a:ln>
+        </p:spPr>
+        <p:style>
+          <a:lnRef idx="2">
+            <a:schemeClr val="accent1">
+              <a:shade val="50000"/>
+            </a:schemeClr>
+          </a:lnRef>
+          <a:fillRef idx="1">
+            <a:schemeClr val="accent1"/>
+          </a:fillRef>
+          <a:effectRef idx="0">
+            <a:schemeClr val="accent1"/>
+          </a:effectRef>
+          <a:fontRef idx="minor">
+            <a:schemeClr val="lt1"/>
+          </a:fontRef>
+        </p:style>
+      </p:sp>
+      <p:sp>
+        <p:nvSpPr>
+          <p:cNvPr id="2" name="Title 1">
+            <a:extLst>
+              <a:ext uri="{FF2B5EF4-FFF2-40B4-BE49-F238E27FC236}">
+                <a16:creationId xmlns:a16="http://schemas.microsoft.com/office/drawing/2014/main" id="{DAB97BFB-078A-4095-B016-B65F91CDF582}"/>
+              </a:ext>
+            </a:extLst>
+          </p:cNvPr>
+          <p:cNvSpPr>
+            <a:spLocks noGrp="1"/>
+          </p:cNvSpPr>
+          <p:nvPr>
+            <p:ph type="title"/>
+          </p:nvPr>
+        </p:nvSpPr>
+        <p:spPr>
+          <a:xfrm>
+            <a:off x="680321" y="753228"/>
+            <a:ext cx="4136123" cy="1080938"/>
+          </a:xfrm>
+        </p:spPr>
+        <p:txBody>
+          <a:bodyPr>
+            <a:normAutofit/>
+          </a:bodyPr>
+          <a:lstStyle/>
+          <a:p>
+            <a:r>
+              <a:rPr lang="en-IN" sz="2400"/>
+              <a:t>Discriminator Strategy</a:t>
+            </a:r>
+          </a:p>
+        </p:txBody>
+      </p:sp>
+      <p:pic>
+        <p:nvPicPr>
+          <p:cNvPr id="81" name="Picture 80">
+            <a:extLst>
+              <a:ext uri="{FF2B5EF4-FFF2-40B4-BE49-F238E27FC236}">
+                <a16:creationId xmlns:a16="http://schemas.microsoft.com/office/drawing/2014/main" id="{0D58E222-6309-4F79-AC20-9D3C69CD9B16}"/>
+              </a:ext>
+              <a:ext uri="{C183D7F6-B498-43B3-948B-1728B52AA6E4}">
+                <adec:decorative xmlns:adec="http://schemas.microsoft.com/office/drawing/2017/decorative" val="1"/>
+              </a:ext>
+            </a:extLst>
+          </p:cNvPr>
+          <p:cNvPicPr>
+            <a:picLocks noGrp="1" noRot="1" noChangeAspect="1" noMove="1" noResize="1" noEditPoints="1" noAdjustHandles="1" noChangeArrowheads="1" noChangeShapeType="1" noCrop="1"/>
+          </p:cNvPicPr>
+          <p:nvPr>
+            <p:extLst>
+              <p:ext uri="{386F3935-93C4-4BCD-93E2-E3B085C9AB24}">
+                <p16:designElem xmlns:p16="http://schemas.microsoft.com/office/powerpoint/2015/main" val="1"/>
+              </p:ext>
+            </p:extLst>
+          </p:nvPr>
+        </p:nvPicPr>
+        <p:blipFill>
+          <a:blip r:embed="rId3">
+            <a:extLst>
+              <a:ext uri="{28A0092B-C50C-407E-A947-70E740481C1C}">
+                <a14:useLocalDpi xmlns:a14="http://schemas.microsoft.com/office/drawing/2010/main" val="0"/>
+              </a:ext>
+            </a:extLst>
+          </a:blip>
+          <a:stretch>
+            <a:fillRect/>
+          </a:stretch>
+        </p:blipFill>
+        <p:spPr>
+          <a:xfrm>
+            <a:off x="2" y="1970241"/>
+            <a:ext cx="4956048" cy="199787"/>
+          </a:xfrm>
+          <a:prstGeom prst="rect">
+            <a:avLst/>
+          </a:prstGeom>
+        </p:spPr>
+      </p:pic>
+      <p:pic>
+        <p:nvPicPr>
+          <p:cNvPr id="196" name="Picture 195" descr="Chart&#10;&#10;Description automatically generated">
+            <a:extLst>
+              <a:ext uri="{FF2B5EF4-FFF2-40B4-BE49-F238E27FC236}">
+                <a16:creationId xmlns:a16="http://schemas.microsoft.com/office/drawing/2014/main" id="{EE154F0E-CE7A-4289-8373-8181DFEC4F02}"/>
+              </a:ext>
+            </a:extLst>
+          </p:cNvPr>
+          <p:cNvPicPr>
+            <a:picLocks noChangeAspect="1"/>
+          </p:cNvPicPr>
+          <p:nvPr/>
+        </p:nvPicPr>
+        <p:blipFill>
+          <a:blip r:embed="rId4"/>
+          <a:stretch>
+            <a:fillRect/>
+          </a:stretch>
+        </p:blipFill>
+        <p:spPr>
+          <a:xfrm>
+            <a:off x="5276090" y="858514"/>
+            <a:ext cx="6269479" cy="5140972"/>
+          </a:xfrm>
+          <a:prstGeom prst="rect">
+            <a:avLst/>
+          </a:prstGeom>
+          <a:ln>
+            <a:noFill/>
+          </a:ln>
+          <a:effectLst>
+            <a:outerShdw blurRad="76200" dist="63500" dir="5040000" algn="tl" rotWithShape="0">
+              <a:srgbClr val="000000">
+                <a:alpha val="41000"/>
+              </a:srgbClr>
+            </a:outerShdw>
+          </a:effectLst>
+        </p:spPr>
+      </p:pic>
+      <p:graphicFrame>
+        <p:nvGraphicFramePr>
+          <p:cNvPr id="4" name="Content Placeholder 3">
+            <a:extLst>
+              <a:ext uri="{FF2B5EF4-FFF2-40B4-BE49-F238E27FC236}">
+                <a16:creationId xmlns:a16="http://schemas.microsoft.com/office/drawing/2014/main" id="{44B7C1B8-860E-44F8-97A5-DB9FD5E1483F}"/>
+              </a:ext>
+            </a:extLst>
+          </p:cNvPr>
+          <p:cNvGraphicFramePr>
+            <a:graphicFrameLocks noGrp="1"/>
+          </p:cNvGraphicFramePr>
+          <p:nvPr>
+            <p:ph idx="1"/>
+            <p:extLst>
+              <p:ext uri="{D42A27DB-BD31-4B8C-83A1-F6EECF244321}">
+                <p14:modId xmlns:p14="http://schemas.microsoft.com/office/powerpoint/2010/main" val="3037128386"/>
+              </p:ext>
+            </p:extLst>
+          </p:nvPr>
+        </p:nvGraphicFramePr>
+        <p:xfrm>
+          <a:off x="646431" y="2378494"/>
+          <a:ext cx="3656289" cy="3599316"/>
+        </p:xfrm>
+        <a:graphic>
+          <a:graphicData uri="http://schemas.openxmlformats.org/drawingml/2006/diagram">
+            <dgm:relIds xmlns:dgm="http://schemas.openxmlformats.org/drawingml/2006/diagram" xmlns:r="http://schemas.openxmlformats.org/officeDocument/2006/relationships" r:dm="rId5" r:lo="rId6" r:qs="rId7" r:cs="rId8"/>
+          </a:graphicData>
+        </a:graphic>
+      </p:graphicFrame>
+    </p:spTree>
+    <p:extLst>
+      <p:ext uri="{BB962C8B-B14F-4D97-AF65-F5344CB8AC3E}">
+        <p14:creationId xmlns:p14="http://schemas.microsoft.com/office/powerpoint/2010/main" val="3163410329"/>
+      </p:ext>
+    </p:extLst>
+  </p:cSld>
+  <p:clrMapOvr>
+    <a:masterClrMapping/>
+  </p:clrMapOvr>
+</p:sld>
+</file>
+
+<file path=ppt/slides/slide11.xml><?xml version="1.0" encoding="utf-8"?>
+<p:sld xmlns:a="http://schemas.openxmlformats.org/drawingml/2006/main" xmlns:r="http://schemas.openxmlformats.org/officeDocument/2006/relationships" xmlns:p="http://schemas.openxmlformats.org/presentationml/2006/main">
+  <p:cSld>
+    <p:spTree>
+      <p:nvGrpSpPr>
+        <p:cNvPr id="1" name=""/>
+        <p:cNvGrpSpPr/>
+        <p:nvPr/>
+      </p:nvGrpSpPr>
+      <p:grpSpPr>
+        <a:xfrm>
+          <a:off x="0" y="0"/>
+          <a:ext cx="0" cy="0"/>
+          <a:chOff x="0" y="0"/>
+          <a:chExt cx="0" cy="0"/>
+        </a:xfrm>
+      </p:grpSpPr>
+      <p:sp>
+        <p:nvSpPr>
+          <p:cNvPr id="2" name="Title 1">
+            <a:extLst>
+              <a:ext uri="{FF2B5EF4-FFF2-40B4-BE49-F238E27FC236}">
+                <a16:creationId xmlns:a16="http://schemas.microsoft.com/office/drawing/2014/main" id="{017089D0-DF50-452A-850D-066F5C18FF57}"/>
+              </a:ext>
+            </a:extLst>
+          </p:cNvPr>
+          <p:cNvSpPr>
+            <a:spLocks noGrp="1"/>
+          </p:cNvSpPr>
+          <p:nvPr>
+            <p:ph type="title"/>
+          </p:nvPr>
+        </p:nvSpPr>
+        <p:spPr/>
+        <p:txBody>
+          <a:bodyPr/>
+          <a:lstStyle/>
+          <a:p>
+            <a:r>
+              <a:rPr lang="en-IN" dirty="0"/>
+              <a:t>Algorithm Used</a:t>
+            </a:r>
+          </a:p>
+        </p:txBody>
+      </p:sp>
+      <p:pic>
+        <p:nvPicPr>
+          <p:cNvPr id="5" name="Picture 4">
+            <a:extLst>
+              <a:ext uri="{FF2B5EF4-FFF2-40B4-BE49-F238E27FC236}">
+                <a16:creationId xmlns:a16="http://schemas.microsoft.com/office/drawing/2014/main" id="{87A9B751-F9CD-4BE9-961F-F5DCF080F986}"/>
+              </a:ext>
+            </a:extLst>
+          </p:cNvPr>
+          <p:cNvPicPr>
+            <a:picLocks noChangeAspect="1"/>
+          </p:cNvPicPr>
+          <p:nvPr/>
+        </p:nvPicPr>
+        <p:blipFill>
+          <a:blip r:embed="rId2"/>
+          <a:stretch>
+            <a:fillRect/>
+          </a:stretch>
+        </p:blipFill>
+        <p:spPr>
+          <a:xfrm>
+            <a:off x="1572633" y="2084832"/>
+            <a:ext cx="8379396" cy="4645152"/>
+          </a:xfrm>
+          <a:prstGeom prst="rect">
+            <a:avLst/>
+          </a:prstGeom>
+        </p:spPr>
+      </p:pic>
+    </p:spTree>
+    <p:extLst>
+      <p:ext uri="{BB962C8B-B14F-4D97-AF65-F5344CB8AC3E}">
+        <p14:creationId xmlns:p14="http://schemas.microsoft.com/office/powerpoint/2010/main" val="768728977"/>
+      </p:ext>
+    </p:extLst>
+  </p:cSld>
+  <p:clrMapOvr>
+    <a:masterClrMapping/>
+  </p:clrMapOvr>
+</p:sld>
+</file>
+
+<file path=ppt/slides/slide12.xml><?xml version="1.0" encoding="utf-8"?>
+<p:sld xmlns:a="http://schemas.openxmlformats.org/drawingml/2006/main" xmlns:r="http://schemas.openxmlformats.org/officeDocument/2006/relationships" xmlns:p="http://schemas.openxmlformats.org/presentationml/2006/main">
+  <p:cSld>
     <p:spTree>
       <p:nvGrpSpPr>
         <p:cNvPr id="1" name=""/>
@@ -38833,7 +39365,7 @@
 </p:sld>
 </file>
 
-<file path=ppt/slides/slide11.xml><?xml version="1.0" encoding="utf-8"?>
+<file path=ppt/slides/slide13.xml><?xml version="1.0" encoding="utf-8"?>
 <p:sld xmlns:a="http://schemas.openxmlformats.org/drawingml/2006/main" xmlns:r="http://schemas.openxmlformats.org/officeDocument/2006/relationships" xmlns:p="http://schemas.openxmlformats.org/presentationml/2006/main">
   <p:cSld>
     <p:spTree>
@@ -39018,7 +39550,7 @@
 </p:sld>
 </file>
 
-<file path=ppt/slides/slide12.xml><?xml version="1.0" encoding="utf-8"?>
+<file path=ppt/slides/slide14.xml><?xml version="1.0" encoding="utf-8"?>
 <p:sld xmlns:a="http://schemas.openxmlformats.org/drawingml/2006/main" xmlns:r="http://schemas.openxmlformats.org/officeDocument/2006/relationships" xmlns:p="http://schemas.openxmlformats.org/presentationml/2006/main">
   <p:cSld>
     <p:spTree>
@@ -39105,7 +39637,7 @@
 </p:sld>
 </file>
 
-<file path=ppt/slides/slide13.xml><?xml version="1.0" encoding="utf-8"?>
+<file path=ppt/slides/slide15.xml><?xml version="1.0" encoding="utf-8"?>
 <p:sld xmlns:a="http://schemas.openxmlformats.org/drawingml/2006/main" xmlns:r="http://schemas.openxmlformats.org/officeDocument/2006/relationships" xmlns:p="http://schemas.openxmlformats.org/presentationml/2006/main">
   <p:cSld>
     <p:spTree>
@@ -39219,7 +39751,7 @@
 </p:sld>
 </file>
 
-<file path=ppt/slides/slide14.xml><?xml version="1.0" encoding="utf-8"?>
+<file path=ppt/slides/slide16.xml><?xml version="1.0" encoding="utf-8"?>
 <p:sld xmlns:a="http://schemas.openxmlformats.org/drawingml/2006/main" xmlns:r="http://schemas.openxmlformats.org/officeDocument/2006/relationships" xmlns:p="http://schemas.openxmlformats.org/presentationml/2006/main">
   <p:cSld>
     <p:bg>
@@ -39620,7 +40152,7 @@
 </p:sld>
 </file>
 
-<file path=ppt/slides/slide15.xml><?xml version="1.0" encoding="utf-8"?>
+<file path=ppt/slides/slide17.xml><?xml version="1.0" encoding="utf-8"?>
 <p:sld xmlns:a="http://schemas.openxmlformats.org/drawingml/2006/main" xmlns:r="http://schemas.openxmlformats.org/officeDocument/2006/relationships" xmlns:p="http://schemas.openxmlformats.org/presentationml/2006/main">
   <p:cSld>
     <p:bg>
@@ -40021,7 +40553,7 @@
 </p:sld>
 </file>
 
-<file path=ppt/slides/slide16.xml><?xml version="1.0" encoding="utf-8"?>
+<file path=ppt/slides/slide18.xml><?xml version="1.0" encoding="utf-8"?>
 <p:sld xmlns:a="http://schemas.openxmlformats.org/drawingml/2006/main" xmlns:r="http://schemas.openxmlformats.org/officeDocument/2006/relationships" xmlns:p="http://schemas.openxmlformats.org/presentationml/2006/main">
   <p:cSld>
     <p:spTree>
@@ -40122,7 +40654,7 @@
 </p:sld>
 </file>
 
-<file path=ppt/slides/slide17.xml><?xml version="1.0" encoding="utf-8"?>
+<file path=ppt/slides/slide19.xml><?xml version="1.0" encoding="utf-8"?>
 <p:sld xmlns:a="http://schemas.openxmlformats.org/drawingml/2006/main" xmlns:r="http://schemas.openxmlformats.org/officeDocument/2006/relationships" xmlns:p="http://schemas.openxmlformats.org/presentationml/2006/main">
   <p:cSld>
     <p:spTree>
@@ -40202,89 +40734,6 @@
     <p:extLst>
       <p:ext uri="{BB962C8B-B14F-4D97-AF65-F5344CB8AC3E}">
         <p14:creationId xmlns:p14="http://schemas.microsoft.com/office/powerpoint/2010/main" val="2407454841"/>
-      </p:ext>
-    </p:extLst>
-  </p:cSld>
-  <p:clrMapOvr>
-    <a:masterClrMapping/>
-  </p:clrMapOvr>
-</p:sld>
-</file>
-
-<file path=ppt/slides/slide18.xml><?xml version="1.0" encoding="utf-8"?>
-<p:sld xmlns:a="http://schemas.openxmlformats.org/drawingml/2006/main" xmlns:r="http://schemas.openxmlformats.org/officeDocument/2006/relationships" xmlns:p="http://schemas.openxmlformats.org/presentationml/2006/main">
-  <p:cSld>
-    <p:spTree>
-      <p:nvGrpSpPr>
-        <p:cNvPr id="1" name=""/>
-        <p:cNvGrpSpPr/>
-        <p:nvPr/>
-      </p:nvGrpSpPr>
-      <p:grpSpPr>
-        <a:xfrm>
-          <a:off x="0" y="0"/>
-          <a:ext cx="0" cy="0"/>
-          <a:chOff x="0" y="0"/>
-          <a:chExt cx="0" cy="0"/>
-        </a:xfrm>
-      </p:grpSpPr>
-      <p:sp>
-        <p:nvSpPr>
-          <p:cNvPr id="2" name="Title 1">
-            <a:extLst>
-              <a:ext uri="{FF2B5EF4-FFF2-40B4-BE49-F238E27FC236}">
-                <a16:creationId xmlns:a16="http://schemas.microsoft.com/office/drawing/2014/main" id="{9B80411A-BC59-40F9-B321-F4F71DE73B32}"/>
-              </a:ext>
-            </a:extLst>
-          </p:cNvPr>
-          <p:cNvSpPr>
-            <a:spLocks noGrp="1"/>
-          </p:cNvSpPr>
-          <p:nvPr>
-            <p:ph type="ctrTitle"/>
-          </p:nvPr>
-        </p:nvSpPr>
-        <p:spPr/>
-        <p:txBody>
-          <a:bodyPr/>
-          <a:lstStyle/>
-          <a:p>
-            <a:r>
-              <a:rPr lang="en-IN" dirty="0"/>
-              <a:t>Thank you!</a:t>
-            </a:r>
-          </a:p>
-        </p:txBody>
-      </p:sp>
-      <p:sp>
-        <p:nvSpPr>
-          <p:cNvPr id="3" name="Subtitle 2">
-            <a:extLst>
-              <a:ext uri="{FF2B5EF4-FFF2-40B4-BE49-F238E27FC236}">
-                <a16:creationId xmlns:a16="http://schemas.microsoft.com/office/drawing/2014/main" id="{F8C78F0E-4824-4522-A15E-A8E0336E3A50}"/>
-              </a:ext>
-            </a:extLst>
-          </p:cNvPr>
-          <p:cNvSpPr>
-            <a:spLocks noGrp="1"/>
-          </p:cNvSpPr>
-          <p:nvPr>
-            <p:ph type="subTitle" idx="1"/>
-          </p:nvPr>
-        </p:nvSpPr>
-        <p:spPr/>
-        <p:txBody>
-          <a:bodyPr/>
-          <a:lstStyle/>
-          <a:p>
-            <a:endParaRPr lang="en-IN"/>
-          </a:p>
-        </p:txBody>
-      </p:sp>
-    </p:spTree>
-    <p:extLst>
-      <p:ext uri="{BB962C8B-B14F-4D97-AF65-F5344CB8AC3E}">
-        <p14:creationId xmlns:p14="http://schemas.microsoft.com/office/powerpoint/2010/main" val="27105398"/>
       </p:ext>
     </p:extLst>
   </p:cSld>
@@ -41083,6 +41532,89 @@
   </p:cSld>
   <p:clrMapOvr>
     <a:overrideClrMapping bg1="lt1" tx1="dk1" bg2="lt2" tx2="dk2" accent1="accent1" accent2="accent2" accent3="accent3" accent4="accent4" accent5="accent5" accent6="accent6" hlink="hlink" folHlink="folHlink"/>
+  </p:clrMapOvr>
+</p:sld>
+</file>
+
+<file path=ppt/slides/slide20.xml><?xml version="1.0" encoding="utf-8"?>
+<p:sld xmlns:a="http://schemas.openxmlformats.org/drawingml/2006/main" xmlns:r="http://schemas.openxmlformats.org/officeDocument/2006/relationships" xmlns:p="http://schemas.openxmlformats.org/presentationml/2006/main">
+  <p:cSld>
+    <p:spTree>
+      <p:nvGrpSpPr>
+        <p:cNvPr id="1" name=""/>
+        <p:cNvGrpSpPr/>
+        <p:nvPr/>
+      </p:nvGrpSpPr>
+      <p:grpSpPr>
+        <a:xfrm>
+          <a:off x="0" y="0"/>
+          <a:ext cx="0" cy="0"/>
+          <a:chOff x="0" y="0"/>
+          <a:chExt cx="0" cy="0"/>
+        </a:xfrm>
+      </p:grpSpPr>
+      <p:sp>
+        <p:nvSpPr>
+          <p:cNvPr id="2" name="Title 1">
+            <a:extLst>
+              <a:ext uri="{FF2B5EF4-FFF2-40B4-BE49-F238E27FC236}">
+                <a16:creationId xmlns:a16="http://schemas.microsoft.com/office/drawing/2014/main" id="{9B80411A-BC59-40F9-B321-F4F71DE73B32}"/>
+              </a:ext>
+            </a:extLst>
+          </p:cNvPr>
+          <p:cNvSpPr>
+            <a:spLocks noGrp="1"/>
+          </p:cNvSpPr>
+          <p:nvPr>
+            <p:ph type="ctrTitle"/>
+          </p:nvPr>
+        </p:nvSpPr>
+        <p:spPr/>
+        <p:txBody>
+          <a:bodyPr/>
+          <a:lstStyle/>
+          <a:p>
+            <a:r>
+              <a:rPr lang="en-IN" dirty="0"/>
+              <a:t>Thank you!</a:t>
+            </a:r>
+          </a:p>
+        </p:txBody>
+      </p:sp>
+      <p:sp>
+        <p:nvSpPr>
+          <p:cNvPr id="3" name="Subtitle 2">
+            <a:extLst>
+              <a:ext uri="{FF2B5EF4-FFF2-40B4-BE49-F238E27FC236}">
+                <a16:creationId xmlns:a16="http://schemas.microsoft.com/office/drawing/2014/main" id="{F8C78F0E-4824-4522-A15E-A8E0336E3A50}"/>
+              </a:ext>
+            </a:extLst>
+          </p:cNvPr>
+          <p:cNvSpPr>
+            <a:spLocks noGrp="1"/>
+          </p:cNvSpPr>
+          <p:nvPr>
+            <p:ph type="subTitle" idx="1"/>
+          </p:nvPr>
+        </p:nvSpPr>
+        <p:spPr/>
+        <p:txBody>
+          <a:bodyPr/>
+          <a:lstStyle/>
+          <a:p>
+            <a:endParaRPr lang="en-IN"/>
+          </a:p>
+        </p:txBody>
+      </p:sp>
+    </p:spTree>
+    <p:extLst>
+      <p:ext uri="{BB962C8B-B14F-4D97-AF65-F5344CB8AC3E}">
+        <p14:creationId xmlns:p14="http://schemas.microsoft.com/office/powerpoint/2010/main" val="27105398"/>
+      </p:ext>
+    </p:extLst>
+  </p:cSld>
+  <p:clrMapOvr>
+    <a:masterClrMapping/>
   </p:clrMapOvr>
 </p:sld>
 </file>
@@ -43335,41 +43867,6 @@
 <file path=ppt/slides/slide8.xml><?xml version="1.0" encoding="utf-8"?>
 <p:sld xmlns:a="http://schemas.openxmlformats.org/drawingml/2006/main" xmlns:r="http://schemas.openxmlformats.org/officeDocument/2006/relationships" xmlns:p="http://schemas.openxmlformats.org/presentationml/2006/main">
   <p:cSld>
-    <p:bg>
-      <p:bgPr>
-        <a:gradFill rotWithShape="1">
-          <a:gsLst>
-            <a:gs pos="0">
-              <a:schemeClr val="bg2">
-                <a:tint val="96000"/>
-                <a:shade val="100000"/>
-                <a:hueMod val="270000"/>
-                <a:satMod val="200000"/>
-                <a:lumMod val="128000"/>
-              </a:schemeClr>
-            </a:gs>
-            <a:gs pos="50000">
-              <a:schemeClr val="bg2">
-                <a:shade val="100000"/>
-                <a:hueMod val="100000"/>
-                <a:satMod val="110000"/>
-                <a:lumMod val="130000"/>
-              </a:schemeClr>
-            </a:gs>
-            <a:gs pos="100000">
-              <a:schemeClr val="bg2">
-                <a:shade val="78000"/>
-                <a:hueMod val="44000"/>
-                <a:satMod val="200000"/>
-                <a:lumMod val="69000"/>
-              </a:schemeClr>
-            </a:gs>
-          </a:gsLst>
-          <a:lin ang="2520000" scaled="0"/>
-        </a:gradFill>
-        <a:effectLst/>
-      </p:bgPr>
-    </p:bg>
     <p:spTree>
       <p:nvGrpSpPr>
         <p:cNvPr id="1" name=""/>
@@ -43384,236 +43881,12 @@
           <a:chExt cx="0" cy="0"/>
         </a:xfrm>
       </p:grpSpPr>
-      <p:sp useBgFill="1">
-        <p:nvSpPr>
-          <p:cNvPr id="73" name="Rectangle 72">
-            <a:extLst>
-              <a:ext uri="{FF2B5EF4-FFF2-40B4-BE49-F238E27FC236}">
-                <a16:creationId xmlns:a16="http://schemas.microsoft.com/office/drawing/2014/main" id="{F4979F40-3A44-4CCB-9EB7-F8318BCE576B}"/>
-              </a:ext>
-              <a:ext uri="{C183D7F6-B498-43B3-948B-1728B52AA6E4}">
-                <adec:decorative xmlns:adec="http://schemas.microsoft.com/office/drawing/2017/decorative" val="1"/>
-              </a:ext>
-            </a:extLst>
-          </p:cNvPr>
-          <p:cNvSpPr>
-            <a:spLocks noGrp="1" noRot="1" noChangeAspect="1" noMove="1" noResize="1" noEditPoints="1" noAdjustHandles="1" noChangeArrowheads="1" noChangeShapeType="1" noTextEdit="1"/>
-          </p:cNvSpPr>
-          <p:nvPr>
-            <p:extLst>
-              <p:ext uri="{386F3935-93C4-4BCD-93E2-E3B085C9AB24}">
-                <p16:designElem xmlns:p16="http://schemas.microsoft.com/office/powerpoint/2015/main" val="1"/>
-              </p:ext>
-            </p:extLst>
-          </p:nvPr>
-        </p:nvSpPr>
-        <p:spPr>
-          <a:xfrm>
-            <a:off x="0" y="-1"/>
-            <a:ext cx="12188824" cy="6858001"/>
-          </a:xfrm>
-          <a:prstGeom prst="rect">
-            <a:avLst/>
-          </a:prstGeom>
-          <a:ln>
-            <a:noFill/>
-          </a:ln>
-        </p:spPr>
-        <p:style>
-          <a:lnRef idx="2">
-            <a:schemeClr val="accent1">
-              <a:shade val="50000"/>
-            </a:schemeClr>
-          </a:lnRef>
-          <a:fillRef idx="1">
-            <a:schemeClr val="accent1"/>
-          </a:fillRef>
-          <a:effectRef idx="0">
-            <a:schemeClr val="accent1"/>
-          </a:effectRef>
-          <a:fontRef idx="minor">
-            <a:schemeClr val="lt1"/>
-          </a:fontRef>
-        </p:style>
-        <p:txBody>
-          <a:bodyPr rtlCol="0" anchor="ctr"/>
-          <a:lstStyle/>
-          <a:p>
-            <a:pPr algn="ctr"/>
-            <a:endParaRPr lang="en-US"/>
-          </a:p>
-        </p:txBody>
-      </p:sp>
-      <p:pic>
-        <p:nvPicPr>
-          <p:cNvPr id="75" name="Picture 74">
-            <a:extLst>
-              <a:ext uri="{FF2B5EF4-FFF2-40B4-BE49-F238E27FC236}">
-                <a16:creationId xmlns:a16="http://schemas.microsoft.com/office/drawing/2014/main" id="{15291D39-6B03-4BB5-BFC6-CBF11E90BFD6}"/>
-              </a:ext>
-              <a:ext uri="{C183D7F6-B498-43B3-948B-1728B52AA6E4}">
-                <adec:decorative xmlns:adec="http://schemas.microsoft.com/office/drawing/2017/decorative" val="1"/>
-              </a:ext>
-            </a:extLst>
-          </p:cNvPr>
-          <p:cNvPicPr>
-            <a:picLocks noGrp="1" noRot="1" noChangeAspect="1" noMove="1" noResize="1" noEditPoints="1" noAdjustHandles="1" noChangeArrowheads="1" noChangeShapeType="1" noCrop="1"/>
-          </p:cNvPicPr>
-          <p:nvPr>
-            <p:extLst>
-              <p:ext uri="{386F3935-93C4-4BCD-93E2-E3B085C9AB24}">
-                <p16:designElem xmlns:p16="http://schemas.microsoft.com/office/powerpoint/2015/main" val="1"/>
-              </p:ext>
-            </p:extLst>
-          </p:nvPr>
-        </p:nvPicPr>
-        <p:blipFill>
-          <a:blip r:embed="rId2">
-            <a:alphaModFix amt="10000"/>
-            <a:extLst>
-              <a:ext uri="{28A0092B-C50C-407E-A947-70E740481C1C}">
-                <a14:useLocalDpi xmlns:a14="http://schemas.microsoft.com/office/drawing/2010/main" val="0"/>
-              </a:ext>
-            </a:extLst>
-          </a:blip>
-          <a:stretch>
-            <a:fillRect/>
-          </a:stretch>
-        </p:blipFill>
-        <p:spPr>
-          <a:xfrm>
-            <a:off x="-3176" y="0"/>
-            <a:ext cx="12192000" cy="6858000"/>
-          </a:xfrm>
-          <a:prstGeom prst="rect">
-            <a:avLst/>
-          </a:prstGeom>
-        </p:spPr>
-      </p:pic>
-      <p:sp>
-        <p:nvSpPr>
-          <p:cNvPr id="77" name="Rectangle 76">
-            <a:extLst>
-              <a:ext uri="{FF2B5EF4-FFF2-40B4-BE49-F238E27FC236}">
-                <a16:creationId xmlns:a16="http://schemas.microsoft.com/office/drawing/2014/main" id="{AFD071FA-0514-4371-9568-86216A1F4658}"/>
-              </a:ext>
-              <a:ext uri="{C183D7F6-B498-43B3-948B-1728B52AA6E4}">
-                <adec:decorative xmlns:adec="http://schemas.microsoft.com/office/drawing/2017/decorative" val="1"/>
-              </a:ext>
-            </a:extLst>
-          </p:cNvPr>
-          <p:cNvSpPr>
-            <a:spLocks noGrp="1" noRot="1" noChangeAspect="1" noMove="1" noResize="1" noEditPoints="1" noAdjustHandles="1" noChangeArrowheads="1" noChangeShapeType="1" noTextEdit="1"/>
-          </p:cNvSpPr>
-          <p:nvPr>
-            <p:extLst>
-              <p:ext uri="{386F3935-93C4-4BCD-93E2-E3B085C9AB24}">
-                <p16:designElem xmlns:p16="http://schemas.microsoft.com/office/powerpoint/2015/main" val="1"/>
-              </p:ext>
-            </p:extLst>
-          </p:nvPr>
-        </p:nvSpPr>
-        <p:spPr>
-          <a:xfrm>
-            <a:off x="4639056" y="0"/>
-            <a:ext cx="7552944" cy="6858001"/>
-          </a:xfrm>
-          <a:prstGeom prst="rect">
-            <a:avLst/>
-          </a:prstGeom>
-          <a:ln>
-            <a:noFill/>
-          </a:ln>
-        </p:spPr>
-        <p:style>
-          <a:lnRef idx="2">
-            <a:schemeClr val="accent1">
-              <a:shade val="50000"/>
-            </a:schemeClr>
-          </a:lnRef>
-          <a:fillRef idx="1">
-            <a:schemeClr val="accent1"/>
-          </a:fillRef>
-          <a:effectRef idx="0">
-            <a:schemeClr val="accent1"/>
-          </a:effectRef>
-          <a:fontRef idx="minor">
-            <a:schemeClr val="lt1"/>
-          </a:fontRef>
-        </p:style>
-        <p:txBody>
-          <a:bodyPr rtlCol="0" anchor="ctr"/>
-          <a:lstStyle/>
-          <a:p>
-            <a:pPr algn="ctr"/>
-            <a:endParaRPr lang="en-US"/>
-          </a:p>
-        </p:txBody>
-      </p:sp>
-      <p:sp>
-        <p:nvSpPr>
-          <p:cNvPr id="79" name="Rectangle 78">
-            <a:extLst>
-              <a:ext uri="{FF2B5EF4-FFF2-40B4-BE49-F238E27FC236}">
-                <a16:creationId xmlns:a16="http://schemas.microsoft.com/office/drawing/2014/main" id="{5211DDA4-E7B5-4325-A844-B7F59B084BA7}"/>
-              </a:ext>
-              <a:ext uri="{C183D7F6-B498-43B3-948B-1728B52AA6E4}">
-                <adec:decorative xmlns:adec="http://schemas.microsoft.com/office/drawing/2017/decorative" val="1"/>
-              </a:ext>
-            </a:extLst>
-          </p:cNvPr>
-          <p:cNvSpPr>
-            <a:spLocks noGrp="1" noRot="1" noChangeAspect="1" noMove="1" noResize="1" noEditPoints="1" noAdjustHandles="1" noChangeArrowheads="1" noChangeShapeType="1" noTextEdit="1"/>
-          </p:cNvSpPr>
-          <p:nvPr>
-            <p:extLst>
-              <p:ext uri="{386F3935-93C4-4BCD-93E2-E3B085C9AB24}">
-                <p16:designElem xmlns:p16="http://schemas.microsoft.com/office/powerpoint/2015/main" val="1"/>
-              </p:ext>
-            </p:extLst>
-          </p:nvPr>
-        </p:nvSpPr>
-        <p:spPr bwMode="grayWhite">
-          <a:xfrm>
-            <a:off x="2" y="609600"/>
-            <a:ext cx="4959094" cy="1368198"/>
-          </a:xfrm>
-          <a:prstGeom prst="rect">
-            <a:avLst/>
-          </a:prstGeom>
-          <a:solidFill>
-            <a:schemeClr val="bg1">
-              <a:lumMod val="85000"/>
-              <a:lumOff val="15000"/>
-            </a:schemeClr>
-          </a:solidFill>
-          <a:ln>
-            <a:noFill/>
-          </a:ln>
-        </p:spPr>
-        <p:style>
-          <a:lnRef idx="2">
-            <a:schemeClr val="accent1">
-              <a:shade val="50000"/>
-            </a:schemeClr>
-          </a:lnRef>
-          <a:fillRef idx="1">
-            <a:schemeClr val="accent1"/>
-          </a:fillRef>
-          <a:effectRef idx="0">
-            <a:schemeClr val="accent1"/>
-          </a:effectRef>
-          <a:fontRef idx="minor">
-            <a:schemeClr val="lt1"/>
-          </a:fontRef>
-        </p:style>
-      </p:sp>
       <p:sp>
         <p:nvSpPr>
           <p:cNvPr id="2" name="Title 1">
             <a:extLst>
               <a:ext uri="{FF2B5EF4-FFF2-40B4-BE49-F238E27FC236}">
-                <a16:creationId xmlns:a16="http://schemas.microsoft.com/office/drawing/2014/main" id="{DAB97BFB-078A-4095-B016-B65F91CDF582}"/>
+                <a16:creationId xmlns:a16="http://schemas.microsoft.com/office/drawing/2014/main" id="{C08E7173-7AFA-4A54-9F57-76C2B0428C11}"/>
               </a:ext>
             </a:extLst>
           </p:cNvPr>
@@ -43626,143 +43899,136 @@
         </p:nvSpPr>
         <p:spPr>
           <a:xfrm>
-            <a:off x="680321" y="753228"/>
-            <a:ext cx="4136123" cy="1080938"/>
+            <a:off x="680320" y="753228"/>
+            <a:ext cx="9613861" cy="1080938"/>
           </a:xfrm>
         </p:spPr>
         <p:txBody>
-          <a:bodyPr>
-            <a:normAutofit/>
-          </a:bodyPr>
+          <a:bodyPr/>
           <a:lstStyle/>
           <a:p>
             <a:r>
-              <a:rPr lang="en-IN" sz="2400"/>
-              <a:t>Discriminator Strategy</a:t>
+              <a:rPr lang="en-IN" dirty="0"/>
+              <a:t>Generator Network</a:t>
             </a:r>
           </a:p>
         </p:txBody>
       </p:sp>
-      <p:pic>
-        <p:nvPicPr>
-          <p:cNvPr id="81" name="Picture 80">
+      <p:sp>
+        <p:nvSpPr>
+          <p:cNvPr id="3" name="Content Placeholder 2">
             <a:extLst>
               <a:ext uri="{FF2B5EF4-FFF2-40B4-BE49-F238E27FC236}">
-                <a16:creationId xmlns:a16="http://schemas.microsoft.com/office/drawing/2014/main" id="{0D58E222-6309-4F79-AC20-9D3C69CD9B16}"/>
-              </a:ext>
-              <a:ext uri="{C183D7F6-B498-43B3-948B-1728B52AA6E4}">
-                <adec:decorative xmlns:adec="http://schemas.microsoft.com/office/drawing/2017/decorative" val="1"/>
+                <a16:creationId xmlns:a16="http://schemas.microsoft.com/office/drawing/2014/main" id="{BEC8DD4F-5F4D-4B8A-B099-00DBEC3E32CA}"/>
               </a:ext>
             </a:extLst>
           </p:cNvPr>
-          <p:cNvPicPr>
-            <a:picLocks noGrp="1" noRot="1" noChangeAspect="1" noMove="1" noResize="1" noEditPoints="1" noAdjustHandles="1" noChangeArrowheads="1" noChangeShapeType="1" noCrop="1"/>
-          </p:cNvPicPr>
+          <p:cNvSpPr>
+            <a:spLocks noGrp="1"/>
+          </p:cNvSpPr>
           <p:nvPr>
-            <p:extLst>
-              <p:ext uri="{386F3935-93C4-4BCD-93E2-E3B085C9AB24}">
-                <p16:designElem xmlns:p16="http://schemas.microsoft.com/office/powerpoint/2015/main" val="1"/>
-              </p:ext>
-            </p:extLst>
+            <p:ph idx="1"/>
           </p:nvPr>
-        </p:nvPicPr>
-        <p:blipFill>
-          <a:blip r:embed="rId3">
+        </p:nvSpPr>
+        <p:spPr>
+          <a:xfrm>
+            <a:off x="680319" y="3888088"/>
+            <a:ext cx="9613861" cy="3599316"/>
+          </a:xfrm>
+        </p:spPr>
+        <p:txBody>
+          <a:bodyPr/>
+          <a:lstStyle/>
+          <a:p>
+            <a:r>
+              <a:rPr lang="en-IN" dirty="0"/>
+              <a:t>Must be differentiable</a:t>
+            </a:r>
+          </a:p>
+          <a:p>
+            <a:r>
+              <a:rPr lang="en-IN" dirty="0"/>
+              <a:t>No invertibility requirement</a:t>
+            </a:r>
+          </a:p>
+          <a:p>
+            <a:r>
+              <a:rPr lang="en-IN" dirty="0"/>
+              <a:t>Trainable for any size of z </a:t>
+            </a:r>
+          </a:p>
+          <a:p>
+            <a:r>
+              <a:rPr lang="en-IN" dirty="0"/>
+              <a:t>Some guarantees require z to have higher dimension than x </a:t>
+            </a:r>
+          </a:p>
+          <a:p>
+            <a:r>
+              <a:rPr lang="en-IN" dirty="0"/>
+              <a:t>Can make x conditionally Gaussian given z but need not do so</a:t>
+            </a:r>
+          </a:p>
+          <a:p>
+            <a:pPr marL="0" indent="0">
+              <a:buNone/>
+            </a:pPr>
+            <a:endParaRPr lang="en-IN" dirty="0"/>
+          </a:p>
+        </p:txBody>
+      </p:sp>
+      <p:sp>
+        <p:nvSpPr>
+          <p:cNvPr id="4" name="TextBox 3">
             <a:extLst>
-              <a:ext uri="{28A0092B-C50C-407E-A947-70E740481C1C}">
-                <a14:useLocalDpi xmlns:a14="http://schemas.microsoft.com/office/drawing/2010/main" val="0"/>
+              <a:ext uri="{FF2B5EF4-FFF2-40B4-BE49-F238E27FC236}">
+                <a16:creationId xmlns:a16="http://schemas.microsoft.com/office/drawing/2014/main" id="{E108B976-40E5-4F49-9AE7-95DAF48EC0B5}"/>
               </a:ext>
             </a:extLst>
-          </a:blip>
-          <a:stretch>
-            <a:fillRect/>
-          </a:stretch>
-        </p:blipFill>
+          </p:cNvPr>
+          <p:cNvSpPr txBox="1"/>
+          <p:nvPr/>
+        </p:nvSpPr>
         <p:spPr>
           <a:xfrm>
-            <a:off x="2" y="1970241"/>
-            <a:ext cx="4956048" cy="199787"/>
+            <a:off x="1812471" y="2505670"/>
+            <a:ext cx="7788729" cy="923330"/>
           </a:xfrm>
           <a:prstGeom prst="rect">
             <a:avLst/>
           </a:prstGeom>
+          <a:noFill/>
         </p:spPr>
-      </p:pic>
-      <p:graphicFrame>
-        <p:nvGraphicFramePr>
-          <p:cNvPr id="4" name="Content Placeholder 3">
-            <a:extLst>
-              <a:ext uri="{FF2B5EF4-FFF2-40B4-BE49-F238E27FC236}">
-                <a16:creationId xmlns:a16="http://schemas.microsoft.com/office/drawing/2014/main" id="{44B7C1B8-860E-44F8-97A5-DB9FD5E1483F}"/>
-              </a:ext>
-            </a:extLst>
-          </p:cNvPr>
-          <p:cNvGraphicFramePr>
-            <a:graphicFrameLocks noGrp="1"/>
-          </p:cNvGraphicFramePr>
-          <p:nvPr>
-            <p:ph idx="1"/>
-            <p:extLst>
-              <p:ext uri="{D42A27DB-BD31-4B8C-83A1-F6EECF244321}">
-                <p14:modId xmlns:p14="http://schemas.microsoft.com/office/powerpoint/2010/main" val="4169934621"/>
-              </p:ext>
-            </p:extLst>
-          </p:nvPr>
-        </p:nvGraphicFramePr>
-        <p:xfrm>
-          <a:off x="195072" y="2336873"/>
-          <a:ext cx="4141539" cy="3295831"/>
-        </p:xfrm>
-        <a:graphic>
-          <a:graphicData uri="http://schemas.openxmlformats.org/drawingml/2006/diagram">
-            <dgm:relIds xmlns:dgm="http://schemas.openxmlformats.org/drawingml/2006/diagram" xmlns:r="http://schemas.openxmlformats.org/officeDocument/2006/relationships" r:dm="rId4" r:lo="rId5" r:qs="rId6" r:cs="rId7"/>
-          </a:graphicData>
-        </a:graphic>
-      </p:graphicFrame>
-      <p:pic>
-        <p:nvPicPr>
-          <p:cNvPr id="196" name="Picture 195">
-            <a:extLst>
-              <a:ext uri="{FF2B5EF4-FFF2-40B4-BE49-F238E27FC236}">
-                <a16:creationId xmlns:a16="http://schemas.microsoft.com/office/drawing/2014/main" id="{EE154F0E-CE7A-4289-8373-8181DFEC4F02}"/>
-              </a:ext>
-            </a:extLst>
-          </p:cNvPr>
-          <p:cNvPicPr>
-            <a:picLocks noChangeAspect="1"/>
-          </p:cNvPicPr>
-          <p:nvPr/>
-        </p:nvPicPr>
-        <p:blipFill>
-          <a:blip r:embed="rId9"/>
-          <a:stretch>
-            <a:fillRect/>
-          </a:stretch>
-        </p:blipFill>
-        <p:spPr>
-          <a:xfrm>
-            <a:off x="5276090" y="858514"/>
-            <a:ext cx="6269479" cy="5140972"/>
-          </a:xfrm>
-          <a:prstGeom prst="rect">
-            <a:avLst/>
-          </a:prstGeom>
-          <a:ln>
-            <a:noFill/>
-          </a:ln>
-          <a:effectLst>
-            <a:outerShdw blurRad="76200" dist="63500" dir="5040000" algn="tl" rotWithShape="0">
-              <a:srgbClr val="000000">
-                <a:alpha val="41000"/>
-              </a:srgbClr>
-            </a:outerShdw>
-          </a:effectLst>
-        </p:spPr>
-      </p:pic>
+        <p:txBody>
+          <a:bodyPr wrap="square" rtlCol="0">
+            <a:spAutoFit/>
+          </a:bodyPr>
+          <a:lstStyle/>
+          <a:p>
+            <a:pPr algn="ctr"/>
+            <a:r>
+              <a:rPr lang="en-IN" sz="5400" dirty="0"/>
+              <a:t>x = G(z; </a:t>
+            </a:r>
+            <a:r>
+              <a:rPr lang="el-GR" sz="5400" dirty="0"/>
+              <a:t>θ</a:t>
+            </a:r>
+            <a:r>
+              <a:rPr lang="en-IN" sz="5400" baseline="-25000" dirty="0"/>
+              <a:t>g</a:t>
+            </a:r>
+            <a:r>
+              <a:rPr lang="en-IN" sz="5400" dirty="0"/>
+              <a:t>)</a:t>
+            </a:r>
+          </a:p>
+        </p:txBody>
+      </p:sp>
     </p:spTree>
     <p:extLst>
       <p:ext uri="{BB962C8B-B14F-4D97-AF65-F5344CB8AC3E}">
-        <p14:creationId xmlns:p14="http://schemas.microsoft.com/office/powerpoint/2010/main" val="2323724049"/>
+        <p14:creationId xmlns:p14="http://schemas.microsoft.com/office/powerpoint/2010/main" val="305089847"/>
       </p:ext>
     </p:extLst>
   </p:cSld>
@@ -43794,7 +44060,7 @@
           <p:cNvPr id="2" name="Title 1">
             <a:extLst>
               <a:ext uri="{FF2B5EF4-FFF2-40B4-BE49-F238E27FC236}">
-                <a16:creationId xmlns:a16="http://schemas.microsoft.com/office/drawing/2014/main" id="{017089D0-DF50-452A-850D-066F5C18FF57}"/>
+                <a16:creationId xmlns:a16="http://schemas.microsoft.com/office/drawing/2014/main" id="{0F74ED92-EB5D-485F-AA1B-AEC49E622FF1}"/>
               </a:ext>
             </a:extLst>
           </p:cNvPr>
@@ -43812,17 +44078,100 @@
           <a:p>
             <a:r>
               <a:rPr lang="en-IN" dirty="0"/>
-              <a:t>Algorithm Used</a:t>
+              <a:t>Minimax Game</a:t>
             </a:r>
+          </a:p>
+        </p:txBody>
+      </p:sp>
+      <p:sp>
+        <p:nvSpPr>
+          <p:cNvPr id="3" name="Content Placeholder 2">
+            <a:extLst>
+              <a:ext uri="{FF2B5EF4-FFF2-40B4-BE49-F238E27FC236}">
+                <a16:creationId xmlns:a16="http://schemas.microsoft.com/office/drawing/2014/main" id="{8E97466B-C5D3-4155-AE75-68C8FC4BE1A7}"/>
+              </a:ext>
+            </a:extLst>
+          </p:cNvPr>
+          <p:cNvSpPr>
+            <a:spLocks noGrp="1"/>
+          </p:cNvSpPr>
+          <p:nvPr>
+            <p:ph idx="1"/>
+          </p:nvPr>
+        </p:nvSpPr>
+        <p:spPr>
+          <a:xfrm>
+            <a:off x="680321" y="4713328"/>
+            <a:ext cx="9613861" cy="3599316"/>
+          </a:xfrm>
+        </p:spPr>
+        <p:txBody>
+          <a:bodyPr/>
+          <a:lstStyle/>
+          <a:p>
+            <a:r>
+              <a:rPr lang="en-US" dirty="0"/>
+              <a:t>Equilibrium is a saddle point of the discriminator loss</a:t>
+            </a:r>
+          </a:p>
+          <a:p>
+            <a:r>
+              <a:rPr lang="en-IN" dirty="0"/>
+              <a:t>Resembles Jensen-Shannon divergence</a:t>
+            </a:r>
+            <a:endParaRPr lang="en-US" dirty="0"/>
+          </a:p>
+          <a:p>
+            <a:r>
+              <a:rPr lang="en-US" dirty="0"/>
+              <a:t>Generator minimizes the log-probability of the discriminator being correct</a:t>
+            </a:r>
+            <a:endParaRPr lang="en-IN" dirty="0"/>
+          </a:p>
+        </p:txBody>
+      </p:sp>
+      <p:sp>
+        <p:nvSpPr>
+          <p:cNvPr id="5" name="TextBox 4">
+            <a:extLst>
+              <a:ext uri="{FF2B5EF4-FFF2-40B4-BE49-F238E27FC236}">
+                <a16:creationId xmlns:a16="http://schemas.microsoft.com/office/drawing/2014/main" id="{FD173E24-3695-43BB-876B-5781A67DC962}"/>
+              </a:ext>
+            </a:extLst>
+          </p:cNvPr>
+          <p:cNvSpPr txBox="1"/>
+          <p:nvPr/>
+        </p:nvSpPr>
+        <p:spPr>
+          <a:xfrm>
+            <a:off x="898071" y="2302329"/>
+            <a:ext cx="9127672" cy="830997"/>
+          </a:xfrm>
+          <a:prstGeom prst="rect">
+            <a:avLst/>
+          </a:prstGeom>
+          <a:noFill/>
+        </p:spPr>
+        <p:txBody>
+          <a:bodyPr wrap="square" rtlCol="0">
+            <a:spAutoFit/>
+          </a:bodyPr>
+          <a:lstStyle/>
+          <a:p>
+            <a:r>
+              <a:rPr lang="en-US" sz="2400" dirty="0"/>
+              <a:t>In other words, D and G play the following two-player minimax game with value function V (G, D):</a:t>
+            </a:r>
+            <a:endParaRPr lang="en-IN" sz="2400" dirty="0"/>
           </a:p>
         </p:txBody>
       </p:sp>
       <p:pic>
         <p:nvPicPr>
-          <p:cNvPr id="5" name="Picture 4">
+          <p:cNvPr id="7" name="Picture 6">
             <a:extLst>
               <a:ext uri="{FF2B5EF4-FFF2-40B4-BE49-F238E27FC236}">
-                <a16:creationId xmlns:a16="http://schemas.microsoft.com/office/drawing/2014/main" id="{87A9B751-F9CD-4BE9-961F-F5DCF080F986}"/>
+                <a16:creationId xmlns:a16="http://schemas.microsoft.com/office/drawing/2014/main" id="{270F5702-42C3-4E9F-8F1F-D225B6FBF130}"/>
               </a:ext>
             </a:extLst>
           </p:cNvPr>
@@ -43839,8 +44188,8 @@
         </p:blipFill>
         <p:spPr>
           <a:xfrm>
-            <a:off x="1572633" y="2084832"/>
-            <a:ext cx="8379396" cy="4645152"/>
+            <a:off x="898071" y="3414168"/>
+            <a:ext cx="9926605" cy="1080937"/>
           </a:xfrm>
           <a:prstGeom prst="rect">
             <a:avLst/>
@@ -43850,7 +44199,7 @@
     </p:spTree>
     <p:extLst>
       <p:ext uri="{BB962C8B-B14F-4D97-AF65-F5344CB8AC3E}">
-        <p14:creationId xmlns:p14="http://schemas.microsoft.com/office/powerpoint/2010/main" val="768728977"/>
+        <p14:creationId xmlns:p14="http://schemas.microsoft.com/office/powerpoint/2010/main" val="951787404"/>
       </p:ext>
     </p:extLst>
   </p:cSld>
